--- a/docs/find_me.pptx
+++ b/docs/find_me.pptx
@@ -5,26 +5,27 @@
     <p:sldMasterId id="2147483672" r:id="rId4"/>
   </p:sldMasterIdLst>
   <p:notesMasterIdLst>
-    <p:notesMasterId r:id="rId19"/>
+    <p:notesMasterId r:id="rId20"/>
   </p:notesMasterIdLst>
   <p:handoutMasterIdLst>
-    <p:handoutMasterId r:id="rId20"/>
+    <p:handoutMasterId r:id="rId21"/>
   </p:handoutMasterIdLst>
   <p:sldIdLst>
     <p:sldId id="256" r:id="rId5"/>
     <p:sldId id="262" r:id="rId6"/>
     <p:sldId id="263" r:id="rId7"/>
-    <p:sldId id="264" r:id="rId8"/>
-    <p:sldId id="265" r:id="rId9"/>
-    <p:sldId id="266" r:id="rId10"/>
-    <p:sldId id="268" r:id="rId11"/>
-    <p:sldId id="269" r:id="rId12"/>
-    <p:sldId id="270" r:id="rId13"/>
-    <p:sldId id="267" r:id="rId14"/>
-    <p:sldId id="260" r:id="rId15"/>
-    <p:sldId id="271" r:id="rId16"/>
-    <p:sldId id="272" r:id="rId17"/>
-    <p:sldId id="259" r:id="rId18"/>
+    <p:sldId id="273" r:id="rId8"/>
+    <p:sldId id="264" r:id="rId9"/>
+    <p:sldId id="265" r:id="rId10"/>
+    <p:sldId id="266" r:id="rId11"/>
+    <p:sldId id="268" r:id="rId12"/>
+    <p:sldId id="269" r:id="rId13"/>
+    <p:sldId id="270" r:id="rId14"/>
+    <p:sldId id="267" r:id="rId15"/>
+    <p:sldId id="260" r:id="rId16"/>
+    <p:sldId id="271" r:id="rId17"/>
+    <p:sldId id="272" r:id="rId18"/>
+    <p:sldId id="259" r:id="rId19"/>
   </p:sldIdLst>
   <p:sldSz cx="12192000" cy="6858000"/>
   <p:notesSz cx="6858000" cy="9144000"/>
@@ -7318,7 +7319,7 @@
           <a:p>
             <a:fld id="{C6B3AB32-59DF-41F1-9618-EDFBF5049629}" type="slidenum">
               <a:rPr lang="en-US" smtClean="0"/>
-              <a:t>6</a:t>
+              <a:t>7</a:t>
             </a:fld>
             <a:endParaRPr lang="en-US" dirty="0"/>
           </a:p>
@@ -7402,7 +7403,7 @@
           <a:p>
             <a:fld id="{C6B3AB32-59DF-41F1-9618-EDFBF5049629}" type="slidenum">
               <a:rPr lang="en-US" smtClean="0"/>
-              <a:t>11</a:t>
+              <a:t>12</a:t>
             </a:fld>
             <a:endParaRPr lang="en-US" dirty="0"/>
           </a:p>
@@ -7486,7 +7487,7 @@
           <a:p>
             <a:fld id="{C6B3AB32-59DF-41F1-9618-EDFBF5049629}" type="slidenum">
               <a:rPr lang="en-US" smtClean="0"/>
-              <a:t>14</a:t>
+              <a:t>15</a:t>
             </a:fld>
             <a:endParaRPr lang="en-US" dirty="0"/>
           </a:p>
@@ -11719,6 +11720,94 @@
 <file path=ppt/slides/slide10.xml><?xml version="1.0" encoding="utf-8"?>
 <p:sld xmlns:a="http://schemas.openxmlformats.org/drawingml/2006/main" xmlns:r="http://schemas.openxmlformats.org/officeDocument/2006/relationships" xmlns:p="http://schemas.openxmlformats.org/presentationml/2006/main">
   <p:cSld>
+    <p:spTree>
+      <p:nvGrpSpPr>
+        <p:cNvPr id="1" name=""/>
+        <p:cNvGrpSpPr/>
+        <p:nvPr/>
+      </p:nvGrpSpPr>
+      <p:grpSpPr>
+        <a:xfrm>
+          <a:off x="0" y="0"/>
+          <a:ext cx="0" cy="0"/>
+          <a:chOff x="0" y="0"/>
+          <a:chExt cx="0" cy="0"/>
+        </a:xfrm>
+      </p:grpSpPr>
+      <p:sp>
+        <p:nvSpPr>
+          <p:cNvPr id="4" name="Title 3">
+            <a:extLst>
+              <a:ext uri="{FF2B5EF4-FFF2-40B4-BE49-F238E27FC236}">
+                <a16:creationId xmlns:a16="http://schemas.microsoft.com/office/drawing/2014/main" id="{DB056804-DCC2-473D-8229-101CED2564CC}"/>
+              </a:ext>
+            </a:extLst>
+          </p:cNvPr>
+          <p:cNvSpPr>
+            <a:spLocks noGrp="1"/>
+          </p:cNvSpPr>
+          <p:nvPr>
+            <p:ph type="title"/>
+          </p:nvPr>
+        </p:nvSpPr>
+        <p:spPr/>
+        <p:txBody>
+          <a:bodyPr/>
+          <a:lstStyle/>
+          <a:p>
+            <a:r>
+              <a:rPr lang="en-US" dirty="0" err="1"/>
+              <a:t>INDExing</a:t>
+            </a:r>
+            <a:endParaRPr lang="en-US" dirty="0"/>
+          </a:p>
+        </p:txBody>
+      </p:sp>
+      <p:pic>
+        <p:nvPicPr>
+          <p:cNvPr id="5" name="Picture 4">
+            <a:extLst>
+              <a:ext uri="{FF2B5EF4-FFF2-40B4-BE49-F238E27FC236}">
+                <a16:creationId xmlns:a16="http://schemas.microsoft.com/office/drawing/2014/main" id="{DF5D9050-4DFA-4E51-99C9-9BFDFCC2CFE6}"/>
+              </a:ext>
+            </a:extLst>
+          </p:cNvPr>
+          <p:cNvPicPr>
+            <a:picLocks noChangeAspect="1"/>
+          </p:cNvPicPr>
+          <p:nvPr/>
+        </p:nvPicPr>
+        <p:blipFill rotWithShape="1">
+          <a:blip r:embed="rId2"/>
+          <a:srcRect t="5872"/>
+          <a:stretch/>
+        </p:blipFill>
+        <p:spPr>
+          <a:xfrm>
+            <a:off x="4612188" y="1937858"/>
+            <a:ext cx="2967623" cy="4777530"/>
+          </a:xfrm>
+          <a:prstGeom prst="rect">
+            <a:avLst/>
+          </a:prstGeom>
+        </p:spPr>
+      </p:pic>
+    </p:spTree>
+    <p:extLst>
+      <p:ext uri="{BB962C8B-B14F-4D97-AF65-F5344CB8AC3E}">
+        <p14:creationId xmlns:p14="http://schemas.microsoft.com/office/powerpoint/2010/main" val="358515167"/>
+      </p:ext>
+    </p:extLst>
+  </p:cSld>
+  <p:clrMapOvr>
+    <a:masterClrMapping/>
+  </p:clrMapOvr>
+</p:sld>
+</file>
+
+<file path=ppt/slides/slide11.xml><?xml version="1.0" encoding="utf-8"?>
+<p:sld xmlns:a="http://schemas.openxmlformats.org/drawingml/2006/main" xmlns:r="http://schemas.openxmlformats.org/officeDocument/2006/relationships" xmlns:p="http://schemas.openxmlformats.org/presentationml/2006/main">
+  <p:cSld>
     <p:bg>
       <p:bgPr>
         <a:blipFill dpi="0" rotWithShape="1">
@@ -11788,7 +11877,7 @@
 </p:sld>
 </file>
 
-<file path=ppt/slides/slide11.xml><?xml version="1.0" encoding="utf-8"?>
+<file path=ppt/slides/slide12.xml><?xml version="1.0" encoding="utf-8"?>
 <p:sld xmlns:a="http://schemas.openxmlformats.org/drawingml/2006/main" xmlns:r="http://schemas.openxmlformats.org/officeDocument/2006/relationships" xmlns:p="http://schemas.openxmlformats.org/presentationml/2006/main">
   <p:cSld>
     <p:bg>
@@ -12264,7 +12353,7 @@
 </p:sld>
 </file>
 
-<file path=ppt/slides/slide12.xml><?xml version="1.0" encoding="utf-8"?>
+<file path=ppt/slides/slide13.xml><?xml version="1.0" encoding="utf-8"?>
 <p:sld xmlns:a="http://schemas.openxmlformats.org/drawingml/2006/main" xmlns:r="http://schemas.openxmlformats.org/officeDocument/2006/relationships" xmlns:p="http://schemas.openxmlformats.org/presentationml/2006/main">
   <p:cSld>
     <p:spTree>
@@ -12344,7 +12433,7 @@
 </p:sld>
 </file>
 
-<file path=ppt/slides/slide13.xml><?xml version="1.0" encoding="utf-8"?>
+<file path=ppt/slides/slide14.xml><?xml version="1.0" encoding="utf-8"?>
 <p:sld xmlns:a="http://schemas.openxmlformats.org/drawingml/2006/main" xmlns:r="http://schemas.openxmlformats.org/officeDocument/2006/relationships" xmlns:p="http://schemas.openxmlformats.org/presentationml/2006/main">
   <p:cSld>
     <p:spTree>
@@ -12424,7 +12513,7 @@
 </p:sld>
 </file>
 
-<file path=ppt/slides/slide14.xml><?xml version="1.0" encoding="utf-8"?>
+<file path=ppt/slides/slide15.xml><?xml version="1.0" encoding="utf-8"?>
 <p:sld xmlns:a="http://schemas.openxmlformats.org/drawingml/2006/main" xmlns:r="http://schemas.openxmlformats.org/officeDocument/2006/relationships" xmlns:p="http://schemas.openxmlformats.org/presentationml/2006/main">
   <p:cSld>
     <p:bg>
@@ -12945,7 +13034,99 @@
           <a:p>
             <a:r>
               <a:rPr lang="en-US" dirty="0"/>
-              <a:t>SYSTEM Architecture</a:t>
+              <a:t>SYSTEM Architecture - Tools</a:t>
+            </a:r>
+          </a:p>
+        </p:txBody>
+      </p:sp>
+      <p:sp>
+        <p:nvSpPr>
+          <p:cNvPr id="3" name="Content Placeholder 2">
+            <a:extLst>
+              <a:ext uri="{FF2B5EF4-FFF2-40B4-BE49-F238E27FC236}">
+                <a16:creationId xmlns:a16="http://schemas.microsoft.com/office/drawing/2014/main" id="{BB6ABDC9-DFFA-43A9-8D3F-7AF9A8BE8A97}"/>
+              </a:ext>
+            </a:extLst>
+          </p:cNvPr>
+          <p:cNvSpPr>
+            <a:spLocks noGrp="1"/>
+          </p:cNvSpPr>
+          <p:nvPr>
+            <p:ph idx="1"/>
+          </p:nvPr>
+        </p:nvSpPr>
+        <p:spPr/>
+        <p:txBody>
+          <a:bodyPr anchor="t"/>
+          <a:lstStyle/>
+          <a:p>
+            <a:r>
+              <a:rPr lang="en-US" dirty="0"/>
+              <a:t>Flask Framework</a:t>
+            </a:r>
+          </a:p>
+          <a:p>
+            <a:r>
+              <a:rPr lang="en-US" dirty="0"/>
+              <a:t>Graph Database (Neo4J)</a:t>
+            </a:r>
+          </a:p>
+        </p:txBody>
+      </p:sp>
+    </p:spTree>
+    <p:extLst>
+      <p:ext uri="{BB962C8B-B14F-4D97-AF65-F5344CB8AC3E}">
+        <p14:creationId xmlns:p14="http://schemas.microsoft.com/office/powerpoint/2010/main" val="24061293"/>
+      </p:ext>
+    </p:extLst>
+  </p:cSld>
+  <p:clrMapOvr>
+    <a:masterClrMapping/>
+  </p:clrMapOvr>
+</p:sld>
+</file>
+
+<file path=ppt/slides/slide4.xml><?xml version="1.0" encoding="utf-8"?>
+<p:sld xmlns:a="http://schemas.openxmlformats.org/drawingml/2006/main" xmlns:r="http://schemas.openxmlformats.org/officeDocument/2006/relationships" xmlns:p="http://schemas.openxmlformats.org/presentationml/2006/main">
+  <p:cSld>
+    <p:spTree>
+      <p:nvGrpSpPr>
+        <p:cNvPr id="1" name=""/>
+        <p:cNvGrpSpPr/>
+        <p:nvPr/>
+      </p:nvGrpSpPr>
+      <p:grpSpPr>
+        <a:xfrm>
+          <a:off x="0" y="0"/>
+          <a:ext cx="0" cy="0"/>
+          <a:chOff x="0" y="0"/>
+          <a:chExt cx="0" cy="0"/>
+        </a:xfrm>
+      </p:grpSpPr>
+      <p:sp>
+        <p:nvSpPr>
+          <p:cNvPr id="4" name="Title 3">
+            <a:extLst>
+              <a:ext uri="{FF2B5EF4-FFF2-40B4-BE49-F238E27FC236}">
+                <a16:creationId xmlns:a16="http://schemas.microsoft.com/office/drawing/2014/main" id="{DB056804-DCC2-473D-8229-101CED2564CC}"/>
+              </a:ext>
+            </a:extLst>
+          </p:cNvPr>
+          <p:cNvSpPr>
+            <a:spLocks noGrp="1"/>
+          </p:cNvSpPr>
+          <p:nvPr>
+            <p:ph type="title"/>
+          </p:nvPr>
+        </p:nvSpPr>
+        <p:spPr/>
+        <p:txBody>
+          <a:bodyPr/>
+          <a:lstStyle/>
+          <a:p>
+            <a:r>
+              <a:rPr lang="en-US" dirty="0"/>
+              <a:t>SYSTEM Architecture - components</a:t>
             </a:r>
           </a:p>
         </p:txBody>
@@ -12964,11 +13145,6 @@
           </p:cNvGraphicFramePr>
           <p:nvPr>
             <p:ph idx="1"/>
-            <p:extLst>
-              <p:ext uri="{D42A27DB-BD31-4B8C-83A1-F6EECF244321}">
-                <p14:modId xmlns:p14="http://schemas.microsoft.com/office/powerpoint/2010/main" val="899516271"/>
-              </p:ext>
-            </p:extLst>
           </p:nvPr>
         </p:nvGraphicFramePr>
         <p:xfrm>
@@ -12984,7 +13160,7 @@
     </p:spTree>
     <p:extLst>
       <p:ext uri="{BB962C8B-B14F-4D97-AF65-F5344CB8AC3E}">
-        <p14:creationId xmlns:p14="http://schemas.microsoft.com/office/powerpoint/2010/main" val="24061293"/>
+        <p14:creationId xmlns:p14="http://schemas.microsoft.com/office/powerpoint/2010/main" val="2298119931"/>
       </p:ext>
     </p:extLst>
   </p:cSld>
@@ -12994,7 +13170,7 @@
 </p:sld>
 </file>
 
-<file path=ppt/slides/slide4.xml><?xml version="1.0" encoding="utf-8"?>
+<file path=ppt/slides/slide5.xml><?xml version="1.0" encoding="utf-8"?>
 <p:sld xmlns:a="http://schemas.openxmlformats.org/drawingml/2006/main" xmlns:r="http://schemas.openxmlformats.org/officeDocument/2006/relationships" xmlns:p="http://schemas.openxmlformats.org/presentationml/2006/main">
   <p:cSld>
     <p:spTree>
@@ -13077,7 +13253,7 @@
 </p:sld>
 </file>
 
-<file path=ppt/slides/slide5.xml><?xml version="1.0" encoding="utf-8"?>
+<file path=ppt/slides/slide6.xml><?xml version="1.0" encoding="utf-8"?>
 <p:sld xmlns:a="http://schemas.openxmlformats.org/drawingml/2006/main" xmlns:r="http://schemas.openxmlformats.org/officeDocument/2006/relationships" xmlns:p="http://schemas.openxmlformats.org/presentationml/2006/main">
   <p:cSld>
     <p:spTree>
@@ -13165,7 +13341,7 @@
 </p:sld>
 </file>
 
-<file path=ppt/slides/slide6.xml><?xml version="1.0" encoding="utf-8"?>
+<file path=ppt/slides/slide7.xml><?xml version="1.0" encoding="utf-8"?>
 <p:sld xmlns:a="http://schemas.openxmlformats.org/drawingml/2006/main" xmlns:r="http://schemas.openxmlformats.org/officeDocument/2006/relationships" xmlns:p="http://schemas.openxmlformats.org/presentationml/2006/main">
   <p:cSld>
     <p:spTree>
@@ -13223,7 +13399,7 @@
 </p:sld>
 </file>
 
-<file path=ppt/slides/slide7.xml><?xml version="1.0" encoding="utf-8"?>
+<file path=ppt/slides/slide8.xml><?xml version="1.0" encoding="utf-8"?>
 <p:sld xmlns:a="http://schemas.openxmlformats.org/drawingml/2006/main" xmlns:r="http://schemas.openxmlformats.org/officeDocument/2006/relationships" xmlns:p="http://schemas.openxmlformats.org/presentationml/2006/main">
   <p:cSld>
     <p:spTree>
@@ -13310,7 +13486,7 @@
 </p:sld>
 </file>
 
-<file path=ppt/slides/slide8.xml><?xml version="1.0" encoding="utf-8"?>
+<file path=ppt/slides/slide9.xml><?xml version="1.0" encoding="utf-8"?>
 <p:sld xmlns:a="http://schemas.openxmlformats.org/drawingml/2006/main" xmlns:r="http://schemas.openxmlformats.org/officeDocument/2006/relationships" xmlns:p="http://schemas.openxmlformats.org/presentationml/2006/main">
   <p:cSld>
     <p:spTree>
@@ -13388,94 +13564,6 @@
     <p:extLst>
       <p:ext uri="{BB962C8B-B14F-4D97-AF65-F5344CB8AC3E}">
         <p14:creationId xmlns:p14="http://schemas.microsoft.com/office/powerpoint/2010/main" val="2695168328"/>
-      </p:ext>
-    </p:extLst>
-  </p:cSld>
-  <p:clrMapOvr>
-    <a:masterClrMapping/>
-  </p:clrMapOvr>
-</p:sld>
-</file>
-
-<file path=ppt/slides/slide9.xml><?xml version="1.0" encoding="utf-8"?>
-<p:sld xmlns:a="http://schemas.openxmlformats.org/drawingml/2006/main" xmlns:r="http://schemas.openxmlformats.org/officeDocument/2006/relationships" xmlns:p="http://schemas.openxmlformats.org/presentationml/2006/main">
-  <p:cSld>
-    <p:spTree>
-      <p:nvGrpSpPr>
-        <p:cNvPr id="1" name=""/>
-        <p:cNvGrpSpPr/>
-        <p:nvPr/>
-      </p:nvGrpSpPr>
-      <p:grpSpPr>
-        <a:xfrm>
-          <a:off x="0" y="0"/>
-          <a:ext cx="0" cy="0"/>
-          <a:chOff x="0" y="0"/>
-          <a:chExt cx="0" cy="0"/>
-        </a:xfrm>
-      </p:grpSpPr>
-      <p:sp>
-        <p:nvSpPr>
-          <p:cNvPr id="4" name="Title 3">
-            <a:extLst>
-              <a:ext uri="{FF2B5EF4-FFF2-40B4-BE49-F238E27FC236}">
-                <a16:creationId xmlns:a16="http://schemas.microsoft.com/office/drawing/2014/main" id="{DB056804-DCC2-473D-8229-101CED2564CC}"/>
-              </a:ext>
-            </a:extLst>
-          </p:cNvPr>
-          <p:cNvSpPr>
-            <a:spLocks noGrp="1"/>
-          </p:cNvSpPr>
-          <p:nvPr>
-            <p:ph type="title"/>
-          </p:nvPr>
-        </p:nvSpPr>
-        <p:spPr/>
-        <p:txBody>
-          <a:bodyPr/>
-          <a:lstStyle/>
-          <a:p>
-            <a:r>
-              <a:rPr lang="en-US" dirty="0" err="1"/>
-              <a:t>INDExing</a:t>
-            </a:r>
-            <a:endParaRPr lang="en-US" dirty="0"/>
-          </a:p>
-        </p:txBody>
-      </p:sp>
-      <p:pic>
-        <p:nvPicPr>
-          <p:cNvPr id="5" name="Picture 4">
-            <a:extLst>
-              <a:ext uri="{FF2B5EF4-FFF2-40B4-BE49-F238E27FC236}">
-                <a16:creationId xmlns:a16="http://schemas.microsoft.com/office/drawing/2014/main" id="{DF5D9050-4DFA-4E51-99C9-9BFDFCC2CFE6}"/>
-              </a:ext>
-            </a:extLst>
-          </p:cNvPr>
-          <p:cNvPicPr>
-            <a:picLocks noChangeAspect="1"/>
-          </p:cNvPicPr>
-          <p:nvPr/>
-        </p:nvPicPr>
-        <p:blipFill rotWithShape="1">
-          <a:blip r:embed="rId2"/>
-          <a:srcRect t="5872"/>
-          <a:stretch/>
-        </p:blipFill>
-        <p:spPr>
-          <a:xfrm>
-            <a:off x="4612188" y="1937858"/>
-            <a:ext cx="2967623" cy="4777530"/>
-          </a:xfrm>
-          <a:prstGeom prst="rect">
-            <a:avLst/>
-          </a:prstGeom>
-        </p:spPr>
-      </p:pic>
-    </p:spTree>
-    <p:extLst>
-      <p:ext uri="{BB962C8B-B14F-4D97-AF65-F5344CB8AC3E}">
-        <p14:creationId xmlns:p14="http://schemas.microsoft.com/office/powerpoint/2010/main" val="358515167"/>
       </p:ext>
     </p:extLst>
   </p:cSld>
@@ -14354,6 +14442,15 @@
 </file>
 
 <file path=customXml/item2.xml><?xml version="1.0" encoding="utf-8"?>
+<?mso-contentType ?>
+<FormTemplates xmlns="http://schemas.microsoft.com/sharepoint/v3/contenttype/forms">
+  <Display>DocumentLibraryForm</Display>
+  <Edit>DocumentLibraryForm</Edit>
+  <New>DocumentLibraryForm</New>
+</FormTemplates>
+</file>
+
+<file path=customXml/item3.xml><?xml version="1.0" encoding="utf-8"?>
 <ct:contentTypeSchema xmlns:ct="http://schemas.microsoft.com/office/2006/metadata/contentType" xmlns:ma="http://schemas.microsoft.com/office/2006/metadata/properties/metaAttributes" ct:_="" ma:_="" ma:contentTypeName="Document" ma:contentTypeID="0x01010079F111ED35F8CC479449609E8A0923A6" ma:contentTypeVersion="12" ma:contentTypeDescription="Create a new document." ma:contentTypeScope="" ma:versionID="93813dd7ca6ad654711aa0ab317e03a3">
   <xsd:schema xmlns:xsd="http://www.w3.org/2001/XMLSchema" xmlns:xs="http://www.w3.org/2001/XMLSchema" xmlns:p="http://schemas.microsoft.com/office/2006/metadata/properties" xmlns:ns2="71af3243-3dd4-4a8d-8c0d-dd76da1f02a5" xmlns:ns3="16c05727-aa75-4e4a-9b5f-8a80a1165891" targetNamespace="http://schemas.microsoft.com/office/2006/metadata/properties" ma:root="true" ma:fieldsID="f11dc0ce689dd3925e84e4e35398c6e7" ns2:_="" ns3:_="">
     <xsd:import namespace="71af3243-3dd4-4a8d-8c0d-dd76da1f02a5"/>
@@ -14574,15 +14671,6 @@
 </ct:contentTypeSchema>
 </file>
 
-<file path=customXml/item3.xml><?xml version="1.0" encoding="utf-8"?>
-<?mso-contentType ?>
-<FormTemplates xmlns="http://schemas.microsoft.com/sharepoint/v3/contenttype/forms">
-  <Display>DocumentLibraryForm</Display>
-  <Edit>DocumentLibraryForm</Edit>
-  <New>DocumentLibraryForm</New>
-</FormTemplates>
-</file>
-
 <file path=customXml/itemProps1.xml><?xml version="1.0" encoding="utf-8"?>
 <ds:datastoreItem xmlns:ds="http://schemas.openxmlformats.org/officeDocument/2006/customXml" ds:itemID="{55B48092-4A2C-4E16-B971-9ACADFFF69E4}">
   <ds:schemaRefs>
@@ -14594,6 +14682,14 @@
 </file>
 
 <file path=customXml/itemProps2.xml><?xml version="1.0" encoding="utf-8"?>
+<ds:datastoreItem xmlns:ds="http://schemas.openxmlformats.org/officeDocument/2006/customXml" ds:itemID="{3E586370-B0FB-4108-8B4F-329716A22E3A}">
+  <ds:schemaRefs>
+    <ds:schemaRef ds:uri="http://schemas.microsoft.com/sharepoint/v3/contenttype/forms"/>
+  </ds:schemaRefs>
+</ds:datastoreItem>
+</file>
+
+<file path=customXml/itemProps3.xml><?xml version="1.0" encoding="utf-8"?>
 <ds:datastoreItem xmlns:ds="http://schemas.openxmlformats.org/officeDocument/2006/customXml" ds:itemID="{E503B719-B9A6-4DC9-AA9D-06F16B758BCB}">
   <ds:schemaRefs>
     <ds:schemaRef ds:uri="http://schemas.microsoft.com/office/2006/metadata/contentType"/>
@@ -14610,12 +14706,4 @@
     <ds:schemaRef ds:uri="http://schemas.microsoft.com/internal/obd"/>
   </ds:schemaRefs>
 </ds:datastoreItem>
-</file>
-
-<file path=customXml/itemProps3.xml><?xml version="1.0" encoding="utf-8"?>
-<ds:datastoreItem xmlns:ds="http://schemas.openxmlformats.org/officeDocument/2006/customXml" ds:itemID="{3E586370-B0FB-4108-8B4F-329716A22E3A}">
-  <ds:schemaRefs>
-    <ds:schemaRef ds:uri="http://schemas.microsoft.com/sharepoint/v3/contenttype/forms"/>
-  </ds:schemaRefs>
-</ds:datastoreItem>
 </file>
--- a/docs/find_me.pptx
+++ b/docs/find_me.pptx
@@ -1967,7 +1967,7 @@
   <dgm:whole/>
   <dgm:extLst>
     <a:ext uri="http://schemas.microsoft.com/office/drawing/2008/diagram">
-      <dsp:dataModelExt xmlns:dsp="http://schemas.microsoft.com/office/drawing/2008/diagram" relId="rId6" minVer="http://schemas.openxmlformats.org/drawingml/2006/diagram"/>
+      <dsp:dataModelExt xmlns:dsp="http://schemas.microsoft.com/office/drawing/2008/diagram" relId="rId7" minVer="http://schemas.openxmlformats.org/drawingml/2006/diagram"/>
     </a:ext>
     <a:ext uri="{C62137D5-CB1D-491B-B009-E17868A290BF}">
       <dgm14:recolorImg xmlns:dgm14="http://schemas.microsoft.com/office/drawing/2010/diagram" val="1"/>
@@ -6723,7 +6723,7 @@
           <a:p>
             <a:fld id="{AF869721-F543-4A6C-BF9D-65D7CC540427}" type="datetimeFigureOut">
               <a:rPr lang="en-US" smtClean="0"/>
-              <a:t>5/27/2021</a:t>
+              <a:t>5/31/2021</a:t>
             </a:fld>
             <a:endParaRPr lang="en-US" dirty="0"/>
           </a:p>
@@ -6900,7 +6900,7 @@
           <a:p>
             <a:fld id="{C732326A-4C88-4AFB-AA5B-5919D81DFF5B}" type="datetimeFigureOut">
               <a:rPr lang="en-US" smtClean="0"/>
-              <a:t>5/27/2021</a:t>
+              <a:t>5/31/2021</a:t>
             </a:fld>
             <a:endParaRPr lang="en-US" dirty="0"/>
           </a:p>
@@ -7295,6 +7295,90 @@
           <a:bodyPr/>
           <a:lstStyle/>
           <a:p>
+            <a:endParaRPr lang="en-US" dirty="0"/>
+          </a:p>
+        </p:txBody>
+      </p:sp>
+      <p:sp>
+        <p:nvSpPr>
+          <p:cNvPr id="4" name="Slide Number Placeholder 3"/>
+          <p:cNvSpPr>
+            <a:spLocks noGrp="1"/>
+          </p:cNvSpPr>
+          <p:nvPr>
+            <p:ph type="sldNum" sz="quarter" idx="5"/>
+          </p:nvPr>
+        </p:nvSpPr>
+        <p:spPr/>
+        <p:txBody>
+          <a:bodyPr/>
+          <a:lstStyle/>
+          <a:p>
+            <a:fld id="{C6B3AB32-59DF-41F1-9618-EDFBF5049629}" type="slidenum">
+              <a:rPr lang="en-US" smtClean="0"/>
+              <a:t>4</a:t>
+            </a:fld>
+            <a:endParaRPr lang="en-US" dirty="0"/>
+          </a:p>
+        </p:txBody>
+      </p:sp>
+    </p:spTree>
+    <p:extLst>
+      <p:ext uri="{BB962C8B-B14F-4D97-AF65-F5344CB8AC3E}">
+        <p14:creationId xmlns:p14="http://schemas.microsoft.com/office/powerpoint/2010/main" val="2753073606"/>
+      </p:ext>
+    </p:extLst>
+  </p:cSld>
+  <p:clrMapOvr>
+    <a:masterClrMapping/>
+  </p:clrMapOvr>
+</p:notes>
+</file>
+
+<file path=ppt/notesSlides/notesSlide3.xml><?xml version="1.0" encoding="utf-8"?>
+<p:notes xmlns:a="http://schemas.openxmlformats.org/drawingml/2006/main" xmlns:r="http://schemas.openxmlformats.org/officeDocument/2006/relationships" xmlns:p="http://schemas.openxmlformats.org/presentationml/2006/main">
+  <p:cSld>
+    <p:spTree>
+      <p:nvGrpSpPr>
+        <p:cNvPr id="1" name=""/>
+        <p:cNvGrpSpPr/>
+        <p:nvPr/>
+      </p:nvGrpSpPr>
+      <p:grpSpPr>
+        <a:xfrm>
+          <a:off x="0" y="0"/>
+          <a:ext cx="0" cy="0"/>
+          <a:chOff x="0" y="0"/>
+          <a:chExt cx="0" cy="0"/>
+        </a:xfrm>
+      </p:grpSpPr>
+      <p:sp>
+        <p:nvSpPr>
+          <p:cNvPr id="2" name="Slide Image Placeholder 1"/>
+          <p:cNvSpPr>
+            <a:spLocks noGrp="1" noRot="1" noChangeAspect="1"/>
+          </p:cNvSpPr>
+          <p:nvPr>
+            <p:ph type="sldImg"/>
+          </p:nvPr>
+        </p:nvSpPr>
+        <p:spPr/>
+      </p:sp>
+      <p:sp>
+        <p:nvSpPr>
+          <p:cNvPr id="3" name="Notes Placeholder 2"/>
+          <p:cNvSpPr>
+            <a:spLocks noGrp="1"/>
+          </p:cNvSpPr>
+          <p:nvPr>
+            <p:ph type="body" idx="1"/>
+          </p:nvPr>
+        </p:nvSpPr>
+        <p:spPr/>
+        <p:txBody>
+          <a:bodyPr/>
+          <a:lstStyle/>
+          <a:p>
             <a:r>
               <a:rPr lang="en-US" dirty="0"/>
               <a:t>https://drive.google.com/file/d/17DjBDN78j0e-FsorBzU61J3DlUEmU9Wt/view?usp=sharing</a:t>
@@ -7338,7 +7422,7 @@
 </p:notes>
 </file>
 
-<file path=ppt/notesSlides/notesSlide3.xml><?xml version="1.0" encoding="utf-8"?>
+<file path=ppt/notesSlides/notesSlide4.xml><?xml version="1.0" encoding="utf-8"?>
 <p:notes xmlns:a="http://schemas.openxmlformats.org/drawingml/2006/main" xmlns:r="http://schemas.openxmlformats.org/officeDocument/2006/relationships" xmlns:p="http://schemas.openxmlformats.org/presentationml/2006/main">
   <p:cSld>
     <p:spTree>
@@ -7422,7 +7506,7 @@
 </p:notes>
 </file>
 
-<file path=ppt/notesSlides/notesSlide4.xml><?xml version="1.0" encoding="utf-8"?>
+<file path=ppt/notesSlides/notesSlide5.xml><?xml version="1.0" encoding="utf-8"?>
 <p:notes xmlns:a="http://schemas.openxmlformats.org/drawingml/2006/main" xmlns:r="http://schemas.openxmlformats.org/officeDocument/2006/relationships" xmlns:p="http://schemas.openxmlformats.org/presentationml/2006/main">
   <p:cSld>
     <p:spTree>
@@ -7752,7 +7836,7 @@
             <a:fld id="{B61BEF0D-F0BB-DE4B-95CE-6DB70DBA9567}" type="datetimeFigureOut">
               <a:rPr lang="en-US" smtClean="0"/>
               <a:pPr/>
-              <a:t>5/27/2021</a:t>
+              <a:t>5/31/2021</a:t>
             </a:fld>
             <a:endParaRPr lang="en-US" dirty="0"/>
           </a:p>
@@ -8016,7 +8100,7 @@
             <a:fld id="{B61BEF0D-F0BB-DE4B-95CE-6DB70DBA9567}" type="datetimeFigureOut">
               <a:rPr lang="en-US" smtClean="0"/>
               <a:pPr/>
-              <a:t>5/27/2021</a:t>
+              <a:t>5/31/2021</a:t>
             </a:fld>
             <a:endParaRPr lang="en-US" dirty="0"/>
           </a:p>
@@ -8253,7 +8337,7 @@
             <a:fld id="{B61BEF0D-F0BB-DE4B-95CE-6DB70DBA9567}" type="datetimeFigureOut">
               <a:rPr lang="en-US" smtClean="0"/>
               <a:pPr/>
-              <a:t>5/27/2021</a:t>
+              <a:t>5/31/2021</a:t>
             </a:fld>
             <a:endParaRPr lang="en-US" dirty="0"/>
           </a:p>
@@ -8495,7 +8579,7 @@
             <a:fld id="{B61BEF0D-F0BB-DE4B-95CE-6DB70DBA9567}" type="datetimeFigureOut">
               <a:rPr lang="en-US" smtClean="0"/>
               <a:pPr/>
-              <a:t>5/27/2021</a:t>
+              <a:t>5/31/2021</a:t>
             </a:fld>
             <a:endParaRPr lang="en-US" dirty="0"/>
           </a:p>
@@ -8804,7 +8888,7 @@
             <a:fld id="{B61BEF0D-F0BB-DE4B-95CE-6DB70DBA9567}" type="datetimeFigureOut">
               <a:rPr lang="en-US" smtClean="0"/>
               <a:pPr/>
-              <a:t>5/27/2021</a:t>
+              <a:t>5/31/2021</a:t>
             </a:fld>
             <a:endParaRPr lang="en-US" dirty="0"/>
           </a:p>
@@ -9108,7 +9192,7 @@
             <a:fld id="{B61BEF0D-F0BB-DE4B-95CE-6DB70DBA9567}" type="datetimeFigureOut">
               <a:rPr lang="en-US" smtClean="0"/>
               <a:pPr/>
-              <a:t>5/27/2021</a:t>
+              <a:t>5/31/2021</a:t>
             </a:fld>
             <a:endParaRPr lang="en-US" dirty="0"/>
           </a:p>
@@ -9532,7 +9616,7 @@
             <a:fld id="{B61BEF0D-F0BB-DE4B-95CE-6DB70DBA9567}" type="datetimeFigureOut">
               <a:rPr lang="en-US" smtClean="0"/>
               <a:pPr/>
-              <a:t>5/27/2021</a:t>
+              <a:t>5/31/2021</a:t>
             </a:fld>
             <a:endParaRPr lang="en-US" dirty="0"/>
           </a:p>
@@ -9629,7 +9713,7 @@
             <a:fld id="{B61BEF0D-F0BB-DE4B-95CE-6DB70DBA9567}" type="datetimeFigureOut">
               <a:rPr lang="en-US" smtClean="0"/>
               <a:pPr/>
-              <a:t>5/27/2021</a:t>
+              <a:t>5/31/2021</a:t>
             </a:fld>
             <a:endParaRPr lang="en-US" dirty="0"/>
           </a:p>
@@ -9793,7 +9877,7 @@
             <a:fld id="{B61BEF0D-F0BB-DE4B-95CE-6DB70DBA9567}" type="datetimeFigureOut">
               <a:rPr lang="en-US" smtClean="0"/>
               <a:pPr/>
-              <a:t>5/27/2021</a:t>
+              <a:t>5/31/2021</a:t>
             </a:fld>
             <a:endParaRPr lang="en-US" dirty="0"/>
           </a:p>
@@ -10173,7 +10257,7 @@
             <a:fld id="{B61BEF0D-F0BB-DE4B-95CE-6DB70DBA9567}" type="datetimeFigureOut">
               <a:rPr lang="en-US" smtClean="0"/>
               <a:pPr/>
-              <a:t>5/27/2021</a:t>
+              <a:t>5/31/2021</a:t>
             </a:fld>
             <a:endParaRPr lang="en-US" dirty="0"/>
           </a:p>
@@ -10464,7 +10548,7 @@
             <a:fld id="{B61BEF0D-F0BB-DE4B-95CE-6DB70DBA9567}" type="datetimeFigureOut">
               <a:rPr lang="en-US" smtClean="0"/>
               <a:pPr/>
-              <a:t>5/27/2021</a:t>
+              <a:t>5/31/2021</a:t>
             </a:fld>
             <a:endParaRPr lang="en-US" dirty="0"/>
           </a:p>
@@ -10677,7 +10761,7 @@
             <a:fld id="{B61BEF0D-F0BB-DE4B-95CE-6DB70DBA9567}" type="datetimeFigureOut">
               <a:rPr lang="en-US" smtClean="0"/>
               <a:pPr/>
-              <a:t>5/27/2021</a:t>
+              <a:t>5/31/2021</a:t>
             </a:fld>
             <a:endParaRPr lang="en-US" dirty="0"/>
           </a:p>
@@ -11714,6 +11798,18 @@
   <p:clrMapOvr>
     <a:masterClrMapping/>
   </p:clrMapOvr>
+  <mc:AlternateContent xmlns:mc="http://schemas.openxmlformats.org/markup-compatibility/2006">
+    <mc:Choice xmlns:p159="http://schemas.microsoft.com/office/powerpoint/2015/09/main" Requires="p159">
+      <p:transition xmlns:p14="http://schemas.microsoft.com/office/powerpoint/2010/main" spd="slow" p14:dur="2000">
+        <p159:morph option="byObject"/>
+      </p:transition>
+    </mc:Choice>
+    <mc:Fallback>
+      <p:transition spd="slow">
+        <p:fade/>
+      </p:transition>
+    </mc:Fallback>
+  </mc:AlternateContent>
 </p:sld>
 </file>
 
@@ -11765,10 +11861,10 @@
       </p:sp>
       <p:pic>
         <p:nvPicPr>
-          <p:cNvPr id="5" name="Picture 4">
+          <p:cNvPr id="3" name="Picture 2">
             <a:extLst>
               <a:ext uri="{FF2B5EF4-FFF2-40B4-BE49-F238E27FC236}">
-                <a16:creationId xmlns:a16="http://schemas.microsoft.com/office/drawing/2014/main" id="{DF5D9050-4DFA-4E51-99C9-9BFDFCC2CFE6}"/>
+                <a16:creationId xmlns:a16="http://schemas.microsoft.com/office/drawing/2014/main" id="{A4F4FC0E-F5BE-4408-A905-AFBA8964607D}"/>
               </a:ext>
             </a:extLst>
           </p:cNvPr>
@@ -11777,15 +11873,16 @@
           </p:cNvPicPr>
           <p:nvPr/>
         </p:nvPicPr>
-        <p:blipFill rotWithShape="1">
+        <p:blipFill>
           <a:blip r:embed="rId2"/>
-          <a:srcRect t="5872"/>
-          <a:stretch/>
+          <a:stretch>
+            <a:fillRect/>
+          </a:stretch>
         </p:blipFill>
         <p:spPr>
           <a:xfrm>
-            <a:off x="4612188" y="1937858"/>
-            <a:ext cx="2967623" cy="4777530"/>
+            <a:off x="4988025" y="1856277"/>
+            <a:ext cx="2215950" cy="4939579"/>
           </a:xfrm>
           <a:prstGeom prst="rect">
             <a:avLst/>
@@ -11802,6 +11899,18 @@
   <p:clrMapOvr>
     <a:masterClrMapping/>
   </p:clrMapOvr>
+  <mc:AlternateContent xmlns:mc="http://schemas.openxmlformats.org/markup-compatibility/2006">
+    <mc:Choice xmlns:p159="http://schemas.microsoft.com/office/powerpoint/2015/09/main" Requires="p159">
+      <p:transition xmlns:p14="http://schemas.microsoft.com/office/powerpoint/2010/main" spd="slow" p14:dur="2000">
+        <p159:morph option="byObject"/>
+      </p:transition>
+    </mc:Choice>
+    <mc:Fallback>
+      <p:transition spd="slow">
+        <p:fade/>
+      </p:transition>
+    </mc:Fallback>
+  </mc:AlternateContent>
 </p:sld>
 </file>
 
@@ -11874,6 +11983,18 @@
   <p:clrMapOvr>
     <a:masterClrMapping/>
   </p:clrMapOvr>
+  <mc:AlternateContent xmlns:mc="http://schemas.openxmlformats.org/markup-compatibility/2006">
+    <mc:Choice xmlns:p159="http://schemas.microsoft.com/office/powerpoint/2015/09/main" Requires="p159">
+      <p:transition xmlns:p14="http://schemas.microsoft.com/office/powerpoint/2010/main" spd="slow" p14:dur="2000">
+        <p159:morph option="byObject"/>
+      </p:transition>
+    </mc:Choice>
+    <mc:Fallback>
+      <p:transition spd="slow">
+        <p:fade/>
+      </p:transition>
+    </mc:Fallback>
+  </mc:AlternateContent>
 </p:sld>
 </file>
 
@@ -12350,6 +12471,18 @@
   <p:clrMapOvr>
     <a:masterClrMapping/>
   </p:clrMapOvr>
+  <mc:AlternateContent xmlns:mc="http://schemas.openxmlformats.org/markup-compatibility/2006">
+    <mc:Choice xmlns:p159="http://schemas.microsoft.com/office/powerpoint/2015/09/main" Requires="p159">
+      <p:transition xmlns:p14="http://schemas.microsoft.com/office/powerpoint/2010/main" spd="slow" p14:dur="2000">
+        <p159:morph option="byObject"/>
+      </p:transition>
+    </mc:Choice>
+    <mc:Fallback>
+      <p:transition spd="slow">
+        <p:fade/>
+      </p:transition>
+    </mc:Fallback>
+  </mc:AlternateContent>
 </p:sld>
 </file>
 
@@ -12430,6 +12563,18 @@
   <p:clrMapOvr>
     <a:masterClrMapping/>
   </p:clrMapOvr>
+  <mc:AlternateContent xmlns:mc="http://schemas.openxmlformats.org/markup-compatibility/2006">
+    <mc:Choice xmlns:p159="http://schemas.microsoft.com/office/powerpoint/2015/09/main" Requires="p159">
+      <p:transition xmlns:p14="http://schemas.microsoft.com/office/powerpoint/2010/main" spd="slow" p14:dur="2000">
+        <p159:morph option="byObject"/>
+      </p:transition>
+    </mc:Choice>
+    <mc:Fallback>
+      <p:transition spd="slow">
+        <p:fade/>
+      </p:transition>
+    </mc:Fallback>
+  </mc:AlternateContent>
 </p:sld>
 </file>
 
@@ -12510,6 +12655,18 @@
   <p:clrMapOvr>
     <a:masterClrMapping/>
   </p:clrMapOvr>
+  <mc:AlternateContent xmlns:mc="http://schemas.openxmlformats.org/markup-compatibility/2006">
+    <mc:Choice xmlns:p159="http://schemas.microsoft.com/office/powerpoint/2015/09/main" Requires="p159">
+      <p:transition xmlns:p14="http://schemas.microsoft.com/office/powerpoint/2010/main" spd="slow" p14:dur="2000">
+        <p159:morph option="byObject"/>
+      </p:transition>
+    </mc:Choice>
+    <mc:Fallback>
+      <p:transition spd="slow">
+        <p:fade/>
+      </p:transition>
+    </mc:Fallback>
+  </mc:AlternateContent>
 </p:sld>
 </file>
 
@@ -12900,6 +13057,18 @@
   <p:clrMapOvr>
     <a:masterClrMapping/>
   </p:clrMapOvr>
+  <mc:AlternateContent xmlns:mc="http://schemas.openxmlformats.org/markup-compatibility/2006">
+    <mc:Choice xmlns:p159="http://schemas.microsoft.com/office/powerpoint/2015/09/main" Requires="p159">
+      <p:transition xmlns:p14="http://schemas.microsoft.com/office/powerpoint/2010/main" spd="slow" p14:dur="2000">
+        <p159:morph option="byObject"/>
+      </p:transition>
+    </mc:Choice>
+    <mc:Fallback>
+      <p:transition spd="slow">
+        <p:fade/>
+      </p:transition>
+    </mc:Fallback>
+  </mc:AlternateContent>
 </p:sld>
 </file>
 
@@ -12991,6 +13160,18 @@
   <p:clrMapOvr>
     <a:masterClrMapping/>
   </p:clrMapOvr>
+  <mc:AlternateContent xmlns:mc="http://schemas.openxmlformats.org/markup-compatibility/2006">
+    <mc:Choice xmlns:p159="http://schemas.microsoft.com/office/powerpoint/2015/09/main" Requires="p159">
+      <p:transition xmlns:p14="http://schemas.microsoft.com/office/powerpoint/2010/main" spd="slow" p14:dur="2000">
+        <p159:morph option="byObject"/>
+      </p:transition>
+    </mc:Choice>
+    <mc:Fallback>
+      <p:transition spd="slow">
+        <p:fade/>
+      </p:transition>
+    </mc:Fallback>
+  </mc:AlternateContent>
 </p:sld>
 </file>
 
@@ -13083,6 +13264,18 @@
   <p:clrMapOvr>
     <a:masterClrMapping/>
   </p:clrMapOvr>
+  <mc:AlternateContent xmlns:mc="http://schemas.openxmlformats.org/markup-compatibility/2006">
+    <mc:Choice xmlns:p159="http://schemas.microsoft.com/office/powerpoint/2015/09/main" Requires="p159">
+      <p:transition xmlns:p14="http://schemas.microsoft.com/office/powerpoint/2010/main" spd="slow" p14:dur="2000">
+        <p159:morph option="byObject"/>
+      </p:transition>
+    </mc:Choice>
+    <mc:Fallback>
+      <p:transition spd="slow">
+        <p:fade/>
+      </p:transition>
+    </mc:Fallback>
+  </mc:AlternateContent>
 </p:sld>
 </file>
 
@@ -13153,7 +13346,7 @@
         </p:xfrm>
         <a:graphic>
           <a:graphicData uri="http://schemas.openxmlformats.org/drawingml/2006/diagram">
-            <dgm:relIds xmlns:dgm="http://schemas.openxmlformats.org/drawingml/2006/diagram" xmlns:r="http://schemas.openxmlformats.org/officeDocument/2006/relationships" r:dm="rId2" r:lo="rId3" r:qs="rId4" r:cs="rId5"/>
+            <dgm:relIds xmlns:dgm="http://schemas.openxmlformats.org/drawingml/2006/diagram" xmlns:r="http://schemas.openxmlformats.org/officeDocument/2006/relationships" r:dm="rId3" r:lo="rId4" r:qs="rId5" r:cs="rId6"/>
           </a:graphicData>
         </a:graphic>
       </p:graphicFrame>
@@ -13167,6 +13360,18 @@
   <p:clrMapOvr>
     <a:masterClrMapping/>
   </p:clrMapOvr>
+  <mc:AlternateContent xmlns:mc="http://schemas.openxmlformats.org/markup-compatibility/2006">
+    <mc:Choice xmlns:p159="http://schemas.microsoft.com/office/powerpoint/2015/09/main" Requires="p159">
+      <p:transition xmlns:p14="http://schemas.microsoft.com/office/powerpoint/2010/main" spd="slow" p14:dur="2000">
+        <p159:morph option="byObject"/>
+      </p:transition>
+    </mc:Choice>
+    <mc:Fallback>
+      <p:transition spd="slow">
+        <p:fade/>
+      </p:transition>
+    </mc:Fallback>
+  </mc:AlternateContent>
 </p:sld>
 </file>
 
@@ -13250,6 +13455,18 @@
   <p:clrMapOvr>
     <a:masterClrMapping/>
   </p:clrMapOvr>
+  <mc:AlternateContent xmlns:mc="http://schemas.openxmlformats.org/markup-compatibility/2006">
+    <mc:Choice xmlns:p159="http://schemas.microsoft.com/office/powerpoint/2015/09/main" Requires="p159">
+      <p:transition xmlns:p14="http://schemas.microsoft.com/office/powerpoint/2010/main" spd="slow" p14:dur="2000">
+        <p159:morph option="byObject"/>
+      </p:transition>
+    </mc:Choice>
+    <mc:Fallback>
+      <p:transition spd="slow">
+        <p:fade/>
+      </p:transition>
+    </mc:Fallback>
+  </mc:AlternateContent>
 </p:sld>
 </file>
 
@@ -13338,6 +13555,18 @@
   <p:clrMapOvr>
     <a:masterClrMapping/>
   </p:clrMapOvr>
+  <mc:AlternateContent xmlns:mc="http://schemas.openxmlformats.org/markup-compatibility/2006">
+    <mc:Choice xmlns:p159="http://schemas.microsoft.com/office/powerpoint/2015/09/main" Requires="p159">
+      <p:transition xmlns:p14="http://schemas.microsoft.com/office/powerpoint/2010/main" spd="slow" p14:dur="2000">
+        <p159:morph option="byObject"/>
+      </p:transition>
+    </mc:Choice>
+    <mc:Fallback>
+      <p:transition spd="slow">
+        <p:fade/>
+      </p:transition>
+    </mc:Fallback>
+  </mc:AlternateContent>
 </p:sld>
 </file>
 
@@ -13396,6 +13625,18 @@
   <p:clrMapOvr>
     <a:masterClrMapping/>
   </p:clrMapOvr>
+  <mc:AlternateContent xmlns:mc="http://schemas.openxmlformats.org/markup-compatibility/2006">
+    <mc:Choice xmlns:p159="http://schemas.microsoft.com/office/powerpoint/2015/09/main" Requires="p159">
+      <p:transition xmlns:p14="http://schemas.microsoft.com/office/powerpoint/2010/main" spd="slow" p14:dur="2000">
+        <p159:morph option="byObject"/>
+      </p:transition>
+    </mc:Choice>
+    <mc:Fallback>
+      <p:transition spd="slow">
+        <p:fade/>
+      </p:transition>
+    </mc:Fallback>
+  </mc:AlternateContent>
 </p:sld>
 </file>
 
@@ -13446,10 +13687,10 @@
       </p:sp>
       <p:pic>
         <p:nvPicPr>
-          <p:cNvPr id="5" name="Picture 4">
+          <p:cNvPr id="7" name="Picture 6">
             <a:extLst>
               <a:ext uri="{FF2B5EF4-FFF2-40B4-BE49-F238E27FC236}">
-                <a16:creationId xmlns:a16="http://schemas.microsoft.com/office/drawing/2014/main" id="{2236553E-C994-4C1D-96BF-D618B58461B8}"/>
+                <a16:creationId xmlns:a16="http://schemas.microsoft.com/office/drawing/2014/main" id="{0A11F817-EBE2-48C8-A946-C3426EA2B920}"/>
               </a:ext>
             </a:extLst>
           </p:cNvPr>
@@ -13458,15 +13699,16 @@
           </p:cNvPicPr>
           <p:nvPr/>
         </p:nvPicPr>
-        <p:blipFill rotWithShape="1">
+        <p:blipFill>
           <a:blip r:embed="rId2"/>
-          <a:srcRect t="5491"/>
-          <a:stretch/>
+          <a:stretch>
+            <a:fillRect/>
+          </a:stretch>
         </p:blipFill>
         <p:spPr>
           <a:xfrm>
-            <a:off x="4679658" y="2105637"/>
-            <a:ext cx="2832683" cy="4341302"/>
+            <a:off x="4772121" y="1899820"/>
+            <a:ext cx="2647757" cy="4958179"/>
           </a:xfrm>
           <a:prstGeom prst="rect">
             <a:avLst/>
@@ -13483,6 +13725,18 @@
   <p:clrMapOvr>
     <a:masterClrMapping/>
   </p:clrMapOvr>
+  <mc:AlternateContent xmlns:mc="http://schemas.openxmlformats.org/markup-compatibility/2006">
+    <mc:Choice xmlns:p159="http://schemas.microsoft.com/office/powerpoint/2015/09/main" Requires="p159">
+      <p:transition xmlns:p14="http://schemas.microsoft.com/office/powerpoint/2010/main" spd="slow" p14:dur="2000">
+        <p159:morph option="byObject"/>
+      </p:transition>
+    </mc:Choice>
+    <mc:Fallback>
+      <p:transition spd="slow">
+        <p:fade/>
+      </p:transition>
+    </mc:Fallback>
+  </mc:AlternateContent>
 </p:sld>
 </file>
 
@@ -13533,10 +13787,10 @@
       </p:sp>
       <p:pic>
         <p:nvPicPr>
-          <p:cNvPr id="3" name="Picture 2">
+          <p:cNvPr id="5" name="Picture 4">
             <a:extLst>
               <a:ext uri="{FF2B5EF4-FFF2-40B4-BE49-F238E27FC236}">
-                <a16:creationId xmlns:a16="http://schemas.microsoft.com/office/drawing/2014/main" id="{40EDDDED-2009-495B-9EE9-EE7A45AA579D}"/>
+                <a16:creationId xmlns:a16="http://schemas.microsoft.com/office/drawing/2014/main" id="{01E1B4B7-7FC5-4F07-A027-C1398A85125D}"/>
               </a:ext>
             </a:extLst>
           </p:cNvPr>
@@ -13545,15 +13799,16 @@
           </p:cNvPicPr>
           <p:nvPr/>
         </p:nvPicPr>
-        <p:blipFill rotWithShape="1">
+        <p:blipFill>
           <a:blip r:embed="rId2"/>
-          <a:srcRect t="6850"/>
-          <a:stretch/>
+          <a:stretch>
+            <a:fillRect/>
+          </a:stretch>
         </p:blipFill>
         <p:spPr>
           <a:xfrm>
-            <a:off x="4735275" y="2038524"/>
-            <a:ext cx="2721449" cy="4441970"/>
+            <a:off x="4978367" y="1890944"/>
+            <a:ext cx="2235265" cy="4934192"/>
           </a:xfrm>
           <a:prstGeom prst="rect">
             <a:avLst/>
@@ -13570,6 +13825,18 @@
   <p:clrMapOvr>
     <a:masterClrMapping/>
   </p:clrMapOvr>
+  <mc:AlternateContent xmlns:mc="http://schemas.openxmlformats.org/markup-compatibility/2006">
+    <mc:Choice xmlns:p159="http://schemas.microsoft.com/office/powerpoint/2015/09/main" Requires="p159">
+      <p:transition xmlns:p14="http://schemas.microsoft.com/office/powerpoint/2010/main" spd="slow" p14:dur="2000">
+        <p159:morph option="byObject"/>
+      </p:transition>
+    </mc:Choice>
+    <mc:Fallback>
+      <p:transition spd="slow">
+        <p:fade/>
+      </p:transition>
+    </mc:Fallback>
+  </mc:AlternateContent>
 </p:sld>
 </file>
 

--- a/docs/find_me.pptx
+++ b/docs/find_me.pptx
@@ -5,27 +5,29 @@
     <p:sldMasterId id="2147483672" r:id="rId4"/>
   </p:sldMasterIdLst>
   <p:notesMasterIdLst>
-    <p:notesMasterId r:id="rId20"/>
+    <p:notesMasterId r:id="rId22"/>
   </p:notesMasterIdLst>
   <p:handoutMasterIdLst>
-    <p:handoutMasterId r:id="rId21"/>
+    <p:handoutMasterId r:id="rId23"/>
   </p:handoutMasterIdLst>
   <p:sldIdLst>
     <p:sldId id="256" r:id="rId5"/>
-    <p:sldId id="262" r:id="rId6"/>
-    <p:sldId id="263" r:id="rId7"/>
-    <p:sldId id="273" r:id="rId8"/>
-    <p:sldId id="264" r:id="rId9"/>
-    <p:sldId id="265" r:id="rId10"/>
-    <p:sldId id="266" r:id="rId11"/>
-    <p:sldId id="268" r:id="rId12"/>
-    <p:sldId id="269" r:id="rId13"/>
-    <p:sldId id="270" r:id="rId14"/>
-    <p:sldId id="267" r:id="rId15"/>
-    <p:sldId id="260" r:id="rId16"/>
-    <p:sldId id="271" r:id="rId17"/>
-    <p:sldId id="272" r:id="rId18"/>
-    <p:sldId id="259" r:id="rId19"/>
+    <p:sldId id="274" r:id="rId6"/>
+    <p:sldId id="275" r:id="rId7"/>
+    <p:sldId id="262" r:id="rId8"/>
+    <p:sldId id="263" r:id="rId9"/>
+    <p:sldId id="273" r:id="rId10"/>
+    <p:sldId id="264" r:id="rId11"/>
+    <p:sldId id="265" r:id="rId12"/>
+    <p:sldId id="266" r:id="rId13"/>
+    <p:sldId id="268" r:id="rId14"/>
+    <p:sldId id="269" r:id="rId15"/>
+    <p:sldId id="270" r:id="rId16"/>
+    <p:sldId id="267" r:id="rId17"/>
+    <p:sldId id="260" r:id="rId18"/>
+    <p:sldId id="271" r:id="rId19"/>
+    <p:sldId id="272" r:id="rId20"/>
+    <p:sldId id="259" r:id="rId21"/>
   </p:sldIdLst>
   <p:sldSz cx="12192000" cy="6858000"/>
   <p:notesSz cx="6858000" cy="9144000"/>
@@ -885,7 +887,7 @@
 </file>
 
 <file path=ppt/diagrams/colors2.xml><?xml version="1.0" encoding="utf-8"?>
-<dgm:colorsDef xmlns:dgm="http://schemas.openxmlformats.org/drawingml/2006/diagram" xmlns:a="http://schemas.openxmlformats.org/drawingml/2006/main" uniqueId="urn:microsoft.com/office/officeart/2005/8/colors/accent2_2">
+<dgm:colorsDef xmlns:dgm="http://schemas.openxmlformats.org/drawingml/2006/diagram" xmlns:a="http://schemas.openxmlformats.org/drawingml/2006/main" uniqueId="urn:microsoft.com/office/officeart/2018/5/colors/Iconchunking_neutralbg_accent2_2">
   <dgm:title val=""/>
   <dgm:desc val=""/>
   <dgm:catLst>
@@ -908,7 +910,9 @@
       <a:schemeClr val="accent2"/>
     </dgm:fillClrLst>
     <dgm:linClrLst meth="repeat">
-      <a:schemeClr val="lt1"/>
+      <a:schemeClr val="lt1">
+        <a:alpha val="0"/>
+      </a:schemeClr>
     </dgm:linClrLst>
     <dgm:effectClrLst/>
     <dgm:txLinClrLst/>
@@ -1547,8 +1551,8 @@
   </dgm:styleLbl>
   <dgm:styleLbl name="bgShp">
     <dgm:fillClrLst meth="repeat">
-      <a:schemeClr val="accent2">
-        <a:tint val="40000"/>
+      <a:schemeClr val="bg1">
+        <a:lumMod val="95000"/>
       </a:schemeClr>
     </dgm:fillClrLst>
     <dgm:linClrLst meth="repeat">
@@ -1631,7 +1635,1096 @@
 </dgm:colorsDef>
 </file>
 
+<file path=ppt/diagrams/colors3.xml><?xml version="1.0" encoding="utf-8"?>
+<dgm:colorsDef xmlns:dgm="http://schemas.openxmlformats.org/drawingml/2006/diagram" xmlns:a="http://schemas.openxmlformats.org/drawingml/2006/main" uniqueId="urn:microsoft.com/office/officeart/2005/8/colors/accent2_2">
+  <dgm:title val=""/>
+  <dgm:desc val=""/>
+  <dgm:catLst>
+    <dgm:cat type="accent2" pri="11200"/>
+  </dgm:catLst>
+  <dgm:styleLbl name="node0">
+    <dgm:fillClrLst meth="repeat">
+      <a:schemeClr val="accent2"/>
+    </dgm:fillClrLst>
+    <dgm:linClrLst meth="repeat">
+      <a:schemeClr val="lt1"/>
+    </dgm:linClrLst>
+    <dgm:effectClrLst/>
+    <dgm:txLinClrLst/>
+    <dgm:txFillClrLst/>
+    <dgm:txEffectClrLst/>
+  </dgm:styleLbl>
+  <dgm:styleLbl name="node1">
+    <dgm:fillClrLst meth="repeat">
+      <a:schemeClr val="accent2"/>
+    </dgm:fillClrLst>
+    <dgm:linClrLst meth="repeat">
+      <a:schemeClr val="lt1"/>
+    </dgm:linClrLst>
+    <dgm:effectClrLst/>
+    <dgm:txLinClrLst/>
+    <dgm:txFillClrLst/>
+    <dgm:txEffectClrLst/>
+  </dgm:styleLbl>
+  <dgm:styleLbl name="alignNode1">
+    <dgm:fillClrLst meth="repeat">
+      <a:schemeClr val="accent2"/>
+    </dgm:fillClrLst>
+    <dgm:linClrLst meth="repeat">
+      <a:schemeClr val="accent2"/>
+    </dgm:linClrLst>
+    <dgm:effectClrLst/>
+    <dgm:txLinClrLst/>
+    <dgm:txFillClrLst/>
+    <dgm:txEffectClrLst/>
+  </dgm:styleLbl>
+  <dgm:styleLbl name="lnNode1">
+    <dgm:fillClrLst meth="repeat">
+      <a:schemeClr val="accent2"/>
+    </dgm:fillClrLst>
+    <dgm:linClrLst meth="repeat">
+      <a:schemeClr val="lt1"/>
+    </dgm:linClrLst>
+    <dgm:effectClrLst/>
+    <dgm:txLinClrLst/>
+    <dgm:txFillClrLst/>
+    <dgm:txEffectClrLst/>
+  </dgm:styleLbl>
+  <dgm:styleLbl name="vennNode1">
+    <dgm:fillClrLst meth="repeat">
+      <a:schemeClr val="accent2">
+        <a:alpha val="50000"/>
+      </a:schemeClr>
+    </dgm:fillClrLst>
+    <dgm:linClrLst meth="repeat">
+      <a:schemeClr val="lt1"/>
+    </dgm:linClrLst>
+    <dgm:effectClrLst/>
+    <dgm:txLinClrLst/>
+    <dgm:txFillClrLst/>
+    <dgm:txEffectClrLst/>
+  </dgm:styleLbl>
+  <dgm:styleLbl name="node2">
+    <dgm:fillClrLst meth="repeat">
+      <a:schemeClr val="accent2"/>
+    </dgm:fillClrLst>
+    <dgm:linClrLst meth="repeat">
+      <a:schemeClr val="lt1"/>
+    </dgm:linClrLst>
+    <dgm:effectClrLst/>
+    <dgm:txLinClrLst/>
+    <dgm:txFillClrLst/>
+    <dgm:txEffectClrLst/>
+  </dgm:styleLbl>
+  <dgm:styleLbl name="node3">
+    <dgm:fillClrLst meth="repeat">
+      <a:schemeClr val="accent2"/>
+    </dgm:fillClrLst>
+    <dgm:linClrLst meth="repeat">
+      <a:schemeClr val="lt1"/>
+    </dgm:linClrLst>
+    <dgm:effectClrLst/>
+    <dgm:txLinClrLst/>
+    <dgm:txFillClrLst/>
+    <dgm:txEffectClrLst/>
+  </dgm:styleLbl>
+  <dgm:styleLbl name="node4">
+    <dgm:fillClrLst meth="repeat">
+      <a:schemeClr val="accent2"/>
+    </dgm:fillClrLst>
+    <dgm:linClrLst meth="repeat">
+      <a:schemeClr val="lt1"/>
+    </dgm:linClrLst>
+    <dgm:effectClrLst/>
+    <dgm:txLinClrLst/>
+    <dgm:txFillClrLst/>
+    <dgm:txEffectClrLst/>
+  </dgm:styleLbl>
+  <dgm:styleLbl name="fgImgPlace1">
+    <dgm:fillClrLst meth="repeat">
+      <a:schemeClr val="accent2">
+        <a:tint val="50000"/>
+      </a:schemeClr>
+    </dgm:fillClrLst>
+    <dgm:linClrLst meth="repeat">
+      <a:schemeClr val="lt1"/>
+    </dgm:linClrLst>
+    <dgm:effectClrLst/>
+    <dgm:txLinClrLst/>
+    <dgm:txFillClrLst meth="repeat">
+      <a:schemeClr val="lt1"/>
+    </dgm:txFillClrLst>
+    <dgm:txEffectClrLst/>
+  </dgm:styleLbl>
+  <dgm:styleLbl name="alignImgPlace1">
+    <dgm:fillClrLst meth="repeat">
+      <a:schemeClr val="accent2">
+        <a:tint val="50000"/>
+      </a:schemeClr>
+    </dgm:fillClrLst>
+    <dgm:linClrLst meth="repeat">
+      <a:schemeClr val="lt1"/>
+    </dgm:linClrLst>
+    <dgm:effectClrLst/>
+    <dgm:txLinClrLst/>
+    <dgm:txFillClrLst meth="repeat">
+      <a:schemeClr val="lt1"/>
+    </dgm:txFillClrLst>
+    <dgm:txEffectClrLst/>
+  </dgm:styleLbl>
+  <dgm:styleLbl name="bgImgPlace1">
+    <dgm:fillClrLst meth="repeat">
+      <a:schemeClr val="accent2">
+        <a:tint val="50000"/>
+      </a:schemeClr>
+    </dgm:fillClrLst>
+    <dgm:linClrLst meth="repeat">
+      <a:schemeClr val="lt1"/>
+    </dgm:linClrLst>
+    <dgm:effectClrLst/>
+    <dgm:txLinClrLst/>
+    <dgm:txFillClrLst meth="repeat">
+      <a:schemeClr val="lt1"/>
+    </dgm:txFillClrLst>
+    <dgm:txEffectClrLst/>
+  </dgm:styleLbl>
+  <dgm:styleLbl name="sibTrans2D1">
+    <dgm:fillClrLst meth="repeat">
+      <a:schemeClr val="accent2">
+        <a:tint val="60000"/>
+      </a:schemeClr>
+    </dgm:fillClrLst>
+    <dgm:linClrLst meth="repeat">
+      <a:schemeClr val="accent2">
+        <a:tint val="60000"/>
+      </a:schemeClr>
+    </dgm:linClrLst>
+    <dgm:effectClrLst/>
+    <dgm:txLinClrLst/>
+    <dgm:txFillClrLst/>
+    <dgm:txEffectClrLst/>
+  </dgm:styleLbl>
+  <dgm:styleLbl name="fgSibTrans2D1">
+    <dgm:fillClrLst meth="repeat">
+      <a:schemeClr val="accent2">
+        <a:tint val="60000"/>
+      </a:schemeClr>
+    </dgm:fillClrLst>
+    <dgm:linClrLst meth="repeat">
+      <a:schemeClr val="accent2">
+        <a:tint val="60000"/>
+      </a:schemeClr>
+    </dgm:linClrLst>
+    <dgm:effectClrLst/>
+    <dgm:txLinClrLst/>
+    <dgm:txFillClrLst/>
+    <dgm:txEffectClrLst/>
+  </dgm:styleLbl>
+  <dgm:styleLbl name="bgSibTrans2D1">
+    <dgm:fillClrLst meth="repeat">
+      <a:schemeClr val="accent2">
+        <a:tint val="60000"/>
+      </a:schemeClr>
+    </dgm:fillClrLst>
+    <dgm:linClrLst meth="repeat">
+      <a:schemeClr val="accent2">
+        <a:tint val="60000"/>
+      </a:schemeClr>
+    </dgm:linClrLst>
+    <dgm:effectClrLst/>
+    <dgm:txLinClrLst/>
+    <dgm:txFillClrLst/>
+    <dgm:txEffectClrLst/>
+  </dgm:styleLbl>
+  <dgm:styleLbl name="sibTrans1D1">
+    <dgm:fillClrLst meth="repeat">
+      <a:schemeClr val="accent2"/>
+    </dgm:fillClrLst>
+    <dgm:linClrLst meth="repeat">
+      <a:schemeClr val="accent2"/>
+    </dgm:linClrLst>
+    <dgm:effectClrLst/>
+    <dgm:txLinClrLst/>
+    <dgm:txFillClrLst meth="repeat">
+      <a:schemeClr val="tx1"/>
+    </dgm:txFillClrLst>
+    <dgm:txEffectClrLst/>
+  </dgm:styleLbl>
+  <dgm:styleLbl name="callout">
+    <dgm:fillClrLst meth="repeat">
+      <a:schemeClr val="accent2"/>
+    </dgm:fillClrLst>
+    <dgm:linClrLst meth="repeat">
+      <a:schemeClr val="accent2">
+        <a:tint val="50000"/>
+      </a:schemeClr>
+    </dgm:linClrLst>
+    <dgm:effectClrLst/>
+    <dgm:txLinClrLst/>
+    <dgm:txFillClrLst meth="repeat">
+      <a:schemeClr val="tx1"/>
+    </dgm:txFillClrLst>
+    <dgm:txEffectClrLst/>
+  </dgm:styleLbl>
+  <dgm:styleLbl name="asst0">
+    <dgm:fillClrLst meth="repeat">
+      <a:schemeClr val="accent2"/>
+    </dgm:fillClrLst>
+    <dgm:linClrLst meth="repeat">
+      <a:schemeClr val="lt1"/>
+    </dgm:linClrLst>
+    <dgm:effectClrLst/>
+    <dgm:txLinClrLst/>
+    <dgm:txFillClrLst/>
+    <dgm:txEffectClrLst/>
+  </dgm:styleLbl>
+  <dgm:styleLbl name="asst1">
+    <dgm:fillClrLst meth="repeat">
+      <a:schemeClr val="accent2"/>
+    </dgm:fillClrLst>
+    <dgm:linClrLst meth="repeat">
+      <a:schemeClr val="lt1"/>
+    </dgm:linClrLst>
+    <dgm:effectClrLst/>
+    <dgm:txLinClrLst/>
+    <dgm:txFillClrLst/>
+    <dgm:txEffectClrLst/>
+  </dgm:styleLbl>
+  <dgm:styleLbl name="asst2">
+    <dgm:fillClrLst meth="repeat">
+      <a:schemeClr val="accent2"/>
+    </dgm:fillClrLst>
+    <dgm:linClrLst meth="repeat">
+      <a:schemeClr val="lt1"/>
+    </dgm:linClrLst>
+    <dgm:effectClrLst/>
+    <dgm:txLinClrLst/>
+    <dgm:txFillClrLst/>
+    <dgm:txEffectClrLst/>
+  </dgm:styleLbl>
+  <dgm:styleLbl name="asst3">
+    <dgm:fillClrLst meth="repeat">
+      <a:schemeClr val="accent2"/>
+    </dgm:fillClrLst>
+    <dgm:linClrLst meth="repeat">
+      <a:schemeClr val="lt1"/>
+    </dgm:linClrLst>
+    <dgm:effectClrLst/>
+    <dgm:txLinClrLst/>
+    <dgm:txFillClrLst/>
+    <dgm:txEffectClrLst/>
+  </dgm:styleLbl>
+  <dgm:styleLbl name="asst4">
+    <dgm:fillClrLst meth="repeat">
+      <a:schemeClr val="accent2"/>
+    </dgm:fillClrLst>
+    <dgm:linClrLst meth="repeat">
+      <a:schemeClr val="lt1"/>
+    </dgm:linClrLst>
+    <dgm:effectClrLst/>
+    <dgm:txLinClrLst/>
+    <dgm:txFillClrLst/>
+    <dgm:txEffectClrLst/>
+  </dgm:styleLbl>
+  <dgm:styleLbl name="parChTrans2D1">
+    <dgm:fillClrLst meth="repeat">
+      <a:schemeClr val="accent2">
+        <a:tint val="60000"/>
+      </a:schemeClr>
+    </dgm:fillClrLst>
+    <dgm:linClrLst meth="repeat">
+      <a:schemeClr val="accent2">
+        <a:tint val="60000"/>
+      </a:schemeClr>
+    </dgm:linClrLst>
+    <dgm:effectClrLst/>
+    <dgm:txLinClrLst/>
+    <dgm:txFillClrLst meth="repeat">
+      <a:schemeClr val="lt1"/>
+    </dgm:txFillClrLst>
+    <dgm:txEffectClrLst/>
+  </dgm:styleLbl>
+  <dgm:styleLbl name="parChTrans2D2">
+    <dgm:fillClrLst meth="repeat">
+      <a:schemeClr val="accent2"/>
+    </dgm:fillClrLst>
+    <dgm:linClrLst meth="repeat">
+      <a:schemeClr val="accent2"/>
+    </dgm:linClrLst>
+    <dgm:effectClrLst/>
+    <dgm:txLinClrLst/>
+    <dgm:txFillClrLst meth="repeat">
+      <a:schemeClr val="lt1"/>
+    </dgm:txFillClrLst>
+    <dgm:txEffectClrLst/>
+  </dgm:styleLbl>
+  <dgm:styleLbl name="parChTrans2D3">
+    <dgm:fillClrLst meth="repeat">
+      <a:schemeClr val="accent2"/>
+    </dgm:fillClrLst>
+    <dgm:linClrLst meth="repeat">
+      <a:schemeClr val="accent2"/>
+    </dgm:linClrLst>
+    <dgm:effectClrLst/>
+    <dgm:txLinClrLst/>
+    <dgm:txFillClrLst meth="repeat">
+      <a:schemeClr val="lt1"/>
+    </dgm:txFillClrLst>
+    <dgm:txEffectClrLst/>
+  </dgm:styleLbl>
+  <dgm:styleLbl name="parChTrans2D4">
+    <dgm:fillClrLst meth="repeat">
+      <a:schemeClr val="accent2"/>
+    </dgm:fillClrLst>
+    <dgm:linClrLst meth="repeat">
+      <a:schemeClr val="accent2"/>
+    </dgm:linClrLst>
+    <dgm:effectClrLst/>
+    <dgm:txLinClrLst/>
+    <dgm:txFillClrLst meth="repeat">
+      <a:schemeClr val="lt1"/>
+    </dgm:txFillClrLst>
+    <dgm:txEffectClrLst/>
+  </dgm:styleLbl>
+  <dgm:styleLbl name="parChTrans1D1">
+    <dgm:fillClrLst meth="repeat">
+      <a:schemeClr val="accent2"/>
+    </dgm:fillClrLst>
+    <dgm:linClrLst meth="repeat">
+      <a:schemeClr val="accent2">
+        <a:shade val="60000"/>
+      </a:schemeClr>
+    </dgm:linClrLst>
+    <dgm:effectClrLst/>
+    <dgm:txLinClrLst/>
+    <dgm:txFillClrLst meth="repeat">
+      <a:schemeClr val="tx1"/>
+    </dgm:txFillClrLst>
+    <dgm:txEffectClrLst/>
+  </dgm:styleLbl>
+  <dgm:styleLbl name="parChTrans1D2">
+    <dgm:fillClrLst meth="repeat">
+      <a:schemeClr val="accent2"/>
+    </dgm:fillClrLst>
+    <dgm:linClrLst meth="repeat">
+      <a:schemeClr val="accent2">
+        <a:shade val="60000"/>
+      </a:schemeClr>
+    </dgm:linClrLst>
+    <dgm:effectClrLst/>
+    <dgm:txLinClrLst/>
+    <dgm:txFillClrLst meth="repeat">
+      <a:schemeClr val="tx1"/>
+    </dgm:txFillClrLst>
+    <dgm:txEffectClrLst/>
+  </dgm:styleLbl>
+  <dgm:styleLbl name="parChTrans1D3">
+    <dgm:fillClrLst meth="repeat">
+      <a:schemeClr val="accent2"/>
+    </dgm:fillClrLst>
+    <dgm:linClrLst meth="repeat">
+      <a:schemeClr val="accent2">
+        <a:shade val="80000"/>
+      </a:schemeClr>
+    </dgm:linClrLst>
+    <dgm:effectClrLst/>
+    <dgm:txLinClrLst/>
+    <dgm:txFillClrLst meth="repeat">
+      <a:schemeClr val="tx1"/>
+    </dgm:txFillClrLst>
+    <dgm:txEffectClrLst/>
+  </dgm:styleLbl>
+  <dgm:styleLbl name="parChTrans1D4">
+    <dgm:fillClrLst meth="repeat">
+      <a:schemeClr val="accent2"/>
+    </dgm:fillClrLst>
+    <dgm:linClrLst meth="repeat">
+      <a:schemeClr val="accent2">
+        <a:shade val="80000"/>
+      </a:schemeClr>
+    </dgm:linClrLst>
+    <dgm:effectClrLst/>
+    <dgm:txLinClrLst/>
+    <dgm:txFillClrLst meth="repeat">
+      <a:schemeClr val="tx1"/>
+    </dgm:txFillClrLst>
+    <dgm:txEffectClrLst/>
+  </dgm:styleLbl>
+  <dgm:styleLbl name="fgAcc1">
+    <dgm:fillClrLst meth="repeat">
+      <a:schemeClr val="lt1">
+        <a:alpha val="90000"/>
+      </a:schemeClr>
+    </dgm:fillClrLst>
+    <dgm:linClrLst meth="repeat">
+      <a:schemeClr val="accent2"/>
+    </dgm:linClrLst>
+    <dgm:effectClrLst/>
+    <dgm:txLinClrLst/>
+    <dgm:txFillClrLst meth="repeat">
+      <a:schemeClr val="dk1"/>
+    </dgm:txFillClrLst>
+    <dgm:txEffectClrLst/>
+  </dgm:styleLbl>
+  <dgm:styleLbl name="conFgAcc1">
+    <dgm:fillClrLst meth="repeat">
+      <a:schemeClr val="lt1">
+        <a:alpha val="90000"/>
+      </a:schemeClr>
+    </dgm:fillClrLst>
+    <dgm:linClrLst meth="repeat">
+      <a:schemeClr val="accent2"/>
+    </dgm:linClrLst>
+    <dgm:effectClrLst/>
+    <dgm:txLinClrLst/>
+    <dgm:txFillClrLst meth="repeat">
+      <a:schemeClr val="dk1"/>
+    </dgm:txFillClrLst>
+    <dgm:txEffectClrLst/>
+  </dgm:styleLbl>
+  <dgm:styleLbl name="alignAcc1">
+    <dgm:fillClrLst meth="repeat">
+      <a:schemeClr val="lt1">
+        <a:alpha val="90000"/>
+      </a:schemeClr>
+    </dgm:fillClrLst>
+    <dgm:linClrLst meth="repeat">
+      <a:schemeClr val="accent2"/>
+    </dgm:linClrLst>
+    <dgm:effectClrLst/>
+    <dgm:txLinClrLst/>
+    <dgm:txFillClrLst meth="repeat">
+      <a:schemeClr val="dk1"/>
+    </dgm:txFillClrLst>
+    <dgm:txEffectClrLst/>
+  </dgm:styleLbl>
+  <dgm:styleLbl name="trAlignAcc1">
+    <dgm:fillClrLst meth="repeat">
+      <a:schemeClr val="lt1">
+        <a:alpha val="40000"/>
+      </a:schemeClr>
+    </dgm:fillClrLst>
+    <dgm:linClrLst meth="repeat">
+      <a:schemeClr val="accent2"/>
+    </dgm:linClrLst>
+    <dgm:effectClrLst/>
+    <dgm:txLinClrLst/>
+    <dgm:txFillClrLst meth="repeat">
+      <a:schemeClr val="dk1"/>
+    </dgm:txFillClrLst>
+    <dgm:txEffectClrLst/>
+  </dgm:styleLbl>
+  <dgm:styleLbl name="bgAcc1">
+    <dgm:fillClrLst meth="repeat">
+      <a:schemeClr val="lt1">
+        <a:alpha val="90000"/>
+      </a:schemeClr>
+    </dgm:fillClrLst>
+    <dgm:linClrLst meth="repeat">
+      <a:schemeClr val="accent2"/>
+    </dgm:linClrLst>
+    <dgm:effectClrLst/>
+    <dgm:txLinClrLst/>
+    <dgm:txFillClrLst meth="repeat">
+      <a:schemeClr val="dk1"/>
+    </dgm:txFillClrLst>
+    <dgm:txEffectClrLst/>
+  </dgm:styleLbl>
+  <dgm:styleLbl name="solidFgAcc1">
+    <dgm:fillClrLst meth="repeat">
+      <a:schemeClr val="lt1"/>
+    </dgm:fillClrLst>
+    <dgm:linClrLst meth="repeat">
+      <a:schemeClr val="accent2"/>
+    </dgm:linClrLst>
+    <dgm:effectClrLst/>
+    <dgm:txLinClrLst/>
+    <dgm:txFillClrLst meth="repeat">
+      <a:schemeClr val="dk1"/>
+    </dgm:txFillClrLst>
+    <dgm:txEffectClrLst/>
+  </dgm:styleLbl>
+  <dgm:styleLbl name="solidAlignAcc1">
+    <dgm:fillClrLst meth="repeat">
+      <a:schemeClr val="lt1"/>
+    </dgm:fillClrLst>
+    <dgm:linClrLst meth="repeat">
+      <a:schemeClr val="accent2"/>
+    </dgm:linClrLst>
+    <dgm:effectClrLst/>
+    <dgm:txLinClrLst/>
+    <dgm:txFillClrLst meth="repeat">
+      <a:schemeClr val="dk1"/>
+    </dgm:txFillClrLst>
+    <dgm:txEffectClrLst/>
+  </dgm:styleLbl>
+  <dgm:styleLbl name="solidBgAcc1">
+    <dgm:fillClrLst meth="repeat">
+      <a:schemeClr val="lt1"/>
+    </dgm:fillClrLst>
+    <dgm:linClrLst meth="repeat">
+      <a:schemeClr val="accent2"/>
+    </dgm:linClrLst>
+    <dgm:effectClrLst/>
+    <dgm:txLinClrLst/>
+    <dgm:txFillClrLst meth="repeat">
+      <a:schemeClr val="dk1"/>
+    </dgm:txFillClrLst>
+    <dgm:txEffectClrLst/>
+  </dgm:styleLbl>
+  <dgm:styleLbl name="fgAccFollowNode1">
+    <dgm:fillClrLst meth="repeat">
+      <a:schemeClr val="accent2">
+        <a:alpha val="90000"/>
+        <a:tint val="40000"/>
+      </a:schemeClr>
+    </dgm:fillClrLst>
+    <dgm:linClrLst meth="repeat">
+      <a:schemeClr val="accent2">
+        <a:alpha val="90000"/>
+        <a:tint val="40000"/>
+      </a:schemeClr>
+    </dgm:linClrLst>
+    <dgm:effectClrLst/>
+    <dgm:txLinClrLst/>
+    <dgm:txFillClrLst meth="repeat">
+      <a:schemeClr val="dk1"/>
+    </dgm:txFillClrLst>
+    <dgm:txEffectClrLst/>
+  </dgm:styleLbl>
+  <dgm:styleLbl name="alignAccFollowNode1">
+    <dgm:fillClrLst meth="repeat">
+      <a:schemeClr val="accent2">
+        <a:alpha val="90000"/>
+        <a:tint val="40000"/>
+      </a:schemeClr>
+    </dgm:fillClrLst>
+    <dgm:linClrLst meth="repeat">
+      <a:schemeClr val="accent2">
+        <a:alpha val="90000"/>
+        <a:tint val="40000"/>
+      </a:schemeClr>
+    </dgm:linClrLst>
+    <dgm:effectClrLst/>
+    <dgm:txLinClrLst/>
+    <dgm:txFillClrLst meth="repeat">
+      <a:schemeClr val="dk1"/>
+    </dgm:txFillClrLst>
+    <dgm:txEffectClrLst/>
+  </dgm:styleLbl>
+  <dgm:styleLbl name="bgAccFollowNode1">
+    <dgm:fillClrLst meth="repeat">
+      <a:schemeClr val="accent2">
+        <a:alpha val="90000"/>
+        <a:tint val="40000"/>
+      </a:schemeClr>
+    </dgm:fillClrLst>
+    <dgm:linClrLst meth="repeat">
+      <a:schemeClr val="accent2">
+        <a:alpha val="90000"/>
+        <a:tint val="40000"/>
+      </a:schemeClr>
+    </dgm:linClrLst>
+    <dgm:effectClrLst/>
+    <dgm:txLinClrLst/>
+    <dgm:txFillClrLst meth="repeat">
+      <a:schemeClr val="dk1"/>
+    </dgm:txFillClrLst>
+    <dgm:txEffectClrLst/>
+  </dgm:styleLbl>
+  <dgm:styleLbl name="fgAcc0">
+    <dgm:fillClrLst meth="repeat">
+      <a:schemeClr val="lt1">
+        <a:alpha val="90000"/>
+      </a:schemeClr>
+    </dgm:fillClrLst>
+    <dgm:linClrLst meth="repeat">
+      <a:schemeClr val="accent2"/>
+    </dgm:linClrLst>
+    <dgm:effectClrLst/>
+    <dgm:txLinClrLst/>
+    <dgm:txFillClrLst meth="repeat">
+      <a:schemeClr val="dk1"/>
+    </dgm:txFillClrLst>
+    <dgm:txEffectClrLst/>
+  </dgm:styleLbl>
+  <dgm:styleLbl name="fgAcc2">
+    <dgm:fillClrLst meth="repeat">
+      <a:schemeClr val="lt1">
+        <a:alpha val="90000"/>
+      </a:schemeClr>
+    </dgm:fillClrLst>
+    <dgm:linClrLst meth="repeat">
+      <a:schemeClr val="accent2"/>
+    </dgm:linClrLst>
+    <dgm:effectClrLst/>
+    <dgm:txLinClrLst/>
+    <dgm:txFillClrLst meth="repeat">
+      <a:schemeClr val="dk1"/>
+    </dgm:txFillClrLst>
+    <dgm:txEffectClrLst/>
+  </dgm:styleLbl>
+  <dgm:styleLbl name="fgAcc3">
+    <dgm:fillClrLst meth="repeat">
+      <a:schemeClr val="lt1">
+        <a:alpha val="90000"/>
+      </a:schemeClr>
+    </dgm:fillClrLst>
+    <dgm:linClrLst meth="repeat">
+      <a:schemeClr val="accent2"/>
+    </dgm:linClrLst>
+    <dgm:effectClrLst/>
+    <dgm:txLinClrLst/>
+    <dgm:txFillClrLst meth="repeat">
+      <a:schemeClr val="dk1"/>
+    </dgm:txFillClrLst>
+    <dgm:txEffectClrLst/>
+  </dgm:styleLbl>
+  <dgm:styleLbl name="fgAcc4">
+    <dgm:fillClrLst meth="repeat">
+      <a:schemeClr val="lt1">
+        <a:alpha val="90000"/>
+      </a:schemeClr>
+    </dgm:fillClrLst>
+    <dgm:linClrLst meth="repeat">
+      <a:schemeClr val="accent2"/>
+    </dgm:linClrLst>
+    <dgm:effectClrLst/>
+    <dgm:txLinClrLst/>
+    <dgm:txFillClrLst meth="repeat">
+      <a:schemeClr val="dk1"/>
+    </dgm:txFillClrLst>
+    <dgm:txEffectClrLst/>
+  </dgm:styleLbl>
+  <dgm:styleLbl name="bgShp">
+    <dgm:fillClrLst meth="repeat">
+      <a:schemeClr val="accent2">
+        <a:tint val="40000"/>
+      </a:schemeClr>
+    </dgm:fillClrLst>
+    <dgm:linClrLst meth="repeat">
+      <a:schemeClr val="accent2"/>
+    </dgm:linClrLst>
+    <dgm:effectClrLst/>
+    <dgm:txLinClrLst/>
+    <dgm:txFillClrLst meth="repeat">
+      <a:schemeClr val="dk1"/>
+    </dgm:txFillClrLst>
+    <dgm:txEffectClrLst/>
+  </dgm:styleLbl>
+  <dgm:styleLbl name="dkBgShp">
+    <dgm:fillClrLst meth="repeat">
+      <a:schemeClr val="accent2">
+        <a:shade val="80000"/>
+      </a:schemeClr>
+    </dgm:fillClrLst>
+    <dgm:linClrLst meth="repeat">
+      <a:schemeClr val="accent2"/>
+    </dgm:linClrLst>
+    <dgm:effectClrLst/>
+    <dgm:txLinClrLst/>
+    <dgm:txFillClrLst meth="repeat">
+      <a:schemeClr val="lt1"/>
+    </dgm:txFillClrLst>
+    <dgm:txEffectClrLst/>
+  </dgm:styleLbl>
+  <dgm:styleLbl name="trBgShp">
+    <dgm:fillClrLst meth="repeat">
+      <a:schemeClr val="accent2">
+        <a:tint val="50000"/>
+        <a:alpha val="40000"/>
+      </a:schemeClr>
+    </dgm:fillClrLst>
+    <dgm:linClrLst meth="repeat">
+      <a:schemeClr val="accent2"/>
+    </dgm:linClrLst>
+    <dgm:effectClrLst/>
+    <dgm:txLinClrLst/>
+    <dgm:txFillClrLst meth="repeat">
+      <a:schemeClr val="lt1"/>
+    </dgm:txFillClrLst>
+    <dgm:txEffectClrLst/>
+  </dgm:styleLbl>
+  <dgm:styleLbl name="fgShp">
+    <dgm:fillClrLst meth="repeat">
+      <a:schemeClr val="accent2">
+        <a:tint val="60000"/>
+      </a:schemeClr>
+    </dgm:fillClrLst>
+    <dgm:linClrLst meth="repeat">
+      <a:schemeClr val="lt1"/>
+    </dgm:linClrLst>
+    <dgm:effectClrLst/>
+    <dgm:txLinClrLst/>
+    <dgm:txFillClrLst meth="repeat">
+      <a:schemeClr val="dk1"/>
+    </dgm:txFillClrLst>
+    <dgm:txEffectClrLst/>
+  </dgm:styleLbl>
+  <dgm:styleLbl name="revTx">
+    <dgm:fillClrLst meth="repeat">
+      <a:schemeClr val="lt1">
+        <a:alpha val="0"/>
+      </a:schemeClr>
+    </dgm:fillClrLst>
+    <dgm:linClrLst meth="repeat">
+      <a:schemeClr val="dk1">
+        <a:alpha val="0"/>
+      </a:schemeClr>
+    </dgm:linClrLst>
+    <dgm:effectClrLst/>
+    <dgm:txLinClrLst/>
+    <dgm:txFillClrLst meth="repeat">
+      <a:schemeClr val="tx1"/>
+    </dgm:txFillClrLst>
+    <dgm:txEffectClrLst/>
+  </dgm:styleLbl>
+</dgm:colorsDef>
+</file>
+
 <file path=ppt/diagrams/data1.xml><?xml version="1.0" encoding="utf-8"?>
+<dgm:dataModel xmlns:dgm="http://schemas.openxmlformats.org/drawingml/2006/diagram" xmlns:a="http://schemas.openxmlformats.org/drawingml/2006/main">
+  <dgm:ptLst>
+    <dgm:pt modelId="{7D9C16A6-8C48-4165-8DAF-8C957C12A8FA}" type="doc">
+      <dgm:prSet loTypeId="urn:microsoft.com/office/officeart/2018/2/layout/IconLabelList" loCatId="icon" qsTypeId="urn:microsoft.com/office/officeart/2005/8/quickstyle/simple1" qsCatId="simple" csTypeId="urn:microsoft.com/office/officeart/2018/5/colors/Iconchunking_neutralbg_accent2_2" csCatId="accent2" phldr="1"/>
+      <dgm:spPr/>
+      <dgm:t>
+        <a:bodyPr/>
+        <a:lstStyle/>
+        <a:p>
+          <a:endParaRPr lang="en-US"/>
+        </a:p>
+      </dgm:t>
+    </dgm:pt>
+    <dgm:pt modelId="{701D68F5-42F8-47BC-8FED-84C50F595DF0}">
+      <dgm:prSet phldrT="[Text]"/>
+      <dgm:spPr/>
+      <dgm:t>
+        <a:bodyPr/>
+        <a:lstStyle/>
+        <a:p>
+          <a:r>
+            <a:rPr lang="en-ZA" dirty="0" err="1"/>
+            <a:t>Bunnarith</a:t>
+          </a:r>
+          <a:r>
+            <a:rPr lang="en-ZA" dirty="0"/>
+            <a:t> </a:t>
+          </a:r>
+          <a:r>
+            <a:rPr lang="en-ZA" dirty="0" err="1"/>
+            <a:t>Heang</a:t>
+          </a:r>
+          <a:endParaRPr lang="en-US" dirty="0"/>
+        </a:p>
+      </dgm:t>
+    </dgm:pt>
+    <dgm:pt modelId="{9617668C-C38C-4017-8DDF-37855B15D110}" type="parTrans" cxnId="{C4BA385D-31ED-40EF-A5D6-98DFBA64E71A}">
+      <dgm:prSet/>
+      <dgm:spPr/>
+      <dgm:t>
+        <a:bodyPr/>
+        <a:lstStyle/>
+        <a:p>
+          <a:endParaRPr lang="en-US"/>
+        </a:p>
+      </dgm:t>
+    </dgm:pt>
+    <dgm:pt modelId="{0C95B389-AC0C-4055-9AA3-38815EFC8B0A}" type="sibTrans" cxnId="{C4BA385D-31ED-40EF-A5D6-98DFBA64E71A}">
+      <dgm:prSet/>
+      <dgm:spPr/>
+      <dgm:t>
+        <a:bodyPr/>
+        <a:lstStyle/>
+        <a:p>
+          <a:endParaRPr lang="en-US"/>
+        </a:p>
+      </dgm:t>
+    </dgm:pt>
+    <dgm:pt modelId="{91A66877-AC1C-46D9-BF2C-6024B638DEA9}">
+      <dgm:prSet phldrT="[Text]"/>
+      <dgm:spPr/>
+      <dgm:t>
+        <a:bodyPr/>
+        <a:lstStyle/>
+        <a:p>
+          <a:r>
+            <a:rPr lang="en-US" dirty="0" err="1"/>
+            <a:t>Monespiseth</a:t>
+          </a:r>
+          <a:r>
+            <a:rPr lang="en-US" dirty="0"/>
+            <a:t> Ly</a:t>
+          </a:r>
+        </a:p>
+      </dgm:t>
+    </dgm:pt>
+    <dgm:pt modelId="{913FED05-DF41-48A7-B1F8-81937A468EF9}" type="parTrans" cxnId="{7F0DAB6F-9257-4F2D-B31A-3418F73F6952}">
+      <dgm:prSet/>
+      <dgm:spPr/>
+      <dgm:t>
+        <a:bodyPr/>
+        <a:lstStyle/>
+        <a:p>
+          <a:endParaRPr lang="en-US"/>
+        </a:p>
+      </dgm:t>
+    </dgm:pt>
+    <dgm:pt modelId="{BFCE4A28-C381-46FF-935A-B11534EF7D87}" type="sibTrans" cxnId="{7F0DAB6F-9257-4F2D-B31A-3418F73F6952}">
+      <dgm:prSet/>
+      <dgm:spPr/>
+      <dgm:t>
+        <a:bodyPr/>
+        <a:lstStyle/>
+        <a:p>
+          <a:endParaRPr lang="en-US"/>
+        </a:p>
+      </dgm:t>
+    </dgm:pt>
+    <dgm:pt modelId="{76CC3289-2662-43F0-A3C6-BA04A135F08C}">
+      <dgm:prSet phldrT="[Text]"/>
+      <dgm:spPr/>
+      <dgm:t>
+        <a:bodyPr/>
+        <a:lstStyle/>
+        <a:p>
+          <a:r>
+            <a:rPr lang="en-US" dirty="0"/>
+            <a:t>Seakmeng Chheang</a:t>
+          </a:r>
+        </a:p>
+      </dgm:t>
+    </dgm:pt>
+    <dgm:pt modelId="{D46DB4DA-1442-4ECE-89FE-BBB1E3489E3D}" type="parTrans" cxnId="{0400886E-8A1A-44C2-95A7-DB0EF4911494}">
+      <dgm:prSet/>
+      <dgm:spPr/>
+      <dgm:t>
+        <a:bodyPr/>
+        <a:lstStyle/>
+        <a:p>
+          <a:endParaRPr lang="en-US"/>
+        </a:p>
+      </dgm:t>
+    </dgm:pt>
+    <dgm:pt modelId="{FA28C9D6-476E-43CD-BA23-D6D990FD78D0}" type="sibTrans" cxnId="{0400886E-8A1A-44C2-95A7-DB0EF4911494}">
+      <dgm:prSet/>
+      <dgm:spPr/>
+      <dgm:t>
+        <a:bodyPr/>
+        <a:lstStyle/>
+        <a:p>
+          <a:endParaRPr lang="en-US"/>
+        </a:p>
+      </dgm:t>
+    </dgm:pt>
+    <dgm:pt modelId="{8994D886-A75F-411A-A9D7-D31991FF12BD}" type="pres">
+      <dgm:prSet presAssocID="{7D9C16A6-8C48-4165-8DAF-8C957C12A8FA}" presName="root" presStyleCnt="0">
+        <dgm:presLayoutVars>
+          <dgm:dir/>
+          <dgm:resizeHandles val="exact"/>
+        </dgm:presLayoutVars>
+      </dgm:prSet>
+      <dgm:spPr/>
+    </dgm:pt>
+    <dgm:pt modelId="{E1DBA6D5-BD14-4CD2-A0CC-80F867FEFA81}" type="pres">
+      <dgm:prSet presAssocID="{701D68F5-42F8-47BC-8FED-84C50F595DF0}" presName="compNode" presStyleCnt="0"/>
+      <dgm:spPr/>
+    </dgm:pt>
+    <dgm:pt modelId="{19A8DC21-3E65-409D-AD53-DA51BB9198A0}" type="pres">
+      <dgm:prSet presAssocID="{701D68F5-42F8-47BC-8FED-84C50F595DF0}" presName="iconRect" presStyleLbl="node1" presStyleIdx="0" presStyleCnt="3" custScaleX="157625" custScaleY="157625"/>
+      <dgm:spPr>
+        <a:blipFill rotWithShape="1">
+          <a:blip xmlns:r="http://schemas.openxmlformats.org/officeDocument/2006/relationships" r:embed="rId1">
+            <a:duotone>
+              <a:schemeClr val="accent2">
+                <a:hueOff val="0"/>
+                <a:satOff val="0"/>
+                <a:lumOff val="0"/>
+                <a:alphaOff val="0"/>
+                <a:shade val="20000"/>
+                <a:satMod val="200000"/>
+              </a:schemeClr>
+              <a:schemeClr val="accent2">
+                <a:hueOff val="0"/>
+                <a:satOff val="0"/>
+                <a:lumOff val="0"/>
+                <a:alphaOff val="0"/>
+                <a:tint val="12000"/>
+                <a:satMod val="190000"/>
+              </a:schemeClr>
+            </a:duotone>
+          </a:blip>
+          <a:srcRect/>
+          <a:stretch>
+            <a:fillRect/>
+          </a:stretch>
+        </a:blipFill>
+        <a:ln>
+          <a:noFill/>
+        </a:ln>
+      </dgm:spPr>
+    </dgm:pt>
+    <dgm:pt modelId="{B9F90A48-FF94-4C94-A587-0190406F6FD3}" type="pres">
+      <dgm:prSet presAssocID="{701D68F5-42F8-47BC-8FED-84C50F595DF0}" presName="spaceRect" presStyleCnt="0"/>
+      <dgm:spPr/>
+    </dgm:pt>
+    <dgm:pt modelId="{A99B5DD6-89E9-4537-B415-4205CEB9323A}" type="pres">
+      <dgm:prSet presAssocID="{701D68F5-42F8-47BC-8FED-84C50F595DF0}" presName="textRect" presStyleLbl="revTx" presStyleIdx="0" presStyleCnt="3">
+        <dgm:presLayoutVars>
+          <dgm:chMax val="1"/>
+          <dgm:chPref val="1"/>
+        </dgm:presLayoutVars>
+      </dgm:prSet>
+      <dgm:spPr/>
+    </dgm:pt>
+    <dgm:pt modelId="{8B391436-B9B0-45BD-A57F-792D6376D868}" type="pres">
+      <dgm:prSet presAssocID="{0C95B389-AC0C-4055-9AA3-38815EFC8B0A}" presName="sibTrans" presStyleCnt="0"/>
+      <dgm:spPr/>
+    </dgm:pt>
+    <dgm:pt modelId="{95872155-C45D-46D3-874C-D838089A06F8}" type="pres">
+      <dgm:prSet presAssocID="{91A66877-AC1C-46D9-BF2C-6024B638DEA9}" presName="compNode" presStyleCnt="0"/>
+      <dgm:spPr/>
+    </dgm:pt>
+    <dgm:pt modelId="{CE9DF0E8-B0DE-4E1E-9FF4-6006AD8428DB}" type="pres">
+      <dgm:prSet presAssocID="{91A66877-AC1C-46D9-BF2C-6024B638DEA9}" presName="iconRect" presStyleLbl="node1" presStyleIdx="1" presStyleCnt="3" custScaleX="157625" custScaleY="157625"/>
+      <dgm:spPr>
+        <a:blipFill rotWithShape="1">
+          <a:blip xmlns:r="http://schemas.openxmlformats.org/officeDocument/2006/relationships" r:embed="rId2">
+            <a:duotone>
+              <a:schemeClr val="accent2">
+                <a:hueOff val="0"/>
+                <a:satOff val="0"/>
+                <a:lumOff val="0"/>
+                <a:alphaOff val="0"/>
+                <a:shade val="20000"/>
+                <a:satMod val="200000"/>
+              </a:schemeClr>
+              <a:schemeClr val="accent2">
+                <a:hueOff val="0"/>
+                <a:satOff val="0"/>
+                <a:lumOff val="0"/>
+                <a:alphaOff val="0"/>
+                <a:tint val="12000"/>
+                <a:satMod val="190000"/>
+              </a:schemeClr>
+            </a:duotone>
+          </a:blip>
+          <a:srcRect/>
+          <a:stretch>
+            <a:fillRect/>
+          </a:stretch>
+        </a:blipFill>
+        <a:ln>
+          <a:noFill/>
+        </a:ln>
+      </dgm:spPr>
+    </dgm:pt>
+    <dgm:pt modelId="{AA0423A1-55B2-45E9-BFE7-3FBE5BDA65ED}" type="pres">
+      <dgm:prSet presAssocID="{91A66877-AC1C-46D9-BF2C-6024B638DEA9}" presName="spaceRect" presStyleCnt="0"/>
+      <dgm:spPr/>
+    </dgm:pt>
+    <dgm:pt modelId="{55120873-6F5C-4053-8EAD-6287A7F1097E}" type="pres">
+      <dgm:prSet presAssocID="{91A66877-AC1C-46D9-BF2C-6024B638DEA9}" presName="textRect" presStyleLbl="revTx" presStyleIdx="1" presStyleCnt="3">
+        <dgm:presLayoutVars>
+          <dgm:chMax val="1"/>
+          <dgm:chPref val="1"/>
+        </dgm:presLayoutVars>
+      </dgm:prSet>
+      <dgm:spPr/>
+    </dgm:pt>
+    <dgm:pt modelId="{F679C986-30E4-4F0A-A3A6-CAE528BFED76}" type="pres">
+      <dgm:prSet presAssocID="{BFCE4A28-C381-46FF-935A-B11534EF7D87}" presName="sibTrans" presStyleCnt="0"/>
+      <dgm:spPr/>
+    </dgm:pt>
+    <dgm:pt modelId="{2EC2FDE3-8908-45C7-A3FD-EB370213FE69}" type="pres">
+      <dgm:prSet presAssocID="{76CC3289-2662-43F0-A3C6-BA04A135F08C}" presName="compNode" presStyleCnt="0"/>
+      <dgm:spPr/>
+    </dgm:pt>
+    <dgm:pt modelId="{6DB1FE51-13D0-4A38-AD6E-48D4371A1AF3}" type="pres">
+      <dgm:prSet presAssocID="{76CC3289-2662-43F0-A3C6-BA04A135F08C}" presName="iconRect" presStyleLbl="node1" presStyleIdx="2" presStyleCnt="3" custScaleX="157625" custScaleY="157625"/>
+      <dgm:spPr>
+        <a:blipFill rotWithShape="1">
+          <a:blip xmlns:r="http://schemas.openxmlformats.org/officeDocument/2006/relationships" r:embed="rId3">
+            <a:duotone>
+              <a:schemeClr val="accent2">
+                <a:hueOff val="0"/>
+                <a:satOff val="0"/>
+                <a:lumOff val="0"/>
+                <a:alphaOff val="0"/>
+                <a:shade val="20000"/>
+                <a:satMod val="200000"/>
+              </a:schemeClr>
+              <a:schemeClr val="accent2">
+                <a:hueOff val="0"/>
+                <a:satOff val="0"/>
+                <a:lumOff val="0"/>
+                <a:alphaOff val="0"/>
+                <a:tint val="12000"/>
+                <a:satMod val="190000"/>
+              </a:schemeClr>
+            </a:duotone>
+          </a:blip>
+          <a:srcRect/>
+          <a:stretch>
+            <a:fillRect/>
+          </a:stretch>
+        </a:blipFill>
+        <a:ln>
+          <a:noFill/>
+        </a:ln>
+      </dgm:spPr>
+    </dgm:pt>
+    <dgm:pt modelId="{0928538A-05CC-4A79-BD5D-92F985D1EEE5}" type="pres">
+      <dgm:prSet presAssocID="{76CC3289-2662-43F0-A3C6-BA04A135F08C}" presName="spaceRect" presStyleCnt="0"/>
+      <dgm:spPr/>
+    </dgm:pt>
+    <dgm:pt modelId="{133097FC-B1F8-4953-B0AB-E8E73D968D1C}" type="pres">
+      <dgm:prSet presAssocID="{76CC3289-2662-43F0-A3C6-BA04A135F08C}" presName="textRect" presStyleLbl="revTx" presStyleIdx="2" presStyleCnt="3">
+        <dgm:presLayoutVars>
+          <dgm:chMax val="1"/>
+          <dgm:chPref val="1"/>
+        </dgm:presLayoutVars>
+      </dgm:prSet>
+      <dgm:spPr/>
+    </dgm:pt>
+  </dgm:ptLst>
+  <dgm:cxnLst>
+    <dgm:cxn modelId="{1B8CB22C-9648-419B-97E9-4AA6C3555723}" type="presOf" srcId="{701D68F5-42F8-47BC-8FED-84C50F595DF0}" destId="{A99B5DD6-89E9-4537-B415-4205CEB9323A}" srcOrd="0" destOrd="0" presId="urn:microsoft.com/office/officeart/2018/2/layout/IconLabelList"/>
+    <dgm:cxn modelId="{C4BA385D-31ED-40EF-A5D6-98DFBA64E71A}" srcId="{7D9C16A6-8C48-4165-8DAF-8C957C12A8FA}" destId="{701D68F5-42F8-47BC-8FED-84C50F595DF0}" srcOrd="0" destOrd="0" parTransId="{9617668C-C38C-4017-8DDF-37855B15D110}" sibTransId="{0C95B389-AC0C-4055-9AA3-38815EFC8B0A}"/>
+    <dgm:cxn modelId="{5574CC64-4BF2-43BE-BABC-6DF1E58A4C74}" type="presOf" srcId="{7D9C16A6-8C48-4165-8DAF-8C957C12A8FA}" destId="{8994D886-A75F-411A-A9D7-D31991FF12BD}" srcOrd="0" destOrd="0" presId="urn:microsoft.com/office/officeart/2018/2/layout/IconLabelList"/>
+    <dgm:cxn modelId="{0400886E-8A1A-44C2-95A7-DB0EF4911494}" srcId="{7D9C16A6-8C48-4165-8DAF-8C957C12A8FA}" destId="{76CC3289-2662-43F0-A3C6-BA04A135F08C}" srcOrd="2" destOrd="0" parTransId="{D46DB4DA-1442-4ECE-89FE-BBB1E3489E3D}" sibTransId="{FA28C9D6-476E-43CD-BA23-D6D990FD78D0}"/>
+    <dgm:cxn modelId="{7F0DAB6F-9257-4F2D-B31A-3418F73F6952}" srcId="{7D9C16A6-8C48-4165-8DAF-8C957C12A8FA}" destId="{91A66877-AC1C-46D9-BF2C-6024B638DEA9}" srcOrd="1" destOrd="0" parTransId="{913FED05-DF41-48A7-B1F8-81937A468EF9}" sibTransId="{BFCE4A28-C381-46FF-935A-B11534EF7D87}"/>
+    <dgm:cxn modelId="{EC5C6E85-C523-4B60-976B-342F12E3A6CB}" type="presOf" srcId="{91A66877-AC1C-46D9-BF2C-6024B638DEA9}" destId="{55120873-6F5C-4053-8EAD-6287A7F1097E}" srcOrd="0" destOrd="0" presId="urn:microsoft.com/office/officeart/2018/2/layout/IconLabelList"/>
+    <dgm:cxn modelId="{6E31C6AB-C9E6-448F-A8CC-566A63619D4D}" type="presOf" srcId="{76CC3289-2662-43F0-A3C6-BA04A135F08C}" destId="{133097FC-B1F8-4953-B0AB-E8E73D968D1C}" srcOrd="0" destOrd="0" presId="urn:microsoft.com/office/officeart/2018/2/layout/IconLabelList"/>
+    <dgm:cxn modelId="{2AD6E781-3ED2-484E-B438-73386D2C583D}" type="presParOf" srcId="{8994D886-A75F-411A-A9D7-D31991FF12BD}" destId="{E1DBA6D5-BD14-4CD2-A0CC-80F867FEFA81}" srcOrd="0" destOrd="0" presId="urn:microsoft.com/office/officeart/2018/2/layout/IconLabelList"/>
+    <dgm:cxn modelId="{10B2B212-528C-471D-ABD0-D66ED992B833}" type="presParOf" srcId="{E1DBA6D5-BD14-4CD2-A0CC-80F867FEFA81}" destId="{19A8DC21-3E65-409D-AD53-DA51BB9198A0}" srcOrd="0" destOrd="0" presId="urn:microsoft.com/office/officeart/2018/2/layout/IconLabelList"/>
+    <dgm:cxn modelId="{2A8FB3D0-F98B-4F5A-BACA-4315E38776FB}" type="presParOf" srcId="{E1DBA6D5-BD14-4CD2-A0CC-80F867FEFA81}" destId="{B9F90A48-FF94-4C94-A587-0190406F6FD3}" srcOrd="1" destOrd="0" presId="urn:microsoft.com/office/officeart/2018/2/layout/IconLabelList"/>
+    <dgm:cxn modelId="{95FEF629-9884-451C-89B4-41B897ABE3D6}" type="presParOf" srcId="{E1DBA6D5-BD14-4CD2-A0CC-80F867FEFA81}" destId="{A99B5DD6-89E9-4537-B415-4205CEB9323A}" srcOrd="2" destOrd="0" presId="urn:microsoft.com/office/officeart/2018/2/layout/IconLabelList"/>
+    <dgm:cxn modelId="{0FE6827F-DE80-4F8A-8E9D-7F88C0F7EF29}" type="presParOf" srcId="{8994D886-A75F-411A-A9D7-D31991FF12BD}" destId="{8B391436-B9B0-45BD-A57F-792D6376D868}" srcOrd="1" destOrd="0" presId="urn:microsoft.com/office/officeart/2018/2/layout/IconLabelList"/>
+    <dgm:cxn modelId="{4857BE3A-D518-473D-AC79-7B9BF18B9824}" type="presParOf" srcId="{8994D886-A75F-411A-A9D7-D31991FF12BD}" destId="{95872155-C45D-46D3-874C-D838089A06F8}" srcOrd="2" destOrd="0" presId="urn:microsoft.com/office/officeart/2018/2/layout/IconLabelList"/>
+    <dgm:cxn modelId="{B4B325C4-81F2-4B3E-8CBF-4532B0BFA343}" type="presParOf" srcId="{95872155-C45D-46D3-874C-D838089A06F8}" destId="{CE9DF0E8-B0DE-4E1E-9FF4-6006AD8428DB}" srcOrd="0" destOrd="0" presId="urn:microsoft.com/office/officeart/2018/2/layout/IconLabelList"/>
+    <dgm:cxn modelId="{0AE6D335-6E55-47E1-BAD8-0368620AB8F6}" type="presParOf" srcId="{95872155-C45D-46D3-874C-D838089A06F8}" destId="{AA0423A1-55B2-45E9-BFE7-3FBE5BDA65ED}" srcOrd="1" destOrd="0" presId="urn:microsoft.com/office/officeart/2018/2/layout/IconLabelList"/>
+    <dgm:cxn modelId="{AFEE8CCD-97FE-4EFA-A584-DF6AFDAD2B20}" type="presParOf" srcId="{95872155-C45D-46D3-874C-D838089A06F8}" destId="{55120873-6F5C-4053-8EAD-6287A7F1097E}" srcOrd="2" destOrd="0" presId="urn:microsoft.com/office/officeart/2018/2/layout/IconLabelList"/>
+    <dgm:cxn modelId="{26649F18-C204-4047-8300-905486AB3755}" type="presParOf" srcId="{8994D886-A75F-411A-A9D7-D31991FF12BD}" destId="{F679C986-30E4-4F0A-A3A6-CAE528BFED76}" srcOrd="3" destOrd="0" presId="urn:microsoft.com/office/officeart/2018/2/layout/IconLabelList"/>
+    <dgm:cxn modelId="{898D629F-DA37-435F-A0B2-0617605D711A}" type="presParOf" srcId="{8994D886-A75F-411A-A9D7-D31991FF12BD}" destId="{2EC2FDE3-8908-45C7-A3FD-EB370213FE69}" srcOrd="4" destOrd="0" presId="urn:microsoft.com/office/officeart/2018/2/layout/IconLabelList"/>
+    <dgm:cxn modelId="{2BDADB1C-15B1-4763-9B35-3792147F8F87}" type="presParOf" srcId="{2EC2FDE3-8908-45C7-A3FD-EB370213FE69}" destId="{6DB1FE51-13D0-4A38-AD6E-48D4371A1AF3}" srcOrd="0" destOrd="0" presId="urn:microsoft.com/office/officeart/2018/2/layout/IconLabelList"/>
+    <dgm:cxn modelId="{F692F1E6-C6EC-4391-8432-EB6C34194240}" type="presParOf" srcId="{2EC2FDE3-8908-45C7-A3FD-EB370213FE69}" destId="{0928538A-05CC-4A79-BD5D-92F985D1EEE5}" srcOrd="1" destOrd="0" presId="urn:microsoft.com/office/officeart/2018/2/layout/IconLabelList"/>
+    <dgm:cxn modelId="{0E6AF6C4-A4E5-4234-9E16-F9F2334264CD}" type="presParOf" srcId="{2EC2FDE3-8908-45C7-A3FD-EB370213FE69}" destId="{133097FC-B1F8-4953-B0AB-E8E73D968D1C}" srcOrd="2" destOrd="0" presId="urn:microsoft.com/office/officeart/2018/2/layout/IconLabelList"/>
+  </dgm:cxnLst>
+  <dgm:bg/>
+  <dgm:whole/>
+  <dgm:extLst>
+    <a:ext uri="http://schemas.microsoft.com/office/drawing/2008/diagram">
+      <dsp:dataModelExt xmlns:dsp="http://schemas.microsoft.com/office/drawing/2008/diagram" relId="rId7" minVer="http://schemas.openxmlformats.org/drawingml/2006/diagram"/>
+    </a:ext>
+    <a:ext uri="{C62137D5-CB1D-491B-B009-E17868A290BF}">
+      <dgm14:recolorImg xmlns:dgm14="http://schemas.microsoft.com/office/drawing/2010/diagram" val="1"/>
+    </a:ext>
+  </dgm:extLst>
+</dgm:dataModel>
+</file>
+
+<file path=ppt/diagrams/data2.xml><?xml version="1.0" encoding="utf-8"?>
 <dgm:dataModel xmlns:dgm="http://schemas.openxmlformats.org/drawingml/2006/diagram" xmlns:a="http://schemas.openxmlformats.org/drawingml/2006/main">
   <dgm:ptLst>
     <dgm:pt modelId="{7D9C16A6-8C48-4165-8DAF-8C957C12A8FA}" type="doc">
@@ -1976,7 +3069,7 @@
 </dgm:dataModel>
 </file>
 
-<file path=ppt/diagrams/data2.xml><?xml version="1.0" encoding="utf-8"?>
+<file path=ppt/diagrams/data3.xml><?xml version="1.0" encoding="utf-8"?>
 <dgm:dataModel xmlns:dgm="http://schemas.openxmlformats.org/drawingml/2006/diagram" xmlns:a="http://schemas.openxmlformats.org/drawingml/2006/main">
   <dgm:ptLst>
     <dgm:pt modelId="{7E5AA53B-3EEE-4DE4-BB81-9044890C2946}" type="doc">
@@ -2232,6 +3325,391 @@
 </file>
 
 <file path=ppt/diagrams/drawing1.xml><?xml version="1.0" encoding="utf-8"?>
+<dsp:drawing xmlns:dgm="http://schemas.openxmlformats.org/drawingml/2006/diagram" xmlns:dsp="http://schemas.microsoft.com/office/drawing/2008/diagram" xmlns:a="http://schemas.openxmlformats.org/drawingml/2006/main">
+  <dsp:spTree>
+    <dsp:nvGrpSpPr>
+      <dsp:cNvPr id="0" name=""/>
+      <dsp:cNvGrpSpPr/>
+    </dsp:nvGrpSpPr>
+    <dsp:grpSpPr/>
+    <dsp:sp modelId="{19A8DC21-3E65-409D-AD53-DA51BB9198A0}">
+      <dsp:nvSpPr>
+        <dsp:cNvPr id="0" name=""/>
+        <dsp:cNvSpPr/>
+      </dsp:nvSpPr>
+      <dsp:spPr>
+        <a:xfrm>
+          <a:off x="523237" y="494935"/>
+          <a:ext cx="2285995" cy="2285995"/>
+        </a:xfrm>
+        <a:prstGeom prst="rect">
+          <a:avLst/>
+        </a:prstGeom>
+        <a:blipFill rotWithShape="1">
+          <a:blip xmlns:r="http://schemas.openxmlformats.org/officeDocument/2006/relationships" r:embed="rId1">
+            <a:duotone>
+              <a:schemeClr val="accent2">
+                <a:hueOff val="0"/>
+                <a:satOff val="0"/>
+                <a:lumOff val="0"/>
+                <a:alphaOff val="0"/>
+                <a:shade val="20000"/>
+                <a:satMod val="200000"/>
+              </a:schemeClr>
+              <a:schemeClr val="accent2">
+                <a:hueOff val="0"/>
+                <a:satOff val="0"/>
+                <a:lumOff val="0"/>
+                <a:alphaOff val="0"/>
+                <a:tint val="12000"/>
+                <a:satMod val="190000"/>
+              </a:schemeClr>
+            </a:duotone>
+          </a:blip>
+          <a:srcRect/>
+          <a:stretch>
+            <a:fillRect/>
+          </a:stretch>
+        </a:blipFill>
+        <a:ln w="22225" cap="rnd" cmpd="sng" algn="ctr">
+          <a:noFill/>
+          <a:prstDash val="solid"/>
+        </a:ln>
+        <a:effectLst/>
+      </dsp:spPr>
+      <dsp:style>
+        <a:lnRef idx="2">
+          <a:scrgbClr r="0" g="0" b="0"/>
+        </a:lnRef>
+        <a:fillRef idx="1">
+          <a:scrgbClr r="0" g="0" b="0"/>
+        </a:fillRef>
+        <a:effectRef idx="0">
+          <a:scrgbClr r="0" g="0" b="0"/>
+        </a:effectRef>
+        <a:fontRef idx="minor">
+          <a:schemeClr val="lt1"/>
+        </a:fontRef>
+      </dsp:style>
+    </dsp:sp>
+    <dsp:sp modelId="{A99B5DD6-89E9-4537-B415-4205CEB9323A}">
+      <dsp:nvSpPr>
+        <dsp:cNvPr id="0" name=""/>
+        <dsp:cNvSpPr/>
+      </dsp:nvSpPr>
+      <dsp:spPr>
+        <a:xfrm>
+          <a:off x="54818" y="2746269"/>
+          <a:ext cx="3222832" cy="720000"/>
+        </a:xfrm>
+        <a:prstGeom prst="rect">
+          <a:avLst/>
+        </a:prstGeom>
+        <a:noFill/>
+        <a:ln>
+          <a:noFill/>
+        </a:ln>
+        <a:effectLst/>
+      </dsp:spPr>
+      <dsp:style>
+        <a:lnRef idx="0">
+          <a:scrgbClr r="0" g="0" b="0"/>
+        </a:lnRef>
+        <a:fillRef idx="0">
+          <a:scrgbClr r="0" g="0" b="0"/>
+        </a:fillRef>
+        <a:effectRef idx="0">
+          <a:scrgbClr r="0" g="0" b="0"/>
+        </a:effectRef>
+        <a:fontRef idx="minor"/>
+      </dsp:style>
+      <dsp:txBody>
+        <a:bodyPr spcFirstLastPara="0" vert="horz" wrap="square" lIns="0" tIns="0" rIns="0" bIns="0" numCol="1" spcCol="1270" anchor="t" anchorCtr="0">
+          <a:noAutofit/>
+        </a:bodyPr>
+        <a:lstStyle/>
+        <a:p>
+          <a:pPr marL="0" lvl="0" indent="0" algn="ctr" defTabSz="1422400">
+            <a:lnSpc>
+              <a:spcPct val="90000"/>
+            </a:lnSpc>
+            <a:spcBef>
+              <a:spcPct val="0"/>
+            </a:spcBef>
+            <a:spcAft>
+              <a:spcPct val="35000"/>
+            </a:spcAft>
+            <a:buNone/>
+          </a:pPr>
+          <a:r>
+            <a:rPr lang="en-ZA" sz="3200" kern="1200" dirty="0" err="1"/>
+            <a:t>Bunnarith</a:t>
+          </a:r>
+          <a:r>
+            <a:rPr lang="en-ZA" sz="3200" kern="1200" dirty="0"/>
+            <a:t> </a:t>
+          </a:r>
+          <a:r>
+            <a:rPr lang="en-ZA" sz="3200" kern="1200" dirty="0" err="1"/>
+            <a:t>Heang</a:t>
+          </a:r>
+          <a:endParaRPr lang="en-US" sz="3200" kern="1200" dirty="0"/>
+        </a:p>
+      </dsp:txBody>
+      <dsp:txXfrm>
+        <a:off x="54818" y="2746269"/>
+        <a:ext cx="3222832" cy="720000"/>
+      </dsp:txXfrm>
+    </dsp:sp>
+    <dsp:sp modelId="{CE9DF0E8-B0DE-4E1E-9FF4-6006AD8428DB}">
+      <dsp:nvSpPr>
+        <dsp:cNvPr id="0" name=""/>
+        <dsp:cNvSpPr/>
+      </dsp:nvSpPr>
+      <dsp:spPr>
+        <a:xfrm>
+          <a:off x="4310064" y="494935"/>
+          <a:ext cx="2285995" cy="2285995"/>
+        </a:xfrm>
+        <a:prstGeom prst="rect">
+          <a:avLst/>
+        </a:prstGeom>
+        <a:blipFill rotWithShape="1">
+          <a:blip xmlns:r="http://schemas.openxmlformats.org/officeDocument/2006/relationships" r:embed="rId2">
+            <a:duotone>
+              <a:schemeClr val="accent2">
+                <a:hueOff val="0"/>
+                <a:satOff val="0"/>
+                <a:lumOff val="0"/>
+                <a:alphaOff val="0"/>
+                <a:shade val="20000"/>
+                <a:satMod val="200000"/>
+              </a:schemeClr>
+              <a:schemeClr val="accent2">
+                <a:hueOff val="0"/>
+                <a:satOff val="0"/>
+                <a:lumOff val="0"/>
+                <a:alphaOff val="0"/>
+                <a:tint val="12000"/>
+                <a:satMod val="190000"/>
+              </a:schemeClr>
+            </a:duotone>
+          </a:blip>
+          <a:srcRect/>
+          <a:stretch>
+            <a:fillRect/>
+          </a:stretch>
+        </a:blipFill>
+        <a:ln w="22225" cap="rnd" cmpd="sng" algn="ctr">
+          <a:noFill/>
+          <a:prstDash val="solid"/>
+        </a:ln>
+        <a:effectLst/>
+      </dsp:spPr>
+      <dsp:style>
+        <a:lnRef idx="2">
+          <a:scrgbClr r="0" g="0" b="0"/>
+        </a:lnRef>
+        <a:fillRef idx="1">
+          <a:scrgbClr r="0" g="0" b="0"/>
+        </a:fillRef>
+        <a:effectRef idx="0">
+          <a:scrgbClr r="0" g="0" b="0"/>
+        </a:effectRef>
+        <a:fontRef idx="minor">
+          <a:schemeClr val="lt1"/>
+        </a:fontRef>
+      </dsp:style>
+    </dsp:sp>
+    <dsp:sp modelId="{55120873-6F5C-4053-8EAD-6287A7F1097E}">
+      <dsp:nvSpPr>
+        <dsp:cNvPr id="0" name=""/>
+        <dsp:cNvSpPr/>
+      </dsp:nvSpPr>
+      <dsp:spPr>
+        <a:xfrm>
+          <a:off x="3841646" y="2746269"/>
+          <a:ext cx="3222832" cy="720000"/>
+        </a:xfrm>
+        <a:prstGeom prst="rect">
+          <a:avLst/>
+        </a:prstGeom>
+        <a:noFill/>
+        <a:ln>
+          <a:noFill/>
+        </a:ln>
+        <a:effectLst/>
+      </dsp:spPr>
+      <dsp:style>
+        <a:lnRef idx="0">
+          <a:scrgbClr r="0" g="0" b="0"/>
+        </a:lnRef>
+        <a:fillRef idx="0">
+          <a:scrgbClr r="0" g="0" b="0"/>
+        </a:fillRef>
+        <a:effectRef idx="0">
+          <a:scrgbClr r="0" g="0" b="0"/>
+        </a:effectRef>
+        <a:fontRef idx="minor"/>
+      </dsp:style>
+      <dsp:txBody>
+        <a:bodyPr spcFirstLastPara="0" vert="horz" wrap="square" lIns="0" tIns="0" rIns="0" bIns="0" numCol="1" spcCol="1270" anchor="t" anchorCtr="0">
+          <a:noAutofit/>
+        </a:bodyPr>
+        <a:lstStyle/>
+        <a:p>
+          <a:pPr marL="0" lvl="0" indent="0" algn="ctr" defTabSz="1422400">
+            <a:lnSpc>
+              <a:spcPct val="90000"/>
+            </a:lnSpc>
+            <a:spcBef>
+              <a:spcPct val="0"/>
+            </a:spcBef>
+            <a:spcAft>
+              <a:spcPct val="35000"/>
+            </a:spcAft>
+            <a:buNone/>
+          </a:pPr>
+          <a:r>
+            <a:rPr lang="en-US" sz="3200" kern="1200" dirty="0" err="1"/>
+            <a:t>Monespiseth</a:t>
+          </a:r>
+          <a:r>
+            <a:rPr lang="en-US" sz="3200" kern="1200" dirty="0"/>
+            <a:t> Ly</a:t>
+          </a:r>
+        </a:p>
+      </dsp:txBody>
+      <dsp:txXfrm>
+        <a:off x="3841646" y="2746269"/>
+        <a:ext cx="3222832" cy="720000"/>
+      </dsp:txXfrm>
+    </dsp:sp>
+    <dsp:sp modelId="{6DB1FE51-13D0-4A38-AD6E-48D4371A1AF3}">
+      <dsp:nvSpPr>
+        <dsp:cNvPr id="0" name=""/>
+        <dsp:cNvSpPr/>
+      </dsp:nvSpPr>
+      <dsp:spPr>
+        <a:xfrm>
+          <a:off x="8096892" y="494935"/>
+          <a:ext cx="2285995" cy="2285995"/>
+        </a:xfrm>
+        <a:prstGeom prst="rect">
+          <a:avLst/>
+        </a:prstGeom>
+        <a:blipFill rotWithShape="1">
+          <a:blip xmlns:r="http://schemas.openxmlformats.org/officeDocument/2006/relationships" r:embed="rId3">
+            <a:duotone>
+              <a:schemeClr val="accent2">
+                <a:hueOff val="0"/>
+                <a:satOff val="0"/>
+                <a:lumOff val="0"/>
+                <a:alphaOff val="0"/>
+                <a:shade val="20000"/>
+                <a:satMod val="200000"/>
+              </a:schemeClr>
+              <a:schemeClr val="accent2">
+                <a:hueOff val="0"/>
+                <a:satOff val="0"/>
+                <a:lumOff val="0"/>
+                <a:alphaOff val="0"/>
+                <a:tint val="12000"/>
+                <a:satMod val="190000"/>
+              </a:schemeClr>
+            </a:duotone>
+          </a:blip>
+          <a:srcRect/>
+          <a:stretch>
+            <a:fillRect/>
+          </a:stretch>
+        </a:blipFill>
+        <a:ln w="22225" cap="rnd" cmpd="sng" algn="ctr">
+          <a:noFill/>
+          <a:prstDash val="solid"/>
+        </a:ln>
+        <a:effectLst/>
+      </dsp:spPr>
+      <dsp:style>
+        <a:lnRef idx="2">
+          <a:scrgbClr r="0" g="0" b="0"/>
+        </a:lnRef>
+        <a:fillRef idx="1">
+          <a:scrgbClr r="0" g="0" b="0"/>
+        </a:fillRef>
+        <a:effectRef idx="0">
+          <a:scrgbClr r="0" g="0" b="0"/>
+        </a:effectRef>
+        <a:fontRef idx="minor">
+          <a:schemeClr val="lt1"/>
+        </a:fontRef>
+      </dsp:style>
+    </dsp:sp>
+    <dsp:sp modelId="{133097FC-B1F8-4953-B0AB-E8E73D968D1C}">
+      <dsp:nvSpPr>
+        <dsp:cNvPr id="0" name=""/>
+        <dsp:cNvSpPr/>
+      </dsp:nvSpPr>
+      <dsp:spPr>
+        <a:xfrm>
+          <a:off x="7628474" y="2746269"/>
+          <a:ext cx="3222832" cy="720000"/>
+        </a:xfrm>
+        <a:prstGeom prst="rect">
+          <a:avLst/>
+        </a:prstGeom>
+        <a:noFill/>
+        <a:ln>
+          <a:noFill/>
+        </a:ln>
+        <a:effectLst/>
+      </dsp:spPr>
+      <dsp:style>
+        <a:lnRef idx="0">
+          <a:scrgbClr r="0" g="0" b="0"/>
+        </a:lnRef>
+        <a:fillRef idx="0">
+          <a:scrgbClr r="0" g="0" b="0"/>
+        </a:fillRef>
+        <a:effectRef idx="0">
+          <a:scrgbClr r="0" g="0" b="0"/>
+        </a:effectRef>
+        <a:fontRef idx="minor"/>
+      </dsp:style>
+      <dsp:txBody>
+        <a:bodyPr spcFirstLastPara="0" vert="horz" wrap="square" lIns="0" tIns="0" rIns="0" bIns="0" numCol="1" spcCol="1270" anchor="t" anchorCtr="0">
+          <a:noAutofit/>
+        </a:bodyPr>
+        <a:lstStyle/>
+        <a:p>
+          <a:pPr marL="0" lvl="0" indent="0" algn="ctr" defTabSz="1422400">
+            <a:lnSpc>
+              <a:spcPct val="90000"/>
+            </a:lnSpc>
+            <a:spcBef>
+              <a:spcPct val="0"/>
+            </a:spcBef>
+            <a:spcAft>
+              <a:spcPct val="35000"/>
+            </a:spcAft>
+            <a:buNone/>
+          </a:pPr>
+          <a:r>
+            <a:rPr lang="en-US" sz="3200" kern="1200" dirty="0"/>
+            <a:t>Seakmeng Chheang</a:t>
+          </a:r>
+        </a:p>
+      </dsp:txBody>
+      <dsp:txXfrm>
+        <a:off x="7628474" y="2746269"/>
+        <a:ext cx="3222832" cy="720000"/>
+      </dsp:txXfrm>
+    </dsp:sp>
+  </dsp:spTree>
+</dsp:drawing>
+</file>
+
+<file path=ppt/diagrams/drawing2.xml><?xml version="1.0" encoding="utf-8"?>
 <dsp:drawing xmlns:dgm="http://schemas.openxmlformats.org/drawingml/2006/diagram" xmlns:dsp="http://schemas.microsoft.com/office/drawing/2008/diagram" xmlns:a="http://schemas.openxmlformats.org/drawingml/2006/main">
   <dsp:spTree>
     <dsp:nvGrpSpPr>
@@ -2619,7 +4097,7 @@
 </dsp:drawing>
 </file>
 
-<file path=ppt/diagrams/drawing2.xml><?xml version="1.0" encoding="utf-8"?>
+<file path=ppt/diagrams/drawing3.xml><?xml version="1.0" encoding="utf-8"?>
 <dsp:drawing xmlns:dgm="http://schemas.openxmlformats.org/drawingml/2006/diagram" xmlns:dsp="http://schemas.microsoft.com/office/drawing/2008/diagram" xmlns:a="http://schemas.openxmlformats.org/drawingml/2006/main">
   <dsp:spTree>
     <dsp:nvGrpSpPr>
@@ -3284,6 +4762,196 @@
 </file>
 
 <file path=ppt/diagrams/layout2.xml><?xml version="1.0" encoding="utf-8"?>
+<dgm:layoutDef xmlns:dgm="http://schemas.openxmlformats.org/drawingml/2006/diagram" xmlns:a="http://schemas.openxmlformats.org/drawingml/2006/main" uniqueId="urn:microsoft.com/office/officeart/2018/2/layout/IconLabelList">
+  <dgm:title val="Icon Label List"/>
+  <dgm:desc val="Use to show non-sequential or grouped chunks of information accompanied by a related visuals. Works best with icons or small pictures with short text captions."/>
+  <dgm:catLst>
+    <dgm:cat type="icon" pri="500"/>
+  </dgm:catLst>
+  <dgm:sampData useDef="1">
+    <dgm:dataModel>
+      <dgm:ptLst/>
+      <dgm:bg/>
+      <dgm:whole/>
+    </dgm:dataModel>
+  </dgm:sampData>
+  <dgm:styleData useDef="1">
+    <dgm:dataModel>
+      <dgm:ptLst/>
+      <dgm:bg/>
+      <dgm:whole/>
+    </dgm:dataModel>
+  </dgm:styleData>
+  <dgm:clrData useDef="1">
+    <dgm:dataModel>
+      <dgm:ptLst/>
+      <dgm:bg/>
+      <dgm:whole/>
+    </dgm:dataModel>
+  </dgm:clrData>
+  <dgm:layoutNode name="root">
+    <dgm:varLst>
+      <dgm:dir/>
+      <dgm:resizeHandles val="exact"/>
+    </dgm:varLst>
+    <dgm:choose name="Name0">
+      <dgm:if name="Name1" axis="self" func="var" arg="dir" op="equ" val="norm">
+        <dgm:alg type="snake">
+          <dgm:param type="grDir" val="tL"/>
+          <dgm:param type="flowDir" val="row"/>
+          <dgm:param type="contDir" val="sameDir"/>
+          <dgm:param type="off" val="ctr"/>
+          <dgm:param type="vertAlign" val="mid"/>
+          <dgm:param type="horzAlign" val="ctr"/>
+        </dgm:alg>
+      </dgm:if>
+      <dgm:else name="Name2">
+        <dgm:alg type="snake">
+          <dgm:param type="grDir" val="tR"/>
+          <dgm:param type="flowDir" val="row"/>
+          <dgm:param type="contDir" val="sameDir"/>
+          <dgm:param type="off" val="ctr"/>
+          <dgm:param type="vertAlign" val="mid"/>
+          <dgm:param type="horzAlign" val="ctr"/>
+        </dgm:alg>
+      </dgm:else>
+    </dgm:choose>
+    <dgm:shape xmlns:r="http://schemas.openxmlformats.org/officeDocument/2006/relationships" r:blip="">
+      <dgm:adjLst/>
+    </dgm:shape>
+    <dgm:presOf/>
+    <dgm:choose name="Name3">
+      <dgm:if name="Name4" axis="ch" ptType="node" func="cnt" op="lte" val="2">
+        <dgm:constrLst>
+          <dgm:constr type="h" for="ch" forName="compNode" refType="h" fact="0.4"/>
+          <dgm:constr type="w" for="ch" forName="compNode" val="120"/>
+          <dgm:constr type="w" for="ch" forName="sibTrans" refType="w" refFor="ch" refForName="compNode" fact="0.175"/>
+          <dgm:constr type="sp" refType="w" refFor="ch" refForName="compNode" op="equ" fact="0.25"/>
+          <dgm:constr type="primFontSz" for="des" ptType="node" op="equ" val="50"/>
+          <dgm:constr type="h" for="des" forName="compNode" op="equ"/>
+          <dgm:constr type="h" for="des" forName="textRect" op="equ"/>
+        </dgm:constrLst>
+      </dgm:if>
+      <dgm:if name="Name5" axis="ch" ptType="node" func="cnt" op="lte" val="4">
+        <dgm:constrLst>
+          <dgm:constr type="h" for="ch" forName="compNode" refType="h" fact="0.4"/>
+          <dgm:constr type="w" for="ch" forName="compNode" refType="w"/>
+          <dgm:constr type="w" for="ch" forName="sibTrans" refType="w" refFor="ch" refForName="compNode" fact="0.175"/>
+          <dgm:constr type="sp" refType="w" refFor="ch" refForName="compNode" op="equ" fact="0.25"/>
+          <dgm:constr type="primFontSz" for="des" ptType="node" op="equ" val="36"/>
+          <dgm:constr type="h" for="des" forName="compNode" op="equ"/>
+          <dgm:constr type="h" for="des" forName="textRect" op="equ"/>
+        </dgm:constrLst>
+      </dgm:if>
+      <dgm:else name="Name6">
+        <dgm:constrLst>
+          <dgm:constr type="h" for="ch" forName="compNode" refType="h" fact="0.4"/>
+          <dgm:constr type="w" for="ch" forName="compNode" refType="w"/>
+          <dgm:constr type="w" for="ch" forName="sibTrans" refType="w" refFor="ch" refForName="compNode" fact="0.175"/>
+          <dgm:constr type="sp" refType="w" refFor="ch" refForName="compNode" op="equ" fact="0.25"/>
+          <dgm:constr type="primFontSz" for="des" ptType="node" op="equ" val="24"/>
+          <dgm:constr type="h" for="des" forName="compNode" op="equ"/>
+          <dgm:constr type="h" for="des" forName="textRect" op="equ"/>
+        </dgm:constrLst>
+      </dgm:else>
+    </dgm:choose>
+    <dgm:ruleLst>
+      <dgm:rule type="w" for="ch" forName="compNode" val="50" fact="NaN" max="NaN"/>
+    </dgm:ruleLst>
+    <dgm:forEach name="Name7" axis="ch" ptType="node">
+      <dgm:layoutNode name="compNode">
+        <dgm:alg type="composite"/>
+        <dgm:shape xmlns:r="http://schemas.openxmlformats.org/officeDocument/2006/relationships" r:blip="">
+          <dgm:adjLst/>
+        </dgm:shape>
+        <dgm:presOf axis="self"/>
+        <dgm:constrLst>
+          <dgm:constr type="w" for="ch" forName="iconRect" refType="w" fact="0.45"/>
+          <dgm:constr type="h" for="ch" forName="iconRect" refType="w" refFor="ch" refForName="iconRect"/>
+          <dgm:constr type="ctrX" for="ch" forName="iconRect" refType="w" fact="0.5"/>
+          <dgm:constr type="t" for="ch" forName="iconRect"/>
+          <dgm:constr type="h" for="ch" forName="spaceRect" refType="h" fact="0.15"/>
+          <dgm:constr type="w" for="ch" forName="spaceRect" refType="w"/>
+          <dgm:constr type="l" for="ch" forName="spaceRect"/>
+          <dgm:constr type="t" for="ch" forName="spaceRect" refType="b" refFor="ch" refForName="iconRect"/>
+          <dgm:constr type="h" for="ch" forName="textRect" val="20"/>
+          <dgm:constr type="w" for="ch" forName="textRect" refType="w"/>
+          <dgm:constr type="l" for="ch" forName="textRect"/>
+          <dgm:constr type="t" for="ch" forName="textRect" refType="b" refFor="ch" refForName="spaceRect"/>
+        </dgm:constrLst>
+        <dgm:ruleLst>
+          <dgm:rule type="h" val="INF" fact="NaN" max="NaN"/>
+        </dgm:ruleLst>
+        <dgm:layoutNode name="iconRect" styleLbl="node1">
+          <dgm:alg type="sp"/>
+          <dgm:shape xmlns:r="http://schemas.openxmlformats.org/officeDocument/2006/relationships" type="rect" r:blip="" blipPhldr="1">
+            <dgm:adjLst/>
+          </dgm:shape>
+          <dgm:presOf/>
+          <dgm:constrLst/>
+          <dgm:ruleLst/>
+        </dgm:layoutNode>
+        <dgm:layoutNode name="spaceRect">
+          <dgm:alg type="sp"/>
+          <dgm:shape xmlns:r="http://schemas.openxmlformats.org/officeDocument/2006/relationships" r:blip="">
+            <dgm:adjLst/>
+          </dgm:shape>
+          <dgm:presOf/>
+          <dgm:constrLst/>
+          <dgm:ruleLst/>
+        </dgm:layoutNode>
+        <dgm:layoutNode name="textRect" styleLbl="revTx">
+          <dgm:varLst>
+            <dgm:chMax val="1"/>
+            <dgm:chPref val="1"/>
+          </dgm:varLst>
+          <dgm:alg type="tx">
+            <dgm:param type="txAnchorVert" val="t"/>
+          </dgm:alg>
+          <dgm:shape xmlns:r="http://schemas.openxmlformats.org/officeDocument/2006/relationships" type="rect" r:blip="">
+            <dgm:adjLst/>
+          </dgm:shape>
+          <dgm:presOf axis="self" ptType="node"/>
+          <dgm:constrLst>
+            <dgm:constr type="lMarg"/>
+            <dgm:constr type="rMarg"/>
+            <dgm:constr type="tMarg"/>
+            <dgm:constr type="bMarg"/>
+          </dgm:constrLst>
+          <dgm:ruleLst>
+            <dgm:rule type="primFontSz" val="11" fact="NaN" max="NaN"/>
+            <dgm:rule type="h" val="INF" fact="NaN" max="NaN"/>
+          </dgm:ruleLst>
+        </dgm:layoutNode>
+      </dgm:layoutNode>
+      <dgm:forEach name="Name8" axis="followSib" ptType="sibTrans" cnt="1">
+        <dgm:layoutNode name="sibTrans">
+          <dgm:alg type="sp"/>
+          <dgm:shape xmlns:r="http://schemas.openxmlformats.org/officeDocument/2006/relationships" r:blip="">
+            <dgm:adjLst/>
+          </dgm:shape>
+          <dgm:presOf axis="self"/>
+          <dgm:constrLst/>
+          <dgm:ruleLst/>
+        </dgm:layoutNode>
+      </dgm:forEach>
+    </dgm:forEach>
+  </dgm:layoutNode>
+  <dgm:extLst>
+    <a:ext uri="{68A01E43-0DF5-4B5B-8FA6-DAF915123BFB}">
+      <dgm1612:lstStyle xmlns:dgm1612="http://schemas.microsoft.com/office/drawing/2016/12/diagram">
+        <a:lvl1pPr>
+          <a:lnSpc>
+            <a:spcPct val="100000"/>
+          </a:lnSpc>
+        </a:lvl1pPr>
+      </dgm1612:lstStyle>
+    </a:ext>
+  </dgm:extLst>
+</dgm:layoutDef>
+</file>
+
+<file path=ppt/diagrams/layout3.xml><?xml version="1.0" encoding="utf-8"?>
 <dgm:layoutDef xmlns:dgm="http://schemas.openxmlformats.org/drawingml/2006/diagram" xmlns:a="http://schemas.openxmlformats.org/drawingml/2006/main" uniqueId="urn:microsoft.com/office/officeart/2008/layout/VerticalCurvedList">
   <dgm:title val=""/>
   <dgm:desc val=""/>
@@ -5596,6 +7264,1040 @@
 </file>
 
 <file path=ppt/diagrams/quickStyle2.xml><?xml version="1.0" encoding="utf-8"?>
+<dgm:styleDef xmlns:dgm="http://schemas.openxmlformats.org/drawingml/2006/diagram" xmlns:a="http://schemas.openxmlformats.org/drawingml/2006/main" uniqueId="urn:microsoft.com/office/officeart/2005/8/quickstyle/simple1">
+  <dgm:title val=""/>
+  <dgm:desc val=""/>
+  <dgm:catLst>
+    <dgm:cat type="simple" pri="10100"/>
+  </dgm:catLst>
+  <dgm:scene3d>
+    <a:camera prst="orthographicFront"/>
+    <a:lightRig rig="threePt" dir="t"/>
+  </dgm:scene3d>
+  <dgm:styleLbl name="node0">
+    <dgm:scene3d>
+      <a:camera prst="orthographicFront"/>
+      <a:lightRig rig="threePt" dir="t"/>
+    </dgm:scene3d>
+    <dgm:sp3d/>
+    <dgm:txPr/>
+    <dgm:style>
+      <a:lnRef idx="2">
+        <a:scrgbClr r="0" g="0" b="0"/>
+      </a:lnRef>
+      <a:fillRef idx="1">
+        <a:scrgbClr r="0" g="0" b="0"/>
+      </a:fillRef>
+      <a:effectRef idx="0">
+        <a:scrgbClr r="0" g="0" b="0"/>
+      </a:effectRef>
+      <a:fontRef idx="minor">
+        <a:schemeClr val="lt1"/>
+      </a:fontRef>
+    </dgm:style>
+  </dgm:styleLbl>
+  <dgm:styleLbl name="lnNode1">
+    <dgm:scene3d>
+      <a:camera prst="orthographicFront"/>
+      <a:lightRig rig="threePt" dir="t"/>
+    </dgm:scene3d>
+    <dgm:sp3d/>
+    <dgm:txPr/>
+    <dgm:style>
+      <a:lnRef idx="2">
+        <a:scrgbClr r="0" g="0" b="0"/>
+      </a:lnRef>
+      <a:fillRef idx="1">
+        <a:scrgbClr r="0" g="0" b="0"/>
+      </a:fillRef>
+      <a:effectRef idx="0">
+        <a:scrgbClr r="0" g="0" b="0"/>
+      </a:effectRef>
+      <a:fontRef idx="minor">
+        <a:schemeClr val="lt1"/>
+      </a:fontRef>
+    </dgm:style>
+  </dgm:styleLbl>
+  <dgm:styleLbl name="vennNode1">
+    <dgm:scene3d>
+      <a:camera prst="orthographicFront"/>
+      <a:lightRig rig="threePt" dir="t"/>
+    </dgm:scene3d>
+    <dgm:sp3d/>
+    <dgm:txPr/>
+    <dgm:style>
+      <a:lnRef idx="2">
+        <a:scrgbClr r="0" g="0" b="0"/>
+      </a:lnRef>
+      <a:fillRef idx="1">
+        <a:scrgbClr r="0" g="0" b="0"/>
+      </a:fillRef>
+      <a:effectRef idx="0">
+        <a:scrgbClr r="0" g="0" b="0"/>
+      </a:effectRef>
+      <a:fontRef idx="minor">
+        <a:schemeClr val="tx1"/>
+      </a:fontRef>
+    </dgm:style>
+  </dgm:styleLbl>
+  <dgm:styleLbl name="alignNode1">
+    <dgm:scene3d>
+      <a:camera prst="orthographicFront"/>
+      <a:lightRig rig="threePt" dir="t"/>
+    </dgm:scene3d>
+    <dgm:sp3d/>
+    <dgm:txPr/>
+    <dgm:style>
+      <a:lnRef idx="2">
+        <a:scrgbClr r="0" g="0" b="0"/>
+      </a:lnRef>
+      <a:fillRef idx="1">
+        <a:scrgbClr r="0" g="0" b="0"/>
+      </a:fillRef>
+      <a:effectRef idx="0">
+        <a:scrgbClr r="0" g="0" b="0"/>
+      </a:effectRef>
+      <a:fontRef idx="minor">
+        <a:schemeClr val="lt1"/>
+      </a:fontRef>
+    </dgm:style>
+  </dgm:styleLbl>
+  <dgm:styleLbl name="node1">
+    <dgm:scene3d>
+      <a:camera prst="orthographicFront"/>
+      <a:lightRig rig="threePt" dir="t"/>
+    </dgm:scene3d>
+    <dgm:sp3d/>
+    <dgm:txPr/>
+    <dgm:style>
+      <a:lnRef idx="2">
+        <a:scrgbClr r="0" g="0" b="0"/>
+      </a:lnRef>
+      <a:fillRef idx="1">
+        <a:scrgbClr r="0" g="0" b="0"/>
+      </a:fillRef>
+      <a:effectRef idx="0">
+        <a:scrgbClr r="0" g="0" b="0"/>
+      </a:effectRef>
+      <a:fontRef idx="minor">
+        <a:schemeClr val="lt1"/>
+      </a:fontRef>
+    </dgm:style>
+  </dgm:styleLbl>
+  <dgm:styleLbl name="node2">
+    <dgm:scene3d>
+      <a:camera prst="orthographicFront"/>
+      <a:lightRig rig="threePt" dir="t"/>
+    </dgm:scene3d>
+    <dgm:sp3d/>
+    <dgm:txPr/>
+    <dgm:style>
+      <a:lnRef idx="2">
+        <a:scrgbClr r="0" g="0" b="0"/>
+      </a:lnRef>
+      <a:fillRef idx="1">
+        <a:scrgbClr r="0" g="0" b="0"/>
+      </a:fillRef>
+      <a:effectRef idx="0">
+        <a:scrgbClr r="0" g="0" b="0"/>
+      </a:effectRef>
+      <a:fontRef idx="minor">
+        <a:schemeClr val="lt1"/>
+      </a:fontRef>
+    </dgm:style>
+  </dgm:styleLbl>
+  <dgm:styleLbl name="node3">
+    <dgm:scene3d>
+      <a:camera prst="orthographicFront"/>
+      <a:lightRig rig="threePt" dir="t"/>
+    </dgm:scene3d>
+    <dgm:sp3d/>
+    <dgm:txPr/>
+    <dgm:style>
+      <a:lnRef idx="2">
+        <a:scrgbClr r="0" g="0" b="0"/>
+      </a:lnRef>
+      <a:fillRef idx="1">
+        <a:scrgbClr r="0" g="0" b="0"/>
+      </a:fillRef>
+      <a:effectRef idx="0">
+        <a:scrgbClr r="0" g="0" b="0"/>
+      </a:effectRef>
+      <a:fontRef idx="minor">
+        <a:schemeClr val="lt1"/>
+      </a:fontRef>
+    </dgm:style>
+  </dgm:styleLbl>
+  <dgm:styleLbl name="node4">
+    <dgm:scene3d>
+      <a:camera prst="orthographicFront"/>
+      <a:lightRig rig="threePt" dir="t"/>
+    </dgm:scene3d>
+    <dgm:sp3d/>
+    <dgm:txPr/>
+    <dgm:style>
+      <a:lnRef idx="2">
+        <a:scrgbClr r="0" g="0" b="0"/>
+      </a:lnRef>
+      <a:fillRef idx="1">
+        <a:scrgbClr r="0" g="0" b="0"/>
+      </a:fillRef>
+      <a:effectRef idx="0">
+        <a:scrgbClr r="0" g="0" b="0"/>
+      </a:effectRef>
+      <a:fontRef idx="minor">
+        <a:schemeClr val="lt1"/>
+      </a:fontRef>
+    </dgm:style>
+  </dgm:styleLbl>
+  <dgm:styleLbl name="fgImgPlace1">
+    <dgm:scene3d>
+      <a:camera prst="orthographicFront"/>
+      <a:lightRig rig="threePt" dir="t"/>
+    </dgm:scene3d>
+    <dgm:sp3d/>
+    <dgm:txPr/>
+    <dgm:style>
+      <a:lnRef idx="2">
+        <a:scrgbClr r="0" g="0" b="0"/>
+      </a:lnRef>
+      <a:fillRef idx="1">
+        <a:scrgbClr r="0" g="0" b="0"/>
+      </a:fillRef>
+      <a:effectRef idx="0">
+        <a:scrgbClr r="0" g="0" b="0"/>
+      </a:effectRef>
+      <a:fontRef idx="minor"/>
+    </dgm:style>
+  </dgm:styleLbl>
+  <dgm:styleLbl name="alignImgPlace1">
+    <dgm:scene3d>
+      <a:camera prst="orthographicFront"/>
+      <a:lightRig rig="threePt" dir="t"/>
+    </dgm:scene3d>
+    <dgm:sp3d/>
+    <dgm:txPr/>
+    <dgm:style>
+      <a:lnRef idx="2">
+        <a:scrgbClr r="0" g="0" b="0"/>
+      </a:lnRef>
+      <a:fillRef idx="1">
+        <a:scrgbClr r="0" g="0" b="0"/>
+      </a:fillRef>
+      <a:effectRef idx="0">
+        <a:scrgbClr r="0" g="0" b="0"/>
+      </a:effectRef>
+      <a:fontRef idx="minor"/>
+    </dgm:style>
+  </dgm:styleLbl>
+  <dgm:styleLbl name="bgImgPlace1">
+    <dgm:scene3d>
+      <a:camera prst="orthographicFront"/>
+      <a:lightRig rig="threePt" dir="t"/>
+    </dgm:scene3d>
+    <dgm:sp3d/>
+    <dgm:txPr/>
+    <dgm:style>
+      <a:lnRef idx="2">
+        <a:scrgbClr r="0" g="0" b="0"/>
+      </a:lnRef>
+      <a:fillRef idx="1">
+        <a:scrgbClr r="0" g="0" b="0"/>
+      </a:fillRef>
+      <a:effectRef idx="0">
+        <a:scrgbClr r="0" g="0" b="0"/>
+      </a:effectRef>
+      <a:fontRef idx="minor"/>
+    </dgm:style>
+  </dgm:styleLbl>
+  <dgm:styleLbl name="sibTrans2D1">
+    <dgm:scene3d>
+      <a:camera prst="orthographicFront"/>
+      <a:lightRig rig="threePt" dir="t"/>
+    </dgm:scene3d>
+    <dgm:sp3d/>
+    <dgm:txPr/>
+    <dgm:style>
+      <a:lnRef idx="0">
+        <a:scrgbClr r="0" g="0" b="0"/>
+      </a:lnRef>
+      <a:fillRef idx="1">
+        <a:scrgbClr r="0" g="0" b="0"/>
+      </a:fillRef>
+      <a:effectRef idx="0">
+        <a:scrgbClr r="0" g="0" b="0"/>
+      </a:effectRef>
+      <a:fontRef idx="minor">
+        <a:schemeClr val="lt1"/>
+      </a:fontRef>
+    </dgm:style>
+  </dgm:styleLbl>
+  <dgm:styleLbl name="fgSibTrans2D1">
+    <dgm:scene3d>
+      <a:camera prst="orthographicFront"/>
+      <a:lightRig rig="threePt" dir="t"/>
+    </dgm:scene3d>
+    <dgm:sp3d/>
+    <dgm:txPr/>
+    <dgm:style>
+      <a:lnRef idx="0">
+        <a:scrgbClr r="0" g="0" b="0"/>
+      </a:lnRef>
+      <a:fillRef idx="1">
+        <a:scrgbClr r="0" g="0" b="0"/>
+      </a:fillRef>
+      <a:effectRef idx="0">
+        <a:scrgbClr r="0" g="0" b="0"/>
+      </a:effectRef>
+      <a:fontRef idx="minor">
+        <a:schemeClr val="lt1"/>
+      </a:fontRef>
+    </dgm:style>
+  </dgm:styleLbl>
+  <dgm:styleLbl name="bgSibTrans2D1">
+    <dgm:scene3d>
+      <a:camera prst="orthographicFront"/>
+      <a:lightRig rig="threePt" dir="t"/>
+    </dgm:scene3d>
+    <dgm:sp3d/>
+    <dgm:txPr/>
+    <dgm:style>
+      <a:lnRef idx="0">
+        <a:scrgbClr r="0" g="0" b="0"/>
+      </a:lnRef>
+      <a:fillRef idx="1">
+        <a:scrgbClr r="0" g="0" b="0"/>
+      </a:fillRef>
+      <a:effectRef idx="0">
+        <a:scrgbClr r="0" g="0" b="0"/>
+      </a:effectRef>
+      <a:fontRef idx="minor">
+        <a:schemeClr val="lt1"/>
+      </a:fontRef>
+    </dgm:style>
+  </dgm:styleLbl>
+  <dgm:styleLbl name="sibTrans1D1">
+    <dgm:scene3d>
+      <a:camera prst="orthographicFront"/>
+      <a:lightRig rig="threePt" dir="t"/>
+    </dgm:scene3d>
+    <dgm:sp3d/>
+    <dgm:txPr/>
+    <dgm:style>
+      <a:lnRef idx="1">
+        <a:scrgbClr r="0" g="0" b="0"/>
+      </a:lnRef>
+      <a:fillRef idx="0">
+        <a:scrgbClr r="0" g="0" b="0"/>
+      </a:fillRef>
+      <a:effectRef idx="0">
+        <a:scrgbClr r="0" g="0" b="0"/>
+      </a:effectRef>
+      <a:fontRef idx="minor"/>
+    </dgm:style>
+  </dgm:styleLbl>
+  <dgm:styleLbl name="callout">
+    <dgm:scene3d>
+      <a:camera prst="orthographicFront"/>
+      <a:lightRig rig="threePt" dir="t"/>
+    </dgm:scene3d>
+    <dgm:sp3d/>
+    <dgm:txPr/>
+    <dgm:style>
+      <a:lnRef idx="2">
+        <a:scrgbClr r="0" g="0" b="0"/>
+      </a:lnRef>
+      <a:fillRef idx="1">
+        <a:scrgbClr r="0" g="0" b="0"/>
+      </a:fillRef>
+      <a:effectRef idx="0">
+        <a:scrgbClr r="0" g="0" b="0"/>
+      </a:effectRef>
+      <a:fontRef idx="minor"/>
+    </dgm:style>
+  </dgm:styleLbl>
+  <dgm:styleLbl name="asst0">
+    <dgm:scene3d>
+      <a:camera prst="orthographicFront"/>
+      <a:lightRig rig="threePt" dir="t"/>
+    </dgm:scene3d>
+    <dgm:sp3d/>
+    <dgm:txPr/>
+    <dgm:style>
+      <a:lnRef idx="2">
+        <a:scrgbClr r="0" g="0" b="0"/>
+      </a:lnRef>
+      <a:fillRef idx="1">
+        <a:scrgbClr r="0" g="0" b="0"/>
+      </a:fillRef>
+      <a:effectRef idx="0">
+        <a:scrgbClr r="0" g="0" b="0"/>
+      </a:effectRef>
+      <a:fontRef idx="minor">
+        <a:schemeClr val="lt1"/>
+      </a:fontRef>
+    </dgm:style>
+  </dgm:styleLbl>
+  <dgm:styleLbl name="asst1">
+    <dgm:scene3d>
+      <a:camera prst="orthographicFront"/>
+      <a:lightRig rig="threePt" dir="t"/>
+    </dgm:scene3d>
+    <dgm:sp3d/>
+    <dgm:txPr/>
+    <dgm:style>
+      <a:lnRef idx="2">
+        <a:scrgbClr r="0" g="0" b="0"/>
+      </a:lnRef>
+      <a:fillRef idx="1">
+        <a:scrgbClr r="0" g="0" b="0"/>
+      </a:fillRef>
+      <a:effectRef idx="0">
+        <a:scrgbClr r="0" g="0" b="0"/>
+      </a:effectRef>
+      <a:fontRef idx="minor">
+        <a:schemeClr val="lt1"/>
+      </a:fontRef>
+    </dgm:style>
+  </dgm:styleLbl>
+  <dgm:styleLbl name="asst2">
+    <dgm:scene3d>
+      <a:camera prst="orthographicFront"/>
+      <a:lightRig rig="threePt" dir="t"/>
+    </dgm:scene3d>
+    <dgm:sp3d/>
+    <dgm:txPr/>
+    <dgm:style>
+      <a:lnRef idx="2">
+        <a:scrgbClr r="0" g="0" b="0"/>
+      </a:lnRef>
+      <a:fillRef idx="1">
+        <a:scrgbClr r="0" g="0" b="0"/>
+      </a:fillRef>
+      <a:effectRef idx="0">
+        <a:scrgbClr r="0" g="0" b="0"/>
+      </a:effectRef>
+      <a:fontRef idx="minor">
+        <a:schemeClr val="lt1"/>
+      </a:fontRef>
+    </dgm:style>
+  </dgm:styleLbl>
+  <dgm:styleLbl name="asst3">
+    <dgm:scene3d>
+      <a:camera prst="orthographicFront"/>
+      <a:lightRig rig="threePt" dir="t"/>
+    </dgm:scene3d>
+    <dgm:sp3d/>
+    <dgm:txPr/>
+    <dgm:style>
+      <a:lnRef idx="2">
+        <a:scrgbClr r="0" g="0" b="0"/>
+      </a:lnRef>
+      <a:fillRef idx="1">
+        <a:scrgbClr r="0" g="0" b="0"/>
+      </a:fillRef>
+      <a:effectRef idx="0">
+        <a:scrgbClr r="0" g="0" b="0"/>
+      </a:effectRef>
+      <a:fontRef idx="minor">
+        <a:schemeClr val="lt1"/>
+      </a:fontRef>
+    </dgm:style>
+  </dgm:styleLbl>
+  <dgm:styleLbl name="asst4">
+    <dgm:scene3d>
+      <a:camera prst="orthographicFront"/>
+      <a:lightRig rig="threePt" dir="t"/>
+    </dgm:scene3d>
+    <dgm:sp3d/>
+    <dgm:txPr/>
+    <dgm:style>
+      <a:lnRef idx="2">
+        <a:scrgbClr r="0" g="0" b="0"/>
+      </a:lnRef>
+      <a:fillRef idx="1">
+        <a:scrgbClr r="0" g="0" b="0"/>
+      </a:fillRef>
+      <a:effectRef idx="0">
+        <a:scrgbClr r="0" g="0" b="0"/>
+      </a:effectRef>
+      <a:fontRef idx="minor">
+        <a:schemeClr val="lt1"/>
+      </a:fontRef>
+    </dgm:style>
+  </dgm:styleLbl>
+  <dgm:styleLbl name="parChTrans2D1">
+    <dgm:scene3d>
+      <a:camera prst="orthographicFront"/>
+      <a:lightRig rig="threePt" dir="t"/>
+    </dgm:scene3d>
+    <dgm:sp3d/>
+    <dgm:txPr/>
+    <dgm:style>
+      <a:lnRef idx="2">
+        <a:scrgbClr r="0" g="0" b="0"/>
+      </a:lnRef>
+      <a:fillRef idx="1">
+        <a:scrgbClr r="0" g="0" b="0"/>
+      </a:fillRef>
+      <a:effectRef idx="0">
+        <a:scrgbClr r="0" g="0" b="0"/>
+      </a:effectRef>
+      <a:fontRef idx="minor">
+        <a:schemeClr val="lt1"/>
+      </a:fontRef>
+    </dgm:style>
+  </dgm:styleLbl>
+  <dgm:styleLbl name="parChTrans2D2">
+    <dgm:scene3d>
+      <a:camera prst="orthographicFront"/>
+      <a:lightRig rig="threePt" dir="t"/>
+    </dgm:scene3d>
+    <dgm:sp3d/>
+    <dgm:txPr/>
+    <dgm:style>
+      <a:lnRef idx="2">
+        <a:scrgbClr r="0" g="0" b="0"/>
+      </a:lnRef>
+      <a:fillRef idx="1">
+        <a:scrgbClr r="0" g="0" b="0"/>
+      </a:fillRef>
+      <a:effectRef idx="0">
+        <a:scrgbClr r="0" g="0" b="0"/>
+      </a:effectRef>
+      <a:fontRef idx="minor">
+        <a:schemeClr val="lt1"/>
+      </a:fontRef>
+    </dgm:style>
+  </dgm:styleLbl>
+  <dgm:styleLbl name="parChTrans2D3">
+    <dgm:scene3d>
+      <a:camera prst="orthographicFront"/>
+      <a:lightRig rig="threePt" dir="t"/>
+    </dgm:scene3d>
+    <dgm:sp3d/>
+    <dgm:txPr/>
+    <dgm:style>
+      <a:lnRef idx="2">
+        <a:scrgbClr r="0" g="0" b="0"/>
+      </a:lnRef>
+      <a:fillRef idx="1">
+        <a:scrgbClr r="0" g="0" b="0"/>
+      </a:fillRef>
+      <a:effectRef idx="0">
+        <a:scrgbClr r="0" g="0" b="0"/>
+      </a:effectRef>
+      <a:fontRef idx="minor">
+        <a:schemeClr val="lt1"/>
+      </a:fontRef>
+    </dgm:style>
+  </dgm:styleLbl>
+  <dgm:styleLbl name="parChTrans2D4">
+    <dgm:scene3d>
+      <a:camera prst="orthographicFront"/>
+      <a:lightRig rig="threePt" dir="t"/>
+    </dgm:scene3d>
+    <dgm:sp3d/>
+    <dgm:txPr/>
+    <dgm:style>
+      <a:lnRef idx="2">
+        <a:scrgbClr r="0" g="0" b="0"/>
+      </a:lnRef>
+      <a:fillRef idx="1">
+        <a:scrgbClr r="0" g="0" b="0"/>
+      </a:fillRef>
+      <a:effectRef idx="0">
+        <a:scrgbClr r="0" g="0" b="0"/>
+      </a:effectRef>
+      <a:fontRef idx="minor">
+        <a:schemeClr val="lt1"/>
+      </a:fontRef>
+    </dgm:style>
+  </dgm:styleLbl>
+  <dgm:styleLbl name="parChTrans1D1">
+    <dgm:scene3d>
+      <a:camera prst="orthographicFront"/>
+      <a:lightRig rig="threePt" dir="t"/>
+    </dgm:scene3d>
+    <dgm:sp3d/>
+    <dgm:txPr/>
+    <dgm:style>
+      <a:lnRef idx="2">
+        <a:scrgbClr r="0" g="0" b="0"/>
+      </a:lnRef>
+      <a:fillRef idx="0">
+        <a:scrgbClr r="0" g="0" b="0"/>
+      </a:fillRef>
+      <a:effectRef idx="0">
+        <a:scrgbClr r="0" g="0" b="0"/>
+      </a:effectRef>
+      <a:fontRef idx="minor"/>
+    </dgm:style>
+  </dgm:styleLbl>
+  <dgm:styleLbl name="parChTrans1D2">
+    <dgm:scene3d>
+      <a:camera prst="orthographicFront"/>
+      <a:lightRig rig="threePt" dir="t"/>
+    </dgm:scene3d>
+    <dgm:sp3d/>
+    <dgm:txPr/>
+    <dgm:style>
+      <a:lnRef idx="2">
+        <a:scrgbClr r="0" g="0" b="0"/>
+      </a:lnRef>
+      <a:fillRef idx="0">
+        <a:scrgbClr r="0" g="0" b="0"/>
+      </a:fillRef>
+      <a:effectRef idx="0">
+        <a:scrgbClr r="0" g="0" b="0"/>
+      </a:effectRef>
+      <a:fontRef idx="minor"/>
+    </dgm:style>
+  </dgm:styleLbl>
+  <dgm:styleLbl name="parChTrans1D3">
+    <dgm:scene3d>
+      <a:camera prst="orthographicFront"/>
+      <a:lightRig rig="threePt" dir="t"/>
+    </dgm:scene3d>
+    <dgm:sp3d/>
+    <dgm:txPr/>
+    <dgm:style>
+      <a:lnRef idx="2">
+        <a:scrgbClr r="0" g="0" b="0"/>
+      </a:lnRef>
+      <a:fillRef idx="0">
+        <a:scrgbClr r="0" g="0" b="0"/>
+      </a:fillRef>
+      <a:effectRef idx="0">
+        <a:scrgbClr r="0" g="0" b="0"/>
+      </a:effectRef>
+      <a:fontRef idx="minor"/>
+    </dgm:style>
+  </dgm:styleLbl>
+  <dgm:styleLbl name="parChTrans1D4">
+    <dgm:scene3d>
+      <a:camera prst="orthographicFront"/>
+      <a:lightRig rig="threePt" dir="t"/>
+    </dgm:scene3d>
+    <dgm:sp3d/>
+    <dgm:txPr/>
+    <dgm:style>
+      <a:lnRef idx="2">
+        <a:scrgbClr r="0" g="0" b="0"/>
+      </a:lnRef>
+      <a:fillRef idx="0">
+        <a:scrgbClr r="0" g="0" b="0"/>
+      </a:fillRef>
+      <a:effectRef idx="0">
+        <a:scrgbClr r="0" g="0" b="0"/>
+      </a:effectRef>
+      <a:fontRef idx="minor"/>
+    </dgm:style>
+  </dgm:styleLbl>
+  <dgm:styleLbl name="fgAcc1">
+    <dgm:scene3d>
+      <a:camera prst="orthographicFront"/>
+      <a:lightRig rig="threePt" dir="t"/>
+    </dgm:scene3d>
+    <dgm:sp3d/>
+    <dgm:txPr/>
+    <dgm:style>
+      <a:lnRef idx="2">
+        <a:scrgbClr r="0" g="0" b="0"/>
+      </a:lnRef>
+      <a:fillRef idx="1">
+        <a:scrgbClr r="0" g="0" b="0"/>
+      </a:fillRef>
+      <a:effectRef idx="0">
+        <a:scrgbClr r="0" g="0" b="0"/>
+      </a:effectRef>
+      <a:fontRef idx="minor"/>
+    </dgm:style>
+  </dgm:styleLbl>
+  <dgm:styleLbl name="conFgAcc1">
+    <dgm:scene3d>
+      <a:camera prst="orthographicFront"/>
+      <a:lightRig rig="threePt" dir="t"/>
+    </dgm:scene3d>
+    <dgm:sp3d/>
+    <dgm:txPr/>
+    <dgm:style>
+      <a:lnRef idx="2">
+        <a:scrgbClr r="0" g="0" b="0"/>
+      </a:lnRef>
+      <a:fillRef idx="1">
+        <a:scrgbClr r="0" g="0" b="0"/>
+      </a:fillRef>
+      <a:effectRef idx="0">
+        <a:scrgbClr r="0" g="0" b="0"/>
+      </a:effectRef>
+      <a:fontRef idx="minor"/>
+    </dgm:style>
+  </dgm:styleLbl>
+  <dgm:styleLbl name="alignAcc1">
+    <dgm:scene3d>
+      <a:camera prst="orthographicFront"/>
+      <a:lightRig rig="threePt" dir="t"/>
+    </dgm:scene3d>
+    <dgm:sp3d/>
+    <dgm:txPr/>
+    <dgm:style>
+      <a:lnRef idx="2">
+        <a:scrgbClr r="0" g="0" b="0"/>
+      </a:lnRef>
+      <a:fillRef idx="1">
+        <a:scrgbClr r="0" g="0" b="0"/>
+      </a:fillRef>
+      <a:effectRef idx="0">
+        <a:scrgbClr r="0" g="0" b="0"/>
+      </a:effectRef>
+      <a:fontRef idx="minor"/>
+    </dgm:style>
+  </dgm:styleLbl>
+  <dgm:styleLbl name="trAlignAcc1">
+    <dgm:scene3d>
+      <a:camera prst="orthographicFront"/>
+      <a:lightRig rig="threePt" dir="t"/>
+    </dgm:scene3d>
+    <dgm:sp3d/>
+    <dgm:txPr/>
+    <dgm:style>
+      <a:lnRef idx="1">
+        <a:scrgbClr r="0" g="0" b="0"/>
+      </a:lnRef>
+      <a:fillRef idx="1">
+        <a:scrgbClr r="0" g="0" b="0"/>
+      </a:fillRef>
+      <a:effectRef idx="0">
+        <a:scrgbClr r="0" g="0" b="0"/>
+      </a:effectRef>
+      <a:fontRef idx="minor"/>
+    </dgm:style>
+  </dgm:styleLbl>
+  <dgm:styleLbl name="bgAcc1">
+    <dgm:scene3d>
+      <a:camera prst="orthographicFront"/>
+      <a:lightRig rig="threePt" dir="t"/>
+    </dgm:scene3d>
+    <dgm:sp3d/>
+    <dgm:txPr/>
+    <dgm:style>
+      <a:lnRef idx="2">
+        <a:scrgbClr r="0" g="0" b="0"/>
+      </a:lnRef>
+      <a:fillRef idx="1">
+        <a:scrgbClr r="0" g="0" b="0"/>
+      </a:fillRef>
+      <a:effectRef idx="0">
+        <a:scrgbClr r="0" g="0" b="0"/>
+      </a:effectRef>
+      <a:fontRef idx="minor"/>
+    </dgm:style>
+  </dgm:styleLbl>
+  <dgm:styleLbl name="solidFgAcc1">
+    <dgm:scene3d>
+      <a:camera prst="orthographicFront"/>
+      <a:lightRig rig="threePt" dir="t"/>
+    </dgm:scene3d>
+    <dgm:sp3d/>
+    <dgm:txPr/>
+    <dgm:style>
+      <a:lnRef idx="2">
+        <a:scrgbClr r="0" g="0" b="0"/>
+      </a:lnRef>
+      <a:fillRef idx="1">
+        <a:scrgbClr r="0" g="0" b="0"/>
+      </a:fillRef>
+      <a:effectRef idx="0">
+        <a:scrgbClr r="0" g="0" b="0"/>
+      </a:effectRef>
+      <a:fontRef idx="minor"/>
+    </dgm:style>
+  </dgm:styleLbl>
+  <dgm:styleLbl name="solidAlignAcc1">
+    <dgm:scene3d>
+      <a:camera prst="orthographicFront"/>
+      <a:lightRig rig="threePt" dir="t"/>
+    </dgm:scene3d>
+    <dgm:sp3d/>
+    <dgm:txPr/>
+    <dgm:style>
+      <a:lnRef idx="2">
+        <a:scrgbClr r="0" g="0" b="0"/>
+      </a:lnRef>
+      <a:fillRef idx="1">
+        <a:scrgbClr r="0" g="0" b="0"/>
+      </a:fillRef>
+      <a:effectRef idx="0">
+        <a:scrgbClr r="0" g="0" b="0"/>
+      </a:effectRef>
+      <a:fontRef idx="minor"/>
+    </dgm:style>
+  </dgm:styleLbl>
+  <dgm:styleLbl name="solidBgAcc1">
+    <dgm:scene3d>
+      <a:camera prst="orthographicFront"/>
+      <a:lightRig rig="threePt" dir="t"/>
+    </dgm:scene3d>
+    <dgm:sp3d/>
+    <dgm:txPr/>
+    <dgm:style>
+      <a:lnRef idx="2">
+        <a:scrgbClr r="0" g="0" b="0"/>
+      </a:lnRef>
+      <a:fillRef idx="1">
+        <a:scrgbClr r="0" g="0" b="0"/>
+      </a:fillRef>
+      <a:effectRef idx="0">
+        <a:scrgbClr r="0" g="0" b="0"/>
+      </a:effectRef>
+      <a:fontRef idx="minor"/>
+    </dgm:style>
+  </dgm:styleLbl>
+  <dgm:styleLbl name="fgAccFollowNode1">
+    <dgm:scene3d>
+      <a:camera prst="orthographicFront"/>
+      <a:lightRig rig="threePt" dir="t"/>
+    </dgm:scene3d>
+    <dgm:sp3d/>
+    <dgm:txPr/>
+    <dgm:style>
+      <a:lnRef idx="2">
+        <a:scrgbClr r="0" g="0" b="0"/>
+      </a:lnRef>
+      <a:fillRef idx="1">
+        <a:scrgbClr r="0" g="0" b="0"/>
+      </a:fillRef>
+      <a:effectRef idx="0">
+        <a:scrgbClr r="0" g="0" b="0"/>
+      </a:effectRef>
+      <a:fontRef idx="minor"/>
+    </dgm:style>
+  </dgm:styleLbl>
+  <dgm:styleLbl name="alignAccFollowNode1">
+    <dgm:scene3d>
+      <a:camera prst="orthographicFront"/>
+      <a:lightRig rig="threePt" dir="t"/>
+    </dgm:scene3d>
+    <dgm:sp3d/>
+    <dgm:txPr/>
+    <dgm:style>
+      <a:lnRef idx="2">
+        <a:scrgbClr r="0" g="0" b="0"/>
+      </a:lnRef>
+      <a:fillRef idx="1">
+        <a:scrgbClr r="0" g="0" b="0"/>
+      </a:fillRef>
+      <a:effectRef idx="0">
+        <a:scrgbClr r="0" g="0" b="0"/>
+      </a:effectRef>
+      <a:fontRef idx="minor"/>
+    </dgm:style>
+  </dgm:styleLbl>
+  <dgm:styleLbl name="bgAccFollowNode1">
+    <dgm:scene3d>
+      <a:camera prst="orthographicFront"/>
+      <a:lightRig rig="threePt" dir="t"/>
+    </dgm:scene3d>
+    <dgm:sp3d/>
+    <dgm:txPr/>
+    <dgm:style>
+      <a:lnRef idx="2">
+        <a:scrgbClr r="0" g="0" b="0"/>
+      </a:lnRef>
+      <a:fillRef idx="1">
+        <a:scrgbClr r="0" g="0" b="0"/>
+      </a:fillRef>
+      <a:effectRef idx="0">
+        <a:scrgbClr r="0" g="0" b="0"/>
+      </a:effectRef>
+      <a:fontRef idx="minor"/>
+    </dgm:style>
+  </dgm:styleLbl>
+  <dgm:styleLbl name="fgAcc0">
+    <dgm:scene3d>
+      <a:camera prst="orthographicFront"/>
+      <a:lightRig rig="threePt" dir="t"/>
+    </dgm:scene3d>
+    <dgm:sp3d/>
+    <dgm:txPr/>
+    <dgm:style>
+      <a:lnRef idx="2">
+        <a:scrgbClr r="0" g="0" b="0"/>
+      </a:lnRef>
+      <a:fillRef idx="1">
+        <a:scrgbClr r="0" g="0" b="0"/>
+      </a:fillRef>
+      <a:effectRef idx="0">
+        <a:scrgbClr r="0" g="0" b="0"/>
+      </a:effectRef>
+      <a:fontRef idx="minor"/>
+    </dgm:style>
+  </dgm:styleLbl>
+  <dgm:styleLbl name="fgAcc2">
+    <dgm:scene3d>
+      <a:camera prst="orthographicFront"/>
+      <a:lightRig rig="threePt" dir="t"/>
+    </dgm:scene3d>
+    <dgm:sp3d/>
+    <dgm:txPr/>
+    <dgm:style>
+      <a:lnRef idx="2">
+        <a:scrgbClr r="0" g="0" b="0"/>
+      </a:lnRef>
+      <a:fillRef idx="1">
+        <a:scrgbClr r="0" g="0" b="0"/>
+      </a:fillRef>
+      <a:effectRef idx="0">
+        <a:scrgbClr r="0" g="0" b="0"/>
+      </a:effectRef>
+      <a:fontRef idx="minor"/>
+    </dgm:style>
+  </dgm:styleLbl>
+  <dgm:styleLbl name="fgAcc3">
+    <dgm:scene3d>
+      <a:camera prst="orthographicFront"/>
+      <a:lightRig rig="threePt" dir="t"/>
+    </dgm:scene3d>
+    <dgm:sp3d/>
+    <dgm:txPr/>
+    <dgm:style>
+      <a:lnRef idx="2">
+        <a:scrgbClr r="0" g="0" b="0"/>
+      </a:lnRef>
+      <a:fillRef idx="1">
+        <a:scrgbClr r="0" g="0" b="0"/>
+      </a:fillRef>
+      <a:effectRef idx="0">
+        <a:scrgbClr r="0" g="0" b="0"/>
+      </a:effectRef>
+      <a:fontRef idx="minor"/>
+    </dgm:style>
+  </dgm:styleLbl>
+  <dgm:styleLbl name="fgAcc4">
+    <dgm:scene3d>
+      <a:camera prst="orthographicFront"/>
+      <a:lightRig rig="threePt" dir="t"/>
+    </dgm:scene3d>
+    <dgm:sp3d/>
+    <dgm:txPr/>
+    <dgm:style>
+      <a:lnRef idx="2">
+        <a:scrgbClr r="0" g="0" b="0"/>
+      </a:lnRef>
+      <a:fillRef idx="1">
+        <a:scrgbClr r="0" g="0" b="0"/>
+      </a:fillRef>
+      <a:effectRef idx="0">
+        <a:scrgbClr r="0" g="0" b="0"/>
+      </a:effectRef>
+      <a:fontRef idx="minor"/>
+    </dgm:style>
+  </dgm:styleLbl>
+  <dgm:styleLbl name="bgShp">
+    <dgm:scene3d>
+      <a:camera prst="orthographicFront"/>
+      <a:lightRig rig="threePt" dir="t"/>
+    </dgm:scene3d>
+    <dgm:sp3d/>
+    <dgm:txPr/>
+    <dgm:style>
+      <a:lnRef idx="0">
+        <a:scrgbClr r="0" g="0" b="0"/>
+      </a:lnRef>
+      <a:fillRef idx="1">
+        <a:scrgbClr r="0" g="0" b="0"/>
+      </a:fillRef>
+      <a:effectRef idx="0">
+        <a:scrgbClr r="0" g="0" b="0"/>
+      </a:effectRef>
+      <a:fontRef idx="minor"/>
+    </dgm:style>
+  </dgm:styleLbl>
+  <dgm:styleLbl name="dkBgShp">
+    <dgm:scene3d>
+      <a:camera prst="orthographicFront"/>
+      <a:lightRig rig="threePt" dir="t"/>
+    </dgm:scene3d>
+    <dgm:sp3d/>
+    <dgm:txPr/>
+    <dgm:style>
+      <a:lnRef idx="0">
+        <a:scrgbClr r="0" g="0" b="0"/>
+      </a:lnRef>
+      <a:fillRef idx="1">
+        <a:scrgbClr r="0" g="0" b="0"/>
+      </a:fillRef>
+      <a:effectRef idx="0">
+        <a:scrgbClr r="0" g="0" b="0"/>
+      </a:effectRef>
+      <a:fontRef idx="minor"/>
+    </dgm:style>
+  </dgm:styleLbl>
+  <dgm:styleLbl name="trBgShp">
+    <dgm:scene3d>
+      <a:camera prst="orthographicFront"/>
+      <a:lightRig rig="threePt" dir="t"/>
+    </dgm:scene3d>
+    <dgm:sp3d/>
+    <dgm:txPr/>
+    <dgm:style>
+      <a:lnRef idx="0">
+        <a:scrgbClr r="0" g="0" b="0"/>
+      </a:lnRef>
+      <a:fillRef idx="1">
+        <a:scrgbClr r="0" g="0" b="0"/>
+      </a:fillRef>
+      <a:effectRef idx="0">
+        <a:scrgbClr r="0" g="0" b="0"/>
+      </a:effectRef>
+      <a:fontRef idx="minor"/>
+    </dgm:style>
+  </dgm:styleLbl>
+  <dgm:styleLbl name="fgShp">
+    <dgm:scene3d>
+      <a:camera prst="orthographicFront"/>
+      <a:lightRig rig="threePt" dir="t"/>
+    </dgm:scene3d>
+    <dgm:sp3d/>
+    <dgm:txPr/>
+    <dgm:style>
+      <a:lnRef idx="2">
+        <a:scrgbClr r="0" g="0" b="0"/>
+      </a:lnRef>
+      <a:fillRef idx="1">
+        <a:scrgbClr r="0" g="0" b="0"/>
+      </a:fillRef>
+      <a:effectRef idx="0">
+        <a:scrgbClr r="0" g="0" b="0"/>
+      </a:effectRef>
+      <a:fontRef idx="minor"/>
+    </dgm:style>
+  </dgm:styleLbl>
+  <dgm:styleLbl name="revTx">
+    <dgm:scene3d>
+      <a:camera prst="orthographicFront"/>
+      <a:lightRig rig="threePt" dir="t"/>
+    </dgm:scene3d>
+    <dgm:sp3d/>
+    <dgm:txPr/>
+    <dgm:style>
+      <a:lnRef idx="0">
+        <a:scrgbClr r="0" g="0" b="0"/>
+      </a:lnRef>
+      <a:fillRef idx="0">
+        <a:scrgbClr r="0" g="0" b="0"/>
+      </a:fillRef>
+      <a:effectRef idx="0">
+        <a:scrgbClr r="0" g="0" b="0"/>
+      </a:effectRef>
+      <a:fontRef idx="minor"/>
+    </dgm:style>
+  </dgm:styleLbl>
+</dgm:styleDef>
+</file>
+
+<file path=ppt/diagrams/quickStyle3.xml><?xml version="1.0" encoding="utf-8"?>
 <dgm:styleDef xmlns:dgm="http://schemas.openxmlformats.org/drawingml/2006/diagram" xmlns:a="http://schemas.openxmlformats.org/drawingml/2006/main" uniqueId="urn:microsoft.com/office/officeart/2005/8/quickstyle/simple4">
   <dgm:title val=""/>
   <dgm:desc val=""/>
@@ -7316,7 +10018,91 @@
           <a:p>
             <a:fld id="{C6B3AB32-59DF-41F1-9618-EDFBF5049629}" type="slidenum">
               <a:rPr lang="en-US" smtClean="0"/>
-              <a:t>4</a:t>
+              <a:t>2</a:t>
+            </a:fld>
+            <a:endParaRPr lang="en-US" dirty="0"/>
+          </a:p>
+        </p:txBody>
+      </p:sp>
+    </p:spTree>
+    <p:extLst>
+      <p:ext uri="{BB962C8B-B14F-4D97-AF65-F5344CB8AC3E}">
+        <p14:creationId xmlns:p14="http://schemas.microsoft.com/office/powerpoint/2010/main" val="47208373"/>
+      </p:ext>
+    </p:extLst>
+  </p:cSld>
+  <p:clrMapOvr>
+    <a:masterClrMapping/>
+  </p:clrMapOvr>
+</p:notes>
+</file>
+
+<file path=ppt/notesSlides/notesSlide3.xml><?xml version="1.0" encoding="utf-8"?>
+<p:notes xmlns:a="http://schemas.openxmlformats.org/drawingml/2006/main" xmlns:r="http://schemas.openxmlformats.org/officeDocument/2006/relationships" xmlns:p="http://schemas.openxmlformats.org/presentationml/2006/main">
+  <p:cSld>
+    <p:spTree>
+      <p:nvGrpSpPr>
+        <p:cNvPr id="1" name=""/>
+        <p:cNvGrpSpPr/>
+        <p:nvPr/>
+      </p:nvGrpSpPr>
+      <p:grpSpPr>
+        <a:xfrm>
+          <a:off x="0" y="0"/>
+          <a:ext cx="0" cy="0"/>
+          <a:chOff x="0" y="0"/>
+          <a:chExt cx="0" cy="0"/>
+        </a:xfrm>
+      </p:grpSpPr>
+      <p:sp>
+        <p:nvSpPr>
+          <p:cNvPr id="2" name="Slide Image Placeholder 1"/>
+          <p:cNvSpPr>
+            <a:spLocks noGrp="1" noRot="1" noChangeAspect="1"/>
+          </p:cNvSpPr>
+          <p:nvPr>
+            <p:ph type="sldImg"/>
+          </p:nvPr>
+        </p:nvSpPr>
+        <p:spPr/>
+      </p:sp>
+      <p:sp>
+        <p:nvSpPr>
+          <p:cNvPr id="3" name="Notes Placeholder 2"/>
+          <p:cNvSpPr>
+            <a:spLocks noGrp="1"/>
+          </p:cNvSpPr>
+          <p:nvPr>
+            <p:ph type="body" idx="1"/>
+          </p:nvPr>
+        </p:nvSpPr>
+        <p:spPr/>
+        <p:txBody>
+          <a:bodyPr/>
+          <a:lstStyle/>
+          <a:p>
+            <a:endParaRPr lang="en-US" dirty="0"/>
+          </a:p>
+        </p:txBody>
+      </p:sp>
+      <p:sp>
+        <p:nvSpPr>
+          <p:cNvPr id="4" name="Slide Number Placeholder 3"/>
+          <p:cNvSpPr>
+            <a:spLocks noGrp="1"/>
+          </p:cNvSpPr>
+          <p:nvPr>
+            <p:ph type="sldNum" sz="quarter" idx="5"/>
+          </p:nvPr>
+        </p:nvSpPr>
+        <p:spPr/>
+        <p:txBody>
+          <a:bodyPr/>
+          <a:lstStyle/>
+          <a:p>
+            <a:fld id="{C6B3AB32-59DF-41F1-9618-EDFBF5049629}" type="slidenum">
+              <a:rPr lang="en-US" smtClean="0"/>
+              <a:t>6</a:t>
             </a:fld>
             <a:endParaRPr lang="en-US" dirty="0"/>
           </a:p>
@@ -7335,7 +10121,7 @@
 </p:notes>
 </file>
 
-<file path=ppt/notesSlides/notesSlide3.xml><?xml version="1.0" encoding="utf-8"?>
+<file path=ppt/notesSlides/notesSlide4.xml><?xml version="1.0" encoding="utf-8"?>
 <p:notes xmlns:a="http://schemas.openxmlformats.org/drawingml/2006/main" xmlns:r="http://schemas.openxmlformats.org/officeDocument/2006/relationships" xmlns:p="http://schemas.openxmlformats.org/presentationml/2006/main">
   <p:cSld>
     <p:spTree>
@@ -7403,7 +10189,7 @@
           <a:p>
             <a:fld id="{C6B3AB32-59DF-41F1-9618-EDFBF5049629}" type="slidenum">
               <a:rPr lang="en-US" smtClean="0"/>
-              <a:t>7</a:t>
+              <a:t>9</a:t>
             </a:fld>
             <a:endParaRPr lang="en-US" dirty="0"/>
           </a:p>
@@ -7413,90 +10199,6 @@
     <p:extLst>
       <p:ext uri="{BB962C8B-B14F-4D97-AF65-F5344CB8AC3E}">
         <p14:creationId xmlns:p14="http://schemas.microsoft.com/office/powerpoint/2010/main" val="1831338742"/>
-      </p:ext>
-    </p:extLst>
-  </p:cSld>
-  <p:clrMapOvr>
-    <a:masterClrMapping/>
-  </p:clrMapOvr>
-</p:notes>
-</file>
-
-<file path=ppt/notesSlides/notesSlide4.xml><?xml version="1.0" encoding="utf-8"?>
-<p:notes xmlns:a="http://schemas.openxmlformats.org/drawingml/2006/main" xmlns:r="http://schemas.openxmlformats.org/officeDocument/2006/relationships" xmlns:p="http://schemas.openxmlformats.org/presentationml/2006/main">
-  <p:cSld>
-    <p:spTree>
-      <p:nvGrpSpPr>
-        <p:cNvPr id="1" name=""/>
-        <p:cNvGrpSpPr/>
-        <p:nvPr/>
-      </p:nvGrpSpPr>
-      <p:grpSpPr>
-        <a:xfrm>
-          <a:off x="0" y="0"/>
-          <a:ext cx="0" cy="0"/>
-          <a:chOff x="0" y="0"/>
-          <a:chExt cx="0" cy="0"/>
-        </a:xfrm>
-      </p:grpSpPr>
-      <p:sp>
-        <p:nvSpPr>
-          <p:cNvPr id="2" name="Slide Image Placeholder 1"/>
-          <p:cNvSpPr>
-            <a:spLocks noGrp="1" noRot="1" noChangeAspect="1"/>
-          </p:cNvSpPr>
-          <p:nvPr>
-            <p:ph type="sldImg"/>
-          </p:nvPr>
-        </p:nvSpPr>
-        <p:spPr/>
-      </p:sp>
-      <p:sp>
-        <p:nvSpPr>
-          <p:cNvPr id="3" name="Notes Placeholder 2"/>
-          <p:cNvSpPr>
-            <a:spLocks noGrp="1"/>
-          </p:cNvSpPr>
-          <p:nvPr>
-            <p:ph type="body" idx="1"/>
-          </p:nvPr>
-        </p:nvSpPr>
-        <p:spPr/>
-        <p:txBody>
-          <a:bodyPr/>
-          <a:lstStyle/>
-          <a:p>
-            <a:endParaRPr lang="en-US" dirty="0"/>
-          </a:p>
-        </p:txBody>
-      </p:sp>
-      <p:sp>
-        <p:nvSpPr>
-          <p:cNvPr id="4" name="Slide Number Placeholder 3"/>
-          <p:cNvSpPr>
-            <a:spLocks noGrp="1"/>
-          </p:cNvSpPr>
-          <p:nvPr>
-            <p:ph type="sldNum" sz="quarter" idx="5"/>
-          </p:nvPr>
-        </p:nvSpPr>
-        <p:spPr/>
-        <p:txBody>
-          <a:bodyPr/>
-          <a:lstStyle/>
-          <a:p>
-            <a:fld id="{C6B3AB32-59DF-41F1-9618-EDFBF5049629}" type="slidenum">
-              <a:rPr lang="en-US" smtClean="0"/>
-              <a:t>12</a:t>
-            </a:fld>
-            <a:endParaRPr lang="en-US" dirty="0"/>
-          </a:p>
-        </p:txBody>
-      </p:sp>
-    </p:spTree>
-    <p:extLst>
-      <p:ext uri="{BB962C8B-B14F-4D97-AF65-F5344CB8AC3E}">
-        <p14:creationId xmlns:p14="http://schemas.microsoft.com/office/powerpoint/2010/main" val="1046714131"/>
       </p:ext>
     </p:extLst>
   </p:cSld>
@@ -7571,7 +10273,91 @@
           <a:p>
             <a:fld id="{C6B3AB32-59DF-41F1-9618-EDFBF5049629}" type="slidenum">
               <a:rPr lang="en-US" smtClean="0"/>
-              <a:t>15</a:t>
+              <a:t>14</a:t>
+            </a:fld>
+            <a:endParaRPr lang="en-US" dirty="0"/>
+          </a:p>
+        </p:txBody>
+      </p:sp>
+    </p:spTree>
+    <p:extLst>
+      <p:ext uri="{BB962C8B-B14F-4D97-AF65-F5344CB8AC3E}">
+        <p14:creationId xmlns:p14="http://schemas.microsoft.com/office/powerpoint/2010/main" val="1046714131"/>
+      </p:ext>
+    </p:extLst>
+  </p:cSld>
+  <p:clrMapOvr>
+    <a:masterClrMapping/>
+  </p:clrMapOvr>
+</p:notes>
+</file>
+
+<file path=ppt/notesSlides/notesSlide6.xml><?xml version="1.0" encoding="utf-8"?>
+<p:notes xmlns:a="http://schemas.openxmlformats.org/drawingml/2006/main" xmlns:r="http://schemas.openxmlformats.org/officeDocument/2006/relationships" xmlns:p="http://schemas.openxmlformats.org/presentationml/2006/main">
+  <p:cSld>
+    <p:spTree>
+      <p:nvGrpSpPr>
+        <p:cNvPr id="1" name=""/>
+        <p:cNvGrpSpPr/>
+        <p:nvPr/>
+      </p:nvGrpSpPr>
+      <p:grpSpPr>
+        <a:xfrm>
+          <a:off x="0" y="0"/>
+          <a:ext cx="0" cy="0"/>
+          <a:chOff x="0" y="0"/>
+          <a:chExt cx="0" cy="0"/>
+        </a:xfrm>
+      </p:grpSpPr>
+      <p:sp>
+        <p:nvSpPr>
+          <p:cNvPr id="2" name="Slide Image Placeholder 1"/>
+          <p:cNvSpPr>
+            <a:spLocks noGrp="1" noRot="1" noChangeAspect="1"/>
+          </p:cNvSpPr>
+          <p:nvPr>
+            <p:ph type="sldImg"/>
+          </p:nvPr>
+        </p:nvSpPr>
+        <p:spPr/>
+      </p:sp>
+      <p:sp>
+        <p:nvSpPr>
+          <p:cNvPr id="3" name="Notes Placeholder 2"/>
+          <p:cNvSpPr>
+            <a:spLocks noGrp="1"/>
+          </p:cNvSpPr>
+          <p:nvPr>
+            <p:ph type="body" idx="1"/>
+          </p:nvPr>
+        </p:nvSpPr>
+        <p:spPr/>
+        <p:txBody>
+          <a:bodyPr/>
+          <a:lstStyle/>
+          <a:p>
+            <a:endParaRPr lang="en-US" dirty="0"/>
+          </a:p>
+        </p:txBody>
+      </p:sp>
+      <p:sp>
+        <p:nvSpPr>
+          <p:cNvPr id="4" name="Slide Number Placeholder 3"/>
+          <p:cNvSpPr>
+            <a:spLocks noGrp="1"/>
+          </p:cNvSpPr>
+          <p:nvPr>
+            <p:ph type="sldNum" sz="quarter" idx="5"/>
+          </p:nvPr>
+        </p:nvSpPr>
+        <p:spPr/>
+        <p:txBody>
+          <a:bodyPr/>
+          <a:lstStyle/>
+          <a:p>
+            <a:fld id="{C6B3AB32-59DF-41F1-9618-EDFBF5049629}" type="slidenum">
+              <a:rPr lang="en-US" smtClean="0"/>
+              <a:t>17</a:t>
             </a:fld>
             <a:endParaRPr lang="en-US" dirty="0"/>
           </a:p>
@@ -11798,13 +14584,13 @@
   <p:clrMapOvr>
     <a:masterClrMapping/>
   </p:clrMapOvr>
-  <mc:AlternateContent xmlns:mc="http://schemas.openxmlformats.org/markup-compatibility/2006">
-    <mc:Choice xmlns:p159="http://schemas.microsoft.com/office/powerpoint/2015/09/main" Requires="p159">
+  <mc:AlternateContent xmlns:mc="http://schemas.openxmlformats.org/markup-compatibility/2006" xmlns:p159="http://schemas.microsoft.com/office/powerpoint/2015/09/main">
+    <mc:Choice Requires="p159">
       <p:transition xmlns:p14="http://schemas.microsoft.com/office/powerpoint/2010/main" spd="slow" p14:dur="2000">
         <p159:morph option="byObject"/>
       </p:transition>
     </mc:Choice>
-    <mc:Fallback>
+    <mc:Fallback xmlns="">
       <p:transition spd="slow">
         <p:fade/>
       </p:transition>
@@ -11814,6 +14600,206 @@
 </file>
 
 <file path=ppt/slides/slide10.xml><?xml version="1.0" encoding="utf-8"?>
+<p:sld xmlns:a="http://schemas.openxmlformats.org/drawingml/2006/main" xmlns:r="http://schemas.openxmlformats.org/officeDocument/2006/relationships" xmlns:p="http://schemas.openxmlformats.org/presentationml/2006/main">
+  <p:cSld>
+    <p:spTree>
+      <p:nvGrpSpPr>
+        <p:cNvPr id="1" name=""/>
+        <p:cNvGrpSpPr/>
+        <p:nvPr/>
+      </p:nvGrpSpPr>
+      <p:grpSpPr>
+        <a:xfrm>
+          <a:off x="0" y="0"/>
+          <a:ext cx="0" cy="0"/>
+          <a:chOff x="0" y="0"/>
+          <a:chExt cx="0" cy="0"/>
+        </a:xfrm>
+      </p:grpSpPr>
+      <p:sp>
+        <p:nvSpPr>
+          <p:cNvPr id="4" name="Title 3">
+            <a:extLst>
+              <a:ext uri="{FF2B5EF4-FFF2-40B4-BE49-F238E27FC236}">
+                <a16:creationId xmlns:a16="http://schemas.microsoft.com/office/drawing/2014/main" id="{DB056804-DCC2-473D-8229-101CED2564CC}"/>
+              </a:ext>
+            </a:extLst>
+          </p:cNvPr>
+          <p:cNvSpPr>
+            <a:spLocks noGrp="1"/>
+          </p:cNvSpPr>
+          <p:nvPr>
+            <p:ph type="title"/>
+          </p:nvPr>
+        </p:nvSpPr>
+        <p:spPr/>
+        <p:txBody>
+          <a:bodyPr/>
+          <a:lstStyle/>
+          <a:p>
+            <a:r>
+              <a:rPr lang="en-US" dirty="0"/>
+              <a:t>Crawling – explore Sitemap</a:t>
+            </a:r>
+          </a:p>
+        </p:txBody>
+      </p:sp>
+      <p:pic>
+        <p:nvPicPr>
+          <p:cNvPr id="7" name="Picture 6">
+            <a:extLst>
+              <a:ext uri="{FF2B5EF4-FFF2-40B4-BE49-F238E27FC236}">
+                <a16:creationId xmlns:a16="http://schemas.microsoft.com/office/drawing/2014/main" id="{0A11F817-EBE2-48C8-A946-C3426EA2B920}"/>
+              </a:ext>
+            </a:extLst>
+          </p:cNvPr>
+          <p:cNvPicPr>
+            <a:picLocks noChangeAspect="1"/>
+          </p:cNvPicPr>
+          <p:nvPr/>
+        </p:nvPicPr>
+        <p:blipFill>
+          <a:blip r:embed="rId2"/>
+          <a:stretch>
+            <a:fillRect/>
+          </a:stretch>
+        </p:blipFill>
+        <p:spPr>
+          <a:xfrm>
+            <a:off x="4772121" y="1899820"/>
+            <a:ext cx="2647757" cy="4958179"/>
+          </a:xfrm>
+          <a:prstGeom prst="rect">
+            <a:avLst/>
+          </a:prstGeom>
+        </p:spPr>
+      </p:pic>
+    </p:spTree>
+    <p:extLst>
+      <p:ext uri="{BB962C8B-B14F-4D97-AF65-F5344CB8AC3E}">
+        <p14:creationId xmlns:p14="http://schemas.microsoft.com/office/powerpoint/2010/main" val="1173577491"/>
+      </p:ext>
+    </p:extLst>
+  </p:cSld>
+  <p:clrMapOvr>
+    <a:masterClrMapping/>
+  </p:clrMapOvr>
+  <mc:AlternateContent xmlns:mc="http://schemas.openxmlformats.org/markup-compatibility/2006" xmlns:p159="http://schemas.microsoft.com/office/powerpoint/2015/09/main">
+    <mc:Choice Requires="p159">
+      <p:transition xmlns:p14="http://schemas.microsoft.com/office/powerpoint/2010/main" spd="slow" p14:dur="2000">
+        <p159:morph option="byObject"/>
+      </p:transition>
+    </mc:Choice>
+    <mc:Fallback xmlns="">
+      <p:transition spd="slow">
+        <p:fade/>
+      </p:transition>
+    </mc:Fallback>
+  </mc:AlternateContent>
+</p:sld>
+</file>
+
+<file path=ppt/slides/slide11.xml><?xml version="1.0" encoding="utf-8"?>
+<p:sld xmlns:a="http://schemas.openxmlformats.org/drawingml/2006/main" xmlns:r="http://schemas.openxmlformats.org/officeDocument/2006/relationships" xmlns:p="http://schemas.openxmlformats.org/presentationml/2006/main">
+  <p:cSld>
+    <p:spTree>
+      <p:nvGrpSpPr>
+        <p:cNvPr id="1" name=""/>
+        <p:cNvGrpSpPr/>
+        <p:nvPr/>
+      </p:nvGrpSpPr>
+      <p:grpSpPr>
+        <a:xfrm>
+          <a:off x="0" y="0"/>
+          <a:ext cx="0" cy="0"/>
+          <a:chOff x="0" y="0"/>
+          <a:chExt cx="0" cy="0"/>
+        </a:xfrm>
+      </p:grpSpPr>
+      <p:sp>
+        <p:nvSpPr>
+          <p:cNvPr id="4" name="Title 3">
+            <a:extLst>
+              <a:ext uri="{FF2B5EF4-FFF2-40B4-BE49-F238E27FC236}">
+                <a16:creationId xmlns:a16="http://schemas.microsoft.com/office/drawing/2014/main" id="{DB056804-DCC2-473D-8229-101CED2564CC}"/>
+              </a:ext>
+            </a:extLst>
+          </p:cNvPr>
+          <p:cNvSpPr>
+            <a:spLocks noGrp="1"/>
+          </p:cNvSpPr>
+          <p:nvPr>
+            <p:ph type="title"/>
+          </p:nvPr>
+        </p:nvSpPr>
+        <p:spPr/>
+        <p:txBody>
+          <a:bodyPr/>
+          <a:lstStyle/>
+          <a:p>
+            <a:r>
+              <a:rPr lang="en-US" dirty="0"/>
+              <a:t>Crawling – explore BY FOLLOWING</a:t>
+            </a:r>
+          </a:p>
+        </p:txBody>
+      </p:sp>
+      <p:pic>
+        <p:nvPicPr>
+          <p:cNvPr id="5" name="Picture 4">
+            <a:extLst>
+              <a:ext uri="{FF2B5EF4-FFF2-40B4-BE49-F238E27FC236}">
+                <a16:creationId xmlns:a16="http://schemas.microsoft.com/office/drawing/2014/main" id="{01E1B4B7-7FC5-4F07-A027-C1398A85125D}"/>
+              </a:ext>
+            </a:extLst>
+          </p:cNvPr>
+          <p:cNvPicPr>
+            <a:picLocks noChangeAspect="1"/>
+          </p:cNvPicPr>
+          <p:nvPr/>
+        </p:nvPicPr>
+        <p:blipFill>
+          <a:blip r:embed="rId2"/>
+          <a:stretch>
+            <a:fillRect/>
+          </a:stretch>
+        </p:blipFill>
+        <p:spPr>
+          <a:xfrm>
+            <a:off x="4978367" y="1890944"/>
+            <a:ext cx="2235265" cy="4934192"/>
+          </a:xfrm>
+          <a:prstGeom prst="rect">
+            <a:avLst/>
+          </a:prstGeom>
+        </p:spPr>
+      </p:pic>
+    </p:spTree>
+    <p:extLst>
+      <p:ext uri="{BB962C8B-B14F-4D97-AF65-F5344CB8AC3E}">
+        <p14:creationId xmlns:p14="http://schemas.microsoft.com/office/powerpoint/2010/main" val="2695168328"/>
+      </p:ext>
+    </p:extLst>
+  </p:cSld>
+  <p:clrMapOvr>
+    <a:masterClrMapping/>
+  </p:clrMapOvr>
+  <mc:AlternateContent xmlns:mc="http://schemas.openxmlformats.org/markup-compatibility/2006" xmlns:p159="http://schemas.microsoft.com/office/powerpoint/2015/09/main">
+    <mc:Choice Requires="p159">
+      <p:transition xmlns:p14="http://schemas.microsoft.com/office/powerpoint/2010/main" spd="slow" p14:dur="2000">
+        <p159:morph option="byObject"/>
+      </p:transition>
+    </mc:Choice>
+    <mc:Fallback xmlns="">
+      <p:transition spd="slow">
+        <p:fade/>
+      </p:transition>
+    </mc:Fallback>
+  </mc:AlternateContent>
+</p:sld>
+</file>
+
+<file path=ppt/slides/slide12.xml><?xml version="1.0" encoding="utf-8"?>
 <p:sld xmlns:a="http://schemas.openxmlformats.org/drawingml/2006/main" xmlns:r="http://schemas.openxmlformats.org/officeDocument/2006/relationships" xmlns:p="http://schemas.openxmlformats.org/presentationml/2006/main">
   <p:cSld>
     <p:spTree>
@@ -11899,13 +14885,13 @@
   <p:clrMapOvr>
     <a:masterClrMapping/>
   </p:clrMapOvr>
-  <mc:AlternateContent xmlns:mc="http://schemas.openxmlformats.org/markup-compatibility/2006">
-    <mc:Choice xmlns:p159="http://schemas.microsoft.com/office/powerpoint/2015/09/main" Requires="p159">
+  <mc:AlternateContent xmlns:mc="http://schemas.openxmlformats.org/markup-compatibility/2006" xmlns:p159="http://schemas.microsoft.com/office/powerpoint/2015/09/main">
+    <mc:Choice Requires="p159">
       <p:transition xmlns:p14="http://schemas.microsoft.com/office/powerpoint/2010/main" spd="slow" p14:dur="2000">
         <p159:morph option="byObject"/>
       </p:transition>
     </mc:Choice>
-    <mc:Fallback>
+    <mc:Fallback xmlns="">
       <p:transition spd="slow">
         <p:fade/>
       </p:transition>
@@ -11914,7 +14900,7 @@
 </p:sld>
 </file>
 
-<file path=ppt/slides/slide11.xml><?xml version="1.0" encoding="utf-8"?>
+<file path=ppt/slides/slide13.xml><?xml version="1.0" encoding="utf-8"?>
 <p:sld xmlns:a="http://schemas.openxmlformats.org/drawingml/2006/main" xmlns:r="http://schemas.openxmlformats.org/officeDocument/2006/relationships" xmlns:p="http://schemas.openxmlformats.org/presentationml/2006/main">
   <p:cSld>
     <p:bg>
@@ -11983,13 +14969,13 @@
   <p:clrMapOvr>
     <a:masterClrMapping/>
   </p:clrMapOvr>
-  <mc:AlternateContent xmlns:mc="http://schemas.openxmlformats.org/markup-compatibility/2006">
-    <mc:Choice xmlns:p159="http://schemas.microsoft.com/office/powerpoint/2015/09/main" Requires="p159">
+  <mc:AlternateContent xmlns:mc="http://schemas.openxmlformats.org/markup-compatibility/2006" xmlns:p159="http://schemas.microsoft.com/office/powerpoint/2015/09/main">
+    <mc:Choice Requires="p159">
       <p:transition xmlns:p14="http://schemas.microsoft.com/office/powerpoint/2010/main" spd="slow" p14:dur="2000">
         <p159:morph option="byObject"/>
       </p:transition>
     </mc:Choice>
-    <mc:Fallback>
+    <mc:Fallback xmlns="">
       <p:transition spd="slow">
         <p:fade/>
       </p:transition>
@@ -11998,7 +14984,7 @@
 </p:sld>
 </file>
 
-<file path=ppt/slides/slide12.xml><?xml version="1.0" encoding="utf-8"?>
+<file path=ppt/slides/slide14.xml><?xml version="1.0" encoding="utf-8"?>
 <p:sld xmlns:a="http://schemas.openxmlformats.org/drawingml/2006/main" xmlns:r="http://schemas.openxmlformats.org/officeDocument/2006/relationships" xmlns:p="http://schemas.openxmlformats.org/presentationml/2006/main">
   <p:cSld>
     <p:bg>
@@ -12471,13 +15457,13 @@
   <p:clrMapOvr>
     <a:masterClrMapping/>
   </p:clrMapOvr>
-  <mc:AlternateContent xmlns:mc="http://schemas.openxmlformats.org/markup-compatibility/2006">
-    <mc:Choice xmlns:p159="http://schemas.microsoft.com/office/powerpoint/2015/09/main" Requires="p159">
+  <mc:AlternateContent xmlns:mc="http://schemas.openxmlformats.org/markup-compatibility/2006" xmlns:p159="http://schemas.microsoft.com/office/powerpoint/2015/09/main">
+    <mc:Choice Requires="p159">
       <p:transition xmlns:p14="http://schemas.microsoft.com/office/powerpoint/2010/main" spd="slow" p14:dur="2000">
         <p159:morph option="byObject"/>
       </p:transition>
     </mc:Choice>
-    <mc:Fallback>
+    <mc:Fallback xmlns="">
       <p:transition spd="slow">
         <p:fade/>
       </p:transition>
@@ -12486,7 +15472,7 @@
 </p:sld>
 </file>
 
-<file path=ppt/slides/slide13.xml><?xml version="1.0" encoding="utf-8"?>
+<file path=ppt/slides/slide15.xml><?xml version="1.0" encoding="utf-8"?>
 <p:sld xmlns:a="http://schemas.openxmlformats.org/drawingml/2006/main" xmlns:r="http://schemas.openxmlformats.org/officeDocument/2006/relationships" xmlns:p="http://schemas.openxmlformats.org/presentationml/2006/main">
   <p:cSld>
     <p:spTree>
@@ -12563,13 +15549,13 @@
   <p:clrMapOvr>
     <a:masterClrMapping/>
   </p:clrMapOvr>
-  <mc:AlternateContent xmlns:mc="http://schemas.openxmlformats.org/markup-compatibility/2006">
-    <mc:Choice xmlns:p159="http://schemas.microsoft.com/office/powerpoint/2015/09/main" Requires="p159">
+  <mc:AlternateContent xmlns:mc="http://schemas.openxmlformats.org/markup-compatibility/2006" xmlns:p159="http://schemas.microsoft.com/office/powerpoint/2015/09/main">
+    <mc:Choice Requires="p159">
       <p:transition xmlns:p14="http://schemas.microsoft.com/office/powerpoint/2010/main" spd="slow" p14:dur="2000">
         <p159:morph option="byObject"/>
       </p:transition>
     </mc:Choice>
-    <mc:Fallback>
+    <mc:Fallback xmlns="">
       <p:transition spd="slow">
         <p:fade/>
       </p:transition>
@@ -12578,7 +15564,7 @@
 </p:sld>
 </file>
 
-<file path=ppt/slides/slide14.xml><?xml version="1.0" encoding="utf-8"?>
+<file path=ppt/slides/slide16.xml><?xml version="1.0" encoding="utf-8"?>
 <p:sld xmlns:a="http://schemas.openxmlformats.org/drawingml/2006/main" xmlns:r="http://schemas.openxmlformats.org/officeDocument/2006/relationships" xmlns:p="http://schemas.openxmlformats.org/presentationml/2006/main">
   <p:cSld>
     <p:spTree>
@@ -12655,13 +15641,13 @@
   <p:clrMapOvr>
     <a:masterClrMapping/>
   </p:clrMapOvr>
-  <mc:AlternateContent xmlns:mc="http://schemas.openxmlformats.org/markup-compatibility/2006">
-    <mc:Choice xmlns:p159="http://schemas.microsoft.com/office/powerpoint/2015/09/main" Requires="p159">
+  <mc:AlternateContent xmlns:mc="http://schemas.openxmlformats.org/markup-compatibility/2006" xmlns:p159="http://schemas.microsoft.com/office/powerpoint/2015/09/main">
+    <mc:Choice Requires="p159">
       <p:transition xmlns:p14="http://schemas.microsoft.com/office/powerpoint/2010/main" spd="slow" p14:dur="2000">
         <p159:morph option="byObject"/>
       </p:transition>
     </mc:Choice>
-    <mc:Fallback>
+    <mc:Fallback xmlns="">
       <p:transition spd="slow">
         <p:fade/>
       </p:transition>
@@ -12670,7 +15656,7 @@
 </p:sld>
 </file>
 
-<file path=ppt/slides/slide15.xml><?xml version="1.0" encoding="utf-8"?>
+<file path=ppt/slides/slide17.xml><?xml version="1.0" encoding="utf-8"?>
 <p:sld xmlns:a="http://schemas.openxmlformats.org/drawingml/2006/main" xmlns:r="http://schemas.openxmlformats.org/officeDocument/2006/relationships" xmlns:p="http://schemas.openxmlformats.org/presentationml/2006/main">
   <p:cSld>
     <p:bg>
@@ -13057,13 +16043,13 @@
   <p:clrMapOvr>
     <a:masterClrMapping/>
   </p:clrMapOvr>
-  <mc:AlternateContent xmlns:mc="http://schemas.openxmlformats.org/markup-compatibility/2006">
-    <mc:Choice xmlns:p159="http://schemas.microsoft.com/office/powerpoint/2015/09/main" Requires="p159">
+  <mc:AlternateContent xmlns:mc="http://schemas.openxmlformats.org/markup-compatibility/2006" xmlns:p159="http://schemas.microsoft.com/office/powerpoint/2015/09/main">
+    <mc:Choice Requires="p159">
       <p:transition xmlns:p14="http://schemas.microsoft.com/office/powerpoint/2010/main" spd="slow" p14:dur="2000">
         <p159:morph option="byObject"/>
       </p:transition>
     </mc:Choice>
-    <mc:Fallback>
+    <mc:Fallback xmlns="">
       <p:transition spd="slow">
         <p:fade/>
       </p:transition>
@@ -13073,6 +16059,243 @@
 </file>
 
 <file path=ppt/slides/slide2.xml><?xml version="1.0" encoding="utf-8"?>
+<p:sld xmlns:a="http://schemas.openxmlformats.org/drawingml/2006/main" xmlns:r="http://schemas.openxmlformats.org/officeDocument/2006/relationships" xmlns:p="http://schemas.openxmlformats.org/presentationml/2006/main">
+  <p:cSld>
+    <p:spTree>
+      <p:nvGrpSpPr>
+        <p:cNvPr id="1" name=""/>
+        <p:cNvGrpSpPr/>
+        <p:nvPr/>
+      </p:nvGrpSpPr>
+      <p:grpSpPr>
+        <a:xfrm>
+          <a:off x="0" y="0"/>
+          <a:ext cx="0" cy="0"/>
+          <a:chOff x="0" y="0"/>
+          <a:chExt cx="0" cy="0"/>
+        </a:xfrm>
+      </p:grpSpPr>
+      <p:sp>
+        <p:nvSpPr>
+          <p:cNvPr id="4" name="Title 3">
+            <a:extLst>
+              <a:ext uri="{FF2B5EF4-FFF2-40B4-BE49-F238E27FC236}">
+                <a16:creationId xmlns:a16="http://schemas.microsoft.com/office/drawing/2014/main" id="{DB056804-DCC2-473D-8229-101CED2564CC}"/>
+              </a:ext>
+            </a:extLst>
+          </p:cNvPr>
+          <p:cNvSpPr>
+            <a:spLocks noGrp="1"/>
+          </p:cNvSpPr>
+          <p:nvPr>
+            <p:ph type="title"/>
+          </p:nvPr>
+        </p:nvSpPr>
+        <p:spPr/>
+        <p:txBody>
+          <a:bodyPr/>
+          <a:lstStyle/>
+          <a:p>
+            <a:r>
+              <a:rPr lang="en-US" dirty="0"/>
+              <a:t>CORE MEMBERS</a:t>
+            </a:r>
+          </a:p>
+        </p:txBody>
+      </p:sp>
+      <p:graphicFrame>
+        <p:nvGraphicFramePr>
+          <p:cNvPr id="10" name="Content Placeholder 3" descr="icon SmartArt graphic">
+            <a:extLst>
+              <a:ext uri="{FF2B5EF4-FFF2-40B4-BE49-F238E27FC236}">
+                <a16:creationId xmlns:a16="http://schemas.microsoft.com/office/drawing/2014/main" id="{34C6D995-4E02-4B01-A6BC-696484E5709C}"/>
+              </a:ext>
+            </a:extLst>
+          </p:cNvPr>
+          <p:cNvGraphicFramePr>
+            <a:graphicFrameLocks noGrp="1"/>
+          </p:cNvGraphicFramePr>
+          <p:nvPr>
+            <p:ph idx="1"/>
+            <p:extLst>
+              <p:ext uri="{D42A27DB-BD31-4B8C-83A1-F6EECF244321}">
+                <p14:modId xmlns:p14="http://schemas.microsoft.com/office/powerpoint/2010/main" val="2880866509"/>
+              </p:ext>
+            </p:extLst>
+          </p:nvPr>
+        </p:nvGraphicFramePr>
+        <p:xfrm>
+          <a:off x="581192" y="2194639"/>
+          <a:ext cx="10906125" cy="3961205"/>
+        </p:xfrm>
+        <a:graphic>
+          <a:graphicData uri="http://schemas.openxmlformats.org/drawingml/2006/diagram">
+            <dgm:relIds xmlns:dgm="http://schemas.openxmlformats.org/drawingml/2006/diagram" xmlns:r="http://schemas.openxmlformats.org/officeDocument/2006/relationships" r:dm="rId3" r:lo="rId4" r:qs="rId5" r:cs="rId6"/>
+          </a:graphicData>
+        </a:graphic>
+      </p:graphicFrame>
+    </p:spTree>
+    <p:extLst>
+      <p:ext uri="{BB962C8B-B14F-4D97-AF65-F5344CB8AC3E}">
+        <p14:creationId xmlns:p14="http://schemas.microsoft.com/office/powerpoint/2010/main" val="1126181290"/>
+      </p:ext>
+    </p:extLst>
+  </p:cSld>
+  <p:clrMapOvr>
+    <a:masterClrMapping/>
+  </p:clrMapOvr>
+  <mc:AlternateContent xmlns:mc="http://schemas.openxmlformats.org/markup-compatibility/2006" xmlns:p159="http://schemas.microsoft.com/office/powerpoint/2015/09/main">
+    <mc:Choice Requires="p159">
+      <p:transition xmlns:p14="http://schemas.microsoft.com/office/powerpoint/2010/main" spd="slow" p14:dur="2000">
+        <p159:morph option="byObject"/>
+      </p:transition>
+    </mc:Choice>
+    <mc:Fallback xmlns="">
+      <p:transition spd="slow">
+        <p:fade/>
+      </p:transition>
+    </mc:Fallback>
+  </mc:AlternateContent>
+</p:sld>
+</file>
+
+<file path=ppt/slides/slide3.xml><?xml version="1.0" encoding="utf-8"?>
+<p:sld xmlns:a="http://schemas.openxmlformats.org/drawingml/2006/main" xmlns:r="http://schemas.openxmlformats.org/officeDocument/2006/relationships" xmlns:p="http://schemas.openxmlformats.org/presentationml/2006/main">
+  <p:cSld>
+    <p:spTree>
+      <p:nvGrpSpPr>
+        <p:cNvPr id="1" name=""/>
+        <p:cNvGrpSpPr/>
+        <p:nvPr/>
+      </p:nvGrpSpPr>
+      <p:grpSpPr>
+        <a:xfrm>
+          <a:off x="0" y="0"/>
+          <a:ext cx="0" cy="0"/>
+          <a:chOff x="0" y="0"/>
+          <a:chExt cx="0" cy="0"/>
+        </a:xfrm>
+      </p:grpSpPr>
+      <p:sp>
+        <p:nvSpPr>
+          <p:cNvPr id="4" name="Title 3">
+            <a:extLst>
+              <a:ext uri="{FF2B5EF4-FFF2-40B4-BE49-F238E27FC236}">
+                <a16:creationId xmlns:a16="http://schemas.microsoft.com/office/drawing/2014/main" id="{DB056804-DCC2-473D-8229-101CED2564CC}"/>
+              </a:ext>
+            </a:extLst>
+          </p:cNvPr>
+          <p:cNvSpPr>
+            <a:spLocks noGrp="1"/>
+          </p:cNvSpPr>
+          <p:nvPr>
+            <p:ph type="title"/>
+          </p:nvPr>
+        </p:nvSpPr>
+        <p:spPr/>
+        <p:txBody>
+          <a:bodyPr/>
+          <a:lstStyle/>
+          <a:p>
+            <a:r>
+              <a:rPr lang="en-US" dirty="0"/>
+              <a:t>Content</a:t>
+            </a:r>
+          </a:p>
+        </p:txBody>
+      </p:sp>
+      <p:sp>
+        <p:nvSpPr>
+          <p:cNvPr id="3" name="Content Placeholder 2">
+            <a:extLst>
+              <a:ext uri="{FF2B5EF4-FFF2-40B4-BE49-F238E27FC236}">
+                <a16:creationId xmlns:a16="http://schemas.microsoft.com/office/drawing/2014/main" id="{BB6ABDC9-DFFA-43A9-8D3F-7AF9A8BE8A97}"/>
+              </a:ext>
+            </a:extLst>
+          </p:cNvPr>
+          <p:cNvSpPr>
+            <a:spLocks noGrp="1"/>
+          </p:cNvSpPr>
+          <p:nvPr>
+            <p:ph idx="1"/>
+          </p:nvPr>
+        </p:nvSpPr>
+        <p:spPr/>
+        <p:txBody>
+          <a:bodyPr anchor="t"/>
+          <a:lstStyle/>
+          <a:p>
+            <a:pPr>
+              <a:lnSpc>
+                <a:spcPct val="200000"/>
+              </a:lnSpc>
+            </a:pPr>
+            <a:r>
+              <a:rPr lang="en-US" dirty="0"/>
+              <a:t>System Architecture</a:t>
+            </a:r>
+          </a:p>
+          <a:p>
+            <a:pPr>
+              <a:lnSpc>
+                <a:spcPct val="200000"/>
+              </a:lnSpc>
+            </a:pPr>
+            <a:r>
+              <a:rPr lang="en-US" dirty="0"/>
+              <a:t>Model</a:t>
+            </a:r>
+          </a:p>
+          <a:p>
+            <a:pPr>
+              <a:lnSpc>
+                <a:spcPct val="200000"/>
+              </a:lnSpc>
+            </a:pPr>
+            <a:r>
+              <a:rPr lang="en-US" dirty="0"/>
+              <a:t>Processes</a:t>
+            </a:r>
+          </a:p>
+          <a:p>
+            <a:pPr>
+              <a:lnSpc>
+                <a:spcPct val="200000"/>
+              </a:lnSpc>
+            </a:pPr>
+            <a:r>
+              <a:rPr lang="en-US" dirty="0"/>
+              <a:t>Demo</a:t>
+            </a:r>
+          </a:p>
+        </p:txBody>
+      </p:sp>
+    </p:spTree>
+    <p:extLst>
+      <p:ext uri="{BB962C8B-B14F-4D97-AF65-F5344CB8AC3E}">
+        <p14:creationId xmlns:p14="http://schemas.microsoft.com/office/powerpoint/2010/main" val="814285861"/>
+      </p:ext>
+    </p:extLst>
+  </p:cSld>
+  <p:clrMapOvr>
+    <a:masterClrMapping/>
+  </p:clrMapOvr>
+  <mc:AlternateContent xmlns:mc="http://schemas.openxmlformats.org/markup-compatibility/2006" xmlns:p159="http://schemas.microsoft.com/office/powerpoint/2015/09/main">
+    <mc:Choice Requires="p159">
+      <p:transition xmlns:p14="http://schemas.microsoft.com/office/powerpoint/2010/main" spd="slow" p14:dur="2000">
+        <p159:morph option="byObject"/>
+      </p:transition>
+    </mc:Choice>
+    <mc:Fallback xmlns="">
+      <p:transition spd="slow">
+        <p:fade/>
+      </p:transition>
+    </mc:Fallback>
+  </mc:AlternateContent>
+</p:sld>
+</file>
+
+<file path=ppt/slides/slide4.xml><?xml version="1.0" encoding="utf-8"?>
 <p:sld xmlns:a="http://schemas.openxmlformats.org/drawingml/2006/main" xmlns:r="http://schemas.openxmlformats.org/officeDocument/2006/relationships" xmlns:p="http://schemas.openxmlformats.org/presentationml/2006/main">
   <p:cSld>
     <p:bg>
@@ -13160,13 +16383,13 @@
   <p:clrMapOvr>
     <a:masterClrMapping/>
   </p:clrMapOvr>
-  <mc:AlternateContent xmlns:mc="http://schemas.openxmlformats.org/markup-compatibility/2006">
-    <mc:Choice xmlns:p159="http://schemas.microsoft.com/office/powerpoint/2015/09/main" Requires="p159">
+  <mc:AlternateContent xmlns:mc="http://schemas.openxmlformats.org/markup-compatibility/2006" xmlns:p159="http://schemas.microsoft.com/office/powerpoint/2015/09/main">
+    <mc:Choice Requires="p159">
       <p:transition xmlns:p14="http://schemas.microsoft.com/office/powerpoint/2010/main" spd="slow" p14:dur="2000">
         <p159:morph option="byObject"/>
       </p:transition>
     </mc:Choice>
-    <mc:Fallback>
+    <mc:Fallback xmlns="">
       <p:transition spd="slow">
         <p:fade/>
       </p:transition>
@@ -13175,7 +16398,7 @@
 </p:sld>
 </file>
 
-<file path=ppt/slides/slide3.xml><?xml version="1.0" encoding="utf-8"?>
+<file path=ppt/slides/slide5.xml><?xml version="1.0" encoding="utf-8"?>
 <p:sld xmlns:a="http://schemas.openxmlformats.org/drawingml/2006/main" xmlns:r="http://schemas.openxmlformats.org/officeDocument/2006/relationships" xmlns:p="http://schemas.openxmlformats.org/presentationml/2006/main">
   <p:cSld>
     <p:spTree>
@@ -13241,12 +16464,22 @@
           <a:bodyPr anchor="t"/>
           <a:lstStyle/>
           <a:p>
+            <a:pPr>
+              <a:lnSpc>
+                <a:spcPct val="200000"/>
+              </a:lnSpc>
+            </a:pPr>
             <a:r>
               <a:rPr lang="en-US" dirty="0"/>
               <a:t>Flask Framework</a:t>
             </a:r>
           </a:p>
           <a:p>
+            <a:pPr>
+              <a:lnSpc>
+                <a:spcPct val="200000"/>
+              </a:lnSpc>
+            </a:pPr>
             <a:r>
               <a:rPr lang="en-US" dirty="0"/>
               <a:t>Graph Database (Neo4J)</a:t>
@@ -13264,13 +16497,13 @@
   <p:clrMapOvr>
     <a:masterClrMapping/>
   </p:clrMapOvr>
-  <mc:AlternateContent xmlns:mc="http://schemas.openxmlformats.org/markup-compatibility/2006">
-    <mc:Choice xmlns:p159="http://schemas.microsoft.com/office/powerpoint/2015/09/main" Requires="p159">
+  <mc:AlternateContent xmlns:mc="http://schemas.openxmlformats.org/markup-compatibility/2006" xmlns:p159="http://schemas.microsoft.com/office/powerpoint/2015/09/main">
+    <mc:Choice Requires="p159">
       <p:transition xmlns:p14="http://schemas.microsoft.com/office/powerpoint/2010/main" spd="slow" p14:dur="2000">
         <p159:morph option="byObject"/>
       </p:transition>
     </mc:Choice>
-    <mc:Fallback>
+    <mc:Fallback xmlns="">
       <p:transition spd="slow">
         <p:fade/>
       </p:transition>
@@ -13279,7 +16512,7 @@
 </p:sld>
 </file>
 
-<file path=ppt/slides/slide4.xml><?xml version="1.0" encoding="utf-8"?>
+<file path=ppt/slides/slide6.xml><?xml version="1.0" encoding="utf-8"?>
 <p:sld xmlns:a="http://schemas.openxmlformats.org/drawingml/2006/main" xmlns:r="http://schemas.openxmlformats.org/officeDocument/2006/relationships" xmlns:p="http://schemas.openxmlformats.org/presentationml/2006/main">
   <p:cSld>
     <p:spTree>
@@ -13360,13 +16593,13 @@
   <p:clrMapOvr>
     <a:masterClrMapping/>
   </p:clrMapOvr>
-  <mc:AlternateContent xmlns:mc="http://schemas.openxmlformats.org/markup-compatibility/2006">
-    <mc:Choice xmlns:p159="http://schemas.microsoft.com/office/powerpoint/2015/09/main" Requires="p159">
+  <mc:AlternateContent xmlns:mc="http://schemas.openxmlformats.org/markup-compatibility/2006" xmlns:p159="http://schemas.microsoft.com/office/powerpoint/2015/09/main">
+    <mc:Choice Requires="p159">
       <p:transition xmlns:p14="http://schemas.microsoft.com/office/powerpoint/2010/main" spd="slow" p14:dur="2000">
         <p159:morph option="byObject"/>
       </p:transition>
     </mc:Choice>
-    <mc:Fallback>
+    <mc:Fallback xmlns="">
       <p:transition spd="slow">
         <p:fade/>
       </p:transition>
@@ -13375,7 +16608,7 @@
 </p:sld>
 </file>
 
-<file path=ppt/slides/slide5.xml><?xml version="1.0" encoding="utf-8"?>
+<file path=ppt/slides/slide7.xml><?xml version="1.0" encoding="utf-8"?>
 <p:sld xmlns:a="http://schemas.openxmlformats.org/drawingml/2006/main" xmlns:r="http://schemas.openxmlformats.org/officeDocument/2006/relationships" xmlns:p="http://schemas.openxmlformats.org/presentationml/2006/main">
   <p:cSld>
     <p:spTree>
@@ -13455,13 +16688,13 @@
   <p:clrMapOvr>
     <a:masterClrMapping/>
   </p:clrMapOvr>
-  <mc:AlternateContent xmlns:mc="http://schemas.openxmlformats.org/markup-compatibility/2006">
-    <mc:Choice xmlns:p159="http://schemas.microsoft.com/office/powerpoint/2015/09/main" Requires="p159">
+  <mc:AlternateContent xmlns:mc="http://schemas.openxmlformats.org/markup-compatibility/2006" xmlns:p159="http://schemas.microsoft.com/office/powerpoint/2015/09/main">
+    <mc:Choice Requires="p159">
       <p:transition xmlns:p14="http://schemas.microsoft.com/office/powerpoint/2010/main" spd="slow" p14:dur="2000">
         <p159:morph option="byObject"/>
       </p:transition>
     </mc:Choice>
-    <mc:Fallback>
+    <mc:Fallback xmlns="">
       <p:transition spd="slow">
         <p:fade/>
       </p:transition>
@@ -13470,7 +16703,7 @@
 </p:sld>
 </file>
 
-<file path=ppt/slides/slide6.xml><?xml version="1.0" encoding="utf-8"?>
+<file path=ppt/slides/slide8.xml><?xml version="1.0" encoding="utf-8"?>
 <p:sld xmlns:a="http://schemas.openxmlformats.org/drawingml/2006/main" xmlns:r="http://schemas.openxmlformats.org/officeDocument/2006/relationships" xmlns:p="http://schemas.openxmlformats.org/presentationml/2006/main">
   <p:cSld>
     <p:spTree>
@@ -13555,13 +16788,13 @@
   <p:clrMapOvr>
     <a:masterClrMapping/>
   </p:clrMapOvr>
-  <mc:AlternateContent xmlns:mc="http://schemas.openxmlformats.org/markup-compatibility/2006">
-    <mc:Choice xmlns:p159="http://schemas.microsoft.com/office/powerpoint/2015/09/main" Requires="p159">
+  <mc:AlternateContent xmlns:mc="http://schemas.openxmlformats.org/markup-compatibility/2006" xmlns:p159="http://schemas.microsoft.com/office/powerpoint/2015/09/main">
+    <mc:Choice Requires="p159">
       <p:transition xmlns:p14="http://schemas.microsoft.com/office/powerpoint/2010/main" spd="slow" p14:dur="2000">
         <p159:morph option="byObject"/>
       </p:transition>
     </mc:Choice>
-    <mc:Fallback>
+    <mc:Fallback xmlns="">
       <p:transition spd="slow">
         <p:fade/>
       </p:transition>
@@ -13570,7 +16803,7 @@
 </p:sld>
 </file>
 
-<file path=ppt/slides/slide7.xml><?xml version="1.0" encoding="utf-8"?>
+<file path=ppt/slides/slide9.xml><?xml version="1.0" encoding="utf-8"?>
 <p:sld xmlns:a="http://schemas.openxmlformats.org/drawingml/2006/main" xmlns:r="http://schemas.openxmlformats.org/officeDocument/2006/relationships" xmlns:p="http://schemas.openxmlformats.org/presentationml/2006/main">
   <p:cSld>
     <p:spTree>
@@ -13625,213 +16858,13 @@
   <p:clrMapOvr>
     <a:masterClrMapping/>
   </p:clrMapOvr>
-  <mc:AlternateContent xmlns:mc="http://schemas.openxmlformats.org/markup-compatibility/2006">
-    <mc:Choice xmlns:p159="http://schemas.microsoft.com/office/powerpoint/2015/09/main" Requires="p159">
+  <mc:AlternateContent xmlns:mc="http://schemas.openxmlformats.org/markup-compatibility/2006" xmlns:p159="http://schemas.microsoft.com/office/powerpoint/2015/09/main">
+    <mc:Choice Requires="p159">
       <p:transition xmlns:p14="http://schemas.microsoft.com/office/powerpoint/2010/main" spd="slow" p14:dur="2000">
         <p159:morph option="byObject"/>
       </p:transition>
     </mc:Choice>
-    <mc:Fallback>
-      <p:transition spd="slow">
-        <p:fade/>
-      </p:transition>
-    </mc:Fallback>
-  </mc:AlternateContent>
-</p:sld>
-</file>
-
-<file path=ppt/slides/slide8.xml><?xml version="1.0" encoding="utf-8"?>
-<p:sld xmlns:a="http://schemas.openxmlformats.org/drawingml/2006/main" xmlns:r="http://schemas.openxmlformats.org/officeDocument/2006/relationships" xmlns:p="http://schemas.openxmlformats.org/presentationml/2006/main">
-  <p:cSld>
-    <p:spTree>
-      <p:nvGrpSpPr>
-        <p:cNvPr id="1" name=""/>
-        <p:cNvGrpSpPr/>
-        <p:nvPr/>
-      </p:nvGrpSpPr>
-      <p:grpSpPr>
-        <a:xfrm>
-          <a:off x="0" y="0"/>
-          <a:ext cx="0" cy="0"/>
-          <a:chOff x="0" y="0"/>
-          <a:chExt cx="0" cy="0"/>
-        </a:xfrm>
-      </p:grpSpPr>
-      <p:sp>
-        <p:nvSpPr>
-          <p:cNvPr id="4" name="Title 3">
-            <a:extLst>
-              <a:ext uri="{FF2B5EF4-FFF2-40B4-BE49-F238E27FC236}">
-                <a16:creationId xmlns:a16="http://schemas.microsoft.com/office/drawing/2014/main" id="{DB056804-DCC2-473D-8229-101CED2564CC}"/>
-              </a:ext>
-            </a:extLst>
-          </p:cNvPr>
-          <p:cNvSpPr>
-            <a:spLocks noGrp="1"/>
-          </p:cNvSpPr>
-          <p:nvPr>
-            <p:ph type="title"/>
-          </p:nvPr>
-        </p:nvSpPr>
-        <p:spPr/>
-        <p:txBody>
-          <a:bodyPr/>
-          <a:lstStyle/>
-          <a:p>
-            <a:r>
-              <a:rPr lang="en-US" dirty="0"/>
-              <a:t>Crawling – explore Sitemap</a:t>
-            </a:r>
-          </a:p>
-        </p:txBody>
-      </p:sp>
-      <p:pic>
-        <p:nvPicPr>
-          <p:cNvPr id="7" name="Picture 6">
-            <a:extLst>
-              <a:ext uri="{FF2B5EF4-FFF2-40B4-BE49-F238E27FC236}">
-                <a16:creationId xmlns:a16="http://schemas.microsoft.com/office/drawing/2014/main" id="{0A11F817-EBE2-48C8-A946-C3426EA2B920}"/>
-              </a:ext>
-            </a:extLst>
-          </p:cNvPr>
-          <p:cNvPicPr>
-            <a:picLocks noChangeAspect="1"/>
-          </p:cNvPicPr>
-          <p:nvPr/>
-        </p:nvPicPr>
-        <p:blipFill>
-          <a:blip r:embed="rId2"/>
-          <a:stretch>
-            <a:fillRect/>
-          </a:stretch>
-        </p:blipFill>
-        <p:spPr>
-          <a:xfrm>
-            <a:off x="4772121" y="1899820"/>
-            <a:ext cx="2647757" cy="4958179"/>
-          </a:xfrm>
-          <a:prstGeom prst="rect">
-            <a:avLst/>
-          </a:prstGeom>
-        </p:spPr>
-      </p:pic>
-    </p:spTree>
-    <p:extLst>
-      <p:ext uri="{BB962C8B-B14F-4D97-AF65-F5344CB8AC3E}">
-        <p14:creationId xmlns:p14="http://schemas.microsoft.com/office/powerpoint/2010/main" val="1173577491"/>
-      </p:ext>
-    </p:extLst>
-  </p:cSld>
-  <p:clrMapOvr>
-    <a:masterClrMapping/>
-  </p:clrMapOvr>
-  <mc:AlternateContent xmlns:mc="http://schemas.openxmlformats.org/markup-compatibility/2006">
-    <mc:Choice xmlns:p159="http://schemas.microsoft.com/office/powerpoint/2015/09/main" Requires="p159">
-      <p:transition xmlns:p14="http://schemas.microsoft.com/office/powerpoint/2010/main" spd="slow" p14:dur="2000">
-        <p159:morph option="byObject"/>
-      </p:transition>
-    </mc:Choice>
-    <mc:Fallback>
-      <p:transition spd="slow">
-        <p:fade/>
-      </p:transition>
-    </mc:Fallback>
-  </mc:AlternateContent>
-</p:sld>
-</file>
-
-<file path=ppt/slides/slide9.xml><?xml version="1.0" encoding="utf-8"?>
-<p:sld xmlns:a="http://schemas.openxmlformats.org/drawingml/2006/main" xmlns:r="http://schemas.openxmlformats.org/officeDocument/2006/relationships" xmlns:p="http://schemas.openxmlformats.org/presentationml/2006/main">
-  <p:cSld>
-    <p:spTree>
-      <p:nvGrpSpPr>
-        <p:cNvPr id="1" name=""/>
-        <p:cNvGrpSpPr/>
-        <p:nvPr/>
-      </p:nvGrpSpPr>
-      <p:grpSpPr>
-        <a:xfrm>
-          <a:off x="0" y="0"/>
-          <a:ext cx="0" cy="0"/>
-          <a:chOff x="0" y="0"/>
-          <a:chExt cx="0" cy="0"/>
-        </a:xfrm>
-      </p:grpSpPr>
-      <p:sp>
-        <p:nvSpPr>
-          <p:cNvPr id="4" name="Title 3">
-            <a:extLst>
-              <a:ext uri="{FF2B5EF4-FFF2-40B4-BE49-F238E27FC236}">
-                <a16:creationId xmlns:a16="http://schemas.microsoft.com/office/drawing/2014/main" id="{DB056804-DCC2-473D-8229-101CED2564CC}"/>
-              </a:ext>
-            </a:extLst>
-          </p:cNvPr>
-          <p:cNvSpPr>
-            <a:spLocks noGrp="1"/>
-          </p:cNvSpPr>
-          <p:nvPr>
-            <p:ph type="title"/>
-          </p:nvPr>
-        </p:nvSpPr>
-        <p:spPr/>
-        <p:txBody>
-          <a:bodyPr/>
-          <a:lstStyle/>
-          <a:p>
-            <a:r>
-              <a:rPr lang="en-US" dirty="0"/>
-              <a:t>Crawling – explore BY FOLLOWING</a:t>
-            </a:r>
-          </a:p>
-        </p:txBody>
-      </p:sp>
-      <p:pic>
-        <p:nvPicPr>
-          <p:cNvPr id="5" name="Picture 4">
-            <a:extLst>
-              <a:ext uri="{FF2B5EF4-FFF2-40B4-BE49-F238E27FC236}">
-                <a16:creationId xmlns:a16="http://schemas.microsoft.com/office/drawing/2014/main" id="{01E1B4B7-7FC5-4F07-A027-C1398A85125D}"/>
-              </a:ext>
-            </a:extLst>
-          </p:cNvPr>
-          <p:cNvPicPr>
-            <a:picLocks noChangeAspect="1"/>
-          </p:cNvPicPr>
-          <p:nvPr/>
-        </p:nvPicPr>
-        <p:blipFill>
-          <a:blip r:embed="rId2"/>
-          <a:stretch>
-            <a:fillRect/>
-          </a:stretch>
-        </p:blipFill>
-        <p:spPr>
-          <a:xfrm>
-            <a:off x="4978367" y="1890944"/>
-            <a:ext cx="2235265" cy="4934192"/>
-          </a:xfrm>
-          <a:prstGeom prst="rect">
-            <a:avLst/>
-          </a:prstGeom>
-        </p:spPr>
-      </p:pic>
-    </p:spTree>
-    <p:extLst>
-      <p:ext uri="{BB962C8B-B14F-4D97-AF65-F5344CB8AC3E}">
-        <p14:creationId xmlns:p14="http://schemas.microsoft.com/office/powerpoint/2010/main" val="2695168328"/>
-      </p:ext>
-    </p:extLst>
-  </p:cSld>
-  <p:clrMapOvr>
-    <a:masterClrMapping/>
-  </p:clrMapOvr>
-  <mc:AlternateContent xmlns:mc="http://schemas.openxmlformats.org/markup-compatibility/2006">
-    <mc:Choice xmlns:p159="http://schemas.microsoft.com/office/powerpoint/2015/09/main" Requires="p159">
-      <p:transition xmlns:p14="http://schemas.microsoft.com/office/powerpoint/2010/main" spd="slow" p14:dur="2000">
-        <p159:morph option="byObject"/>
-      </p:transition>
-    </mc:Choice>
-    <mc:Fallback>
+    <mc:Fallback xmlns="">
       <p:transition spd="slow">
         <p:fade/>
       </p:transition>
@@ -14709,15 +17742,6 @@
 </file>
 
 <file path=customXml/item2.xml><?xml version="1.0" encoding="utf-8"?>
-<?mso-contentType ?>
-<FormTemplates xmlns="http://schemas.microsoft.com/sharepoint/v3/contenttype/forms">
-  <Display>DocumentLibraryForm</Display>
-  <Edit>DocumentLibraryForm</Edit>
-  <New>DocumentLibraryForm</New>
-</FormTemplates>
-</file>
-
-<file path=customXml/item3.xml><?xml version="1.0" encoding="utf-8"?>
 <ct:contentTypeSchema xmlns:ct="http://schemas.microsoft.com/office/2006/metadata/contentType" xmlns:ma="http://schemas.microsoft.com/office/2006/metadata/properties/metaAttributes" ct:_="" ma:_="" ma:contentTypeName="Document" ma:contentTypeID="0x01010079F111ED35F8CC479449609E8A0923A6" ma:contentTypeVersion="12" ma:contentTypeDescription="Create a new document." ma:contentTypeScope="" ma:versionID="93813dd7ca6ad654711aa0ab317e03a3">
   <xsd:schema xmlns:xsd="http://www.w3.org/2001/XMLSchema" xmlns:xs="http://www.w3.org/2001/XMLSchema" xmlns:p="http://schemas.microsoft.com/office/2006/metadata/properties" xmlns:ns2="71af3243-3dd4-4a8d-8c0d-dd76da1f02a5" xmlns:ns3="16c05727-aa75-4e4a-9b5f-8a80a1165891" targetNamespace="http://schemas.microsoft.com/office/2006/metadata/properties" ma:root="true" ma:fieldsID="f11dc0ce689dd3925e84e4e35398c6e7" ns2:_="" ns3:_="">
     <xsd:import namespace="71af3243-3dd4-4a8d-8c0d-dd76da1f02a5"/>
@@ -14938,6 +17962,15 @@
 </ct:contentTypeSchema>
 </file>
 
+<file path=customXml/item3.xml><?xml version="1.0" encoding="utf-8"?>
+<?mso-contentType ?>
+<FormTemplates xmlns="http://schemas.microsoft.com/sharepoint/v3/contenttype/forms">
+  <Display>DocumentLibraryForm</Display>
+  <Edit>DocumentLibraryForm</Edit>
+  <New>DocumentLibraryForm</New>
+</FormTemplates>
+</file>
+
 <file path=customXml/itemProps1.xml><?xml version="1.0" encoding="utf-8"?>
 <ds:datastoreItem xmlns:ds="http://schemas.openxmlformats.org/officeDocument/2006/customXml" ds:itemID="{55B48092-4A2C-4E16-B971-9ACADFFF69E4}">
   <ds:schemaRefs>
@@ -14949,14 +17982,6 @@
 </file>
 
 <file path=customXml/itemProps2.xml><?xml version="1.0" encoding="utf-8"?>
-<ds:datastoreItem xmlns:ds="http://schemas.openxmlformats.org/officeDocument/2006/customXml" ds:itemID="{3E586370-B0FB-4108-8B4F-329716A22E3A}">
-  <ds:schemaRefs>
-    <ds:schemaRef ds:uri="http://schemas.microsoft.com/sharepoint/v3/contenttype/forms"/>
-  </ds:schemaRefs>
-</ds:datastoreItem>
-</file>
-
-<file path=customXml/itemProps3.xml><?xml version="1.0" encoding="utf-8"?>
 <ds:datastoreItem xmlns:ds="http://schemas.openxmlformats.org/officeDocument/2006/customXml" ds:itemID="{E503B719-B9A6-4DC9-AA9D-06F16B758BCB}">
   <ds:schemaRefs>
     <ds:schemaRef ds:uri="http://schemas.microsoft.com/office/2006/metadata/contentType"/>
@@ -14973,4 +17998,12 @@
     <ds:schemaRef ds:uri="http://schemas.microsoft.com/internal/obd"/>
   </ds:schemaRefs>
 </ds:datastoreItem>
+</file>
+
+<file path=customXml/itemProps3.xml><?xml version="1.0" encoding="utf-8"?>
+<ds:datastoreItem xmlns:ds="http://schemas.openxmlformats.org/officeDocument/2006/customXml" ds:itemID="{3E586370-B0FB-4108-8B4F-329716A22E3A}">
+  <ds:schemaRefs>
+    <ds:schemaRef ds:uri="http://schemas.microsoft.com/sharepoint/v3/contenttype/forms"/>
+  </ds:schemaRefs>
+</ds:datastoreItem>
 </file>
--- a/docs/find_me.pptx
+++ b/docs/find_me.pptx
@@ -16119,7 +16119,7 @@
             <p:ph idx="1"/>
             <p:extLst>
               <p:ext uri="{D42A27DB-BD31-4B8C-83A1-F6EECF244321}">
-                <p14:modId xmlns:p14="http://schemas.microsoft.com/office/powerpoint/2010/main" val="2880866509"/>
+                <p14:modId xmlns:p14="http://schemas.microsoft.com/office/powerpoint/2010/main" val="1217720232"/>
               </p:ext>
             </p:extLst>
           </p:nvPr>
@@ -17733,15 +17733,6 @@
 </file>
 
 <file path=customXml/item1.xml><?xml version="1.0" encoding="utf-8"?>
-<p:properties xmlns:p="http://schemas.microsoft.com/office/2006/metadata/properties" xmlns:xsi="http://www.w3.org/2001/XMLSchema-instance" xmlns:pc="http://schemas.microsoft.com/office/infopath/2007/PartnerControls">
-  <documentManagement>
-    <Status xmlns="71af3243-3dd4-4a8d-8c0d-dd76da1f02a5">Not started</Status>
-    <MediaServiceKeyPoints xmlns="71af3243-3dd4-4a8d-8c0d-dd76da1f02a5" xsi:nil="true"/>
-  </documentManagement>
-</p:properties>
-</file>
-
-<file path=customXml/item2.xml><?xml version="1.0" encoding="utf-8"?>
 <ct:contentTypeSchema xmlns:ct="http://schemas.microsoft.com/office/2006/metadata/contentType" xmlns:ma="http://schemas.microsoft.com/office/2006/metadata/properties/metaAttributes" ct:_="" ma:_="" ma:contentTypeName="Document" ma:contentTypeID="0x01010079F111ED35F8CC479449609E8A0923A6" ma:contentTypeVersion="12" ma:contentTypeDescription="Create a new document." ma:contentTypeScope="" ma:versionID="93813dd7ca6ad654711aa0ab317e03a3">
   <xsd:schema xmlns:xsd="http://www.w3.org/2001/XMLSchema" xmlns:xs="http://www.w3.org/2001/XMLSchema" xmlns:p="http://schemas.microsoft.com/office/2006/metadata/properties" xmlns:ns2="71af3243-3dd4-4a8d-8c0d-dd76da1f02a5" xmlns:ns3="16c05727-aa75-4e4a-9b5f-8a80a1165891" targetNamespace="http://schemas.microsoft.com/office/2006/metadata/properties" ma:root="true" ma:fieldsID="f11dc0ce689dd3925e84e4e35398c6e7" ns2:_="" ns3:_="">
     <xsd:import namespace="71af3243-3dd4-4a8d-8c0d-dd76da1f02a5"/>
@@ -17962,6 +17953,15 @@
 </ct:contentTypeSchema>
 </file>
 
+<file path=customXml/item2.xml><?xml version="1.0" encoding="utf-8"?>
+<p:properties xmlns:p="http://schemas.microsoft.com/office/2006/metadata/properties" xmlns:xsi="http://www.w3.org/2001/XMLSchema-instance" xmlns:pc="http://schemas.microsoft.com/office/infopath/2007/PartnerControls">
+  <documentManagement>
+    <Status xmlns="71af3243-3dd4-4a8d-8c0d-dd76da1f02a5">Not started</Status>
+    <MediaServiceKeyPoints xmlns="71af3243-3dd4-4a8d-8c0d-dd76da1f02a5" xsi:nil="true"/>
+  </documentManagement>
+</p:properties>
+</file>
+
 <file path=customXml/item3.xml><?xml version="1.0" encoding="utf-8"?>
 <?mso-contentType ?>
 <FormTemplates xmlns="http://schemas.microsoft.com/sharepoint/v3/contenttype/forms">
@@ -17972,16 +17972,6 @@
 </file>
 
 <file path=customXml/itemProps1.xml><?xml version="1.0" encoding="utf-8"?>
-<ds:datastoreItem xmlns:ds="http://schemas.openxmlformats.org/officeDocument/2006/customXml" ds:itemID="{55B48092-4A2C-4E16-B971-9ACADFFF69E4}">
-  <ds:schemaRefs>
-    <ds:schemaRef ds:uri="http://schemas.microsoft.com/office/2006/metadata/properties"/>
-    <ds:schemaRef ds:uri="http://schemas.microsoft.com/office/infopath/2007/PartnerControls"/>
-    <ds:schemaRef ds:uri="71af3243-3dd4-4a8d-8c0d-dd76da1f02a5"/>
-  </ds:schemaRefs>
-</ds:datastoreItem>
-</file>
-
-<file path=customXml/itemProps2.xml><?xml version="1.0" encoding="utf-8"?>
 <ds:datastoreItem xmlns:ds="http://schemas.openxmlformats.org/officeDocument/2006/customXml" ds:itemID="{E503B719-B9A6-4DC9-AA9D-06F16B758BCB}">
   <ds:schemaRefs>
     <ds:schemaRef ds:uri="http://schemas.microsoft.com/office/2006/metadata/contentType"/>
@@ -18000,6 +17990,16 @@
 </ds:datastoreItem>
 </file>
 
+<file path=customXml/itemProps2.xml><?xml version="1.0" encoding="utf-8"?>
+<ds:datastoreItem xmlns:ds="http://schemas.openxmlformats.org/officeDocument/2006/customXml" ds:itemID="{55B48092-4A2C-4E16-B971-9ACADFFF69E4}">
+  <ds:schemaRefs>
+    <ds:schemaRef ds:uri="http://schemas.microsoft.com/office/2006/metadata/properties"/>
+    <ds:schemaRef ds:uri="http://schemas.microsoft.com/office/infopath/2007/PartnerControls"/>
+    <ds:schemaRef ds:uri="71af3243-3dd4-4a8d-8c0d-dd76da1f02a5"/>
+  </ds:schemaRefs>
+</ds:datastoreItem>
+</file>
+
 <file path=customXml/itemProps3.xml><?xml version="1.0" encoding="utf-8"?>
 <ds:datastoreItem xmlns:ds="http://schemas.openxmlformats.org/officeDocument/2006/customXml" ds:itemID="{3E586370-B0FB-4108-8B4F-329716A22E3A}">
   <ds:schemaRefs>

--- a/docs/find_me.pptx
+++ b/docs/find_me.pptx
@@ -5,29 +5,36 @@
     <p:sldMasterId id="2147483672" r:id="rId4"/>
   </p:sldMasterIdLst>
   <p:notesMasterIdLst>
-    <p:notesMasterId r:id="rId22"/>
+    <p:notesMasterId r:id="rId29"/>
   </p:notesMasterIdLst>
   <p:handoutMasterIdLst>
-    <p:handoutMasterId r:id="rId23"/>
+    <p:handoutMasterId r:id="rId30"/>
   </p:handoutMasterIdLst>
   <p:sldIdLst>
     <p:sldId id="256" r:id="rId5"/>
     <p:sldId id="274" r:id="rId6"/>
     <p:sldId id="275" r:id="rId7"/>
     <p:sldId id="262" r:id="rId8"/>
-    <p:sldId id="263" r:id="rId9"/>
-    <p:sldId id="273" r:id="rId10"/>
-    <p:sldId id="264" r:id="rId11"/>
-    <p:sldId id="265" r:id="rId12"/>
-    <p:sldId id="266" r:id="rId13"/>
-    <p:sldId id="268" r:id="rId14"/>
-    <p:sldId id="269" r:id="rId15"/>
-    <p:sldId id="270" r:id="rId16"/>
-    <p:sldId id="267" r:id="rId17"/>
-    <p:sldId id="260" r:id="rId18"/>
-    <p:sldId id="271" r:id="rId19"/>
-    <p:sldId id="272" r:id="rId20"/>
-    <p:sldId id="259" r:id="rId21"/>
+    <p:sldId id="277" r:id="rId9"/>
+    <p:sldId id="278" r:id="rId10"/>
+    <p:sldId id="279" r:id="rId11"/>
+    <p:sldId id="263" r:id="rId12"/>
+    <p:sldId id="273" r:id="rId13"/>
+    <p:sldId id="282" r:id="rId14"/>
+    <p:sldId id="265" r:id="rId15"/>
+    <p:sldId id="280" r:id="rId16"/>
+    <p:sldId id="281" r:id="rId17"/>
+    <p:sldId id="268" r:id="rId18"/>
+    <p:sldId id="269" r:id="rId19"/>
+    <p:sldId id="270" r:id="rId20"/>
+    <p:sldId id="285" r:id="rId21"/>
+    <p:sldId id="267" r:id="rId22"/>
+    <p:sldId id="283" r:id="rId23"/>
+    <p:sldId id="284" r:id="rId24"/>
+    <p:sldId id="260" r:id="rId25"/>
+    <p:sldId id="271" r:id="rId26"/>
+    <p:sldId id="272" r:id="rId27"/>
+    <p:sldId id="259" r:id="rId28"/>
   </p:sldIdLst>
   <p:sldSz cx="12192000" cy="6858000"/>
   <p:notesSz cx="6858000" cy="9144000"/>
@@ -1636,6 +1643,755 @@
 </file>
 
 <file path=ppt/diagrams/colors3.xml><?xml version="1.0" encoding="utf-8"?>
+<dgm:colorsDef xmlns:dgm="http://schemas.openxmlformats.org/drawingml/2006/diagram" xmlns:a="http://schemas.openxmlformats.org/drawingml/2006/main" uniqueId="urn:microsoft.com/office/officeart/2018/5/colors/Iconchunking_neutralbg_accent2_2">
+  <dgm:title val=""/>
+  <dgm:desc val=""/>
+  <dgm:catLst>
+    <dgm:cat type="accent2" pri="11200"/>
+  </dgm:catLst>
+  <dgm:styleLbl name="node0">
+    <dgm:fillClrLst meth="repeat">
+      <a:schemeClr val="accent2"/>
+    </dgm:fillClrLst>
+    <dgm:linClrLst meth="repeat">
+      <a:schemeClr val="lt1"/>
+    </dgm:linClrLst>
+    <dgm:effectClrLst/>
+    <dgm:txLinClrLst/>
+    <dgm:txFillClrLst/>
+    <dgm:txEffectClrLst/>
+  </dgm:styleLbl>
+  <dgm:styleLbl name="node1">
+    <dgm:fillClrLst meth="repeat">
+      <a:schemeClr val="accent2"/>
+    </dgm:fillClrLst>
+    <dgm:linClrLst meth="repeat">
+      <a:schemeClr val="lt1">
+        <a:alpha val="0"/>
+      </a:schemeClr>
+    </dgm:linClrLst>
+    <dgm:effectClrLst/>
+    <dgm:txLinClrLst/>
+    <dgm:txFillClrLst/>
+    <dgm:txEffectClrLst/>
+  </dgm:styleLbl>
+  <dgm:styleLbl name="alignNode1">
+    <dgm:fillClrLst meth="repeat">
+      <a:schemeClr val="accent2"/>
+    </dgm:fillClrLst>
+    <dgm:linClrLst meth="repeat">
+      <a:schemeClr val="accent2"/>
+    </dgm:linClrLst>
+    <dgm:effectClrLst/>
+    <dgm:txLinClrLst/>
+    <dgm:txFillClrLst/>
+    <dgm:txEffectClrLst/>
+  </dgm:styleLbl>
+  <dgm:styleLbl name="lnNode1">
+    <dgm:fillClrLst meth="repeat">
+      <a:schemeClr val="accent2"/>
+    </dgm:fillClrLst>
+    <dgm:linClrLst meth="repeat">
+      <a:schemeClr val="lt1"/>
+    </dgm:linClrLst>
+    <dgm:effectClrLst/>
+    <dgm:txLinClrLst/>
+    <dgm:txFillClrLst/>
+    <dgm:txEffectClrLst/>
+  </dgm:styleLbl>
+  <dgm:styleLbl name="vennNode1">
+    <dgm:fillClrLst meth="repeat">
+      <a:schemeClr val="accent2">
+        <a:alpha val="50000"/>
+      </a:schemeClr>
+    </dgm:fillClrLst>
+    <dgm:linClrLst meth="repeat">
+      <a:schemeClr val="lt1"/>
+    </dgm:linClrLst>
+    <dgm:effectClrLst/>
+    <dgm:txLinClrLst/>
+    <dgm:txFillClrLst/>
+    <dgm:txEffectClrLst/>
+  </dgm:styleLbl>
+  <dgm:styleLbl name="node2">
+    <dgm:fillClrLst meth="repeat">
+      <a:schemeClr val="accent2"/>
+    </dgm:fillClrLst>
+    <dgm:linClrLst meth="repeat">
+      <a:schemeClr val="lt1"/>
+    </dgm:linClrLst>
+    <dgm:effectClrLst/>
+    <dgm:txLinClrLst/>
+    <dgm:txFillClrLst/>
+    <dgm:txEffectClrLst/>
+  </dgm:styleLbl>
+  <dgm:styleLbl name="node3">
+    <dgm:fillClrLst meth="repeat">
+      <a:schemeClr val="accent2"/>
+    </dgm:fillClrLst>
+    <dgm:linClrLst meth="repeat">
+      <a:schemeClr val="lt1"/>
+    </dgm:linClrLst>
+    <dgm:effectClrLst/>
+    <dgm:txLinClrLst/>
+    <dgm:txFillClrLst/>
+    <dgm:txEffectClrLst/>
+  </dgm:styleLbl>
+  <dgm:styleLbl name="node4">
+    <dgm:fillClrLst meth="repeat">
+      <a:schemeClr val="accent2"/>
+    </dgm:fillClrLst>
+    <dgm:linClrLst meth="repeat">
+      <a:schemeClr val="lt1"/>
+    </dgm:linClrLst>
+    <dgm:effectClrLst/>
+    <dgm:txLinClrLst/>
+    <dgm:txFillClrLst/>
+    <dgm:txEffectClrLst/>
+  </dgm:styleLbl>
+  <dgm:styleLbl name="fgImgPlace1">
+    <dgm:fillClrLst meth="repeat">
+      <a:schemeClr val="accent2">
+        <a:tint val="50000"/>
+      </a:schemeClr>
+    </dgm:fillClrLst>
+    <dgm:linClrLst meth="repeat">
+      <a:schemeClr val="lt1"/>
+    </dgm:linClrLst>
+    <dgm:effectClrLst/>
+    <dgm:txLinClrLst/>
+    <dgm:txFillClrLst meth="repeat">
+      <a:schemeClr val="lt1"/>
+    </dgm:txFillClrLst>
+    <dgm:txEffectClrLst/>
+  </dgm:styleLbl>
+  <dgm:styleLbl name="alignImgPlace1">
+    <dgm:fillClrLst meth="repeat">
+      <a:schemeClr val="accent2">
+        <a:tint val="50000"/>
+      </a:schemeClr>
+    </dgm:fillClrLst>
+    <dgm:linClrLst meth="repeat">
+      <a:schemeClr val="lt1"/>
+    </dgm:linClrLst>
+    <dgm:effectClrLst/>
+    <dgm:txLinClrLst/>
+    <dgm:txFillClrLst meth="repeat">
+      <a:schemeClr val="lt1"/>
+    </dgm:txFillClrLst>
+    <dgm:txEffectClrLst/>
+  </dgm:styleLbl>
+  <dgm:styleLbl name="bgImgPlace1">
+    <dgm:fillClrLst meth="repeat">
+      <a:schemeClr val="accent2">
+        <a:tint val="50000"/>
+      </a:schemeClr>
+    </dgm:fillClrLst>
+    <dgm:linClrLst meth="repeat">
+      <a:schemeClr val="lt1"/>
+    </dgm:linClrLst>
+    <dgm:effectClrLst/>
+    <dgm:txLinClrLst/>
+    <dgm:txFillClrLst meth="repeat">
+      <a:schemeClr val="lt1"/>
+    </dgm:txFillClrLst>
+    <dgm:txEffectClrLst/>
+  </dgm:styleLbl>
+  <dgm:styleLbl name="sibTrans2D1">
+    <dgm:fillClrLst meth="repeat">
+      <a:schemeClr val="accent2">
+        <a:tint val="60000"/>
+      </a:schemeClr>
+    </dgm:fillClrLst>
+    <dgm:linClrLst meth="repeat">
+      <a:schemeClr val="accent2">
+        <a:tint val="60000"/>
+      </a:schemeClr>
+    </dgm:linClrLst>
+    <dgm:effectClrLst/>
+    <dgm:txLinClrLst/>
+    <dgm:txFillClrLst/>
+    <dgm:txEffectClrLst/>
+  </dgm:styleLbl>
+  <dgm:styleLbl name="fgSibTrans2D1">
+    <dgm:fillClrLst meth="repeat">
+      <a:schemeClr val="accent2">
+        <a:tint val="60000"/>
+      </a:schemeClr>
+    </dgm:fillClrLst>
+    <dgm:linClrLst meth="repeat">
+      <a:schemeClr val="accent2">
+        <a:tint val="60000"/>
+      </a:schemeClr>
+    </dgm:linClrLst>
+    <dgm:effectClrLst/>
+    <dgm:txLinClrLst/>
+    <dgm:txFillClrLst/>
+    <dgm:txEffectClrLst/>
+  </dgm:styleLbl>
+  <dgm:styleLbl name="bgSibTrans2D1">
+    <dgm:fillClrLst meth="repeat">
+      <a:schemeClr val="accent2">
+        <a:tint val="60000"/>
+      </a:schemeClr>
+    </dgm:fillClrLst>
+    <dgm:linClrLst meth="repeat">
+      <a:schemeClr val="accent2">
+        <a:tint val="60000"/>
+      </a:schemeClr>
+    </dgm:linClrLst>
+    <dgm:effectClrLst/>
+    <dgm:txLinClrLst/>
+    <dgm:txFillClrLst/>
+    <dgm:txEffectClrLst/>
+  </dgm:styleLbl>
+  <dgm:styleLbl name="sibTrans1D1">
+    <dgm:fillClrLst meth="repeat">
+      <a:schemeClr val="accent2"/>
+    </dgm:fillClrLst>
+    <dgm:linClrLst meth="repeat">
+      <a:schemeClr val="accent2"/>
+    </dgm:linClrLst>
+    <dgm:effectClrLst/>
+    <dgm:txLinClrLst/>
+    <dgm:txFillClrLst meth="repeat">
+      <a:schemeClr val="tx1"/>
+    </dgm:txFillClrLst>
+    <dgm:txEffectClrLst/>
+  </dgm:styleLbl>
+  <dgm:styleLbl name="callout">
+    <dgm:fillClrLst meth="repeat">
+      <a:schemeClr val="accent2"/>
+    </dgm:fillClrLst>
+    <dgm:linClrLst meth="repeat">
+      <a:schemeClr val="accent2">
+        <a:tint val="50000"/>
+      </a:schemeClr>
+    </dgm:linClrLst>
+    <dgm:effectClrLst/>
+    <dgm:txLinClrLst/>
+    <dgm:txFillClrLst meth="repeat">
+      <a:schemeClr val="tx1"/>
+    </dgm:txFillClrLst>
+    <dgm:txEffectClrLst/>
+  </dgm:styleLbl>
+  <dgm:styleLbl name="asst0">
+    <dgm:fillClrLst meth="repeat">
+      <a:schemeClr val="accent2"/>
+    </dgm:fillClrLst>
+    <dgm:linClrLst meth="repeat">
+      <a:schemeClr val="lt1"/>
+    </dgm:linClrLst>
+    <dgm:effectClrLst/>
+    <dgm:txLinClrLst/>
+    <dgm:txFillClrLst/>
+    <dgm:txEffectClrLst/>
+  </dgm:styleLbl>
+  <dgm:styleLbl name="asst1">
+    <dgm:fillClrLst meth="repeat">
+      <a:schemeClr val="accent2"/>
+    </dgm:fillClrLst>
+    <dgm:linClrLst meth="repeat">
+      <a:schemeClr val="lt1"/>
+    </dgm:linClrLst>
+    <dgm:effectClrLst/>
+    <dgm:txLinClrLst/>
+    <dgm:txFillClrLst/>
+    <dgm:txEffectClrLst/>
+  </dgm:styleLbl>
+  <dgm:styleLbl name="asst2">
+    <dgm:fillClrLst meth="repeat">
+      <a:schemeClr val="accent2"/>
+    </dgm:fillClrLst>
+    <dgm:linClrLst meth="repeat">
+      <a:schemeClr val="lt1"/>
+    </dgm:linClrLst>
+    <dgm:effectClrLst/>
+    <dgm:txLinClrLst/>
+    <dgm:txFillClrLst/>
+    <dgm:txEffectClrLst/>
+  </dgm:styleLbl>
+  <dgm:styleLbl name="asst3">
+    <dgm:fillClrLst meth="repeat">
+      <a:schemeClr val="accent2"/>
+    </dgm:fillClrLst>
+    <dgm:linClrLst meth="repeat">
+      <a:schemeClr val="lt1"/>
+    </dgm:linClrLst>
+    <dgm:effectClrLst/>
+    <dgm:txLinClrLst/>
+    <dgm:txFillClrLst/>
+    <dgm:txEffectClrLst/>
+  </dgm:styleLbl>
+  <dgm:styleLbl name="asst4">
+    <dgm:fillClrLst meth="repeat">
+      <a:schemeClr val="accent2"/>
+    </dgm:fillClrLst>
+    <dgm:linClrLst meth="repeat">
+      <a:schemeClr val="lt1"/>
+    </dgm:linClrLst>
+    <dgm:effectClrLst/>
+    <dgm:txLinClrLst/>
+    <dgm:txFillClrLst/>
+    <dgm:txEffectClrLst/>
+  </dgm:styleLbl>
+  <dgm:styleLbl name="parChTrans2D1">
+    <dgm:fillClrLst meth="repeat">
+      <a:schemeClr val="accent2">
+        <a:tint val="60000"/>
+      </a:schemeClr>
+    </dgm:fillClrLst>
+    <dgm:linClrLst meth="repeat">
+      <a:schemeClr val="accent2">
+        <a:tint val="60000"/>
+      </a:schemeClr>
+    </dgm:linClrLst>
+    <dgm:effectClrLst/>
+    <dgm:txLinClrLst/>
+    <dgm:txFillClrLst meth="repeat">
+      <a:schemeClr val="lt1"/>
+    </dgm:txFillClrLst>
+    <dgm:txEffectClrLst/>
+  </dgm:styleLbl>
+  <dgm:styleLbl name="parChTrans2D2">
+    <dgm:fillClrLst meth="repeat">
+      <a:schemeClr val="accent2"/>
+    </dgm:fillClrLst>
+    <dgm:linClrLst meth="repeat">
+      <a:schemeClr val="accent2"/>
+    </dgm:linClrLst>
+    <dgm:effectClrLst/>
+    <dgm:txLinClrLst/>
+    <dgm:txFillClrLst meth="repeat">
+      <a:schemeClr val="lt1"/>
+    </dgm:txFillClrLst>
+    <dgm:txEffectClrLst/>
+  </dgm:styleLbl>
+  <dgm:styleLbl name="parChTrans2D3">
+    <dgm:fillClrLst meth="repeat">
+      <a:schemeClr val="accent2"/>
+    </dgm:fillClrLst>
+    <dgm:linClrLst meth="repeat">
+      <a:schemeClr val="accent2"/>
+    </dgm:linClrLst>
+    <dgm:effectClrLst/>
+    <dgm:txLinClrLst/>
+    <dgm:txFillClrLst meth="repeat">
+      <a:schemeClr val="lt1"/>
+    </dgm:txFillClrLst>
+    <dgm:txEffectClrLst/>
+  </dgm:styleLbl>
+  <dgm:styleLbl name="parChTrans2D4">
+    <dgm:fillClrLst meth="repeat">
+      <a:schemeClr val="accent2"/>
+    </dgm:fillClrLst>
+    <dgm:linClrLst meth="repeat">
+      <a:schemeClr val="accent2"/>
+    </dgm:linClrLst>
+    <dgm:effectClrLst/>
+    <dgm:txLinClrLst/>
+    <dgm:txFillClrLst meth="repeat">
+      <a:schemeClr val="lt1"/>
+    </dgm:txFillClrLst>
+    <dgm:txEffectClrLst/>
+  </dgm:styleLbl>
+  <dgm:styleLbl name="parChTrans1D1">
+    <dgm:fillClrLst meth="repeat">
+      <a:schemeClr val="accent2"/>
+    </dgm:fillClrLst>
+    <dgm:linClrLst meth="repeat">
+      <a:schemeClr val="accent2">
+        <a:shade val="60000"/>
+      </a:schemeClr>
+    </dgm:linClrLst>
+    <dgm:effectClrLst/>
+    <dgm:txLinClrLst/>
+    <dgm:txFillClrLst meth="repeat">
+      <a:schemeClr val="tx1"/>
+    </dgm:txFillClrLst>
+    <dgm:txEffectClrLst/>
+  </dgm:styleLbl>
+  <dgm:styleLbl name="parChTrans1D2">
+    <dgm:fillClrLst meth="repeat">
+      <a:schemeClr val="accent2"/>
+    </dgm:fillClrLst>
+    <dgm:linClrLst meth="repeat">
+      <a:schemeClr val="accent2">
+        <a:shade val="60000"/>
+      </a:schemeClr>
+    </dgm:linClrLst>
+    <dgm:effectClrLst/>
+    <dgm:txLinClrLst/>
+    <dgm:txFillClrLst meth="repeat">
+      <a:schemeClr val="tx1"/>
+    </dgm:txFillClrLst>
+    <dgm:txEffectClrLst/>
+  </dgm:styleLbl>
+  <dgm:styleLbl name="parChTrans1D3">
+    <dgm:fillClrLst meth="repeat">
+      <a:schemeClr val="accent2"/>
+    </dgm:fillClrLst>
+    <dgm:linClrLst meth="repeat">
+      <a:schemeClr val="accent2">
+        <a:shade val="80000"/>
+      </a:schemeClr>
+    </dgm:linClrLst>
+    <dgm:effectClrLst/>
+    <dgm:txLinClrLst/>
+    <dgm:txFillClrLst meth="repeat">
+      <a:schemeClr val="tx1"/>
+    </dgm:txFillClrLst>
+    <dgm:txEffectClrLst/>
+  </dgm:styleLbl>
+  <dgm:styleLbl name="parChTrans1D4">
+    <dgm:fillClrLst meth="repeat">
+      <a:schemeClr val="accent2"/>
+    </dgm:fillClrLst>
+    <dgm:linClrLst meth="repeat">
+      <a:schemeClr val="accent2">
+        <a:shade val="80000"/>
+      </a:schemeClr>
+    </dgm:linClrLst>
+    <dgm:effectClrLst/>
+    <dgm:txLinClrLst/>
+    <dgm:txFillClrLst meth="repeat">
+      <a:schemeClr val="tx1"/>
+    </dgm:txFillClrLst>
+    <dgm:txEffectClrLst/>
+  </dgm:styleLbl>
+  <dgm:styleLbl name="fgAcc1">
+    <dgm:fillClrLst meth="repeat">
+      <a:schemeClr val="lt1">
+        <a:alpha val="90000"/>
+      </a:schemeClr>
+    </dgm:fillClrLst>
+    <dgm:linClrLst meth="repeat">
+      <a:schemeClr val="accent2"/>
+    </dgm:linClrLst>
+    <dgm:effectClrLst/>
+    <dgm:txLinClrLst/>
+    <dgm:txFillClrLst meth="repeat">
+      <a:schemeClr val="dk1"/>
+    </dgm:txFillClrLst>
+    <dgm:txEffectClrLst/>
+  </dgm:styleLbl>
+  <dgm:styleLbl name="conFgAcc1">
+    <dgm:fillClrLst meth="repeat">
+      <a:schemeClr val="lt1">
+        <a:alpha val="90000"/>
+      </a:schemeClr>
+    </dgm:fillClrLst>
+    <dgm:linClrLst meth="repeat">
+      <a:schemeClr val="accent2"/>
+    </dgm:linClrLst>
+    <dgm:effectClrLst/>
+    <dgm:txLinClrLst/>
+    <dgm:txFillClrLst meth="repeat">
+      <a:schemeClr val="dk1"/>
+    </dgm:txFillClrLst>
+    <dgm:txEffectClrLst/>
+  </dgm:styleLbl>
+  <dgm:styleLbl name="alignAcc1">
+    <dgm:fillClrLst meth="repeat">
+      <a:schemeClr val="lt1">
+        <a:alpha val="90000"/>
+      </a:schemeClr>
+    </dgm:fillClrLst>
+    <dgm:linClrLst meth="repeat">
+      <a:schemeClr val="accent2"/>
+    </dgm:linClrLst>
+    <dgm:effectClrLst/>
+    <dgm:txLinClrLst/>
+    <dgm:txFillClrLst meth="repeat">
+      <a:schemeClr val="dk1"/>
+    </dgm:txFillClrLst>
+    <dgm:txEffectClrLst/>
+  </dgm:styleLbl>
+  <dgm:styleLbl name="trAlignAcc1">
+    <dgm:fillClrLst meth="repeat">
+      <a:schemeClr val="lt1">
+        <a:alpha val="40000"/>
+      </a:schemeClr>
+    </dgm:fillClrLst>
+    <dgm:linClrLst meth="repeat">
+      <a:schemeClr val="accent2"/>
+    </dgm:linClrLst>
+    <dgm:effectClrLst/>
+    <dgm:txLinClrLst/>
+    <dgm:txFillClrLst meth="repeat">
+      <a:schemeClr val="dk1"/>
+    </dgm:txFillClrLst>
+    <dgm:txEffectClrLst/>
+  </dgm:styleLbl>
+  <dgm:styleLbl name="bgAcc1">
+    <dgm:fillClrLst meth="repeat">
+      <a:schemeClr val="lt1">
+        <a:alpha val="90000"/>
+      </a:schemeClr>
+    </dgm:fillClrLst>
+    <dgm:linClrLst meth="repeat">
+      <a:schemeClr val="accent2"/>
+    </dgm:linClrLst>
+    <dgm:effectClrLst/>
+    <dgm:txLinClrLst/>
+    <dgm:txFillClrLst meth="repeat">
+      <a:schemeClr val="dk1"/>
+    </dgm:txFillClrLst>
+    <dgm:txEffectClrLst/>
+  </dgm:styleLbl>
+  <dgm:styleLbl name="solidFgAcc1">
+    <dgm:fillClrLst meth="repeat">
+      <a:schemeClr val="lt1"/>
+    </dgm:fillClrLst>
+    <dgm:linClrLst meth="repeat">
+      <a:schemeClr val="accent2"/>
+    </dgm:linClrLst>
+    <dgm:effectClrLst/>
+    <dgm:txLinClrLst/>
+    <dgm:txFillClrLst meth="repeat">
+      <a:schemeClr val="dk1"/>
+    </dgm:txFillClrLst>
+    <dgm:txEffectClrLst/>
+  </dgm:styleLbl>
+  <dgm:styleLbl name="solidAlignAcc1">
+    <dgm:fillClrLst meth="repeat">
+      <a:schemeClr val="lt1"/>
+    </dgm:fillClrLst>
+    <dgm:linClrLst meth="repeat">
+      <a:schemeClr val="accent2"/>
+    </dgm:linClrLst>
+    <dgm:effectClrLst/>
+    <dgm:txLinClrLst/>
+    <dgm:txFillClrLst meth="repeat">
+      <a:schemeClr val="dk1"/>
+    </dgm:txFillClrLst>
+    <dgm:txEffectClrLst/>
+  </dgm:styleLbl>
+  <dgm:styleLbl name="solidBgAcc1">
+    <dgm:fillClrLst meth="repeat">
+      <a:schemeClr val="lt1"/>
+    </dgm:fillClrLst>
+    <dgm:linClrLst meth="repeat">
+      <a:schemeClr val="accent2"/>
+    </dgm:linClrLst>
+    <dgm:effectClrLst/>
+    <dgm:txLinClrLst/>
+    <dgm:txFillClrLst meth="repeat">
+      <a:schemeClr val="dk1"/>
+    </dgm:txFillClrLst>
+    <dgm:txEffectClrLst/>
+  </dgm:styleLbl>
+  <dgm:styleLbl name="fgAccFollowNode1">
+    <dgm:fillClrLst meth="repeat">
+      <a:schemeClr val="accent2">
+        <a:alpha val="90000"/>
+        <a:tint val="40000"/>
+      </a:schemeClr>
+    </dgm:fillClrLst>
+    <dgm:linClrLst meth="repeat">
+      <a:schemeClr val="accent2">
+        <a:alpha val="90000"/>
+        <a:tint val="40000"/>
+      </a:schemeClr>
+    </dgm:linClrLst>
+    <dgm:effectClrLst/>
+    <dgm:txLinClrLst/>
+    <dgm:txFillClrLst meth="repeat">
+      <a:schemeClr val="dk1"/>
+    </dgm:txFillClrLst>
+    <dgm:txEffectClrLst/>
+  </dgm:styleLbl>
+  <dgm:styleLbl name="alignAccFollowNode1">
+    <dgm:fillClrLst meth="repeat">
+      <a:schemeClr val="accent2">
+        <a:alpha val="90000"/>
+        <a:tint val="40000"/>
+      </a:schemeClr>
+    </dgm:fillClrLst>
+    <dgm:linClrLst meth="repeat">
+      <a:schemeClr val="accent2">
+        <a:alpha val="90000"/>
+        <a:tint val="40000"/>
+      </a:schemeClr>
+    </dgm:linClrLst>
+    <dgm:effectClrLst/>
+    <dgm:txLinClrLst/>
+    <dgm:txFillClrLst meth="repeat">
+      <a:schemeClr val="dk1"/>
+    </dgm:txFillClrLst>
+    <dgm:txEffectClrLst/>
+  </dgm:styleLbl>
+  <dgm:styleLbl name="bgAccFollowNode1">
+    <dgm:fillClrLst meth="repeat">
+      <a:schemeClr val="accent2">
+        <a:alpha val="90000"/>
+        <a:tint val="40000"/>
+      </a:schemeClr>
+    </dgm:fillClrLst>
+    <dgm:linClrLst meth="repeat">
+      <a:schemeClr val="accent2">
+        <a:alpha val="90000"/>
+        <a:tint val="40000"/>
+      </a:schemeClr>
+    </dgm:linClrLst>
+    <dgm:effectClrLst/>
+    <dgm:txLinClrLst/>
+    <dgm:txFillClrLst meth="repeat">
+      <a:schemeClr val="dk1"/>
+    </dgm:txFillClrLst>
+    <dgm:txEffectClrLst/>
+  </dgm:styleLbl>
+  <dgm:styleLbl name="fgAcc0">
+    <dgm:fillClrLst meth="repeat">
+      <a:schemeClr val="lt1">
+        <a:alpha val="90000"/>
+      </a:schemeClr>
+    </dgm:fillClrLst>
+    <dgm:linClrLst meth="repeat">
+      <a:schemeClr val="accent2"/>
+    </dgm:linClrLst>
+    <dgm:effectClrLst/>
+    <dgm:txLinClrLst/>
+    <dgm:txFillClrLst meth="repeat">
+      <a:schemeClr val="dk1"/>
+    </dgm:txFillClrLst>
+    <dgm:txEffectClrLst/>
+  </dgm:styleLbl>
+  <dgm:styleLbl name="fgAcc2">
+    <dgm:fillClrLst meth="repeat">
+      <a:schemeClr val="lt1">
+        <a:alpha val="90000"/>
+      </a:schemeClr>
+    </dgm:fillClrLst>
+    <dgm:linClrLst meth="repeat">
+      <a:schemeClr val="accent2"/>
+    </dgm:linClrLst>
+    <dgm:effectClrLst/>
+    <dgm:txLinClrLst/>
+    <dgm:txFillClrLst meth="repeat">
+      <a:schemeClr val="dk1"/>
+    </dgm:txFillClrLst>
+    <dgm:txEffectClrLst/>
+  </dgm:styleLbl>
+  <dgm:styleLbl name="fgAcc3">
+    <dgm:fillClrLst meth="repeat">
+      <a:schemeClr val="lt1">
+        <a:alpha val="90000"/>
+      </a:schemeClr>
+    </dgm:fillClrLst>
+    <dgm:linClrLst meth="repeat">
+      <a:schemeClr val="accent2"/>
+    </dgm:linClrLst>
+    <dgm:effectClrLst/>
+    <dgm:txLinClrLst/>
+    <dgm:txFillClrLst meth="repeat">
+      <a:schemeClr val="dk1"/>
+    </dgm:txFillClrLst>
+    <dgm:txEffectClrLst/>
+  </dgm:styleLbl>
+  <dgm:styleLbl name="fgAcc4">
+    <dgm:fillClrLst meth="repeat">
+      <a:schemeClr val="lt1">
+        <a:alpha val="90000"/>
+      </a:schemeClr>
+    </dgm:fillClrLst>
+    <dgm:linClrLst meth="repeat">
+      <a:schemeClr val="accent2"/>
+    </dgm:linClrLst>
+    <dgm:effectClrLst/>
+    <dgm:txLinClrLst/>
+    <dgm:txFillClrLst meth="repeat">
+      <a:schemeClr val="dk1"/>
+    </dgm:txFillClrLst>
+    <dgm:txEffectClrLst/>
+  </dgm:styleLbl>
+  <dgm:styleLbl name="bgShp">
+    <dgm:fillClrLst meth="repeat">
+      <a:schemeClr val="bg1">
+        <a:lumMod val="95000"/>
+      </a:schemeClr>
+    </dgm:fillClrLst>
+    <dgm:linClrLst meth="repeat">
+      <a:schemeClr val="accent2"/>
+    </dgm:linClrLst>
+    <dgm:effectClrLst/>
+    <dgm:txLinClrLst/>
+    <dgm:txFillClrLst meth="repeat">
+      <a:schemeClr val="dk1"/>
+    </dgm:txFillClrLst>
+    <dgm:txEffectClrLst/>
+  </dgm:styleLbl>
+  <dgm:styleLbl name="dkBgShp">
+    <dgm:fillClrLst meth="repeat">
+      <a:schemeClr val="accent2">
+        <a:shade val="80000"/>
+      </a:schemeClr>
+    </dgm:fillClrLst>
+    <dgm:linClrLst meth="repeat">
+      <a:schemeClr val="accent2"/>
+    </dgm:linClrLst>
+    <dgm:effectClrLst/>
+    <dgm:txLinClrLst/>
+    <dgm:txFillClrLst meth="repeat">
+      <a:schemeClr val="lt1"/>
+    </dgm:txFillClrLst>
+    <dgm:txEffectClrLst/>
+  </dgm:styleLbl>
+  <dgm:styleLbl name="trBgShp">
+    <dgm:fillClrLst meth="repeat">
+      <a:schemeClr val="accent2">
+        <a:tint val="50000"/>
+        <a:alpha val="40000"/>
+      </a:schemeClr>
+    </dgm:fillClrLst>
+    <dgm:linClrLst meth="repeat">
+      <a:schemeClr val="accent2"/>
+    </dgm:linClrLst>
+    <dgm:effectClrLst/>
+    <dgm:txLinClrLst/>
+    <dgm:txFillClrLst meth="repeat">
+      <a:schemeClr val="lt1"/>
+    </dgm:txFillClrLst>
+    <dgm:txEffectClrLst/>
+  </dgm:styleLbl>
+  <dgm:styleLbl name="fgShp">
+    <dgm:fillClrLst meth="repeat">
+      <a:schemeClr val="accent2">
+        <a:tint val="60000"/>
+      </a:schemeClr>
+    </dgm:fillClrLst>
+    <dgm:linClrLst meth="repeat">
+      <a:schemeClr val="lt1"/>
+    </dgm:linClrLst>
+    <dgm:effectClrLst/>
+    <dgm:txLinClrLst/>
+    <dgm:txFillClrLst meth="repeat">
+      <a:schemeClr val="dk1"/>
+    </dgm:txFillClrLst>
+    <dgm:txEffectClrLst/>
+  </dgm:styleLbl>
+  <dgm:styleLbl name="revTx">
+    <dgm:fillClrLst meth="repeat">
+      <a:schemeClr val="lt1">
+        <a:alpha val="0"/>
+      </a:schemeClr>
+    </dgm:fillClrLst>
+    <dgm:linClrLst meth="repeat">
+      <a:schemeClr val="dk1">
+        <a:alpha val="0"/>
+      </a:schemeClr>
+    </dgm:linClrLst>
+    <dgm:effectClrLst/>
+    <dgm:txLinClrLst/>
+    <dgm:txFillClrLst meth="repeat">
+      <a:schemeClr val="tx1"/>
+    </dgm:txFillClrLst>
+    <dgm:txEffectClrLst/>
+  </dgm:styleLbl>
+</dgm:colorsDef>
+</file>
+
+<file path=ppt/diagrams/colors4.xml><?xml version="1.0" encoding="utf-8"?>
 <dgm:colorsDef xmlns:dgm="http://schemas.openxmlformats.org/drawingml/2006/diagram" xmlns:a="http://schemas.openxmlformats.org/drawingml/2006/main" uniqueId="urn:microsoft.com/office/officeart/2005/8/colors/accent2_2">
   <dgm:title val=""/>
   <dgm:desc val=""/>
@@ -3070,6 +3826,351 @@
 </file>
 
 <file path=ppt/diagrams/data3.xml><?xml version="1.0" encoding="utf-8"?>
+<dgm:dataModel xmlns:dgm="http://schemas.openxmlformats.org/drawingml/2006/diagram" xmlns:a="http://schemas.openxmlformats.org/drawingml/2006/main">
+  <dgm:ptLst>
+    <dgm:pt modelId="{7D9C16A6-8C48-4165-8DAF-8C957C12A8FA}" type="doc">
+      <dgm:prSet loTypeId="urn:microsoft.com/office/officeart/2018/2/layout/IconLabelList" loCatId="icon" qsTypeId="urn:microsoft.com/office/officeart/2005/8/quickstyle/simple1" qsCatId="simple" csTypeId="urn:microsoft.com/office/officeart/2018/5/colors/Iconchunking_neutralbg_accent2_2" csCatId="accent2" phldr="1"/>
+      <dgm:spPr/>
+      <dgm:t>
+        <a:bodyPr/>
+        <a:lstStyle/>
+        <a:p>
+          <a:endParaRPr lang="en-US"/>
+        </a:p>
+      </dgm:t>
+    </dgm:pt>
+    <dgm:pt modelId="{701D68F5-42F8-47BC-8FED-84C50F595DF0}">
+      <dgm:prSet phldrT="[Text]"/>
+      <dgm:spPr/>
+      <dgm:t>
+        <a:bodyPr/>
+        <a:lstStyle/>
+        <a:p>
+          <a:r>
+            <a:rPr lang="en-ZA" dirty="0"/>
+            <a:t>Crawling</a:t>
+          </a:r>
+          <a:endParaRPr lang="en-US" dirty="0"/>
+        </a:p>
+      </dgm:t>
+    </dgm:pt>
+    <dgm:pt modelId="{9617668C-C38C-4017-8DDF-37855B15D110}" type="parTrans" cxnId="{C4BA385D-31ED-40EF-A5D6-98DFBA64E71A}">
+      <dgm:prSet/>
+      <dgm:spPr/>
+      <dgm:t>
+        <a:bodyPr/>
+        <a:lstStyle/>
+        <a:p>
+          <a:endParaRPr lang="en-US"/>
+        </a:p>
+      </dgm:t>
+    </dgm:pt>
+    <dgm:pt modelId="{0C95B389-AC0C-4055-9AA3-38815EFC8B0A}" type="sibTrans" cxnId="{C4BA385D-31ED-40EF-A5D6-98DFBA64E71A}">
+      <dgm:prSet/>
+      <dgm:spPr/>
+      <dgm:t>
+        <a:bodyPr/>
+        <a:lstStyle/>
+        <a:p>
+          <a:endParaRPr lang="en-US"/>
+        </a:p>
+      </dgm:t>
+    </dgm:pt>
+    <dgm:pt modelId="{91A66877-AC1C-46D9-BF2C-6024B638DEA9}">
+      <dgm:prSet phldrT="[Text]"/>
+      <dgm:spPr/>
+      <dgm:t>
+        <a:bodyPr/>
+        <a:lstStyle/>
+        <a:p>
+          <a:r>
+            <a:rPr lang="en-US" dirty="0"/>
+            <a:t>Indexing</a:t>
+          </a:r>
+        </a:p>
+      </dgm:t>
+    </dgm:pt>
+    <dgm:pt modelId="{913FED05-DF41-48A7-B1F8-81937A468EF9}" type="parTrans" cxnId="{7F0DAB6F-9257-4F2D-B31A-3418F73F6952}">
+      <dgm:prSet/>
+      <dgm:spPr/>
+      <dgm:t>
+        <a:bodyPr/>
+        <a:lstStyle/>
+        <a:p>
+          <a:endParaRPr lang="en-US"/>
+        </a:p>
+      </dgm:t>
+    </dgm:pt>
+    <dgm:pt modelId="{BFCE4A28-C381-46FF-935A-B11534EF7D87}" type="sibTrans" cxnId="{7F0DAB6F-9257-4F2D-B31A-3418F73F6952}">
+      <dgm:prSet/>
+      <dgm:spPr/>
+      <dgm:t>
+        <a:bodyPr/>
+        <a:lstStyle/>
+        <a:p>
+          <a:endParaRPr lang="en-US"/>
+        </a:p>
+      </dgm:t>
+    </dgm:pt>
+    <dgm:pt modelId="{76CC3289-2662-43F0-A3C6-BA04A135F08C}">
+      <dgm:prSet phldrT="[Text]"/>
+      <dgm:spPr/>
+      <dgm:t>
+        <a:bodyPr/>
+        <a:lstStyle/>
+        <a:p>
+          <a:r>
+            <a:rPr lang="en-US" dirty="0"/>
+            <a:t>Ranking</a:t>
+          </a:r>
+        </a:p>
+      </dgm:t>
+    </dgm:pt>
+    <dgm:pt modelId="{D46DB4DA-1442-4ECE-89FE-BBB1E3489E3D}" type="parTrans" cxnId="{0400886E-8A1A-44C2-95A7-DB0EF4911494}">
+      <dgm:prSet/>
+      <dgm:spPr/>
+      <dgm:t>
+        <a:bodyPr/>
+        <a:lstStyle/>
+        <a:p>
+          <a:endParaRPr lang="en-US"/>
+        </a:p>
+      </dgm:t>
+    </dgm:pt>
+    <dgm:pt modelId="{FA28C9D6-476E-43CD-BA23-D6D990FD78D0}" type="sibTrans" cxnId="{0400886E-8A1A-44C2-95A7-DB0EF4911494}">
+      <dgm:prSet/>
+      <dgm:spPr/>
+      <dgm:t>
+        <a:bodyPr/>
+        <a:lstStyle/>
+        <a:p>
+          <a:endParaRPr lang="en-US"/>
+        </a:p>
+      </dgm:t>
+    </dgm:pt>
+    <dgm:pt modelId="{8994D886-A75F-411A-A9D7-D31991FF12BD}" type="pres">
+      <dgm:prSet presAssocID="{7D9C16A6-8C48-4165-8DAF-8C957C12A8FA}" presName="root" presStyleCnt="0">
+        <dgm:presLayoutVars>
+          <dgm:dir/>
+          <dgm:resizeHandles val="exact"/>
+        </dgm:presLayoutVars>
+      </dgm:prSet>
+      <dgm:spPr/>
+    </dgm:pt>
+    <dgm:pt modelId="{E1DBA6D5-BD14-4CD2-A0CC-80F867FEFA81}" type="pres">
+      <dgm:prSet presAssocID="{701D68F5-42F8-47BC-8FED-84C50F595DF0}" presName="compNode" presStyleCnt="0"/>
+      <dgm:spPr/>
+    </dgm:pt>
+    <dgm:pt modelId="{19A8DC21-3E65-409D-AD53-DA51BB9198A0}" type="pres">
+      <dgm:prSet presAssocID="{701D68F5-42F8-47BC-8FED-84C50F595DF0}" presName="iconRect" presStyleLbl="node1" presStyleIdx="0" presStyleCnt="3" custScaleX="157625" custScaleY="157625"/>
+      <dgm:spPr>
+        <a:blipFill>
+          <a:blip xmlns:r="http://schemas.openxmlformats.org/officeDocument/2006/relationships" r:embed="rId1">
+            <a:duotone>
+              <a:schemeClr val="accent2">
+                <a:hueOff val="0"/>
+                <a:satOff val="0"/>
+                <a:lumOff val="0"/>
+                <a:alphaOff val="0"/>
+                <a:shade val="20000"/>
+                <a:satMod val="200000"/>
+              </a:schemeClr>
+              <a:schemeClr val="accent2">
+                <a:hueOff val="0"/>
+                <a:satOff val="0"/>
+                <a:lumOff val="0"/>
+                <a:alphaOff val="0"/>
+                <a:tint val="12000"/>
+                <a:satMod val="190000"/>
+              </a:schemeClr>
+            </a:duotone>
+            <a:extLst>
+              <a:ext uri="{28A0092B-C50C-407E-A947-70E740481C1C}">
+                <a14:useLocalDpi xmlns:a14="http://schemas.microsoft.com/office/drawing/2010/main" val="0"/>
+              </a:ext>
+            </a:extLst>
+          </a:blip>
+          <a:srcRect/>
+          <a:stretch>
+            <a:fillRect/>
+          </a:stretch>
+        </a:blipFill>
+        <a:ln>
+          <a:noFill/>
+        </a:ln>
+      </dgm:spPr>
+    </dgm:pt>
+    <dgm:pt modelId="{B9F90A48-FF94-4C94-A587-0190406F6FD3}" type="pres">
+      <dgm:prSet presAssocID="{701D68F5-42F8-47BC-8FED-84C50F595DF0}" presName="spaceRect" presStyleCnt="0"/>
+      <dgm:spPr/>
+    </dgm:pt>
+    <dgm:pt modelId="{A99B5DD6-89E9-4537-B415-4205CEB9323A}" type="pres">
+      <dgm:prSet presAssocID="{701D68F5-42F8-47BC-8FED-84C50F595DF0}" presName="textRect" presStyleLbl="revTx" presStyleIdx="0" presStyleCnt="3">
+        <dgm:presLayoutVars>
+          <dgm:chMax val="1"/>
+          <dgm:chPref val="1"/>
+        </dgm:presLayoutVars>
+      </dgm:prSet>
+      <dgm:spPr/>
+    </dgm:pt>
+    <dgm:pt modelId="{8B391436-B9B0-45BD-A57F-792D6376D868}" type="pres">
+      <dgm:prSet presAssocID="{0C95B389-AC0C-4055-9AA3-38815EFC8B0A}" presName="sibTrans" presStyleCnt="0"/>
+      <dgm:spPr/>
+    </dgm:pt>
+    <dgm:pt modelId="{95872155-C45D-46D3-874C-D838089A06F8}" type="pres">
+      <dgm:prSet presAssocID="{91A66877-AC1C-46D9-BF2C-6024B638DEA9}" presName="compNode" presStyleCnt="0"/>
+      <dgm:spPr/>
+    </dgm:pt>
+    <dgm:pt modelId="{CE9DF0E8-B0DE-4E1E-9FF4-6006AD8428DB}" type="pres">
+      <dgm:prSet presAssocID="{91A66877-AC1C-46D9-BF2C-6024B638DEA9}" presName="iconRect" presStyleLbl="node1" presStyleIdx="1" presStyleCnt="3" custScaleX="157625" custScaleY="157625"/>
+      <dgm:spPr>
+        <a:blipFill>
+          <a:blip xmlns:r="http://schemas.openxmlformats.org/officeDocument/2006/relationships" r:embed="rId2">
+            <a:duotone>
+              <a:schemeClr val="accent2">
+                <a:hueOff val="0"/>
+                <a:satOff val="0"/>
+                <a:lumOff val="0"/>
+                <a:alphaOff val="0"/>
+                <a:shade val="20000"/>
+                <a:satMod val="200000"/>
+              </a:schemeClr>
+              <a:schemeClr val="accent2">
+                <a:hueOff val="0"/>
+                <a:satOff val="0"/>
+                <a:lumOff val="0"/>
+                <a:alphaOff val="0"/>
+                <a:tint val="12000"/>
+                <a:satMod val="190000"/>
+              </a:schemeClr>
+            </a:duotone>
+            <a:extLst>
+              <a:ext uri="{28A0092B-C50C-407E-A947-70E740481C1C}">
+                <a14:useLocalDpi xmlns:a14="http://schemas.microsoft.com/office/drawing/2010/main" val="0"/>
+              </a:ext>
+            </a:extLst>
+          </a:blip>
+          <a:srcRect/>
+          <a:stretch>
+            <a:fillRect/>
+          </a:stretch>
+        </a:blipFill>
+        <a:ln>
+          <a:noFill/>
+        </a:ln>
+      </dgm:spPr>
+    </dgm:pt>
+    <dgm:pt modelId="{AA0423A1-55B2-45E9-BFE7-3FBE5BDA65ED}" type="pres">
+      <dgm:prSet presAssocID="{91A66877-AC1C-46D9-BF2C-6024B638DEA9}" presName="spaceRect" presStyleCnt="0"/>
+      <dgm:spPr/>
+    </dgm:pt>
+    <dgm:pt modelId="{55120873-6F5C-4053-8EAD-6287A7F1097E}" type="pres">
+      <dgm:prSet presAssocID="{91A66877-AC1C-46D9-BF2C-6024B638DEA9}" presName="textRect" presStyleLbl="revTx" presStyleIdx="1" presStyleCnt="3">
+        <dgm:presLayoutVars>
+          <dgm:chMax val="1"/>
+          <dgm:chPref val="1"/>
+        </dgm:presLayoutVars>
+      </dgm:prSet>
+      <dgm:spPr/>
+    </dgm:pt>
+    <dgm:pt modelId="{F679C986-30E4-4F0A-A3A6-CAE528BFED76}" type="pres">
+      <dgm:prSet presAssocID="{BFCE4A28-C381-46FF-935A-B11534EF7D87}" presName="sibTrans" presStyleCnt="0"/>
+      <dgm:spPr/>
+    </dgm:pt>
+    <dgm:pt modelId="{2EC2FDE3-8908-45C7-A3FD-EB370213FE69}" type="pres">
+      <dgm:prSet presAssocID="{76CC3289-2662-43F0-A3C6-BA04A135F08C}" presName="compNode" presStyleCnt="0"/>
+      <dgm:spPr/>
+    </dgm:pt>
+    <dgm:pt modelId="{6DB1FE51-13D0-4A38-AD6E-48D4371A1AF3}" type="pres">
+      <dgm:prSet presAssocID="{76CC3289-2662-43F0-A3C6-BA04A135F08C}" presName="iconRect" presStyleLbl="node1" presStyleIdx="2" presStyleCnt="3" custScaleX="157625" custScaleY="157625"/>
+      <dgm:spPr>
+        <a:blipFill>
+          <a:blip xmlns:r="http://schemas.openxmlformats.org/officeDocument/2006/relationships" r:embed="rId3">
+            <a:duotone>
+              <a:schemeClr val="accent2">
+                <a:hueOff val="0"/>
+                <a:satOff val="0"/>
+                <a:lumOff val="0"/>
+                <a:alphaOff val="0"/>
+                <a:shade val="20000"/>
+                <a:satMod val="200000"/>
+              </a:schemeClr>
+              <a:schemeClr val="accent2">
+                <a:hueOff val="0"/>
+                <a:satOff val="0"/>
+                <a:lumOff val="0"/>
+                <a:alphaOff val="0"/>
+                <a:tint val="12000"/>
+                <a:satMod val="190000"/>
+              </a:schemeClr>
+            </a:duotone>
+            <a:extLst>
+              <a:ext uri="{28A0092B-C50C-407E-A947-70E740481C1C}">
+                <a14:useLocalDpi xmlns:a14="http://schemas.microsoft.com/office/drawing/2010/main" val="0"/>
+              </a:ext>
+            </a:extLst>
+          </a:blip>
+          <a:srcRect/>
+          <a:stretch>
+            <a:fillRect/>
+          </a:stretch>
+        </a:blipFill>
+        <a:ln>
+          <a:noFill/>
+        </a:ln>
+      </dgm:spPr>
+    </dgm:pt>
+    <dgm:pt modelId="{0928538A-05CC-4A79-BD5D-92F985D1EEE5}" type="pres">
+      <dgm:prSet presAssocID="{76CC3289-2662-43F0-A3C6-BA04A135F08C}" presName="spaceRect" presStyleCnt="0"/>
+      <dgm:spPr/>
+    </dgm:pt>
+    <dgm:pt modelId="{133097FC-B1F8-4953-B0AB-E8E73D968D1C}" type="pres">
+      <dgm:prSet presAssocID="{76CC3289-2662-43F0-A3C6-BA04A135F08C}" presName="textRect" presStyleLbl="revTx" presStyleIdx="2" presStyleCnt="3">
+        <dgm:presLayoutVars>
+          <dgm:chMax val="1"/>
+          <dgm:chPref val="1"/>
+        </dgm:presLayoutVars>
+      </dgm:prSet>
+      <dgm:spPr/>
+    </dgm:pt>
+  </dgm:ptLst>
+  <dgm:cxnLst>
+    <dgm:cxn modelId="{1B8CB22C-9648-419B-97E9-4AA6C3555723}" type="presOf" srcId="{701D68F5-42F8-47BC-8FED-84C50F595DF0}" destId="{A99B5DD6-89E9-4537-B415-4205CEB9323A}" srcOrd="0" destOrd="0" presId="urn:microsoft.com/office/officeart/2018/2/layout/IconLabelList"/>
+    <dgm:cxn modelId="{C4BA385D-31ED-40EF-A5D6-98DFBA64E71A}" srcId="{7D9C16A6-8C48-4165-8DAF-8C957C12A8FA}" destId="{701D68F5-42F8-47BC-8FED-84C50F595DF0}" srcOrd="0" destOrd="0" parTransId="{9617668C-C38C-4017-8DDF-37855B15D110}" sibTransId="{0C95B389-AC0C-4055-9AA3-38815EFC8B0A}"/>
+    <dgm:cxn modelId="{5574CC64-4BF2-43BE-BABC-6DF1E58A4C74}" type="presOf" srcId="{7D9C16A6-8C48-4165-8DAF-8C957C12A8FA}" destId="{8994D886-A75F-411A-A9D7-D31991FF12BD}" srcOrd="0" destOrd="0" presId="urn:microsoft.com/office/officeart/2018/2/layout/IconLabelList"/>
+    <dgm:cxn modelId="{0400886E-8A1A-44C2-95A7-DB0EF4911494}" srcId="{7D9C16A6-8C48-4165-8DAF-8C957C12A8FA}" destId="{76CC3289-2662-43F0-A3C6-BA04A135F08C}" srcOrd="2" destOrd="0" parTransId="{D46DB4DA-1442-4ECE-89FE-BBB1E3489E3D}" sibTransId="{FA28C9D6-476E-43CD-BA23-D6D990FD78D0}"/>
+    <dgm:cxn modelId="{7F0DAB6F-9257-4F2D-B31A-3418F73F6952}" srcId="{7D9C16A6-8C48-4165-8DAF-8C957C12A8FA}" destId="{91A66877-AC1C-46D9-BF2C-6024B638DEA9}" srcOrd="1" destOrd="0" parTransId="{913FED05-DF41-48A7-B1F8-81937A468EF9}" sibTransId="{BFCE4A28-C381-46FF-935A-B11534EF7D87}"/>
+    <dgm:cxn modelId="{EC5C6E85-C523-4B60-976B-342F12E3A6CB}" type="presOf" srcId="{91A66877-AC1C-46D9-BF2C-6024B638DEA9}" destId="{55120873-6F5C-4053-8EAD-6287A7F1097E}" srcOrd="0" destOrd="0" presId="urn:microsoft.com/office/officeart/2018/2/layout/IconLabelList"/>
+    <dgm:cxn modelId="{6E31C6AB-C9E6-448F-A8CC-566A63619D4D}" type="presOf" srcId="{76CC3289-2662-43F0-A3C6-BA04A135F08C}" destId="{133097FC-B1F8-4953-B0AB-E8E73D968D1C}" srcOrd="0" destOrd="0" presId="urn:microsoft.com/office/officeart/2018/2/layout/IconLabelList"/>
+    <dgm:cxn modelId="{2AD6E781-3ED2-484E-B438-73386D2C583D}" type="presParOf" srcId="{8994D886-A75F-411A-A9D7-D31991FF12BD}" destId="{E1DBA6D5-BD14-4CD2-A0CC-80F867FEFA81}" srcOrd="0" destOrd="0" presId="urn:microsoft.com/office/officeart/2018/2/layout/IconLabelList"/>
+    <dgm:cxn modelId="{10B2B212-528C-471D-ABD0-D66ED992B833}" type="presParOf" srcId="{E1DBA6D5-BD14-4CD2-A0CC-80F867FEFA81}" destId="{19A8DC21-3E65-409D-AD53-DA51BB9198A0}" srcOrd="0" destOrd="0" presId="urn:microsoft.com/office/officeart/2018/2/layout/IconLabelList"/>
+    <dgm:cxn modelId="{2A8FB3D0-F98B-4F5A-BACA-4315E38776FB}" type="presParOf" srcId="{E1DBA6D5-BD14-4CD2-A0CC-80F867FEFA81}" destId="{B9F90A48-FF94-4C94-A587-0190406F6FD3}" srcOrd="1" destOrd="0" presId="urn:microsoft.com/office/officeart/2018/2/layout/IconLabelList"/>
+    <dgm:cxn modelId="{95FEF629-9884-451C-89B4-41B897ABE3D6}" type="presParOf" srcId="{E1DBA6D5-BD14-4CD2-A0CC-80F867FEFA81}" destId="{A99B5DD6-89E9-4537-B415-4205CEB9323A}" srcOrd="2" destOrd="0" presId="urn:microsoft.com/office/officeart/2018/2/layout/IconLabelList"/>
+    <dgm:cxn modelId="{0FE6827F-DE80-4F8A-8E9D-7F88C0F7EF29}" type="presParOf" srcId="{8994D886-A75F-411A-A9D7-D31991FF12BD}" destId="{8B391436-B9B0-45BD-A57F-792D6376D868}" srcOrd="1" destOrd="0" presId="urn:microsoft.com/office/officeart/2018/2/layout/IconLabelList"/>
+    <dgm:cxn modelId="{4857BE3A-D518-473D-AC79-7B9BF18B9824}" type="presParOf" srcId="{8994D886-A75F-411A-A9D7-D31991FF12BD}" destId="{95872155-C45D-46D3-874C-D838089A06F8}" srcOrd="2" destOrd="0" presId="urn:microsoft.com/office/officeart/2018/2/layout/IconLabelList"/>
+    <dgm:cxn modelId="{B4B325C4-81F2-4B3E-8CBF-4532B0BFA343}" type="presParOf" srcId="{95872155-C45D-46D3-874C-D838089A06F8}" destId="{CE9DF0E8-B0DE-4E1E-9FF4-6006AD8428DB}" srcOrd="0" destOrd="0" presId="urn:microsoft.com/office/officeart/2018/2/layout/IconLabelList"/>
+    <dgm:cxn modelId="{0AE6D335-6E55-47E1-BAD8-0368620AB8F6}" type="presParOf" srcId="{95872155-C45D-46D3-874C-D838089A06F8}" destId="{AA0423A1-55B2-45E9-BFE7-3FBE5BDA65ED}" srcOrd="1" destOrd="0" presId="urn:microsoft.com/office/officeart/2018/2/layout/IconLabelList"/>
+    <dgm:cxn modelId="{AFEE8CCD-97FE-4EFA-A584-DF6AFDAD2B20}" type="presParOf" srcId="{95872155-C45D-46D3-874C-D838089A06F8}" destId="{55120873-6F5C-4053-8EAD-6287A7F1097E}" srcOrd="2" destOrd="0" presId="urn:microsoft.com/office/officeart/2018/2/layout/IconLabelList"/>
+    <dgm:cxn modelId="{26649F18-C204-4047-8300-905486AB3755}" type="presParOf" srcId="{8994D886-A75F-411A-A9D7-D31991FF12BD}" destId="{F679C986-30E4-4F0A-A3A6-CAE528BFED76}" srcOrd="3" destOrd="0" presId="urn:microsoft.com/office/officeart/2018/2/layout/IconLabelList"/>
+    <dgm:cxn modelId="{898D629F-DA37-435F-A0B2-0617605D711A}" type="presParOf" srcId="{8994D886-A75F-411A-A9D7-D31991FF12BD}" destId="{2EC2FDE3-8908-45C7-A3FD-EB370213FE69}" srcOrd="4" destOrd="0" presId="urn:microsoft.com/office/officeart/2018/2/layout/IconLabelList"/>
+    <dgm:cxn modelId="{2BDADB1C-15B1-4763-9B35-3792147F8F87}" type="presParOf" srcId="{2EC2FDE3-8908-45C7-A3FD-EB370213FE69}" destId="{6DB1FE51-13D0-4A38-AD6E-48D4371A1AF3}" srcOrd="0" destOrd="0" presId="urn:microsoft.com/office/officeart/2018/2/layout/IconLabelList"/>
+    <dgm:cxn modelId="{F692F1E6-C6EC-4391-8432-EB6C34194240}" type="presParOf" srcId="{2EC2FDE3-8908-45C7-A3FD-EB370213FE69}" destId="{0928538A-05CC-4A79-BD5D-92F985D1EEE5}" srcOrd="1" destOrd="0" presId="urn:microsoft.com/office/officeart/2018/2/layout/IconLabelList"/>
+    <dgm:cxn modelId="{0E6AF6C4-A4E5-4234-9E16-F9F2334264CD}" type="presParOf" srcId="{2EC2FDE3-8908-45C7-A3FD-EB370213FE69}" destId="{133097FC-B1F8-4953-B0AB-E8E73D968D1C}" srcOrd="2" destOrd="0" presId="urn:microsoft.com/office/officeart/2018/2/layout/IconLabelList"/>
+  </dgm:cxnLst>
+  <dgm:bg/>
+  <dgm:whole/>
+  <dgm:extLst>
+    <a:ext uri="http://schemas.microsoft.com/office/drawing/2008/diagram">
+      <dsp:dataModelExt xmlns:dsp="http://schemas.microsoft.com/office/drawing/2008/diagram" relId="rId7" minVer="http://schemas.openxmlformats.org/drawingml/2006/diagram"/>
+    </a:ext>
+    <a:ext uri="{C62137D5-CB1D-491B-B009-E17868A290BF}">
+      <dgm14:recolorImg xmlns:dgm14="http://schemas.microsoft.com/office/drawing/2010/diagram" val="1"/>
+    </a:ext>
+  </dgm:extLst>
+</dgm:dataModel>
+</file>
+
+<file path=ppt/diagrams/data4.xml><?xml version="1.0" encoding="utf-8"?>
 <dgm:dataModel xmlns:dgm="http://schemas.openxmlformats.org/drawingml/2006/diagram" xmlns:a="http://schemas.openxmlformats.org/drawingml/2006/main">
   <dgm:ptLst>
     <dgm:pt modelId="{7E5AA53B-3EEE-4DE4-BB81-9044890C2946}" type="doc">
@@ -4105,6 +5206,394 @@
       <dsp:cNvGrpSpPr/>
     </dsp:nvGrpSpPr>
     <dsp:grpSpPr/>
+    <dsp:sp modelId="{19A8DC21-3E65-409D-AD53-DA51BB9198A0}">
+      <dsp:nvSpPr>
+        <dsp:cNvPr id="0" name=""/>
+        <dsp:cNvSpPr/>
+      </dsp:nvSpPr>
+      <dsp:spPr>
+        <a:xfrm>
+          <a:off x="523237" y="494935"/>
+          <a:ext cx="2285995" cy="2285995"/>
+        </a:xfrm>
+        <a:prstGeom prst="rect">
+          <a:avLst/>
+        </a:prstGeom>
+        <a:blipFill>
+          <a:blip xmlns:r="http://schemas.openxmlformats.org/officeDocument/2006/relationships" r:embed="rId1">
+            <a:duotone>
+              <a:schemeClr val="accent2">
+                <a:hueOff val="0"/>
+                <a:satOff val="0"/>
+                <a:lumOff val="0"/>
+                <a:alphaOff val="0"/>
+                <a:shade val="20000"/>
+                <a:satMod val="200000"/>
+              </a:schemeClr>
+              <a:schemeClr val="accent2">
+                <a:hueOff val="0"/>
+                <a:satOff val="0"/>
+                <a:lumOff val="0"/>
+                <a:alphaOff val="0"/>
+                <a:tint val="12000"/>
+                <a:satMod val="190000"/>
+              </a:schemeClr>
+            </a:duotone>
+            <a:extLst>
+              <a:ext uri="{28A0092B-C50C-407E-A947-70E740481C1C}">
+                <a14:useLocalDpi xmlns:a14="http://schemas.microsoft.com/office/drawing/2010/main" val="0"/>
+              </a:ext>
+            </a:extLst>
+          </a:blip>
+          <a:srcRect/>
+          <a:stretch>
+            <a:fillRect/>
+          </a:stretch>
+        </a:blipFill>
+        <a:ln w="22225" cap="rnd" cmpd="sng" algn="ctr">
+          <a:noFill/>
+          <a:prstDash val="solid"/>
+        </a:ln>
+        <a:effectLst/>
+      </dsp:spPr>
+      <dsp:style>
+        <a:lnRef idx="2">
+          <a:scrgbClr r="0" g="0" b="0"/>
+        </a:lnRef>
+        <a:fillRef idx="1">
+          <a:scrgbClr r="0" g="0" b="0"/>
+        </a:fillRef>
+        <a:effectRef idx="0">
+          <a:scrgbClr r="0" g="0" b="0"/>
+        </a:effectRef>
+        <a:fontRef idx="minor">
+          <a:schemeClr val="lt1"/>
+        </a:fontRef>
+      </dsp:style>
+    </dsp:sp>
+    <dsp:sp modelId="{A99B5DD6-89E9-4537-B415-4205CEB9323A}">
+      <dsp:nvSpPr>
+        <dsp:cNvPr id="0" name=""/>
+        <dsp:cNvSpPr/>
+      </dsp:nvSpPr>
+      <dsp:spPr>
+        <a:xfrm>
+          <a:off x="54818" y="2746269"/>
+          <a:ext cx="3222832" cy="720000"/>
+        </a:xfrm>
+        <a:prstGeom prst="rect">
+          <a:avLst/>
+        </a:prstGeom>
+        <a:noFill/>
+        <a:ln>
+          <a:noFill/>
+        </a:ln>
+        <a:effectLst/>
+      </dsp:spPr>
+      <dsp:style>
+        <a:lnRef idx="0">
+          <a:scrgbClr r="0" g="0" b="0"/>
+        </a:lnRef>
+        <a:fillRef idx="0">
+          <a:scrgbClr r="0" g="0" b="0"/>
+        </a:fillRef>
+        <a:effectRef idx="0">
+          <a:scrgbClr r="0" g="0" b="0"/>
+        </a:effectRef>
+        <a:fontRef idx="minor"/>
+      </dsp:style>
+      <dsp:txBody>
+        <a:bodyPr spcFirstLastPara="0" vert="horz" wrap="square" lIns="0" tIns="0" rIns="0" bIns="0" numCol="1" spcCol="1270" anchor="t" anchorCtr="0">
+          <a:noAutofit/>
+        </a:bodyPr>
+        <a:lstStyle/>
+        <a:p>
+          <a:pPr marL="0" lvl="0" indent="0" algn="ctr" defTabSz="1600200">
+            <a:lnSpc>
+              <a:spcPct val="90000"/>
+            </a:lnSpc>
+            <a:spcBef>
+              <a:spcPct val="0"/>
+            </a:spcBef>
+            <a:spcAft>
+              <a:spcPct val="35000"/>
+            </a:spcAft>
+            <a:buNone/>
+          </a:pPr>
+          <a:r>
+            <a:rPr lang="en-ZA" sz="3600" kern="1200" dirty="0"/>
+            <a:t>Crawling</a:t>
+          </a:r>
+          <a:endParaRPr lang="en-US" sz="3600" kern="1200" dirty="0"/>
+        </a:p>
+      </dsp:txBody>
+      <dsp:txXfrm>
+        <a:off x="54818" y="2746269"/>
+        <a:ext cx="3222832" cy="720000"/>
+      </dsp:txXfrm>
+    </dsp:sp>
+    <dsp:sp modelId="{CE9DF0E8-B0DE-4E1E-9FF4-6006AD8428DB}">
+      <dsp:nvSpPr>
+        <dsp:cNvPr id="0" name=""/>
+        <dsp:cNvSpPr/>
+      </dsp:nvSpPr>
+      <dsp:spPr>
+        <a:xfrm>
+          <a:off x="4310064" y="494935"/>
+          <a:ext cx="2285995" cy="2285995"/>
+        </a:xfrm>
+        <a:prstGeom prst="rect">
+          <a:avLst/>
+        </a:prstGeom>
+        <a:blipFill>
+          <a:blip xmlns:r="http://schemas.openxmlformats.org/officeDocument/2006/relationships" r:embed="rId2">
+            <a:duotone>
+              <a:schemeClr val="accent2">
+                <a:hueOff val="0"/>
+                <a:satOff val="0"/>
+                <a:lumOff val="0"/>
+                <a:alphaOff val="0"/>
+                <a:shade val="20000"/>
+                <a:satMod val="200000"/>
+              </a:schemeClr>
+              <a:schemeClr val="accent2">
+                <a:hueOff val="0"/>
+                <a:satOff val="0"/>
+                <a:lumOff val="0"/>
+                <a:alphaOff val="0"/>
+                <a:tint val="12000"/>
+                <a:satMod val="190000"/>
+              </a:schemeClr>
+            </a:duotone>
+            <a:extLst>
+              <a:ext uri="{28A0092B-C50C-407E-A947-70E740481C1C}">
+                <a14:useLocalDpi xmlns:a14="http://schemas.microsoft.com/office/drawing/2010/main" val="0"/>
+              </a:ext>
+            </a:extLst>
+          </a:blip>
+          <a:srcRect/>
+          <a:stretch>
+            <a:fillRect/>
+          </a:stretch>
+        </a:blipFill>
+        <a:ln w="22225" cap="rnd" cmpd="sng" algn="ctr">
+          <a:noFill/>
+          <a:prstDash val="solid"/>
+        </a:ln>
+        <a:effectLst/>
+      </dsp:spPr>
+      <dsp:style>
+        <a:lnRef idx="2">
+          <a:scrgbClr r="0" g="0" b="0"/>
+        </a:lnRef>
+        <a:fillRef idx="1">
+          <a:scrgbClr r="0" g="0" b="0"/>
+        </a:fillRef>
+        <a:effectRef idx="0">
+          <a:scrgbClr r="0" g="0" b="0"/>
+        </a:effectRef>
+        <a:fontRef idx="minor">
+          <a:schemeClr val="lt1"/>
+        </a:fontRef>
+      </dsp:style>
+    </dsp:sp>
+    <dsp:sp modelId="{55120873-6F5C-4053-8EAD-6287A7F1097E}">
+      <dsp:nvSpPr>
+        <dsp:cNvPr id="0" name=""/>
+        <dsp:cNvSpPr/>
+      </dsp:nvSpPr>
+      <dsp:spPr>
+        <a:xfrm>
+          <a:off x="3841646" y="2746269"/>
+          <a:ext cx="3222832" cy="720000"/>
+        </a:xfrm>
+        <a:prstGeom prst="rect">
+          <a:avLst/>
+        </a:prstGeom>
+        <a:noFill/>
+        <a:ln>
+          <a:noFill/>
+        </a:ln>
+        <a:effectLst/>
+      </dsp:spPr>
+      <dsp:style>
+        <a:lnRef idx="0">
+          <a:scrgbClr r="0" g="0" b="0"/>
+        </a:lnRef>
+        <a:fillRef idx="0">
+          <a:scrgbClr r="0" g="0" b="0"/>
+        </a:fillRef>
+        <a:effectRef idx="0">
+          <a:scrgbClr r="0" g="0" b="0"/>
+        </a:effectRef>
+        <a:fontRef idx="minor"/>
+      </dsp:style>
+      <dsp:txBody>
+        <a:bodyPr spcFirstLastPara="0" vert="horz" wrap="square" lIns="0" tIns="0" rIns="0" bIns="0" numCol="1" spcCol="1270" anchor="t" anchorCtr="0">
+          <a:noAutofit/>
+        </a:bodyPr>
+        <a:lstStyle/>
+        <a:p>
+          <a:pPr marL="0" lvl="0" indent="0" algn="ctr" defTabSz="1600200">
+            <a:lnSpc>
+              <a:spcPct val="90000"/>
+            </a:lnSpc>
+            <a:spcBef>
+              <a:spcPct val="0"/>
+            </a:spcBef>
+            <a:spcAft>
+              <a:spcPct val="35000"/>
+            </a:spcAft>
+            <a:buNone/>
+          </a:pPr>
+          <a:r>
+            <a:rPr lang="en-US" sz="3600" kern="1200" dirty="0"/>
+            <a:t>Indexing</a:t>
+          </a:r>
+        </a:p>
+      </dsp:txBody>
+      <dsp:txXfrm>
+        <a:off x="3841646" y="2746269"/>
+        <a:ext cx="3222832" cy="720000"/>
+      </dsp:txXfrm>
+    </dsp:sp>
+    <dsp:sp modelId="{6DB1FE51-13D0-4A38-AD6E-48D4371A1AF3}">
+      <dsp:nvSpPr>
+        <dsp:cNvPr id="0" name=""/>
+        <dsp:cNvSpPr/>
+      </dsp:nvSpPr>
+      <dsp:spPr>
+        <a:xfrm>
+          <a:off x="8096892" y="494935"/>
+          <a:ext cx="2285995" cy="2285995"/>
+        </a:xfrm>
+        <a:prstGeom prst="rect">
+          <a:avLst/>
+        </a:prstGeom>
+        <a:blipFill>
+          <a:blip xmlns:r="http://schemas.openxmlformats.org/officeDocument/2006/relationships" r:embed="rId3">
+            <a:duotone>
+              <a:schemeClr val="accent2">
+                <a:hueOff val="0"/>
+                <a:satOff val="0"/>
+                <a:lumOff val="0"/>
+                <a:alphaOff val="0"/>
+                <a:shade val="20000"/>
+                <a:satMod val="200000"/>
+              </a:schemeClr>
+              <a:schemeClr val="accent2">
+                <a:hueOff val="0"/>
+                <a:satOff val="0"/>
+                <a:lumOff val="0"/>
+                <a:alphaOff val="0"/>
+                <a:tint val="12000"/>
+                <a:satMod val="190000"/>
+              </a:schemeClr>
+            </a:duotone>
+            <a:extLst>
+              <a:ext uri="{28A0092B-C50C-407E-A947-70E740481C1C}">
+                <a14:useLocalDpi xmlns:a14="http://schemas.microsoft.com/office/drawing/2010/main" val="0"/>
+              </a:ext>
+            </a:extLst>
+          </a:blip>
+          <a:srcRect/>
+          <a:stretch>
+            <a:fillRect/>
+          </a:stretch>
+        </a:blipFill>
+        <a:ln w="22225" cap="rnd" cmpd="sng" algn="ctr">
+          <a:noFill/>
+          <a:prstDash val="solid"/>
+        </a:ln>
+        <a:effectLst/>
+      </dsp:spPr>
+      <dsp:style>
+        <a:lnRef idx="2">
+          <a:scrgbClr r="0" g="0" b="0"/>
+        </a:lnRef>
+        <a:fillRef idx="1">
+          <a:scrgbClr r="0" g="0" b="0"/>
+        </a:fillRef>
+        <a:effectRef idx="0">
+          <a:scrgbClr r="0" g="0" b="0"/>
+        </a:effectRef>
+        <a:fontRef idx="minor">
+          <a:schemeClr val="lt1"/>
+        </a:fontRef>
+      </dsp:style>
+    </dsp:sp>
+    <dsp:sp modelId="{133097FC-B1F8-4953-B0AB-E8E73D968D1C}">
+      <dsp:nvSpPr>
+        <dsp:cNvPr id="0" name=""/>
+        <dsp:cNvSpPr/>
+      </dsp:nvSpPr>
+      <dsp:spPr>
+        <a:xfrm>
+          <a:off x="7628474" y="2746269"/>
+          <a:ext cx="3222832" cy="720000"/>
+        </a:xfrm>
+        <a:prstGeom prst="rect">
+          <a:avLst/>
+        </a:prstGeom>
+        <a:noFill/>
+        <a:ln>
+          <a:noFill/>
+        </a:ln>
+        <a:effectLst/>
+      </dsp:spPr>
+      <dsp:style>
+        <a:lnRef idx="0">
+          <a:scrgbClr r="0" g="0" b="0"/>
+        </a:lnRef>
+        <a:fillRef idx="0">
+          <a:scrgbClr r="0" g="0" b="0"/>
+        </a:fillRef>
+        <a:effectRef idx="0">
+          <a:scrgbClr r="0" g="0" b="0"/>
+        </a:effectRef>
+        <a:fontRef idx="minor"/>
+      </dsp:style>
+      <dsp:txBody>
+        <a:bodyPr spcFirstLastPara="0" vert="horz" wrap="square" lIns="0" tIns="0" rIns="0" bIns="0" numCol="1" spcCol="1270" anchor="t" anchorCtr="0">
+          <a:noAutofit/>
+        </a:bodyPr>
+        <a:lstStyle/>
+        <a:p>
+          <a:pPr marL="0" lvl="0" indent="0" algn="ctr" defTabSz="1600200">
+            <a:lnSpc>
+              <a:spcPct val="90000"/>
+            </a:lnSpc>
+            <a:spcBef>
+              <a:spcPct val="0"/>
+            </a:spcBef>
+            <a:spcAft>
+              <a:spcPct val="35000"/>
+            </a:spcAft>
+            <a:buNone/>
+          </a:pPr>
+          <a:r>
+            <a:rPr lang="en-US" sz="3600" kern="1200" dirty="0"/>
+            <a:t>Ranking</a:t>
+          </a:r>
+        </a:p>
+      </dsp:txBody>
+      <dsp:txXfrm>
+        <a:off x="7628474" y="2746269"/>
+        <a:ext cx="3222832" cy="720000"/>
+      </dsp:txXfrm>
+    </dsp:sp>
+  </dsp:spTree>
+</dsp:drawing>
+</file>
+
+<file path=ppt/diagrams/drawing4.xml><?xml version="1.0" encoding="utf-8"?>
+<dsp:drawing xmlns:dgm="http://schemas.openxmlformats.org/drawingml/2006/diagram" xmlns:dsp="http://schemas.microsoft.com/office/drawing/2008/diagram" xmlns:a="http://schemas.openxmlformats.org/drawingml/2006/main">
+  <dsp:spTree>
+    <dsp:nvGrpSpPr>
+      <dsp:cNvPr id="0" name=""/>
+      <dsp:cNvGrpSpPr/>
+    </dsp:nvGrpSpPr>
+    <dsp:grpSpPr/>
     <dsp:sp modelId="{D79B43FC-100B-4A0D-A4D5-0D2D04B99064}">
       <dsp:nvSpPr>
         <dsp:cNvPr id="0" name=""/>
@@ -4952,6 +6441,196 @@
 </file>
 
 <file path=ppt/diagrams/layout3.xml><?xml version="1.0" encoding="utf-8"?>
+<dgm:layoutDef xmlns:dgm="http://schemas.openxmlformats.org/drawingml/2006/diagram" xmlns:a="http://schemas.openxmlformats.org/drawingml/2006/main" uniqueId="urn:microsoft.com/office/officeart/2018/2/layout/IconLabelList">
+  <dgm:title val="Icon Label List"/>
+  <dgm:desc val="Use to show non-sequential or grouped chunks of information accompanied by a related visuals. Works best with icons or small pictures with short text captions."/>
+  <dgm:catLst>
+    <dgm:cat type="icon" pri="500"/>
+  </dgm:catLst>
+  <dgm:sampData useDef="1">
+    <dgm:dataModel>
+      <dgm:ptLst/>
+      <dgm:bg/>
+      <dgm:whole/>
+    </dgm:dataModel>
+  </dgm:sampData>
+  <dgm:styleData useDef="1">
+    <dgm:dataModel>
+      <dgm:ptLst/>
+      <dgm:bg/>
+      <dgm:whole/>
+    </dgm:dataModel>
+  </dgm:styleData>
+  <dgm:clrData useDef="1">
+    <dgm:dataModel>
+      <dgm:ptLst/>
+      <dgm:bg/>
+      <dgm:whole/>
+    </dgm:dataModel>
+  </dgm:clrData>
+  <dgm:layoutNode name="root">
+    <dgm:varLst>
+      <dgm:dir/>
+      <dgm:resizeHandles val="exact"/>
+    </dgm:varLst>
+    <dgm:choose name="Name0">
+      <dgm:if name="Name1" axis="self" func="var" arg="dir" op="equ" val="norm">
+        <dgm:alg type="snake">
+          <dgm:param type="grDir" val="tL"/>
+          <dgm:param type="flowDir" val="row"/>
+          <dgm:param type="contDir" val="sameDir"/>
+          <dgm:param type="off" val="ctr"/>
+          <dgm:param type="vertAlign" val="mid"/>
+          <dgm:param type="horzAlign" val="ctr"/>
+        </dgm:alg>
+      </dgm:if>
+      <dgm:else name="Name2">
+        <dgm:alg type="snake">
+          <dgm:param type="grDir" val="tR"/>
+          <dgm:param type="flowDir" val="row"/>
+          <dgm:param type="contDir" val="sameDir"/>
+          <dgm:param type="off" val="ctr"/>
+          <dgm:param type="vertAlign" val="mid"/>
+          <dgm:param type="horzAlign" val="ctr"/>
+        </dgm:alg>
+      </dgm:else>
+    </dgm:choose>
+    <dgm:shape xmlns:r="http://schemas.openxmlformats.org/officeDocument/2006/relationships" r:blip="">
+      <dgm:adjLst/>
+    </dgm:shape>
+    <dgm:presOf/>
+    <dgm:choose name="Name3">
+      <dgm:if name="Name4" axis="ch" ptType="node" func="cnt" op="lte" val="2">
+        <dgm:constrLst>
+          <dgm:constr type="h" for="ch" forName="compNode" refType="h" fact="0.4"/>
+          <dgm:constr type="w" for="ch" forName="compNode" val="120"/>
+          <dgm:constr type="w" for="ch" forName="sibTrans" refType="w" refFor="ch" refForName="compNode" fact="0.175"/>
+          <dgm:constr type="sp" refType="w" refFor="ch" refForName="compNode" op="equ" fact="0.25"/>
+          <dgm:constr type="primFontSz" for="des" ptType="node" op="equ" val="50"/>
+          <dgm:constr type="h" for="des" forName="compNode" op="equ"/>
+          <dgm:constr type="h" for="des" forName="textRect" op="equ"/>
+        </dgm:constrLst>
+      </dgm:if>
+      <dgm:if name="Name5" axis="ch" ptType="node" func="cnt" op="lte" val="4">
+        <dgm:constrLst>
+          <dgm:constr type="h" for="ch" forName="compNode" refType="h" fact="0.4"/>
+          <dgm:constr type="w" for="ch" forName="compNode" refType="w"/>
+          <dgm:constr type="w" for="ch" forName="sibTrans" refType="w" refFor="ch" refForName="compNode" fact="0.175"/>
+          <dgm:constr type="sp" refType="w" refFor="ch" refForName="compNode" op="equ" fact="0.25"/>
+          <dgm:constr type="primFontSz" for="des" ptType="node" op="equ" val="36"/>
+          <dgm:constr type="h" for="des" forName="compNode" op="equ"/>
+          <dgm:constr type="h" for="des" forName="textRect" op="equ"/>
+        </dgm:constrLst>
+      </dgm:if>
+      <dgm:else name="Name6">
+        <dgm:constrLst>
+          <dgm:constr type="h" for="ch" forName="compNode" refType="h" fact="0.4"/>
+          <dgm:constr type="w" for="ch" forName="compNode" refType="w"/>
+          <dgm:constr type="w" for="ch" forName="sibTrans" refType="w" refFor="ch" refForName="compNode" fact="0.175"/>
+          <dgm:constr type="sp" refType="w" refFor="ch" refForName="compNode" op="equ" fact="0.25"/>
+          <dgm:constr type="primFontSz" for="des" ptType="node" op="equ" val="24"/>
+          <dgm:constr type="h" for="des" forName="compNode" op="equ"/>
+          <dgm:constr type="h" for="des" forName="textRect" op="equ"/>
+        </dgm:constrLst>
+      </dgm:else>
+    </dgm:choose>
+    <dgm:ruleLst>
+      <dgm:rule type="w" for="ch" forName="compNode" val="50" fact="NaN" max="NaN"/>
+    </dgm:ruleLst>
+    <dgm:forEach name="Name7" axis="ch" ptType="node">
+      <dgm:layoutNode name="compNode">
+        <dgm:alg type="composite"/>
+        <dgm:shape xmlns:r="http://schemas.openxmlformats.org/officeDocument/2006/relationships" r:blip="">
+          <dgm:adjLst/>
+        </dgm:shape>
+        <dgm:presOf axis="self"/>
+        <dgm:constrLst>
+          <dgm:constr type="w" for="ch" forName="iconRect" refType="w" fact="0.45"/>
+          <dgm:constr type="h" for="ch" forName="iconRect" refType="w" refFor="ch" refForName="iconRect"/>
+          <dgm:constr type="ctrX" for="ch" forName="iconRect" refType="w" fact="0.5"/>
+          <dgm:constr type="t" for="ch" forName="iconRect"/>
+          <dgm:constr type="h" for="ch" forName="spaceRect" refType="h" fact="0.15"/>
+          <dgm:constr type="w" for="ch" forName="spaceRect" refType="w"/>
+          <dgm:constr type="l" for="ch" forName="spaceRect"/>
+          <dgm:constr type="t" for="ch" forName="spaceRect" refType="b" refFor="ch" refForName="iconRect"/>
+          <dgm:constr type="h" for="ch" forName="textRect" val="20"/>
+          <dgm:constr type="w" for="ch" forName="textRect" refType="w"/>
+          <dgm:constr type="l" for="ch" forName="textRect"/>
+          <dgm:constr type="t" for="ch" forName="textRect" refType="b" refFor="ch" refForName="spaceRect"/>
+        </dgm:constrLst>
+        <dgm:ruleLst>
+          <dgm:rule type="h" val="INF" fact="NaN" max="NaN"/>
+        </dgm:ruleLst>
+        <dgm:layoutNode name="iconRect" styleLbl="node1">
+          <dgm:alg type="sp"/>
+          <dgm:shape xmlns:r="http://schemas.openxmlformats.org/officeDocument/2006/relationships" type="rect" r:blip="" blipPhldr="1">
+            <dgm:adjLst/>
+          </dgm:shape>
+          <dgm:presOf/>
+          <dgm:constrLst/>
+          <dgm:ruleLst/>
+        </dgm:layoutNode>
+        <dgm:layoutNode name="spaceRect">
+          <dgm:alg type="sp"/>
+          <dgm:shape xmlns:r="http://schemas.openxmlformats.org/officeDocument/2006/relationships" r:blip="">
+            <dgm:adjLst/>
+          </dgm:shape>
+          <dgm:presOf/>
+          <dgm:constrLst/>
+          <dgm:ruleLst/>
+        </dgm:layoutNode>
+        <dgm:layoutNode name="textRect" styleLbl="revTx">
+          <dgm:varLst>
+            <dgm:chMax val="1"/>
+            <dgm:chPref val="1"/>
+          </dgm:varLst>
+          <dgm:alg type="tx">
+            <dgm:param type="txAnchorVert" val="t"/>
+          </dgm:alg>
+          <dgm:shape xmlns:r="http://schemas.openxmlformats.org/officeDocument/2006/relationships" type="rect" r:blip="">
+            <dgm:adjLst/>
+          </dgm:shape>
+          <dgm:presOf axis="self" ptType="node"/>
+          <dgm:constrLst>
+            <dgm:constr type="lMarg"/>
+            <dgm:constr type="rMarg"/>
+            <dgm:constr type="tMarg"/>
+            <dgm:constr type="bMarg"/>
+          </dgm:constrLst>
+          <dgm:ruleLst>
+            <dgm:rule type="primFontSz" val="11" fact="NaN" max="NaN"/>
+            <dgm:rule type="h" val="INF" fact="NaN" max="NaN"/>
+          </dgm:ruleLst>
+        </dgm:layoutNode>
+      </dgm:layoutNode>
+      <dgm:forEach name="Name8" axis="followSib" ptType="sibTrans" cnt="1">
+        <dgm:layoutNode name="sibTrans">
+          <dgm:alg type="sp"/>
+          <dgm:shape xmlns:r="http://schemas.openxmlformats.org/officeDocument/2006/relationships" r:blip="">
+            <dgm:adjLst/>
+          </dgm:shape>
+          <dgm:presOf axis="self"/>
+          <dgm:constrLst/>
+          <dgm:ruleLst/>
+        </dgm:layoutNode>
+      </dgm:forEach>
+    </dgm:forEach>
+  </dgm:layoutNode>
+  <dgm:extLst>
+    <a:ext uri="{68A01E43-0DF5-4B5B-8FA6-DAF915123BFB}">
+      <dgm1612:lstStyle xmlns:dgm1612="http://schemas.microsoft.com/office/drawing/2016/12/diagram">
+        <a:lvl1pPr>
+          <a:lnSpc>
+            <a:spcPct val="100000"/>
+          </a:lnSpc>
+        </a:lvl1pPr>
+      </dgm1612:lstStyle>
+    </a:ext>
+  </dgm:extLst>
+</dgm:layoutDef>
+</file>
+
+<file path=ppt/diagrams/layout4.xml><?xml version="1.0" encoding="utf-8"?>
 <dgm:layoutDef xmlns:dgm="http://schemas.openxmlformats.org/drawingml/2006/diagram" xmlns:a="http://schemas.openxmlformats.org/drawingml/2006/main" uniqueId="urn:microsoft.com/office/officeart/2008/layout/VerticalCurvedList">
   <dgm:title val=""/>
   <dgm:desc val=""/>
@@ -8298,6 +9977,1040 @@
 </file>
 
 <file path=ppt/diagrams/quickStyle3.xml><?xml version="1.0" encoding="utf-8"?>
+<dgm:styleDef xmlns:dgm="http://schemas.openxmlformats.org/drawingml/2006/diagram" xmlns:a="http://schemas.openxmlformats.org/drawingml/2006/main" uniqueId="urn:microsoft.com/office/officeart/2005/8/quickstyle/simple1">
+  <dgm:title val=""/>
+  <dgm:desc val=""/>
+  <dgm:catLst>
+    <dgm:cat type="simple" pri="10100"/>
+  </dgm:catLst>
+  <dgm:scene3d>
+    <a:camera prst="orthographicFront"/>
+    <a:lightRig rig="threePt" dir="t"/>
+  </dgm:scene3d>
+  <dgm:styleLbl name="node0">
+    <dgm:scene3d>
+      <a:camera prst="orthographicFront"/>
+      <a:lightRig rig="threePt" dir="t"/>
+    </dgm:scene3d>
+    <dgm:sp3d/>
+    <dgm:txPr/>
+    <dgm:style>
+      <a:lnRef idx="2">
+        <a:scrgbClr r="0" g="0" b="0"/>
+      </a:lnRef>
+      <a:fillRef idx="1">
+        <a:scrgbClr r="0" g="0" b="0"/>
+      </a:fillRef>
+      <a:effectRef idx="0">
+        <a:scrgbClr r="0" g="0" b="0"/>
+      </a:effectRef>
+      <a:fontRef idx="minor">
+        <a:schemeClr val="lt1"/>
+      </a:fontRef>
+    </dgm:style>
+  </dgm:styleLbl>
+  <dgm:styleLbl name="lnNode1">
+    <dgm:scene3d>
+      <a:camera prst="orthographicFront"/>
+      <a:lightRig rig="threePt" dir="t"/>
+    </dgm:scene3d>
+    <dgm:sp3d/>
+    <dgm:txPr/>
+    <dgm:style>
+      <a:lnRef idx="2">
+        <a:scrgbClr r="0" g="0" b="0"/>
+      </a:lnRef>
+      <a:fillRef idx="1">
+        <a:scrgbClr r="0" g="0" b="0"/>
+      </a:fillRef>
+      <a:effectRef idx="0">
+        <a:scrgbClr r="0" g="0" b="0"/>
+      </a:effectRef>
+      <a:fontRef idx="minor">
+        <a:schemeClr val="lt1"/>
+      </a:fontRef>
+    </dgm:style>
+  </dgm:styleLbl>
+  <dgm:styleLbl name="vennNode1">
+    <dgm:scene3d>
+      <a:camera prst="orthographicFront"/>
+      <a:lightRig rig="threePt" dir="t"/>
+    </dgm:scene3d>
+    <dgm:sp3d/>
+    <dgm:txPr/>
+    <dgm:style>
+      <a:lnRef idx="2">
+        <a:scrgbClr r="0" g="0" b="0"/>
+      </a:lnRef>
+      <a:fillRef idx="1">
+        <a:scrgbClr r="0" g="0" b="0"/>
+      </a:fillRef>
+      <a:effectRef idx="0">
+        <a:scrgbClr r="0" g="0" b="0"/>
+      </a:effectRef>
+      <a:fontRef idx="minor">
+        <a:schemeClr val="tx1"/>
+      </a:fontRef>
+    </dgm:style>
+  </dgm:styleLbl>
+  <dgm:styleLbl name="alignNode1">
+    <dgm:scene3d>
+      <a:camera prst="orthographicFront"/>
+      <a:lightRig rig="threePt" dir="t"/>
+    </dgm:scene3d>
+    <dgm:sp3d/>
+    <dgm:txPr/>
+    <dgm:style>
+      <a:lnRef idx="2">
+        <a:scrgbClr r="0" g="0" b="0"/>
+      </a:lnRef>
+      <a:fillRef idx="1">
+        <a:scrgbClr r="0" g="0" b="0"/>
+      </a:fillRef>
+      <a:effectRef idx="0">
+        <a:scrgbClr r="0" g="0" b="0"/>
+      </a:effectRef>
+      <a:fontRef idx="minor">
+        <a:schemeClr val="lt1"/>
+      </a:fontRef>
+    </dgm:style>
+  </dgm:styleLbl>
+  <dgm:styleLbl name="node1">
+    <dgm:scene3d>
+      <a:camera prst="orthographicFront"/>
+      <a:lightRig rig="threePt" dir="t"/>
+    </dgm:scene3d>
+    <dgm:sp3d/>
+    <dgm:txPr/>
+    <dgm:style>
+      <a:lnRef idx="2">
+        <a:scrgbClr r="0" g="0" b="0"/>
+      </a:lnRef>
+      <a:fillRef idx="1">
+        <a:scrgbClr r="0" g="0" b="0"/>
+      </a:fillRef>
+      <a:effectRef idx="0">
+        <a:scrgbClr r="0" g="0" b="0"/>
+      </a:effectRef>
+      <a:fontRef idx="minor">
+        <a:schemeClr val="lt1"/>
+      </a:fontRef>
+    </dgm:style>
+  </dgm:styleLbl>
+  <dgm:styleLbl name="node2">
+    <dgm:scene3d>
+      <a:camera prst="orthographicFront"/>
+      <a:lightRig rig="threePt" dir="t"/>
+    </dgm:scene3d>
+    <dgm:sp3d/>
+    <dgm:txPr/>
+    <dgm:style>
+      <a:lnRef idx="2">
+        <a:scrgbClr r="0" g="0" b="0"/>
+      </a:lnRef>
+      <a:fillRef idx="1">
+        <a:scrgbClr r="0" g="0" b="0"/>
+      </a:fillRef>
+      <a:effectRef idx="0">
+        <a:scrgbClr r="0" g="0" b="0"/>
+      </a:effectRef>
+      <a:fontRef idx="minor">
+        <a:schemeClr val="lt1"/>
+      </a:fontRef>
+    </dgm:style>
+  </dgm:styleLbl>
+  <dgm:styleLbl name="node3">
+    <dgm:scene3d>
+      <a:camera prst="orthographicFront"/>
+      <a:lightRig rig="threePt" dir="t"/>
+    </dgm:scene3d>
+    <dgm:sp3d/>
+    <dgm:txPr/>
+    <dgm:style>
+      <a:lnRef idx="2">
+        <a:scrgbClr r="0" g="0" b="0"/>
+      </a:lnRef>
+      <a:fillRef idx="1">
+        <a:scrgbClr r="0" g="0" b="0"/>
+      </a:fillRef>
+      <a:effectRef idx="0">
+        <a:scrgbClr r="0" g="0" b="0"/>
+      </a:effectRef>
+      <a:fontRef idx="minor">
+        <a:schemeClr val="lt1"/>
+      </a:fontRef>
+    </dgm:style>
+  </dgm:styleLbl>
+  <dgm:styleLbl name="node4">
+    <dgm:scene3d>
+      <a:camera prst="orthographicFront"/>
+      <a:lightRig rig="threePt" dir="t"/>
+    </dgm:scene3d>
+    <dgm:sp3d/>
+    <dgm:txPr/>
+    <dgm:style>
+      <a:lnRef idx="2">
+        <a:scrgbClr r="0" g="0" b="0"/>
+      </a:lnRef>
+      <a:fillRef idx="1">
+        <a:scrgbClr r="0" g="0" b="0"/>
+      </a:fillRef>
+      <a:effectRef idx="0">
+        <a:scrgbClr r="0" g="0" b="0"/>
+      </a:effectRef>
+      <a:fontRef idx="minor">
+        <a:schemeClr val="lt1"/>
+      </a:fontRef>
+    </dgm:style>
+  </dgm:styleLbl>
+  <dgm:styleLbl name="fgImgPlace1">
+    <dgm:scene3d>
+      <a:camera prst="orthographicFront"/>
+      <a:lightRig rig="threePt" dir="t"/>
+    </dgm:scene3d>
+    <dgm:sp3d/>
+    <dgm:txPr/>
+    <dgm:style>
+      <a:lnRef idx="2">
+        <a:scrgbClr r="0" g="0" b="0"/>
+      </a:lnRef>
+      <a:fillRef idx="1">
+        <a:scrgbClr r="0" g="0" b="0"/>
+      </a:fillRef>
+      <a:effectRef idx="0">
+        <a:scrgbClr r="0" g="0" b="0"/>
+      </a:effectRef>
+      <a:fontRef idx="minor"/>
+    </dgm:style>
+  </dgm:styleLbl>
+  <dgm:styleLbl name="alignImgPlace1">
+    <dgm:scene3d>
+      <a:camera prst="orthographicFront"/>
+      <a:lightRig rig="threePt" dir="t"/>
+    </dgm:scene3d>
+    <dgm:sp3d/>
+    <dgm:txPr/>
+    <dgm:style>
+      <a:lnRef idx="2">
+        <a:scrgbClr r="0" g="0" b="0"/>
+      </a:lnRef>
+      <a:fillRef idx="1">
+        <a:scrgbClr r="0" g="0" b="0"/>
+      </a:fillRef>
+      <a:effectRef idx="0">
+        <a:scrgbClr r="0" g="0" b="0"/>
+      </a:effectRef>
+      <a:fontRef idx="minor"/>
+    </dgm:style>
+  </dgm:styleLbl>
+  <dgm:styleLbl name="bgImgPlace1">
+    <dgm:scene3d>
+      <a:camera prst="orthographicFront"/>
+      <a:lightRig rig="threePt" dir="t"/>
+    </dgm:scene3d>
+    <dgm:sp3d/>
+    <dgm:txPr/>
+    <dgm:style>
+      <a:lnRef idx="2">
+        <a:scrgbClr r="0" g="0" b="0"/>
+      </a:lnRef>
+      <a:fillRef idx="1">
+        <a:scrgbClr r="0" g="0" b="0"/>
+      </a:fillRef>
+      <a:effectRef idx="0">
+        <a:scrgbClr r="0" g="0" b="0"/>
+      </a:effectRef>
+      <a:fontRef idx="minor"/>
+    </dgm:style>
+  </dgm:styleLbl>
+  <dgm:styleLbl name="sibTrans2D1">
+    <dgm:scene3d>
+      <a:camera prst="orthographicFront"/>
+      <a:lightRig rig="threePt" dir="t"/>
+    </dgm:scene3d>
+    <dgm:sp3d/>
+    <dgm:txPr/>
+    <dgm:style>
+      <a:lnRef idx="0">
+        <a:scrgbClr r="0" g="0" b="0"/>
+      </a:lnRef>
+      <a:fillRef idx="1">
+        <a:scrgbClr r="0" g="0" b="0"/>
+      </a:fillRef>
+      <a:effectRef idx="0">
+        <a:scrgbClr r="0" g="0" b="0"/>
+      </a:effectRef>
+      <a:fontRef idx="minor">
+        <a:schemeClr val="lt1"/>
+      </a:fontRef>
+    </dgm:style>
+  </dgm:styleLbl>
+  <dgm:styleLbl name="fgSibTrans2D1">
+    <dgm:scene3d>
+      <a:camera prst="orthographicFront"/>
+      <a:lightRig rig="threePt" dir="t"/>
+    </dgm:scene3d>
+    <dgm:sp3d/>
+    <dgm:txPr/>
+    <dgm:style>
+      <a:lnRef idx="0">
+        <a:scrgbClr r="0" g="0" b="0"/>
+      </a:lnRef>
+      <a:fillRef idx="1">
+        <a:scrgbClr r="0" g="0" b="0"/>
+      </a:fillRef>
+      <a:effectRef idx="0">
+        <a:scrgbClr r="0" g="0" b="0"/>
+      </a:effectRef>
+      <a:fontRef idx="minor">
+        <a:schemeClr val="lt1"/>
+      </a:fontRef>
+    </dgm:style>
+  </dgm:styleLbl>
+  <dgm:styleLbl name="bgSibTrans2D1">
+    <dgm:scene3d>
+      <a:camera prst="orthographicFront"/>
+      <a:lightRig rig="threePt" dir="t"/>
+    </dgm:scene3d>
+    <dgm:sp3d/>
+    <dgm:txPr/>
+    <dgm:style>
+      <a:lnRef idx="0">
+        <a:scrgbClr r="0" g="0" b="0"/>
+      </a:lnRef>
+      <a:fillRef idx="1">
+        <a:scrgbClr r="0" g="0" b="0"/>
+      </a:fillRef>
+      <a:effectRef idx="0">
+        <a:scrgbClr r="0" g="0" b="0"/>
+      </a:effectRef>
+      <a:fontRef idx="minor">
+        <a:schemeClr val="lt1"/>
+      </a:fontRef>
+    </dgm:style>
+  </dgm:styleLbl>
+  <dgm:styleLbl name="sibTrans1D1">
+    <dgm:scene3d>
+      <a:camera prst="orthographicFront"/>
+      <a:lightRig rig="threePt" dir="t"/>
+    </dgm:scene3d>
+    <dgm:sp3d/>
+    <dgm:txPr/>
+    <dgm:style>
+      <a:lnRef idx="1">
+        <a:scrgbClr r="0" g="0" b="0"/>
+      </a:lnRef>
+      <a:fillRef idx="0">
+        <a:scrgbClr r="0" g="0" b="0"/>
+      </a:fillRef>
+      <a:effectRef idx="0">
+        <a:scrgbClr r="0" g="0" b="0"/>
+      </a:effectRef>
+      <a:fontRef idx="minor"/>
+    </dgm:style>
+  </dgm:styleLbl>
+  <dgm:styleLbl name="callout">
+    <dgm:scene3d>
+      <a:camera prst="orthographicFront"/>
+      <a:lightRig rig="threePt" dir="t"/>
+    </dgm:scene3d>
+    <dgm:sp3d/>
+    <dgm:txPr/>
+    <dgm:style>
+      <a:lnRef idx="2">
+        <a:scrgbClr r="0" g="0" b="0"/>
+      </a:lnRef>
+      <a:fillRef idx="1">
+        <a:scrgbClr r="0" g="0" b="0"/>
+      </a:fillRef>
+      <a:effectRef idx="0">
+        <a:scrgbClr r="0" g="0" b="0"/>
+      </a:effectRef>
+      <a:fontRef idx="minor"/>
+    </dgm:style>
+  </dgm:styleLbl>
+  <dgm:styleLbl name="asst0">
+    <dgm:scene3d>
+      <a:camera prst="orthographicFront"/>
+      <a:lightRig rig="threePt" dir="t"/>
+    </dgm:scene3d>
+    <dgm:sp3d/>
+    <dgm:txPr/>
+    <dgm:style>
+      <a:lnRef idx="2">
+        <a:scrgbClr r="0" g="0" b="0"/>
+      </a:lnRef>
+      <a:fillRef idx="1">
+        <a:scrgbClr r="0" g="0" b="0"/>
+      </a:fillRef>
+      <a:effectRef idx="0">
+        <a:scrgbClr r="0" g="0" b="0"/>
+      </a:effectRef>
+      <a:fontRef idx="minor">
+        <a:schemeClr val="lt1"/>
+      </a:fontRef>
+    </dgm:style>
+  </dgm:styleLbl>
+  <dgm:styleLbl name="asst1">
+    <dgm:scene3d>
+      <a:camera prst="orthographicFront"/>
+      <a:lightRig rig="threePt" dir="t"/>
+    </dgm:scene3d>
+    <dgm:sp3d/>
+    <dgm:txPr/>
+    <dgm:style>
+      <a:lnRef idx="2">
+        <a:scrgbClr r="0" g="0" b="0"/>
+      </a:lnRef>
+      <a:fillRef idx="1">
+        <a:scrgbClr r="0" g="0" b="0"/>
+      </a:fillRef>
+      <a:effectRef idx="0">
+        <a:scrgbClr r="0" g="0" b="0"/>
+      </a:effectRef>
+      <a:fontRef idx="minor">
+        <a:schemeClr val="lt1"/>
+      </a:fontRef>
+    </dgm:style>
+  </dgm:styleLbl>
+  <dgm:styleLbl name="asst2">
+    <dgm:scene3d>
+      <a:camera prst="orthographicFront"/>
+      <a:lightRig rig="threePt" dir="t"/>
+    </dgm:scene3d>
+    <dgm:sp3d/>
+    <dgm:txPr/>
+    <dgm:style>
+      <a:lnRef idx="2">
+        <a:scrgbClr r="0" g="0" b="0"/>
+      </a:lnRef>
+      <a:fillRef idx="1">
+        <a:scrgbClr r="0" g="0" b="0"/>
+      </a:fillRef>
+      <a:effectRef idx="0">
+        <a:scrgbClr r="0" g="0" b="0"/>
+      </a:effectRef>
+      <a:fontRef idx="minor">
+        <a:schemeClr val="lt1"/>
+      </a:fontRef>
+    </dgm:style>
+  </dgm:styleLbl>
+  <dgm:styleLbl name="asst3">
+    <dgm:scene3d>
+      <a:camera prst="orthographicFront"/>
+      <a:lightRig rig="threePt" dir="t"/>
+    </dgm:scene3d>
+    <dgm:sp3d/>
+    <dgm:txPr/>
+    <dgm:style>
+      <a:lnRef idx="2">
+        <a:scrgbClr r="0" g="0" b="0"/>
+      </a:lnRef>
+      <a:fillRef idx="1">
+        <a:scrgbClr r="0" g="0" b="0"/>
+      </a:fillRef>
+      <a:effectRef idx="0">
+        <a:scrgbClr r="0" g="0" b="0"/>
+      </a:effectRef>
+      <a:fontRef idx="minor">
+        <a:schemeClr val="lt1"/>
+      </a:fontRef>
+    </dgm:style>
+  </dgm:styleLbl>
+  <dgm:styleLbl name="asst4">
+    <dgm:scene3d>
+      <a:camera prst="orthographicFront"/>
+      <a:lightRig rig="threePt" dir="t"/>
+    </dgm:scene3d>
+    <dgm:sp3d/>
+    <dgm:txPr/>
+    <dgm:style>
+      <a:lnRef idx="2">
+        <a:scrgbClr r="0" g="0" b="0"/>
+      </a:lnRef>
+      <a:fillRef idx="1">
+        <a:scrgbClr r="0" g="0" b="0"/>
+      </a:fillRef>
+      <a:effectRef idx="0">
+        <a:scrgbClr r="0" g="0" b="0"/>
+      </a:effectRef>
+      <a:fontRef idx="minor">
+        <a:schemeClr val="lt1"/>
+      </a:fontRef>
+    </dgm:style>
+  </dgm:styleLbl>
+  <dgm:styleLbl name="parChTrans2D1">
+    <dgm:scene3d>
+      <a:camera prst="orthographicFront"/>
+      <a:lightRig rig="threePt" dir="t"/>
+    </dgm:scene3d>
+    <dgm:sp3d/>
+    <dgm:txPr/>
+    <dgm:style>
+      <a:lnRef idx="2">
+        <a:scrgbClr r="0" g="0" b="0"/>
+      </a:lnRef>
+      <a:fillRef idx="1">
+        <a:scrgbClr r="0" g="0" b="0"/>
+      </a:fillRef>
+      <a:effectRef idx="0">
+        <a:scrgbClr r="0" g="0" b="0"/>
+      </a:effectRef>
+      <a:fontRef idx="minor">
+        <a:schemeClr val="lt1"/>
+      </a:fontRef>
+    </dgm:style>
+  </dgm:styleLbl>
+  <dgm:styleLbl name="parChTrans2D2">
+    <dgm:scene3d>
+      <a:camera prst="orthographicFront"/>
+      <a:lightRig rig="threePt" dir="t"/>
+    </dgm:scene3d>
+    <dgm:sp3d/>
+    <dgm:txPr/>
+    <dgm:style>
+      <a:lnRef idx="2">
+        <a:scrgbClr r="0" g="0" b="0"/>
+      </a:lnRef>
+      <a:fillRef idx="1">
+        <a:scrgbClr r="0" g="0" b="0"/>
+      </a:fillRef>
+      <a:effectRef idx="0">
+        <a:scrgbClr r="0" g="0" b="0"/>
+      </a:effectRef>
+      <a:fontRef idx="minor">
+        <a:schemeClr val="lt1"/>
+      </a:fontRef>
+    </dgm:style>
+  </dgm:styleLbl>
+  <dgm:styleLbl name="parChTrans2D3">
+    <dgm:scene3d>
+      <a:camera prst="orthographicFront"/>
+      <a:lightRig rig="threePt" dir="t"/>
+    </dgm:scene3d>
+    <dgm:sp3d/>
+    <dgm:txPr/>
+    <dgm:style>
+      <a:lnRef idx="2">
+        <a:scrgbClr r="0" g="0" b="0"/>
+      </a:lnRef>
+      <a:fillRef idx="1">
+        <a:scrgbClr r="0" g="0" b="0"/>
+      </a:fillRef>
+      <a:effectRef idx="0">
+        <a:scrgbClr r="0" g="0" b="0"/>
+      </a:effectRef>
+      <a:fontRef idx="minor">
+        <a:schemeClr val="lt1"/>
+      </a:fontRef>
+    </dgm:style>
+  </dgm:styleLbl>
+  <dgm:styleLbl name="parChTrans2D4">
+    <dgm:scene3d>
+      <a:camera prst="orthographicFront"/>
+      <a:lightRig rig="threePt" dir="t"/>
+    </dgm:scene3d>
+    <dgm:sp3d/>
+    <dgm:txPr/>
+    <dgm:style>
+      <a:lnRef idx="2">
+        <a:scrgbClr r="0" g="0" b="0"/>
+      </a:lnRef>
+      <a:fillRef idx="1">
+        <a:scrgbClr r="0" g="0" b="0"/>
+      </a:fillRef>
+      <a:effectRef idx="0">
+        <a:scrgbClr r="0" g="0" b="0"/>
+      </a:effectRef>
+      <a:fontRef idx="minor">
+        <a:schemeClr val="lt1"/>
+      </a:fontRef>
+    </dgm:style>
+  </dgm:styleLbl>
+  <dgm:styleLbl name="parChTrans1D1">
+    <dgm:scene3d>
+      <a:camera prst="orthographicFront"/>
+      <a:lightRig rig="threePt" dir="t"/>
+    </dgm:scene3d>
+    <dgm:sp3d/>
+    <dgm:txPr/>
+    <dgm:style>
+      <a:lnRef idx="2">
+        <a:scrgbClr r="0" g="0" b="0"/>
+      </a:lnRef>
+      <a:fillRef idx="0">
+        <a:scrgbClr r="0" g="0" b="0"/>
+      </a:fillRef>
+      <a:effectRef idx="0">
+        <a:scrgbClr r="0" g="0" b="0"/>
+      </a:effectRef>
+      <a:fontRef idx="minor"/>
+    </dgm:style>
+  </dgm:styleLbl>
+  <dgm:styleLbl name="parChTrans1D2">
+    <dgm:scene3d>
+      <a:camera prst="orthographicFront"/>
+      <a:lightRig rig="threePt" dir="t"/>
+    </dgm:scene3d>
+    <dgm:sp3d/>
+    <dgm:txPr/>
+    <dgm:style>
+      <a:lnRef idx="2">
+        <a:scrgbClr r="0" g="0" b="0"/>
+      </a:lnRef>
+      <a:fillRef idx="0">
+        <a:scrgbClr r="0" g="0" b="0"/>
+      </a:fillRef>
+      <a:effectRef idx="0">
+        <a:scrgbClr r="0" g="0" b="0"/>
+      </a:effectRef>
+      <a:fontRef idx="minor"/>
+    </dgm:style>
+  </dgm:styleLbl>
+  <dgm:styleLbl name="parChTrans1D3">
+    <dgm:scene3d>
+      <a:camera prst="orthographicFront"/>
+      <a:lightRig rig="threePt" dir="t"/>
+    </dgm:scene3d>
+    <dgm:sp3d/>
+    <dgm:txPr/>
+    <dgm:style>
+      <a:lnRef idx="2">
+        <a:scrgbClr r="0" g="0" b="0"/>
+      </a:lnRef>
+      <a:fillRef idx="0">
+        <a:scrgbClr r="0" g="0" b="0"/>
+      </a:fillRef>
+      <a:effectRef idx="0">
+        <a:scrgbClr r="0" g="0" b="0"/>
+      </a:effectRef>
+      <a:fontRef idx="minor"/>
+    </dgm:style>
+  </dgm:styleLbl>
+  <dgm:styleLbl name="parChTrans1D4">
+    <dgm:scene3d>
+      <a:camera prst="orthographicFront"/>
+      <a:lightRig rig="threePt" dir="t"/>
+    </dgm:scene3d>
+    <dgm:sp3d/>
+    <dgm:txPr/>
+    <dgm:style>
+      <a:lnRef idx="2">
+        <a:scrgbClr r="0" g="0" b="0"/>
+      </a:lnRef>
+      <a:fillRef idx="0">
+        <a:scrgbClr r="0" g="0" b="0"/>
+      </a:fillRef>
+      <a:effectRef idx="0">
+        <a:scrgbClr r="0" g="0" b="0"/>
+      </a:effectRef>
+      <a:fontRef idx="minor"/>
+    </dgm:style>
+  </dgm:styleLbl>
+  <dgm:styleLbl name="fgAcc1">
+    <dgm:scene3d>
+      <a:camera prst="orthographicFront"/>
+      <a:lightRig rig="threePt" dir="t"/>
+    </dgm:scene3d>
+    <dgm:sp3d/>
+    <dgm:txPr/>
+    <dgm:style>
+      <a:lnRef idx="2">
+        <a:scrgbClr r="0" g="0" b="0"/>
+      </a:lnRef>
+      <a:fillRef idx="1">
+        <a:scrgbClr r="0" g="0" b="0"/>
+      </a:fillRef>
+      <a:effectRef idx="0">
+        <a:scrgbClr r="0" g="0" b="0"/>
+      </a:effectRef>
+      <a:fontRef idx="minor"/>
+    </dgm:style>
+  </dgm:styleLbl>
+  <dgm:styleLbl name="conFgAcc1">
+    <dgm:scene3d>
+      <a:camera prst="orthographicFront"/>
+      <a:lightRig rig="threePt" dir="t"/>
+    </dgm:scene3d>
+    <dgm:sp3d/>
+    <dgm:txPr/>
+    <dgm:style>
+      <a:lnRef idx="2">
+        <a:scrgbClr r="0" g="0" b="0"/>
+      </a:lnRef>
+      <a:fillRef idx="1">
+        <a:scrgbClr r="0" g="0" b="0"/>
+      </a:fillRef>
+      <a:effectRef idx="0">
+        <a:scrgbClr r="0" g="0" b="0"/>
+      </a:effectRef>
+      <a:fontRef idx="minor"/>
+    </dgm:style>
+  </dgm:styleLbl>
+  <dgm:styleLbl name="alignAcc1">
+    <dgm:scene3d>
+      <a:camera prst="orthographicFront"/>
+      <a:lightRig rig="threePt" dir="t"/>
+    </dgm:scene3d>
+    <dgm:sp3d/>
+    <dgm:txPr/>
+    <dgm:style>
+      <a:lnRef idx="2">
+        <a:scrgbClr r="0" g="0" b="0"/>
+      </a:lnRef>
+      <a:fillRef idx="1">
+        <a:scrgbClr r="0" g="0" b="0"/>
+      </a:fillRef>
+      <a:effectRef idx="0">
+        <a:scrgbClr r="0" g="0" b="0"/>
+      </a:effectRef>
+      <a:fontRef idx="minor"/>
+    </dgm:style>
+  </dgm:styleLbl>
+  <dgm:styleLbl name="trAlignAcc1">
+    <dgm:scene3d>
+      <a:camera prst="orthographicFront"/>
+      <a:lightRig rig="threePt" dir="t"/>
+    </dgm:scene3d>
+    <dgm:sp3d/>
+    <dgm:txPr/>
+    <dgm:style>
+      <a:lnRef idx="1">
+        <a:scrgbClr r="0" g="0" b="0"/>
+      </a:lnRef>
+      <a:fillRef idx="1">
+        <a:scrgbClr r="0" g="0" b="0"/>
+      </a:fillRef>
+      <a:effectRef idx="0">
+        <a:scrgbClr r="0" g="0" b="0"/>
+      </a:effectRef>
+      <a:fontRef idx="minor"/>
+    </dgm:style>
+  </dgm:styleLbl>
+  <dgm:styleLbl name="bgAcc1">
+    <dgm:scene3d>
+      <a:camera prst="orthographicFront"/>
+      <a:lightRig rig="threePt" dir="t"/>
+    </dgm:scene3d>
+    <dgm:sp3d/>
+    <dgm:txPr/>
+    <dgm:style>
+      <a:lnRef idx="2">
+        <a:scrgbClr r="0" g="0" b="0"/>
+      </a:lnRef>
+      <a:fillRef idx="1">
+        <a:scrgbClr r="0" g="0" b="0"/>
+      </a:fillRef>
+      <a:effectRef idx="0">
+        <a:scrgbClr r="0" g="0" b="0"/>
+      </a:effectRef>
+      <a:fontRef idx="minor"/>
+    </dgm:style>
+  </dgm:styleLbl>
+  <dgm:styleLbl name="solidFgAcc1">
+    <dgm:scene3d>
+      <a:camera prst="orthographicFront"/>
+      <a:lightRig rig="threePt" dir="t"/>
+    </dgm:scene3d>
+    <dgm:sp3d/>
+    <dgm:txPr/>
+    <dgm:style>
+      <a:lnRef idx="2">
+        <a:scrgbClr r="0" g="0" b="0"/>
+      </a:lnRef>
+      <a:fillRef idx="1">
+        <a:scrgbClr r="0" g="0" b="0"/>
+      </a:fillRef>
+      <a:effectRef idx="0">
+        <a:scrgbClr r="0" g="0" b="0"/>
+      </a:effectRef>
+      <a:fontRef idx="minor"/>
+    </dgm:style>
+  </dgm:styleLbl>
+  <dgm:styleLbl name="solidAlignAcc1">
+    <dgm:scene3d>
+      <a:camera prst="orthographicFront"/>
+      <a:lightRig rig="threePt" dir="t"/>
+    </dgm:scene3d>
+    <dgm:sp3d/>
+    <dgm:txPr/>
+    <dgm:style>
+      <a:lnRef idx="2">
+        <a:scrgbClr r="0" g="0" b="0"/>
+      </a:lnRef>
+      <a:fillRef idx="1">
+        <a:scrgbClr r="0" g="0" b="0"/>
+      </a:fillRef>
+      <a:effectRef idx="0">
+        <a:scrgbClr r="0" g="0" b="0"/>
+      </a:effectRef>
+      <a:fontRef idx="minor"/>
+    </dgm:style>
+  </dgm:styleLbl>
+  <dgm:styleLbl name="solidBgAcc1">
+    <dgm:scene3d>
+      <a:camera prst="orthographicFront"/>
+      <a:lightRig rig="threePt" dir="t"/>
+    </dgm:scene3d>
+    <dgm:sp3d/>
+    <dgm:txPr/>
+    <dgm:style>
+      <a:lnRef idx="2">
+        <a:scrgbClr r="0" g="0" b="0"/>
+      </a:lnRef>
+      <a:fillRef idx="1">
+        <a:scrgbClr r="0" g="0" b="0"/>
+      </a:fillRef>
+      <a:effectRef idx="0">
+        <a:scrgbClr r="0" g="0" b="0"/>
+      </a:effectRef>
+      <a:fontRef idx="minor"/>
+    </dgm:style>
+  </dgm:styleLbl>
+  <dgm:styleLbl name="fgAccFollowNode1">
+    <dgm:scene3d>
+      <a:camera prst="orthographicFront"/>
+      <a:lightRig rig="threePt" dir="t"/>
+    </dgm:scene3d>
+    <dgm:sp3d/>
+    <dgm:txPr/>
+    <dgm:style>
+      <a:lnRef idx="2">
+        <a:scrgbClr r="0" g="0" b="0"/>
+      </a:lnRef>
+      <a:fillRef idx="1">
+        <a:scrgbClr r="0" g="0" b="0"/>
+      </a:fillRef>
+      <a:effectRef idx="0">
+        <a:scrgbClr r="0" g="0" b="0"/>
+      </a:effectRef>
+      <a:fontRef idx="minor"/>
+    </dgm:style>
+  </dgm:styleLbl>
+  <dgm:styleLbl name="alignAccFollowNode1">
+    <dgm:scene3d>
+      <a:camera prst="orthographicFront"/>
+      <a:lightRig rig="threePt" dir="t"/>
+    </dgm:scene3d>
+    <dgm:sp3d/>
+    <dgm:txPr/>
+    <dgm:style>
+      <a:lnRef idx="2">
+        <a:scrgbClr r="0" g="0" b="0"/>
+      </a:lnRef>
+      <a:fillRef idx="1">
+        <a:scrgbClr r="0" g="0" b="0"/>
+      </a:fillRef>
+      <a:effectRef idx="0">
+        <a:scrgbClr r="0" g="0" b="0"/>
+      </a:effectRef>
+      <a:fontRef idx="minor"/>
+    </dgm:style>
+  </dgm:styleLbl>
+  <dgm:styleLbl name="bgAccFollowNode1">
+    <dgm:scene3d>
+      <a:camera prst="orthographicFront"/>
+      <a:lightRig rig="threePt" dir="t"/>
+    </dgm:scene3d>
+    <dgm:sp3d/>
+    <dgm:txPr/>
+    <dgm:style>
+      <a:lnRef idx="2">
+        <a:scrgbClr r="0" g="0" b="0"/>
+      </a:lnRef>
+      <a:fillRef idx="1">
+        <a:scrgbClr r="0" g="0" b="0"/>
+      </a:fillRef>
+      <a:effectRef idx="0">
+        <a:scrgbClr r="0" g="0" b="0"/>
+      </a:effectRef>
+      <a:fontRef idx="minor"/>
+    </dgm:style>
+  </dgm:styleLbl>
+  <dgm:styleLbl name="fgAcc0">
+    <dgm:scene3d>
+      <a:camera prst="orthographicFront"/>
+      <a:lightRig rig="threePt" dir="t"/>
+    </dgm:scene3d>
+    <dgm:sp3d/>
+    <dgm:txPr/>
+    <dgm:style>
+      <a:lnRef idx="2">
+        <a:scrgbClr r="0" g="0" b="0"/>
+      </a:lnRef>
+      <a:fillRef idx="1">
+        <a:scrgbClr r="0" g="0" b="0"/>
+      </a:fillRef>
+      <a:effectRef idx="0">
+        <a:scrgbClr r="0" g="0" b="0"/>
+      </a:effectRef>
+      <a:fontRef idx="minor"/>
+    </dgm:style>
+  </dgm:styleLbl>
+  <dgm:styleLbl name="fgAcc2">
+    <dgm:scene3d>
+      <a:camera prst="orthographicFront"/>
+      <a:lightRig rig="threePt" dir="t"/>
+    </dgm:scene3d>
+    <dgm:sp3d/>
+    <dgm:txPr/>
+    <dgm:style>
+      <a:lnRef idx="2">
+        <a:scrgbClr r="0" g="0" b="0"/>
+      </a:lnRef>
+      <a:fillRef idx="1">
+        <a:scrgbClr r="0" g="0" b="0"/>
+      </a:fillRef>
+      <a:effectRef idx="0">
+        <a:scrgbClr r="0" g="0" b="0"/>
+      </a:effectRef>
+      <a:fontRef idx="minor"/>
+    </dgm:style>
+  </dgm:styleLbl>
+  <dgm:styleLbl name="fgAcc3">
+    <dgm:scene3d>
+      <a:camera prst="orthographicFront"/>
+      <a:lightRig rig="threePt" dir="t"/>
+    </dgm:scene3d>
+    <dgm:sp3d/>
+    <dgm:txPr/>
+    <dgm:style>
+      <a:lnRef idx="2">
+        <a:scrgbClr r="0" g="0" b="0"/>
+      </a:lnRef>
+      <a:fillRef idx="1">
+        <a:scrgbClr r="0" g="0" b="0"/>
+      </a:fillRef>
+      <a:effectRef idx="0">
+        <a:scrgbClr r="0" g="0" b="0"/>
+      </a:effectRef>
+      <a:fontRef idx="minor"/>
+    </dgm:style>
+  </dgm:styleLbl>
+  <dgm:styleLbl name="fgAcc4">
+    <dgm:scene3d>
+      <a:camera prst="orthographicFront"/>
+      <a:lightRig rig="threePt" dir="t"/>
+    </dgm:scene3d>
+    <dgm:sp3d/>
+    <dgm:txPr/>
+    <dgm:style>
+      <a:lnRef idx="2">
+        <a:scrgbClr r="0" g="0" b="0"/>
+      </a:lnRef>
+      <a:fillRef idx="1">
+        <a:scrgbClr r="0" g="0" b="0"/>
+      </a:fillRef>
+      <a:effectRef idx="0">
+        <a:scrgbClr r="0" g="0" b="0"/>
+      </a:effectRef>
+      <a:fontRef idx="minor"/>
+    </dgm:style>
+  </dgm:styleLbl>
+  <dgm:styleLbl name="bgShp">
+    <dgm:scene3d>
+      <a:camera prst="orthographicFront"/>
+      <a:lightRig rig="threePt" dir="t"/>
+    </dgm:scene3d>
+    <dgm:sp3d/>
+    <dgm:txPr/>
+    <dgm:style>
+      <a:lnRef idx="0">
+        <a:scrgbClr r="0" g="0" b="0"/>
+      </a:lnRef>
+      <a:fillRef idx="1">
+        <a:scrgbClr r="0" g="0" b="0"/>
+      </a:fillRef>
+      <a:effectRef idx="0">
+        <a:scrgbClr r="0" g="0" b="0"/>
+      </a:effectRef>
+      <a:fontRef idx="minor"/>
+    </dgm:style>
+  </dgm:styleLbl>
+  <dgm:styleLbl name="dkBgShp">
+    <dgm:scene3d>
+      <a:camera prst="orthographicFront"/>
+      <a:lightRig rig="threePt" dir="t"/>
+    </dgm:scene3d>
+    <dgm:sp3d/>
+    <dgm:txPr/>
+    <dgm:style>
+      <a:lnRef idx="0">
+        <a:scrgbClr r="0" g="0" b="0"/>
+      </a:lnRef>
+      <a:fillRef idx="1">
+        <a:scrgbClr r="0" g="0" b="0"/>
+      </a:fillRef>
+      <a:effectRef idx="0">
+        <a:scrgbClr r="0" g="0" b="0"/>
+      </a:effectRef>
+      <a:fontRef idx="minor"/>
+    </dgm:style>
+  </dgm:styleLbl>
+  <dgm:styleLbl name="trBgShp">
+    <dgm:scene3d>
+      <a:camera prst="orthographicFront"/>
+      <a:lightRig rig="threePt" dir="t"/>
+    </dgm:scene3d>
+    <dgm:sp3d/>
+    <dgm:txPr/>
+    <dgm:style>
+      <a:lnRef idx="0">
+        <a:scrgbClr r="0" g="0" b="0"/>
+      </a:lnRef>
+      <a:fillRef idx="1">
+        <a:scrgbClr r="0" g="0" b="0"/>
+      </a:fillRef>
+      <a:effectRef idx="0">
+        <a:scrgbClr r="0" g="0" b="0"/>
+      </a:effectRef>
+      <a:fontRef idx="minor"/>
+    </dgm:style>
+  </dgm:styleLbl>
+  <dgm:styleLbl name="fgShp">
+    <dgm:scene3d>
+      <a:camera prst="orthographicFront"/>
+      <a:lightRig rig="threePt" dir="t"/>
+    </dgm:scene3d>
+    <dgm:sp3d/>
+    <dgm:txPr/>
+    <dgm:style>
+      <a:lnRef idx="2">
+        <a:scrgbClr r="0" g="0" b="0"/>
+      </a:lnRef>
+      <a:fillRef idx="1">
+        <a:scrgbClr r="0" g="0" b="0"/>
+      </a:fillRef>
+      <a:effectRef idx="0">
+        <a:scrgbClr r="0" g="0" b="0"/>
+      </a:effectRef>
+      <a:fontRef idx="minor"/>
+    </dgm:style>
+  </dgm:styleLbl>
+  <dgm:styleLbl name="revTx">
+    <dgm:scene3d>
+      <a:camera prst="orthographicFront"/>
+      <a:lightRig rig="threePt" dir="t"/>
+    </dgm:scene3d>
+    <dgm:sp3d/>
+    <dgm:txPr/>
+    <dgm:style>
+      <a:lnRef idx="0">
+        <a:scrgbClr r="0" g="0" b="0"/>
+      </a:lnRef>
+      <a:fillRef idx="0">
+        <a:scrgbClr r="0" g="0" b="0"/>
+      </a:fillRef>
+      <a:effectRef idx="0">
+        <a:scrgbClr r="0" g="0" b="0"/>
+      </a:effectRef>
+      <a:fontRef idx="minor"/>
+    </dgm:style>
+  </dgm:styleLbl>
+</dgm:styleDef>
+</file>
+
+<file path=ppt/diagrams/quickStyle4.xml><?xml version="1.0" encoding="utf-8"?>
 <dgm:styleDef xmlns:dgm="http://schemas.openxmlformats.org/drawingml/2006/diagram" xmlns:a="http://schemas.openxmlformats.org/drawingml/2006/main" uniqueId="urn:microsoft.com/office/officeart/2005/8/quickstyle/simple4">
   <dgm:title val=""/>
   <dgm:desc val=""/>
@@ -9425,7 +12138,7 @@
           <a:p>
             <a:fld id="{AF869721-F543-4A6C-BF9D-65D7CC540427}" type="datetimeFigureOut">
               <a:rPr lang="en-US" smtClean="0"/>
-              <a:t>5/31/2021</a:t>
+              <a:t>7/6/2021</a:t>
             </a:fld>
             <a:endParaRPr lang="en-US" dirty="0"/>
           </a:p>
@@ -9602,7 +12315,7 @@
           <a:p>
             <a:fld id="{C732326A-4C88-4AFB-AA5B-5919D81DFF5B}" type="datetimeFigureOut">
               <a:rPr lang="en-US" smtClean="0"/>
-              <a:t>5/31/2021</a:t>
+              <a:t>7/6/2021</a:t>
             </a:fld>
             <a:endParaRPr lang="en-US" dirty="0"/>
           </a:p>
@@ -10102,7 +12815,7 @@
           <a:p>
             <a:fld id="{C6B3AB32-59DF-41F1-9618-EDFBF5049629}" type="slidenum">
               <a:rPr lang="en-US" smtClean="0"/>
-              <a:t>6</a:t>
+              <a:t>9</a:t>
             </a:fld>
             <a:endParaRPr lang="en-US" dirty="0"/>
           </a:p>
@@ -10165,10 +12878,7 @@
           <a:bodyPr/>
           <a:lstStyle/>
           <a:p>
-            <a:r>
-              <a:rPr lang="en-US" dirty="0"/>
-              <a:t>https://drive.google.com/file/d/17DjBDN78j0e-FsorBzU61J3DlUEmU9Wt/view?usp=sharing</a:t>
-            </a:r>
+            <a:endParaRPr lang="en-US" dirty="0"/>
           </a:p>
         </p:txBody>
       </p:sp>
@@ -10189,7 +12899,7 @@
           <a:p>
             <a:fld id="{C6B3AB32-59DF-41F1-9618-EDFBF5049629}" type="slidenum">
               <a:rPr lang="en-US" smtClean="0"/>
-              <a:t>9</a:t>
+              <a:t>13</a:t>
             </a:fld>
             <a:endParaRPr lang="en-US" dirty="0"/>
           </a:p>
@@ -10198,7 +12908,7 @@
     </p:spTree>
     <p:extLst>
       <p:ext uri="{BB962C8B-B14F-4D97-AF65-F5344CB8AC3E}">
-        <p14:creationId xmlns:p14="http://schemas.microsoft.com/office/powerpoint/2010/main" val="1831338742"/>
+        <p14:creationId xmlns:p14="http://schemas.microsoft.com/office/powerpoint/2010/main" val="2827444924"/>
       </p:ext>
     </p:extLst>
   </p:cSld>
@@ -10273,7 +12983,7 @@
           <a:p>
             <a:fld id="{C6B3AB32-59DF-41F1-9618-EDFBF5049629}" type="slidenum">
               <a:rPr lang="en-US" smtClean="0"/>
-              <a:t>14</a:t>
+              <a:t>21</a:t>
             </a:fld>
             <a:endParaRPr lang="en-US" dirty="0"/>
           </a:p>
@@ -10357,7 +13067,7 @@
           <a:p>
             <a:fld id="{C6B3AB32-59DF-41F1-9618-EDFBF5049629}" type="slidenum">
               <a:rPr lang="en-US" smtClean="0"/>
-              <a:t>17</a:t>
+              <a:t>24</a:t>
             </a:fld>
             <a:endParaRPr lang="en-US" dirty="0"/>
           </a:p>
@@ -10622,7 +13332,7 @@
             <a:fld id="{B61BEF0D-F0BB-DE4B-95CE-6DB70DBA9567}" type="datetimeFigureOut">
               <a:rPr lang="en-US" smtClean="0"/>
               <a:pPr/>
-              <a:t>5/31/2021</a:t>
+              <a:t>7/6/2021</a:t>
             </a:fld>
             <a:endParaRPr lang="en-US" dirty="0"/>
           </a:p>
@@ -10886,7 +13596,7 @@
             <a:fld id="{B61BEF0D-F0BB-DE4B-95CE-6DB70DBA9567}" type="datetimeFigureOut">
               <a:rPr lang="en-US" smtClean="0"/>
               <a:pPr/>
-              <a:t>5/31/2021</a:t>
+              <a:t>7/6/2021</a:t>
             </a:fld>
             <a:endParaRPr lang="en-US" dirty="0"/>
           </a:p>
@@ -11123,7 +13833,7 @@
             <a:fld id="{B61BEF0D-F0BB-DE4B-95CE-6DB70DBA9567}" type="datetimeFigureOut">
               <a:rPr lang="en-US" smtClean="0"/>
               <a:pPr/>
-              <a:t>5/31/2021</a:t>
+              <a:t>7/6/2021</a:t>
             </a:fld>
             <a:endParaRPr lang="en-US" dirty="0"/>
           </a:p>
@@ -11365,7 +14075,7 @@
             <a:fld id="{B61BEF0D-F0BB-DE4B-95CE-6DB70DBA9567}" type="datetimeFigureOut">
               <a:rPr lang="en-US" smtClean="0"/>
               <a:pPr/>
-              <a:t>5/31/2021</a:t>
+              <a:t>7/6/2021</a:t>
             </a:fld>
             <a:endParaRPr lang="en-US" dirty="0"/>
           </a:p>
@@ -11674,7 +14384,7 @@
             <a:fld id="{B61BEF0D-F0BB-DE4B-95CE-6DB70DBA9567}" type="datetimeFigureOut">
               <a:rPr lang="en-US" smtClean="0"/>
               <a:pPr/>
-              <a:t>5/31/2021</a:t>
+              <a:t>7/6/2021</a:t>
             </a:fld>
             <a:endParaRPr lang="en-US" dirty="0"/>
           </a:p>
@@ -11978,7 +14688,7 @@
             <a:fld id="{B61BEF0D-F0BB-DE4B-95CE-6DB70DBA9567}" type="datetimeFigureOut">
               <a:rPr lang="en-US" smtClean="0"/>
               <a:pPr/>
-              <a:t>5/31/2021</a:t>
+              <a:t>7/6/2021</a:t>
             </a:fld>
             <a:endParaRPr lang="en-US" dirty="0"/>
           </a:p>
@@ -12402,7 +15112,7 @@
             <a:fld id="{B61BEF0D-F0BB-DE4B-95CE-6DB70DBA9567}" type="datetimeFigureOut">
               <a:rPr lang="en-US" smtClean="0"/>
               <a:pPr/>
-              <a:t>5/31/2021</a:t>
+              <a:t>7/6/2021</a:t>
             </a:fld>
             <a:endParaRPr lang="en-US" dirty="0"/>
           </a:p>
@@ -12499,7 +15209,7 @@
             <a:fld id="{B61BEF0D-F0BB-DE4B-95CE-6DB70DBA9567}" type="datetimeFigureOut">
               <a:rPr lang="en-US" smtClean="0"/>
               <a:pPr/>
-              <a:t>5/31/2021</a:t>
+              <a:t>7/6/2021</a:t>
             </a:fld>
             <a:endParaRPr lang="en-US" dirty="0"/>
           </a:p>
@@ -12663,7 +15373,7 @@
             <a:fld id="{B61BEF0D-F0BB-DE4B-95CE-6DB70DBA9567}" type="datetimeFigureOut">
               <a:rPr lang="en-US" smtClean="0"/>
               <a:pPr/>
-              <a:t>5/31/2021</a:t>
+              <a:t>7/6/2021</a:t>
             </a:fld>
             <a:endParaRPr lang="en-US" dirty="0"/>
           </a:p>
@@ -13043,7 +15753,7 @@
             <a:fld id="{B61BEF0D-F0BB-DE4B-95CE-6DB70DBA9567}" type="datetimeFigureOut">
               <a:rPr lang="en-US" smtClean="0"/>
               <a:pPr/>
-              <a:t>5/31/2021</a:t>
+              <a:t>7/6/2021</a:t>
             </a:fld>
             <a:endParaRPr lang="en-US" dirty="0"/>
           </a:p>
@@ -13334,7 +16044,7 @@
             <a:fld id="{B61BEF0D-F0BB-DE4B-95CE-6DB70DBA9567}" type="datetimeFigureOut">
               <a:rPr lang="en-US" smtClean="0"/>
               <a:pPr/>
-              <a:t>5/31/2021</a:t>
+              <a:t>7/6/2021</a:t>
             </a:fld>
             <a:endParaRPr lang="en-US" dirty="0"/>
           </a:p>
@@ -13547,7 +16257,7 @@
             <a:fld id="{B61BEF0D-F0BB-DE4B-95CE-6DB70DBA9567}" type="datetimeFigureOut">
               <a:rPr lang="en-US" smtClean="0"/>
               <a:pPr/>
-              <a:t>5/31/2021</a:t>
+              <a:t>7/6/2021</a:t>
             </a:fld>
             <a:endParaRPr lang="en-US" dirty="0"/>
           </a:p>
@@ -14618,10 +17328,10 @@
       </p:grpSpPr>
       <p:sp>
         <p:nvSpPr>
-          <p:cNvPr id="4" name="Title 3">
+          <p:cNvPr id="22" name="Title 21">
             <a:extLst>
               <a:ext uri="{FF2B5EF4-FFF2-40B4-BE49-F238E27FC236}">
-                <a16:creationId xmlns:a16="http://schemas.microsoft.com/office/drawing/2014/main" id="{DB056804-DCC2-473D-8229-101CED2564CC}"/>
+                <a16:creationId xmlns:a16="http://schemas.microsoft.com/office/drawing/2014/main" id="{23F2AC7E-9D11-4C66-87C4-5565EE97C620}"/>
               </a:ext>
             </a:extLst>
           </p:cNvPr>
@@ -14639,45 +17349,40 @@
           <a:p>
             <a:r>
               <a:rPr lang="en-US" dirty="0"/>
-              <a:t>Crawling – explore Sitemap</a:t>
+              <a:t>Modeling</a:t>
             </a:r>
           </a:p>
         </p:txBody>
       </p:sp>
-      <p:pic>
-        <p:nvPicPr>
-          <p:cNvPr id="7" name="Picture 6">
+      <p:sp>
+        <p:nvSpPr>
+          <p:cNvPr id="23" name="Text Placeholder 22">
             <a:extLst>
               <a:ext uri="{FF2B5EF4-FFF2-40B4-BE49-F238E27FC236}">
-                <a16:creationId xmlns:a16="http://schemas.microsoft.com/office/drawing/2014/main" id="{0A11F817-EBE2-48C8-A946-C3426EA2B920}"/>
+                <a16:creationId xmlns:a16="http://schemas.microsoft.com/office/drawing/2014/main" id="{8F41B6A6-77D3-461D-B320-4EABC470C69A}"/>
               </a:ext>
             </a:extLst>
           </p:cNvPr>
-          <p:cNvPicPr>
-            <a:picLocks noChangeAspect="1"/>
-          </p:cNvPicPr>
-          <p:nvPr/>
-        </p:nvPicPr>
-        <p:blipFill>
-          <a:blip r:embed="rId2"/>
-          <a:stretch>
-            <a:fillRect/>
-          </a:stretch>
-        </p:blipFill>
-        <p:spPr>
-          <a:xfrm>
-            <a:off x="4772121" y="1899820"/>
-            <a:ext cx="2647757" cy="4958179"/>
-          </a:xfrm>
-          <a:prstGeom prst="rect">
-            <a:avLst/>
-          </a:prstGeom>
-        </p:spPr>
-      </p:pic>
+          <p:cNvSpPr>
+            <a:spLocks noGrp="1"/>
+          </p:cNvSpPr>
+          <p:nvPr>
+            <p:ph type="body" idx="1"/>
+          </p:nvPr>
+        </p:nvSpPr>
+        <p:spPr/>
+        <p:txBody>
+          <a:bodyPr/>
+          <a:lstStyle/>
+          <a:p>
+            <a:endParaRPr lang="en-US" dirty="0"/>
+          </a:p>
+        </p:txBody>
+      </p:sp>
     </p:spTree>
     <p:extLst>
       <p:ext uri="{BB962C8B-B14F-4D97-AF65-F5344CB8AC3E}">
-        <p14:creationId xmlns:p14="http://schemas.microsoft.com/office/powerpoint/2010/main" val="1173577491"/>
+        <p14:creationId xmlns:p14="http://schemas.microsoft.com/office/powerpoint/2010/main" val="1476872715"/>
       </p:ext>
     </p:extLst>
   </p:cSld>
@@ -14739,7 +17444,417 @@
           <a:p>
             <a:r>
               <a:rPr lang="en-US" dirty="0"/>
-              <a:t>Crawling – explore BY FOLLOWING</a:t>
+              <a:t>Modeling - Model</a:t>
+            </a:r>
+          </a:p>
+        </p:txBody>
+      </p:sp>
+      <p:pic>
+        <p:nvPicPr>
+          <p:cNvPr id="3" name="Picture 2">
+            <a:extLst>
+              <a:ext uri="{FF2B5EF4-FFF2-40B4-BE49-F238E27FC236}">
+                <a16:creationId xmlns:a16="http://schemas.microsoft.com/office/drawing/2014/main" id="{7359ECD5-9782-484D-8C11-967EFCC4AAE8}"/>
+              </a:ext>
+            </a:extLst>
+          </p:cNvPr>
+          <p:cNvPicPr>
+            <a:picLocks noChangeAspect="1"/>
+          </p:cNvPicPr>
+          <p:nvPr/>
+        </p:nvPicPr>
+        <p:blipFill>
+          <a:blip r:embed="rId2"/>
+          <a:stretch>
+            <a:fillRect/>
+          </a:stretch>
+        </p:blipFill>
+        <p:spPr>
+          <a:xfrm>
+            <a:off x="1377193" y="2517129"/>
+            <a:ext cx="9437614" cy="3406249"/>
+          </a:xfrm>
+          <a:prstGeom prst="rect">
+            <a:avLst/>
+          </a:prstGeom>
+        </p:spPr>
+      </p:pic>
+    </p:spTree>
+    <p:extLst>
+      <p:ext uri="{BB962C8B-B14F-4D97-AF65-F5344CB8AC3E}">
+        <p14:creationId xmlns:p14="http://schemas.microsoft.com/office/powerpoint/2010/main" val="2908314280"/>
+      </p:ext>
+    </p:extLst>
+  </p:cSld>
+  <p:clrMapOvr>
+    <a:masterClrMapping/>
+  </p:clrMapOvr>
+  <mc:AlternateContent xmlns:mc="http://schemas.openxmlformats.org/markup-compatibility/2006" xmlns:p159="http://schemas.microsoft.com/office/powerpoint/2015/09/main">
+    <mc:Choice Requires="p159">
+      <p:transition xmlns:p14="http://schemas.microsoft.com/office/powerpoint/2010/main" spd="slow" p14:dur="2000">
+        <p159:morph option="byObject"/>
+      </p:transition>
+    </mc:Choice>
+    <mc:Fallback xmlns="">
+      <p:transition spd="slow">
+        <p:fade/>
+      </p:transition>
+    </mc:Fallback>
+  </mc:AlternateContent>
+</p:sld>
+</file>
+
+<file path=ppt/slides/slide12.xml><?xml version="1.0" encoding="utf-8"?>
+<p:sld xmlns:a="http://schemas.openxmlformats.org/drawingml/2006/main" xmlns:r="http://schemas.openxmlformats.org/officeDocument/2006/relationships" xmlns:p="http://schemas.openxmlformats.org/presentationml/2006/main">
+  <p:cSld>
+    <p:spTree>
+      <p:nvGrpSpPr>
+        <p:cNvPr id="1" name=""/>
+        <p:cNvGrpSpPr/>
+        <p:nvPr/>
+      </p:nvGrpSpPr>
+      <p:grpSpPr>
+        <a:xfrm>
+          <a:off x="0" y="0"/>
+          <a:ext cx="0" cy="0"/>
+          <a:chOff x="0" y="0"/>
+          <a:chExt cx="0" cy="0"/>
+        </a:xfrm>
+      </p:grpSpPr>
+      <p:sp>
+        <p:nvSpPr>
+          <p:cNvPr id="4" name="Title 3">
+            <a:extLst>
+              <a:ext uri="{FF2B5EF4-FFF2-40B4-BE49-F238E27FC236}">
+                <a16:creationId xmlns:a16="http://schemas.microsoft.com/office/drawing/2014/main" id="{DB056804-DCC2-473D-8229-101CED2564CC}"/>
+              </a:ext>
+            </a:extLst>
+          </p:cNvPr>
+          <p:cNvSpPr>
+            <a:spLocks noGrp="1"/>
+          </p:cNvSpPr>
+          <p:nvPr>
+            <p:ph type="title"/>
+          </p:nvPr>
+        </p:nvSpPr>
+        <p:spPr/>
+        <p:txBody>
+          <a:bodyPr/>
+          <a:lstStyle/>
+          <a:p>
+            <a:r>
+              <a:rPr lang="en-US" dirty="0"/>
+              <a:t>Modeling - Tools</a:t>
+            </a:r>
+          </a:p>
+        </p:txBody>
+      </p:sp>
+      <p:sp>
+        <p:nvSpPr>
+          <p:cNvPr id="3" name="Content Placeholder 2">
+            <a:extLst>
+              <a:ext uri="{FF2B5EF4-FFF2-40B4-BE49-F238E27FC236}">
+                <a16:creationId xmlns:a16="http://schemas.microsoft.com/office/drawing/2014/main" id="{BB6ABDC9-DFFA-43A9-8D3F-7AF9A8BE8A97}"/>
+              </a:ext>
+            </a:extLst>
+          </p:cNvPr>
+          <p:cNvSpPr>
+            <a:spLocks noGrp="1"/>
+          </p:cNvSpPr>
+          <p:nvPr>
+            <p:ph idx="1"/>
+          </p:nvPr>
+        </p:nvSpPr>
+        <p:spPr/>
+        <p:txBody>
+          <a:bodyPr anchor="t"/>
+          <a:lstStyle/>
+          <a:p>
+            <a:pPr>
+              <a:lnSpc>
+                <a:spcPct val="200000"/>
+              </a:lnSpc>
+            </a:pPr>
+            <a:r>
+              <a:rPr lang="en-US" dirty="0"/>
+              <a:t>Flask Framework</a:t>
+            </a:r>
+          </a:p>
+          <a:p>
+            <a:pPr>
+              <a:lnSpc>
+                <a:spcPct val="200000"/>
+              </a:lnSpc>
+            </a:pPr>
+            <a:r>
+              <a:rPr lang="en-US" dirty="0"/>
+              <a:t>Graph Database (Neo4J)</a:t>
+            </a:r>
+          </a:p>
+        </p:txBody>
+      </p:sp>
+    </p:spTree>
+    <p:extLst>
+      <p:ext uri="{BB962C8B-B14F-4D97-AF65-F5344CB8AC3E}">
+        <p14:creationId xmlns:p14="http://schemas.microsoft.com/office/powerpoint/2010/main" val="700336461"/>
+      </p:ext>
+    </p:extLst>
+  </p:cSld>
+  <p:clrMapOvr>
+    <a:masterClrMapping/>
+  </p:clrMapOvr>
+  <mc:AlternateContent xmlns:mc="http://schemas.openxmlformats.org/markup-compatibility/2006" xmlns:p159="http://schemas.microsoft.com/office/powerpoint/2015/09/main">
+    <mc:Choice Requires="p159">
+      <p:transition xmlns:p14="http://schemas.microsoft.com/office/powerpoint/2010/main" spd="slow" p14:dur="2000">
+        <p159:morph option="byObject"/>
+      </p:transition>
+    </mc:Choice>
+    <mc:Fallback xmlns="">
+      <p:transition spd="slow">
+        <p:fade/>
+      </p:transition>
+    </mc:Fallback>
+  </mc:AlternateContent>
+</p:sld>
+</file>
+
+<file path=ppt/slides/slide13.xml><?xml version="1.0" encoding="utf-8"?>
+<p:sld xmlns:a="http://schemas.openxmlformats.org/drawingml/2006/main" xmlns:r="http://schemas.openxmlformats.org/officeDocument/2006/relationships" xmlns:p="http://schemas.openxmlformats.org/presentationml/2006/main">
+  <p:cSld>
+    <p:spTree>
+      <p:nvGrpSpPr>
+        <p:cNvPr id="1" name=""/>
+        <p:cNvGrpSpPr/>
+        <p:nvPr/>
+      </p:nvGrpSpPr>
+      <p:grpSpPr>
+        <a:xfrm>
+          <a:off x="0" y="0"/>
+          <a:ext cx="0" cy="0"/>
+          <a:chOff x="0" y="0"/>
+          <a:chExt cx="0" cy="0"/>
+        </a:xfrm>
+      </p:grpSpPr>
+      <p:sp>
+        <p:nvSpPr>
+          <p:cNvPr id="4" name="Title 3">
+            <a:extLst>
+              <a:ext uri="{FF2B5EF4-FFF2-40B4-BE49-F238E27FC236}">
+                <a16:creationId xmlns:a16="http://schemas.microsoft.com/office/drawing/2014/main" id="{DB056804-DCC2-473D-8229-101CED2564CC}"/>
+              </a:ext>
+            </a:extLst>
+          </p:cNvPr>
+          <p:cNvSpPr>
+            <a:spLocks noGrp="1"/>
+          </p:cNvSpPr>
+          <p:nvPr>
+            <p:ph type="title"/>
+          </p:nvPr>
+        </p:nvSpPr>
+        <p:spPr/>
+        <p:txBody>
+          <a:bodyPr/>
+          <a:lstStyle/>
+          <a:p>
+            <a:r>
+              <a:rPr lang="en-US" dirty="0"/>
+              <a:t>Modeling - components</a:t>
+            </a:r>
+          </a:p>
+        </p:txBody>
+      </p:sp>
+      <p:graphicFrame>
+        <p:nvGraphicFramePr>
+          <p:cNvPr id="10" name="Content Placeholder 3" descr="icon SmartArt graphic">
+            <a:extLst>
+              <a:ext uri="{FF2B5EF4-FFF2-40B4-BE49-F238E27FC236}">
+                <a16:creationId xmlns:a16="http://schemas.microsoft.com/office/drawing/2014/main" id="{34C6D995-4E02-4B01-A6BC-696484E5709C}"/>
+              </a:ext>
+            </a:extLst>
+          </p:cNvPr>
+          <p:cNvGraphicFramePr>
+            <a:graphicFrameLocks noGrp="1"/>
+          </p:cNvGraphicFramePr>
+          <p:nvPr>
+            <p:ph idx="1"/>
+          </p:nvPr>
+        </p:nvGraphicFramePr>
+        <p:xfrm>
+          <a:off x="581192" y="2194639"/>
+          <a:ext cx="10906125" cy="3961205"/>
+        </p:xfrm>
+        <a:graphic>
+          <a:graphicData uri="http://schemas.openxmlformats.org/drawingml/2006/diagram">
+            <dgm:relIds xmlns:dgm="http://schemas.openxmlformats.org/drawingml/2006/diagram" xmlns:r="http://schemas.openxmlformats.org/officeDocument/2006/relationships" r:dm="rId3" r:lo="rId4" r:qs="rId5" r:cs="rId6"/>
+          </a:graphicData>
+        </a:graphic>
+      </p:graphicFrame>
+    </p:spTree>
+    <p:extLst>
+      <p:ext uri="{BB962C8B-B14F-4D97-AF65-F5344CB8AC3E}">
+        <p14:creationId xmlns:p14="http://schemas.microsoft.com/office/powerpoint/2010/main" val="537949078"/>
+      </p:ext>
+    </p:extLst>
+  </p:cSld>
+  <p:clrMapOvr>
+    <a:masterClrMapping/>
+  </p:clrMapOvr>
+  <mc:AlternateContent xmlns:mc="http://schemas.openxmlformats.org/markup-compatibility/2006" xmlns:p159="http://schemas.microsoft.com/office/powerpoint/2015/09/main">
+    <mc:Choice Requires="p159">
+      <p:transition xmlns:p14="http://schemas.microsoft.com/office/powerpoint/2010/main" spd="slow" p14:dur="2000">
+        <p159:morph option="byObject"/>
+      </p:transition>
+    </mc:Choice>
+    <mc:Fallback xmlns="">
+      <p:transition spd="slow">
+        <p:fade/>
+      </p:transition>
+    </mc:Fallback>
+  </mc:AlternateContent>
+</p:sld>
+</file>
+
+<file path=ppt/slides/slide14.xml><?xml version="1.0" encoding="utf-8"?>
+<p:sld xmlns:a="http://schemas.openxmlformats.org/drawingml/2006/main" xmlns:r="http://schemas.openxmlformats.org/officeDocument/2006/relationships" xmlns:p="http://schemas.openxmlformats.org/presentationml/2006/main">
+  <p:cSld>
+    <p:spTree>
+      <p:nvGrpSpPr>
+        <p:cNvPr id="1" name=""/>
+        <p:cNvGrpSpPr/>
+        <p:nvPr/>
+      </p:nvGrpSpPr>
+      <p:grpSpPr>
+        <a:xfrm>
+          <a:off x="0" y="0"/>
+          <a:ext cx="0" cy="0"/>
+          <a:chOff x="0" y="0"/>
+          <a:chExt cx="0" cy="0"/>
+        </a:xfrm>
+      </p:grpSpPr>
+      <p:sp>
+        <p:nvSpPr>
+          <p:cNvPr id="4" name="Title 3">
+            <a:extLst>
+              <a:ext uri="{FF2B5EF4-FFF2-40B4-BE49-F238E27FC236}">
+                <a16:creationId xmlns:a16="http://schemas.microsoft.com/office/drawing/2014/main" id="{DB056804-DCC2-473D-8229-101CED2564CC}"/>
+              </a:ext>
+            </a:extLst>
+          </p:cNvPr>
+          <p:cNvSpPr>
+            <a:spLocks noGrp="1"/>
+          </p:cNvSpPr>
+          <p:nvPr>
+            <p:ph type="title"/>
+          </p:nvPr>
+        </p:nvSpPr>
+        <p:spPr/>
+        <p:txBody>
+          <a:bodyPr/>
+          <a:lstStyle/>
+          <a:p>
+            <a:r>
+              <a:rPr lang="en-US" dirty="0"/>
+              <a:t>Modeling – Crawling (explore Sitemap)</a:t>
+            </a:r>
+          </a:p>
+        </p:txBody>
+      </p:sp>
+      <p:pic>
+        <p:nvPicPr>
+          <p:cNvPr id="7" name="Picture 6">
+            <a:extLst>
+              <a:ext uri="{FF2B5EF4-FFF2-40B4-BE49-F238E27FC236}">
+                <a16:creationId xmlns:a16="http://schemas.microsoft.com/office/drawing/2014/main" id="{0A11F817-EBE2-48C8-A946-C3426EA2B920}"/>
+              </a:ext>
+            </a:extLst>
+          </p:cNvPr>
+          <p:cNvPicPr>
+            <a:picLocks noChangeAspect="1"/>
+          </p:cNvPicPr>
+          <p:nvPr/>
+        </p:nvPicPr>
+        <p:blipFill>
+          <a:blip r:embed="rId2"/>
+          <a:stretch>
+            <a:fillRect/>
+          </a:stretch>
+        </p:blipFill>
+        <p:spPr>
+          <a:xfrm>
+            <a:off x="4772121" y="1899820"/>
+            <a:ext cx="2647757" cy="4958179"/>
+          </a:xfrm>
+          <a:prstGeom prst="rect">
+            <a:avLst/>
+          </a:prstGeom>
+        </p:spPr>
+      </p:pic>
+    </p:spTree>
+    <p:extLst>
+      <p:ext uri="{BB962C8B-B14F-4D97-AF65-F5344CB8AC3E}">
+        <p14:creationId xmlns:p14="http://schemas.microsoft.com/office/powerpoint/2010/main" val="1173577491"/>
+      </p:ext>
+    </p:extLst>
+  </p:cSld>
+  <p:clrMapOvr>
+    <a:masterClrMapping/>
+  </p:clrMapOvr>
+  <mc:AlternateContent xmlns:mc="http://schemas.openxmlformats.org/markup-compatibility/2006" xmlns:p159="http://schemas.microsoft.com/office/powerpoint/2015/09/main">
+    <mc:Choice Requires="p159">
+      <p:transition xmlns:p14="http://schemas.microsoft.com/office/powerpoint/2010/main" spd="slow" p14:dur="2000">
+        <p159:morph option="byObject"/>
+      </p:transition>
+    </mc:Choice>
+    <mc:Fallback xmlns="">
+      <p:transition spd="slow">
+        <p:fade/>
+      </p:transition>
+    </mc:Fallback>
+  </mc:AlternateContent>
+</p:sld>
+</file>
+
+<file path=ppt/slides/slide15.xml><?xml version="1.0" encoding="utf-8"?>
+<p:sld xmlns:a="http://schemas.openxmlformats.org/drawingml/2006/main" xmlns:r="http://schemas.openxmlformats.org/officeDocument/2006/relationships" xmlns:p="http://schemas.openxmlformats.org/presentationml/2006/main">
+  <p:cSld>
+    <p:spTree>
+      <p:nvGrpSpPr>
+        <p:cNvPr id="1" name=""/>
+        <p:cNvGrpSpPr/>
+        <p:nvPr/>
+      </p:nvGrpSpPr>
+      <p:grpSpPr>
+        <a:xfrm>
+          <a:off x="0" y="0"/>
+          <a:ext cx="0" cy="0"/>
+          <a:chOff x="0" y="0"/>
+          <a:chExt cx="0" cy="0"/>
+        </a:xfrm>
+      </p:grpSpPr>
+      <p:sp>
+        <p:nvSpPr>
+          <p:cNvPr id="4" name="Title 3">
+            <a:extLst>
+              <a:ext uri="{FF2B5EF4-FFF2-40B4-BE49-F238E27FC236}">
+                <a16:creationId xmlns:a16="http://schemas.microsoft.com/office/drawing/2014/main" id="{DB056804-DCC2-473D-8229-101CED2564CC}"/>
+              </a:ext>
+            </a:extLst>
+          </p:cNvPr>
+          <p:cNvSpPr>
+            <a:spLocks noGrp="1"/>
+          </p:cNvSpPr>
+          <p:nvPr>
+            <p:ph type="title"/>
+          </p:nvPr>
+        </p:nvSpPr>
+        <p:spPr/>
+        <p:txBody>
+          <a:bodyPr/>
+          <a:lstStyle/>
+          <a:p>
+            <a:r>
+              <a:rPr lang="en-US" dirty="0"/>
+              <a:t>Modeling - Crawling (explore BY FOLLOWING)</a:t>
             </a:r>
           </a:p>
         </p:txBody>
@@ -14799,7 +17914,7 @@
 </p:sld>
 </file>
 
-<file path=ppt/slides/slide12.xml><?xml version="1.0" encoding="utf-8"?>
+<file path=ppt/slides/slide16.xml><?xml version="1.0" encoding="utf-8"?>
 <p:sld xmlns:a="http://schemas.openxmlformats.org/drawingml/2006/main" xmlns:r="http://schemas.openxmlformats.org/officeDocument/2006/relationships" xmlns:p="http://schemas.openxmlformats.org/presentationml/2006/main">
   <p:cSld>
     <p:spTree>
@@ -14837,6 +17952,10 @@
           <a:bodyPr/>
           <a:lstStyle/>
           <a:p>
+            <a:r>
+              <a:rPr lang="en-US" dirty="0"/>
+              <a:t>Modeling - </a:t>
+            </a:r>
             <a:r>
               <a:rPr lang="en-US" dirty="0" err="1"/>
               <a:t>INDExing</a:t>
@@ -14900,7 +18019,77 @@
 </p:sld>
 </file>
 
-<file path=ppt/slides/slide13.xml><?xml version="1.0" encoding="utf-8"?>
+<file path=ppt/slides/slide17.xml><?xml version="1.0" encoding="utf-8"?>
+<p:sld xmlns:a="http://schemas.openxmlformats.org/drawingml/2006/main" xmlns:r="http://schemas.openxmlformats.org/officeDocument/2006/relationships" xmlns:p="http://schemas.openxmlformats.org/presentationml/2006/main">
+  <p:cSld>
+    <p:spTree>
+      <p:nvGrpSpPr>
+        <p:cNvPr id="1" name=""/>
+        <p:cNvGrpSpPr/>
+        <p:nvPr/>
+      </p:nvGrpSpPr>
+      <p:grpSpPr>
+        <a:xfrm>
+          <a:off x="0" y="0"/>
+          <a:ext cx="0" cy="0"/>
+          <a:chOff x="0" y="0"/>
+          <a:chExt cx="0" cy="0"/>
+        </a:xfrm>
+      </p:grpSpPr>
+      <p:sp>
+        <p:nvSpPr>
+          <p:cNvPr id="4" name="Title 3">
+            <a:extLst>
+              <a:ext uri="{FF2B5EF4-FFF2-40B4-BE49-F238E27FC236}">
+                <a16:creationId xmlns:a16="http://schemas.microsoft.com/office/drawing/2014/main" id="{DB056804-DCC2-473D-8229-101CED2564CC}"/>
+              </a:ext>
+            </a:extLst>
+          </p:cNvPr>
+          <p:cNvSpPr>
+            <a:spLocks noGrp="1"/>
+          </p:cNvSpPr>
+          <p:nvPr>
+            <p:ph type="title"/>
+          </p:nvPr>
+        </p:nvSpPr>
+        <p:spPr/>
+        <p:txBody>
+          <a:bodyPr/>
+          <a:lstStyle/>
+          <a:p>
+            <a:r>
+              <a:rPr lang="en-US" dirty="0"/>
+              <a:t>Modeling - QUERYING</a:t>
+            </a:r>
+          </a:p>
+        </p:txBody>
+      </p:sp>
+    </p:spTree>
+    <p:extLst>
+      <p:ext uri="{BB962C8B-B14F-4D97-AF65-F5344CB8AC3E}">
+        <p14:creationId xmlns:p14="http://schemas.microsoft.com/office/powerpoint/2010/main" val="165380542"/>
+      </p:ext>
+    </p:extLst>
+  </p:cSld>
+  <p:clrMapOvr>
+    <a:masterClrMapping/>
+  </p:clrMapOvr>
+  <mc:AlternateContent xmlns:mc="http://schemas.openxmlformats.org/markup-compatibility/2006">
+    <mc:Choice xmlns:p159="http://schemas.microsoft.com/office/powerpoint/2015/09/main" Requires="p159">
+      <p:transition xmlns:p14="http://schemas.microsoft.com/office/powerpoint/2010/main" spd="slow" p14:dur="2000">
+        <p159:morph option="byObject"/>
+      </p:transition>
+    </mc:Choice>
+    <mc:Fallback>
+      <p:transition spd="slow">
+        <p:fade/>
+      </p:transition>
+    </mc:Fallback>
+  </mc:AlternateContent>
+</p:sld>
+</file>
+
+<file path=ppt/slides/slide18.xml><?xml version="1.0" encoding="utf-8"?>
 <p:sld xmlns:a="http://schemas.openxmlformats.org/drawingml/2006/main" xmlns:r="http://schemas.openxmlformats.org/officeDocument/2006/relationships" xmlns:p="http://schemas.openxmlformats.org/presentationml/2006/main">
   <p:cSld>
     <p:bg>
@@ -14984,7 +18173,303 @@
 </p:sld>
 </file>
 
-<file path=ppt/slides/slide14.xml><?xml version="1.0" encoding="utf-8"?>
+<file path=ppt/slides/slide19.xml><?xml version="1.0" encoding="utf-8"?>
+<p:sld xmlns:a="http://schemas.openxmlformats.org/drawingml/2006/main" xmlns:r="http://schemas.openxmlformats.org/officeDocument/2006/relationships" xmlns:p="http://schemas.openxmlformats.org/presentationml/2006/main">
+  <p:cSld>
+    <p:spTree>
+      <p:nvGrpSpPr>
+        <p:cNvPr id="1" name=""/>
+        <p:cNvGrpSpPr/>
+        <p:nvPr/>
+      </p:nvGrpSpPr>
+      <p:grpSpPr>
+        <a:xfrm>
+          <a:off x="0" y="0"/>
+          <a:ext cx="0" cy="0"/>
+          <a:chOff x="0" y="0"/>
+          <a:chExt cx="0" cy="0"/>
+        </a:xfrm>
+      </p:grpSpPr>
+      <p:sp>
+        <p:nvSpPr>
+          <p:cNvPr id="22" name="Title 21">
+            <a:extLst>
+              <a:ext uri="{FF2B5EF4-FFF2-40B4-BE49-F238E27FC236}">
+                <a16:creationId xmlns:a16="http://schemas.microsoft.com/office/drawing/2014/main" id="{23F2AC7E-9D11-4C66-87C4-5565EE97C620}"/>
+              </a:ext>
+            </a:extLst>
+          </p:cNvPr>
+          <p:cNvSpPr>
+            <a:spLocks noGrp="1"/>
+          </p:cNvSpPr>
+          <p:nvPr>
+            <p:ph type="title"/>
+          </p:nvPr>
+        </p:nvSpPr>
+        <p:spPr/>
+        <p:txBody>
+          <a:bodyPr/>
+          <a:lstStyle/>
+          <a:p>
+            <a:r>
+              <a:rPr lang="en-US" dirty="0"/>
+              <a:t>Conclusion</a:t>
+            </a:r>
+          </a:p>
+        </p:txBody>
+      </p:sp>
+      <p:sp>
+        <p:nvSpPr>
+          <p:cNvPr id="23" name="Text Placeholder 22">
+            <a:extLst>
+              <a:ext uri="{FF2B5EF4-FFF2-40B4-BE49-F238E27FC236}">
+                <a16:creationId xmlns:a16="http://schemas.microsoft.com/office/drawing/2014/main" id="{8F41B6A6-77D3-461D-B320-4EABC470C69A}"/>
+              </a:ext>
+            </a:extLst>
+          </p:cNvPr>
+          <p:cNvSpPr>
+            <a:spLocks noGrp="1"/>
+          </p:cNvSpPr>
+          <p:nvPr>
+            <p:ph type="body" idx="1"/>
+          </p:nvPr>
+        </p:nvSpPr>
+        <p:spPr/>
+        <p:txBody>
+          <a:bodyPr/>
+          <a:lstStyle/>
+          <a:p>
+            <a:endParaRPr lang="en-US" dirty="0"/>
+          </a:p>
+        </p:txBody>
+      </p:sp>
+    </p:spTree>
+    <p:extLst>
+      <p:ext uri="{BB962C8B-B14F-4D97-AF65-F5344CB8AC3E}">
+        <p14:creationId xmlns:p14="http://schemas.microsoft.com/office/powerpoint/2010/main" val="1770976863"/>
+      </p:ext>
+    </p:extLst>
+  </p:cSld>
+  <p:clrMapOvr>
+    <a:masterClrMapping/>
+  </p:clrMapOvr>
+  <mc:AlternateContent xmlns:mc="http://schemas.openxmlformats.org/markup-compatibility/2006" xmlns:p159="http://schemas.microsoft.com/office/powerpoint/2015/09/main">
+    <mc:Choice Requires="p159">
+      <p:transition xmlns:p14="http://schemas.microsoft.com/office/powerpoint/2010/main" spd="slow" p14:dur="2000">
+        <p159:morph option="byObject"/>
+      </p:transition>
+    </mc:Choice>
+    <mc:Fallback xmlns="">
+      <p:transition spd="slow">
+        <p:fade/>
+      </p:transition>
+    </mc:Fallback>
+  </mc:AlternateContent>
+</p:sld>
+</file>
+
+<file path=ppt/slides/slide2.xml><?xml version="1.0" encoding="utf-8"?>
+<p:sld xmlns:a="http://schemas.openxmlformats.org/drawingml/2006/main" xmlns:r="http://schemas.openxmlformats.org/officeDocument/2006/relationships" xmlns:p="http://schemas.openxmlformats.org/presentationml/2006/main">
+  <p:cSld>
+    <p:spTree>
+      <p:nvGrpSpPr>
+        <p:cNvPr id="1" name=""/>
+        <p:cNvGrpSpPr/>
+        <p:nvPr/>
+      </p:nvGrpSpPr>
+      <p:grpSpPr>
+        <a:xfrm>
+          <a:off x="0" y="0"/>
+          <a:ext cx="0" cy="0"/>
+          <a:chOff x="0" y="0"/>
+          <a:chExt cx="0" cy="0"/>
+        </a:xfrm>
+      </p:grpSpPr>
+      <p:sp>
+        <p:nvSpPr>
+          <p:cNvPr id="4" name="Title 3">
+            <a:extLst>
+              <a:ext uri="{FF2B5EF4-FFF2-40B4-BE49-F238E27FC236}">
+                <a16:creationId xmlns:a16="http://schemas.microsoft.com/office/drawing/2014/main" id="{DB056804-DCC2-473D-8229-101CED2564CC}"/>
+              </a:ext>
+            </a:extLst>
+          </p:cNvPr>
+          <p:cNvSpPr>
+            <a:spLocks noGrp="1"/>
+          </p:cNvSpPr>
+          <p:nvPr>
+            <p:ph type="title"/>
+          </p:nvPr>
+        </p:nvSpPr>
+        <p:spPr/>
+        <p:txBody>
+          <a:bodyPr/>
+          <a:lstStyle/>
+          <a:p>
+            <a:r>
+              <a:rPr lang="en-US" dirty="0"/>
+              <a:t>CORE MEMBERS</a:t>
+            </a:r>
+          </a:p>
+        </p:txBody>
+      </p:sp>
+      <p:graphicFrame>
+        <p:nvGraphicFramePr>
+          <p:cNvPr id="10" name="Content Placeholder 3" descr="icon SmartArt graphic">
+            <a:extLst>
+              <a:ext uri="{FF2B5EF4-FFF2-40B4-BE49-F238E27FC236}">
+                <a16:creationId xmlns:a16="http://schemas.microsoft.com/office/drawing/2014/main" id="{34C6D995-4E02-4B01-A6BC-696484E5709C}"/>
+              </a:ext>
+            </a:extLst>
+          </p:cNvPr>
+          <p:cNvGraphicFramePr>
+            <a:graphicFrameLocks noGrp="1"/>
+          </p:cNvGraphicFramePr>
+          <p:nvPr>
+            <p:ph idx="1"/>
+            <p:extLst>
+              <p:ext uri="{D42A27DB-BD31-4B8C-83A1-F6EECF244321}">
+                <p14:modId xmlns:p14="http://schemas.microsoft.com/office/powerpoint/2010/main" val="1217720232"/>
+              </p:ext>
+            </p:extLst>
+          </p:nvPr>
+        </p:nvGraphicFramePr>
+        <p:xfrm>
+          <a:off x="581192" y="2194639"/>
+          <a:ext cx="10906125" cy="3961205"/>
+        </p:xfrm>
+        <a:graphic>
+          <a:graphicData uri="http://schemas.openxmlformats.org/drawingml/2006/diagram">
+            <dgm:relIds xmlns:dgm="http://schemas.openxmlformats.org/drawingml/2006/diagram" xmlns:r="http://schemas.openxmlformats.org/officeDocument/2006/relationships" r:dm="rId3" r:lo="rId4" r:qs="rId5" r:cs="rId6"/>
+          </a:graphicData>
+        </a:graphic>
+      </p:graphicFrame>
+    </p:spTree>
+    <p:extLst>
+      <p:ext uri="{BB962C8B-B14F-4D97-AF65-F5344CB8AC3E}">
+        <p14:creationId xmlns:p14="http://schemas.microsoft.com/office/powerpoint/2010/main" val="1126181290"/>
+      </p:ext>
+    </p:extLst>
+  </p:cSld>
+  <p:clrMapOvr>
+    <a:masterClrMapping/>
+  </p:clrMapOvr>
+  <mc:AlternateContent xmlns:mc="http://schemas.openxmlformats.org/markup-compatibility/2006" xmlns:p159="http://schemas.microsoft.com/office/powerpoint/2015/09/main">
+    <mc:Choice Requires="p159">
+      <p:transition xmlns:p14="http://schemas.microsoft.com/office/powerpoint/2010/main" spd="slow" p14:dur="2000">
+        <p159:morph option="byObject"/>
+      </p:transition>
+    </mc:Choice>
+    <mc:Fallback xmlns="">
+      <p:transition spd="slow">
+        <p:fade/>
+      </p:transition>
+    </mc:Fallback>
+  </mc:AlternateContent>
+</p:sld>
+</file>
+
+<file path=ppt/slides/slide20.xml><?xml version="1.0" encoding="utf-8"?>
+<p:sld xmlns:a="http://schemas.openxmlformats.org/drawingml/2006/main" xmlns:r="http://schemas.openxmlformats.org/officeDocument/2006/relationships" xmlns:p="http://schemas.openxmlformats.org/presentationml/2006/main">
+  <p:cSld>
+    <p:spTree>
+      <p:nvGrpSpPr>
+        <p:cNvPr id="1" name=""/>
+        <p:cNvGrpSpPr/>
+        <p:nvPr/>
+      </p:nvGrpSpPr>
+      <p:grpSpPr>
+        <a:xfrm>
+          <a:off x="0" y="0"/>
+          <a:ext cx="0" cy="0"/>
+          <a:chOff x="0" y="0"/>
+          <a:chExt cx="0" cy="0"/>
+        </a:xfrm>
+      </p:grpSpPr>
+      <p:sp>
+        <p:nvSpPr>
+          <p:cNvPr id="4" name="Title 3">
+            <a:extLst>
+              <a:ext uri="{FF2B5EF4-FFF2-40B4-BE49-F238E27FC236}">
+                <a16:creationId xmlns:a16="http://schemas.microsoft.com/office/drawing/2014/main" id="{DB056804-DCC2-473D-8229-101CED2564CC}"/>
+              </a:ext>
+            </a:extLst>
+          </p:cNvPr>
+          <p:cNvSpPr>
+            <a:spLocks noGrp="1"/>
+          </p:cNvSpPr>
+          <p:nvPr>
+            <p:ph type="title"/>
+          </p:nvPr>
+        </p:nvSpPr>
+        <p:spPr/>
+        <p:txBody>
+          <a:bodyPr/>
+          <a:lstStyle/>
+          <a:p>
+            <a:r>
+              <a:rPr lang="en-US" dirty="0"/>
+              <a:t>Conclusion</a:t>
+            </a:r>
+          </a:p>
+        </p:txBody>
+      </p:sp>
+      <p:sp>
+        <p:nvSpPr>
+          <p:cNvPr id="3" name="Content Placeholder 2">
+            <a:extLst>
+              <a:ext uri="{FF2B5EF4-FFF2-40B4-BE49-F238E27FC236}">
+                <a16:creationId xmlns:a16="http://schemas.microsoft.com/office/drawing/2014/main" id="{BB6ABDC9-DFFA-43A9-8D3F-7AF9A8BE8A97}"/>
+              </a:ext>
+            </a:extLst>
+          </p:cNvPr>
+          <p:cNvSpPr>
+            <a:spLocks noGrp="1"/>
+          </p:cNvSpPr>
+          <p:nvPr>
+            <p:ph idx="1"/>
+          </p:nvPr>
+        </p:nvSpPr>
+        <p:spPr/>
+        <p:txBody>
+          <a:bodyPr anchor="t"/>
+          <a:lstStyle/>
+          <a:p>
+            <a:pPr>
+              <a:lnSpc>
+                <a:spcPct val="200000"/>
+              </a:lnSpc>
+            </a:pPr>
+            <a:endParaRPr lang="en-US" dirty="0"/>
+          </a:p>
+        </p:txBody>
+      </p:sp>
+    </p:spTree>
+    <p:extLst>
+      <p:ext uri="{BB962C8B-B14F-4D97-AF65-F5344CB8AC3E}">
+        <p14:creationId xmlns:p14="http://schemas.microsoft.com/office/powerpoint/2010/main" val="849100530"/>
+      </p:ext>
+    </p:extLst>
+  </p:cSld>
+  <p:clrMapOvr>
+    <a:masterClrMapping/>
+  </p:clrMapOvr>
+  <mc:AlternateContent xmlns:mc="http://schemas.openxmlformats.org/markup-compatibility/2006" xmlns:p159="http://schemas.microsoft.com/office/powerpoint/2015/09/main">
+    <mc:Choice Requires="p159">
+      <p:transition xmlns:p14="http://schemas.microsoft.com/office/powerpoint/2010/main" spd="slow" p14:dur="2000">
+        <p159:morph option="byObject"/>
+      </p:transition>
+    </mc:Choice>
+    <mc:Fallback xmlns="">
+      <p:transition spd="slow">
+        <p:fade/>
+      </p:transition>
+    </mc:Fallback>
+  </mc:AlternateContent>
+</p:sld>
+</file>
+
+<file path=ppt/slides/slide21.xml><?xml version="1.0" encoding="utf-8"?>
 <p:sld xmlns:a="http://schemas.openxmlformats.org/drawingml/2006/main" xmlns:r="http://schemas.openxmlformats.org/officeDocument/2006/relationships" xmlns:p="http://schemas.openxmlformats.org/presentationml/2006/main">
   <p:cSld>
     <p:bg>
@@ -15472,7 +18957,7 @@
 </p:sld>
 </file>
 
-<file path=ppt/slides/slide15.xml><?xml version="1.0" encoding="utf-8"?>
+<file path=ppt/slides/slide22.xml><?xml version="1.0" encoding="utf-8"?>
 <p:sld xmlns:a="http://schemas.openxmlformats.org/drawingml/2006/main" xmlns:r="http://schemas.openxmlformats.org/officeDocument/2006/relationships" xmlns:p="http://schemas.openxmlformats.org/presentationml/2006/main">
   <p:cSld>
     <p:spTree>
@@ -15564,7 +19049,7 @@
 </p:sld>
 </file>
 
-<file path=ppt/slides/slide16.xml><?xml version="1.0" encoding="utf-8"?>
+<file path=ppt/slides/slide23.xml><?xml version="1.0" encoding="utf-8"?>
 <p:sld xmlns:a="http://schemas.openxmlformats.org/drawingml/2006/main" xmlns:r="http://schemas.openxmlformats.org/officeDocument/2006/relationships" xmlns:p="http://schemas.openxmlformats.org/presentationml/2006/main">
   <p:cSld>
     <p:spTree>
@@ -15656,7 +19141,7 @@
 </p:sld>
 </file>
 
-<file path=ppt/slides/slide17.xml><?xml version="1.0" encoding="utf-8"?>
+<file path=ppt/slides/slide24.xml><?xml version="1.0" encoding="utf-8"?>
 <p:sld xmlns:a="http://schemas.openxmlformats.org/drawingml/2006/main" xmlns:r="http://schemas.openxmlformats.org/officeDocument/2006/relationships" xmlns:p="http://schemas.openxmlformats.org/presentationml/2006/main">
   <p:cSld>
     <p:bg>
@@ -16058,107 +19543,6 @@
 </p:sld>
 </file>
 
-<file path=ppt/slides/slide2.xml><?xml version="1.0" encoding="utf-8"?>
-<p:sld xmlns:a="http://schemas.openxmlformats.org/drawingml/2006/main" xmlns:r="http://schemas.openxmlformats.org/officeDocument/2006/relationships" xmlns:p="http://schemas.openxmlformats.org/presentationml/2006/main">
-  <p:cSld>
-    <p:spTree>
-      <p:nvGrpSpPr>
-        <p:cNvPr id="1" name=""/>
-        <p:cNvGrpSpPr/>
-        <p:nvPr/>
-      </p:nvGrpSpPr>
-      <p:grpSpPr>
-        <a:xfrm>
-          <a:off x="0" y="0"/>
-          <a:ext cx="0" cy="0"/>
-          <a:chOff x="0" y="0"/>
-          <a:chExt cx="0" cy="0"/>
-        </a:xfrm>
-      </p:grpSpPr>
-      <p:sp>
-        <p:nvSpPr>
-          <p:cNvPr id="4" name="Title 3">
-            <a:extLst>
-              <a:ext uri="{FF2B5EF4-FFF2-40B4-BE49-F238E27FC236}">
-                <a16:creationId xmlns:a16="http://schemas.microsoft.com/office/drawing/2014/main" id="{DB056804-DCC2-473D-8229-101CED2564CC}"/>
-              </a:ext>
-            </a:extLst>
-          </p:cNvPr>
-          <p:cNvSpPr>
-            <a:spLocks noGrp="1"/>
-          </p:cNvSpPr>
-          <p:nvPr>
-            <p:ph type="title"/>
-          </p:nvPr>
-        </p:nvSpPr>
-        <p:spPr/>
-        <p:txBody>
-          <a:bodyPr/>
-          <a:lstStyle/>
-          <a:p>
-            <a:r>
-              <a:rPr lang="en-US" dirty="0"/>
-              <a:t>CORE MEMBERS</a:t>
-            </a:r>
-          </a:p>
-        </p:txBody>
-      </p:sp>
-      <p:graphicFrame>
-        <p:nvGraphicFramePr>
-          <p:cNvPr id="10" name="Content Placeholder 3" descr="icon SmartArt graphic">
-            <a:extLst>
-              <a:ext uri="{FF2B5EF4-FFF2-40B4-BE49-F238E27FC236}">
-                <a16:creationId xmlns:a16="http://schemas.microsoft.com/office/drawing/2014/main" id="{34C6D995-4E02-4B01-A6BC-696484E5709C}"/>
-              </a:ext>
-            </a:extLst>
-          </p:cNvPr>
-          <p:cNvGraphicFramePr>
-            <a:graphicFrameLocks noGrp="1"/>
-          </p:cNvGraphicFramePr>
-          <p:nvPr>
-            <p:ph idx="1"/>
-            <p:extLst>
-              <p:ext uri="{D42A27DB-BD31-4B8C-83A1-F6EECF244321}">
-                <p14:modId xmlns:p14="http://schemas.microsoft.com/office/powerpoint/2010/main" val="1217720232"/>
-              </p:ext>
-            </p:extLst>
-          </p:nvPr>
-        </p:nvGraphicFramePr>
-        <p:xfrm>
-          <a:off x="581192" y="2194639"/>
-          <a:ext cx="10906125" cy="3961205"/>
-        </p:xfrm>
-        <a:graphic>
-          <a:graphicData uri="http://schemas.openxmlformats.org/drawingml/2006/diagram">
-            <dgm:relIds xmlns:dgm="http://schemas.openxmlformats.org/drawingml/2006/diagram" xmlns:r="http://schemas.openxmlformats.org/officeDocument/2006/relationships" r:dm="rId3" r:lo="rId4" r:qs="rId5" r:cs="rId6"/>
-          </a:graphicData>
-        </a:graphic>
-      </p:graphicFrame>
-    </p:spTree>
-    <p:extLst>
-      <p:ext uri="{BB962C8B-B14F-4D97-AF65-F5344CB8AC3E}">
-        <p14:creationId xmlns:p14="http://schemas.microsoft.com/office/powerpoint/2010/main" val="1126181290"/>
-      </p:ext>
-    </p:extLst>
-  </p:cSld>
-  <p:clrMapOvr>
-    <a:masterClrMapping/>
-  </p:clrMapOvr>
-  <mc:AlternateContent xmlns:mc="http://schemas.openxmlformats.org/markup-compatibility/2006" xmlns:p159="http://schemas.microsoft.com/office/powerpoint/2015/09/main">
-    <mc:Choice Requires="p159">
-      <p:transition xmlns:p14="http://schemas.microsoft.com/office/powerpoint/2010/main" spd="slow" p14:dur="2000">
-        <p159:morph option="byObject"/>
-      </p:transition>
-    </mc:Choice>
-    <mc:Fallback xmlns="">
-      <p:transition spd="slow">
-        <p:fade/>
-      </p:transition>
-    </mc:Fallback>
-  </mc:AlternateContent>
-</p:sld>
-</file>
-
 <file path=ppt/slides/slide3.xml><?xml version="1.0" encoding="utf-8"?>
 <p:sld xmlns:a="http://schemas.openxmlformats.org/drawingml/2006/main" xmlns:r="http://schemas.openxmlformats.org/officeDocument/2006/relationships" xmlns:p="http://schemas.openxmlformats.org/presentationml/2006/main">
   <p:cSld>
@@ -16232,7 +19616,7 @@
             </a:pPr>
             <a:r>
               <a:rPr lang="en-US" dirty="0"/>
-              <a:t>System Architecture</a:t>
+              <a:t>Motivation</a:t>
             </a:r>
           </a:p>
           <a:p>
@@ -16243,7 +19627,7 @@
             </a:pPr>
             <a:r>
               <a:rPr lang="en-US" dirty="0"/>
-              <a:t>Model</a:t>
+              <a:t>Objective</a:t>
             </a:r>
           </a:p>
           <a:p>
@@ -16254,7 +19638,7 @@
             </a:pPr>
             <a:r>
               <a:rPr lang="en-US" dirty="0"/>
-              <a:t>Processes</a:t>
+              <a:t>Modeling</a:t>
             </a:r>
           </a:p>
           <a:p>
@@ -16266,6 +19650,17 @@
             <a:r>
               <a:rPr lang="en-US" dirty="0"/>
               <a:t>Demo</a:t>
+            </a:r>
+          </a:p>
+          <a:p>
+            <a:pPr>
+              <a:lnSpc>
+                <a:spcPct val="200000"/>
+              </a:lnSpc>
+            </a:pPr>
+            <a:r>
+              <a:rPr lang="en-US" dirty="0"/>
+              <a:t>Conclusion</a:t>
             </a:r>
           </a:p>
         </p:txBody>
@@ -16343,7 +19738,7 @@
           <a:p>
             <a:r>
               <a:rPr lang="en-US" dirty="0"/>
-              <a:t>SYSTEM Architecture</a:t>
+              <a:t>Motivation</a:t>
             </a:r>
           </a:p>
         </p:txBody>
@@ -16399,6 +19794,348 @@
 </file>
 
 <file path=ppt/slides/slide5.xml><?xml version="1.0" encoding="utf-8"?>
+<p:sld xmlns:a="http://schemas.openxmlformats.org/drawingml/2006/main" xmlns:r="http://schemas.openxmlformats.org/officeDocument/2006/relationships" xmlns:p="http://schemas.openxmlformats.org/presentationml/2006/main">
+  <p:cSld>
+    <p:spTree>
+      <p:nvGrpSpPr>
+        <p:cNvPr id="1" name=""/>
+        <p:cNvGrpSpPr/>
+        <p:nvPr/>
+      </p:nvGrpSpPr>
+      <p:grpSpPr>
+        <a:xfrm>
+          <a:off x="0" y="0"/>
+          <a:ext cx="0" cy="0"/>
+          <a:chOff x="0" y="0"/>
+          <a:chExt cx="0" cy="0"/>
+        </a:xfrm>
+      </p:grpSpPr>
+      <p:sp>
+        <p:nvSpPr>
+          <p:cNvPr id="4" name="Title 3">
+            <a:extLst>
+              <a:ext uri="{FF2B5EF4-FFF2-40B4-BE49-F238E27FC236}">
+                <a16:creationId xmlns:a16="http://schemas.microsoft.com/office/drawing/2014/main" id="{DB056804-DCC2-473D-8229-101CED2564CC}"/>
+              </a:ext>
+            </a:extLst>
+          </p:cNvPr>
+          <p:cNvSpPr>
+            <a:spLocks noGrp="1"/>
+          </p:cNvSpPr>
+          <p:nvPr>
+            <p:ph type="title"/>
+          </p:nvPr>
+        </p:nvSpPr>
+        <p:spPr/>
+        <p:txBody>
+          <a:bodyPr/>
+          <a:lstStyle/>
+          <a:p>
+            <a:r>
+              <a:rPr lang="en-US" dirty="0"/>
+              <a:t>Motivation</a:t>
+            </a:r>
+          </a:p>
+        </p:txBody>
+      </p:sp>
+      <p:sp>
+        <p:nvSpPr>
+          <p:cNvPr id="3" name="Content Placeholder 2">
+            <a:extLst>
+              <a:ext uri="{FF2B5EF4-FFF2-40B4-BE49-F238E27FC236}">
+                <a16:creationId xmlns:a16="http://schemas.microsoft.com/office/drawing/2014/main" id="{BB6ABDC9-DFFA-43A9-8D3F-7AF9A8BE8A97}"/>
+              </a:ext>
+            </a:extLst>
+          </p:cNvPr>
+          <p:cNvSpPr>
+            <a:spLocks noGrp="1"/>
+          </p:cNvSpPr>
+          <p:nvPr>
+            <p:ph idx="1"/>
+          </p:nvPr>
+        </p:nvSpPr>
+        <p:spPr/>
+        <p:txBody>
+          <a:bodyPr anchor="t"/>
+          <a:lstStyle/>
+          <a:p>
+            <a:pPr>
+              <a:lnSpc>
+                <a:spcPct val="200000"/>
+              </a:lnSpc>
+            </a:pPr>
+            <a:r>
+              <a:rPr lang="en-US" dirty="0"/>
+              <a:t>To learn how search engine works under the hood</a:t>
+            </a:r>
+          </a:p>
+          <a:p>
+            <a:pPr>
+              <a:lnSpc>
+                <a:spcPct val="200000"/>
+              </a:lnSpc>
+            </a:pPr>
+            <a:r>
+              <a:rPr lang="en-US" dirty="0"/>
+              <a:t>To apply the knowledge been learned in Information Retrieval course</a:t>
+            </a:r>
+          </a:p>
+          <a:p>
+            <a:pPr>
+              <a:lnSpc>
+                <a:spcPct val="200000"/>
+              </a:lnSpc>
+            </a:pPr>
+            <a:r>
+              <a:rPr lang="en-US" dirty="0"/>
+              <a:t>To make sense of the vast world of the internet on how it is connected to each others</a:t>
+            </a:r>
+          </a:p>
+        </p:txBody>
+      </p:sp>
+    </p:spTree>
+    <p:extLst>
+      <p:ext uri="{BB962C8B-B14F-4D97-AF65-F5344CB8AC3E}">
+        <p14:creationId xmlns:p14="http://schemas.microsoft.com/office/powerpoint/2010/main" val="1709123306"/>
+      </p:ext>
+    </p:extLst>
+  </p:cSld>
+  <p:clrMapOvr>
+    <a:masterClrMapping/>
+  </p:clrMapOvr>
+  <mc:AlternateContent xmlns:mc="http://schemas.openxmlformats.org/markup-compatibility/2006" xmlns:p159="http://schemas.microsoft.com/office/powerpoint/2015/09/main">
+    <mc:Choice Requires="p159">
+      <p:transition xmlns:p14="http://schemas.microsoft.com/office/powerpoint/2010/main" spd="slow" p14:dur="2000">
+        <p159:morph option="byObject"/>
+      </p:transition>
+    </mc:Choice>
+    <mc:Fallback xmlns="">
+      <p:transition spd="slow">
+        <p:fade/>
+      </p:transition>
+    </mc:Fallback>
+  </mc:AlternateContent>
+</p:sld>
+</file>
+
+<file path=ppt/slides/slide6.xml><?xml version="1.0" encoding="utf-8"?>
+<p:sld xmlns:a="http://schemas.openxmlformats.org/drawingml/2006/main" xmlns:r="http://schemas.openxmlformats.org/officeDocument/2006/relationships" xmlns:p="http://schemas.openxmlformats.org/presentationml/2006/main">
+  <p:cSld>
+    <p:spTree>
+      <p:nvGrpSpPr>
+        <p:cNvPr id="1" name=""/>
+        <p:cNvGrpSpPr/>
+        <p:nvPr/>
+      </p:nvGrpSpPr>
+      <p:grpSpPr>
+        <a:xfrm>
+          <a:off x="0" y="0"/>
+          <a:ext cx="0" cy="0"/>
+          <a:chOff x="0" y="0"/>
+          <a:chExt cx="0" cy="0"/>
+        </a:xfrm>
+      </p:grpSpPr>
+      <p:sp>
+        <p:nvSpPr>
+          <p:cNvPr id="22" name="Title 21">
+            <a:extLst>
+              <a:ext uri="{FF2B5EF4-FFF2-40B4-BE49-F238E27FC236}">
+                <a16:creationId xmlns:a16="http://schemas.microsoft.com/office/drawing/2014/main" id="{23F2AC7E-9D11-4C66-87C4-5565EE97C620}"/>
+              </a:ext>
+            </a:extLst>
+          </p:cNvPr>
+          <p:cNvSpPr>
+            <a:spLocks noGrp="1"/>
+          </p:cNvSpPr>
+          <p:nvPr>
+            <p:ph type="title"/>
+          </p:nvPr>
+        </p:nvSpPr>
+        <p:spPr/>
+        <p:txBody>
+          <a:bodyPr/>
+          <a:lstStyle/>
+          <a:p>
+            <a:r>
+              <a:rPr lang="en-US" dirty="0"/>
+              <a:t>Objective</a:t>
+            </a:r>
+          </a:p>
+        </p:txBody>
+      </p:sp>
+      <p:sp>
+        <p:nvSpPr>
+          <p:cNvPr id="23" name="Text Placeholder 22">
+            <a:extLst>
+              <a:ext uri="{FF2B5EF4-FFF2-40B4-BE49-F238E27FC236}">
+                <a16:creationId xmlns:a16="http://schemas.microsoft.com/office/drawing/2014/main" id="{8F41B6A6-77D3-461D-B320-4EABC470C69A}"/>
+              </a:ext>
+            </a:extLst>
+          </p:cNvPr>
+          <p:cNvSpPr>
+            <a:spLocks noGrp="1"/>
+          </p:cNvSpPr>
+          <p:nvPr>
+            <p:ph type="body" idx="1"/>
+          </p:nvPr>
+        </p:nvSpPr>
+        <p:spPr/>
+        <p:txBody>
+          <a:bodyPr/>
+          <a:lstStyle/>
+          <a:p>
+            <a:endParaRPr lang="en-US" dirty="0"/>
+          </a:p>
+        </p:txBody>
+      </p:sp>
+    </p:spTree>
+    <p:extLst>
+      <p:ext uri="{BB962C8B-B14F-4D97-AF65-F5344CB8AC3E}">
+        <p14:creationId xmlns:p14="http://schemas.microsoft.com/office/powerpoint/2010/main" val="749898742"/>
+      </p:ext>
+    </p:extLst>
+  </p:cSld>
+  <p:clrMapOvr>
+    <a:masterClrMapping/>
+  </p:clrMapOvr>
+  <mc:AlternateContent xmlns:mc="http://schemas.openxmlformats.org/markup-compatibility/2006" xmlns:p159="http://schemas.microsoft.com/office/powerpoint/2015/09/main">
+    <mc:Choice Requires="p159">
+      <p:transition xmlns:p14="http://schemas.microsoft.com/office/powerpoint/2010/main" spd="slow" p14:dur="2000">
+        <p159:morph option="byObject"/>
+      </p:transition>
+    </mc:Choice>
+    <mc:Fallback xmlns="">
+      <p:transition spd="slow">
+        <p:fade/>
+      </p:transition>
+    </mc:Fallback>
+  </mc:AlternateContent>
+</p:sld>
+</file>
+
+<file path=ppt/slides/slide7.xml><?xml version="1.0" encoding="utf-8"?>
+<p:sld xmlns:a="http://schemas.openxmlformats.org/drawingml/2006/main" xmlns:r="http://schemas.openxmlformats.org/officeDocument/2006/relationships" xmlns:p="http://schemas.openxmlformats.org/presentationml/2006/main">
+  <p:cSld>
+    <p:spTree>
+      <p:nvGrpSpPr>
+        <p:cNvPr id="1" name=""/>
+        <p:cNvGrpSpPr/>
+        <p:nvPr/>
+      </p:nvGrpSpPr>
+      <p:grpSpPr>
+        <a:xfrm>
+          <a:off x="0" y="0"/>
+          <a:ext cx="0" cy="0"/>
+          <a:chOff x="0" y="0"/>
+          <a:chExt cx="0" cy="0"/>
+        </a:xfrm>
+      </p:grpSpPr>
+      <p:sp>
+        <p:nvSpPr>
+          <p:cNvPr id="4" name="Title 3">
+            <a:extLst>
+              <a:ext uri="{FF2B5EF4-FFF2-40B4-BE49-F238E27FC236}">
+                <a16:creationId xmlns:a16="http://schemas.microsoft.com/office/drawing/2014/main" id="{DB056804-DCC2-473D-8229-101CED2564CC}"/>
+              </a:ext>
+            </a:extLst>
+          </p:cNvPr>
+          <p:cNvSpPr>
+            <a:spLocks noGrp="1"/>
+          </p:cNvSpPr>
+          <p:nvPr>
+            <p:ph type="title"/>
+          </p:nvPr>
+        </p:nvSpPr>
+        <p:spPr/>
+        <p:txBody>
+          <a:bodyPr/>
+          <a:lstStyle/>
+          <a:p>
+            <a:r>
+              <a:rPr lang="en-US" dirty="0"/>
+              <a:t>Objective</a:t>
+            </a:r>
+          </a:p>
+        </p:txBody>
+      </p:sp>
+      <p:sp>
+        <p:nvSpPr>
+          <p:cNvPr id="3" name="Content Placeholder 2">
+            <a:extLst>
+              <a:ext uri="{FF2B5EF4-FFF2-40B4-BE49-F238E27FC236}">
+                <a16:creationId xmlns:a16="http://schemas.microsoft.com/office/drawing/2014/main" id="{BB6ABDC9-DFFA-43A9-8D3F-7AF9A8BE8A97}"/>
+              </a:ext>
+            </a:extLst>
+          </p:cNvPr>
+          <p:cNvSpPr>
+            <a:spLocks noGrp="1"/>
+          </p:cNvSpPr>
+          <p:nvPr>
+            <p:ph idx="1"/>
+          </p:nvPr>
+        </p:nvSpPr>
+        <p:spPr/>
+        <p:txBody>
+          <a:bodyPr anchor="t"/>
+          <a:lstStyle/>
+          <a:p>
+            <a:pPr>
+              <a:lnSpc>
+                <a:spcPct val="200000"/>
+              </a:lnSpc>
+            </a:pPr>
+            <a:r>
+              <a:rPr lang="en-US" dirty="0"/>
+              <a:t>Want to build a basic search engine which user can search with keywords that extracted from metadata in each webpage.</a:t>
+            </a:r>
+          </a:p>
+          <a:p>
+            <a:pPr>
+              <a:lnSpc>
+                <a:spcPct val="200000"/>
+              </a:lnSpc>
+            </a:pPr>
+            <a:r>
+              <a:rPr lang="en-US" dirty="0"/>
+              <a:t>Want to target only </a:t>
+            </a:r>
+            <a:r>
+              <a:rPr lang="en-US" dirty="0" err="1"/>
+              <a:t>stackoverflow</a:t>
+            </a:r>
+            <a:r>
+              <a:rPr lang="en-US" dirty="0"/>
+              <a:t> (hardware constraint).</a:t>
+            </a:r>
+          </a:p>
+        </p:txBody>
+      </p:sp>
+    </p:spTree>
+    <p:extLst>
+      <p:ext uri="{BB962C8B-B14F-4D97-AF65-F5344CB8AC3E}">
+        <p14:creationId xmlns:p14="http://schemas.microsoft.com/office/powerpoint/2010/main" val="2510349198"/>
+      </p:ext>
+    </p:extLst>
+  </p:cSld>
+  <p:clrMapOvr>
+    <a:masterClrMapping/>
+  </p:clrMapOvr>
+  <mc:AlternateContent xmlns:mc="http://schemas.openxmlformats.org/markup-compatibility/2006" xmlns:p159="http://schemas.microsoft.com/office/powerpoint/2015/09/main">
+    <mc:Choice Requires="p159">
+      <p:transition xmlns:p14="http://schemas.microsoft.com/office/powerpoint/2010/main" spd="slow" p14:dur="2000">
+        <p159:morph option="byObject"/>
+      </p:transition>
+    </mc:Choice>
+    <mc:Fallback xmlns="">
+      <p:transition spd="slow">
+        <p:fade/>
+      </p:transition>
+    </mc:Fallback>
+  </mc:AlternateContent>
+</p:sld>
+</file>
+
+<file path=ppt/slides/slide8.xml><?xml version="1.0" encoding="utf-8"?>
 <p:sld xmlns:a="http://schemas.openxmlformats.org/drawingml/2006/main" xmlns:r="http://schemas.openxmlformats.org/officeDocument/2006/relationships" xmlns:p="http://schemas.openxmlformats.org/presentationml/2006/main">
   <p:cSld>
     <p:spTree>
@@ -16512,7 +20249,7 @@
 </p:sld>
 </file>
 
-<file path=ppt/slides/slide6.xml><?xml version="1.0" encoding="utf-8"?>
+<file path=ppt/slides/slide9.xml><?xml version="1.0" encoding="utf-8"?>
 <p:sld xmlns:a="http://schemas.openxmlformats.org/drawingml/2006/main" xmlns:r="http://schemas.openxmlformats.org/officeDocument/2006/relationships" xmlns:p="http://schemas.openxmlformats.org/presentationml/2006/main">
   <p:cSld>
     <p:spTree>
@@ -16587,271 +20324,6 @@
     <p:extLst>
       <p:ext uri="{BB962C8B-B14F-4D97-AF65-F5344CB8AC3E}">
         <p14:creationId xmlns:p14="http://schemas.microsoft.com/office/powerpoint/2010/main" val="2298119931"/>
-      </p:ext>
-    </p:extLst>
-  </p:cSld>
-  <p:clrMapOvr>
-    <a:masterClrMapping/>
-  </p:clrMapOvr>
-  <mc:AlternateContent xmlns:mc="http://schemas.openxmlformats.org/markup-compatibility/2006" xmlns:p159="http://schemas.microsoft.com/office/powerpoint/2015/09/main">
-    <mc:Choice Requires="p159">
-      <p:transition xmlns:p14="http://schemas.microsoft.com/office/powerpoint/2010/main" spd="slow" p14:dur="2000">
-        <p159:morph option="byObject"/>
-      </p:transition>
-    </mc:Choice>
-    <mc:Fallback xmlns="">
-      <p:transition spd="slow">
-        <p:fade/>
-      </p:transition>
-    </mc:Fallback>
-  </mc:AlternateContent>
-</p:sld>
-</file>
-
-<file path=ppt/slides/slide7.xml><?xml version="1.0" encoding="utf-8"?>
-<p:sld xmlns:a="http://schemas.openxmlformats.org/drawingml/2006/main" xmlns:r="http://schemas.openxmlformats.org/officeDocument/2006/relationships" xmlns:p="http://schemas.openxmlformats.org/presentationml/2006/main">
-  <p:cSld>
-    <p:spTree>
-      <p:nvGrpSpPr>
-        <p:cNvPr id="1" name=""/>
-        <p:cNvGrpSpPr/>
-        <p:nvPr/>
-      </p:nvGrpSpPr>
-      <p:grpSpPr>
-        <a:xfrm>
-          <a:off x="0" y="0"/>
-          <a:ext cx="0" cy="0"/>
-          <a:chOff x="0" y="0"/>
-          <a:chExt cx="0" cy="0"/>
-        </a:xfrm>
-      </p:grpSpPr>
-      <p:sp>
-        <p:nvSpPr>
-          <p:cNvPr id="22" name="Title 21">
-            <a:extLst>
-              <a:ext uri="{FF2B5EF4-FFF2-40B4-BE49-F238E27FC236}">
-                <a16:creationId xmlns:a16="http://schemas.microsoft.com/office/drawing/2014/main" id="{23F2AC7E-9D11-4C66-87C4-5565EE97C620}"/>
-              </a:ext>
-            </a:extLst>
-          </p:cNvPr>
-          <p:cNvSpPr>
-            <a:spLocks noGrp="1"/>
-          </p:cNvSpPr>
-          <p:nvPr>
-            <p:ph type="title"/>
-          </p:nvPr>
-        </p:nvSpPr>
-        <p:spPr/>
-        <p:txBody>
-          <a:bodyPr/>
-          <a:lstStyle/>
-          <a:p>
-            <a:r>
-              <a:rPr lang="en-US" dirty="0"/>
-              <a:t>Model</a:t>
-            </a:r>
-          </a:p>
-        </p:txBody>
-      </p:sp>
-      <p:sp>
-        <p:nvSpPr>
-          <p:cNvPr id="23" name="Text Placeholder 22">
-            <a:extLst>
-              <a:ext uri="{FF2B5EF4-FFF2-40B4-BE49-F238E27FC236}">
-                <a16:creationId xmlns:a16="http://schemas.microsoft.com/office/drawing/2014/main" id="{8F41B6A6-77D3-461D-B320-4EABC470C69A}"/>
-              </a:ext>
-            </a:extLst>
-          </p:cNvPr>
-          <p:cNvSpPr>
-            <a:spLocks noGrp="1"/>
-          </p:cNvSpPr>
-          <p:nvPr>
-            <p:ph type="body" idx="1"/>
-          </p:nvPr>
-        </p:nvSpPr>
-        <p:spPr/>
-        <p:txBody>
-          <a:bodyPr/>
-          <a:lstStyle/>
-          <a:p>
-            <a:endParaRPr lang="en-US" dirty="0"/>
-          </a:p>
-        </p:txBody>
-      </p:sp>
-    </p:spTree>
-    <p:extLst>
-      <p:ext uri="{BB962C8B-B14F-4D97-AF65-F5344CB8AC3E}">
-        <p14:creationId xmlns:p14="http://schemas.microsoft.com/office/powerpoint/2010/main" val="1327691325"/>
-      </p:ext>
-    </p:extLst>
-  </p:cSld>
-  <p:clrMapOvr>
-    <a:masterClrMapping/>
-  </p:clrMapOvr>
-  <mc:AlternateContent xmlns:mc="http://schemas.openxmlformats.org/markup-compatibility/2006" xmlns:p159="http://schemas.microsoft.com/office/powerpoint/2015/09/main">
-    <mc:Choice Requires="p159">
-      <p:transition xmlns:p14="http://schemas.microsoft.com/office/powerpoint/2010/main" spd="slow" p14:dur="2000">
-        <p159:morph option="byObject"/>
-      </p:transition>
-    </mc:Choice>
-    <mc:Fallback xmlns="">
-      <p:transition spd="slow">
-        <p:fade/>
-      </p:transition>
-    </mc:Fallback>
-  </mc:AlternateContent>
-</p:sld>
-</file>
-
-<file path=ppt/slides/slide8.xml><?xml version="1.0" encoding="utf-8"?>
-<p:sld xmlns:a="http://schemas.openxmlformats.org/drawingml/2006/main" xmlns:r="http://schemas.openxmlformats.org/officeDocument/2006/relationships" xmlns:p="http://schemas.openxmlformats.org/presentationml/2006/main">
-  <p:cSld>
-    <p:spTree>
-      <p:nvGrpSpPr>
-        <p:cNvPr id="1" name=""/>
-        <p:cNvGrpSpPr/>
-        <p:nvPr/>
-      </p:nvGrpSpPr>
-      <p:grpSpPr>
-        <a:xfrm>
-          <a:off x="0" y="0"/>
-          <a:ext cx="0" cy="0"/>
-          <a:chOff x="0" y="0"/>
-          <a:chExt cx="0" cy="0"/>
-        </a:xfrm>
-      </p:grpSpPr>
-      <p:sp>
-        <p:nvSpPr>
-          <p:cNvPr id="4" name="Title 3">
-            <a:extLst>
-              <a:ext uri="{FF2B5EF4-FFF2-40B4-BE49-F238E27FC236}">
-                <a16:creationId xmlns:a16="http://schemas.microsoft.com/office/drawing/2014/main" id="{DB056804-DCC2-473D-8229-101CED2564CC}"/>
-              </a:ext>
-            </a:extLst>
-          </p:cNvPr>
-          <p:cNvSpPr>
-            <a:spLocks noGrp="1"/>
-          </p:cNvSpPr>
-          <p:nvPr>
-            <p:ph type="title"/>
-          </p:nvPr>
-        </p:nvSpPr>
-        <p:spPr/>
-        <p:txBody>
-          <a:bodyPr/>
-          <a:lstStyle/>
-          <a:p>
-            <a:r>
-              <a:rPr lang="en-US" dirty="0"/>
-              <a:t>Model</a:t>
-            </a:r>
-          </a:p>
-        </p:txBody>
-      </p:sp>
-      <p:pic>
-        <p:nvPicPr>
-          <p:cNvPr id="3" name="Picture 2">
-            <a:extLst>
-              <a:ext uri="{FF2B5EF4-FFF2-40B4-BE49-F238E27FC236}">
-                <a16:creationId xmlns:a16="http://schemas.microsoft.com/office/drawing/2014/main" id="{7359ECD5-9782-484D-8C11-967EFCC4AAE8}"/>
-              </a:ext>
-            </a:extLst>
-          </p:cNvPr>
-          <p:cNvPicPr>
-            <a:picLocks noChangeAspect="1"/>
-          </p:cNvPicPr>
-          <p:nvPr/>
-        </p:nvPicPr>
-        <p:blipFill>
-          <a:blip r:embed="rId2"/>
-          <a:stretch>
-            <a:fillRect/>
-          </a:stretch>
-        </p:blipFill>
-        <p:spPr>
-          <a:xfrm>
-            <a:off x="1377193" y="2517129"/>
-            <a:ext cx="9437614" cy="3406249"/>
-          </a:xfrm>
-          <a:prstGeom prst="rect">
-            <a:avLst/>
-          </a:prstGeom>
-        </p:spPr>
-      </p:pic>
-    </p:spTree>
-    <p:extLst>
-      <p:ext uri="{BB962C8B-B14F-4D97-AF65-F5344CB8AC3E}">
-        <p14:creationId xmlns:p14="http://schemas.microsoft.com/office/powerpoint/2010/main" val="2908314280"/>
-      </p:ext>
-    </p:extLst>
-  </p:cSld>
-  <p:clrMapOvr>
-    <a:masterClrMapping/>
-  </p:clrMapOvr>
-  <mc:AlternateContent xmlns:mc="http://schemas.openxmlformats.org/markup-compatibility/2006" xmlns:p159="http://schemas.microsoft.com/office/powerpoint/2015/09/main">
-    <mc:Choice Requires="p159">
-      <p:transition xmlns:p14="http://schemas.microsoft.com/office/powerpoint/2010/main" spd="slow" p14:dur="2000">
-        <p159:morph option="byObject"/>
-      </p:transition>
-    </mc:Choice>
-    <mc:Fallback xmlns="">
-      <p:transition spd="slow">
-        <p:fade/>
-      </p:transition>
-    </mc:Fallback>
-  </mc:AlternateContent>
-</p:sld>
-</file>
-
-<file path=ppt/slides/slide9.xml><?xml version="1.0" encoding="utf-8"?>
-<p:sld xmlns:a="http://schemas.openxmlformats.org/drawingml/2006/main" xmlns:r="http://schemas.openxmlformats.org/officeDocument/2006/relationships" xmlns:p="http://schemas.openxmlformats.org/presentationml/2006/main">
-  <p:cSld>
-    <p:spTree>
-      <p:nvGrpSpPr>
-        <p:cNvPr id="1" name=""/>
-        <p:cNvGrpSpPr/>
-        <p:nvPr/>
-      </p:nvGrpSpPr>
-      <p:grpSpPr>
-        <a:xfrm>
-          <a:off x="0" y="0"/>
-          <a:ext cx="0" cy="0"/>
-          <a:chOff x="0" y="0"/>
-          <a:chExt cx="0" cy="0"/>
-        </a:xfrm>
-      </p:grpSpPr>
-      <p:sp>
-        <p:nvSpPr>
-          <p:cNvPr id="22" name="Title 21">
-            <a:extLst>
-              <a:ext uri="{FF2B5EF4-FFF2-40B4-BE49-F238E27FC236}">
-                <a16:creationId xmlns:a16="http://schemas.microsoft.com/office/drawing/2014/main" id="{23F2AC7E-9D11-4C66-87C4-5565EE97C620}"/>
-              </a:ext>
-            </a:extLst>
-          </p:cNvPr>
-          <p:cNvSpPr>
-            <a:spLocks noGrp="1"/>
-          </p:cNvSpPr>
-          <p:nvPr>
-            <p:ph type="title"/>
-          </p:nvPr>
-        </p:nvSpPr>
-        <p:spPr/>
-        <p:txBody>
-          <a:bodyPr/>
-          <a:lstStyle/>
-          <a:p>
-            <a:r>
-              <a:rPr lang="en-US" dirty="0"/>
-              <a:t>processes</a:t>
-            </a:r>
-          </a:p>
-        </p:txBody>
-      </p:sp>
-    </p:spTree>
-    <p:extLst>
-      <p:ext uri="{BB962C8B-B14F-4D97-AF65-F5344CB8AC3E}">
-        <p14:creationId xmlns:p14="http://schemas.microsoft.com/office/powerpoint/2010/main" val="2201267610"/>
       </p:ext>
     </p:extLst>
   </p:cSld>
@@ -17733,6 +21205,15 @@
 </file>
 
 <file path=customXml/item1.xml><?xml version="1.0" encoding="utf-8"?>
+<p:properties xmlns:p="http://schemas.microsoft.com/office/2006/metadata/properties" xmlns:xsi="http://www.w3.org/2001/XMLSchema-instance" xmlns:pc="http://schemas.microsoft.com/office/infopath/2007/PartnerControls">
+  <documentManagement>
+    <Status xmlns="71af3243-3dd4-4a8d-8c0d-dd76da1f02a5">Not started</Status>
+    <MediaServiceKeyPoints xmlns="71af3243-3dd4-4a8d-8c0d-dd76da1f02a5" xsi:nil="true"/>
+  </documentManagement>
+</p:properties>
+</file>
+
+<file path=customXml/item2.xml><?xml version="1.0" encoding="utf-8"?>
 <ct:contentTypeSchema xmlns:ct="http://schemas.microsoft.com/office/2006/metadata/contentType" xmlns:ma="http://schemas.microsoft.com/office/2006/metadata/properties/metaAttributes" ct:_="" ma:_="" ma:contentTypeName="Document" ma:contentTypeID="0x01010079F111ED35F8CC479449609E8A0923A6" ma:contentTypeVersion="12" ma:contentTypeDescription="Create a new document." ma:contentTypeScope="" ma:versionID="93813dd7ca6ad654711aa0ab317e03a3">
   <xsd:schema xmlns:xsd="http://www.w3.org/2001/XMLSchema" xmlns:xs="http://www.w3.org/2001/XMLSchema" xmlns:p="http://schemas.microsoft.com/office/2006/metadata/properties" xmlns:ns2="71af3243-3dd4-4a8d-8c0d-dd76da1f02a5" xmlns:ns3="16c05727-aa75-4e4a-9b5f-8a80a1165891" targetNamespace="http://schemas.microsoft.com/office/2006/metadata/properties" ma:root="true" ma:fieldsID="f11dc0ce689dd3925e84e4e35398c6e7" ns2:_="" ns3:_="">
     <xsd:import namespace="71af3243-3dd4-4a8d-8c0d-dd76da1f02a5"/>
@@ -17953,15 +21434,6 @@
 </ct:contentTypeSchema>
 </file>
 
-<file path=customXml/item2.xml><?xml version="1.0" encoding="utf-8"?>
-<p:properties xmlns:p="http://schemas.microsoft.com/office/2006/metadata/properties" xmlns:xsi="http://www.w3.org/2001/XMLSchema-instance" xmlns:pc="http://schemas.microsoft.com/office/infopath/2007/PartnerControls">
-  <documentManagement>
-    <Status xmlns="71af3243-3dd4-4a8d-8c0d-dd76da1f02a5">Not started</Status>
-    <MediaServiceKeyPoints xmlns="71af3243-3dd4-4a8d-8c0d-dd76da1f02a5" xsi:nil="true"/>
-  </documentManagement>
-</p:properties>
-</file>
-
 <file path=customXml/item3.xml><?xml version="1.0" encoding="utf-8"?>
 <?mso-contentType ?>
 <FormTemplates xmlns="http://schemas.microsoft.com/sharepoint/v3/contenttype/forms">
@@ -17972,6 +21444,16 @@
 </file>
 
 <file path=customXml/itemProps1.xml><?xml version="1.0" encoding="utf-8"?>
+<ds:datastoreItem xmlns:ds="http://schemas.openxmlformats.org/officeDocument/2006/customXml" ds:itemID="{55B48092-4A2C-4E16-B971-9ACADFFF69E4}">
+  <ds:schemaRefs>
+    <ds:schemaRef ds:uri="http://schemas.microsoft.com/office/2006/metadata/properties"/>
+    <ds:schemaRef ds:uri="http://schemas.microsoft.com/office/infopath/2007/PartnerControls"/>
+    <ds:schemaRef ds:uri="71af3243-3dd4-4a8d-8c0d-dd76da1f02a5"/>
+  </ds:schemaRefs>
+</ds:datastoreItem>
+</file>
+
+<file path=customXml/itemProps2.xml><?xml version="1.0" encoding="utf-8"?>
 <ds:datastoreItem xmlns:ds="http://schemas.openxmlformats.org/officeDocument/2006/customXml" ds:itemID="{E503B719-B9A6-4DC9-AA9D-06F16B758BCB}">
   <ds:schemaRefs>
     <ds:schemaRef ds:uri="http://schemas.microsoft.com/office/2006/metadata/contentType"/>
@@ -17990,16 +21472,6 @@
 </ds:datastoreItem>
 </file>
 
-<file path=customXml/itemProps2.xml><?xml version="1.0" encoding="utf-8"?>
-<ds:datastoreItem xmlns:ds="http://schemas.openxmlformats.org/officeDocument/2006/customXml" ds:itemID="{55B48092-4A2C-4E16-B971-9ACADFFF69E4}">
-  <ds:schemaRefs>
-    <ds:schemaRef ds:uri="http://schemas.microsoft.com/office/2006/metadata/properties"/>
-    <ds:schemaRef ds:uri="http://schemas.microsoft.com/office/infopath/2007/PartnerControls"/>
-    <ds:schemaRef ds:uri="71af3243-3dd4-4a8d-8c0d-dd76da1f02a5"/>
-  </ds:schemaRefs>
-</ds:datastoreItem>
-</file>
-
 <file path=customXml/itemProps3.xml><?xml version="1.0" encoding="utf-8"?>
 <ds:datastoreItem xmlns:ds="http://schemas.openxmlformats.org/officeDocument/2006/customXml" ds:itemID="{3E586370-B0FB-4108-8B4F-329716A22E3A}">
   <ds:schemaRefs>

--- a/docs/find_me.pptx
+++ b/docs/find_me.pptx
@@ -5,10 +5,10 @@
     <p:sldMasterId id="2147483672" r:id="rId4"/>
   </p:sldMasterIdLst>
   <p:notesMasterIdLst>
-    <p:notesMasterId r:id="rId29"/>
+    <p:notesMasterId r:id="rId28"/>
   </p:notesMasterIdLst>
   <p:handoutMasterIdLst>
-    <p:handoutMasterId r:id="rId30"/>
+    <p:handoutMasterId r:id="rId29"/>
   </p:handoutMasterIdLst>
   <p:sldIdLst>
     <p:sldId id="256" r:id="rId5"/>
@@ -18,23 +18,22 @@
     <p:sldId id="277" r:id="rId9"/>
     <p:sldId id="278" r:id="rId10"/>
     <p:sldId id="279" r:id="rId11"/>
-    <p:sldId id="263" r:id="rId12"/>
+    <p:sldId id="286" r:id="rId12"/>
     <p:sldId id="273" r:id="rId13"/>
     <p:sldId id="282" r:id="rId14"/>
     <p:sldId id="265" r:id="rId15"/>
-    <p:sldId id="280" r:id="rId16"/>
-    <p:sldId id="281" r:id="rId17"/>
-    <p:sldId id="268" r:id="rId18"/>
-    <p:sldId id="269" r:id="rId19"/>
-    <p:sldId id="270" r:id="rId20"/>
-    <p:sldId id="285" r:id="rId21"/>
-    <p:sldId id="267" r:id="rId22"/>
-    <p:sldId id="283" r:id="rId23"/>
-    <p:sldId id="284" r:id="rId24"/>
-    <p:sldId id="260" r:id="rId25"/>
-    <p:sldId id="271" r:id="rId26"/>
-    <p:sldId id="272" r:id="rId27"/>
-    <p:sldId id="259" r:id="rId28"/>
+    <p:sldId id="288" r:id="rId16"/>
+    <p:sldId id="289" r:id="rId17"/>
+    <p:sldId id="280" r:id="rId18"/>
+    <p:sldId id="281" r:id="rId19"/>
+    <p:sldId id="268" r:id="rId20"/>
+    <p:sldId id="269" r:id="rId21"/>
+    <p:sldId id="270" r:id="rId22"/>
+    <p:sldId id="285" r:id="rId23"/>
+    <p:sldId id="267" r:id="rId24"/>
+    <p:sldId id="283" r:id="rId25"/>
+    <p:sldId id="284" r:id="rId26"/>
+    <p:sldId id="260" r:id="rId27"/>
   </p:sldIdLst>
   <p:sldSz cx="12192000" cy="6858000"/>
   <p:notesSz cx="6858000" cy="9144000"/>
@@ -2392,7 +2391,7 @@
 </file>
 
 <file path=ppt/diagrams/colors4.xml><?xml version="1.0" encoding="utf-8"?>
-<dgm:colorsDef xmlns:dgm="http://schemas.openxmlformats.org/drawingml/2006/diagram" xmlns:a="http://schemas.openxmlformats.org/drawingml/2006/main" uniqueId="urn:microsoft.com/office/officeart/2005/8/colors/accent2_2">
+<dgm:colorsDef xmlns:dgm="http://schemas.openxmlformats.org/drawingml/2006/diagram" xmlns:a="http://schemas.openxmlformats.org/drawingml/2006/main" uniqueId="urn:microsoft.com/office/officeart/2018/5/colors/Iconchunking_neutralbg_accent2_2">
   <dgm:title val=""/>
   <dgm:desc val=""/>
   <dgm:catLst>
@@ -2415,7 +2414,9 @@
       <a:schemeClr val="accent2"/>
     </dgm:fillClrLst>
     <dgm:linClrLst meth="repeat">
-      <a:schemeClr val="lt1"/>
+      <a:schemeClr val="lt1">
+        <a:alpha val="0"/>
+      </a:schemeClr>
     </dgm:linClrLst>
     <dgm:effectClrLst/>
     <dgm:txLinClrLst/>
@@ -3054,8 +3055,8 @@
   </dgm:styleLbl>
   <dgm:styleLbl name="bgShp">
     <dgm:fillClrLst meth="repeat">
-      <a:schemeClr val="accent2">
-        <a:tint val="40000"/>
+      <a:schemeClr val="bg1">
+        <a:lumMod val="95000"/>
       </a:schemeClr>
     </dgm:fillClrLst>
     <dgm:linClrLst meth="repeat">
@@ -3503,7 +3504,7 @@
         <a:p>
           <a:r>
             <a:rPr lang="en-ZA" dirty="0"/>
-            <a:t>Crawling</a:t>
+            <a:t>Flask (API)</a:t>
           </a:r>
           <a:endParaRPr lang="en-US" dirty="0"/>
         </a:p>
@@ -3540,7 +3541,7 @@
         <a:p>
           <a:r>
             <a:rPr lang="en-US" dirty="0"/>
-            <a:t>Indexing</a:t>
+            <a:t>Neo4J (Datastore)</a:t>
           </a:r>
         </a:p>
       </dgm:t>
@@ -3576,7 +3577,7 @@
         <a:p>
           <a:r>
             <a:rPr lang="en-US" dirty="0"/>
-            <a:t>Ranking</a:t>
+            <a:t>Flutter (UI)</a:t>
           </a:r>
         </a:p>
       </dgm:t>
@@ -3647,7 +3648,7 @@
           </a:blip>
           <a:srcRect/>
           <a:stretch>
-            <a:fillRect/>
+            <a:fillRect l="-17000" r="-17000"/>
           </a:stretch>
         </a:blipFill>
         <a:ln>
@@ -3660,7 +3661,7 @@
       <dgm:spPr/>
     </dgm:pt>
     <dgm:pt modelId="{A99B5DD6-89E9-4537-B415-4205CEB9323A}" type="pres">
-      <dgm:prSet presAssocID="{701D68F5-42F8-47BC-8FED-84C50F595DF0}" presName="textRect" presStyleLbl="revTx" presStyleIdx="0" presStyleCnt="3">
+      <dgm:prSet presAssocID="{701D68F5-42F8-47BC-8FED-84C50F595DF0}" presName="textRect" presStyleLbl="revTx" presStyleIdx="0" presStyleCnt="3" custLinFactNeighborY="16029">
         <dgm:presLayoutVars>
           <dgm:chMax val="1"/>
           <dgm:chPref val="1"/>
@@ -3707,7 +3708,7 @@
           </a:blip>
           <a:srcRect/>
           <a:stretch>
-            <a:fillRect/>
+            <a:fillRect l="-45000" r="-45000"/>
           </a:stretch>
         </a:blipFill>
         <a:ln>
@@ -3720,7 +3721,7 @@
       <dgm:spPr/>
     </dgm:pt>
     <dgm:pt modelId="{55120873-6F5C-4053-8EAD-6287A7F1097E}" type="pres">
-      <dgm:prSet presAssocID="{91A66877-AC1C-46D9-BF2C-6024B638DEA9}" presName="textRect" presStyleLbl="revTx" presStyleIdx="1" presStyleCnt="3">
+      <dgm:prSet presAssocID="{91A66877-AC1C-46D9-BF2C-6024B638DEA9}" presName="textRect" presStyleLbl="revTx" presStyleIdx="1" presStyleCnt="3" custLinFactNeighborY="16029">
         <dgm:presLayoutVars>
           <dgm:chMax val="1"/>
           <dgm:chPref val="1"/>
@@ -3780,7 +3781,7 @@
       <dgm:spPr/>
     </dgm:pt>
     <dgm:pt modelId="{133097FC-B1F8-4953-B0AB-E8E73D968D1C}" type="pres">
-      <dgm:prSet presAssocID="{76CC3289-2662-43F0-A3C6-BA04A135F08C}" presName="textRect" presStyleLbl="revTx" presStyleIdx="2" presStyleCnt="3">
+      <dgm:prSet presAssocID="{76CC3289-2662-43F0-A3C6-BA04A135F08C}" presName="textRect" presStyleLbl="revTx" presStyleIdx="2" presStyleCnt="3" custLinFactNeighborY="16029">
         <dgm:presLayoutVars>
           <dgm:chMax val="1"/>
           <dgm:chPref val="1"/>
@@ -4173,8 +4174,8 @@
 <file path=ppt/diagrams/data4.xml><?xml version="1.0" encoding="utf-8"?>
 <dgm:dataModel xmlns:dgm="http://schemas.openxmlformats.org/drawingml/2006/diagram" xmlns:a="http://schemas.openxmlformats.org/drawingml/2006/main">
   <dgm:ptLst>
-    <dgm:pt modelId="{7E5AA53B-3EEE-4DE4-BB81-9044890C2946}" type="doc">
-      <dgm:prSet loTypeId="urn:microsoft.com/office/officeart/2008/layout/VerticalCurvedList" loCatId="list" qsTypeId="urn:microsoft.com/office/officeart/2005/8/quickstyle/simple4" qsCatId="simple" csTypeId="urn:microsoft.com/office/officeart/2005/8/colors/accent2_2" csCatId="accent2" phldr="1"/>
+    <dgm:pt modelId="{7D9C16A6-8C48-4165-8DAF-8C957C12A8FA}" type="doc">
+      <dgm:prSet loTypeId="urn:microsoft.com/office/officeart/2018/2/layout/IconLabelList" loCatId="icon" qsTypeId="urn:microsoft.com/office/officeart/2005/8/quickstyle/simple1" qsCatId="simple" csTypeId="urn:microsoft.com/office/officeart/2018/5/colors/Iconchunking_neutralbg_accent2_2" csCatId="accent2" phldr="1"/>
       <dgm:spPr/>
       <dgm:t>
         <a:bodyPr/>
@@ -4184,26 +4185,22 @@
         </a:p>
       </dgm:t>
     </dgm:pt>
-    <dgm:pt modelId="{6750AC01-D39D-4F3A-9DC8-2A211EE986A2}">
+    <dgm:pt modelId="{701D68F5-42F8-47BC-8FED-84C50F595DF0}">
       <dgm:prSet phldrT="[Text]"/>
       <dgm:spPr/>
       <dgm:t>
         <a:bodyPr/>
         <a:lstStyle/>
         <a:p>
-          <a:pPr>
-            <a:lnSpc>
-              <a:spcPct val="100000"/>
-            </a:lnSpc>
-          </a:pPr>
           <a:r>
-            <a:rPr lang="en-US" dirty="0"/>
-            <a:t>Cloud	</a:t>
+            <a:rPr lang="en-ZA" dirty="0"/>
+            <a:t>Crawling</a:t>
           </a:r>
+          <a:endParaRPr lang="en-US" dirty="0"/>
         </a:p>
       </dgm:t>
     </dgm:pt>
-    <dgm:pt modelId="{720680DC-AAA4-4434-A582-60EBCC5BA355}" type="parTrans" cxnId="{0B5DAE5F-BCDC-4BF7-A6E7-CF856886A64D}">
+    <dgm:pt modelId="{9617668C-C38C-4017-8DDF-37855B15D110}" type="parTrans" cxnId="{C4BA385D-31ED-40EF-A5D6-98DFBA64E71A}">
       <dgm:prSet/>
       <dgm:spPr/>
       <dgm:t>
@@ -4214,7 +4211,7 @@
         </a:p>
       </dgm:t>
     </dgm:pt>
-    <dgm:pt modelId="{CA077D98-8478-47EA-B6A9-99ACE60C64D4}" type="sibTrans" cxnId="{0B5DAE5F-BCDC-4BF7-A6E7-CF856886A64D}">
+    <dgm:pt modelId="{0C95B389-AC0C-4055-9AA3-38815EFC8B0A}" type="sibTrans" cxnId="{C4BA385D-31ED-40EF-A5D6-98DFBA64E71A}">
       <dgm:prSet/>
       <dgm:spPr/>
       <dgm:t>
@@ -4225,26 +4222,21 @@
         </a:p>
       </dgm:t>
     </dgm:pt>
-    <dgm:pt modelId="{0BEF68B8-1228-47BB-83B5-7B9CD1E3F84E}">
+    <dgm:pt modelId="{91A66877-AC1C-46D9-BF2C-6024B638DEA9}">
       <dgm:prSet phldrT="[Text]"/>
       <dgm:spPr/>
       <dgm:t>
         <a:bodyPr/>
         <a:lstStyle/>
         <a:p>
-          <a:pPr>
-            <a:lnSpc>
-              <a:spcPct val="100000"/>
-            </a:lnSpc>
-          </a:pPr>
           <a:r>
             <a:rPr lang="en-US" dirty="0"/>
-            <a:t>Local</a:t>
+            <a:t>Indexing</a:t>
           </a:r>
         </a:p>
       </dgm:t>
     </dgm:pt>
-    <dgm:pt modelId="{ED3A4BC2-B75A-4952-A38B-A42B5995DF05}" type="parTrans" cxnId="{EDEF4F82-1237-4639-A0F7-385C1897CE66}">
+    <dgm:pt modelId="{913FED05-DF41-48A7-B1F8-81937A468EF9}" type="parTrans" cxnId="{7F0DAB6F-9257-4F2D-B31A-3418F73F6952}">
       <dgm:prSet/>
       <dgm:spPr/>
       <dgm:t>
@@ -4255,7 +4247,7 @@
         </a:p>
       </dgm:t>
     </dgm:pt>
-    <dgm:pt modelId="{FD949706-EDCC-4ADC-8EDF-8EDA49C92325}" type="sibTrans" cxnId="{EDEF4F82-1237-4639-A0F7-385C1897CE66}">
+    <dgm:pt modelId="{BFCE4A28-C381-46FF-935A-B11534EF7D87}" type="sibTrans" cxnId="{7F0DAB6F-9257-4F2D-B31A-3418F73F6952}">
       <dgm:prSet/>
       <dgm:spPr/>
       <dgm:t>
@@ -4266,26 +4258,21 @@
         </a:p>
       </dgm:t>
     </dgm:pt>
-    <dgm:pt modelId="{5605D28D-2CE6-4513-8566-952984E21E14}">
+    <dgm:pt modelId="{76CC3289-2662-43F0-A3C6-BA04A135F08C}">
       <dgm:prSet phldrT="[Text]"/>
       <dgm:spPr/>
       <dgm:t>
         <a:bodyPr/>
         <a:lstStyle/>
         <a:p>
-          <a:pPr>
-            <a:lnSpc>
-              <a:spcPct val="100000"/>
-            </a:lnSpc>
-          </a:pPr>
           <a:r>
             <a:rPr lang="en-US" dirty="0"/>
-            <a:t>Hybrid</a:t>
+            <a:t>Ranking</a:t>
           </a:r>
         </a:p>
       </dgm:t>
     </dgm:pt>
-    <dgm:pt modelId="{EB15AB98-362B-4E70-A3DA-995FC3E8BA79}" type="parTrans" cxnId="{FAF3F884-F0CF-440F-8CB1-B7648AB1B138}">
+    <dgm:pt modelId="{D46DB4DA-1442-4ECE-89FE-BBB1E3489E3D}" type="parTrans" cxnId="{0400886E-8A1A-44C2-95A7-DB0EF4911494}">
       <dgm:prSet/>
       <dgm:spPr/>
       <dgm:t>
@@ -4296,7 +4283,7 @@
         </a:p>
       </dgm:t>
     </dgm:pt>
-    <dgm:pt modelId="{823D1971-2C4D-4EC5-A874-2F463DE37109}" type="sibTrans" cxnId="{FAF3F884-F0CF-440F-8CB1-B7648AB1B138}">
+    <dgm:pt modelId="{FA28C9D6-476E-43CD-BA23-D6D990FD78D0}" type="sibTrans" cxnId="{0400886E-8A1A-44C2-95A7-DB0EF4911494}">
       <dgm:prSet/>
       <dgm:spPr/>
       <dgm:t>
@@ -4307,119 +4294,223 @@
         </a:p>
       </dgm:t>
     </dgm:pt>
-    <dgm:pt modelId="{57806726-6E60-4ACC-9C1C-7DF9CC365A10}" type="pres">
-      <dgm:prSet presAssocID="{7E5AA53B-3EEE-4DE4-BB81-9044890C2946}" presName="Name0" presStyleCnt="0">
+    <dgm:pt modelId="{8994D886-A75F-411A-A9D7-D31991FF12BD}" type="pres">
+      <dgm:prSet presAssocID="{7D9C16A6-8C48-4165-8DAF-8C957C12A8FA}" presName="root" presStyleCnt="0">
         <dgm:presLayoutVars>
-          <dgm:chMax val="7"/>
-          <dgm:chPref val="7"/>
           <dgm:dir/>
+          <dgm:resizeHandles val="exact"/>
         </dgm:presLayoutVars>
       </dgm:prSet>
       <dgm:spPr/>
     </dgm:pt>
-    <dgm:pt modelId="{90561C55-3C6E-4D53-85E1-2C50BCDDA392}" type="pres">
-      <dgm:prSet presAssocID="{7E5AA53B-3EEE-4DE4-BB81-9044890C2946}" presName="Name1" presStyleCnt="0"/>
+    <dgm:pt modelId="{E1DBA6D5-BD14-4CD2-A0CC-80F867FEFA81}" type="pres">
+      <dgm:prSet presAssocID="{701D68F5-42F8-47BC-8FED-84C50F595DF0}" presName="compNode" presStyleCnt="0"/>
       <dgm:spPr/>
     </dgm:pt>
-    <dgm:pt modelId="{B6CD42EC-5AD4-4004-AE5B-47EDA668DAA8}" type="pres">
-      <dgm:prSet presAssocID="{7E5AA53B-3EEE-4DE4-BB81-9044890C2946}" presName="cycle" presStyleCnt="0"/>
+    <dgm:pt modelId="{19A8DC21-3E65-409D-AD53-DA51BB9198A0}" type="pres">
+      <dgm:prSet presAssocID="{701D68F5-42F8-47BC-8FED-84C50F595DF0}" presName="iconRect" presStyleLbl="node1" presStyleIdx="0" presStyleCnt="3" custScaleX="157625" custScaleY="157625"/>
+      <dgm:spPr>
+        <a:blipFill>
+          <a:blip xmlns:r="http://schemas.openxmlformats.org/officeDocument/2006/relationships" r:embed="rId1">
+            <a:duotone>
+              <a:schemeClr val="accent2">
+                <a:hueOff val="0"/>
+                <a:satOff val="0"/>
+                <a:lumOff val="0"/>
+                <a:alphaOff val="0"/>
+                <a:shade val="20000"/>
+                <a:satMod val="200000"/>
+              </a:schemeClr>
+              <a:schemeClr val="accent2">
+                <a:hueOff val="0"/>
+                <a:satOff val="0"/>
+                <a:lumOff val="0"/>
+                <a:alphaOff val="0"/>
+                <a:tint val="12000"/>
+                <a:satMod val="190000"/>
+              </a:schemeClr>
+            </a:duotone>
+            <a:extLst>
+              <a:ext uri="{28A0092B-C50C-407E-A947-70E740481C1C}">
+                <a14:useLocalDpi xmlns:a14="http://schemas.microsoft.com/office/drawing/2010/main" val="0"/>
+              </a:ext>
+            </a:extLst>
+          </a:blip>
+          <a:srcRect/>
+          <a:stretch>
+            <a:fillRect/>
+          </a:stretch>
+        </a:blipFill>
+        <a:ln>
+          <a:noFill/>
+        </a:ln>
+      </dgm:spPr>
+    </dgm:pt>
+    <dgm:pt modelId="{B9F90A48-FF94-4C94-A587-0190406F6FD3}" type="pres">
+      <dgm:prSet presAssocID="{701D68F5-42F8-47BC-8FED-84C50F595DF0}" presName="spaceRect" presStyleCnt="0"/>
       <dgm:spPr/>
     </dgm:pt>
-    <dgm:pt modelId="{963B8EE3-40CC-4A0A-B420-D0BF920973CE}" type="pres">
-      <dgm:prSet presAssocID="{7E5AA53B-3EEE-4DE4-BB81-9044890C2946}" presName="srcNode" presStyleLbl="node1" presStyleIdx="0" presStyleCnt="3"/>
-      <dgm:spPr/>
-    </dgm:pt>
-    <dgm:pt modelId="{D79B43FC-100B-4A0D-A4D5-0D2D04B99064}" type="pres">
-      <dgm:prSet presAssocID="{7E5AA53B-3EEE-4DE4-BB81-9044890C2946}" presName="conn" presStyleLbl="parChTrans1D2" presStyleIdx="0" presStyleCnt="1"/>
-      <dgm:spPr/>
-    </dgm:pt>
-    <dgm:pt modelId="{3CAD8DA1-8D53-445C-ACE8-D8449E4F0F55}" type="pres">
-      <dgm:prSet presAssocID="{7E5AA53B-3EEE-4DE4-BB81-9044890C2946}" presName="extraNode" presStyleLbl="node1" presStyleIdx="0" presStyleCnt="3"/>
-      <dgm:spPr/>
-    </dgm:pt>
-    <dgm:pt modelId="{429CABD1-4116-474B-81BF-735E2CA9DD00}" type="pres">
-      <dgm:prSet presAssocID="{7E5AA53B-3EEE-4DE4-BB81-9044890C2946}" presName="dstNode" presStyleLbl="node1" presStyleIdx="0" presStyleCnt="3"/>
-      <dgm:spPr/>
-    </dgm:pt>
-    <dgm:pt modelId="{58319267-C71E-43C9-94E1-827D0616C7A7}" type="pres">
-      <dgm:prSet presAssocID="{6750AC01-D39D-4F3A-9DC8-2A211EE986A2}" presName="text_1" presStyleLbl="node1" presStyleIdx="0" presStyleCnt="3">
+    <dgm:pt modelId="{A99B5DD6-89E9-4537-B415-4205CEB9323A}" type="pres">
+      <dgm:prSet presAssocID="{701D68F5-42F8-47BC-8FED-84C50F595DF0}" presName="textRect" presStyleLbl="revTx" presStyleIdx="0" presStyleCnt="3">
         <dgm:presLayoutVars>
-          <dgm:bulletEnabled val="1"/>
+          <dgm:chMax val="1"/>
+          <dgm:chPref val="1"/>
         </dgm:presLayoutVars>
       </dgm:prSet>
       <dgm:spPr/>
     </dgm:pt>
-    <dgm:pt modelId="{79F9B8A9-2412-4B74-84A9-69422DB81CDC}" type="pres">
-      <dgm:prSet presAssocID="{6750AC01-D39D-4F3A-9DC8-2A211EE986A2}" presName="accent_1" presStyleCnt="0"/>
+    <dgm:pt modelId="{8B391436-B9B0-45BD-A57F-792D6376D868}" type="pres">
+      <dgm:prSet presAssocID="{0C95B389-AC0C-4055-9AA3-38815EFC8B0A}" presName="sibTrans" presStyleCnt="0"/>
       <dgm:spPr/>
     </dgm:pt>
-    <dgm:pt modelId="{07CB3071-D555-47DA-A36A-69EB91531FD8}" type="pres">
-      <dgm:prSet presAssocID="{6750AC01-D39D-4F3A-9DC8-2A211EE986A2}" presName="accentRepeatNode" presStyleLbl="solidFgAcc1" presStyleIdx="0" presStyleCnt="3"/>
+    <dgm:pt modelId="{95872155-C45D-46D3-874C-D838089A06F8}" type="pres">
+      <dgm:prSet presAssocID="{91A66877-AC1C-46D9-BF2C-6024B638DEA9}" presName="compNode" presStyleCnt="0"/>
       <dgm:spPr/>
     </dgm:pt>
-    <dgm:pt modelId="{95DE6538-27BD-44AF-A1A8-CA8F6B10FDD2}" type="pres">
-      <dgm:prSet presAssocID="{0BEF68B8-1228-47BB-83B5-7B9CD1E3F84E}" presName="text_2" presStyleLbl="node1" presStyleIdx="1" presStyleCnt="3">
+    <dgm:pt modelId="{CE9DF0E8-B0DE-4E1E-9FF4-6006AD8428DB}" type="pres">
+      <dgm:prSet presAssocID="{91A66877-AC1C-46D9-BF2C-6024B638DEA9}" presName="iconRect" presStyleLbl="node1" presStyleIdx="1" presStyleCnt="3" custScaleX="157625" custScaleY="157625"/>
+      <dgm:spPr>
+        <a:blipFill>
+          <a:blip xmlns:r="http://schemas.openxmlformats.org/officeDocument/2006/relationships" r:embed="rId2">
+            <a:duotone>
+              <a:schemeClr val="accent2">
+                <a:hueOff val="0"/>
+                <a:satOff val="0"/>
+                <a:lumOff val="0"/>
+                <a:alphaOff val="0"/>
+                <a:shade val="20000"/>
+                <a:satMod val="200000"/>
+              </a:schemeClr>
+              <a:schemeClr val="accent2">
+                <a:hueOff val="0"/>
+                <a:satOff val="0"/>
+                <a:lumOff val="0"/>
+                <a:alphaOff val="0"/>
+                <a:tint val="12000"/>
+                <a:satMod val="190000"/>
+              </a:schemeClr>
+            </a:duotone>
+            <a:extLst>
+              <a:ext uri="{28A0092B-C50C-407E-A947-70E740481C1C}">
+                <a14:useLocalDpi xmlns:a14="http://schemas.microsoft.com/office/drawing/2010/main" val="0"/>
+              </a:ext>
+            </a:extLst>
+          </a:blip>
+          <a:srcRect/>
+          <a:stretch>
+            <a:fillRect/>
+          </a:stretch>
+        </a:blipFill>
+        <a:ln>
+          <a:noFill/>
+        </a:ln>
+      </dgm:spPr>
+    </dgm:pt>
+    <dgm:pt modelId="{AA0423A1-55B2-45E9-BFE7-3FBE5BDA65ED}" type="pres">
+      <dgm:prSet presAssocID="{91A66877-AC1C-46D9-BF2C-6024B638DEA9}" presName="spaceRect" presStyleCnt="0"/>
+      <dgm:spPr/>
+    </dgm:pt>
+    <dgm:pt modelId="{55120873-6F5C-4053-8EAD-6287A7F1097E}" type="pres">
+      <dgm:prSet presAssocID="{91A66877-AC1C-46D9-BF2C-6024B638DEA9}" presName="textRect" presStyleLbl="revTx" presStyleIdx="1" presStyleCnt="3">
         <dgm:presLayoutVars>
-          <dgm:bulletEnabled val="1"/>
+          <dgm:chMax val="1"/>
+          <dgm:chPref val="1"/>
         </dgm:presLayoutVars>
       </dgm:prSet>
       <dgm:spPr/>
     </dgm:pt>
-    <dgm:pt modelId="{312BDEE8-85BD-4F02-B35B-2CC8E701C98B}" type="pres">
-      <dgm:prSet presAssocID="{0BEF68B8-1228-47BB-83B5-7B9CD1E3F84E}" presName="accent_2" presStyleCnt="0"/>
+    <dgm:pt modelId="{F679C986-30E4-4F0A-A3A6-CAE528BFED76}" type="pres">
+      <dgm:prSet presAssocID="{BFCE4A28-C381-46FF-935A-B11534EF7D87}" presName="sibTrans" presStyleCnt="0"/>
       <dgm:spPr/>
     </dgm:pt>
-    <dgm:pt modelId="{3F8116AC-FAC3-4E95-9865-93CCFEB191B9}" type="pres">
-      <dgm:prSet presAssocID="{0BEF68B8-1228-47BB-83B5-7B9CD1E3F84E}" presName="accentRepeatNode" presStyleLbl="solidFgAcc1" presStyleIdx="1" presStyleCnt="3"/>
+    <dgm:pt modelId="{2EC2FDE3-8908-45C7-A3FD-EB370213FE69}" type="pres">
+      <dgm:prSet presAssocID="{76CC3289-2662-43F0-A3C6-BA04A135F08C}" presName="compNode" presStyleCnt="0"/>
       <dgm:spPr/>
     </dgm:pt>
-    <dgm:pt modelId="{E131CE4A-9776-44F4-BC03-867682E21374}" type="pres">
-      <dgm:prSet presAssocID="{5605D28D-2CE6-4513-8566-952984E21E14}" presName="text_3" presStyleLbl="node1" presStyleIdx="2" presStyleCnt="3">
+    <dgm:pt modelId="{6DB1FE51-13D0-4A38-AD6E-48D4371A1AF3}" type="pres">
+      <dgm:prSet presAssocID="{76CC3289-2662-43F0-A3C6-BA04A135F08C}" presName="iconRect" presStyleLbl="node1" presStyleIdx="2" presStyleCnt="3" custScaleX="157625" custScaleY="157625"/>
+      <dgm:spPr>
+        <a:blipFill>
+          <a:blip xmlns:r="http://schemas.openxmlformats.org/officeDocument/2006/relationships" r:embed="rId3">
+            <a:duotone>
+              <a:schemeClr val="accent2">
+                <a:hueOff val="0"/>
+                <a:satOff val="0"/>
+                <a:lumOff val="0"/>
+                <a:alphaOff val="0"/>
+                <a:shade val="20000"/>
+                <a:satMod val="200000"/>
+              </a:schemeClr>
+              <a:schemeClr val="accent2">
+                <a:hueOff val="0"/>
+                <a:satOff val="0"/>
+                <a:lumOff val="0"/>
+                <a:alphaOff val="0"/>
+                <a:tint val="12000"/>
+                <a:satMod val="190000"/>
+              </a:schemeClr>
+            </a:duotone>
+            <a:extLst>
+              <a:ext uri="{28A0092B-C50C-407E-A947-70E740481C1C}">
+                <a14:useLocalDpi xmlns:a14="http://schemas.microsoft.com/office/drawing/2010/main" val="0"/>
+              </a:ext>
+            </a:extLst>
+          </a:blip>
+          <a:srcRect/>
+          <a:stretch>
+            <a:fillRect/>
+          </a:stretch>
+        </a:blipFill>
+        <a:ln>
+          <a:noFill/>
+        </a:ln>
+      </dgm:spPr>
+    </dgm:pt>
+    <dgm:pt modelId="{0928538A-05CC-4A79-BD5D-92F985D1EEE5}" type="pres">
+      <dgm:prSet presAssocID="{76CC3289-2662-43F0-A3C6-BA04A135F08C}" presName="spaceRect" presStyleCnt="0"/>
+      <dgm:spPr/>
+    </dgm:pt>
+    <dgm:pt modelId="{133097FC-B1F8-4953-B0AB-E8E73D968D1C}" type="pres">
+      <dgm:prSet presAssocID="{76CC3289-2662-43F0-A3C6-BA04A135F08C}" presName="textRect" presStyleLbl="revTx" presStyleIdx="2" presStyleCnt="3">
         <dgm:presLayoutVars>
-          <dgm:bulletEnabled val="1"/>
+          <dgm:chMax val="1"/>
+          <dgm:chPref val="1"/>
         </dgm:presLayoutVars>
       </dgm:prSet>
       <dgm:spPr/>
     </dgm:pt>
-    <dgm:pt modelId="{AC9A216A-8375-48F9-A4E6-8E0B64C0209B}" type="pres">
-      <dgm:prSet presAssocID="{5605D28D-2CE6-4513-8566-952984E21E14}" presName="accent_3" presStyleCnt="0"/>
-      <dgm:spPr/>
-    </dgm:pt>
-    <dgm:pt modelId="{A965097E-32F1-4AB8-8C4E-2814A7596B2F}" type="pres">
-      <dgm:prSet presAssocID="{5605D28D-2CE6-4513-8566-952984E21E14}" presName="accentRepeatNode" presStyleLbl="solidFgAcc1" presStyleIdx="2" presStyleCnt="3"/>
-      <dgm:spPr/>
-    </dgm:pt>
   </dgm:ptLst>
   <dgm:cxnLst>
-    <dgm:cxn modelId="{A11E3B12-1828-45A7-86C3-BB85832DF84D}" type="presOf" srcId="{CA077D98-8478-47EA-B6A9-99ACE60C64D4}" destId="{D79B43FC-100B-4A0D-A4D5-0D2D04B99064}" srcOrd="0" destOrd="0" presId="urn:microsoft.com/office/officeart/2008/layout/VerticalCurvedList"/>
-    <dgm:cxn modelId="{0B5DAE5F-BCDC-4BF7-A6E7-CF856886A64D}" srcId="{7E5AA53B-3EEE-4DE4-BB81-9044890C2946}" destId="{6750AC01-D39D-4F3A-9DC8-2A211EE986A2}" srcOrd="0" destOrd="0" parTransId="{720680DC-AAA4-4434-A582-60EBCC5BA355}" sibTransId="{CA077D98-8478-47EA-B6A9-99ACE60C64D4}"/>
-    <dgm:cxn modelId="{29DA474E-5DFA-4C66-882F-319C49ABBB19}" type="presOf" srcId="{6750AC01-D39D-4F3A-9DC8-2A211EE986A2}" destId="{58319267-C71E-43C9-94E1-827D0616C7A7}" srcOrd="0" destOrd="0" presId="urn:microsoft.com/office/officeart/2008/layout/VerticalCurvedList"/>
-    <dgm:cxn modelId="{7084AA77-BACB-46CB-AE4A-77B62D3ED1AF}" type="presOf" srcId="{5605D28D-2CE6-4513-8566-952984E21E14}" destId="{E131CE4A-9776-44F4-BC03-867682E21374}" srcOrd="0" destOrd="0" presId="urn:microsoft.com/office/officeart/2008/layout/VerticalCurvedList"/>
-    <dgm:cxn modelId="{EDEF4F82-1237-4639-A0F7-385C1897CE66}" srcId="{7E5AA53B-3EEE-4DE4-BB81-9044890C2946}" destId="{0BEF68B8-1228-47BB-83B5-7B9CD1E3F84E}" srcOrd="1" destOrd="0" parTransId="{ED3A4BC2-B75A-4952-A38B-A42B5995DF05}" sibTransId="{FD949706-EDCC-4ADC-8EDF-8EDA49C92325}"/>
-    <dgm:cxn modelId="{FAF3F884-F0CF-440F-8CB1-B7648AB1B138}" srcId="{7E5AA53B-3EEE-4DE4-BB81-9044890C2946}" destId="{5605D28D-2CE6-4513-8566-952984E21E14}" srcOrd="2" destOrd="0" parTransId="{EB15AB98-362B-4E70-A3DA-995FC3E8BA79}" sibTransId="{823D1971-2C4D-4EC5-A874-2F463DE37109}"/>
-    <dgm:cxn modelId="{4F65CC8F-B5A8-40BE-A32B-05862B543D6A}" type="presOf" srcId="{7E5AA53B-3EEE-4DE4-BB81-9044890C2946}" destId="{57806726-6E60-4ACC-9C1C-7DF9CC365A10}" srcOrd="0" destOrd="0" presId="urn:microsoft.com/office/officeart/2008/layout/VerticalCurvedList"/>
-    <dgm:cxn modelId="{4A378892-5CCC-4F0D-8A38-4BEAECF30F24}" type="presOf" srcId="{0BEF68B8-1228-47BB-83B5-7B9CD1E3F84E}" destId="{95DE6538-27BD-44AF-A1A8-CA8F6B10FDD2}" srcOrd="0" destOrd="0" presId="urn:microsoft.com/office/officeart/2008/layout/VerticalCurvedList"/>
-    <dgm:cxn modelId="{4E25B52E-70EF-4A0F-B410-0B49263AF380}" type="presParOf" srcId="{57806726-6E60-4ACC-9C1C-7DF9CC365A10}" destId="{90561C55-3C6E-4D53-85E1-2C50BCDDA392}" srcOrd="0" destOrd="0" presId="urn:microsoft.com/office/officeart/2008/layout/VerticalCurvedList"/>
-    <dgm:cxn modelId="{2B3DD9E4-EC9C-4B92-B380-F89BF82E7CF3}" type="presParOf" srcId="{90561C55-3C6E-4D53-85E1-2C50BCDDA392}" destId="{B6CD42EC-5AD4-4004-AE5B-47EDA668DAA8}" srcOrd="0" destOrd="0" presId="urn:microsoft.com/office/officeart/2008/layout/VerticalCurvedList"/>
-    <dgm:cxn modelId="{EA357085-80A4-4D1D-9BD2-56B1E9A721FB}" type="presParOf" srcId="{B6CD42EC-5AD4-4004-AE5B-47EDA668DAA8}" destId="{963B8EE3-40CC-4A0A-B420-D0BF920973CE}" srcOrd="0" destOrd="0" presId="urn:microsoft.com/office/officeart/2008/layout/VerticalCurvedList"/>
-    <dgm:cxn modelId="{F175C6D0-411C-40FD-A19B-860D49F42061}" type="presParOf" srcId="{B6CD42EC-5AD4-4004-AE5B-47EDA668DAA8}" destId="{D79B43FC-100B-4A0D-A4D5-0D2D04B99064}" srcOrd="1" destOrd="0" presId="urn:microsoft.com/office/officeart/2008/layout/VerticalCurvedList"/>
-    <dgm:cxn modelId="{794BB944-68C0-47A5-9792-652802EB36AC}" type="presParOf" srcId="{B6CD42EC-5AD4-4004-AE5B-47EDA668DAA8}" destId="{3CAD8DA1-8D53-445C-ACE8-D8449E4F0F55}" srcOrd="2" destOrd="0" presId="urn:microsoft.com/office/officeart/2008/layout/VerticalCurvedList"/>
-    <dgm:cxn modelId="{B8CC75C4-3D1A-49E7-80D2-915668C1368C}" type="presParOf" srcId="{B6CD42EC-5AD4-4004-AE5B-47EDA668DAA8}" destId="{429CABD1-4116-474B-81BF-735E2CA9DD00}" srcOrd="3" destOrd="0" presId="urn:microsoft.com/office/officeart/2008/layout/VerticalCurvedList"/>
-    <dgm:cxn modelId="{28110BB8-F33F-498C-9A75-98364B05EFA5}" type="presParOf" srcId="{90561C55-3C6E-4D53-85E1-2C50BCDDA392}" destId="{58319267-C71E-43C9-94E1-827D0616C7A7}" srcOrd="1" destOrd="0" presId="urn:microsoft.com/office/officeart/2008/layout/VerticalCurvedList"/>
-    <dgm:cxn modelId="{3866F6C9-5521-48F2-B6C3-40C9896E1605}" type="presParOf" srcId="{90561C55-3C6E-4D53-85E1-2C50BCDDA392}" destId="{79F9B8A9-2412-4B74-84A9-69422DB81CDC}" srcOrd="2" destOrd="0" presId="urn:microsoft.com/office/officeart/2008/layout/VerticalCurvedList"/>
-    <dgm:cxn modelId="{D2205A4F-BB7A-4399-BC2F-78E18EC6EAFE}" type="presParOf" srcId="{79F9B8A9-2412-4B74-84A9-69422DB81CDC}" destId="{07CB3071-D555-47DA-A36A-69EB91531FD8}" srcOrd="0" destOrd="0" presId="urn:microsoft.com/office/officeart/2008/layout/VerticalCurvedList"/>
-    <dgm:cxn modelId="{602753E6-8A03-492B-861A-6B9532B5AA28}" type="presParOf" srcId="{90561C55-3C6E-4D53-85E1-2C50BCDDA392}" destId="{95DE6538-27BD-44AF-A1A8-CA8F6B10FDD2}" srcOrd="3" destOrd="0" presId="urn:microsoft.com/office/officeart/2008/layout/VerticalCurvedList"/>
-    <dgm:cxn modelId="{AEC540A3-E86A-4075-8BE4-263F4AFF4EA1}" type="presParOf" srcId="{90561C55-3C6E-4D53-85E1-2C50BCDDA392}" destId="{312BDEE8-85BD-4F02-B35B-2CC8E701C98B}" srcOrd="4" destOrd="0" presId="urn:microsoft.com/office/officeart/2008/layout/VerticalCurvedList"/>
-    <dgm:cxn modelId="{CD5D1014-B7CB-4B47-9A02-5FBF90928A73}" type="presParOf" srcId="{312BDEE8-85BD-4F02-B35B-2CC8E701C98B}" destId="{3F8116AC-FAC3-4E95-9865-93CCFEB191B9}" srcOrd="0" destOrd="0" presId="urn:microsoft.com/office/officeart/2008/layout/VerticalCurvedList"/>
-    <dgm:cxn modelId="{987EB7C0-CA3E-4874-85E0-01E9060A2D35}" type="presParOf" srcId="{90561C55-3C6E-4D53-85E1-2C50BCDDA392}" destId="{E131CE4A-9776-44F4-BC03-867682E21374}" srcOrd="5" destOrd="0" presId="urn:microsoft.com/office/officeart/2008/layout/VerticalCurvedList"/>
-    <dgm:cxn modelId="{91E55363-8DCA-455E-A203-06A9410994CB}" type="presParOf" srcId="{90561C55-3C6E-4D53-85E1-2C50BCDDA392}" destId="{AC9A216A-8375-48F9-A4E6-8E0B64C0209B}" srcOrd="6" destOrd="0" presId="urn:microsoft.com/office/officeart/2008/layout/VerticalCurvedList"/>
-    <dgm:cxn modelId="{D866D586-1293-4049-B6E3-B467C1D5ED64}" type="presParOf" srcId="{AC9A216A-8375-48F9-A4E6-8E0B64C0209B}" destId="{A965097E-32F1-4AB8-8C4E-2814A7596B2F}" srcOrd="0" destOrd="0" presId="urn:microsoft.com/office/officeart/2008/layout/VerticalCurvedList"/>
+    <dgm:cxn modelId="{1B8CB22C-9648-419B-97E9-4AA6C3555723}" type="presOf" srcId="{701D68F5-42F8-47BC-8FED-84C50F595DF0}" destId="{A99B5DD6-89E9-4537-B415-4205CEB9323A}" srcOrd="0" destOrd="0" presId="urn:microsoft.com/office/officeart/2018/2/layout/IconLabelList"/>
+    <dgm:cxn modelId="{C4BA385D-31ED-40EF-A5D6-98DFBA64E71A}" srcId="{7D9C16A6-8C48-4165-8DAF-8C957C12A8FA}" destId="{701D68F5-42F8-47BC-8FED-84C50F595DF0}" srcOrd="0" destOrd="0" parTransId="{9617668C-C38C-4017-8DDF-37855B15D110}" sibTransId="{0C95B389-AC0C-4055-9AA3-38815EFC8B0A}"/>
+    <dgm:cxn modelId="{5574CC64-4BF2-43BE-BABC-6DF1E58A4C74}" type="presOf" srcId="{7D9C16A6-8C48-4165-8DAF-8C957C12A8FA}" destId="{8994D886-A75F-411A-A9D7-D31991FF12BD}" srcOrd="0" destOrd="0" presId="urn:microsoft.com/office/officeart/2018/2/layout/IconLabelList"/>
+    <dgm:cxn modelId="{0400886E-8A1A-44C2-95A7-DB0EF4911494}" srcId="{7D9C16A6-8C48-4165-8DAF-8C957C12A8FA}" destId="{76CC3289-2662-43F0-A3C6-BA04A135F08C}" srcOrd="2" destOrd="0" parTransId="{D46DB4DA-1442-4ECE-89FE-BBB1E3489E3D}" sibTransId="{FA28C9D6-476E-43CD-BA23-D6D990FD78D0}"/>
+    <dgm:cxn modelId="{7F0DAB6F-9257-4F2D-B31A-3418F73F6952}" srcId="{7D9C16A6-8C48-4165-8DAF-8C957C12A8FA}" destId="{91A66877-AC1C-46D9-BF2C-6024B638DEA9}" srcOrd="1" destOrd="0" parTransId="{913FED05-DF41-48A7-B1F8-81937A468EF9}" sibTransId="{BFCE4A28-C381-46FF-935A-B11534EF7D87}"/>
+    <dgm:cxn modelId="{EC5C6E85-C523-4B60-976B-342F12E3A6CB}" type="presOf" srcId="{91A66877-AC1C-46D9-BF2C-6024B638DEA9}" destId="{55120873-6F5C-4053-8EAD-6287A7F1097E}" srcOrd="0" destOrd="0" presId="urn:microsoft.com/office/officeart/2018/2/layout/IconLabelList"/>
+    <dgm:cxn modelId="{6E31C6AB-C9E6-448F-A8CC-566A63619D4D}" type="presOf" srcId="{76CC3289-2662-43F0-A3C6-BA04A135F08C}" destId="{133097FC-B1F8-4953-B0AB-E8E73D968D1C}" srcOrd="0" destOrd="0" presId="urn:microsoft.com/office/officeart/2018/2/layout/IconLabelList"/>
+    <dgm:cxn modelId="{2AD6E781-3ED2-484E-B438-73386D2C583D}" type="presParOf" srcId="{8994D886-A75F-411A-A9D7-D31991FF12BD}" destId="{E1DBA6D5-BD14-4CD2-A0CC-80F867FEFA81}" srcOrd="0" destOrd="0" presId="urn:microsoft.com/office/officeart/2018/2/layout/IconLabelList"/>
+    <dgm:cxn modelId="{10B2B212-528C-471D-ABD0-D66ED992B833}" type="presParOf" srcId="{E1DBA6D5-BD14-4CD2-A0CC-80F867FEFA81}" destId="{19A8DC21-3E65-409D-AD53-DA51BB9198A0}" srcOrd="0" destOrd="0" presId="urn:microsoft.com/office/officeart/2018/2/layout/IconLabelList"/>
+    <dgm:cxn modelId="{2A8FB3D0-F98B-4F5A-BACA-4315E38776FB}" type="presParOf" srcId="{E1DBA6D5-BD14-4CD2-A0CC-80F867FEFA81}" destId="{B9F90A48-FF94-4C94-A587-0190406F6FD3}" srcOrd="1" destOrd="0" presId="urn:microsoft.com/office/officeart/2018/2/layout/IconLabelList"/>
+    <dgm:cxn modelId="{95FEF629-9884-451C-89B4-41B897ABE3D6}" type="presParOf" srcId="{E1DBA6D5-BD14-4CD2-A0CC-80F867FEFA81}" destId="{A99B5DD6-89E9-4537-B415-4205CEB9323A}" srcOrd="2" destOrd="0" presId="urn:microsoft.com/office/officeart/2018/2/layout/IconLabelList"/>
+    <dgm:cxn modelId="{0FE6827F-DE80-4F8A-8E9D-7F88C0F7EF29}" type="presParOf" srcId="{8994D886-A75F-411A-A9D7-D31991FF12BD}" destId="{8B391436-B9B0-45BD-A57F-792D6376D868}" srcOrd="1" destOrd="0" presId="urn:microsoft.com/office/officeart/2018/2/layout/IconLabelList"/>
+    <dgm:cxn modelId="{4857BE3A-D518-473D-AC79-7B9BF18B9824}" type="presParOf" srcId="{8994D886-A75F-411A-A9D7-D31991FF12BD}" destId="{95872155-C45D-46D3-874C-D838089A06F8}" srcOrd="2" destOrd="0" presId="urn:microsoft.com/office/officeart/2018/2/layout/IconLabelList"/>
+    <dgm:cxn modelId="{B4B325C4-81F2-4B3E-8CBF-4532B0BFA343}" type="presParOf" srcId="{95872155-C45D-46D3-874C-D838089A06F8}" destId="{CE9DF0E8-B0DE-4E1E-9FF4-6006AD8428DB}" srcOrd="0" destOrd="0" presId="urn:microsoft.com/office/officeart/2018/2/layout/IconLabelList"/>
+    <dgm:cxn modelId="{0AE6D335-6E55-47E1-BAD8-0368620AB8F6}" type="presParOf" srcId="{95872155-C45D-46D3-874C-D838089A06F8}" destId="{AA0423A1-55B2-45E9-BFE7-3FBE5BDA65ED}" srcOrd="1" destOrd="0" presId="urn:microsoft.com/office/officeart/2018/2/layout/IconLabelList"/>
+    <dgm:cxn modelId="{AFEE8CCD-97FE-4EFA-A584-DF6AFDAD2B20}" type="presParOf" srcId="{95872155-C45D-46D3-874C-D838089A06F8}" destId="{55120873-6F5C-4053-8EAD-6287A7F1097E}" srcOrd="2" destOrd="0" presId="urn:microsoft.com/office/officeart/2018/2/layout/IconLabelList"/>
+    <dgm:cxn modelId="{26649F18-C204-4047-8300-905486AB3755}" type="presParOf" srcId="{8994D886-A75F-411A-A9D7-D31991FF12BD}" destId="{F679C986-30E4-4F0A-A3A6-CAE528BFED76}" srcOrd="3" destOrd="0" presId="urn:microsoft.com/office/officeart/2018/2/layout/IconLabelList"/>
+    <dgm:cxn modelId="{898D629F-DA37-435F-A0B2-0617605D711A}" type="presParOf" srcId="{8994D886-A75F-411A-A9D7-D31991FF12BD}" destId="{2EC2FDE3-8908-45C7-A3FD-EB370213FE69}" srcOrd="4" destOrd="0" presId="urn:microsoft.com/office/officeart/2018/2/layout/IconLabelList"/>
+    <dgm:cxn modelId="{2BDADB1C-15B1-4763-9B35-3792147F8F87}" type="presParOf" srcId="{2EC2FDE3-8908-45C7-A3FD-EB370213FE69}" destId="{6DB1FE51-13D0-4A38-AD6E-48D4371A1AF3}" srcOrd="0" destOrd="0" presId="urn:microsoft.com/office/officeart/2018/2/layout/IconLabelList"/>
+    <dgm:cxn modelId="{F692F1E6-C6EC-4391-8432-EB6C34194240}" type="presParOf" srcId="{2EC2FDE3-8908-45C7-A3FD-EB370213FE69}" destId="{0928538A-05CC-4A79-BD5D-92F985D1EEE5}" srcOrd="1" destOrd="0" presId="urn:microsoft.com/office/officeart/2018/2/layout/IconLabelList"/>
+    <dgm:cxn modelId="{0E6AF6C4-A4E5-4234-9E16-F9F2334264CD}" type="presParOf" srcId="{2EC2FDE3-8908-45C7-A3FD-EB370213FE69}" destId="{133097FC-B1F8-4953-B0AB-E8E73D968D1C}" srcOrd="2" destOrd="0" presId="urn:microsoft.com/office/officeart/2018/2/layout/IconLabelList"/>
   </dgm:cxnLst>
   <dgm:bg/>
   <dgm:whole/>
   <dgm:extLst>
     <a:ext uri="http://schemas.microsoft.com/office/drawing/2008/diagram">
-      <dsp:dataModelExt xmlns:dsp="http://schemas.microsoft.com/office/drawing/2008/diagram" relId="rId8" minVer="http://schemas.openxmlformats.org/drawingml/2006/diagram"/>
+      <dsp:dataModelExt xmlns:dsp="http://schemas.microsoft.com/office/drawing/2008/diagram" relId="rId7" minVer="http://schemas.openxmlformats.org/drawingml/2006/diagram"/>
+    </a:ext>
+    <a:ext uri="{C62137D5-CB1D-491B-B009-E17868A290BF}">
+      <dgm14:recolorImg xmlns:dgm14="http://schemas.microsoft.com/office/drawing/2010/diagram" val="1"/>
     </a:ext>
   </dgm:extLst>
 </dgm:dataModel>
@@ -4859,7 +4950,7 @@
           </a:blip>
           <a:srcRect/>
           <a:stretch>
-            <a:fillRect/>
+            <a:fillRect l="-17000" r="-17000"/>
           </a:stretch>
         </a:blipFill>
         <a:ln w="22225" cap="rnd" cmpd="sng" algn="ctr">
@@ -4890,7 +4981,7 @@
       </dsp:nvSpPr>
       <dsp:spPr>
         <a:xfrm>
-          <a:off x="54818" y="2746269"/>
+          <a:off x="54818" y="2861678"/>
           <a:ext cx="3222832" cy="720000"/>
         </a:xfrm>
         <a:prstGeom prst="rect">
@@ -4920,7 +5011,7 @@
         </a:bodyPr>
         <a:lstStyle/>
         <a:p>
-          <a:pPr marL="0" lvl="0" indent="0" algn="ctr" defTabSz="1600200">
+          <a:pPr marL="0" lvl="0" indent="0" algn="ctr" defTabSz="1466850">
             <a:lnSpc>
               <a:spcPct val="90000"/>
             </a:lnSpc>
@@ -4933,14 +5024,14 @@
             <a:buNone/>
           </a:pPr>
           <a:r>
-            <a:rPr lang="en-ZA" sz="3600" kern="1200" dirty="0"/>
-            <a:t>Crawling</a:t>
+            <a:rPr lang="en-ZA" sz="3300" kern="1200" dirty="0"/>
+            <a:t>Flask (API)</a:t>
           </a:r>
-          <a:endParaRPr lang="en-US" sz="3600" kern="1200" dirty="0"/>
+          <a:endParaRPr lang="en-US" sz="3300" kern="1200" dirty="0"/>
         </a:p>
       </dsp:txBody>
       <dsp:txXfrm>
-        <a:off x="54818" y="2746269"/>
+        <a:off x="54818" y="2861678"/>
         <a:ext cx="3222832" cy="720000"/>
       </dsp:txXfrm>
     </dsp:sp>
@@ -4985,7 +5076,7 @@
           </a:blip>
           <a:srcRect/>
           <a:stretch>
-            <a:fillRect/>
+            <a:fillRect l="-45000" r="-45000"/>
           </a:stretch>
         </a:blipFill>
         <a:ln w="22225" cap="rnd" cmpd="sng" algn="ctr">
@@ -5016,7 +5107,7 @@
       </dsp:nvSpPr>
       <dsp:spPr>
         <a:xfrm>
-          <a:off x="3841646" y="2746269"/>
+          <a:off x="3841646" y="2861678"/>
           <a:ext cx="3222832" cy="720000"/>
         </a:xfrm>
         <a:prstGeom prst="rect">
@@ -5046,7 +5137,7 @@
         </a:bodyPr>
         <a:lstStyle/>
         <a:p>
-          <a:pPr marL="0" lvl="0" indent="0" algn="ctr" defTabSz="1600200">
+          <a:pPr marL="0" lvl="0" indent="0" algn="ctr" defTabSz="1466850">
             <a:lnSpc>
               <a:spcPct val="90000"/>
             </a:lnSpc>
@@ -5059,13 +5150,13 @@
             <a:buNone/>
           </a:pPr>
           <a:r>
-            <a:rPr lang="en-US" sz="3600" kern="1200" dirty="0"/>
-            <a:t>Indexing</a:t>
+            <a:rPr lang="en-US" sz="3300" kern="1200" dirty="0"/>
+            <a:t>Neo4J (Datastore)</a:t>
           </a:r>
         </a:p>
       </dsp:txBody>
       <dsp:txXfrm>
-        <a:off x="3841646" y="2746269"/>
+        <a:off x="3841646" y="2861678"/>
         <a:ext cx="3222832" cy="720000"/>
       </dsp:txXfrm>
     </dsp:sp>
@@ -5141,7 +5232,7 @@
       </dsp:nvSpPr>
       <dsp:spPr>
         <a:xfrm>
-          <a:off x="7628474" y="2746269"/>
+          <a:off x="7628474" y="2861678"/>
           <a:ext cx="3222832" cy="720000"/>
         </a:xfrm>
         <a:prstGeom prst="rect">
@@ -5171,7 +5262,7 @@
         </a:bodyPr>
         <a:lstStyle/>
         <a:p>
-          <a:pPr marL="0" lvl="0" indent="0" algn="ctr" defTabSz="1600200">
+          <a:pPr marL="0" lvl="0" indent="0" algn="ctr" defTabSz="1466850">
             <a:lnSpc>
               <a:spcPct val="90000"/>
             </a:lnSpc>
@@ -5184,13 +5275,13 @@
             <a:buNone/>
           </a:pPr>
           <a:r>
-            <a:rPr lang="en-US" sz="3600" kern="1200" dirty="0"/>
-            <a:t>Ranking</a:t>
+            <a:rPr lang="en-US" sz="3300" kern="1200" dirty="0"/>
+            <a:t>Flutter (UI)</a:t>
           </a:r>
         </a:p>
       </dsp:txBody>
       <dsp:txXfrm>
-        <a:off x="7628474" y="2746269"/>
+        <a:off x="7628474" y="2861678"/>
         <a:ext cx="3222832" cy="720000"/>
       </dsp:txXfrm>
     </dsp:sp>
@@ -5594,40 +5685,92 @@
       <dsp:cNvGrpSpPr/>
     </dsp:nvGrpSpPr>
     <dsp:grpSpPr/>
-    <dsp:sp modelId="{D79B43FC-100B-4A0D-A4D5-0D2D04B99064}">
+    <dsp:sp modelId="{19A8DC21-3E65-409D-AD53-DA51BB9198A0}">
       <dsp:nvSpPr>
         <dsp:cNvPr id="0" name=""/>
         <dsp:cNvSpPr/>
       </dsp:nvSpPr>
       <dsp:spPr>
         <a:xfrm>
-          <a:off x="-4028574" y="-618397"/>
-          <a:ext cx="4800732" cy="4800732"/>
+          <a:off x="523237" y="494935"/>
+          <a:ext cx="2285995" cy="2285995"/>
         </a:xfrm>
-        <a:prstGeom prst="blockArc">
-          <a:avLst>
-            <a:gd name="adj1" fmla="val 18900000"/>
-            <a:gd name="adj2" fmla="val 2700000"/>
-            <a:gd name="adj3" fmla="val 450"/>
-          </a:avLst>
+        <a:prstGeom prst="rect">
+          <a:avLst/>
         </a:prstGeom>
-        <a:noFill/>
-        <a:ln w="12700" cap="rnd" cmpd="sng" algn="ctr">
-          <a:solidFill>
-            <a:schemeClr val="accent2">
-              <a:shade val="60000"/>
-              <a:hueOff val="0"/>
-              <a:satOff val="0"/>
-              <a:lumOff val="0"/>
-              <a:alphaOff val="0"/>
-            </a:schemeClr>
-          </a:solidFill>
+        <a:blipFill>
+          <a:blip xmlns:r="http://schemas.openxmlformats.org/officeDocument/2006/relationships" r:embed="rId1">
+            <a:duotone>
+              <a:schemeClr val="accent2">
+                <a:hueOff val="0"/>
+                <a:satOff val="0"/>
+                <a:lumOff val="0"/>
+                <a:alphaOff val="0"/>
+                <a:shade val="20000"/>
+                <a:satMod val="200000"/>
+              </a:schemeClr>
+              <a:schemeClr val="accent2">
+                <a:hueOff val="0"/>
+                <a:satOff val="0"/>
+                <a:lumOff val="0"/>
+                <a:alphaOff val="0"/>
+                <a:tint val="12000"/>
+                <a:satMod val="190000"/>
+              </a:schemeClr>
+            </a:duotone>
+            <a:extLst>
+              <a:ext uri="{28A0092B-C50C-407E-A947-70E740481C1C}">
+                <a14:useLocalDpi xmlns:a14="http://schemas.microsoft.com/office/drawing/2010/main" val="0"/>
+              </a:ext>
+            </a:extLst>
+          </a:blip>
+          <a:srcRect/>
+          <a:stretch>
+            <a:fillRect/>
+          </a:stretch>
+        </a:blipFill>
+        <a:ln w="22225" cap="rnd" cmpd="sng" algn="ctr">
+          <a:noFill/>
           <a:prstDash val="solid"/>
         </a:ln>
         <a:effectLst/>
       </dsp:spPr>
       <dsp:style>
-        <a:lnRef idx="1">
+        <a:lnRef idx="2">
+          <a:scrgbClr r="0" g="0" b="0"/>
+        </a:lnRef>
+        <a:fillRef idx="1">
+          <a:scrgbClr r="0" g="0" b="0"/>
+        </a:fillRef>
+        <a:effectRef idx="0">
+          <a:scrgbClr r="0" g="0" b="0"/>
+        </a:effectRef>
+        <a:fontRef idx="minor">
+          <a:schemeClr val="lt1"/>
+        </a:fontRef>
+      </dsp:style>
+    </dsp:sp>
+    <dsp:sp modelId="{A99B5DD6-89E9-4537-B415-4205CEB9323A}">
+      <dsp:nvSpPr>
+        <dsp:cNvPr id="0" name=""/>
+        <dsp:cNvSpPr/>
+      </dsp:nvSpPr>
+      <dsp:spPr>
+        <a:xfrm>
+          <a:off x="54818" y="2746269"/>
+          <a:ext cx="3222832" cy="720000"/>
+        </a:xfrm>
+        <a:prstGeom prst="rect">
+          <a:avLst/>
+        </a:prstGeom>
+        <a:noFill/>
+        <a:ln>
+          <a:noFill/>
+        </a:ln>
+        <a:effectLst/>
+      </dsp:spPr>
+      <dsp:style>
+        <a:lnRef idx="0">
           <a:scrgbClr r="0" g="0" b="0"/>
         </a:lnRef>
         <a:fillRef idx="0">
@@ -5638,79 +5781,15 @@
         </a:effectRef>
         <a:fontRef idx="minor"/>
       </dsp:style>
-    </dsp:sp>
-    <dsp:sp modelId="{58319267-C71E-43C9-94E1-827D0616C7A7}">
-      <dsp:nvSpPr>
-        <dsp:cNvPr id="0" name=""/>
-        <dsp:cNvSpPr/>
-      </dsp:nvSpPr>
-      <dsp:spPr>
-        <a:xfrm>
-          <a:off x="496568" y="356393"/>
-          <a:ext cx="6310391" cy="712787"/>
-        </a:xfrm>
-        <a:prstGeom prst="rect">
-          <a:avLst/>
-        </a:prstGeom>
-        <a:gradFill rotWithShape="0">
-          <a:gsLst>
-            <a:gs pos="0">
-              <a:schemeClr val="accent2">
-                <a:hueOff val="0"/>
-                <a:satOff val="0"/>
-                <a:lumOff val="0"/>
-                <a:alphaOff val="0"/>
-                <a:tint val="98000"/>
-                <a:lumMod val="110000"/>
-              </a:schemeClr>
-            </a:gs>
-            <a:gs pos="84000">
-              <a:schemeClr val="accent2">
-                <a:hueOff val="0"/>
-                <a:satOff val="0"/>
-                <a:lumOff val="0"/>
-                <a:alphaOff val="0"/>
-                <a:shade val="90000"/>
-                <a:lumMod val="88000"/>
-              </a:schemeClr>
-            </a:gs>
-          </a:gsLst>
-          <a:lin ang="5400000" scaled="0"/>
-        </a:gradFill>
-        <a:ln>
-          <a:noFill/>
-        </a:ln>
-        <a:effectLst>
-          <a:outerShdw blurRad="38100" dist="25400" dir="5400000" rotWithShape="0">
-            <a:srgbClr val="000000">
-              <a:alpha val="55000"/>
-            </a:srgbClr>
-          </a:outerShdw>
-        </a:effectLst>
-      </dsp:spPr>
-      <dsp:style>
-        <a:lnRef idx="0">
-          <a:scrgbClr r="0" g="0" b="0"/>
-        </a:lnRef>
-        <a:fillRef idx="3">
-          <a:scrgbClr r="0" g="0" b="0"/>
-        </a:fillRef>
-        <a:effectRef idx="2">
-          <a:scrgbClr r="0" g="0" b="0"/>
-        </a:effectRef>
-        <a:fontRef idx="minor">
-          <a:schemeClr val="lt1"/>
-        </a:fontRef>
-      </dsp:style>
       <dsp:txBody>
-        <a:bodyPr spcFirstLastPara="0" vert="horz" wrap="square" lIns="565775" tIns="88900" rIns="88900" bIns="88900" numCol="1" spcCol="1270" anchor="ctr" anchorCtr="0">
+        <a:bodyPr spcFirstLastPara="0" vert="horz" wrap="square" lIns="0" tIns="0" rIns="0" bIns="0" numCol="1" spcCol="1270" anchor="t" anchorCtr="0">
           <a:noAutofit/>
         </a:bodyPr>
         <a:lstStyle/>
         <a:p>
-          <a:pPr marL="0" lvl="0" indent="0" algn="l" defTabSz="1555750">
+          <a:pPr marL="0" lvl="0" indent="0" algn="ctr" defTabSz="1600200">
             <a:lnSpc>
-              <a:spcPct val="100000"/>
+              <a:spcPct val="90000"/>
             </a:lnSpc>
             <a:spcBef>
               <a:spcPct val="0"/>
@@ -5721,52 +5800,69 @@
             <a:buNone/>
           </a:pPr>
           <a:r>
-            <a:rPr lang="en-US" sz="3500" kern="1200" dirty="0"/>
-            <a:t>Cloud	</a:t>
+            <a:rPr lang="en-ZA" sz="3600" kern="1200" dirty="0"/>
+            <a:t>Crawling</a:t>
           </a:r>
+          <a:endParaRPr lang="en-US" sz="3600" kern="1200" dirty="0"/>
         </a:p>
       </dsp:txBody>
       <dsp:txXfrm>
-        <a:off x="496568" y="356393"/>
-        <a:ext cx="6310391" cy="712787"/>
+        <a:off x="54818" y="2746269"/>
+        <a:ext cx="3222832" cy="720000"/>
       </dsp:txXfrm>
     </dsp:sp>
-    <dsp:sp modelId="{07CB3071-D555-47DA-A36A-69EB91531FD8}">
+    <dsp:sp modelId="{CE9DF0E8-B0DE-4E1E-9FF4-6006AD8428DB}">
       <dsp:nvSpPr>
         <dsp:cNvPr id="0" name=""/>
         <dsp:cNvSpPr/>
       </dsp:nvSpPr>
       <dsp:spPr>
         <a:xfrm>
-          <a:off x="51076" y="267295"/>
-          <a:ext cx="890984" cy="890984"/>
+          <a:off x="4310064" y="494935"/>
+          <a:ext cx="2285995" cy="2285995"/>
         </a:xfrm>
-        <a:prstGeom prst="ellipse">
+        <a:prstGeom prst="rect">
           <a:avLst/>
         </a:prstGeom>
-        <a:solidFill>
-          <a:schemeClr val="lt1">
-            <a:hueOff val="0"/>
-            <a:satOff val="0"/>
-            <a:lumOff val="0"/>
-            <a:alphaOff val="0"/>
-          </a:schemeClr>
-        </a:solidFill>
-        <a:ln w="12700" cap="rnd" cmpd="sng" algn="ctr">
-          <a:solidFill>
-            <a:schemeClr val="accent2">
-              <a:hueOff val="0"/>
-              <a:satOff val="0"/>
-              <a:lumOff val="0"/>
-              <a:alphaOff val="0"/>
-            </a:schemeClr>
-          </a:solidFill>
+        <a:blipFill>
+          <a:blip xmlns:r="http://schemas.openxmlformats.org/officeDocument/2006/relationships" r:embed="rId2">
+            <a:duotone>
+              <a:schemeClr val="accent2">
+                <a:hueOff val="0"/>
+                <a:satOff val="0"/>
+                <a:lumOff val="0"/>
+                <a:alphaOff val="0"/>
+                <a:shade val="20000"/>
+                <a:satMod val="200000"/>
+              </a:schemeClr>
+              <a:schemeClr val="accent2">
+                <a:hueOff val="0"/>
+                <a:satOff val="0"/>
+                <a:lumOff val="0"/>
+                <a:alphaOff val="0"/>
+                <a:tint val="12000"/>
+                <a:satMod val="190000"/>
+              </a:schemeClr>
+            </a:duotone>
+            <a:extLst>
+              <a:ext uri="{28A0092B-C50C-407E-A947-70E740481C1C}">
+                <a14:useLocalDpi xmlns:a14="http://schemas.microsoft.com/office/drawing/2010/main" val="0"/>
+              </a:ext>
+            </a:extLst>
+          </a:blip>
+          <a:srcRect/>
+          <a:stretch>
+            <a:fillRect/>
+          </a:stretch>
+        </a:blipFill>
+        <a:ln w="22225" cap="rnd" cmpd="sng" algn="ctr">
+          <a:noFill/>
           <a:prstDash val="solid"/>
         </a:ln>
         <a:effectLst/>
       </dsp:spPr>
       <dsp:style>
-        <a:lnRef idx="1">
+        <a:lnRef idx="2">
           <a:scrgbClr r="0" g="0" b="0"/>
         </a:lnRef>
         <a:fillRef idx="1">
@@ -5775,81 +5871,51 @@
         <a:effectRef idx="0">
           <a:scrgbClr r="0" g="0" b="0"/>
         </a:effectRef>
-        <a:fontRef idx="minor"/>
+        <a:fontRef idx="minor">
+          <a:schemeClr val="lt1"/>
+        </a:fontRef>
       </dsp:style>
     </dsp:sp>
-    <dsp:sp modelId="{95DE6538-27BD-44AF-A1A8-CA8F6B10FDD2}">
+    <dsp:sp modelId="{55120873-6F5C-4053-8EAD-6287A7F1097E}">
       <dsp:nvSpPr>
         <dsp:cNvPr id="0" name=""/>
         <dsp:cNvSpPr/>
       </dsp:nvSpPr>
       <dsp:spPr>
         <a:xfrm>
-          <a:off x="755666" y="1425575"/>
-          <a:ext cx="6051292" cy="712787"/>
+          <a:off x="3841646" y="2746269"/>
+          <a:ext cx="3222832" cy="720000"/>
         </a:xfrm>
         <a:prstGeom prst="rect">
           <a:avLst/>
         </a:prstGeom>
-        <a:gradFill rotWithShape="0">
-          <a:gsLst>
-            <a:gs pos="0">
-              <a:schemeClr val="accent2">
-                <a:hueOff val="0"/>
-                <a:satOff val="0"/>
-                <a:lumOff val="0"/>
-                <a:alphaOff val="0"/>
-                <a:tint val="98000"/>
-                <a:lumMod val="110000"/>
-              </a:schemeClr>
-            </a:gs>
-            <a:gs pos="84000">
-              <a:schemeClr val="accent2">
-                <a:hueOff val="0"/>
-                <a:satOff val="0"/>
-                <a:lumOff val="0"/>
-                <a:alphaOff val="0"/>
-                <a:shade val="90000"/>
-                <a:lumMod val="88000"/>
-              </a:schemeClr>
-            </a:gs>
-          </a:gsLst>
-          <a:lin ang="5400000" scaled="0"/>
-        </a:gradFill>
+        <a:noFill/>
         <a:ln>
           <a:noFill/>
         </a:ln>
-        <a:effectLst>
-          <a:outerShdw blurRad="38100" dist="25400" dir="5400000" rotWithShape="0">
-            <a:srgbClr val="000000">
-              <a:alpha val="55000"/>
-            </a:srgbClr>
-          </a:outerShdw>
-        </a:effectLst>
+        <a:effectLst/>
       </dsp:spPr>
       <dsp:style>
         <a:lnRef idx="0">
           <a:scrgbClr r="0" g="0" b="0"/>
         </a:lnRef>
-        <a:fillRef idx="3">
+        <a:fillRef idx="0">
           <a:scrgbClr r="0" g="0" b="0"/>
         </a:fillRef>
-        <a:effectRef idx="2">
+        <a:effectRef idx="0">
           <a:scrgbClr r="0" g="0" b="0"/>
         </a:effectRef>
-        <a:fontRef idx="minor">
-          <a:schemeClr val="lt1"/>
-        </a:fontRef>
+        <a:fontRef idx="minor"/>
       </dsp:style>
       <dsp:txBody>
-        <a:bodyPr spcFirstLastPara="0" vert="horz" wrap="square" lIns="565775" tIns="88900" rIns="88900" bIns="88900" numCol="1" spcCol="1270" anchor="ctr" anchorCtr="0">
+        <a:bodyPr spcFirstLastPara="0" vert="horz" wrap="square" lIns="0" tIns="0" rIns="0" bIns="0" numCol="1" spcCol="1270" anchor="t" anchorCtr="0">
           <a:noAutofit/>
         </a:bodyPr>
         <a:lstStyle/>
         <a:p>
-          <a:pPr marL="0" lvl="0" indent="0" algn="l" defTabSz="1555750">
+          <a:pPr marL="0" lvl="0" indent="0" algn="ctr" defTabSz="1600200">
             <a:lnSpc>
-              <a:spcPct val="100000"/>
+              <a:spcPct val="90000"/>
             </a:lnSpc>
             <a:spcBef>
               <a:spcPct val="0"/>
@@ -5860,52 +5926,68 @@
             <a:buNone/>
           </a:pPr>
           <a:r>
-            <a:rPr lang="en-US" sz="3500" kern="1200" dirty="0"/>
-            <a:t>Local</a:t>
+            <a:rPr lang="en-US" sz="3600" kern="1200" dirty="0"/>
+            <a:t>Indexing</a:t>
           </a:r>
         </a:p>
       </dsp:txBody>
       <dsp:txXfrm>
-        <a:off x="755666" y="1425575"/>
-        <a:ext cx="6051292" cy="712787"/>
+        <a:off x="3841646" y="2746269"/>
+        <a:ext cx="3222832" cy="720000"/>
       </dsp:txXfrm>
     </dsp:sp>
-    <dsp:sp modelId="{3F8116AC-FAC3-4E95-9865-93CCFEB191B9}">
+    <dsp:sp modelId="{6DB1FE51-13D0-4A38-AD6E-48D4371A1AF3}">
       <dsp:nvSpPr>
         <dsp:cNvPr id="0" name=""/>
         <dsp:cNvSpPr/>
       </dsp:nvSpPr>
       <dsp:spPr>
         <a:xfrm>
-          <a:off x="310174" y="1336476"/>
-          <a:ext cx="890984" cy="890984"/>
+          <a:off x="8096892" y="494935"/>
+          <a:ext cx="2285995" cy="2285995"/>
         </a:xfrm>
-        <a:prstGeom prst="ellipse">
+        <a:prstGeom prst="rect">
           <a:avLst/>
         </a:prstGeom>
-        <a:solidFill>
-          <a:schemeClr val="lt1">
-            <a:hueOff val="0"/>
-            <a:satOff val="0"/>
-            <a:lumOff val="0"/>
-            <a:alphaOff val="0"/>
-          </a:schemeClr>
-        </a:solidFill>
-        <a:ln w="12700" cap="rnd" cmpd="sng" algn="ctr">
-          <a:solidFill>
-            <a:schemeClr val="accent2">
-              <a:hueOff val="0"/>
-              <a:satOff val="0"/>
-              <a:lumOff val="0"/>
-              <a:alphaOff val="0"/>
-            </a:schemeClr>
-          </a:solidFill>
+        <a:blipFill>
+          <a:blip xmlns:r="http://schemas.openxmlformats.org/officeDocument/2006/relationships" r:embed="rId3">
+            <a:duotone>
+              <a:schemeClr val="accent2">
+                <a:hueOff val="0"/>
+                <a:satOff val="0"/>
+                <a:lumOff val="0"/>
+                <a:alphaOff val="0"/>
+                <a:shade val="20000"/>
+                <a:satMod val="200000"/>
+              </a:schemeClr>
+              <a:schemeClr val="accent2">
+                <a:hueOff val="0"/>
+                <a:satOff val="0"/>
+                <a:lumOff val="0"/>
+                <a:alphaOff val="0"/>
+                <a:tint val="12000"/>
+                <a:satMod val="190000"/>
+              </a:schemeClr>
+            </a:duotone>
+            <a:extLst>
+              <a:ext uri="{28A0092B-C50C-407E-A947-70E740481C1C}">
+                <a14:useLocalDpi xmlns:a14="http://schemas.microsoft.com/office/drawing/2010/main" val="0"/>
+              </a:ext>
+            </a:extLst>
+          </a:blip>
+          <a:srcRect/>
+          <a:stretch>
+            <a:fillRect/>
+          </a:stretch>
+        </a:blipFill>
+        <a:ln w="22225" cap="rnd" cmpd="sng" algn="ctr">
+          <a:noFill/>
           <a:prstDash val="solid"/>
         </a:ln>
         <a:effectLst/>
       </dsp:spPr>
       <dsp:style>
-        <a:lnRef idx="1">
+        <a:lnRef idx="2">
           <a:scrgbClr r="0" g="0" b="0"/>
         </a:lnRef>
         <a:fillRef idx="1">
@@ -5914,81 +5996,51 @@
         <a:effectRef idx="0">
           <a:scrgbClr r="0" g="0" b="0"/>
         </a:effectRef>
-        <a:fontRef idx="minor"/>
+        <a:fontRef idx="minor">
+          <a:schemeClr val="lt1"/>
+        </a:fontRef>
       </dsp:style>
     </dsp:sp>
-    <dsp:sp modelId="{E131CE4A-9776-44F4-BC03-867682E21374}">
+    <dsp:sp modelId="{133097FC-B1F8-4953-B0AB-E8E73D968D1C}">
       <dsp:nvSpPr>
         <dsp:cNvPr id="0" name=""/>
         <dsp:cNvSpPr/>
       </dsp:nvSpPr>
       <dsp:spPr>
         <a:xfrm>
-          <a:off x="496568" y="2494756"/>
-          <a:ext cx="6310391" cy="712787"/>
+          <a:off x="7628474" y="2746269"/>
+          <a:ext cx="3222832" cy="720000"/>
         </a:xfrm>
         <a:prstGeom prst="rect">
           <a:avLst/>
         </a:prstGeom>
-        <a:gradFill rotWithShape="0">
-          <a:gsLst>
-            <a:gs pos="0">
-              <a:schemeClr val="accent2">
-                <a:hueOff val="0"/>
-                <a:satOff val="0"/>
-                <a:lumOff val="0"/>
-                <a:alphaOff val="0"/>
-                <a:tint val="98000"/>
-                <a:lumMod val="110000"/>
-              </a:schemeClr>
-            </a:gs>
-            <a:gs pos="84000">
-              <a:schemeClr val="accent2">
-                <a:hueOff val="0"/>
-                <a:satOff val="0"/>
-                <a:lumOff val="0"/>
-                <a:alphaOff val="0"/>
-                <a:shade val="90000"/>
-                <a:lumMod val="88000"/>
-              </a:schemeClr>
-            </a:gs>
-          </a:gsLst>
-          <a:lin ang="5400000" scaled="0"/>
-        </a:gradFill>
+        <a:noFill/>
         <a:ln>
           <a:noFill/>
         </a:ln>
-        <a:effectLst>
-          <a:outerShdw blurRad="38100" dist="25400" dir="5400000" rotWithShape="0">
-            <a:srgbClr val="000000">
-              <a:alpha val="55000"/>
-            </a:srgbClr>
-          </a:outerShdw>
-        </a:effectLst>
+        <a:effectLst/>
       </dsp:spPr>
       <dsp:style>
         <a:lnRef idx="0">
           <a:scrgbClr r="0" g="0" b="0"/>
         </a:lnRef>
-        <a:fillRef idx="3">
+        <a:fillRef idx="0">
           <a:scrgbClr r="0" g="0" b="0"/>
         </a:fillRef>
-        <a:effectRef idx="2">
+        <a:effectRef idx="0">
           <a:scrgbClr r="0" g="0" b="0"/>
         </a:effectRef>
-        <a:fontRef idx="minor">
-          <a:schemeClr val="lt1"/>
-        </a:fontRef>
+        <a:fontRef idx="minor"/>
       </dsp:style>
       <dsp:txBody>
-        <a:bodyPr spcFirstLastPara="0" vert="horz" wrap="square" lIns="565775" tIns="88900" rIns="88900" bIns="88900" numCol="1" spcCol="1270" anchor="ctr" anchorCtr="0">
+        <a:bodyPr spcFirstLastPara="0" vert="horz" wrap="square" lIns="0" tIns="0" rIns="0" bIns="0" numCol="1" spcCol="1270" anchor="t" anchorCtr="0">
           <a:noAutofit/>
         </a:bodyPr>
         <a:lstStyle/>
         <a:p>
-          <a:pPr marL="0" lvl="0" indent="0" algn="l" defTabSz="1555750">
+          <a:pPr marL="0" lvl="0" indent="0" algn="ctr" defTabSz="1600200">
             <a:lnSpc>
-              <a:spcPct val="100000"/>
+              <a:spcPct val="90000"/>
             </a:lnSpc>
             <a:spcBef>
               <a:spcPct val="0"/>
@@ -5999,62 +6051,15 @@
             <a:buNone/>
           </a:pPr>
           <a:r>
-            <a:rPr lang="en-US" sz="3500" kern="1200" dirty="0"/>
-            <a:t>Hybrid</a:t>
+            <a:rPr lang="en-US" sz="3600" kern="1200" dirty="0"/>
+            <a:t>Ranking</a:t>
           </a:r>
         </a:p>
       </dsp:txBody>
       <dsp:txXfrm>
-        <a:off x="496568" y="2494756"/>
-        <a:ext cx="6310391" cy="712787"/>
+        <a:off x="7628474" y="2746269"/>
+        <a:ext cx="3222832" cy="720000"/>
       </dsp:txXfrm>
-    </dsp:sp>
-    <dsp:sp modelId="{A965097E-32F1-4AB8-8C4E-2814A7596B2F}">
-      <dsp:nvSpPr>
-        <dsp:cNvPr id="0" name=""/>
-        <dsp:cNvSpPr/>
-      </dsp:nvSpPr>
-      <dsp:spPr>
-        <a:xfrm>
-          <a:off x="51076" y="2405658"/>
-          <a:ext cx="890984" cy="890984"/>
-        </a:xfrm>
-        <a:prstGeom prst="ellipse">
-          <a:avLst/>
-        </a:prstGeom>
-        <a:solidFill>
-          <a:schemeClr val="lt1">
-            <a:hueOff val="0"/>
-            <a:satOff val="0"/>
-            <a:lumOff val="0"/>
-            <a:alphaOff val="0"/>
-          </a:schemeClr>
-        </a:solidFill>
-        <a:ln w="12700" cap="rnd" cmpd="sng" algn="ctr">
-          <a:solidFill>
-            <a:schemeClr val="accent2">
-              <a:hueOff val="0"/>
-              <a:satOff val="0"/>
-              <a:lumOff val="0"/>
-              <a:alphaOff val="0"/>
-            </a:schemeClr>
-          </a:solidFill>
-          <a:prstDash val="solid"/>
-        </a:ln>
-        <a:effectLst/>
-      </dsp:spPr>
-      <dsp:style>
-        <a:lnRef idx="1">
-          <a:scrgbClr r="0" g="0" b="0"/>
-        </a:lnRef>
-        <a:fillRef idx="1">
-          <a:scrgbClr r="0" g="0" b="0"/>
-        </a:fillRef>
-        <a:effectRef idx="0">
-          <a:scrgbClr r="0" g="0" b="0"/>
-        </a:effectRef>
-        <a:fontRef idx="minor"/>
-      </dsp:style>
     </dsp:sp>
   </dsp:spTree>
 </dsp:drawing>
@@ -6631,1280 +6636,192 @@
 </file>
 
 <file path=ppt/diagrams/layout4.xml><?xml version="1.0" encoding="utf-8"?>
-<dgm:layoutDef xmlns:dgm="http://schemas.openxmlformats.org/drawingml/2006/diagram" xmlns:a="http://schemas.openxmlformats.org/drawingml/2006/main" uniqueId="urn:microsoft.com/office/officeart/2008/layout/VerticalCurvedList">
-  <dgm:title val=""/>
-  <dgm:desc val=""/>
+<dgm:layoutDef xmlns:dgm="http://schemas.openxmlformats.org/drawingml/2006/diagram" xmlns:a="http://schemas.openxmlformats.org/drawingml/2006/main" uniqueId="urn:microsoft.com/office/officeart/2018/2/layout/IconLabelList">
+  <dgm:title val="Icon Label List"/>
+  <dgm:desc val="Use to show non-sequential or grouped chunks of information accompanied by a related visuals. Works best with icons or small pictures with short text captions."/>
   <dgm:catLst>
-    <dgm:cat type="list" pri="20000"/>
+    <dgm:cat type="icon" pri="500"/>
   </dgm:catLst>
-  <dgm:sampData>
+  <dgm:sampData useDef="1">
     <dgm:dataModel>
-      <dgm:ptLst>
-        <dgm:pt modelId="0" type="doc"/>
-        <dgm:pt modelId="1">
-          <dgm:prSet phldr="1"/>
-        </dgm:pt>
-        <dgm:pt modelId="2">
-          <dgm:prSet phldr="1"/>
-        </dgm:pt>
-        <dgm:pt modelId="3">
-          <dgm:prSet phldr="1"/>
-        </dgm:pt>
-      </dgm:ptLst>
-      <dgm:cxnLst>
-        <dgm:cxn modelId="4" srcId="0" destId="1" srcOrd="0" destOrd="0"/>
-        <dgm:cxn modelId="5" srcId="0" destId="2" srcOrd="1" destOrd="0"/>
-        <dgm:cxn modelId="6" srcId="0" destId="3" srcOrd="2" destOrd="0"/>
-      </dgm:cxnLst>
+      <dgm:ptLst/>
       <dgm:bg/>
       <dgm:whole/>
     </dgm:dataModel>
   </dgm:sampData>
-  <dgm:styleData>
+  <dgm:styleData useDef="1">
     <dgm:dataModel>
-      <dgm:ptLst>
-        <dgm:pt modelId="0" type="doc"/>
-        <dgm:pt modelId="1">
-          <dgm:prSet phldr="1"/>
-        </dgm:pt>
-        <dgm:pt modelId="2">
-          <dgm:prSet phldr="1"/>
-        </dgm:pt>
-      </dgm:ptLst>
-      <dgm:cxnLst>
-        <dgm:cxn modelId="3" srcId="0" destId="1" srcOrd="0" destOrd="0"/>
-        <dgm:cxn modelId="4" srcId="0" destId="2" srcOrd="1" destOrd="0"/>
-      </dgm:cxnLst>
+      <dgm:ptLst/>
       <dgm:bg/>
       <dgm:whole/>
     </dgm:dataModel>
   </dgm:styleData>
-  <dgm:clrData>
+  <dgm:clrData useDef="1">
     <dgm:dataModel>
-      <dgm:ptLst>
-        <dgm:pt modelId="0" type="doc"/>
-        <dgm:pt modelId="1">
-          <dgm:prSet phldr="1"/>
-        </dgm:pt>
-        <dgm:pt modelId="2">
-          <dgm:prSet phldr="1"/>
-        </dgm:pt>
-        <dgm:pt modelId="3">
-          <dgm:prSet phldr="1"/>
-        </dgm:pt>
-        <dgm:pt modelId="4">
-          <dgm:prSet phldr="1"/>
-        </dgm:pt>
-      </dgm:ptLst>
-      <dgm:cxnLst>
-        <dgm:cxn modelId="5" srcId="0" destId="1" srcOrd="0" destOrd="0"/>
-        <dgm:cxn modelId="6" srcId="0" destId="2" srcOrd="1" destOrd="0"/>
-        <dgm:cxn modelId="7" srcId="0" destId="3" srcOrd="2" destOrd="0"/>
-        <dgm:cxn modelId="8" srcId="0" destId="4" srcOrd="3" destOrd="0"/>
-      </dgm:cxnLst>
+      <dgm:ptLst/>
       <dgm:bg/>
       <dgm:whole/>
     </dgm:dataModel>
   </dgm:clrData>
-  <dgm:layoutNode name="Name0">
+  <dgm:layoutNode name="root">
     <dgm:varLst>
-      <dgm:chMax val="7"/>
-      <dgm:chPref val="7"/>
       <dgm:dir/>
+      <dgm:resizeHandles val="exact"/>
     </dgm:varLst>
-    <dgm:alg type="composite"/>
+    <dgm:choose name="Name0">
+      <dgm:if name="Name1" axis="self" func="var" arg="dir" op="equ" val="norm">
+        <dgm:alg type="snake">
+          <dgm:param type="grDir" val="tL"/>
+          <dgm:param type="flowDir" val="row"/>
+          <dgm:param type="contDir" val="sameDir"/>
+          <dgm:param type="off" val="ctr"/>
+          <dgm:param type="vertAlign" val="mid"/>
+          <dgm:param type="horzAlign" val="ctr"/>
+        </dgm:alg>
+      </dgm:if>
+      <dgm:else name="Name2">
+        <dgm:alg type="snake">
+          <dgm:param type="grDir" val="tR"/>
+          <dgm:param type="flowDir" val="row"/>
+          <dgm:param type="contDir" val="sameDir"/>
+          <dgm:param type="off" val="ctr"/>
+          <dgm:param type="vertAlign" val="mid"/>
+          <dgm:param type="horzAlign" val="ctr"/>
+        </dgm:alg>
+      </dgm:else>
+    </dgm:choose>
     <dgm:shape xmlns:r="http://schemas.openxmlformats.org/officeDocument/2006/relationships" r:blip="">
       <dgm:adjLst/>
     </dgm:shape>
-    <dgm:constrLst>
-      <dgm:constr type="w" for="ch" refType="h" refFor="ch" op="gte" fact="0.8"/>
-    </dgm:constrLst>
-    <dgm:layoutNode name="Name1">
-      <dgm:alg type="composite"/>
-      <dgm:shape xmlns:r="http://schemas.openxmlformats.org/officeDocument/2006/relationships" r:blip="">
-        <dgm:adjLst/>
-      </dgm:shape>
-      <dgm:choose name="Name2">
-        <dgm:if name="Name3" func="var" arg="dir" op="equ" val="norm">
-          <dgm:choose name="Name4">
-            <dgm:if name="Name5" axis="ch" ptType="node" func="cnt" op="equ" val="1">
-              <dgm:constrLst>
-                <dgm:constr type="h" for="ch" forName="cycle" refType="h"/>
-                <dgm:constr type="w" for="ch" forName="cycle" refType="h" refFor="ch" refForName="cycle" fact="0.26"/>
-                <dgm:constr type="l" for="ch" forName="cycle"/>
-                <dgm:constr type="ctrY" for="ch" forName="cycle" refType="h" fact="0.5"/>
-                <dgm:constr type="diam" for="ch" forName="cycle" refType="h" fact="1.344"/>
-                <dgm:constr type="h" for="ch" forName="accent_1" refType="h" fact="0.625"/>
-                <dgm:constr type="w" for="ch" forName="accent_1" refType="h" refFor="ch" refForName="accent_1" op="equ"/>
-                <dgm:constr type="ctrY" for="ch" forName="accent_1" refType="h" fact="0.5"/>
-                <dgm:constr type="ctrX" for="ch" forName="accent_1" refType="h" fact="0.2253"/>
-                <dgm:constr type="l" for="ch" forName="text_1" refType="ctrX" refFor="ch" refForName="accent_1"/>
-                <dgm:constr type="r" for="ch" forName="text_1" refType="w"/>
-                <dgm:constr type="w" for="ch" forName="text_1" refType="h" refFor="ch" refForName="text_1" op="gte"/>
-                <dgm:constr type="h" for="ch" forName="text_1" refType="h" refFor="ch" refForName="accent_1" fact="0.8"/>
-                <dgm:constr type="ctrY" for="ch" forName="text_1" refType="ctrY" refFor="ch" refForName="accent_1"/>
-                <dgm:constr type="lMarg" for="ch" forName="text_1" refType="w" refFor="ch" refForName="accent_1" fact="1.8"/>
-                <dgm:constr type="primFontSz" for="ch" ptType="node" op="equ" val="65"/>
-              </dgm:constrLst>
-            </dgm:if>
-            <dgm:if name="Name6" axis="ch" ptType="node" func="cnt" op="equ" val="2">
-              <dgm:constrLst>
-                <dgm:constr type="h" for="ch" forName="cycle" refType="h"/>
-                <dgm:constr type="w" for="ch" forName="cycle" refType="h" refFor="ch" refForName="cycle" fact="0.26"/>
-                <dgm:constr type="l" for="ch" forName="cycle"/>
-                <dgm:constr type="ctrY" for="ch" forName="cycle" refType="h" fact="0.5"/>
-                <dgm:constr type="diam" for="ch" forName="cycle" refType="h" fact="1.344"/>
-                <dgm:constr type="h" for="ch" forName="accent_1" refType="h" fact="0.3571"/>
-                <dgm:constr type="w" for="ch" forName="accent_1" refType="h" refFor="ch" refForName="accent_1" op="equ"/>
-                <dgm:constr type="ctrY" for="ch" forName="accent_1" refType="h" fact="0.2857"/>
-                <dgm:constr type="ctrX" for="ch" forName="accent_1" refType="h" fact="0.1891"/>
-                <dgm:constr type="l" for="ch" forName="text_1" refType="ctrX" refFor="ch" refForName="accent_1"/>
-                <dgm:constr type="r" for="ch" forName="text_1" refType="w"/>
-                <dgm:constr type="w" for="ch" forName="text_1" refType="h" refFor="ch" refForName="text_1" op="gte"/>
-                <dgm:constr type="h" for="ch" forName="text_1" refType="h" refFor="ch" refForName="accent_1" fact="0.8"/>
-                <dgm:constr type="ctrY" for="ch" forName="text_1" refType="ctrY" refFor="ch" refForName="accent_1"/>
-                <dgm:constr type="lMarg" for="ch" forName="text_1" refType="w" refFor="ch" refForName="accent_1" fact="1.8"/>
-                <dgm:constr type="h" for="ch" forName="accent_2" refType="h" fact="0.3571"/>
-                <dgm:constr type="w" for="ch" forName="accent_2" refType="h" refFor="ch" refForName="accent_2" op="equ"/>
-                <dgm:constr type="ctrY" for="ch" forName="accent_2" refType="h" fact="0.7143"/>
-                <dgm:constr type="ctrX" for="ch" forName="accent_2" refType="h" fact="0.1891"/>
-                <dgm:constr type="l" for="ch" forName="text_2" refType="ctrX" refFor="ch" refForName="accent_2"/>
-                <dgm:constr type="r" for="ch" forName="text_2" refType="w"/>
-                <dgm:constr type="w" for="ch" forName="text_2" refType="h" refFor="ch" refForName="text_2" op="gte"/>
-                <dgm:constr type="h" for="ch" forName="text_2" refType="h" refFor="ch" refForName="accent_2" fact="0.8"/>
-                <dgm:constr type="ctrY" for="ch" forName="text_2" refType="ctrY" refFor="ch" refForName="accent_2"/>
-                <dgm:constr type="lMarg" for="ch" forName="text_2" refType="w" refFor="ch" refForName="accent_2" fact="1.8"/>
-                <dgm:constr type="primFontSz" for="ch" ptType="node" op="equ" val="65"/>
-              </dgm:constrLst>
-            </dgm:if>
-            <dgm:if name="Name7" axis="ch" ptType="node" func="cnt" op="equ" val="3">
-              <dgm:constrLst>
-                <dgm:constr type="h" for="ch" forName="cycle" refType="h"/>
-                <dgm:constr type="w" for="ch" forName="cycle" refType="h" refFor="ch" refForName="cycle" fact="0.26"/>
-                <dgm:constr type="l" for="ch" forName="cycle"/>
-                <dgm:constr type="ctrY" for="ch" forName="cycle" refType="h" fact="0.5"/>
-                <dgm:constr type="diam" for="ch" forName="cycle" refType="h" fact="1.344"/>
-                <dgm:constr type="h" for="ch" forName="accent_1" refType="h" fact="0.25"/>
-                <dgm:constr type="w" for="ch" forName="accent_1" refType="h" refFor="ch" refForName="accent_1" op="equ"/>
-                <dgm:constr type="ctrY" for="ch" forName="accent_1" refType="h" fact="0.2"/>
-                <dgm:constr type="ctrX" for="ch" forName="accent_1" refType="h" fact="0.1526"/>
-                <dgm:constr type="l" for="ch" forName="text_1" refType="ctrX" refFor="ch" refForName="accent_1"/>
-                <dgm:constr type="r" for="ch" forName="text_1" refType="w"/>
-                <dgm:constr type="w" for="ch" forName="text_1" refType="h" refFor="ch" refForName="text_1" op="gte"/>
-                <dgm:constr type="h" for="ch" forName="text_1" refType="h" refFor="ch" refForName="accent_1" fact="0.8"/>
-                <dgm:constr type="ctrY" for="ch" forName="text_1" refType="ctrY" refFor="ch" refForName="accent_1"/>
-                <dgm:constr type="lMarg" for="ch" forName="text_1" refType="w" refFor="ch" refForName="accent_1" fact="1.8"/>
-                <dgm:constr type="h" for="ch" forName="accent_2" refType="h" fact="0.25"/>
-                <dgm:constr type="w" for="ch" forName="accent_2" refType="h" refFor="ch" refForName="accent_2" op="equ"/>
-                <dgm:constr type="ctrY" for="ch" forName="accent_2" refType="h" fact="0.5"/>
-                <dgm:constr type="ctrX" for="ch" forName="accent_2" refType="h" fact="0.2253"/>
-                <dgm:constr type="l" for="ch" forName="text_2" refType="ctrX" refFor="ch" refForName="accent_2"/>
-                <dgm:constr type="r" for="ch" forName="text_2" refType="w"/>
-                <dgm:constr type="w" for="ch" forName="text_2" refType="h" refFor="ch" refForName="text_2" op="gte"/>
-                <dgm:constr type="h" for="ch" forName="text_2" refType="h" refFor="ch" refForName="accent_2" fact="0.8"/>
-                <dgm:constr type="ctrY" for="ch" forName="text_2" refType="ctrY" refFor="ch" refForName="accent_2"/>
-                <dgm:constr type="lMarg" for="ch" forName="text_2" refType="w" refFor="ch" refForName="accent_2" fact="1.8"/>
-                <dgm:constr type="h" for="ch" forName="accent_3" refType="h" fact="0.25"/>
-                <dgm:constr type="w" for="ch" forName="accent_3" refType="h" refFor="ch" refForName="accent_3" op="equ"/>
-                <dgm:constr type="ctrY" for="ch" forName="accent_3" refType="h" fact="0.8"/>
-                <dgm:constr type="ctrX" for="ch" forName="accent_3" refType="h" fact="0.1526"/>
-                <dgm:constr type="l" for="ch" forName="text_3" refType="ctrX" refFor="ch" refForName="accent_3"/>
-                <dgm:constr type="r" for="ch" forName="text_3" refType="w"/>
-                <dgm:constr type="w" for="ch" forName="text_3" refType="h" refFor="ch" refForName="text_3" op="gte"/>
-                <dgm:constr type="h" for="ch" forName="text_3" refType="h" refFor="ch" refForName="accent_3" fact="0.8"/>
-                <dgm:constr type="ctrY" for="ch" forName="text_3" refType="ctrY" refFor="ch" refForName="accent_3"/>
-                <dgm:constr type="lMarg" for="ch" forName="text_3" refType="w" refFor="ch" refForName="accent_3" fact="1.8"/>
-                <dgm:constr type="primFontSz" for="ch" ptType="node" op="equ" val="65"/>
-              </dgm:constrLst>
-            </dgm:if>
-            <dgm:if name="Name8" axis="ch" ptType="node" func="cnt" op="equ" val="4">
-              <dgm:constrLst>
-                <dgm:constr type="h" for="ch" forName="cycle" refType="h"/>
-                <dgm:constr type="w" for="ch" forName="cycle" refType="h" refFor="ch" refForName="cycle" fact="0.26"/>
-                <dgm:constr type="l" for="ch" forName="cycle"/>
-                <dgm:constr type="ctrY" for="ch" forName="cycle" refType="h" fact="0.5"/>
-                <dgm:constr type="diam" for="ch" forName="cycle" refType="h" fact="1.344"/>
-                <dgm:constr type="h" for="ch" forName="accent_1" refType="h" fact="0.1923"/>
-                <dgm:constr type="w" for="ch" forName="accent_1" refType="h" refFor="ch" refForName="accent_1" op="equ"/>
-                <dgm:constr type="ctrY" for="ch" forName="accent_1" refType="h" fact="0.1538"/>
-                <dgm:constr type="ctrX" for="ch" forName="accent_1" refType="h" fact="0.1268"/>
-                <dgm:constr type="l" for="ch" forName="text_1" refType="ctrX" refFor="ch" refForName="accent_1"/>
-                <dgm:constr type="r" for="ch" forName="text_1" refType="w"/>
-                <dgm:constr type="w" for="ch" forName="text_1" refType="h" refFor="ch" refForName="text_1" op="gte"/>
-                <dgm:constr type="h" for="ch" forName="text_1" refType="h" refFor="ch" refForName="accent_1" fact="0.8"/>
-                <dgm:constr type="ctrY" for="ch" forName="text_1" refType="ctrY" refFor="ch" refForName="accent_1"/>
-                <dgm:constr type="lMarg" for="ch" forName="text_1" refType="w" refFor="ch" refForName="accent_1" fact="1.8"/>
-                <dgm:constr type="h" for="ch" forName="accent_2" refType="h" fact="0.1923"/>
-                <dgm:constr type="w" for="ch" forName="accent_2" refType="h" refFor="ch" refForName="accent_2" op="equ"/>
-                <dgm:constr type="ctrY" for="ch" forName="accent_2" refType="h" fact="0.3846"/>
-                <dgm:constr type="ctrX" for="ch" forName="accent_2" refType="h" fact="0.215"/>
-                <dgm:constr type="l" for="ch" forName="text_2" refType="ctrX" refFor="ch" refForName="accent_2"/>
-                <dgm:constr type="r" for="ch" forName="text_2" refType="w"/>
-                <dgm:constr type="w" for="ch" forName="text_2" refType="h" refFor="ch" refForName="text_2" op="gte"/>
-                <dgm:constr type="h" for="ch" forName="text_2" refType="h" refFor="ch" refForName="accent_2" fact="0.8"/>
-                <dgm:constr type="ctrY" for="ch" forName="text_2" refType="ctrY" refFor="ch" refForName="accent_2"/>
-                <dgm:constr type="lMarg" for="ch" forName="text_2" refType="w" refFor="ch" refForName="accent_2" fact="1.8"/>
-                <dgm:constr type="h" for="ch" forName="accent_3" refType="h" fact="0.1923"/>
-                <dgm:constr type="w" for="ch" forName="accent_3" refType="h" refFor="ch" refForName="accent_3" op="equ"/>
-                <dgm:constr type="ctrY" for="ch" forName="accent_3" refType="h" fact="0.6154"/>
-                <dgm:constr type="ctrX" for="ch" forName="accent_3" refType="h" fact="0.215"/>
-                <dgm:constr type="l" for="ch" forName="text_3" refType="ctrX" refFor="ch" refForName="accent_3"/>
-                <dgm:constr type="r" for="ch" forName="text_3" refType="w"/>
-                <dgm:constr type="w" for="ch" forName="text_3" refType="h" refFor="ch" refForName="text_3" op="gte"/>
-                <dgm:constr type="h" for="ch" forName="text_3" refType="h" refFor="ch" refForName="accent_3" fact="0.8"/>
-                <dgm:constr type="ctrY" for="ch" forName="text_3" refType="ctrY" refFor="ch" refForName="accent_3"/>
-                <dgm:constr type="lMarg" for="ch" forName="text_3" refType="w" refFor="ch" refForName="accent_3" fact="1.8"/>
-                <dgm:constr type="h" for="ch" forName="accent_4" refType="h" fact="0.1923"/>
-                <dgm:constr type="w" for="ch" forName="accent_4" refType="h" refFor="ch" refForName="accent_4" op="equ"/>
-                <dgm:constr type="ctrY" for="ch" forName="accent_4" refType="h" fact="0.8462"/>
-                <dgm:constr type="ctrX" for="ch" forName="accent_4" refType="h" fact="0.1268"/>
-                <dgm:constr type="l" for="ch" forName="text_4" refType="ctrX" refFor="ch" refForName="accent_4"/>
-                <dgm:constr type="r" for="ch" forName="text_4" refType="w"/>
-                <dgm:constr type="w" for="ch" forName="text_4" refType="h" refFor="ch" refForName="text_4" op="gte"/>
-                <dgm:constr type="h" for="ch" forName="text_4" refType="h" refFor="ch" refForName="accent_4" fact="0.8"/>
-                <dgm:constr type="ctrY" for="ch" forName="text_4" refType="ctrY" refFor="ch" refForName="accent_4"/>
-                <dgm:constr type="lMarg" for="ch" forName="text_4" refType="w" refFor="ch" refForName="accent_4" fact="1.8"/>
-                <dgm:constr type="primFontSz" for="ch" ptType="node" op="equ" val="65"/>
-              </dgm:constrLst>
-            </dgm:if>
-            <dgm:if name="Name9" axis="ch" ptType="node" func="cnt" op="equ" val="5">
-              <dgm:constrLst>
-                <dgm:constr type="h" for="ch" forName="cycle" refType="h"/>
-                <dgm:constr type="w" for="ch" forName="cycle" refType="h" refFor="ch" refForName="cycle" fact="0.26"/>
-                <dgm:constr type="l" for="ch" forName="cycle"/>
-                <dgm:constr type="ctrY" for="ch" forName="cycle" refType="h" fact="0.5"/>
-                <dgm:constr type="diam" for="ch" forName="cycle" refType="h" fact="1.344"/>
-                <dgm:constr type="h" for="ch" forName="accent_1" refType="h" fact="0.1563"/>
-                <dgm:constr type="w" for="ch" forName="accent_1" refType="h" refFor="ch" refForName="accent_1" op="equ"/>
-                <dgm:constr type="ctrY" for="ch" forName="accent_1" refType="h" fact="0.125"/>
-                <dgm:constr type="ctrX" for="ch" forName="accent_1" refType="h" fact="0.1082"/>
-                <dgm:constr type="l" for="ch" forName="text_1" refType="ctrX" refFor="ch" refForName="accent_1"/>
-                <dgm:constr type="r" for="ch" forName="text_1" refType="w"/>
-                <dgm:constr type="w" for="ch" forName="text_1" refType="h" refFor="ch" refForName="text_1" op="gte"/>
-                <dgm:constr type="h" for="ch" forName="text_1" refType="h" refFor="ch" refForName="accent_1" fact="0.8"/>
-                <dgm:constr type="ctrY" for="ch" forName="text_1" refType="ctrY" refFor="ch" refForName="accent_1"/>
-                <dgm:constr type="lMarg" for="ch" forName="text_1" refType="w" refFor="ch" refForName="accent_1" fact="1.8"/>
-                <dgm:constr type="h" for="ch" forName="accent_2" refType="h" fact="0.1563"/>
-                <dgm:constr type="w" for="ch" forName="accent_2" refType="h" refFor="ch" refForName="accent_2" op="equ"/>
-                <dgm:constr type="ctrY" for="ch" forName="accent_2" refType="h" fact="0.3125"/>
-                <dgm:constr type="ctrX" for="ch" forName="accent_2" refType="h" fact="0.1978"/>
-                <dgm:constr type="l" for="ch" forName="text_2" refType="ctrX" refFor="ch" refForName="accent_2"/>
-                <dgm:constr type="r" for="ch" forName="text_2" refType="w"/>
-                <dgm:constr type="w" for="ch" forName="text_2" refType="h" refFor="ch" refForName="text_2" op="gte"/>
-                <dgm:constr type="h" for="ch" forName="text_2" refType="h" refFor="ch" refForName="accent_2" fact="0.8"/>
-                <dgm:constr type="ctrY" for="ch" forName="text_2" refType="ctrY" refFor="ch" refForName="accent_2"/>
-                <dgm:constr type="lMarg" for="ch" forName="text_2" refType="w" refFor="ch" refForName="accent_2" fact="1.8"/>
-                <dgm:constr type="h" for="ch" forName="accent_3" refType="h" fact="0.1563"/>
-                <dgm:constr type="w" for="ch" forName="accent_3" refType="h" refFor="ch" refForName="accent_3" op="equ"/>
-                <dgm:constr type="ctrY" for="ch" forName="accent_3" refType="h" fact="0.5"/>
-                <dgm:constr type="ctrX" for="ch" forName="accent_3" refType="h" fact="0.2253"/>
-                <dgm:constr type="l" for="ch" forName="text_3" refType="ctrX" refFor="ch" refForName="accent_3"/>
-                <dgm:constr type="r" for="ch" forName="text_3" refType="w"/>
-                <dgm:constr type="w" for="ch" forName="text_3" refType="h" refFor="ch" refForName="text_3" op="gte"/>
-                <dgm:constr type="h" for="ch" forName="text_3" refType="h" refFor="ch" refForName="accent_3" fact="0.8"/>
-                <dgm:constr type="ctrY" for="ch" forName="text_3" refType="ctrY" refFor="ch" refForName="accent_3"/>
-                <dgm:constr type="lMarg" for="ch" forName="text_3" refType="w" refFor="ch" refForName="accent_3" fact="1.8"/>
-                <dgm:constr type="h" for="ch" forName="accent_4" refType="h" fact="0.1563"/>
-                <dgm:constr type="w" for="ch" forName="accent_4" refType="h" refFor="ch" refForName="accent_4" op="equ"/>
-                <dgm:constr type="ctrY" for="ch" forName="accent_4" refType="h" fact="0.6875"/>
-                <dgm:constr type="ctrX" for="ch" forName="accent_4" refType="h" fact="0.1978"/>
-                <dgm:constr type="l" for="ch" forName="text_4" refType="ctrX" refFor="ch" refForName="accent_4"/>
-                <dgm:constr type="r" for="ch" forName="text_4" refType="w"/>
-                <dgm:constr type="w" for="ch" forName="text_4" refType="h" refFor="ch" refForName="text_4" op="gte"/>
-                <dgm:constr type="h" for="ch" forName="text_4" refType="h" refFor="ch" refForName="accent_4" fact="0.8"/>
-                <dgm:constr type="ctrY" for="ch" forName="text_4" refType="ctrY" refFor="ch" refForName="accent_4"/>
-                <dgm:constr type="lMarg" for="ch" forName="text_4" refType="w" refFor="ch" refForName="accent_4" fact="1.8"/>
-                <dgm:constr type="h" for="ch" forName="accent_5" refType="h" fact="0.1563"/>
-                <dgm:constr type="w" for="ch" forName="accent_5" refType="h" refFor="ch" refForName="accent_5" op="equ"/>
-                <dgm:constr type="ctrY" for="ch" forName="accent_5" refType="h" fact="0.875"/>
-                <dgm:constr type="ctrX" for="ch" forName="accent_5" refType="h" fact="0.1082"/>
-                <dgm:constr type="l" for="ch" forName="text_5" refType="ctrX" refFor="ch" refForName="accent_5"/>
-                <dgm:constr type="r" for="ch" forName="text_5" refType="w"/>
-                <dgm:constr type="w" for="ch" forName="text_5" refType="h" refFor="ch" refForName="text_5" op="gte"/>
-                <dgm:constr type="h" for="ch" forName="text_5" refType="h" refFor="ch" refForName="accent_5" fact="0.8"/>
-                <dgm:constr type="ctrY" for="ch" forName="text_5" refType="ctrY" refFor="ch" refForName="accent_5"/>
-                <dgm:constr type="lMarg" for="ch" forName="text_5" refType="w" refFor="ch" refForName="accent_5" fact="1.8"/>
-                <dgm:constr type="primFontSz" for="ch" ptType="node" op="equ" val="65"/>
-              </dgm:constrLst>
-            </dgm:if>
-            <dgm:if name="Name10" axis="ch" ptType="node" func="cnt" op="equ" val="6">
-              <dgm:constrLst>
-                <dgm:constr type="h" for="ch" forName="cycle" refType="h"/>
-                <dgm:constr type="w" for="ch" forName="cycle" refType="h" refFor="ch" refForName="cycle" fact="0.26"/>
-                <dgm:constr type="l" for="ch" forName="cycle"/>
-                <dgm:constr type="ctrY" for="ch" forName="cycle" refType="h" fact="0.5"/>
-                <dgm:constr type="diam" for="ch" forName="cycle" refType="h" fact="1.344"/>
-                <dgm:constr type="h" for="ch" forName="accent_1" refType="h" fact="0.1316"/>
-                <dgm:constr type="w" for="ch" forName="accent_1" refType="h" refFor="ch" refForName="accent_1" op="equ"/>
-                <dgm:constr type="ctrY" for="ch" forName="accent_1" refType="h" fact="0.1053"/>
-                <dgm:constr type="ctrX" for="ch" forName="accent_1" refType="h" fact="0.0943"/>
-                <dgm:constr type="l" for="ch" forName="text_1" refType="ctrX" refFor="ch" refForName="accent_1"/>
-                <dgm:constr type="r" for="ch" forName="text_1" refType="w"/>
-                <dgm:constr type="w" for="ch" forName="text_1" refType="h" refFor="ch" refForName="text_1" op="gte"/>
-                <dgm:constr type="h" for="ch" forName="text_1" refType="h" refFor="ch" refForName="accent_1" fact="0.8"/>
-                <dgm:constr type="ctrY" for="ch" forName="text_1" refType="ctrY" refFor="ch" refForName="accent_1"/>
-                <dgm:constr type="lMarg" for="ch" forName="text_1" refType="w" refFor="ch" refForName="accent_1" fact="1.8"/>
-                <dgm:constr type="h" for="ch" forName="accent_2" refType="h" fact="0.1316"/>
-                <dgm:constr type="w" for="ch" forName="accent_2" refType="h" refFor="ch" refForName="accent_2" op="equ"/>
-                <dgm:constr type="ctrY" for="ch" forName="accent_2" refType="h" fact="0.2632"/>
-                <dgm:constr type="ctrX" for="ch" forName="accent_2" refType="h" fact="0.1809"/>
-                <dgm:constr type="l" for="ch" forName="text_2" refType="ctrX" refFor="ch" refForName="accent_2"/>
-                <dgm:constr type="r" for="ch" forName="text_2" refType="w"/>
-                <dgm:constr type="w" for="ch" forName="text_2" refType="h" refFor="ch" refForName="text_2" op="gte"/>
-                <dgm:constr type="h" for="ch" forName="text_2" refType="h" refFor="ch" refForName="accent_2" fact="0.8"/>
-                <dgm:constr type="ctrY" for="ch" forName="text_2" refType="ctrY" refFor="ch" refForName="accent_2"/>
-                <dgm:constr type="lMarg" for="ch" forName="text_2" refType="w" refFor="ch" refForName="accent_2" fact="1.8"/>
-                <dgm:constr type="h" for="ch" forName="accent_3" refType="h" fact="0.1316"/>
-                <dgm:constr type="w" for="ch" forName="accent_3" refType="h" refFor="ch" refForName="accent_3" op="equ"/>
-                <dgm:constr type="ctrY" for="ch" forName="accent_3" refType="h" fact="0.4211"/>
-                <dgm:constr type="ctrX" for="ch" forName="accent_3" refType="h" fact="0.2205"/>
-                <dgm:constr type="l" for="ch" forName="text_3" refType="ctrX" refFor="ch" refForName="accent_3"/>
-                <dgm:constr type="r" for="ch" forName="text_3" refType="w"/>
-                <dgm:constr type="w" for="ch" forName="text_3" refType="h" refFor="ch" refForName="text_3" op="gte"/>
-                <dgm:constr type="h" for="ch" forName="text_3" refType="h" refFor="ch" refForName="accent_3" fact="0.8"/>
-                <dgm:constr type="ctrY" for="ch" forName="text_3" refType="ctrY" refFor="ch" refForName="accent_3"/>
-                <dgm:constr type="lMarg" for="ch" forName="text_3" refType="w" refFor="ch" refForName="accent_3" fact="1.8"/>
-                <dgm:constr type="h" for="ch" forName="accent_4" refType="h" fact="0.1316"/>
-                <dgm:constr type="w" for="ch" forName="accent_4" refType="h" refFor="ch" refForName="accent_4" op="equ"/>
-                <dgm:constr type="ctrY" for="ch" forName="accent_4" refType="h" fact="0.5789"/>
-                <dgm:constr type="ctrX" for="ch" forName="accent_4" refType="h" fact="0.2205"/>
-                <dgm:constr type="l" for="ch" forName="text_4" refType="ctrX" refFor="ch" refForName="accent_4"/>
-                <dgm:constr type="r" for="ch" forName="text_4" refType="w"/>
-                <dgm:constr type="w" for="ch" forName="text_4" refType="h" refFor="ch" refForName="text_4" op="gte"/>
-                <dgm:constr type="h" for="ch" forName="text_4" refType="h" refFor="ch" refForName="accent_4" fact="0.8"/>
-                <dgm:constr type="ctrY" for="ch" forName="text_4" refType="ctrY" refFor="ch" refForName="accent_4"/>
-                <dgm:constr type="lMarg" for="ch" forName="text_4" refType="w" refFor="ch" refForName="accent_4" fact="1.8"/>
-                <dgm:constr type="h" for="ch" forName="accent_5" refType="h" fact="0.1316"/>
-                <dgm:constr type="w" for="ch" forName="accent_5" refType="h" refFor="ch" refForName="accent_5" op="equ"/>
-                <dgm:constr type="ctrY" for="ch" forName="accent_5" refType="h" fact="0.7368"/>
-                <dgm:constr type="ctrX" for="ch" forName="accent_5" refType="h" fact="0.1809"/>
-                <dgm:constr type="l" for="ch" forName="text_5" refType="ctrX" refFor="ch" refForName="accent_5"/>
-                <dgm:constr type="r" for="ch" forName="text_5" refType="w"/>
-                <dgm:constr type="w" for="ch" forName="text_5" refType="h" refFor="ch" refForName="text_5" op="gte"/>
-                <dgm:constr type="h" for="ch" forName="text_5" refType="h" refFor="ch" refForName="accent_5" fact="0.8"/>
-                <dgm:constr type="ctrY" for="ch" forName="text_5" refType="ctrY" refFor="ch" refForName="accent_5"/>
-                <dgm:constr type="lMarg" for="ch" forName="text_5" refType="w" refFor="ch" refForName="accent_5" fact="1.8"/>
-                <dgm:constr type="h" for="ch" forName="accent_6" refType="h" fact="0.1316"/>
-                <dgm:constr type="w" for="ch" forName="accent_6" refType="h" refFor="ch" refForName="accent_6" op="equ"/>
-                <dgm:constr type="ctrY" for="ch" forName="accent_6" refType="h" fact="0.8947"/>
-                <dgm:constr type="ctrX" for="ch" forName="accent_6" refType="h" fact="0.0943"/>
-                <dgm:constr type="l" for="ch" forName="text_6" refType="ctrX" refFor="ch" refForName="accent_6"/>
-                <dgm:constr type="r" for="ch" forName="text_6" refType="w"/>
-                <dgm:constr type="w" for="ch" forName="text_6" refType="h" refFor="ch" refForName="text_6" op="gte"/>
-                <dgm:constr type="h" for="ch" forName="text_6" refType="h" refFor="ch" refForName="accent_6" fact="0.8"/>
-                <dgm:constr type="ctrY" for="ch" forName="text_6" refType="ctrY" refFor="ch" refForName="accent_6"/>
-                <dgm:constr type="lMarg" for="ch" forName="text_6" refType="w" refFor="ch" refForName="accent_6" fact="1.8"/>
-                <dgm:constr type="primFontSz" for="ch" ptType="node" op="equ" val="65"/>
-              </dgm:constrLst>
-            </dgm:if>
-            <dgm:else name="Name11">
-              <dgm:constrLst>
-                <dgm:constr type="h" for="ch" forName="cycle" refType="h"/>
-                <dgm:constr type="w" for="ch" forName="cycle" refType="h" refFor="ch" refForName="cycle" fact="0.26"/>
-                <dgm:constr type="l" for="ch" forName="cycle"/>
-                <dgm:constr type="ctrY" for="ch" forName="cycle" refType="h" fact="0.5"/>
-                <dgm:constr type="diam" for="ch" forName="cycle" refType="h" fact="1.344"/>
-                <dgm:constr type="h" for="ch" forName="accent_1" refType="h" fact="0.1136"/>
-                <dgm:constr type="w" for="ch" forName="accent_1" refType="h" refFor="ch" refForName="accent_1" op="equ"/>
-                <dgm:constr type="ctrY" for="ch" forName="accent_1" refType="h" fact="0.0909"/>
-                <dgm:constr type="ctrX" for="ch" forName="accent_1" refType="h" fact="0.0835"/>
-                <dgm:constr type="l" for="ch" forName="text_1" refType="ctrX" refFor="ch" refForName="accent_1"/>
-                <dgm:constr type="r" for="ch" forName="text_1" refType="w"/>
-                <dgm:constr type="w" for="ch" forName="text_1" refType="h" refFor="ch" refForName="text_1" op="gte"/>
-                <dgm:constr type="h" for="ch" forName="text_1" refType="h" refFor="ch" refForName="accent_1" fact="0.8"/>
-                <dgm:constr type="ctrY" for="ch" forName="text_1" refType="ctrY" refFor="ch" refForName="accent_1"/>
-                <dgm:constr type="lMarg" for="ch" forName="text_1" refType="w" refFor="ch" refForName="accent_1" fact="1.8"/>
-                <dgm:constr type="h" for="ch" forName="accent_2" refType="h" fact="0.1136"/>
-                <dgm:constr type="w" for="ch" forName="accent_2" refType="h" refFor="ch" refForName="accent_2" op="equ"/>
-                <dgm:constr type="ctrY" for="ch" forName="accent_2" refType="h" fact="0.2273"/>
-                <dgm:constr type="ctrX" for="ch" forName="accent_2" refType="h" fact="0.1658"/>
-                <dgm:constr type="l" for="ch" forName="text_2" refType="ctrX" refFor="ch" refForName="accent_2"/>
-                <dgm:constr type="r" for="ch" forName="text_2" refType="w"/>
-                <dgm:constr type="w" for="ch" forName="text_2" refType="h" refFor="ch" refForName="text_2" op="gte"/>
-                <dgm:constr type="h" for="ch" forName="text_2" refType="h" refFor="ch" refForName="accent_2" fact="0.8"/>
-                <dgm:constr type="ctrY" for="ch" forName="text_2" refType="ctrY" refFor="ch" refForName="accent_2"/>
-                <dgm:constr type="lMarg" for="ch" forName="text_2" refType="w" refFor="ch" refForName="accent_2" fact="1.8"/>
-                <dgm:constr type="h" for="ch" forName="accent_3" refType="h" fact="0.1136"/>
-                <dgm:constr type="w" for="ch" forName="accent_3" refType="h" refFor="ch" refForName="accent_3" op="equ"/>
-                <dgm:constr type="ctrY" for="ch" forName="accent_3" refType="h" fact="0.3636"/>
-                <dgm:constr type="ctrX" for="ch" forName="accent_3" refType="h" fact="0.2109"/>
-                <dgm:constr type="l" for="ch" forName="text_3" refType="ctrX" refFor="ch" refForName="accent_3"/>
-                <dgm:constr type="r" for="ch" forName="text_3" refType="w"/>
-                <dgm:constr type="w" for="ch" forName="text_3" refType="h" refFor="ch" refForName="text_3" op="gte"/>
-                <dgm:constr type="h" for="ch" forName="text_3" refType="h" refFor="ch" refForName="accent_3" fact="0.8"/>
-                <dgm:constr type="ctrY" for="ch" forName="text_3" refType="ctrY" refFor="ch" refForName="accent_3"/>
-                <dgm:constr type="lMarg" for="ch" forName="text_3" refType="w" refFor="ch" refForName="accent_3" fact="1.8"/>
-                <dgm:constr type="h" for="ch" forName="accent_4" refType="h" fact="0.1136"/>
-                <dgm:constr type="w" for="ch" forName="accent_4" refType="h" refFor="ch" refForName="accent_4" op="equ"/>
-                <dgm:constr type="ctrY" for="ch" forName="accent_4" refType="h" fact="0.5"/>
-                <dgm:constr type="ctrX" for="ch" forName="accent_4" refType="h" fact="0.2253"/>
-                <dgm:constr type="l" for="ch" forName="text_4" refType="ctrX" refFor="ch" refForName="accent_4"/>
-                <dgm:constr type="r" for="ch" forName="text_4" refType="w"/>
-                <dgm:constr type="w" for="ch" forName="text_4" refType="h" refFor="ch" refForName="text_4" op="gte"/>
-                <dgm:constr type="h" for="ch" forName="text_4" refType="h" refFor="ch" refForName="accent_4" fact="0.8"/>
-                <dgm:constr type="ctrY" for="ch" forName="text_4" refType="ctrY" refFor="ch" refForName="accent_4"/>
-                <dgm:constr type="lMarg" for="ch" forName="text_4" refType="w" refFor="ch" refForName="accent_4" fact="1.8"/>
-                <dgm:constr type="h" for="ch" forName="accent_5" refType="h" fact="0.1136"/>
-                <dgm:constr type="w" for="ch" forName="accent_5" refType="h" refFor="ch" refForName="accent_5" op="equ"/>
-                <dgm:constr type="ctrY" for="ch" forName="accent_5" refType="h" fact="0.6364"/>
-                <dgm:constr type="ctrX" for="ch" forName="accent_5" refType="h" fact="0.2109"/>
-                <dgm:constr type="l" for="ch" forName="text_5" refType="ctrX" refFor="ch" refForName="accent_5"/>
-                <dgm:constr type="r" for="ch" forName="text_5" refType="w"/>
-                <dgm:constr type="w" for="ch" forName="text_5" refType="h" refFor="ch" refForName="text_5" op="gte"/>
-                <dgm:constr type="h" for="ch" forName="text_5" refType="h" refFor="ch" refForName="accent_5" fact="0.8"/>
-                <dgm:constr type="ctrY" for="ch" forName="text_5" refType="ctrY" refFor="ch" refForName="accent_5"/>
-                <dgm:constr type="lMarg" for="ch" forName="text_5" refType="w" refFor="ch" refForName="accent_5" fact="1.8"/>
-                <dgm:constr type="h" for="ch" forName="accent_6" refType="h" fact="0.1136"/>
-                <dgm:constr type="w" for="ch" forName="accent_6" refType="h" refFor="ch" refForName="accent_6" op="equ"/>
-                <dgm:constr type="ctrY" for="ch" forName="accent_6" refType="h" fact="0.7727"/>
-                <dgm:constr type="ctrX" for="ch" forName="accent_6" refType="h" fact="0.1658"/>
-                <dgm:constr type="l" for="ch" forName="text_6" refType="ctrX" refFor="ch" refForName="accent_6"/>
-                <dgm:constr type="r" for="ch" forName="text_6" refType="w"/>
-                <dgm:constr type="w" for="ch" forName="text_6" refType="h" refFor="ch" refForName="text_6" op="gte"/>
-                <dgm:constr type="h" for="ch" forName="text_6" refType="h" refFor="ch" refForName="accent_6" fact="0.8"/>
-                <dgm:constr type="ctrY" for="ch" forName="text_6" refType="ctrY" refFor="ch" refForName="accent_6"/>
-                <dgm:constr type="lMarg" for="ch" forName="text_6" refType="w" refFor="ch" refForName="accent_6" fact="1.8"/>
-                <dgm:constr type="h" for="ch" forName="accent_7" refType="h" fact="0.1136"/>
-                <dgm:constr type="w" for="ch" forName="accent_7" refType="h" refFor="ch" refForName="accent_7" op="equ"/>
-                <dgm:constr type="ctrY" for="ch" forName="accent_7" refType="h" fact="0.9091"/>
-                <dgm:constr type="ctrX" for="ch" forName="accent_7" refType="h" fact="0.0835"/>
-                <dgm:constr type="l" for="ch" forName="text_7" refType="ctrX" refFor="ch" refForName="accent_7"/>
-                <dgm:constr type="r" for="ch" forName="text_7" refType="w"/>
-                <dgm:constr type="w" for="ch" forName="text_7" refType="h" refFor="ch" refForName="text_7" op="gte"/>
-                <dgm:constr type="h" for="ch" forName="text_7" refType="h" refFor="ch" refForName="accent_7" fact="0.8"/>
-                <dgm:constr type="ctrY" for="ch" forName="text_7" refType="ctrY" refFor="ch" refForName="accent_7"/>
-                <dgm:constr type="lMarg" for="ch" forName="text_7" refType="w" refFor="ch" refForName="accent_7" fact="1.8"/>
-                <dgm:constr type="primFontSz" for="ch" ptType="node" op="equ" val="65"/>
-              </dgm:constrLst>
-            </dgm:else>
-          </dgm:choose>
-        </dgm:if>
-        <dgm:else name="Name12">
-          <dgm:choose name="Name13">
-            <dgm:if name="Name14" axis="ch" ptType="node" func="cnt" op="equ" val="1">
-              <dgm:constrLst>
-                <dgm:constr type="h" for="ch" forName="cycle" refType="h"/>
-                <dgm:constr type="w" for="ch" forName="cycle" refType="h" refFor="ch" refForName="cycle" fact="0.26"/>
-                <dgm:constr type="r" for="ch" forName="cycle" refType="w"/>
-                <dgm:constr type="ctrY" for="ch" forName="cycle" refType="h" fact="0.5"/>
-                <dgm:constr type="diam" for="ch" forName="cycle" refType="h" fact="1.344"/>
-                <dgm:constr type="h" for="ch" forName="accent_1" refType="h" fact="0.625"/>
-                <dgm:constr type="w" for="ch" forName="accent_1" refType="h" refFor="ch" refForName="accent_1" op="equ"/>
-                <dgm:constr type="ctrY" for="ch" forName="accent_1" refType="h" fact="0.5"/>
-                <dgm:constr type="ctrX" for="ch" forName="accent_1" refType="w"/>
-                <dgm:constr type="ctrXOff" for="ch" forName="accent_1" refType="h" fact="-0.2253"/>
-                <dgm:constr type="r" for="ch" forName="text_1" refType="ctrX" refFor="ch" refForName="accent_1"/>
-                <dgm:constr type="rOff" for="ch" forName="text_1" refType="ctrXOff" refFor="ch" refForName="accent_1"/>
-                <dgm:constr type="l" for="ch" forName="text_1"/>
-                <dgm:constr type="w" for="ch" forName="text_1" refType="h" refFor="ch" refForName="text_1" op="gte"/>
-                <dgm:constr type="h" for="ch" forName="text_1" refType="h" refFor="ch" refForName="accent_1" fact="0.8"/>
-                <dgm:constr type="ctrY" for="ch" forName="text_1" refType="ctrY" refFor="ch" refForName="accent_1"/>
-                <dgm:constr type="rMarg" for="ch" forName="text_1" refType="w" refFor="ch" refForName="accent_1" fact="1.8"/>
-                <dgm:constr type="primFontSz" for="ch" ptType="node" op="equ" val="65"/>
-              </dgm:constrLst>
-            </dgm:if>
-            <dgm:if name="Name15" axis="ch" ptType="node" func="cnt" op="equ" val="2">
-              <dgm:constrLst>
-                <dgm:constr type="h" for="ch" forName="cycle" refType="h"/>
-                <dgm:constr type="w" for="ch" forName="cycle" refType="h" refFor="ch" refForName="cycle" fact="0.26"/>
-                <dgm:constr type="r" for="ch" forName="cycle" refType="w"/>
-                <dgm:constr type="ctrY" for="ch" forName="cycle" refType="h" fact="0.5"/>
-                <dgm:constr type="diam" for="ch" forName="cycle" refType="h" fact="1.344"/>
-                <dgm:constr type="h" for="ch" forName="accent_1" refType="h" fact="0.3571"/>
-                <dgm:constr type="w" for="ch" forName="accent_1" refType="h" refFor="ch" refForName="accent_1" op="equ"/>
-                <dgm:constr type="ctrY" for="ch" forName="accent_1" refType="h" fact="0.2857"/>
-                <dgm:constr type="ctrX" for="ch" forName="accent_1" refType="w"/>
-                <dgm:constr type="ctrXOff" for="ch" forName="accent_1" refType="h" fact="-0.1891"/>
-                <dgm:constr type="r" for="ch" forName="text_1" refType="ctrX" refFor="ch" refForName="accent_1"/>
-                <dgm:constr type="rOff" for="ch" forName="text_1" refType="ctrXOff" refFor="ch" refForName="accent_1"/>
-                <dgm:constr type="l" for="ch" forName="text_1"/>
-                <dgm:constr type="w" for="ch" forName="text_1" refType="h" refFor="ch" refForName="text_1" op="gte"/>
-                <dgm:constr type="h" for="ch" forName="text_1" refType="h" refFor="ch" refForName="accent_1" fact="0.8"/>
-                <dgm:constr type="ctrY" for="ch" forName="text_1" refType="ctrY" refFor="ch" refForName="accent_1"/>
-                <dgm:constr type="rMarg" for="ch" forName="text_1" refType="w" refFor="ch" refForName="accent_1" fact="1.8"/>
-                <dgm:constr type="h" for="ch" forName="accent_2" refType="h" fact="0.3571"/>
-                <dgm:constr type="w" for="ch" forName="accent_2" refType="h" refFor="ch" refForName="accent_2" op="equ"/>
-                <dgm:constr type="ctrY" for="ch" forName="accent_2" refType="h" fact="0.7143"/>
-                <dgm:constr type="ctrX" for="ch" forName="accent_2" refType="w"/>
-                <dgm:constr type="ctrXOff" for="ch" forName="accent_2" refType="h" fact="-0.1891"/>
-                <dgm:constr type="r" for="ch" forName="text_2" refType="ctrX" refFor="ch" refForName="accent_2"/>
-                <dgm:constr type="rOff" for="ch" forName="text_2" refType="ctrXOff" refFor="ch" refForName="accent_2"/>
-                <dgm:constr type="l" for="ch" forName="text_2"/>
-                <dgm:constr type="w" for="ch" forName="text_2" refType="h" refFor="ch" refForName="text_2" op="gte"/>
-                <dgm:constr type="h" for="ch" forName="text_2" refType="h" refFor="ch" refForName="accent_2" fact="0.8"/>
-                <dgm:constr type="ctrY" for="ch" forName="text_2" refType="ctrY" refFor="ch" refForName="accent_2"/>
-                <dgm:constr type="rMarg" for="ch" forName="text_2" refType="w" refFor="ch" refForName="accent_2" fact="1.8"/>
-                <dgm:constr type="primFontSz" for="ch" ptType="node" op="equ" val="65"/>
-              </dgm:constrLst>
-            </dgm:if>
-            <dgm:if name="Name16" axis="ch" ptType="node" func="cnt" op="equ" val="3">
-              <dgm:constrLst>
-                <dgm:constr type="h" for="ch" forName="cycle" refType="h"/>
-                <dgm:constr type="w" for="ch" forName="cycle" refType="h" refFor="ch" refForName="cycle" fact="0.26"/>
-                <dgm:constr type="r" for="ch" forName="cycle" refType="w"/>
-                <dgm:constr type="ctrY" for="ch" forName="cycle" refType="h" fact="0.5"/>
-                <dgm:constr type="diam" for="ch" forName="cycle" refType="h" fact="1.344"/>
-                <dgm:constr type="h" for="ch" forName="accent_1" refType="h" fact="0.25"/>
-                <dgm:constr type="w" for="ch" forName="accent_1" refType="h" refFor="ch" refForName="accent_1" op="equ"/>
-                <dgm:constr type="ctrY" for="ch" forName="accent_1" refType="h" fact="0.2"/>
-                <dgm:constr type="ctrX" for="ch" forName="accent_1" refType="w"/>
-                <dgm:constr type="ctrXOff" for="ch" forName="accent_1" refType="h" fact="-0.1526"/>
-                <dgm:constr type="r" for="ch" forName="text_1" refType="ctrX" refFor="ch" refForName="accent_1"/>
-                <dgm:constr type="rOff" for="ch" forName="text_1" refType="ctrXOff" refFor="ch" refForName="accent_1"/>
-                <dgm:constr type="l" for="ch" forName="text_1"/>
-                <dgm:constr type="w" for="ch" forName="text_1" refType="h" refFor="ch" refForName="text_1" op="gte"/>
-                <dgm:constr type="h" for="ch" forName="text_1" refType="h" refFor="ch" refForName="accent_1" fact="0.8"/>
-                <dgm:constr type="ctrY" for="ch" forName="text_1" refType="ctrY" refFor="ch" refForName="accent_1"/>
-                <dgm:constr type="rMarg" for="ch" forName="text_1" refType="w" refFor="ch" refForName="accent_1" fact="1.8"/>
-                <dgm:constr type="h" for="ch" forName="accent_2" refType="h" fact="0.25"/>
-                <dgm:constr type="w" for="ch" forName="accent_2" refType="h" refFor="ch" refForName="accent_2" op="equ"/>
-                <dgm:constr type="ctrY" for="ch" forName="accent_2" refType="h" fact="0.5"/>
-                <dgm:constr type="ctrX" for="ch" forName="accent_2" refType="w"/>
-                <dgm:constr type="ctrXOff" for="ch" forName="accent_2" refType="h" fact="-0.2253"/>
-                <dgm:constr type="r" for="ch" forName="text_2" refType="ctrX" refFor="ch" refForName="accent_2"/>
-                <dgm:constr type="rOff" for="ch" forName="text_2" refType="ctrXOff" refFor="ch" refForName="accent_2"/>
-                <dgm:constr type="l" for="ch" forName="text_2"/>
-                <dgm:constr type="w" for="ch" forName="text_2" refType="h" refFor="ch" refForName="text_2" op="gte"/>
-                <dgm:constr type="h" for="ch" forName="text_2" refType="h" refFor="ch" refForName="accent_2" fact="0.8"/>
-                <dgm:constr type="ctrY" for="ch" forName="text_2" refType="ctrY" refFor="ch" refForName="accent_2"/>
-                <dgm:constr type="rMarg" for="ch" forName="text_2" refType="w" refFor="ch" refForName="accent_2" fact="1.8"/>
-                <dgm:constr type="h" for="ch" forName="accent_3" refType="h" fact="0.25"/>
-                <dgm:constr type="w" for="ch" forName="accent_3" refType="h" refFor="ch" refForName="accent_3" op="equ"/>
-                <dgm:constr type="ctrY" for="ch" forName="accent_3" refType="h" fact="0.8"/>
-                <dgm:constr type="ctrX" for="ch" forName="accent_3" refType="w"/>
-                <dgm:constr type="ctrXOff" for="ch" forName="accent_3" refType="h" fact="-0.1526"/>
-                <dgm:constr type="r" for="ch" forName="text_3" refType="ctrX" refFor="ch" refForName="accent_3"/>
-                <dgm:constr type="rOff" for="ch" forName="text_3" refType="ctrXOff" refFor="ch" refForName="accent_3"/>
-                <dgm:constr type="l" for="ch" forName="text_3"/>
-                <dgm:constr type="w" for="ch" forName="text_3" refType="h" refFor="ch" refForName="text_3" op="gte"/>
-                <dgm:constr type="h" for="ch" forName="text_3" refType="h" refFor="ch" refForName="accent_3" fact="0.8"/>
-                <dgm:constr type="ctrY" for="ch" forName="text_3" refType="ctrY" refFor="ch" refForName="accent_3"/>
-                <dgm:constr type="rMarg" for="ch" forName="text_3" refType="w" refFor="ch" refForName="accent_3" fact="1.8"/>
-                <dgm:constr type="primFontSz" for="ch" ptType="node" op="equ" val="65"/>
-              </dgm:constrLst>
-            </dgm:if>
-            <dgm:if name="Name17" axis="ch" ptType="node" func="cnt" op="equ" val="4">
-              <dgm:constrLst>
-                <dgm:constr type="h" for="ch" forName="cycle" refType="h"/>
-                <dgm:constr type="w" for="ch" forName="cycle" refType="h" refFor="ch" refForName="cycle" fact="0.26"/>
-                <dgm:constr type="r" for="ch" forName="cycle" refType="w"/>
-                <dgm:constr type="ctrY" for="ch" forName="cycle" refType="h" fact="0.5"/>
-                <dgm:constr type="diam" for="ch" forName="cycle" refType="h" fact="1.344"/>
-                <dgm:constr type="h" for="ch" forName="accent_1" refType="h" fact="0.1923"/>
-                <dgm:constr type="w" for="ch" forName="accent_1" refType="h" refFor="ch" refForName="accent_1" op="equ"/>
-                <dgm:constr type="ctrY" for="ch" forName="accent_1" refType="h" fact="0.1538"/>
-                <dgm:constr type="ctrX" for="ch" forName="accent_1" refType="w"/>
-                <dgm:constr type="ctrXOff" for="ch" forName="accent_1" refType="h" fact="-0.1268"/>
-                <dgm:constr type="r" for="ch" forName="text_1" refType="ctrX" refFor="ch" refForName="accent_1"/>
-                <dgm:constr type="rOff" for="ch" forName="text_1" refType="ctrXOff" refFor="ch" refForName="accent_1"/>
-                <dgm:constr type="l" for="ch" forName="text_1"/>
-                <dgm:constr type="w" for="ch" forName="text_1" refType="h" refFor="ch" refForName="text_1" op="gte"/>
-                <dgm:constr type="h" for="ch" forName="text_1" refType="h" refFor="ch" refForName="accent_1" fact="0.8"/>
-                <dgm:constr type="ctrY" for="ch" forName="text_1" refType="ctrY" refFor="ch" refForName="accent_1"/>
-                <dgm:constr type="rMarg" for="ch" forName="text_1" refType="w" refFor="ch" refForName="accent_1" fact="1.8"/>
-                <dgm:constr type="h" for="ch" forName="accent_2" refType="h" fact="0.1923"/>
-                <dgm:constr type="w" for="ch" forName="accent_2" refType="h" refFor="ch" refForName="accent_2" op="equ"/>
-                <dgm:constr type="ctrY" for="ch" forName="accent_2" refType="h" fact="0.3846"/>
-                <dgm:constr type="ctrX" for="ch" forName="accent_2" refType="w"/>
-                <dgm:constr type="ctrXOff" for="ch" forName="accent_2" refType="h" fact="-0.215"/>
-                <dgm:constr type="r" for="ch" forName="text_2" refType="ctrX" refFor="ch" refForName="accent_2"/>
-                <dgm:constr type="rOff" for="ch" forName="text_2" refType="ctrXOff" refFor="ch" refForName="accent_2"/>
-                <dgm:constr type="l" for="ch" forName="text_2"/>
-                <dgm:constr type="w" for="ch" forName="text_2" refType="h" refFor="ch" refForName="text_2" op="gte"/>
-                <dgm:constr type="h" for="ch" forName="text_2" refType="h" refFor="ch" refForName="accent_2" fact="0.8"/>
-                <dgm:constr type="ctrY" for="ch" forName="text_2" refType="ctrY" refFor="ch" refForName="accent_2"/>
-                <dgm:constr type="rMarg" for="ch" forName="text_2" refType="w" refFor="ch" refForName="accent_2" fact="1.8"/>
-                <dgm:constr type="h" for="ch" forName="accent_3" refType="h" fact="0.1923"/>
-                <dgm:constr type="w" for="ch" forName="accent_3" refType="h" refFor="ch" refForName="accent_3" op="equ"/>
-                <dgm:constr type="ctrY" for="ch" forName="accent_3" refType="h" fact="0.6154"/>
-                <dgm:constr type="ctrX" for="ch" forName="accent_3" refType="w"/>
-                <dgm:constr type="ctrXOff" for="ch" forName="accent_3" refType="h" fact="-0.215"/>
-                <dgm:constr type="r" for="ch" forName="text_3" refType="ctrX" refFor="ch" refForName="accent_3"/>
-                <dgm:constr type="rOff" for="ch" forName="text_3" refType="ctrXOff" refFor="ch" refForName="accent_3"/>
-                <dgm:constr type="l" for="ch" forName="text_3"/>
-                <dgm:constr type="w" for="ch" forName="text_3" refType="h" refFor="ch" refForName="text_3" op="gte"/>
-                <dgm:constr type="h" for="ch" forName="text_3" refType="h" refFor="ch" refForName="accent_3" fact="0.8"/>
-                <dgm:constr type="ctrY" for="ch" forName="text_3" refType="ctrY" refFor="ch" refForName="accent_3"/>
-                <dgm:constr type="rMarg" for="ch" forName="text_3" refType="w" refFor="ch" refForName="accent_3" fact="1.8"/>
-                <dgm:constr type="h" for="ch" forName="accent_4" refType="h" fact="0.1923"/>
-                <dgm:constr type="w" for="ch" forName="accent_4" refType="h" refFor="ch" refForName="accent_4" op="equ"/>
-                <dgm:constr type="ctrY" for="ch" forName="accent_4" refType="h" fact="0.8462"/>
-                <dgm:constr type="ctrX" for="ch" forName="accent_4" refType="w"/>
-                <dgm:constr type="ctrXOff" for="ch" forName="accent_4" refType="h" fact="-0.1268"/>
-                <dgm:constr type="r" for="ch" forName="text_4" refType="ctrX" refFor="ch" refForName="accent_4"/>
-                <dgm:constr type="rOff" for="ch" forName="text_4" refType="ctrXOff" refFor="ch" refForName="accent_4"/>
-                <dgm:constr type="l" for="ch" forName="text_4"/>
-                <dgm:constr type="w" for="ch" forName="text_4" refType="h" refFor="ch" refForName="text_4" op="gte"/>
-                <dgm:constr type="h" for="ch" forName="text_4" refType="h" refFor="ch" refForName="accent_4" fact="0.8"/>
-                <dgm:constr type="ctrY" for="ch" forName="text_4" refType="ctrY" refFor="ch" refForName="accent_4"/>
-                <dgm:constr type="rMarg" for="ch" forName="text_4" refType="w" refFor="ch" refForName="accent_4" fact="1.8"/>
-                <dgm:constr type="primFontSz" for="ch" ptType="node" op="equ" val="65"/>
-              </dgm:constrLst>
-            </dgm:if>
-            <dgm:if name="Name18" axis="ch" ptType="node" func="cnt" op="equ" val="5">
-              <dgm:constrLst>
-                <dgm:constr type="h" for="ch" forName="cycle" refType="h"/>
-                <dgm:constr type="w" for="ch" forName="cycle" refType="h" refFor="ch" refForName="cycle" fact="0.26"/>
-                <dgm:constr type="r" for="ch" forName="cycle" refType="w"/>
-                <dgm:constr type="ctrY" for="ch" forName="cycle" refType="h" fact="0.5"/>
-                <dgm:constr type="diam" for="ch" forName="cycle" refType="h" fact="1.344"/>
-                <dgm:constr type="h" for="ch" forName="accent_1" refType="h" fact="0.1563"/>
-                <dgm:constr type="w" for="ch" forName="accent_1" refType="h" refFor="ch" refForName="accent_1" op="equ"/>
-                <dgm:constr type="ctrY" for="ch" forName="accent_1" refType="h" fact="0.125"/>
-                <dgm:constr type="ctrX" for="ch" forName="accent_1" refType="w"/>
-                <dgm:constr type="ctrXOff" for="ch" forName="accent_1" refType="h" fact="-0.1082"/>
-                <dgm:constr type="r" for="ch" forName="text_1" refType="ctrX" refFor="ch" refForName="accent_1"/>
-                <dgm:constr type="rOff" for="ch" forName="text_1" refType="ctrXOff" refFor="ch" refForName="accent_1"/>
-                <dgm:constr type="l" for="ch" forName="text_1"/>
-                <dgm:constr type="w" for="ch" forName="text_1" refType="h" refFor="ch" refForName="text_1" op="gte"/>
-                <dgm:constr type="h" for="ch" forName="text_1" refType="h" refFor="ch" refForName="accent_1" fact="0.8"/>
-                <dgm:constr type="ctrY" for="ch" forName="text_1" refType="ctrY" refFor="ch" refForName="accent_1"/>
-                <dgm:constr type="rMarg" for="ch" forName="text_1" refType="w" refFor="ch" refForName="accent_1" fact="1.8"/>
-                <dgm:constr type="h" for="ch" forName="accent_2" refType="h" fact="0.1563"/>
-                <dgm:constr type="w" for="ch" forName="accent_2" refType="h" refFor="ch" refForName="accent_2" op="equ"/>
-                <dgm:constr type="ctrY" for="ch" forName="accent_2" refType="h" fact="0.3125"/>
-                <dgm:constr type="ctrX" for="ch" forName="accent_2" refType="w"/>
-                <dgm:constr type="ctrXOff" for="ch" forName="accent_2" refType="h" fact="-0.1978"/>
-                <dgm:constr type="r" for="ch" forName="text_2" refType="ctrX" refFor="ch" refForName="accent_2"/>
-                <dgm:constr type="rOff" for="ch" forName="text_2" refType="ctrXOff" refFor="ch" refForName="accent_2"/>
-                <dgm:constr type="l" for="ch" forName="text_2"/>
-                <dgm:constr type="w" for="ch" forName="text_2" refType="h" refFor="ch" refForName="text_2" op="gte"/>
-                <dgm:constr type="h" for="ch" forName="text_2" refType="h" refFor="ch" refForName="accent_2" fact="0.8"/>
-                <dgm:constr type="ctrY" for="ch" forName="text_2" refType="ctrY" refFor="ch" refForName="accent_2"/>
-                <dgm:constr type="rMarg" for="ch" forName="text_2" refType="w" refFor="ch" refForName="accent_2" fact="1.8"/>
-                <dgm:constr type="h" for="ch" forName="accent_3" refType="h" fact="0.1563"/>
-                <dgm:constr type="w" for="ch" forName="accent_3" refType="h" refFor="ch" refForName="accent_3" op="equ"/>
-                <dgm:constr type="ctrY" for="ch" forName="accent_3" refType="h" fact="0.5"/>
-                <dgm:constr type="ctrX" for="ch" forName="accent_3" refType="w"/>
-                <dgm:constr type="ctrXOff" for="ch" forName="accent_3" refType="h" fact="-0.2253"/>
-                <dgm:constr type="r" for="ch" forName="text_3" refType="ctrX" refFor="ch" refForName="accent_3"/>
-                <dgm:constr type="rOff" for="ch" forName="text_3" refType="ctrXOff" refFor="ch" refForName="accent_3"/>
-                <dgm:constr type="l" for="ch" forName="text_3"/>
-                <dgm:constr type="w" for="ch" forName="text_3" refType="h" refFor="ch" refForName="text_3" op="gte"/>
-                <dgm:constr type="h" for="ch" forName="text_3" refType="h" refFor="ch" refForName="accent_3" fact="0.8"/>
-                <dgm:constr type="ctrY" for="ch" forName="text_3" refType="ctrY" refFor="ch" refForName="accent_3"/>
-                <dgm:constr type="rMarg" for="ch" forName="text_3" refType="w" refFor="ch" refForName="accent_3" fact="1.8"/>
-                <dgm:constr type="h" for="ch" forName="accent_4" refType="h" fact="0.1563"/>
-                <dgm:constr type="w" for="ch" forName="accent_4" refType="h" refFor="ch" refForName="accent_4" op="equ"/>
-                <dgm:constr type="ctrY" for="ch" forName="accent_4" refType="h" fact="0.6875"/>
-                <dgm:constr type="ctrX" for="ch" forName="accent_4" refType="w"/>
-                <dgm:constr type="ctrXOff" for="ch" forName="accent_4" refType="h" fact="-0.1978"/>
-                <dgm:constr type="r" for="ch" forName="text_4" refType="ctrX" refFor="ch" refForName="accent_4"/>
-                <dgm:constr type="rOff" for="ch" forName="text_4" refType="ctrXOff" refFor="ch" refForName="accent_4"/>
-                <dgm:constr type="l" for="ch" forName="text_4"/>
-                <dgm:constr type="w" for="ch" forName="text_4" refType="h" refFor="ch" refForName="text_4" op="gte"/>
-                <dgm:constr type="h" for="ch" forName="text_4" refType="h" refFor="ch" refForName="accent_4" fact="0.8"/>
-                <dgm:constr type="ctrY" for="ch" forName="text_4" refType="ctrY" refFor="ch" refForName="accent_4"/>
-                <dgm:constr type="rMarg" for="ch" forName="text_4" refType="w" refFor="ch" refForName="accent_4" fact="1.8"/>
-                <dgm:constr type="h" for="ch" forName="accent_5" refType="h" fact="0.1563"/>
-                <dgm:constr type="w" for="ch" forName="accent_5" refType="h" refFor="ch" refForName="accent_5" op="equ"/>
-                <dgm:constr type="ctrY" for="ch" forName="accent_5" refType="h" fact="0.875"/>
-                <dgm:constr type="ctrX" for="ch" forName="accent_5" refType="w"/>
-                <dgm:constr type="ctrXOff" for="ch" forName="accent_5" refType="h" fact="-0.1082"/>
-                <dgm:constr type="r" for="ch" forName="text_5" refType="ctrX" refFor="ch" refForName="accent_5"/>
-                <dgm:constr type="rOff" for="ch" forName="text_5" refType="ctrXOff" refFor="ch" refForName="accent_5"/>
-                <dgm:constr type="l" for="ch" forName="text_5"/>
-                <dgm:constr type="w" for="ch" forName="text_5" refType="h" refFor="ch" refForName="text_5" op="gte"/>
-                <dgm:constr type="h" for="ch" forName="text_5" refType="h" refFor="ch" refForName="accent_5" fact="0.8"/>
-                <dgm:constr type="ctrY" for="ch" forName="text_5" refType="ctrY" refFor="ch" refForName="accent_5"/>
-                <dgm:constr type="rMarg" for="ch" forName="text_5" refType="w" refFor="ch" refForName="accent_5" fact="1.8"/>
-                <dgm:constr type="primFontSz" for="ch" ptType="node" op="equ" val="65"/>
-              </dgm:constrLst>
-            </dgm:if>
-            <dgm:if name="Name19" axis="ch" ptType="node" func="cnt" op="equ" val="6">
-              <dgm:constrLst>
-                <dgm:constr type="h" for="ch" forName="cycle" refType="h"/>
-                <dgm:constr type="w" for="ch" forName="cycle" refType="h" refFor="ch" refForName="cycle" fact="0.26"/>
-                <dgm:constr type="r" for="ch" forName="cycle" refType="w"/>
-                <dgm:constr type="ctrY" for="ch" forName="cycle" refType="h" fact="0.5"/>
-                <dgm:constr type="diam" for="ch" forName="cycle" refType="h" fact="1.344"/>
-                <dgm:constr type="h" for="ch" forName="accent_1" refType="h" fact="0.1316"/>
-                <dgm:constr type="w" for="ch" forName="accent_1" refType="h" refFor="ch" refForName="accent_1" op="equ"/>
-                <dgm:constr type="ctrY" for="ch" forName="accent_1" refType="h" fact="0.1053"/>
-                <dgm:constr type="ctrX" for="ch" forName="accent_1" refType="w"/>
-                <dgm:constr type="ctrXOff" for="ch" forName="accent_1" refType="h" fact="-0.0943"/>
-                <dgm:constr type="r" for="ch" forName="text_1" refType="ctrX" refFor="ch" refForName="accent_1"/>
-                <dgm:constr type="rOff" for="ch" forName="text_1" refType="ctrXOff" refFor="ch" refForName="accent_1"/>
-                <dgm:constr type="l" for="ch" forName="text_1"/>
-                <dgm:constr type="w" for="ch" forName="text_1" refType="h" refFor="ch" refForName="text_1" op="gte"/>
-                <dgm:constr type="h" for="ch" forName="text_1" refType="h" refFor="ch" refForName="accent_1" fact="0.8"/>
-                <dgm:constr type="ctrY" for="ch" forName="text_1" refType="ctrY" refFor="ch" refForName="accent_1"/>
-                <dgm:constr type="rMarg" for="ch" forName="text_1" refType="w" refFor="ch" refForName="accent_1" fact="1.8"/>
-                <dgm:constr type="h" for="ch" forName="accent_2" refType="h" fact="0.1316"/>
-                <dgm:constr type="w" for="ch" forName="accent_2" refType="h" refFor="ch" refForName="accent_2" op="equ"/>
-                <dgm:constr type="ctrY" for="ch" forName="accent_2" refType="h" fact="0.2632"/>
-                <dgm:constr type="ctrX" for="ch" forName="accent_2" refType="w"/>
-                <dgm:constr type="ctrXOff" for="ch" forName="accent_2" refType="h" fact="-0.1809"/>
-                <dgm:constr type="r" for="ch" forName="text_2" refType="ctrX" refFor="ch" refForName="accent_2"/>
-                <dgm:constr type="rOff" for="ch" forName="text_2" refType="ctrXOff" refFor="ch" refForName="accent_2"/>
-                <dgm:constr type="l" for="ch" forName="text_2"/>
-                <dgm:constr type="w" for="ch" forName="text_2" refType="h" refFor="ch" refForName="text_2" op="gte"/>
-                <dgm:constr type="h" for="ch" forName="text_2" refType="h" refFor="ch" refForName="accent_2" fact="0.8"/>
-                <dgm:constr type="ctrY" for="ch" forName="text_2" refType="ctrY" refFor="ch" refForName="accent_2"/>
-                <dgm:constr type="rMarg" for="ch" forName="text_2" refType="w" refFor="ch" refForName="accent_2" fact="1.8"/>
-                <dgm:constr type="h" for="ch" forName="accent_3" refType="h" fact="0.1316"/>
-                <dgm:constr type="w" for="ch" forName="accent_3" refType="h" refFor="ch" refForName="accent_3" op="equ"/>
-                <dgm:constr type="ctrY" for="ch" forName="accent_3" refType="h" fact="0.4211"/>
-                <dgm:constr type="ctrX" for="ch" forName="accent_3" refType="w"/>
-                <dgm:constr type="ctrXOff" for="ch" forName="accent_3" refType="h" fact="-0.2205"/>
-                <dgm:constr type="r" for="ch" forName="text_3" refType="ctrX" refFor="ch" refForName="accent_3"/>
-                <dgm:constr type="rOff" for="ch" forName="text_3" refType="ctrXOff" refFor="ch" refForName="accent_3"/>
-                <dgm:constr type="l" for="ch" forName="text_3"/>
-                <dgm:constr type="w" for="ch" forName="text_3" refType="h" refFor="ch" refForName="text_3" op="gte"/>
-                <dgm:constr type="h" for="ch" forName="text_3" refType="h" refFor="ch" refForName="accent_3" fact="0.8"/>
-                <dgm:constr type="ctrY" for="ch" forName="text_3" refType="ctrY" refFor="ch" refForName="accent_3"/>
-                <dgm:constr type="rMarg" for="ch" forName="text_3" refType="w" refFor="ch" refForName="accent_3" fact="1.8"/>
-                <dgm:constr type="h" for="ch" forName="accent_4" refType="h" fact="0.1316"/>
-                <dgm:constr type="w" for="ch" forName="accent_4" refType="h" refFor="ch" refForName="accent_4" op="equ"/>
-                <dgm:constr type="ctrY" for="ch" forName="accent_4" refType="h" fact="0.5789"/>
-                <dgm:constr type="ctrX" for="ch" forName="accent_4" refType="w"/>
-                <dgm:constr type="ctrXOff" for="ch" forName="accent_4" refType="h" fact="-0.2205"/>
-                <dgm:constr type="r" for="ch" forName="text_4" refType="ctrX" refFor="ch" refForName="accent_4"/>
-                <dgm:constr type="rOff" for="ch" forName="text_4" refType="ctrXOff" refFor="ch" refForName="accent_4"/>
-                <dgm:constr type="l" for="ch" forName="text_4"/>
-                <dgm:constr type="w" for="ch" forName="text_4" refType="h" refFor="ch" refForName="text_4" op="gte"/>
-                <dgm:constr type="h" for="ch" forName="text_4" refType="h" refFor="ch" refForName="accent_4" fact="0.8"/>
-                <dgm:constr type="ctrY" for="ch" forName="text_4" refType="ctrY" refFor="ch" refForName="accent_4"/>
-                <dgm:constr type="rMarg" for="ch" forName="text_4" refType="w" refFor="ch" refForName="accent_4" fact="1.8"/>
-                <dgm:constr type="h" for="ch" forName="accent_5" refType="h" fact="0.1316"/>
-                <dgm:constr type="w" for="ch" forName="accent_5" refType="h" refFor="ch" refForName="accent_5" op="equ"/>
-                <dgm:constr type="ctrY" for="ch" forName="accent_5" refType="h" fact="0.7368"/>
-                <dgm:constr type="ctrX" for="ch" forName="accent_5" refType="w"/>
-                <dgm:constr type="ctrXOff" for="ch" forName="accent_5" refType="h" fact="-0.1809"/>
-                <dgm:constr type="r" for="ch" forName="text_5" refType="ctrX" refFor="ch" refForName="accent_5"/>
-                <dgm:constr type="rOff" for="ch" forName="text_5" refType="ctrXOff" refFor="ch" refForName="accent_5"/>
-                <dgm:constr type="l" for="ch" forName="text_5"/>
-                <dgm:constr type="w" for="ch" forName="text_5" refType="h" refFor="ch" refForName="text_5" op="gte"/>
-                <dgm:constr type="h" for="ch" forName="text_5" refType="h" refFor="ch" refForName="accent_5" fact="0.8"/>
-                <dgm:constr type="ctrY" for="ch" forName="text_5" refType="ctrY" refFor="ch" refForName="accent_5"/>
-                <dgm:constr type="rMarg" for="ch" forName="text_5" refType="w" refFor="ch" refForName="accent_5" fact="1.8"/>
-                <dgm:constr type="h" for="ch" forName="accent_6" refType="h" fact="0.1316"/>
-                <dgm:constr type="w" for="ch" forName="accent_6" refType="h" refFor="ch" refForName="accent_6" op="equ"/>
-                <dgm:constr type="ctrY" for="ch" forName="accent_6" refType="h" fact="0.8947"/>
-                <dgm:constr type="ctrX" for="ch" forName="accent_6" refType="w"/>
-                <dgm:constr type="ctrXOff" for="ch" forName="accent_6" refType="h" fact="-0.0943"/>
-                <dgm:constr type="r" for="ch" forName="text_6" refType="ctrX" refFor="ch" refForName="accent_6"/>
-                <dgm:constr type="rOff" for="ch" forName="text_6" refType="ctrXOff" refFor="ch" refForName="accent_6"/>
-                <dgm:constr type="l" for="ch" forName="text_6"/>
-                <dgm:constr type="w" for="ch" forName="text_6" refType="h" refFor="ch" refForName="text_6" op="gte"/>
-                <dgm:constr type="h" for="ch" forName="text_6" refType="h" refFor="ch" refForName="accent_6" fact="0.8"/>
-                <dgm:constr type="ctrY" for="ch" forName="text_6" refType="ctrY" refFor="ch" refForName="accent_6"/>
-                <dgm:constr type="rMarg" for="ch" forName="text_6" refType="w" refFor="ch" refForName="accent_6" fact="1.8"/>
-                <dgm:constr type="primFontSz" for="ch" ptType="node" op="equ" val="65"/>
-              </dgm:constrLst>
-            </dgm:if>
-            <dgm:else name="Name20">
-              <dgm:constrLst>
-                <dgm:constr type="h" for="ch" forName="cycle" refType="h"/>
-                <dgm:constr type="w" for="ch" forName="cycle" refType="h" refFor="ch" refForName="cycle" fact="0.26"/>
-                <dgm:constr type="r" for="ch" forName="cycle" refType="w"/>
-                <dgm:constr type="ctrY" for="ch" forName="cycle" refType="h" fact="0.5"/>
-                <dgm:constr type="diam" for="ch" forName="cycle" refType="h" fact="1.344"/>
-                <dgm:constr type="h" for="ch" forName="accent_1" refType="h" fact="0.1136"/>
-                <dgm:constr type="w" for="ch" forName="accent_1" refType="h" refFor="ch" refForName="accent_1" op="equ"/>
-                <dgm:constr type="ctrY" for="ch" forName="accent_1" refType="h" fact="0.0909"/>
-                <dgm:constr type="ctrX" for="ch" forName="accent_1" refType="w"/>
-                <dgm:constr type="ctrXOff" for="ch" forName="accent_1" refType="h" fact="-0.0835"/>
-                <dgm:constr type="r" for="ch" forName="text_1" refType="ctrX" refFor="ch" refForName="accent_1"/>
-                <dgm:constr type="rOff" for="ch" forName="text_1" refType="ctrXOff" refFor="ch" refForName="accent_1"/>
-                <dgm:constr type="l" for="ch" forName="text_1"/>
-                <dgm:constr type="w" for="ch" forName="text_1" refType="h" refFor="ch" refForName="text_1" op="gte"/>
-                <dgm:constr type="h" for="ch" forName="text_1" refType="h" refFor="ch" refForName="accent_1" fact="0.8"/>
-                <dgm:constr type="ctrY" for="ch" forName="text_1" refType="ctrY" refFor="ch" refForName="accent_1"/>
-                <dgm:constr type="rMarg" for="ch" forName="text_1" refType="w" refFor="ch" refForName="accent_1" fact="1.8"/>
-                <dgm:constr type="h" for="ch" forName="accent_2" refType="h" fact="0.1136"/>
-                <dgm:constr type="w" for="ch" forName="accent_2" refType="h" refFor="ch" refForName="accent_2" op="equ"/>
-                <dgm:constr type="ctrY" for="ch" forName="accent_2" refType="h" fact="0.2273"/>
-                <dgm:constr type="ctrX" for="ch" forName="accent_2" refType="w"/>
-                <dgm:constr type="ctrXOff" for="ch" forName="accent_2" refType="h" fact="-0.1658"/>
-                <dgm:constr type="r" for="ch" forName="text_2" refType="ctrX" refFor="ch" refForName="accent_2"/>
-                <dgm:constr type="rOff" for="ch" forName="text_2" refType="ctrXOff" refFor="ch" refForName="accent_2"/>
-                <dgm:constr type="l" for="ch" forName="text_2"/>
-                <dgm:constr type="w" for="ch" forName="text_2" refType="h" refFor="ch" refForName="text_2" op="gte"/>
-                <dgm:constr type="h" for="ch" forName="text_2" refType="h" refFor="ch" refForName="accent_2" fact="0.8"/>
-                <dgm:constr type="ctrY" for="ch" forName="text_2" refType="ctrY" refFor="ch" refForName="accent_2"/>
-                <dgm:constr type="rMarg" for="ch" forName="text_2" refType="w" refFor="ch" refForName="accent_2" fact="1.8"/>
-                <dgm:constr type="h" for="ch" forName="accent_3" refType="h" fact="0.1136"/>
-                <dgm:constr type="w" for="ch" forName="accent_3" refType="h" refFor="ch" refForName="accent_3" op="equ"/>
-                <dgm:constr type="ctrY" for="ch" forName="accent_3" refType="h" fact="0.3636"/>
-                <dgm:constr type="ctrX" for="ch" forName="accent_3" refType="w"/>
-                <dgm:constr type="ctrXOff" for="ch" forName="accent_3" refType="h" fact="-0.2109"/>
-                <dgm:constr type="r" for="ch" forName="text_3" refType="ctrX" refFor="ch" refForName="accent_3"/>
-                <dgm:constr type="rOff" for="ch" forName="text_3" refType="ctrXOff" refFor="ch" refForName="accent_3"/>
-                <dgm:constr type="l" for="ch" forName="text_3"/>
-                <dgm:constr type="w" for="ch" forName="text_3" refType="h" refFor="ch" refForName="text_3" op="gte"/>
-                <dgm:constr type="h" for="ch" forName="text_3" refType="h" refFor="ch" refForName="accent_3" fact="0.8"/>
-                <dgm:constr type="ctrY" for="ch" forName="text_3" refType="ctrY" refFor="ch" refForName="accent_3"/>
-                <dgm:constr type="rMarg" for="ch" forName="text_3" refType="w" refFor="ch" refForName="accent_3" fact="1.8"/>
-                <dgm:constr type="h" for="ch" forName="accent_4" refType="h" fact="0.1136"/>
-                <dgm:constr type="w" for="ch" forName="accent_4" refType="h" refFor="ch" refForName="accent_4" op="equ"/>
-                <dgm:constr type="ctrY" for="ch" forName="accent_4" refType="h" fact="0.5"/>
-                <dgm:constr type="ctrX" for="ch" forName="accent_4" refType="w"/>
-                <dgm:constr type="ctrXOff" for="ch" forName="accent_4" refType="h" fact="-0.2253"/>
-                <dgm:constr type="r" for="ch" forName="text_4" refType="ctrX" refFor="ch" refForName="accent_4"/>
-                <dgm:constr type="rOff" for="ch" forName="text_4" refType="ctrXOff" refFor="ch" refForName="accent_4"/>
-                <dgm:constr type="l" for="ch" forName="text_4"/>
-                <dgm:constr type="w" for="ch" forName="text_4" refType="h" refFor="ch" refForName="text_4" op="gte"/>
-                <dgm:constr type="h" for="ch" forName="text_4" refType="h" refFor="ch" refForName="accent_4" fact="0.8"/>
-                <dgm:constr type="ctrY" for="ch" forName="text_4" refType="ctrY" refFor="ch" refForName="accent_4"/>
-                <dgm:constr type="rMarg" for="ch" forName="text_4" refType="w" refFor="ch" refForName="accent_4" fact="1.8"/>
-                <dgm:constr type="h" for="ch" forName="accent_5" refType="h" fact="0.1136"/>
-                <dgm:constr type="w" for="ch" forName="accent_5" refType="h" refFor="ch" refForName="accent_5" op="equ"/>
-                <dgm:constr type="ctrY" for="ch" forName="accent_5" refType="h" fact="0.6364"/>
-                <dgm:constr type="ctrX" for="ch" forName="accent_5" refType="w"/>
-                <dgm:constr type="ctrXOff" for="ch" forName="accent_5" refType="h" fact="-0.2109"/>
-                <dgm:constr type="r" for="ch" forName="text_5" refType="ctrX" refFor="ch" refForName="accent_5"/>
-                <dgm:constr type="rOff" for="ch" forName="text_5" refType="ctrXOff" refFor="ch" refForName="accent_5"/>
-                <dgm:constr type="l" for="ch" forName="text_5"/>
-                <dgm:constr type="w" for="ch" forName="text_5" refType="h" refFor="ch" refForName="text_5" op="gte"/>
-                <dgm:constr type="h" for="ch" forName="text_5" refType="h" refFor="ch" refForName="accent_5" fact="0.8"/>
-                <dgm:constr type="ctrY" for="ch" forName="text_5" refType="ctrY" refFor="ch" refForName="accent_5"/>
-                <dgm:constr type="rMarg" for="ch" forName="text_5" refType="w" refFor="ch" refForName="accent_5" fact="1.8"/>
-                <dgm:constr type="h" for="ch" forName="accent_6" refType="h" fact="0.1136"/>
-                <dgm:constr type="w" for="ch" forName="accent_6" refType="h" refFor="ch" refForName="accent_6" op="equ"/>
-                <dgm:constr type="ctrY" for="ch" forName="accent_6" refType="h" fact="0.7727"/>
-                <dgm:constr type="ctrX" for="ch" forName="accent_6" refType="w"/>
-                <dgm:constr type="ctrXOff" for="ch" forName="accent_6" refType="h" fact="-0.1658"/>
-                <dgm:constr type="r" for="ch" forName="text_6" refType="ctrX" refFor="ch" refForName="accent_6"/>
-                <dgm:constr type="rOff" for="ch" forName="text_6" refType="ctrXOff" refFor="ch" refForName="accent_6"/>
-                <dgm:constr type="l" for="ch" forName="text_6"/>
-                <dgm:constr type="w" for="ch" forName="text_6" refType="h" refFor="ch" refForName="text_6" op="gte"/>
-                <dgm:constr type="h" for="ch" forName="text_6" refType="h" refFor="ch" refForName="accent_6" fact="0.8"/>
-                <dgm:constr type="ctrY" for="ch" forName="text_6" refType="ctrY" refFor="ch" refForName="accent_6"/>
-                <dgm:constr type="rMarg" for="ch" forName="text_6" refType="w" refFor="ch" refForName="accent_6" fact="1.8"/>
-                <dgm:constr type="h" for="ch" forName="accent_7" refType="h" fact="0.1136"/>
-                <dgm:constr type="w" for="ch" forName="accent_7" refType="h" refFor="ch" refForName="accent_7" op="equ"/>
-                <dgm:constr type="ctrY" for="ch" forName="accent_7" refType="h" fact="0.9091"/>
-                <dgm:constr type="ctrX" for="ch" forName="accent_7" refType="w"/>
-                <dgm:constr type="ctrXOff" for="ch" forName="accent_7" refType="h" fact="-0.0835"/>
-                <dgm:constr type="r" for="ch" forName="text_7" refType="ctrX" refFor="ch" refForName="accent_7"/>
-                <dgm:constr type="rOff" for="ch" forName="text_7" refType="ctrXOff" refFor="ch" refForName="accent_7"/>
-                <dgm:constr type="l" for="ch" forName="text_7"/>
-                <dgm:constr type="w" for="ch" forName="text_7" refType="h" refFor="ch" refForName="text_7" op="gte"/>
-                <dgm:constr type="h" for="ch" forName="text_7" refType="h" refFor="ch" refForName="accent_7" fact="0.8"/>
-                <dgm:constr type="ctrY" for="ch" forName="text_7" refType="ctrY" refFor="ch" refForName="accent_7"/>
-                <dgm:constr type="rMarg" for="ch" forName="text_7" refType="w" refFor="ch" refForName="accent_7" fact="1.8"/>
-                <dgm:constr type="primFontSz" for="ch" ptType="node" op="equ" val="65"/>
-              </dgm:constrLst>
-            </dgm:else>
-          </dgm:choose>
-        </dgm:else>
-      </dgm:choose>
-      <dgm:layoutNode name="cycle">
-        <dgm:choose name="Name21">
-          <dgm:if name="Name22" func="var" arg="dir" op="equ" val="norm">
-            <dgm:alg type="cycle">
-              <dgm:param type="stAng" val="45"/>
-              <dgm:param type="spanAng" val="90"/>
-            </dgm:alg>
-          </dgm:if>
-          <dgm:else name="Name23">
-            <dgm:alg type="cycle">
-              <dgm:param type="stAng" val="225"/>
-              <dgm:param type="spanAng" val="90"/>
-            </dgm:alg>
-          </dgm:else>
-        </dgm:choose>
+    <dgm:presOf/>
+    <dgm:choose name="Name3">
+      <dgm:if name="Name4" axis="ch" ptType="node" func="cnt" op="lte" val="2">
+        <dgm:constrLst>
+          <dgm:constr type="h" for="ch" forName="compNode" refType="h" fact="0.4"/>
+          <dgm:constr type="w" for="ch" forName="compNode" val="120"/>
+          <dgm:constr type="w" for="ch" forName="sibTrans" refType="w" refFor="ch" refForName="compNode" fact="0.175"/>
+          <dgm:constr type="sp" refType="w" refFor="ch" refForName="compNode" op="equ" fact="0.25"/>
+          <dgm:constr type="primFontSz" for="des" ptType="node" op="equ" val="50"/>
+          <dgm:constr type="h" for="des" forName="compNode" op="equ"/>
+          <dgm:constr type="h" for="des" forName="textRect" op="equ"/>
+        </dgm:constrLst>
+      </dgm:if>
+      <dgm:if name="Name5" axis="ch" ptType="node" func="cnt" op="lte" val="4">
+        <dgm:constrLst>
+          <dgm:constr type="h" for="ch" forName="compNode" refType="h" fact="0.4"/>
+          <dgm:constr type="w" for="ch" forName="compNode" refType="w"/>
+          <dgm:constr type="w" for="ch" forName="sibTrans" refType="w" refFor="ch" refForName="compNode" fact="0.175"/>
+          <dgm:constr type="sp" refType="w" refFor="ch" refForName="compNode" op="equ" fact="0.25"/>
+          <dgm:constr type="primFontSz" for="des" ptType="node" op="equ" val="36"/>
+          <dgm:constr type="h" for="des" forName="compNode" op="equ"/>
+          <dgm:constr type="h" for="des" forName="textRect" op="equ"/>
+        </dgm:constrLst>
+      </dgm:if>
+      <dgm:else name="Name6">
+        <dgm:constrLst>
+          <dgm:constr type="h" for="ch" forName="compNode" refType="h" fact="0.4"/>
+          <dgm:constr type="w" for="ch" forName="compNode" refType="w"/>
+          <dgm:constr type="w" for="ch" forName="sibTrans" refType="w" refFor="ch" refForName="compNode" fact="0.175"/>
+          <dgm:constr type="sp" refType="w" refFor="ch" refForName="compNode" op="equ" fact="0.25"/>
+          <dgm:constr type="primFontSz" for="des" ptType="node" op="equ" val="24"/>
+          <dgm:constr type="h" for="des" forName="compNode" op="equ"/>
+          <dgm:constr type="h" for="des" forName="textRect" op="equ"/>
+        </dgm:constrLst>
+      </dgm:else>
+    </dgm:choose>
+    <dgm:ruleLst>
+      <dgm:rule type="w" for="ch" forName="compNode" val="50" fact="NaN" max="NaN"/>
+    </dgm:ruleLst>
+    <dgm:forEach name="Name7" axis="ch" ptType="node">
+      <dgm:layoutNode name="compNode">
+        <dgm:alg type="composite"/>
         <dgm:shape xmlns:r="http://schemas.openxmlformats.org/officeDocument/2006/relationships" r:blip="">
           <dgm:adjLst/>
         </dgm:shape>
-        <dgm:presOf/>
+        <dgm:presOf axis="self"/>
         <dgm:constrLst>
-          <dgm:constr type="w" for="ch" val="1"/>
-          <dgm:constr type="h" for="ch" val="1"/>
-          <dgm:constr type="diam" for="ch" forName="conn" refType="diam"/>
+          <dgm:constr type="w" for="ch" forName="iconRect" refType="w" fact="0.45"/>
+          <dgm:constr type="h" for="ch" forName="iconRect" refType="w" refFor="ch" refForName="iconRect"/>
+          <dgm:constr type="ctrX" for="ch" forName="iconRect" refType="w" fact="0.5"/>
+          <dgm:constr type="t" for="ch" forName="iconRect"/>
+          <dgm:constr type="h" for="ch" forName="spaceRect" refType="h" fact="0.15"/>
+          <dgm:constr type="w" for="ch" forName="spaceRect" refType="w"/>
+          <dgm:constr type="l" for="ch" forName="spaceRect"/>
+          <dgm:constr type="t" for="ch" forName="spaceRect" refType="b" refFor="ch" refForName="iconRect"/>
+          <dgm:constr type="h" for="ch" forName="textRect" val="20"/>
+          <dgm:constr type="w" for="ch" forName="textRect" refType="w"/>
+          <dgm:constr type="l" for="ch" forName="textRect"/>
+          <dgm:constr type="t" for="ch" forName="textRect" refType="b" refFor="ch" refForName="spaceRect"/>
         </dgm:constrLst>
-        <dgm:layoutNode name="srcNode">
+        <dgm:ruleLst>
+          <dgm:rule type="h" val="INF" fact="NaN" max="NaN"/>
+        </dgm:ruleLst>
+        <dgm:layoutNode name="iconRect" styleLbl="node1">
           <dgm:alg type="sp"/>
-          <dgm:shape xmlns:r="http://schemas.openxmlformats.org/officeDocument/2006/relationships" type="rect" r:blip="" hideGeom="1">
+          <dgm:shape xmlns:r="http://schemas.openxmlformats.org/officeDocument/2006/relationships" type="rect" r:blip="" blipPhldr="1">
             <dgm:adjLst/>
           </dgm:shape>
           <dgm:presOf/>
+          <dgm:constrLst/>
+          <dgm:ruleLst/>
         </dgm:layoutNode>
-        <dgm:layoutNode name="conn" styleLbl="parChTrans1D2">
-          <dgm:alg type="conn">
-            <dgm:param type="connRout" val="curve"/>
-            <dgm:param type="srcNode" val="srcNode"/>
-            <dgm:param type="dstNode" val="dstNode"/>
-            <dgm:param type="begPts" val="ctr"/>
-            <dgm:param type="endPts" val="ctr"/>
-            <dgm:param type="endSty" val="noArr"/>
-          </dgm:alg>
-          <dgm:shape xmlns:r="http://schemas.openxmlformats.org/officeDocument/2006/relationships" type="conn" r:blip="">
-            <dgm:adjLst/>
-          </dgm:shape>
-          <dgm:presOf axis="desOrSelf" ptType="sibTrans" hideLastTrans="0" st="0" cnt="1"/>
-          <dgm:constrLst>
-            <dgm:constr type="begPad"/>
-            <dgm:constr type="endPad"/>
-          </dgm:constrLst>
-        </dgm:layoutNode>
-        <dgm:layoutNode name="extraNode">
-          <dgm:alg type="sp"/>
-          <dgm:shape xmlns:r="http://schemas.openxmlformats.org/officeDocument/2006/relationships" type="rect" r:blip="" hideGeom="1">
-            <dgm:adjLst/>
-          </dgm:shape>
-          <dgm:presOf/>
-        </dgm:layoutNode>
-        <dgm:layoutNode name="dstNode">
-          <dgm:alg type="sp"/>
-          <dgm:shape xmlns:r="http://schemas.openxmlformats.org/officeDocument/2006/relationships" type="rect" r:blip="" hideGeom="1">
-            <dgm:adjLst/>
-          </dgm:shape>
-          <dgm:presOf/>
-        </dgm:layoutNode>
-      </dgm:layoutNode>
-      <dgm:forEach name="wrapper" axis="self" ptType="parTrans">
-        <dgm:forEach name="wrapper2" axis="self" ptType="sibTrans" st="2">
-          <dgm:forEach name="accentRepeat" axis="self">
-            <dgm:layoutNode name="accentRepeatNode" styleLbl="solidFgAcc1">
-              <dgm:alg type="sp"/>
-              <dgm:shape xmlns:r="http://schemas.openxmlformats.org/officeDocument/2006/relationships" type="ellipse" r:blip="">
-                <dgm:adjLst/>
-              </dgm:shape>
-              <dgm:presOf/>
-            </dgm:layoutNode>
-          </dgm:forEach>
-        </dgm:forEach>
-      </dgm:forEach>
-      <dgm:forEach name="Name24" axis="ch" ptType="node" cnt="1">
-        <dgm:layoutNode name="text_1" styleLbl="node1">
-          <dgm:varLst>
-            <dgm:bulletEnabled val="1"/>
-          </dgm:varLst>
-          <dgm:choose name="Name25">
-            <dgm:if name="Name26" func="var" arg="dir" op="equ" val="norm">
-              <dgm:alg type="tx">
-                <dgm:param type="parTxLTRAlign" val="l"/>
-                <dgm:param type="shpTxLTRAlignCh" val="l"/>
-                <dgm:param type="parTxRTLAlign" val="l"/>
-                <dgm:param type="shpTxRTLAlignCh" val="l"/>
-              </dgm:alg>
-            </dgm:if>
-            <dgm:else name="Name27">
-              <dgm:alg type="tx">
-                <dgm:param type="parTxLTRAlign" val="r"/>
-                <dgm:param type="shpTxLTRAlignCh" val="r"/>
-                <dgm:param type="parTxRTLAlign" val="r"/>
-                <dgm:param type="shpTxRTLAlignCh" val="r"/>
-              </dgm:alg>
-            </dgm:else>
-          </dgm:choose>
-          <dgm:shape xmlns:r="http://schemas.openxmlformats.org/officeDocument/2006/relationships" type="rect" r:blip="">
-            <dgm:adjLst/>
-          </dgm:shape>
-          <dgm:presOf axis="desOrSelf" ptType="node"/>
-          <dgm:constrLst>
-            <dgm:constr type="primFontSz" val="65"/>
-            <dgm:constr type="lMarg" refType="primFontSz" fact="0.2"/>
-            <dgm:constr type="rMarg" refType="primFontSz" fact="0.2"/>
-            <dgm:constr type="tMarg" refType="primFontSz" fact="0.2"/>
-            <dgm:constr type="bMarg" refType="primFontSz" fact="0.2"/>
-          </dgm:constrLst>
-          <dgm:ruleLst>
-            <dgm:rule type="primFontSz" val="5" fact="NaN" max="NaN"/>
-          </dgm:ruleLst>
-        </dgm:layoutNode>
-        <dgm:layoutNode name="accent_1">
+        <dgm:layoutNode name="spaceRect">
           <dgm:alg type="sp"/>
           <dgm:shape xmlns:r="http://schemas.openxmlformats.org/officeDocument/2006/relationships" r:blip="">
             <dgm:adjLst/>
           </dgm:shape>
           <dgm:presOf/>
           <dgm:constrLst/>
-          <dgm:forEach name="Name28" ref="accentRepeat"/>
+          <dgm:ruleLst/>
         </dgm:layoutNode>
-      </dgm:forEach>
-      <dgm:forEach name="Name29" axis="ch" ptType="node" st="2" cnt="1">
-        <dgm:layoutNode name="text_2" styleLbl="node1">
+        <dgm:layoutNode name="textRect" styleLbl="revTx">
           <dgm:varLst>
-            <dgm:bulletEnabled val="1"/>
+            <dgm:chMax val="1"/>
+            <dgm:chPref val="1"/>
           </dgm:varLst>
-          <dgm:choose name="Name30">
-            <dgm:if name="Name31" func="var" arg="dir" op="equ" val="norm">
-              <dgm:alg type="tx">
-                <dgm:param type="parTxLTRAlign" val="l"/>
-                <dgm:param type="shpTxLTRAlignCh" val="l"/>
-                <dgm:param type="parTxRTLAlign" val="l"/>
-                <dgm:param type="shpTxRTLAlignCh" val="l"/>
-              </dgm:alg>
-            </dgm:if>
-            <dgm:else name="Name32">
-              <dgm:alg type="tx">
-                <dgm:param type="parTxLTRAlign" val="r"/>
-                <dgm:param type="shpTxLTRAlignCh" val="r"/>
-                <dgm:param type="parTxRTLAlign" val="r"/>
-                <dgm:param type="shpTxRTLAlignCh" val="r"/>
-              </dgm:alg>
-            </dgm:else>
-          </dgm:choose>
+          <dgm:alg type="tx">
+            <dgm:param type="txAnchorVert" val="t"/>
+          </dgm:alg>
           <dgm:shape xmlns:r="http://schemas.openxmlformats.org/officeDocument/2006/relationships" type="rect" r:blip="">
             <dgm:adjLst/>
           </dgm:shape>
-          <dgm:presOf axis="desOrSelf" ptType="node"/>
+          <dgm:presOf axis="self" ptType="node"/>
           <dgm:constrLst>
-            <dgm:constr type="primFontSz" val="65"/>
-            <dgm:constr type="lMarg" refType="primFontSz" fact="0.2"/>
-            <dgm:constr type="rMarg" refType="primFontSz" fact="0.2"/>
-            <dgm:constr type="tMarg" refType="primFontSz" fact="0.2"/>
-            <dgm:constr type="bMarg" refType="primFontSz" fact="0.2"/>
+            <dgm:constr type="lMarg"/>
+            <dgm:constr type="rMarg"/>
+            <dgm:constr type="tMarg"/>
+            <dgm:constr type="bMarg"/>
           </dgm:constrLst>
           <dgm:ruleLst>
-            <dgm:rule type="primFontSz" val="5" fact="NaN" max="NaN"/>
+            <dgm:rule type="primFontSz" val="11" fact="NaN" max="NaN"/>
+            <dgm:rule type="h" val="INF" fact="NaN" max="NaN"/>
           </dgm:ruleLst>
         </dgm:layoutNode>
-        <dgm:layoutNode name="accent_2">
+      </dgm:layoutNode>
+      <dgm:forEach name="Name8" axis="followSib" ptType="sibTrans" cnt="1">
+        <dgm:layoutNode name="sibTrans">
           <dgm:alg type="sp"/>
           <dgm:shape xmlns:r="http://schemas.openxmlformats.org/officeDocument/2006/relationships" r:blip="">
             <dgm:adjLst/>
           </dgm:shape>
-          <dgm:presOf/>
+          <dgm:presOf axis="self"/>
           <dgm:constrLst/>
-          <dgm:forEach name="Name33" ref="accentRepeat"/>
+          <dgm:ruleLst/>
         </dgm:layoutNode>
       </dgm:forEach>
-      <dgm:forEach name="Name34" axis="ch" ptType="node" st="3" cnt="1">
-        <dgm:layoutNode name="text_3" styleLbl="node1">
-          <dgm:varLst>
-            <dgm:bulletEnabled val="1"/>
-          </dgm:varLst>
-          <dgm:choose name="Name35">
-            <dgm:if name="Name36" func="var" arg="dir" op="equ" val="norm">
-              <dgm:alg type="tx">
-                <dgm:param type="parTxLTRAlign" val="l"/>
-                <dgm:param type="shpTxLTRAlignCh" val="l"/>
-                <dgm:param type="parTxRTLAlign" val="l"/>
-                <dgm:param type="shpTxRTLAlignCh" val="l"/>
-              </dgm:alg>
-            </dgm:if>
-            <dgm:else name="Name37">
-              <dgm:alg type="tx">
-                <dgm:param type="parTxLTRAlign" val="r"/>
-                <dgm:param type="shpTxLTRAlignCh" val="r"/>
-                <dgm:param type="parTxRTLAlign" val="r"/>
-                <dgm:param type="shpTxRTLAlignCh" val="r"/>
-              </dgm:alg>
-            </dgm:else>
-          </dgm:choose>
-          <dgm:shape xmlns:r="http://schemas.openxmlformats.org/officeDocument/2006/relationships" type="rect" r:blip="">
-            <dgm:adjLst/>
-          </dgm:shape>
-          <dgm:presOf axis="desOrSelf" ptType="node"/>
-          <dgm:constrLst>
-            <dgm:constr type="primFontSz" val="65"/>
-            <dgm:constr type="lMarg" refType="primFontSz" fact="0.2"/>
-            <dgm:constr type="rMarg" refType="primFontSz" fact="0.2"/>
-            <dgm:constr type="tMarg" refType="primFontSz" fact="0.2"/>
-            <dgm:constr type="bMarg" refType="primFontSz" fact="0.2"/>
-          </dgm:constrLst>
-          <dgm:ruleLst>
-            <dgm:rule type="primFontSz" val="5" fact="NaN" max="NaN"/>
-          </dgm:ruleLst>
-        </dgm:layoutNode>
-        <dgm:layoutNode name="accent_3">
-          <dgm:alg type="sp"/>
-          <dgm:shape xmlns:r="http://schemas.openxmlformats.org/officeDocument/2006/relationships" r:blip="">
-            <dgm:adjLst/>
-          </dgm:shape>
-          <dgm:presOf/>
-          <dgm:constrLst/>
-          <dgm:forEach name="Name38" ref="accentRepeat"/>
-        </dgm:layoutNode>
-      </dgm:forEach>
-      <dgm:forEach name="Name39" axis="ch" ptType="node" st="4" cnt="1">
-        <dgm:layoutNode name="text_4" styleLbl="node1">
-          <dgm:varLst>
-            <dgm:bulletEnabled val="1"/>
-          </dgm:varLst>
-          <dgm:choose name="Name40">
-            <dgm:if name="Name41" func="var" arg="dir" op="equ" val="norm">
-              <dgm:alg type="tx">
-                <dgm:param type="parTxLTRAlign" val="l"/>
-                <dgm:param type="shpTxLTRAlignCh" val="l"/>
-                <dgm:param type="parTxRTLAlign" val="l"/>
-                <dgm:param type="shpTxRTLAlignCh" val="l"/>
-              </dgm:alg>
-            </dgm:if>
-            <dgm:else name="Name42">
-              <dgm:alg type="tx">
-                <dgm:param type="parTxLTRAlign" val="r"/>
-                <dgm:param type="shpTxLTRAlignCh" val="r"/>
-                <dgm:param type="parTxRTLAlign" val="r"/>
-                <dgm:param type="shpTxRTLAlignCh" val="r"/>
-              </dgm:alg>
-            </dgm:else>
-          </dgm:choose>
-          <dgm:shape xmlns:r="http://schemas.openxmlformats.org/officeDocument/2006/relationships" type="rect" r:blip="">
-            <dgm:adjLst/>
-          </dgm:shape>
-          <dgm:presOf axis="desOrSelf" ptType="node"/>
-          <dgm:constrLst>
-            <dgm:constr type="primFontSz" val="65"/>
-            <dgm:constr type="lMarg" refType="primFontSz" fact="0.2"/>
-            <dgm:constr type="rMarg" refType="primFontSz" fact="0.2"/>
-            <dgm:constr type="tMarg" refType="primFontSz" fact="0.2"/>
-            <dgm:constr type="bMarg" refType="primFontSz" fact="0.2"/>
-          </dgm:constrLst>
-          <dgm:ruleLst>
-            <dgm:rule type="primFontSz" val="5" fact="NaN" max="NaN"/>
-          </dgm:ruleLst>
-        </dgm:layoutNode>
-        <dgm:layoutNode name="accent_4">
-          <dgm:alg type="sp"/>
-          <dgm:shape xmlns:r="http://schemas.openxmlformats.org/officeDocument/2006/relationships" r:blip="">
-            <dgm:adjLst/>
-          </dgm:shape>
-          <dgm:presOf/>
-          <dgm:constrLst/>
-          <dgm:forEach name="Name43" ref="accentRepeat"/>
-        </dgm:layoutNode>
-      </dgm:forEach>
-      <dgm:forEach name="Name44" axis="ch" ptType="node" st="5" cnt="1">
-        <dgm:layoutNode name="text_5" styleLbl="node1">
-          <dgm:varLst>
-            <dgm:bulletEnabled val="1"/>
-          </dgm:varLst>
-          <dgm:choose name="Name45">
-            <dgm:if name="Name46" func="var" arg="dir" op="equ" val="norm">
-              <dgm:alg type="tx">
-                <dgm:param type="parTxLTRAlign" val="l"/>
-                <dgm:param type="shpTxLTRAlignCh" val="l"/>
-                <dgm:param type="parTxRTLAlign" val="l"/>
-                <dgm:param type="shpTxRTLAlignCh" val="l"/>
-              </dgm:alg>
-            </dgm:if>
-            <dgm:else name="Name47">
-              <dgm:alg type="tx">
-                <dgm:param type="parTxLTRAlign" val="r"/>
-                <dgm:param type="shpTxLTRAlignCh" val="r"/>
-                <dgm:param type="parTxRTLAlign" val="r"/>
-                <dgm:param type="shpTxRTLAlignCh" val="r"/>
-              </dgm:alg>
-            </dgm:else>
-          </dgm:choose>
-          <dgm:shape xmlns:r="http://schemas.openxmlformats.org/officeDocument/2006/relationships" type="rect" r:blip="">
-            <dgm:adjLst/>
-          </dgm:shape>
-          <dgm:presOf axis="desOrSelf" ptType="node"/>
-          <dgm:constrLst>
-            <dgm:constr type="primFontSz" val="65"/>
-            <dgm:constr type="lMarg" refType="primFontSz" fact="0.2"/>
-            <dgm:constr type="rMarg" refType="primFontSz" fact="0.2"/>
-            <dgm:constr type="tMarg" refType="primFontSz" fact="0.2"/>
-            <dgm:constr type="bMarg" refType="primFontSz" fact="0.2"/>
-          </dgm:constrLst>
-          <dgm:ruleLst>
-            <dgm:rule type="primFontSz" val="5" fact="NaN" max="NaN"/>
-          </dgm:ruleLst>
-        </dgm:layoutNode>
-        <dgm:layoutNode name="accent_5">
-          <dgm:alg type="sp"/>
-          <dgm:shape xmlns:r="http://schemas.openxmlformats.org/officeDocument/2006/relationships" r:blip="">
-            <dgm:adjLst/>
-          </dgm:shape>
-          <dgm:presOf/>
-          <dgm:constrLst/>
-          <dgm:forEach name="Name48" ref="accentRepeat"/>
-        </dgm:layoutNode>
-      </dgm:forEach>
-      <dgm:forEach name="Name49" axis="ch" ptType="node" st="6" cnt="1">
-        <dgm:layoutNode name="text_6" styleLbl="node1">
-          <dgm:varLst>
-            <dgm:bulletEnabled val="1"/>
-          </dgm:varLst>
-          <dgm:choose name="Name50">
-            <dgm:if name="Name51" func="var" arg="dir" op="equ" val="norm">
-              <dgm:alg type="tx">
-                <dgm:param type="parTxLTRAlign" val="l"/>
-                <dgm:param type="shpTxLTRAlignCh" val="l"/>
-                <dgm:param type="parTxRTLAlign" val="l"/>
-                <dgm:param type="shpTxRTLAlignCh" val="l"/>
-              </dgm:alg>
-            </dgm:if>
-            <dgm:else name="Name52">
-              <dgm:alg type="tx">
-                <dgm:param type="parTxLTRAlign" val="r"/>
-                <dgm:param type="shpTxLTRAlignCh" val="r"/>
-                <dgm:param type="parTxRTLAlign" val="r"/>
-                <dgm:param type="shpTxRTLAlignCh" val="r"/>
-              </dgm:alg>
-            </dgm:else>
-          </dgm:choose>
-          <dgm:shape xmlns:r="http://schemas.openxmlformats.org/officeDocument/2006/relationships" type="rect" r:blip="">
-            <dgm:adjLst/>
-          </dgm:shape>
-          <dgm:presOf axis="desOrSelf" ptType="node"/>
-          <dgm:constrLst>
-            <dgm:constr type="primFontSz" val="65"/>
-            <dgm:constr type="lMarg" refType="primFontSz" fact="0.2"/>
-            <dgm:constr type="rMarg" refType="primFontSz" fact="0.2"/>
-            <dgm:constr type="tMarg" refType="primFontSz" fact="0.2"/>
-            <dgm:constr type="bMarg" refType="primFontSz" fact="0.2"/>
-          </dgm:constrLst>
-          <dgm:ruleLst>
-            <dgm:rule type="primFontSz" val="5" fact="NaN" max="NaN"/>
-          </dgm:ruleLst>
-        </dgm:layoutNode>
-        <dgm:layoutNode name="accent_6">
-          <dgm:alg type="sp"/>
-          <dgm:shape xmlns:r="http://schemas.openxmlformats.org/officeDocument/2006/relationships" r:blip="">
-            <dgm:adjLst/>
-          </dgm:shape>
-          <dgm:presOf/>
-          <dgm:constrLst/>
-          <dgm:forEach name="Name53" ref="accentRepeat"/>
-        </dgm:layoutNode>
-      </dgm:forEach>
-      <dgm:forEach name="Name54" axis="ch" ptType="node" st="7" cnt="1">
-        <dgm:layoutNode name="text_7" styleLbl="node1">
-          <dgm:varLst>
-            <dgm:bulletEnabled val="1"/>
-          </dgm:varLst>
-          <dgm:choose name="Name55">
-            <dgm:if name="Name56" func="var" arg="dir" op="equ" val="norm">
-              <dgm:alg type="tx">
-                <dgm:param type="parTxLTRAlign" val="l"/>
-                <dgm:param type="shpTxLTRAlignCh" val="l"/>
-                <dgm:param type="parTxRTLAlign" val="l"/>
-                <dgm:param type="shpTxRTLAlignCh" val="l"/>
-              </dgm:alg>
-            </dgm:if>
-            <dgm:else name="Name57">
-              <dgm:alg type="tx">
-                <dgm:param type="parTxLTRAlign" val="r"/>
-                <dgm:param type="shpTxLTRAlignCh" val="r"/>
-                <dgm:param type="parTxRTLAlign" val="r"/>
-                <dgm:param type="shpTxRTLAlignCh" val="r"/>
-              </dgm:alg>
-            </dgm:else>
-          </dgm:choose>
-          <dgm:shape xmlns:r="http://schemas.openxmlformats.org/officeDocument/2006/relationships" type="rect" r:blip="">
-            <dgm:adjLst/>
-          </dgm:shape>
-          <dgm:presOf axis="desOrSelf" ptType="node"/>
-          <dgm:constrLst>
-            <dgm:constr type="primFontSz" val="65"/>
-            <dgm:constr type="lMarg" refType="primFontSz" fact="0.2"/>
-            <dgm:constr type="rMarg" refType="primFontSz" fact="0.2"/>
-            <dgm:constr type="tMarg" refType="primFontSz" fact="0.2"/>
-            <dgm:constr type="bMarg" refType="primFontSz" fact="0.2"/>
-          </dgm:constrLst>
-          <dgm:ruleLst>
-            <dgm:rule type="primFontSz" val="5" fact="NaN" max="NaN"/>
-          </dgm:ruleLst>
-        </dgm:layoutNode>
-        <dgm:layoutNode name="accent_7">
-          <dgm:alg type="sp"/>
-          <dgm:shape xmlns:r="http://schemas.openxmlformats.org/officeDocument/2006/relationships" r:blip="">
-            <dgm:adjLst/>
-          </dgm:shape>
-          <dgm:presOf/>
-          <dgm:constrLst/>
-          <dgm:forEach name="Name58" ref="accentRepeat"/>
-        </dgm:layoutNode>
-      </dgm:forEach>
-    </dgm:layoutNode>
+    </dgm:forEach>
   </dgm:layoutNode>
+  <dgm:extLst>
+    <a:ext uri="{68A01E43-0DF5-4B5B-8FA6-DAF915123BFB}">
+      <dgm1612:lstStyle xmlns:dgm1612="http://schemas.microsoft.com/office/drawing/2016/12/diagram">
+        <a:lvl1pPr>
+          <a:lnSpc>
+            <a:spcPct val="100000"/>
+          </a:lnSpc>
+        </a:lvl1pPr>
+      </dgm1612:lstStyle>
+    </a:ext>
+  </dgm:extLst>
 </dgm:layoutDef>
 </file>
 
@@ -11011,11 +9928,11 @@
 </file>
 
 <file path=ppt/diagrams/quickStyle4.xml><?xml version="1.0" encoding="utf-8"?>
-<dgm:styleDef xmlns:dgm="http://schemas.openxmlformats.org/drawingml/2006/diagram" xmlns:a="http://schemas.openxmlformats.org/drawingml/2006/main" uniqueId="urn:microsoft.com/office/officeart/2005/8/quickstyle/simple4">
+<dgm:styleDef xmlns:dgm="http://schemas.openxmlformats.org/drawingml/2006/diagram" xmlns:a="http://schemas.openxmlformats.org/drawingml/2006/main" uniqueId="urn:microsoft.com/office/officeart/2005/8/quickstyle/simple1">
   <dgm:title val=""/>
   <dgm:desc val=""/>
   <dgm:catLst>
-    <dgm:cat type="simple" pri="10400"/>
+    <dgm:cat type="simple" pri="10100"/>
   </dgm:catLst>
   <dgm:scene3d>
     <a:camera prst="orthographicFront"/>
@@ -11029,13 +9946,13 @@
     <dgm:sp3d/>
     <dgm:txPr/>
     <dgm:style>
-      <a:lnRef idx="0">
+      <a:lnRef idx="2">
         <a:scrgbClr r="0" g="0" b="0"/>
       </a:lnRef>
-      <a:fillRef idx="3">
+      <a:fillRef idx="1">
         <a:scrgbClr r="0" g="0" b="0"/>
       </a:fillRef>
-      <a:effectRef idx="2">
+      <a:effectRef idx="0">
         <a:scrgbClr r="0" g="0" b="0"/>
       </a:effectRef>
       <a:fontRef idx="minor">
@@ -11051,13 +9968,13 @@
     <dgm:sp3d/>
     <dgm:txPr/>
     <dgm:style>
-      <a:lnRef idx="1">
+      <a:lnRef idx="2">
         <a:scrgbClr r="0" g="0" b="0"/>
       </a:lnRef>
-      <a:fillRef idx="3">
+      <a:fillRef idx="1">
         <a:scrgbClr r="0" g="0" b="0"/>
       </a:fillRef>
-      <a:effectRef idx="2">
+      <a:effectRef idx="0">
         <a:scrgbClr r="0" g="0" b="0"/>
       </a:effectRef>
       <a:fontRef idx="minor">
@@ -11073,10 +9990,10 @@
     <dgm:sp3d/>
     <dgm:txPr/>
     <dgm:style>
-      <a:lnRef idx="0">
+      <a:lnRef idx="2">
         <a:scrgbClr r="0" g="0" b="0"/>
       </a:lnRef>
-      <a:fillRef idx="3">
+      <a:fillRef idx="1">
         <a:scrgbClr r="0" g="0" b="0"/>
       </a:fillRef>
       <a:effectRef idx="0">
@@ -11095,13 +10012,13 @@
     <dgm:sp3d/>
     <dgm:txPr/>
     <dgm:style>
-      <a:lnRef idx="1">
+      <a:lnRef idx="2">
         <a:scrgbClr r="0" g="0" b="0"/>
       </a:lnRef>
-      <a:fillRef idx="3">
+      <a:fillRef idx="1">
         <a:scrgbClr r="0" g="0" b="0"/>
       </a:fillRef>
-      <a:effectRef idx="2">
+      <a:effectRef idx="0">
         <a:scrgbClr r="0" g="0" b="0"/>
       </a:effectRef>
       <a:fontRef idx="minor">
@@ -11117,13 +10034,13 @@
     <dgm:sp3d/>
     <dgm:txPr/>
     <dgm:style>
-      <a:lnRef idx="0">
+      <a:lnRef idx="2">
         <a:scrgbClr r="0" g="0" b="0"/>
       </a:lnRef>
-      <a:fillRef idx="3">
+      <a:fillRef idx="1">
         <a:scrgbClr r="0" g="0" b="0"/>
       </a:fillRef>
-      <a:effectRef idx="2">
+      <a:effectRef idx="0">
         <a:scrgbClr r="0" g="0" b="0"/>
       </a:effectRef>
       <a:fontRef idx="minor">
@@ -11139,13 +10056,13 @@
     <dgm:sp3d/>
     <dgm:txPr/>
     <dgm:style>
-      <a:lnRef idx="0">
+      <a:lnRef idx="2">
         <a:scrgbClr r="0" g="0" b="0"/>
       </a:lnRef>
-      <a:fillRef idx="3">
+      <a:fillRef idx="1">
         <a:scrgbClr r="0" g="0" b="0"/>
       </a:fillRef>
-      <a:effectRef idx="2">
+      <a:effectRef idx="0">
         <a:scrgbClr r="0" g="0" b="0"/>
       </a:effectRef>
       <a:fontRef idx="minor">
@@ -11161,13 +10078,13 @@
     <dgm:sp3d/>
     <dgm:txPr/>
     <dgm:style>
-      <a:lnRef idx="0">
+      <a:lnRef idx="2">
         <a:scrgbClr r="0" g="0" b="0"/>
       </a:lnRef>
-      <a:fillRef idx="3">
+      <a:fillRef idx="1">
         <a:scrgbClr r="0" g="0" b="0"/>
       </a:fillRef>
-      <a:effectRef idx="2">
+      <a:effectRef idx="0">
         <a:scrgbClr r="0" g="0" b="0"/>
       </a:effectRef>
       <a:fontRef idx="minor">
@@ -11183,13 +10100,13 @@
     <dgm:sp3d/>
     <dgm:txPr/>
     <dgm:style>
-      <a:lnRef idx="0">
+      <a:lnRef idx="2">
         <a:scrgbClr r="0" g="0" b="0"/>
       </a:lnRef>
-      <a:fillRef idx="3">
+      <a:fillRef idx="1">
         <a:scrgbClr r="0" g="0" b="0"/>
       </a:fillRef>
-      <a:effectRef idx="2">
+      <a:effectRef idx="0">
         <a:scrgbClr r="0" g="0" b="0"/>
       </a:effectRef>
       <a:fontRef idx="minor">
@@ -11205,13 +10122,13 @@
     <dgm:sp3d/>
     <dgm:txPr/>
     <dgm:style>
-      <a:lnRef idx="0">
+      <a:lnRef idx="2">
         <a:scrgbClr r="0" g="0" b="0"/>
       </a:lnRef>
       <a:fillRef idx="1">
         <a:scrgbClr r="0" g="0" b="0"/>
       </a:fillRef>
-      <a:effectRef idx="2">
+      <a:effectRef idx="0">
         <a:scrgbClr r="0" g="0" b="0"/>
       </a:effectRef>
       <a:fontRef idx="minor"/>
@@ -11225,13 +10142,13 @@
     <dgm:sp3d/>
     <dgm:txPr/>
     <dgm:style>
-      <a:lnRef idx="0">
+      <a:lnRef idx="2">
         <a:scrgbClr r="0" g="0" b="0"/>
       </a:lnRef>
       <a:fillRef idx="1">
         <a:scrgbClr r="0" g="0" b="0"/>
       </a:fillRef>
-      <a:effectRef idx="2">
+      <a:effectRef idx="0">
         <a:scrgbClr r="0" g="0" b="0"/>
       </a:effectRef>
       <a:fontRef idx="minor"/>
@@ -11245,13 +10162,13 @@
     <dgm:sp3d/>
     <dgm:txPr/>
     <dgm:style>
-      <a:lnRef idx="0">
+      <a:lnRef idx="2">
         <a:scrgbClr r="0" g="0" b="0"/>
       </a:lnRef>
       <a:fillRef idx="1">
         <a:scrgbClr r="0" g="0" b="0"/>
       </a:fillRef>
-      <a:effectRef idx="2">
+      <a:effectRef idx="0">
         <a:scrgbClr r="0" g="0" b="0"/>
       </a:effectRef>
       <a:fontRef idx="minor"/>
@@ -11268,10 +10185,10 @@
       <a:lnRef idx="0">
         <a:scrgbClr r="0" g="0" b="0"/>
       </a:lnRef>
-      <a:fillRef idx="3">
+      <a:fillRef idx="1">
         <a:scrgbClr r="0" g="0" b="0"/>
       </a:fillRef>
-      <a:effectRef idx="2">
+      <a:effectRef idx="0">
         <a:scrgbClr r="0" g="0" b="0"/>
       </a:effectRef>
       <a:fontRef idx="minor">
@@ -11290,10 +10207,10 @@
       <a:lnRef idx="0">
         <a:scrgbClr r="0" g="0" b="0"/>
       </a:lnRef>
-      <a:fillRef idx="3">
+      <a:fillRef idx="1">
         <a:scrgbClr r="0" g="0" b="0"/>
       </a:fillRef>
-      <a:effectRef idx="2">
+      <a:effectRef idx="0">
         <a:scrgbClr r="0" g="0" b="0"/>
       </a:effectRef>
       <a:fontRef idx="minor">
@@ -11312,10 +10229,10 @@
       <a:lnRef idx="0">
         <a:scrgbClr r="0" g="0" b="0"/>
       </a:lnRef>
-      <a:fillRef idx="3">
+      <a:fillRef idx="1">
         <a:scrgbClr r="0" g="0" b="0"/>
       </a:fillRef>
-      <a:effectRef idx="2">
+      <a:effectRef idx="0">
         <a:scrgbClr r="0" g="0" b="0"/>
       </a:effectRef>
       <a:fontRef idx="minor">
@@ -11357,7 +10274,7 @@
       <a:fillRef idx="1">
         <a:scrgbClr r="0" g="0" b="0"/>
       </a:fillRef>
-      <a:effectRef idx="1">
+      <a:effectRef idx="0">
         <a:scrgbClr r="0" g="0" b="0"/>
       </a:effectRef>
       <a:fontRef idx="minor"/>
@@ -11371,13 +10288,13 @@
     <dgm:sp3d/>
     <dgm:txPr/>
     <dgm:style>
-      <a:lnRef idx="0">
+      <a:lnRef idx="2">
         <a:scrgbClr r="0" g="0" b="0"/>
       </a:lnRef>
-      <a:fillRef idx="3">
+      <a:fillRef idx="1">
         <a:scrgbClr r="0" g="0" b="0"/>
       </a:fillRef>
-      <a:effectRef idx="2">
+      <a:effectRef idx="0">
         <a:scrgbClr r="0" g="0" b="0"/>
       </a:effectRef>
       <a:fontRef idx="minor">
@@ -11393,13 +10310,13 @@
     <dgm:sp3d/>
     <dgm:txPr/>
     <dgm:style>
-      <a:lnRef idx="0">
+      <a:lnRef idx="2">
         <a:scrgbClr r="0" g="0" b="0"/>
       </a:lnRef>
-      <a:fillRef idx="3">
+      <a:fillRef idx="1">
         <a:scrgbClr r="0" g="0" b="0"/>
       </a:fillRef>
-      <a:effectRef idx="2">
+      <a:effectRef idx="0">
         <a:scrgbClr r="0" g="0" b="0"/>
       </a:effectRef>
       <a:fontRef idx="minor">
@@ -11415,13 +10332,13 @@
     <dgm:sp3d/>
     <dgm:txPr/>
     <dgm:style>
-      <a:lnRef idx="0">
+      <a:lnRef idx="2">
         <a:scrgbClr r="0" g="0" b="0"/>
       </a:lnRef>
-      <a:fillRef idx="3">
+      <a:fillRef idx="1">
         <a:scrgbClr r="0" g="0" b="0"/>
       </a:fillRef>
-      <a:effectRef idx="2">
+      <a:effectRef idx="0">
         <a:scrgbClr r="0" g="0" b="0"/>
       </a:effectRef>
       <a:fontRef idx="minor">
@@ -11437,13 +10354,13 @@
     <dgm:sp3d/>
     <dgm:txPr/>
     <dgm:style>
-      <a:lnRef idx="0">
+      <a:lnRef idx="2">
         <a:scrgbClr r="0" g="0" b="0"/>
       </a:lnRef>
-      <a:fillRef idx="3">
+      <a:fillRef idx="1">
         <a:scrgbClr r="0" g="0" b="0"/>
       </a:fillRef>
-      <a:effectRef idx="2">
+      <a:effectRef idx="0">
         <a:scrgbClr r="0" g="0" b="0"/>
       </a:effectRef>
       <a:fontRef idx="minor">
@@ -11459,13 +10376,13 @@
     <dgm:sp3d/>
     <dgm:txPr/>
     <dgm:style>
-      <a:lnRef idx="0">
+      <a:lnRef idx="2">
         <a:scrgbClr r="0" g="0" b="0"/>
       </a:lnRef>
-      <a:fillRef idx="3">
+      <a:fillRef idx="1">
         <a:scrgbClr r="0" g="0" b="0"/>
       </a:fillRef>
-      <a:effectRef idx="2">
+      <a:effectRef idx="0">
         <a:scrgbClr r="0" g="0" b="0"/>
       </a:effectRef>
       <a:fontRef idx="minor">
@@ -11481,13 +10398,13 @@
     <dgm:sp3d/>
     <dgm:txPr/>
     <dgm:style>
-      <a:lnRef idx="0">
+      <a:lnRef idx="2">
         <a:scrgbClr r="0" g="0" b="0"/>
       </a:lnRef>
-      <a:fillRef idx="3">
+      <a:fillRef idx="1">
         <a:scrgbClr r="0" g="0" b="0"/>
       </a:fillRef>
-      <a:effectRef idx="2">
+      <a:effectRef idx="0">
         <a:scrgbClr r="0" g="0" b="0"/>
       </a:effectRef>
       <a:fontRef idx="minor">
@@ -11503,13 +10420,13 @@
     <dgm:sp3d/>
     <dgm:txPr/>
     <dgm:style>
-      <a:lnRef idx="0">
+      <a:lnRef idx="2">
         <a:scrgbClr r="0" g="0" b="0"/>
       </a:lnRef>
-      <a:fillRef idx="3">
+      <a:fillRef idx="1">
         <a:scrgbClr r="0" g="0" b="0"/>
       </a:fillRef>
-      <a:effectRef idx="2">
+      <a:effectRef idx="0">
         <a:scrgbClr r="0" g="0" b="0"/>
       </a:effectRef>
       <a:fontRef idx="minor">
@@ -11525,13 +10442,13 @@
     <dgm:sp3d/>
     <dgm:txPr/>
     <dgm:style>
-      <a:lnRef idx="1">
+      <a:lnRef idx="2">
         <a:scrgbClr r="0" g="0" b="0"/>
       </a:lnRef>
-      <a:fillRef idx="3">
+      <a:fillRef idx="1">
         <a:scrgbClr r="0" g="0" b="0"/>
       </a:fillRef>
-      <a:effectRef idx="2">
+      <a:effectRef idx="0">
         <a:scrgbClr r="0" g="0" b="0"/>
       </a:effectRef>
       <a:fontRef idx="minor">
@@ -11547,13 +10464,13 @@
     <dgm:sp3d/>
     <dgm:txPr/>
     <dgm:style>
-      <a:lnRef idx="1">
+      <a:lnRef idx="2">
         <a:scrgbClr r="0" g="0" b="0"/>
       </a:lnRef>
-      <a:fillRef idx="3">
+      <a:fillRef idx="1">
         <a:scrgbClr r="0" g="0" b="0"/>
       </a:fillRef>
-      <a:effectRef idx="2">
+      <a:effectRef idx="0">
         <a:scrgbClr r="0" g="0" b="0"/>
       </a:effectRef>
       <a:fontRef idx="minor">
@@ -11569,7 +10486,7 @@
     <dgm:sp3d/>
     <dgm:txPr/>
     <dgm:style>
-      <a:lnRef idx="1">
+      <a:lnRef idx="2">
         <a:scrgbClr r="0" g="0" b="0"/>
       </a:lnRef>
       <a:fillRef idx="0">
@@ -11589,7 +10506,7 @@
     <dgm:sp3d/>
     <dgm:txPr/>
     <dgm:style>
-      <a:lnRef idx="1">
+      <a:lnRef idx="2">
         <a:scrgbClr r="0" g="0" b="0"/>
       </a:lnRef>
       <a:fillRef idx="0">
@@ -11609,7 +10526,7 @@
     <dgm:sp3d/>
     <dgm:txPr/>
     <dgm:style>
-      <a:lnRef idx="1">
+      <a:lnRef idx="2">
         <a:scrgbClr r="0" g="0" b="0"/>
       </a:lnRef>
       <a:fillRef idx="0">
@@ -11629,7 +10546,7 @@
     <dgm:sp3d/>
     <dgm:txPr/>
     <dgm:style>
-      <a:lnRef idx="1">
+      <a:lnRef idx="2">
         <a:scrgbClr r="0" g="0" b="0"/>
       </a:lnRef>
       <a:fillRef idx="0">
@@ -11649,7 +10566,7 @@
     <dgm:sp3d/>
     <dgm:txPr/>
     <dgm:style>
-      <a:lnRef idx="1">
+      <a:lnRef idx="2">
         <a:scrgbClr r="0" g="0" b="0"/>
       </a:lnRef>
       <a:fillRef idx="1">
@@ -11669,7 +10586,7 @@
     <dgm:sp3d/>
     <dgm:txPr/>
     <dgm:style>
-      <a:lnRef idx="1">
+      <a:lnRef idx="2">
         <a:scrgbClr r="0" g="0" b="0"/>
       </a:lnRef>
       <a:fillRef idx="1">
@@ -11689,7 +10606,7 @@
     <dgm:sp3d/>
     <dgm:txPr/>
     <dgm:style>
-      <a:lnRef idx="1">
+      <a:lnRef idx="2">
         <a:scrgbClr r="0" g="0" b="0"/>
       </a:lnRef>
       <a:fillRef idx="1">
@@ -11729,7 +10646,7 @@
     <dgm:sp3d/>
     <dgm:txPr/>
     <dgm:style>
-      <a:lnRef idx="1">
+      <a:lnRef idx="2">
         <a:scrgbClr r="0" g="0" b="0"/>
       </a:lnRef>
       <a:fillRef idx="1">
@@ -11749,7 +10666,7 @@
     <dgm:sp3d/>
     <dgm:txPr/>
     <dgm:style>
-      <a:lnRef idx="1">
+      <a:lnRef idx="2">
         <a:scrgbClr r="0" g="0" b="0"/>
       </a:lnRef>
       <a:fillRef idx="1">
@@ -11769,7 +10686,7 @@
     <dgm:sp3d/>
     <dgm:txPr/>
     <dgm:style>
-      <a:lnRef idx="1">
+      <a:lnRef idx="2">
         <a:scrgbClr r="0" g="0" b="0"/>
       </a:lnRef>
       <a:fillRef idx="1">
@@ -11789,7 +10706,7 @@
     <dgm:sp3d/>
     <dgm:txPr/>
     <dgm:style>
-      <a:lnRef idx="1">
+      <a:lnRef idx="2">
         <a:scrgbClr r="0" g="0" b="0"/>
       </a:lnRef>
       <a:fillRef idx="1">
@@ -11809,7 +10726,7 @@
     <dgm:sp3d/>
     <dgm:txPr/>
     <dgm:style>
-      <a:lnRef idx="1">
+      <a:lnRef idx="2">
         <a:scrgbClr r="0" g="0" b="0"/>
       </a:lnRef>
       <a:fillRef idx="1">
@@ -11829,7 +10746,7 @@
     <dgm:sp3d/>
     <dgm:txPr/>
     <dgm:style>
-      <a:lnRef idx="1">
+      <a:lnRef idx="2">
         <a:scrgbClr r="0" g="0" b="0"/>
       </a:lnRef>
       <a:fillRef idx="1">
@@ -11849,7 +10766,7 @@
     <dgm:sp3d/>
     <dgm:txPr/>
     <dgm:style>
-      <a:lnRef idx="1">
+      <a:lnRef idx="2">
         <a:scrgbClr r="0" g="0" b="0"/>
       </a:lnRef>
       <a:fillRef idx="1">
@@ -11869,7 +10786,7 @@
     <dgm:sp3d/>
     <dgm:txPr/>
     <dgm:style>
-      <a:lnRef idx="1">
+      <a:lnRef idx="2">
         <a:scrgbClr r="0" g="0" b="0"/>
       </a:lnRef>
       <a:fillRef idx="1">
@@ -11889,7 +10806,7 @@
     <dgm:sp3d/>
     <dgm:txPr/>
     <dgm:style>
-      <a:lnRef idx="1">
+      <a:lnRef idx="2">
         <a:scrgbClr r="0" g="0" b="0"/>
       </a:lnRef>
       <a:fillRef idx="1">
@@ -11909,7 +10826,7 @@
     <dgm:sp3d/>
     <dgm:txPr/>
     <dgm:style>
-      <a:lnRef idx="1">
+      <a:lnRef idx="2">
         <a:scrgbClr r="0" g="0" b="0"/>
       </a:lnRef>
       <a:fillRef idx="1">
@@ -11929,7 +10846,7 @@
     <dgm:sp3d/>
     <dgm:txPr/>
     <dgm:style>
-      <a:lnRef idx="1">
+      <a:lnRef idx="2">
         <a:scrgbClr r="0" g="0" b="0"/>
       </a:lnRef>
       <a:fillRef idx="1">
@@ -11955,7 +10872,7 @@
       <a:fillRef idx="1">
         <a:scrgbClr r="0" g="0" b="0"/>
       </a:fillRef>
-      <a:effectRef idx="2">
+      <a:effectRef idx="0">
         <a:scrgbClr r="0" g="0" b="0"/>
       </a:effectRef>
       <a:fontRef idx="minor"/>
@@ -11975,7 +10892,7 @@
       <a:fillRef idx="1">
         <a:scrgbClr r="0" g="0" b="0"/>
       </a:fillRef>
-      <a:effectRef idx="2">
+      <a:effectRef idx="0">
         <a:scrgbClr r="0" g="0" b="0"/>
       </a:effectRef>
       <a:fontRef idx="minor"/>
@@ -12009,13 +10926,13 @@
     <dgm:sp3d/>
     <dgm:txPr/>
     <dgm:style>
-      <a:lnRef idx="0">
+      <a:lnRef idx="2">
         <a:scrgbClr r="0" g="0" b="0"/>
       </a:lnRef>
-      <a:fillRef idx="3">
+      <a:fillRef idx="1">
         <a:scrgbClr r="0" g="0" b="0"/>
       </a:fillRef>
-      <a:effectRef idx="2">
+      <a:effectRef idx="0">
         <a:scrgbClr r="0" g="0" b="0"/>
       </a:effectRef>
       <a:fontRef idx="minor"/>
@@ -12138,7 +11055,7 @@
           <a:p>
             <a:fld id="{AF869721-F543-4A6C-BF9D-65D7CC540427}" type="datetimeFigureOut">
               <a:rPr lang="en-US" smtClean="0"/>
-              <a:t>7/6/2021</a:t>
+              <a:t>7/7/2021</a:t>
             </a:fld>
             <a:endParaRPr lang="en-US" dirty="0"/>
           </a:p>
@@ -12315,7 +11232,7 @@
           <a:p>
             <a:fld id="{C732326A-4C88-4AFB-AA5B-5919D81DFF5B}" type="datetimeFigureOut">
               <a:rPr lang="en-US" smtClean="0"/>
-              <a:t>7/6/2021</a:t>
+              <a:t>7/7/2021</a:t>
             </a:fld>
             <a:endParaRPr lang="en-US" dirty="0"/>
           </a:p>
@@ -12666,6 +11583,378 @@
 </p:notes>
 </file>
 
+<file path=ppt/notesSlides/notesSlide10.xml><?xml version="1.0" encoding="utf-8"?>
+<p:notes xmlns:a="http://schemas.openxmlformats.org/drawingml/2006/main" xmlns:r="http://schemas.openxmlformats.org/officeDocument/2006/relationships" xmlns:p="http://schemas.openxmlformats.org/presentationml/2006/main">
+  <p:cSld>
+    <p:spTree>
+      <p:nvGrpSpPr>
+        <p:cNvPr id="1" name=""/>
+        <p:cNvGrpSpPr/>
+        <p:nvPr/>
+      </p:nvGrpSpPr>
+      <p:grpSpPr>
+        <a:xfrm>
+          <a:off x="0" y="0"/>
+          <a:ext cx="0" cy="0"/>
+          <a:chOff x="0" y="0"/>
+          <a:chExt cx="0" cy="0"/>
+        </a:xfrm>
+      </p:grpSpPr>
+      <p:sp>
+        <p:nvSpPr>
+          <p:cNvPr id="2" name="Slide Image Placeholder 1"/>
+          <p:cNvSpPr>
+            <a:spLocks noGrp="1" noRot="1" noChangeAspect="1"/>
+          </p:cNvSpPr>
+          <p:nvPr>
+            <p:ph type="sldImg"/>
+          </p:nvPr>
+        </p:nvSpPr>
+        <p:spPr/>
+      </p:sp>
+      <p:sp>
+        <p:nvSpPr>
+          <p:cNvPr id="3" name="Notes Placeholder 2"/>
+          <p:cNvSpPr>
+            <a:spLocks noGrp="1"/>
+          </p:cNvSpPr>
+          <p:nvPr>
+            <p:ph type="body" idx="1"/>
+          </p:nvPr>
+        </p:nvSpPr>
+        <p:spPr/>
+        <p:txBody>
+          <a:bodyPr/>
+          <a:lstStyle/>
+          <a:p>
+            <a:r>
+              <a:rPr lang="en-US" dirty="0" err="1">
+                <a:hlinkClick r:id="rId3"/>
+              </a:rPr>
+              <a:t>find_me_model.drawio</a:t>
+            </a:r>
+            <a:r>
+              <a:rPr lang="en-US" dirty="0">
+                <a:hlinkClick r:id="rId3"/>
+              </a:rPr>
+              <a:t> - diagrams.net</a:t>
+            </a:r>
+            <a:endParaRPr lang="en-US" dirty="0"/>
+          </a:p>
+        </p:txBody>
+      </p:sp>
+      <p:sp>
+        <p:nvSpPr>
+          <p:cNvPr id="4" name="Slide Number Placeholder 3"/>
+          <p:cNvSpPr>
+            <a:spLocks noGrp="1"/>
+          </p:cNvSpPr>
+          <p:nvPr>
+            <p:ph type="sldNum" sz="quarter" idx="5"/>
+          </p:nvPr>
+        </p:nvSpPr>
+        <p:spPr/>
+        <p:txBody>
+          <a:bodyPr/>
+          <a:lstStyle/>
+          <a:p>
+            <a:fld id="{C6B3AB32-59DF-41F1-9618-EDFBF5049629}" type="slidenum">
+              <a:rPr lang="en-US" smtClean="0"/>
+              <a:t>17</a:t>
+            </a:fld>
+            <a:endParaRPr lang="en-US" dirty="0"/>
+          </a:p>
+        </p:txBody>
+      </p:sp>
+    </p:spTree>
+    <p:extLst>
+      <p:ext uri="{BB962C8B-B14F-4D97-AF65-F5344CB8AC3E}">
+        <p14:creationId xmlns:p14="http://schemas.microsoft.com/office/powerpoint/2010/main" val="2846963512"/>
+      </p:ext>
+    </p:extLst>
+  </p:cSld>
+  <p:clrMapOvr>
+    <a:masterClrMapping/>
+  </p:clrMapOvr>
+</p:notes>
+</file>
+
+<file path=ppt/notesSlides/notesSlide11.xml><?xml version="1.0" encoding="utf-8"?>
+<p:notes xmlns:a="http://schemas.openxmlformats.org/drawingml/2006/main" xmlns:r="http://schemas.openxmlformats.org/officeDocument/2006/relationships" xmlns:p="http://schemas.openxmlformats.org/presentationml/2006/main">
+  <p:cSld>
+    <p:spTree>
+      <p:nvGrpSpPr>
+        <p:cNvPr id="1" name=""/>
+        <p:cNvGrpSpPr/>
+        <p:nvPr/>
+      </p:nvGrpSpPr>
+      <p:grpSpPr>
+        <a:xfrm>
+          <a:off x="0" y="0"/>
+          <a:ext cx="0" cy="0"/>
+          <a:chOff x="0" y="0"/>
+          <a:chExt cx="0" cy="0"/>
+        </a:xfrm>
+      </p:grpSpPr>
+      <p:sp>
+        <p:nvSpPr>
+          <p:cNvPr id="2" name="Slide Image Placeholder 1"/>
+          <p:cNvSpPr>
+            <a:spLocks noGrp="1" noRot="1" noChangeAspect="1"/>
+          </p:cNvSpPr>
+          <p:nvPr>
+            <p:ph type="sldImg"/>
+          </p:nvPr>
+        </p:nvSpPr>
+        <p:spPr/>
+      </p:sp>
+      <p:sp>
+        <p:nvSpPr>
+          <p:cNvPr id="3" name="Notes Placeholder 2"/>
+          <p:cNvSpPr>
+            <a:spLocks noGrp="1"/>
+          </p:cNvSpPr>
+          <p:nvPr>
+            <p:ph type="body" idx="1"/>
+          </p:nvPr>
+        </p:nvSpPr>
+        <p:spPr/>
+        <p:txBody>
+          <a:bodyPr/>
+          <a:lstStyle/>
+          <a:p>
+            <a:r>
+              <a:rPr lang="en-US" dirty="0" err="1">
+                <a:hlinkClick r:id="rId3"/>
+              </a:rPr>
+              <a:t>find_me_model.drawio</a:t>
+            </a:r>
+            <a:r>
+              <a:rPr lang="en-US" dirty="0">
+                <a:hlinkClick r:id="rId3"/>
+              </a:rPr>
+              <a:t> - diagrams.net</a:t>
+            </a:r>
+            <a:endParaRPr lang="en-US" dirty="0"/>
+          </a:p>
+        </p:txBody>
+      </p:sp>
+      <p:sp>
+        <p:nvSpPr>
+          <p:cNvPr id="4" name="Slide Number Placeholder 3"/>
+          <p:cNvSpPr>
+            <a:spLocks noGrp="1"/>
+          </p:cNvSpPr>
+          <p:nvPr>
+            <p:ph type="sldNum" sz="quarter" idx="5"/>
+          </p:nvPr>
+        </p:nvSpPr>
+        <p:spPr/>
+        <p:txBody>
+          <a:bodyPr/>
+          <a:lstStyle/>
+          <a:p>
+            <a:fld id="{C6B3AB32-59DF-41F1-9618-EDFBF5049629}" type="slidenum">
+              <a:rPr lang="en-US" smtClean="0"/>
+              <a:t>18</a:t>
+            </a:fld>
+            <a:endParaRPr lang="en-US" dirty="0"/>
+          </a:p>
+        </p:txBody>
+      </p:sp>
+    </p:spTree>
+    <p:extLst>
+      <p:ext uri="{BB962C8B-B14F-4D97-AF65-F5344CB8AC3E}">
+        <p14:creationId xmlns:p14="http://schemas.microsoft.com/office/powerpoint/2010/main" val="3858770450"/>
+      </p:ext>
+    </p:extLst>
+  </p:cSld>
+  <p:clrMapOvr>
+    <a:masterClrMapping/>
+  </p:clrMapOvr>
+</p:notes>
+</file>
+
+<file path=ppt/notesSlides/notesSlide12.xml><?xml version="1.0" encoding="utf-8"?>
+<p:notes xmlns:a="http://schemas.openxmlformats.org/drawingml/2006/main" xmlns:r="http://schemas.openxmlformats.org/officeDocument/2006/relationships" xmlns:p="http://schemas.openxmlformats.org/presentationml/2006/main">
+  <p:cSld>
+    <p:spTree>
+      <p:nvGrpSpPr>
+        <p:cNvPr id="1" name=""/>
+        <p:cNvGrpSpPr/>
+        <p:nvPr/>
+      </p:nvGrpSpPr>
+      <p:grpSpPr>
+        <a:xfrm>
+          <a:off x="0" y="0"/>
+          <a:ext cx="0" cy="0"/>
+          <a:chOff x="0" y="0"/>
+          <a:chExt cx="0" cy="0"/>
+        </a:xfrm>
+      </p:grpSpPr>
+      <p:sp>
+        <p:nvSpPr>
+          <p:cNvPr id="2" name="Slide Image Placeholder 1"/>
+          <p:cNvSpPr>
+            <a:spLocks noGrp="1" noRot="1" noChangeAspect="1"/>
+          </p:cNvSpPr>
+          <p:nvPr>
+            <p:ph type="sldImg"/>
+          </p:nvPr>
+        </p:nvSpPr>
+        <p:spPr/>
+      </p:sp>
+      <p:sp>
+        <p:nvSpPr>
+          <p:cNvPr id="3" name="Notes Placeholder 2"/>
+          <p:cNvSpPr>
+            <a:spLocks noGrp="1"/>
+          </p:cNvSpPr>
+          <p:nvPr>
+            <p:ph type="body" idx="1"/>
+          </p:nvPr>
+        </p:nvSpPr>
+        <p:spPr/>
+        <p:txBody>
+          <a:bodyPr/>
+          <a:lstStyle/>
+          <a:p>
+            <a:r>
+              <a:rPr lang="en-US" dirty="0" err="1">
+                <a:hlinkClick r:id="rId3"/>
+              </a:rPr>
+              <a:t>find_me_model.drawio</a:t>
+            </a:r>
+            <a:r>
+              <a:rPr lang="en-US" dirty="0">
+                <a:hlinkClick r:id="rId3"/>
+              </a:rPr>
+              <a:t> - diagrams.net</a:t>
+            </a:r>
+            <a:endParaRPr lang="en-US" dirty="0"/>
+          </a:p>
+        </p:txBody>
+      </p:sp>
+      <p:sp>
+        <p:nvSpPr>
+          <p:cNvPr id="4" name="Slide Number Placeholder 3"/>
+          <p:cNvSpPr>
+            <a:spLocks noGrp="1"/>
+          </p:cNvSpPr>
+          <p:nvPr>
+            <p:ph type="sldNum" sz="quarter" idx="5"/>
+          </p:nvPr>
+        </p:nvSpPr>
+        <p:spPr/>
+        <p:txBody>
+          <a:bodyPr/>
+          <a:lstStyle/>
+          <a:p>
+            <a:fld id="{C6B3AB32-59DF-41F1-9618-EDFBF5049629}" type="slidenum">
+              <a:rPr lang="en-US" smtClean="0"/>
+              <a:t>19</a:t>
+            </a:fld>
+            <a:endParaRPr lang="en-US" dirty="0"/>
+          </a:p>
+        </p:txBody>
+      </p:sp>
+    </p:spTree>
+    <p:extLst>
+      <p:ext uri="{BB962C8B-B14F-4D97-AF65-F5344CB8AC3E}">
+        <p14:creationId xmlns:p14="http://schemas.microsoft.com/office/powerpoint/2010/main" val="1137574955"/>
+      </p:ext>
+    </p:extLst>
+  </p:cSld>
+  <p:clrMapOvr>
+    <a:masterClrMapping/>
+  </p:clrMapOvr>
+</p:notes>
+</file>
+
+<file path=ppt/notesSlides/notesSlide13.xml><?xml version="1.0" encoding="utf-8"?>
+<p:notes xmlns:a="http://schemas.openxmlformats.org/drawingml/2006/main" xmlns:r="http://schemas.openxmlformats.org/officeDocument/2006/relationships" xmlns:p="http://schemas.openxmlformats.org/presentationml/2006/main">
+  <p:cSld>
+    <p:spTree>
+      <p:nvGrpSpPr>
+        <p:cNvPr id="1" name=""/>
+        <p:cNvGrpSpPr/>
+        <p:nvPr/>
+      </p:nvGrpSpPr>
+      <p:grpSpPr>
+        <a:xfrm>
+          <a:off x="0" y="0"/>
+          <a:ext cx="0" cy="0"/>
+          <a:chOff x="0" y="0"/>
+          <a:chExt cx="0" cy="0"/>
+        </a:xfrm>
+      </p:grpSpPr>
+      <p:sp>
+        <p:nvSpPr>
+          <p:cNvPr id="2" name="Slide Image Placeholder 1"/>
+          <p:cNvSpPr>
+            <a:spLocks noGrp="1" noRot="1" noChangeAspect="1"/>
+          </p:cNvSpPr>
+          <p:nvPr>
+            <p:ph type="sldImg"/>
+          </p:nvPr>
+        </p:nvSpPr>
+        <p:spPr/>
+      </p:sp>
+      <p:sp>
+        <p:nvSpPr>
+          <p:cNvPr id="3" name="Notes Placeholder 2"/>
+          <p:cNvSpPr>
+            <a:spLocks noGrp="1"/>
+          </p:cNvSpPr>
+          <p:nvPr>
+            <p:ph type="body" idx="1"/>
+          </p:nvPr>
+        </p:nvSpPr>
+        <p:spPr/>
+        <p:txBody>
+          <a:bodyPr/>
+          <a:lstStyle/>
+          <a:p>
+            <a:endParaRPr lang="en-US" dirty="0"/>
+          </a:p>
+        </p:txBody>
+      </p:sp>
+      <p:sp>
+        <p:nvSpPr>
+          <p:cNvPr id="4" name="Slide Number Placeholder 3"/>
+          <p:cNvSpPr>
+            <a:spLocks noGrp="1"/>
+          </p:cNvSpPr>
+          <p:nvPr>
+            <p:ph type="sldNum" sz="quarter" idx="5"/>
+          </p:nvPr>
+        </p:nvSpPr>
+        <p:spPr/>
+        <p:txBody>
+          <a:bodyPr/>
+          <a:lstStyle/>
+          <a:p>
+            <a:fld id="{C6B3AB32-59DF-41F1-9618-EDFBF5049629}" type="slidenum">
+              <a:rPr lang="en-US" smtClean="0"/>
+              <a:t>23</a:t>
+            </a:fld>
+            <a:endParaRPr lang="en-US" dirty="0"/>
+          </a:p>
+        </p:txBody>
+      </p:sp>
+    </p:spTree>
+    <p:extLst>
+      <p:ext uri="{BB962C8B-B14F-4D97-AF65-F5344CB8AC3E}">
+        <p14:creationId xmlns:p14="http://schemas.microsoft.com/office/powerpoint/2010/main" val="1046714131"/>
+      </p:ext>
+    </p:extLst>
+  </p:cSld>
+  <p:clrMapOvr>
+    <a:masterClrMapping/>
+  </p:clrMapOvr>
+</p:notes>
+</file>
+
 <file path=ppt/notesSlides/notesSlide2.xml><?xml version="1.0" encoding="utf-8"?>
 <p:notes xmlns:a="http://schemas.openxmlformats.org/drawingml/2006/main" xmlns:r="http://schemas.openxmlformats.org/officeDocument/2006/relationships" xmlns:p="http://schemas.openxmlformats.org/presentationml/2006/main">
   <p:cSld>
@@ -12815,7 +12104,7 @@
           <a:p>
             <a:fld id="{C6B3AB32-59DF-41F1-9618-EDFBF5049629}" type="slidenum">
               <a:rPr lang="en-US" smtClean="0"/>
-              <a:t>9</a:t>
+              <a:t>8</a:t>
             </a:fld>
             <a:endParaRPr lang="en-US" dirty="0"/>
           </a:p>
@@ -12824,7 +12113,7 @@
     </p:spTree>
     <p:extLst>
       <p:ext uri="{BB962C8B-B14F-4D97-AF65-F5344CB8AC3E}">
-        <p14:creationId xmlns:p14="http://schemas.microsoft.com/office/powerpoint/2010/main" val="2753073606"/>
+        <p14:creationId xmlns:p14="http://schemas.microsoft.com/office/powerpoint/2010/main" val="1485267003"/>
       </p:ext>
     </p:extLst>
   </p:cSld>
@@ -12899,7 +12188,7 @@
           <a:p>
             <a:fld id="{C6B3AB32-59DF-41F1-9618-EDFBF5049629}" type="slidenum">
               <a:rPr lang="en-US" smtClean="0"/>
-              <a:t>13</a:t>
+              <a:t>9</a:t>
             </a:fld>
             <a:endParaRPr lang="en-US" dirty="0"/>
           </a:p>
@@ -12908,7 +12197,7 @@
     </p:spTree>
     <p:extLst>
       <p:ext uri="{BB962C8B-B14F-4D97-AF65-F5344CB8AC3E}">
-        <p14:creationId xmlns:p14="http://schemas.microsoft.com/office/powerpoint/2010/main" val="2827444924"/>
+        <p14:creationId xmlns:p14="http://schemas.microsoft.com/office/powerpoint/2010/main" val="2753073606"/>
       </p:ext>
     </p:extLst>
   </p:cSld>
@@ -12919,6 +12208,294 @@
 </file>
 
 <file path=ppt/notesSlides/notesSlide5.xml><?xml version="1.0" encoding="utf-8"?>
+<p:notes xmlns:a="http://schemas.openxmlformats.org/drawingml/2006/main" xmlns:r="http://schemas.openxmlformats.org/officeDocument/2006/relationships" xmlns:p="http://schemas.openxmlformats.org/presentationml/2006/main">
+  <p:cSld>
+    <p:spTree>
+      <p:nvGrpSpPr>
+        <p:cNvPr id="1" name=""/>
+        <p:cNvGrpSpPr/>
+        <p:nvPr/>
+      </p:nvGrpSpPr>
+      <p:grpSpPr>
+        <a:xfrm>
+          <a:off x="0" y="0"/>
+          <a:ext cx="0" cy="0"/>
+          <a:chOff x="0" y="0"/>
+          <a:chExt cx="0" cy="0"/>
+        </a:xfrm>
+      </p:grpSpPr>
+      <p:sp>
+        <p:nvSpPr>
+          <p:cNvPr id="2" name="Slide Image Placeholder 1"/>
+          <p:cNvSpPr>
+            <a:spLocks noGrp="1" noRot="1" noChangeAspect="1"/>
+          </p:cNvSpPr>
+          <p:nvPr>
+            <p:ph type="sldImg"/>
+          </p:nvPr>
+        </p:nvSpPr>
+        <p:spPr/>
+      </p:sp>
+      <p:sp>
+        <p:nvSpPr>
+          <p:cNvPr id="3" name="Notes Placeholder 2"/>
+          <p:cNvSpPr>
+            <a:spLocks noGrp="1"/>
+          </p:cNvSpPr>
+          <p:nvPr>
+            <p:ph type="body" idx="1"/>
+          </p:nvPr>
+        </p:nvSpPr>
+        <p:spPr/>
+        <p:txBody>
+          <a:bodyPr/>
+          <a:lstStyle/>
+          <a:p>
+            <a:r>
+              <a:rPr lang="en-US" dirty="0" err="1">
+                <a:hlinkClick r:id="rId3"/>
+              </a:rPr>
+              <a:t>find_me_model.drawio</a:t>
+            </a:r>
+            <a:r>
+              <a:rPr lang="en-US" dirty="0">
+                <a:hlinkClick r:id="rId3"/>
+              </a:rPr>
+              <a:t> - diagrams.net</a:t>
+            </a:r>
+            <a:endParaRPr lang="en-US" dirty="0"/>
+          </a:p>
+        </p:txBody>
+      </p:sp>
+      <p:sp>
+        <p:nvSpPr>
+          <p:cNvPr id="4" name="Slide Number Placeholder 3"/>
+          <p:cNvSpPr>
+            <a:spLocks noGrp="1"/>
+          </p:cNvSpPr>
+          <p:nvPr>
+            <p:ph type="sldNum" sz="quarter" idx="5"/>
+          </p:nvPr>
+        </p:nvSpPr>
+        <p:spPr/>
+        <p:txBody>
+          <a:bodyPr/>
+          <a:lstStyle/>
+          <a:p>
+            <a:fld id="{C6B3AB32-59DF-41F1-9618-EDFBF5049629}" type="slidenum">
+              <a:rPr lang="en-US" smtClean="0"/>
+              <a:t>11</a:t>
+            </a:fld>
+            <a:endParaRPr lang="en-US" dirty="0"/>
+          </a:p>
+        </p:txBody>
+      </p:sp>
+    </p:spTree>
+    <p:extLst>
+      <p:ext uri="{BB962C8B-B14F-4D97-AF65-F5344CB8AC3E}">
+        <p14:creationId xmlns:p14="http://schemas.microsoft.com/office/powerpoint/2010/main" val="142340777"/>
+      </p:ext>
+    </p:extLst>
+  </p:cSld>
+  <p:clrMapOvr>
+    <a:masterClrMapping/>
+  </p:clrMapOvr>
+</p:notes>
+</file>
+
+<file path=ppt/notesSlides/notesSlide6.xml><?xml version="1.0" encoding="utf-8"?>
+<p:notes xmlns:a="http://schemas.openxmlformats.org/drawingml/2006/main" xmlns:r="http://schemas.openxmlformats.org/officeDocument/2006/relationships" xmlns:p="http://schemas.openxmlformats.org/presentationml/2006/main">
+  <p:cSld>
+    <p:spTree>
+      <p:nvGrpSpPr>
+        <p:cNvPr id="1" name=""/>
+        <p:cNvGrpSpPr/>
+        <p:nvPr/>
+      </p:nvGrpSpPr>
+      <p:grpSpPr>
+        <a:xfrm>
+          <a:off x="0" y="0"/>
+          <a:ext cx="0" cy="0"/>
+          <a:chOff x="0" y="0"/>
+          <a:chExt cx="0" cy="0"/>
+        </a:xfrm>
+      </p:grpSpPr>
+      <p:sp>
+        <p:nvSpPr>
+          <p:cNvPr id="2" name="Slide Image Placeholder 1"/>
+          <p:cNvSpPr>
+            <a:spLocks noGrp="1" noRot="1" noChangeAspect="1"/>
+          </p:cNvSpPr>
+          <p:nvPr>
+            <p:ph type="sldImg"/>
+          </p:nvPr>
+        </p:nvSpPr>
+        <p:spPr/>
+      </p:sp>
+      <p:sp>
+        <p:nvSpPr>
+          <p:cNvPr id="3" name="Notes Placeholder 2"/>
+          <p:cNvSpPr>
+            <a:spLocks noGrp="1"/>
+          </p:cNvSpPr>
+          <p:nvPr>
+            <p:ph type="body" idx="1"/>
+          </p:nvPr>
+        </p:nvSpPr>
+        <p:spPr/>
+        <p:txBody>
+          <a:bodyPr/>
+          <a:lstStyle/>
+          <a:p>
+            <a:r>
+              <a:rPr lang="en-US" dirty="0" err="1">
+                <a:hlinkClick r:id="rId3"/>
+              </a:rPr>
+              <a:t>find_me_model.drawio</a:t>
+            </a:r>
+            <a:r>
+              <a:rPr lang="en-US" dirty="0">
+                <a:hlinkClick r:id="rId3"/>
+              </a:rPr>
+              <a:t> - diagrams.net</a:t>
+            </a:r>
+            <a:endParaRPr lang="en-US" dirty="0"/>
+          </a:p>
+        </p:txBody>
+      </p:sp>
+      <p:sp>
+        <p:nvSpPr>
+          <p:cNvPr id="4" name="Slide Number Placeholder 3"/>
+          <p:cNvSpPr>
+            <a:spLocks noGrp="1"/>
+          </p:cNvSpPr>
+          <p:nvPr>
+            <p:ph type="sldNum" sz="quarter" idx="5"/>
+          </p:nvPr>
+        </p:nvSpPr>
+        <p:spPr/>
+        <p:txBody>
+          <a:bodyPr/>
+          <a:lstStyle/>
+          <a:p>
+            <a:fld id="{C6B3AB32-59DF-41F1-9618-EDFBF5049629}" type="slidenum">
+              <a:rPr lang="en-US" smtClean="0"/>
+              <a:t>12</a:t>
+            </a:fld>
+            <a:endParaRPr lang="en-US" dirty="0"/>
+          </a:p>
+        </p:txBody>
+      </p:sp>
+    </p:spTree>
+    <p:extLst>
+      <p:ext uri="{BB962C8B-B14F-4D97-AF65-F5344CB8AC3E}">
+        <p14:creationId xmlns:p14="http://schemas.microsoft.com/office/powerpoint/2010/main" val="4087500746"/>
+      </p:ext>
+    </p:extLst>
+  </p:cSld>
+  <p:clrMapOvr>
+    <a:masterClrMapping/>
+  </p:clrMapOvr>
+</p:notes>
+</file>
+
+<file path=ppt/notesSlides/notesSlide7.xml><?xml version="1.0" encoding="utf-8"?>
+<p:notes xmlns:a="http://schemas.openxmlformats.org/drawingml/2006/main" xmlns:r="http://schemas.openxmlformats.org/officeDocument/2006/relationships" xmlns:p="http://schemas.openxmlformats.org/presentationml/2006/main">
+  <p:cSld>
+    <p:spTree>
+      <p:nvGrpSpPr>
+        <p:cNvPr id="1" name=""/>
+        <p:cNvGrpSpPr/>
+        <p:nvPr/>
+      </p:nvGrpSpPr>
+      <p:grpSpPr>
+        <a:xfrm>
+          <a:off x="0" y="0"/>
+          <a:ext cx="0" cy="0"/>
+          <a:chOff x="0" y="0"/>
+          <a:chExt cx="0" cy="0"/>
+        </a:xfrm>
+      </p:grpSpPr>
+      <p:sp>
+        <p:nvSpPr>
+          <p:cNvPr id="2" name="Slide Image Placeholder 1"/>
+          <p:cNvSpPr>
+            <a:spLocks noGrp="1" noRot="1" noChangeAspect="1"/>
+          </p:cNvSpPr>
+          <p:nvPr>
+            <p:ph type="sldImg"/>
+          </p:nvPr>
+        </p:nvSpPr>
+        <p:spPr/>
+      </p:sp>
+      <p:sp>
+        <p:nvSpPr>
+          <p:cNvPr id="3" name="Notes Placeholder 2"/>
+          <p:cNvSpPr>
+            <a:spLocks noGrp="1"/>
+          </p:cNvSpPr>
+          <p:nvPr>
+            <p:ph type="body" idx="1"/>
+          </p:nvPr>
+        </p:nvSpPr>
+        <p:spPr/>
+        <p:txBody>
+          <a:bodyPr/>
+          <a:lstStyle/>
+          <a:p>
+            <a:r>
+              <a:rPr lang="en-US" dirty="0" err="1">
+                <a:hlinkClick r:id="rId3"/>
+              </a:rPr>
+              <a:t>find_me_model.drawio</a:t>
+            </a:r>
+            <a:r>
+              <a:rPr lang="en-US" dirty="0">
+                <a:hlinkClick r:id="rId3"/>
+              </a:rPr>
+              <a:t> - diagrams.net</a:t>
+            </a:r>
+            <a:endParaRPr lang="en-US" dirty="0"/>
+          </a:p>
+        </p:txBody>
+      </p:sp>
+      <p:sp>
+        <p:nvSpPr>
+          <p:cNvPr id="4" name="Slide Number Placeholder 3"/>
+          <p:cNvSpPr>
+            <a:spLocks noGrp="1"/>
+          </p:cNvSpPr>
+          <p:nvPr>
+            <p:ph type="sldNum" sz="quarter" idx="5"/>
+          </p:nvPr>
+        </p:nvSpPr>
+        <p:spPr/>
+        <p:txBody>
+          <a:bodyPr/>
+          <a:lstStyle/>
+          <a:p>
+            <a:fld id="{C6B3AB32-59DF-41F1-9618-EDFBF5049629}" type="slidenum">
+              <a:rPr lang="en-US" smtClean="0"/>
+              <a:t>13</a:t>
+            </a:fld>
+            <a:endParaRPr lang="en-US" dirty="0"/>
+          </a:p>
+        </p:txBody>
+      </p:sp>
+    </p:spTree>
+    <p:extLst>
+      <p:ext uri="{BB962C8B-B14F-4D97-AF65-F5344CB8AC3E}">
+        <p14:creationId xmlns:p14="http://schemas.microsoft.com/office/powerpoint/2010/main" val="2459016940"/>
+      </p:ext>
+    </p:extLst>
+  </p:cSld>
+  <p:clrMapOvr>
+    <a:masterClrMapping/>
+  </p:clrMapOvr>
+</p:notes>
+</file>
+
+<file path=ppt/notesSlides/notesSlide8.xml><?xml version="1.0" encoding="utf-8"?>
 <p:notes xmlns:a="http://schemas.openxmlformats.org/drawingml/2006/main" xmlns:r="http://schemas.openxmlformats.org/officeDocument/2006/relationships" xmlns:p="http://schemas.openxmlformats.org/presentationml/2006/main">
   <p:cSld>
     <p:spTree>
@@ -12983,7 +12560,7 @@
           <a:p>
             <a:fld id="{C6B3AB32-59DF-41F1-9618-EDFBF5049629}" type="slidenum">
               <a:rPr lang="en-US" smtClean="0"/>
-              <a:t>21</a:t>
+              <a:t>15</a:t>
             </a:fld>
             <a:endParaRPr lang="en-US" dirty="0"/>
           </a:p>
@@ -12992,7 +12569,7 @@
     </p:spTree>
     <p:extLst>
       <p:ext uri="{BB962C8B-B14F-4D97-AF65-F5344CB8AC3E}">
-        <p14:creationId xmlns:p14="http://schemas.microsoft.com/office/powerpoint/2010/main" val="1046714131"/>
+        <p14:creationId xmlns:p14="http://schemas.microsoft.com/office/powerpoint/2010/main" val="2827444924"/>
       </p:ext>
     </p:extLst>
   </p:cSld>
@@ -13002,7 +12579,7 @@
 </p:notes>
 </file>
 
-<file path=ppt/notesSlides/notesSlide6.xml><?xml version="1.0" encoding="utf-8"?>
+<file path=ppt/notesSlides/notesSlide9.xml><?xml version="1.0" encoding="utf-8"?>
 <p:notes xmlns:a="http://schemas.openxmlformats.org/drawingml/2006/main" xmlns:r="http://schemas.openxmlformats.org/officeDocument/2006/relationships" xmlns:p="http://schemas.openxmlformats.org/presentationml/2006/main">
   <p:cSld>
     <p:spTree>
@@ -13046,6 +12623,18 @@
           <a:bodyPr/>
           <a:lstStyle/>
           <a:p>
+            <a:r>
+              <a:rPr lang="en-US" dirty="0" err="1">
+                <a:hlinkClick r:id="rId3"/>
+              </a:rPr>
+              <a:t>find_me_model.drawio</a:t>
+            </a:r>
+            <a:r>
+              <a:rPr lang="en-US" dirty="0">
+                <a:hlinkClick r:id="rId3"/>
+              </a:rPr>
+              <a:t> - diagrams.net</a:t>
+            </a:r>
             <a:endParaRPr lang="en-US" dirty="0"/>
           </a:p>
         </p:txBody>
@@ -13067,7 +12656,7 @@
           <a:p>
             <a:fld id="{C6B3AB32-59DF-41F1-9618-EDFBF5049629}" type="slidenum">
               <a:rPr lang="en-US" smtClean="0"/>
-              <a:t>24</a:t>
+              <a:t>16</a:t>
             </a:fld>
             <a:endParaRPr lang="en-US" dirty="0"/>
           </a:p>
@@ -13076,7 +12665,7 @@
     </p:spTree>
     <p:extLst>
       <p:ext uri="{BB962C8B-B14F-4D97-AF65-F5344CB8AC3E}">
-        <p14:creationId xmlns:p14="http://schemas.microsoft.com/office/powerpoint/2010/main" val="3505115597"/>
+        <p14:creationId xmlns:p14="http://schemas.microsoft.com/office/powerpoint/2010/main" val="3686022237"/>
       </p:ext>
     </p:extLst>
   </p:cSld>
@@ -13332,7 +12921,7 @@
             <a:fld id="{B61BEF0D-F0BB-DE4B-95CE-6DB70DBA9567}" type="datetimeFigureOut">
               <a:rPr lang="en-US" smtClean="0"/>
               <a:pPr/>
-              <a:t>7/6/2021</a:t>
+              <a:t>7/7/2021</a:t>
             </a:fld>
             <a:endParaRPr lang="en-US" dirty="0"/>
           </a:p>
@@ -13596,7 +13185,7 @@
             <a:fld id="{B61BEF0D-F0BB-DE4B-95CE-6DB70DBA9567}" type="datetimeFigureOut">
               <a:rPr lang="en-US" smtClean="0"/>
               <a:pPr/>
-              <a:t>7/6/2021</a:t>
+              <a:t>7/7/2021</a:t>
             </a:fld>
             <a:endParaRPr lang="en-US" dirty="0"/>
           </a:p>
@@ -13833,7 +13422,7 @@
             <a:fld id="{B61BEF0D-F0BB-DE4B-95CE-6DB70DBA9567}" type="datetimeFigureOut">
               <a:rPr lang="en-US" smtClean="0"/>
               <a:pPr/>
-              <a:t>7/6/2021</a:t>
+              <a:t>7/7/2021</a:t>
             </a:fld>
             <a:endParaRPr lang="en-US" dirty="0"/>
           </a:p>
@@ -14075,7 +13664,7 @@
             <a:fld id="{B61BEF0D-F0BB-DE4B-95CE-6DB70DBA9567}" type="datetimeFigureOut">
               <a:rPr lang="en-US" smtClean="0"/>
               <a:pPr/>
-              <a:t>7/6/2021</a:t>
+              <a:t>7/7/2021</a:t>
             </a:fld>
             <a:endParaRPr lang="en-US" dirty="0"/>
           </a:p>
@@ -14384,7 +13973,7 @@
             <a:fld id="{B61BEF0D-F0BB-DE4B-95CE-6DB70DBA9567}" type="datetimeFigureOut">
               <a:rPr lang="en-US" smtClean="0"/>
               <a:pPr/>
-              <a:t>7/6/2021</a:t>
+              <a:t>7/7/2021</a:t>
             </a:fld>
             <a:endParaRPr lang="en-US" dirty="0"/>
           </a:p>
@@ -14688,7 +14277,7 @@
             <a:fld id="{B61BEF0D-F0BB-DE4B-95CE-6DB70DBA9567}" type="datetimeFigureOut">
               <a:rPr lang="en-US" smtClean="0"/>
               <a:pPr/>
-              <a:t>7/6/2021</a:t>
+              <a:t>7/7/2021</a:t>
             </a:fld>
             <a:endParaRPr lang="en-US" dirty="0"/>
           </a:p>
@@ -15112,7 +14701,7 @@
             <a:fld id="{B61BEF0D-F0BB-DE4B-95CE-6DB70DBA9567}" type="datetimeFigureOut">
               <a:rPr lang="en-US" smtClean="0"/>
               <a:pPr/>
-              <a:t>7/6/2021</a:t>
+              <a:t>7/7/2021</a:t>
             </a:fld>
             <a:endParaRPr lang="en-US" dirty="0"/>
           </a:p>
@@ -15209,7 +14798,7 @@
             <a:fld id="{B61BEF0D-F0BB-DE4B-95CE-6DB70DBA9567}" type="datetimeFigureOut">
               <a:rPr lang="en-US" smtClean="0"/>
               <a:pPr/>
-              <a:t>7/6/2021</a:t>
+              <a:t>7/7/2021</a:t>
             </a:fld>
             <a:endParaRPr lang="en-US" dirty="0"/>
           </a:p>
@@ -15373,7 +14962,7 @@
             <a:fld id="{B61BEF0D-F0BB-DE4B-95CE-6DB70DBA9567}" type="datetimeFigureOut">
               <a:rPr lang="en-US" smtClean="0"/>
               <a:pPr/>
-              <a:t>7/6/2021</a:t>
+              <a:t>7/7/2021</a:t>
             </a:fld>
             <a:endParaRPr lang="en-US" dirty="0"/>
           </a:p>
@@ -15753,7 +15342,7 @@
             <a:fld id="{B61BEF0D-F0BB-DE4B-95CE-6DB70DBA9567}" type="datetimeFigureOut">
               <a:rPr lang="en-US" smtClean="0"/>
               <a:pPr/>
-              <a:t>7/6/2021</a:t>
+              <a:t>7/7/2021</a:t>
             </a:fld>
             <a:endParaRPr lang="en-US" dirty="0"/>
           </a:p>
@@ -16044,7 +15633,7 @@
             <a:fld id="{B61BEF0D-F0BB-DE4B-95CE-6DB70DBA9567}" type="datetimeFigureOut">
               <a:rPr lang="en-US" smtClean="0"/>
               <a:pPr/>
-              <a:t>7/6/2021</a:t>
+              <a:t>7/7/2021</a:t>
             </a:fld>
             <a:endParaRPr lang="en-US" dirty="0"/>
           </a:p>
@@ -16257,7 +15846,7 @@
             <a:fld id="{B61BEF0D-F0BB-DE4B-95CE-6DB70DBA9567}" type="datetimeFigureOut">
               <a:rPr lang="en-US" smtClean="0"/>
               <a:pPr/>
-              <a:t>7/6/2021</a:t>
+              <a:t>7/7/2021</a:t>
             </a:fld>
             <a:endParaRPr lang="en-US" dirty="0"/>
           </a:p>
@@ -17264,7 +16853,7 @@
         <p:spPr>
           <a:xfrm>
             <a:off x="581194" y="5467246"/>
-            <a:ext cx="10993546" cy="484822"/>
+            <a:ext cx="10993546" cy="764878"/>
           </a:xfrm>
         </p:spPr>
         <p:txBody>
@@ -17279,8 +16868,59 @@
                   <a:srgbClr val="7CEBFF"/>
                 </a:solidFill>
               </a:rPr>
-              <a:t>Team 2</a:t>
+              <a:t>Course: CS 382 - Search Engines and Information Retrieval</a:t>
             </a:r>
+            <a:br>
+              <a:rPr lang="en-US" dirty="0">
+                <a:solidFill>
+                  <a:srgbClr val="7CEBFF"/>
+                </a:solidFill>
+              </a:rPr>
+            </a:br>
+            <a:r>
+              <a:rPr lang="en-US" dirty="0">
+                <a:solidFill>
+                  <a:srgbClr val="7CEBFF"/>
+                </a:solidFill>
+              </a:rPr>
+              <a:t>PROF     : </a:t>
+            </a:r>
+            <a:r>
+              <a:rPr lang="en-US" dirty="0" err="1">
+                <a:solidFill>
+                  <a:srgbClr val="7CEBFF"/>
+                </a:solidFill>
+              </a:rPr>
+              <a:t>Chamroeun</a:t>
+            </a:r>
+            <a:r>
+              <a:rPr lang="en-US" dirty="0">
+                <a:solidFill>
+                  <a:srgbClr val="7CEBFF"/>
+                </a:solidFill>
+              </a:rPr>
+              <a:t> </a:t>
+            </a:r>
+            <a:r>
+              <a:rPr lang="en-US" dirty="0" err="1">
+                <a:solidFill>
+                  <a:srgbClr val="7CEBFF"/>
+                </a:solidFill>
+              </a:rPr>
+              <a:t>Khim</a:t>
+            </a:r>
+            <a:endParaRPr lang="en-US" dirty="0">
+              <a:solidFill>
+                <a:srgbClr val="7CEBFF"/>
+              </a:solidFill>
+            </a:endParaRPr>
+          </a:p>
+          <a:p>
+            <a:endParaRPr lang="en-US" dirty="0">
+              <a:solidFill>
+                <a:srgbClr val="7CEBFF"/>
+              </a:solidFill>
+            </a:endParaRPr>
           </a:p>
         </p:txBody>
       </p:sp>
@@ -17451,10 +17091,10 @@
       </p:sp>
       <p:pic>
         <p:nvPicPr>
-          <p:cNvPr id="3" name="Picture 2">
+          <p:cNvPr id="5" name="Picture 4">
             <a:extLst>
               <a:ext uri="{FF2B5EF4-FFF2-40B4-BE49-F238E27FC236}">
-                <a16:creationId xmlns:a16="http://schemas.microsoft.com/office/drawing/2014/main" id="{7359ECD5-9782-484D-8C11-967EFCC4AAE8}"/>
+                <a16:creationId xmlns:a16="http://schemas.microsoft.com/office/drawing/2014/main" id="{D8AE21A3-9688-4113-BBAC-C3FB1B07B57F}"/>
               </a:ext>
             </a:extLst>
           </p:cNvPr>
@@ -17464,19 +17104,29 @@
           <p:nvPr/>
         </p:nvPicPr>
         <p:blipFill>
-          <a:blip r:embed="rId2"/>
+          <a:blip r:embed="rId3"/>
           <a:stretch>
             <a:fillRect/>
           </a:stretch>
         </p:blipFill>
         <p:spPr>
           <a:xfrm>
-            <a:off x="1377193" y="2517129"/>
-            <a:ext cx="9437614" cy="3406249"/>
+            <a:off x="581192" y="2474459"/>
+            <a:ext cx="10718985" cy="3047451"/>
           </a:xfrm>
           <a:prstGeom prst="rect">
             <a:avLst/>
           </a:prstGeom>
+          <a:ln>
+            <a:noFill/>
+          </a:ln>
+          <a:effectLst>
+            <a:outerShdw blurRad="292100" dist="139700" dir="2700000" algn="tl" rotWithShape="0">
+              <a:srgbClr val="333333">
+                <a:alpha val="65000"/>
+              </a:srgbClr>
+            </a:outerShdw>
+          </a:effectLst>
         </p:spPr>
       </p:pic>
     </p:spTree>
@@ -17505,6 +17155,234 @@
 </file>
 
 <file path=ppt/slides/slide12.xml><?xml version="1.0" encoding="utf-8"?>
+<p:sld xmlns:a="http://schemas.openxmlformats.org/drawingml/2006/main" xmlns:r="http://schemas.openxmlformats.org/officeDocument/2006/relationships" xmlns:p="http://schemas.openxmlformats.org/presentationml/2006/main">
+  <p:cSld>
+    <p:spTree>
+      <p:nvGrpSpPr>
+        <p:cNvPr id="1" name=""/>
+        <p:cNvGrpSpPr/>
+        <p:nvPr/>
+      </p:nvGrpSpPr>
+      <p:grpSpPr>
+        <a:xfrm>
+          <a:off x="0" y="0"/>
+          <a:ext cx="0" cy="0"/>
+          <a:chOff x="0" y="0"/>
+          <a:chExt cx="0" cy="0"/>
+        </a:xfrm>
+      </p:grpSpPr>
+      <p:sp>
+        <p:nvSpPr>
+          <p:cNvPr id="4" name="Title 3">
+            <a:extLst>
+              <a:ext uri="{FF2B5EF4-FFF2-40B4-BE49-F238E27FC236}">
+                <a16:creationId xmlns:a16="http://schemas.microsoft.com/office/drawing/2014/main" id="{DB056804-DCC2-473D-8229-101CED2564CC}"/>
+              </a:ext>
+            </a:extLst>
+          </p:cNvPr>
+          <p:cNvSpPr>
+            <a:spLocks noGrp="1"/>
+          </p:cNvSpPr>
+          <p:nvPr>
+            <p:ph type="title"/>
+          </p:nvPr>
+        </p:nvSpPr>
+        <p:spPr/>
+        <p:txBody>
+          <a:bodyPr/>
+          <a:lstStyle/>
+          <a:p>
+            <a:r>
+              <a:rPr lang="en-US" dirty="0"/>
+              <a:t>Modeling - </a:t>
+            </a:r>
+            <a:r>
+              <a:rPr lang="en-US" dirty="0" err="1"/>
+              <a:t>DOc</a:t>
+            </a:r>
+            <a:r>
+              <a:rPr lang="en-US" dirty="0"/>
+              <a:t> Model</a:t>
+            </a:r>
+          </a:p>
+        </p:txBody>
+      </p:sp>
+      <p:pic>
+        <p:nvPicPr>
+          <p:cNvPr id="6" name="Picture 5">
+            <a:extLst>
+              <a:ext uri="{FF2B5EF4-FFF2-40B4-BE49-F238E27FC236}">
+                <a16:creationId xmlns:a16="http://schemas.microsoft.com/office/drawing/2014/main" id="{357846F5-71F7-44CE-9F42-FBFFE1365B34}"/>
+              </a:ext>
+            </a:extLst>
+          </p:cNvPr>
+          <p:cNvPicPr>
+            <a:picLocks noChangeAspect="1"/>
+          </p:cNvPicPr>
+          <p:nvPr/>
+        </p:nvPicPr>
+        <p:blipFill>
+          <a:blip r:embed="rId3"/>
+          <a:stretch>
+            <a:fillRect/>
+          </a:stretch>
+        </p:blipFill>
+        <p:spPr>
+          <a:xfrm>
+            <a:off x="2475781" y="2065376"/>
+            <a:ext cx="7240438" cy="4304480"/>
+          </a:xfrm>
+          <a:prstGeom prst="rect">
+            <a:avLst/>
+          </a:prstGeom>
+          <a:ln>
+            <a:noFill/>
+          </a:ln>
+          <a:effectLst>
+            <a:outerShdw blurRad="292100" dist="139700" dir="2700000" algn="tl" rotWithShape="0">
+              <a:srgbClr val="333333">
+                <a:alpha val="65000"/>
+              </a:srgbClr>
+            </a:outerShdw>
+          </a:effectLst>
+        </p:spPr>
+      </p:pic>
+    </p:spTree>
+    <p:extLst>
+      <p:ext uri="{BB962C8B-B14F-4D97-AF65-F5344CB8AC3E}">
+        <p14:creationId xmlns:p14="http://schemas.microsoft.com/office/powerpoint/2010/main" val="1259425674"/>
+      </p:ext>
+    </p:extLst>
+  </p:cSld>
+  <p:clrMapOvr>
+    <a:masterClrMapping/>
+  </p:clrMapOvr>
+  <mc:AlternateContent xmlns:mc="http://schemas.openxmlformats.org/markup-compatibility/2006" xmlns:p159="http://schemas.microsoft.com/office/powerpoint/2015/09/main">
+    <mc:Choice Requires="p159">
+      <p:transition xmlns:p14="http://schemas.microsoft.com/office/powerpoint/2010/main" spd="slow" p14:dur="2000">
+        <p159:morph option="byObject"/>
+      </p:transition>
+    </mc:Choice>
+    <mc:Fallback xmlns="">
+      <p:transition spd="slow">
+        <p:fade/>
+      </p:transition>
+    </mc:Fallback>
+  </mc:AlternateContent>
+</p:sld>
+</file>
+
+<file path=ppt/slides/slide13.xml><?xml version="1.0" encoding="utf-8"?>
+<p:sld xmlns:a="http://schemas.openxmlformats.org/drawingml/2006/main" xmlns:r="http://schemas.openxmlformats.org/officeDocument/2006/relationships" xmlns:p="http://schemas.openxmlformats.org/presentationml/2006/main">
+  <p:cSld>
+    <p:spTree>
+      <p:nvGrpSpPr>
+        <p:cNvPr id="1" name=""/>
+        <p:cNvGrpSpPr/>
+        <p:nvPr/>
+      </p:nvGrpSpPr>
+      <p:grpSpPr>
+        <a:xfrm>
+          <a:off x="0" y="0"/>
+          <a:ext cx="0" cy="0"/>
+          <a:chOff x="0" y="0"/>
+          <a:chExt cx="0" cy="0"/>
+        </a:xfrm>
+      </p:grpSpPr>
+      <p:sp>
+        <p:nvSpPr>
+          <p:cNvPr id="4" name="Title 3">
+            <a:extLst>
+              <a:ext uri="{FF2B5EF4-FFF2-40B4-BE49-F238E27FC236}">
+                <a16:creationId xmlns:a16="http://schemas.microsoft.com/office/drawing/2014/main" id="{DB056804-DCC2-473D-8229-101CED2564CC}"/>
+              </a:ext>
+            </a:extLst>
+          </p:cNvPr>
+          <p:cNvSpPr>
+            <a:spLocks noGrp="1"/>
+          </p:cNvSpPr>
+          <p:nvPr>
+            <p:ph type="title"/>
+          </p:nvPr>
+        </p:nvSpPr>
+        <p:spPr/>
+        <p:txBody>
+          <a:bodyPr/>
+          <a:lstStyle/>
+          <a:p>
+            <a:r>
+              <a:rPr lang="en-US" dirty="0"/>
+              <a:t>Modeling - KEYWORD Model</a:t>
+            </a:r>
+          </a:p>
+        </p:txBody>
+      </p:sp>
+      <p:pic>
+        <p:nvPicPr>
+          <p:cNvPr id="3" name="Picture 2">
+            <a:extLst>
+              <a:ext uri="{FF2B5EF4-FFF2-40B4-BE49-F238E27FC236}">
+                <a16:creationId xmlns:a16="http://schemas.microsoft.com/office/drawing/2014/main" id="{196012DD-1213-4413-B073-818D621ABF54}"/>
+              </a:ext>
+            </a:extLst>
+          </p:cNvPr>
+          <p:cNvPicPr>
+            <a:picLocks noChangeAspect="1"/>
+          </p:cNvPicPr>
+          <p:nvPr/>
+        </p:nvPicPr>
+        <p:blipFill>
+          <a:blip r:embed="rId3"/>
+          <a:stretch>
+            <a:fillRect/>
+          </a:stretch>
+        </p:blipFill>
+        <p:spPr>
+          <a:xfrm>
+            <a:off x="3081477" y="2120431"/>
+            <a:ext cx="6029046" cy="4310622"/>
+          </a:xfrm>
+          <a:prstGeom prst="rect">
+            <a:avLst/>
+          </a:prstGeom>
+          <a:ln>
+            <a:noFill/>
+          </a:ln>
+          <a:effectLst>
+            <a:outerShdw blurRad="292100" dist="139700" dir="2700000" algn="tl" rotWithShape="0">
+              <a:srgbClr val="333333">
+                <a:alpha val="65000"/>
+              </a:srgbClr>
+            </a:outerShdw>
+          </a:effectLst>
+        </p:spPr>
+      </p:pic>
+    </p:spTree>
+    <p:extLst>
+      <p:ext uri="{BB962C8B-B14F-4D97-AF65-F5344CB8AC3E}">
+        <p14:creationId xmlns:p14="http://schemas.microsoft.com/office/powerpoint/2010/main" val="2382198020"/>
+      </p:ext>
+    </p:extLst>
+  </p:cSld>
+  <p:clrMapOvr>
+    <a:masterClrMapping/>
+  </p:clrMapOvr>
+  <mc:AlternateContent xmlns:mc="http://schemas.openxmlformats.org/markup-compatibility/2006" xmlns:p159="http://schemas.microsoft.com/office/powerpoint/2015/09/main">
+    <mc:Choice Requires="p159">
+      <p:transition xmlns:p14="http://schemas.microsoft.com/office/powerpoint/2010/main" spd="slow" p14:dur="2000">
+        <p159:morph option="byObject"/>
+      </p:transition>
+    </mc:Choice>
+    <mc:Fallback xmlns="">
+      <p:transition spd="slow">
+        <p:fade/>
+      </p:transition>
+    </mc:Fallback>
+  </mc:AlternateContent>
+</p:sld>
+</file>
+
+<file path=ppt/slides/slide14.xml><?xml version="1.0" encoding="utf-8"?>
 <p:sld xmlns:a="http://schemas.openxmlformats.org/drawingml/2006/main" xmlns:r="http://schemas.openxmlformats.org/officeDocument/2006/relationships" xmlns:p="http://schemas.openxmlformats.org/presentationml/2006/main">
   <p:cSld>
     <p:spTree>
@@ -17618,7 +17496,7 @@
 </p:sld>
 </file>
 
-<file path=ppt/slides/slide13.xml><?xml version="1.0" encoding="utf-8"?>
+<file path=ppt/slides/slide15.xml><?xml version="1.0" encoding="utf-8"?>
 <p:sld xmlns:a="http://schemas.openxmlformats.org/drawingml/2006/main" xmlns:r="http://schemas.openxmlformats.org/officeDocument/2006/relationships" xmlns:p="http://schemas.openxmlformats.org/presentationml/2006/main">
   <p:cSld>
     <p:spTree>
@@ -17714,7 +17592,7 @@
 </p:sld>
 </file>
 
-<file path=ppt/slides/slide14.xml><?xml version="1.0" encoding="utf-8"?>
+<file path=ppt/slides/slide16.xml><?xml version="1.0" encoding="utf-8"?>
 <p:sld xmlns:a="http://schemas.openxmlformats.org/drawingml/2006/main" xmlns:r="http://schemas.openxmlformats.org/officeDocument/2006/relationships" xmlns:p="http://schemas.openxmlformats.org/presentationml/2006/main">
   <p:cSld>
     <p:spTree>
@@ -17774,7 +17652,7 @@
           <p:nvPr/>
         </p:nvPicPr>
         <p:blipFill>
-          <a:blip r:embed="rId2"/>
+          <a:blip r:embed="rId3"/>
           <a:stretch>
             <a:fillRect/>
           </a:stretch>
@@ -17787,6 +17665,16 @@
           <a:prstGeom prst="rect">
             <a:avLst/>
           </a:prstGeom>
+          <a:ln>
+            <a:noFill/>
+          </a:ln>
+          <a:effectLst>
+            <a:outerShdw blurRad="292100" dist="139700" dir="2700000" algn="tl" rotWithShape="0">
+              <a:srgbClr val="333333">
+                <a:alpha val="65000"/>
+              </a:srgbClr>
+            </a:outerShdw>
+          </a:effectLst>
         </p:spPr>
       </p:pic>
     </p:spTree>
@@ -17814,7 +17702,7 @@
 </p:sld>
 </file>
 
-<file path=ppt/slides/slide15.xml><?xml version="1.0" encoding="utf-8"?>
+<file path=ppt/slides/slide17.xml><?xml version="1.0" encoding="utf-8"?>
 <p:sld xmlns:a="http://schemas.openxmlformats.org/drawingml/2006/main" xmlns:r="http://schemas.openxmlformats.org/officeDocument/2006/relationships" xmlns:p="http://schemas.openxmlformats.org/presentationml/2006/main">
   <p:cSld>
     <p:spTree>
@@ -17874,7 +17762,7 @@
           <p:nvPr/>
         </p:nvPicPr>
         <p:blipFill>
-          <a:blip r:embed="rId2"/>
+          <a:blip r:embed="rId3"/>
           <a:stretch>
             <a:fillRect/>
           </a:stretch>
@@ -17887,6 +17775,16 @@
           <a:prstGeom prst="rect">
             <a:avLst/>
           </a:prstGeom>
+          <a:ln>
+            <a:noFill/>
+          </a:ln>
+          <a:effectLst>
+            <a:outerShdw blurRad="292100" dist="139700" dir="2700000" algn="tl" rotWithShape="0">
+              <a:srgbClr val="333333">
+                <a:alpha val="65000"/>
+              </a:srgbClr>
+            </a:outerShdw>
+          </a:effectLst>
         </p:spPr>
       </p:pic>
     </p:spTree>
@@ -17914,7 +17812,7 @@
 </p:sld>
 </file>
 
-<file path=ppt/slides/slide16.xml><?xml version="1.0" encoding="utf-8"?>
+<file path=ppt/slides/slide18.xml><?xml version="1.0" encoding="utf-8"?>
 <p:sld xmlns:a="http://schemas.openxmlformats.org/drawingml/2006/main" xmlns:r="http://schemas.openxmlformats.org/officeDocument/2006/relationships" xmlns:p="http://schemas.openxmlformats.org/presentationml/2006/main">
   <p:cSld>
     <p:spTree>
@@ -17979,7 +17877,7 @@
           <p:nvPr/>
         </p:nvPicPr>
         <p:blipFill>
-          <a:blip r:embed="rId2"/>
+          <a:blip r:embed="rId3"/>
           <a:stretch>
             <a:fillRect/>
           </a:stretch>
@@ -17992,6 +17890,16 @@
           <a:prstGeom prst="rect">
             <a:avLst/>
           </a:prstGeom>
+          <a:ln>
+            <a:noFill/>
+          </a:ln>
+          <a:effectLst>
+            <a:outerShdw blurRad="292100" dist="139700" dir="2700000" algn="tl" rotWithShape="0">
+              <a:srgbClr val="333333">
+                <a:alpha val="65000"/>
+              </a:srgbClr>
+            </a:outerShdw>
+          </a:effectLst>
         </p:spPr>
       </p:pic>
     </p:spTree>
@@ -18019,7 +17927,7 @@
 </p:sld>
 </file>
 
-<file path=ppt/slides/slide17.xml><?xml version="1.0" encoding="utf-8"?>
+<file path=ppt/slides/slide19.xml><?xml version="1.0" encoding="utf-8"?>
 <p:sld xmlns:a="http://schemas.openxmlformats.org/drawingml/2006/main" xmlns:r="http://schemas.openxmlformats.org/officeDocument/2006/relationships" xmlns:p="http://schemas.openxmlformats.org/presentationml/2006/main">
   <p:cSld>
     <p:spTree>
@@ -18064,189 +17972,50 @@
           </a:p>
         </p:txBody>
       </p:sp>
+      <p:pic>
+        <p:nvPicPr>
+          <p:cNvPr id="3" name="Picture 2">
+            <a:extLst>
+              <a:ext uri="{FF2B5EF4-FFF2-40B4-BE49-F238E27FC236}">
+                <a16:creationId xmlns:a16="http://schemas.microsoft.com/office/drawing/2014/main" id="{FCD3CE81-0080-43D6-B4E1-21686BBD2E95}"/>
+              </a:ext>
+            </a:extLst>
+          </p:cNvPr>
+          <p:cNvPicPr>
+            <a:picLocks noChangeAspect="1"/>
+          </p:cNvPicPr>
+          <p:nvPr/>
+        </p:nvPicPr>
+        <p:blipFill>
+          <a:blip r:embed="rId3"/>
+          <a:stretch>
+            <a:fillRect/>
+          </a:stretch>
+        </p:blipFill>
+        <p:spPr>
+          <a:xfrm>
+            <a:off x="5379591" y="1987014"/>
+            <a:ext cx="1432818" cy="4623780"/>
+          </a:xfrm>
+          <a:prstGeom prst="rect">
+            <a:avLst/>
+          </a:prstGeom>
+          <a:ln>
+            <a:noFill/>
+          </a:ln>
+          <a:effectLst>
+            <a:outerShdw blurRad="292100" dist="139700" dir="2700000" algn="tl" rotWithShape="0">
+              <a:srgbClr val="333333">
+                <a:alpha val="65000"/>
+              </a:srgbClr>
+            </a:outerShdw>
+          </a:effectLst>
+        </p:spPr>
+      </p:pic>
     </p:spTree>
     <p:extLst>
       <p:ext uri="{BB962C8B-B14F-4D97-AF65-F5344CB8AC3E}">
         <p14:creationId xmlns:p14="http://schemas.microsoft.com/office/powerpoint/2010/main" val="165380542"/>
-      </p:ext>
-    </p:extLst>
-  </p:cSld>
-  <p:clrMapOvr>
-    <a:masterClrMapping/>
-  </p:clrMapOvr>
-  <mc:AlternateContent xmlns:mc="http://schemas.openxmlformats.org/markup-compatibility/2006">
-    <mc:Choice xmlns:p159="http://schemas.microsoft.com/office/powerpoint/2015/09/main" Requires="p159">
-      <p:transition xmlns:p14="http://schemas.microsoft.com/office/powerpoint/2010/main" spd="slow" p14:dur="2000">
-        <p159:morph option="byObject"/>
-      </p:transition>
-    </mc:Choice>
-    <mc:Fallback>
-      <p:transition spd="slow">
-        <p:fade/>
-      </p:transition>
-    </mc:Fallback>
-  </mc:AlternateContent>
-</p:sld>
-</file>
-
-<file path=ppt/slides/slide18.xml><?xml version="1.0" encoding="utf-8"?>
-<p:sld xmlns:a="http://schemas.openxmlformats.org/drawingml/2006/main" xmlns:r="http://schemas.openxmlformats.org/officeDocument/2006/relationships" xmlns:p="http://schemas.openxmlformats.org/presentationml/2006/main">
-  <p:cSld>
-    <p:bg>
-      <p:bgPr>
-        <a:blipFill dpi="0" rotWithShape="1">
-          <a:blip r:embed="rId2">
-            <a:lum/>
-          </a:blip>
-          <a:srcRect/>
-          <a:stretch>
-            <a:fillRect l="-3000" r="-3000"/>
-          </a:stretch>
-        </a:blipFill>
-        <a:effectLst/>
-      </p:bgPr>
-    </p:bg>
-    <p:spTree>
-      <p:nvGrpSpPr>
-        <p:cNvPr id="1" name=""/>
-        <p:cNvGrpSpPr/>
-        <p:nvPr/>
-      </p:nvGrpSpPr>
-      <p:grpSpPr>
-        <a:xfrm>
-          <a:off x="0" y="0"/>
-          <a:ext cx="0" cy="0"/>
-          <a:chOff x="0" y="0"/>
-          <a:chExt cx="0" cy="0"/>
-        </a:xfrm>
-      </p:grpSpPr>
-      <p:sp>
-        <p:nvSpPr>
-          <p:cNvPr id="22" name="Title 21">
-            <a:extLst>
-              <a:ext uri="{FF2B5EF4-FFF2-40B4-BE49-F238E27FC236}">
-                <a16:creationId xmlns:a16="http://schemas.microsoft.com/office/drawing/2014/main" id="{23F2AC7E-9D11-4C66-87C4-5565EE97C620}"/>
-              </a:ext>
-            </a:extLst>
-          </p:cNvPr>
-          <p:cNvSpPr>
-            <a:spLocks noGrp="1"/>
-          </p:cNvSpPr>
-          <p:nvPr>
-            <p:ph type="title"/>
-          </p:nvPr>
-        </p:nvSpPr>
-        <p:spPr/>
-        <p:txBody>
-          <a:bodyPr/>
-          <a:lstStyle/>
-          <a:p>
-            <a:r>
-              <a:rPr lang="en-US" dirty="0"/>
-              <a:t>Demo</a:t>
-            </a:r>
-          </a:p>
-        </p:txBody>
-      </p:sp>
-    </p:spTree>
-    <p:extLst>
-      <p:ext uri="{BB962C8B-B14F-4D97-AF65-F5344CB8AC3E}">
-        <p14:creationId xmlns:p14="http://schemas.microsoft.com/office/powerpoint/2010/main" val="847009083"/>
-      </p:ext>
-    </p:extLst>
-  </p:cSld>
-  <p:clrMapOvr>
-    <a:masterClrMapping/>
-  </p:clrMapOvr>
-  <mc:AlternateContent xmlns:mc="http://schemas.openxmlformats.org/markup-compatibility/2006" xmlns:p159="http://schemas.microsoft.com/office/powerpoint/2015/09/main">
-    <mc:Choice Requires="p159">
-      <p:transition xmlns:p14="http://schemas.microsoft.com/office/powerpoint/2010/main" spd="slow" p14:dur="2000">
-        <p159:morph option="byObject"/>
-      </p:transition>
-    </mc:Choice>
-    <mc:Fallback xmlns="">
-      <p:transition spd="slow">
-        <p:fade/>
-      </p:transition>
-    </mc:Fallback>
-  </mc:AlternateContent>
-</p:sld>
-</file>
-
-<file path=ppt/slides/slide19.xml><?xml version="1.0" encoding="utf-8"?>
-<p:sld xmlns:a="http://schemas.openxmlformats.org/drawingml/2006/main" xmlns:r="http://schemas.openxmlformats.org/officeDocument/2006/relationships" xmlns:p="http://schemas.openxmlformats.org/presentationml/2006/main">
-  <p:cSld>
-    <p:spTree>
-      <p:nvGrpSpPr>
-        <p:cNvPr id="1" name=""/>
-        <p:cNvGrpSpPr/>
-        <p:nvPr/>
-      </p:nvGrpSpPr>
-      <p:grpSpPr>
-        <a:xfrm>
-          <a:off x="0" y="0"/>
-          <a:ext cx="0" cy="0"/>
-          <a:chOff x="0" y="0"/>
-          <a:chExt cx="0" cy="0"/>
-        </a:xfrm>
-      </p:grpSpPr>
-      <p:sp>
-        <p:nvSpPr>
-          <p:cNvPr id="22" name="Title 21">
-            <a:extLst>
-              <a:ext uri="{FF2B5EF4-FFF2-40B4-BE49-F238E27FC236}">
-                <a16:creationId xmlns:a16="http://schemas.microsoft.com/office/drawing/2014/main" id="{23F2AC7E-9D11-4C66-87C4-5565EE97C620}"/>
-              </a:ext>
-            </a:extLst>
-          </p:cNvPr>
-          <p:cNvSpPr>
-            <a:spLocks noGrp="1"/>
-          </p:cNvSpPr>
-          <p:nvPr>
-            <p:ph type="title"/>
-          </p:nvPr>
-        </p:nvSpPr>
-        <p:spPr/>
-        <p:txBody>
-          <a:bodyPr/>
-          <a:lstStyle/>
-          <a:p>
-            <a:r>
-              <a:rPr lang="en-US" dirty="0"/>
-              <a:t>Conclusion</a:t>
-            </a:r>
-          </a:p>
-        </p:txBody>
-      </p:sp>
-      <p:sp>
-        <p:nvSpPr>
-          <p:cNvPr id="23" name="Text Placeholder 22">
-            <a:extLst>
-              <a:ext uri="{FF2B5EF4-FFF2-40B4-BE49-F238E27FC236}">
-                <a16:creationId xmlns:a16="http://schemas.microsoft.com/office/drawing/2014/main" id="{8F41B6A6-77D3-461D-B320-4EABC470C69A}"/>
-              </a:ext>
-            </a:extLst>
-          </p:cNvPr>
-          <p:cNvSpPr>
-            <a:spLocks noGrp="1"/>
-          </p:cNvSpPr>
-          <p:nvPr>
-            <p:ph type="body" idx="1"/>
-          </p:nvPr>
-        </p:nvSpPr>
-        <p:spPr/>
-        <p:txBody>
-          <a:bodyPr/>
-          <a:lstStyle/>
-          <a:p>
-            <a:endParaRPr lang="en-US" dirty="0"/>
-          </a:p>
-        </p:txBody>
-      </p:sp>
-    </p:spTree>
-    <p:extLst>
-      <p:ext uri="{BB962C8B-B14F-4D97-AF65-F5344CB8AC3E}">
-        <p14:creationId xmlns:p14="http://schemas.microsoft.com/office/powerpoint/2010/main" val="1770976863"/>
       </p:ext>
     </p:extLst>
   </p:cSld>
@@ -18372,6 +18141,185 @@
 <file path=ppt/slides/slide20.xml><?xml version="1.0" encoding="utf-8"?>
 <p:sld xmlns:a="http://schemas.openxmlformats.org/drawingml/2006/main" xmlns:r="http://schemas.openxmlformats.org/officeDocument/2006/relationships" xmlns:p="http://schemas.openxmlformats.org/presentationml/2006/main">
   <p:cSld>
+    <p:bg>
+      <p:bgPr>
+        <a:blipFill dpi="0" rotWithShape="1">
+          <a:blip r:embed="rId2">
+            <a:lum/>
+          </a:blip>
+          <a:srcRect/>
+          <a:stretch>
+            <a:fillRect l="-3000" r="-3000"/>
+          </a:stretch>
+        </a:blipFill>
+        <a:effectLst/>
+      </p:bgPr>
+    </p:bg>
+    <p:spTree>
+      <p:nvGrpSpPr>
+        <p:cNvPr id="1" name=""/>
+        <p:cNvGrpSpPr/>
+        <p:nvPr/>
+      </p:nvGrpSpPr>
+      <p:grpSpPr>
+        <a:xfrm>
+          <a:off x="0" y="0"/>
+          <a:ext cx="0" cy="0"/>
+          <a:chOff x="0" y="0"/>
+          <a:chExt cx="0" cy="0"/>
+        </a:xfrm>
+      </p:grpSpPr>
+      <p:sp>
+        <p:nvSpPr>
+          <p:cNvPr id="22" name="Title 21">
+            <a:extLst>
+              <a:ext uri="{FF2B5EF4-FFF2-40B4-BE49-F238E27FC236}">
+                <a16:creationId xmlns:a16="http://schemas.microsoft.com/office/drawing/2014/main" id="{23F2AC7E-9D11-4C66-87C4-5565EE97C620}"/>
+              </a:ext>
+            </a:extLst>
+          </p:cNvPr>
+          <p:cNvSpPr>
+            <a:spLocks noGrp="1"/>
+          </p:cNvSpPr>
+          <p:nvPr>
+            <p:ph type="title"/>
+          </p:nvPr>
+        </p:nvSpPr>
+        <p:spPr/>
+        <p:txBody>
+          <a:bodyPr/>
+          <a:lstStyle/>
+          <a:p>
+            <a:r>
+              <a:rPr lang="en-US" dirty="0"/>
+              <a:t>Demo</a:t>
+            </a:r>
+          </a:p>
+        </p:txBody>
+      </p:sp>
+    </p:spTree>
+    <p:extLst>
+      <p:ext uri="{BB962C8B-B14F-4D97-AF65-F5344CB8AC3E}">
+        <p14:creationId xmlns:p14="http://schemas.microsoft.com/office/powerpoint/2010/main" val="847009083"/>
+      </p:ext>
+    </p:extLst>
+  </p:cSld>
+  <p:clrMapOvr>
+    <a:masterClrMapping/>
+  </p:clrMapOvr>
+  <mc:AlternateContent xmlns:mc="http://schemas.openxmlformats.org/markup-compatibility/2006" xmlns:p159="http://schemas.microsoft.com/office/powerpoint/2015/09/main">
+    <mc:Choice Requires="p159">
+      <p:transition xmlns:p14="http://schemas.microsoft.com/office/powerpoint/2010/main" spd="slow" p14:dur="2000">
+        <p159:morph option="byObject"/>
+      </p:transition>
+    </mc:Choice>
+    <mc:Fallback xmlns="">
+      <p:transition spd="slow">
+        <p:fade/>
+      </p:transition>
+    </mc:Fallback>
+  </mc:AlternateContent>
+</p:sld>
+</file>
+
+<file path=ppt/slides/slide21.xml><?xml version="1.0" encoding="utf-8"?>
+<p:sld xmlns:a="http://schemas.openxmlformats.org/drawingml/2006/main" xmlns:r="http://schemas.openxmlformats.org/officeDocument/2006/relationships" xmlns:p="http://schemas.openxmlformats.org/presentationml/2006/main">
+  <p:cSld>
+    <p:spTree>
+      <p:nvGrpSpPr>
+        <p:cNvPr id="1" name=""/>
+        <p:cNvGrpSpPr/>
+        <p:nvPr/>
+      </p:nvGrpSpPr>
+      <p:grpSpPr>
+        <a:xfrm>
+          <a:off x="0" y="0"/>
+          <a:ext cx="0" cy="0"/>
+          <a:chOff x="0" y="0"/>
+          <a:chExt cx="0" cy="0"/>
+        </a:xfrm>
+      </p:grpSpPr>
+      <p:sp>
+        <p:nvSpPr>
+          <p:cNvPr id="22" name="Title 21">
+            <a:extLst>
+              <a:ext uri="{FF2B5EF4-FFF2-40B4-BE49-F238E27FC236}">
+                <a16:creationId xmlns:a16="http://schemas.microsoft.com/office/drawing/2014/main" id="{23F2AC7E-9D11-4C66-87C4-5565EE97C620}"/>
+              </a:ext>
+            </a:extLst>
+          </p:cNvPr>
+          <p:cNvSpPr>
+            <a:spLocks noGrp="1"/>
+          </p:cNvSpPr>
+          <p:nvPr>
+            <p:ph type="title"/>
+          </p:nvPr>
+        </p:nvSpPr>
+        <p:spPr/>
+        <p:txBody>
+          <a:bodyPr/>
+          <a:lstStyle/>
+          <a:p>
+            <a:r>
+              <a:rPr lang="en-US" dirty="0"/>
+              <a:t>Conclusion</a:t>
+            </a:r>
+          </a:p>
+        </p:txBody>
+      </p:sp>
+      <p:sp>
+        <p:nvSpPr>
+          <p:cNvPr id="23" name="Text Placeholder 22">
+            <a:extLst>
+              <a:ext uri="{FF2B5EF4-FFF2-40B4-BE49-F238E27FC236}">
+                <a16:creationId xmlns:a16="http://schemas.microsoft.com/office/drawing/2014/main" id="{8F41B6A6-77D3-461D-B320-4EABC470C69A}"/>
+              </a:ext>
+            </a:extLst>
+          </p:cNvPr>
+          <p:cNvSpPr>
+            <a:spLocks noGrp="1"/>
+          </p:cNvSpPr>
+          <p:nvPr>
+            <p:ph type="body" idx="1"/>
+          </p:nvPr>
+        </p:nvSpPr>
+        <p:spPr/>
+        <p:txBody>
+          <a:bodyPr/>
+          <a:lstStyle/>
+          <a:p>
+            <a:endParaRPr lang="en-US" dirty="0"/>
+          </a:p>
+        </p:txBody>
+      </p:sp>
+    </p:spTree>
+    <p:extLst>
+      <p:ext uri="{BB962C8B-B14F-4D97-AF65-F5344CB8AC3E}">
+        <p14:creationId xmlns:p14="http://schemas.microsoft.com/office/powerpoint/2010/main" val="1770976863"/>
+      </p:ext>
+    </p:extLst>
+  </p:cSld>
+  <p:clrMapOvr>
+    <a:masterClrMapping/>
+  </p:clrMapOvr>
+  <mc:AlternateContent xmlns:mc="http://schemas.openxmlformats.org/markup-compatibility/2006" xmlns:p159="http://schemas.microsoft.com/office/powerpoint/2015/09/main">
+    <mc:Choice Requires="p159">
+      <p:transition xmlns:p14="http://schemas.microsoft.com/office/powerpoint/2010/main" spd="slow" p14:dur="2000">
+        <p159:morph option="byObject"/>
+      </p:transition>
+    </mc:Choice>
+    <mc:Fallback xmlns="">
+      <p:transition spd="slow">
+        <p:fade/>
+      </p:transition>
+    </mc:Fallback>
+  </mc:AlternateContent>
+</p:sld>
+</file>
+
+<file path=ppt/slides/slide22.xml><?xml version="1.0" encoding="utf-8"?>
+<p:sld xmlns:a="http://schemas.openxmlformats.org/drawingml/2006/main" xmlns:r="http://schemas.openxmlformats.org/officeDocument/2006/relationships" xmlns:p="http://schemas.openxmlformats.org/presentationml/2006/main">
+  <p:cSld>
     <p:spTree>
       <p:nvGrpSpPr>
         <p:cNvPr id="1" name=""/>
@@ -18440,7 +18388,32 @@
                 <a:spcPct val="200000"/>
               </a:lnSpc>
             </a:pPr>
-            <a:endParaRPr lang="en-US" dirty="0"/>
+            <a:r>
+              <a:rPr lang="en-US" dirty="0"/>
+              <a:t>Most of the time, users are not reliable source of truth</a:t>
+            </a:r>
+          </a:p>
+          <a:p>
+            <a:pPr>
+              <a:lnSpc>
+                <a:spcPct val="200000"/>
+              </a:lnSpc>
+            </a:pPr>
+            <a:r>
+              <a:rPr lang="en-US" dirty="0"/>
+              <a:t>To make a good search engine, time and resources are needed to produce a good algorithm with computational power to make querying consumes less time. </a:t>
+            </a:r>
+          </a:p>
+          <a:p>
+            <a:pPr>
+              <a:lnSpc>
+                <a:spcPct val="200000"/>
+              </a:lnSpc>
+            </a:pPr>
+            <a:r>
+              <a:rPr lang="en-US" dirty="0"/>
+              <a:t>Search engine algorithms should change after a period of time</a:t>
+            </a:r>
           </a:p>
         </p:txBody>
       </p:sp>
@@ -18469,7 +18442,7 @@
 </p:sld>
 </file>
 
-<file path=ppt/slides/slide21.xml><?xml version="1.0" encoding="utf-8"?>
+<file path=ppt/slides/slide23.xml><?xml version="1.0" encoding="utf-8"?>
 <p:sld xmlns:a="http://schemas.openxmlformats.org/drawingml/2006/main" xmlns:r="http://schemas.openxmlformats.org/officeDocument/2006/relationships" xmlns:p="http://schemas.openxmlformats.org/presentationml/2006/main">
   <p:cSld>
     <p:bg>
@@ -18936,592 +18909,6 @@
     <p:extLst>
       <p:ext uri="{BB962C8B-B14F-4D97-AF65-F5344CB8AC3E}">
         <p14:creationId xmlns:p14="http://schemas.microsoft.com/office/powerpoint/2010/main" val="3501347425"/>
-      </p:ext>
-    </p:extLst>
-  </p:cSld>
-  <p:clrMapOvr>
-    <a:masterClrMapping/>
-  </p:clrMapOvr>
-  <mc:AlternateContent xmlns:mc="http://schemas.openxmlformats.org/markup-compatibility/2006" xmlns:p159="http://schemas.microsoft.com/office/powerpoint/2015/09/main">
-    <mc:Choice Requires="p159">
-      <p:transition xmlns:p14="http://schemas.microsoft.com/office/powerpoint/2010/main" spd="slow" p14:dur="2000">
-        <p159:morph option="byObject"/>
-      </p:transition>
-    </mc:Choice>
-    <mc:Fallback xmlns="">
-      <p:transition spd="slow">
-        <p:fade/>
-      </p:transition>
-    </mc:Fallback>
-  </mc:AlternateContent>
-</p:sld>
-</file>
-
-<file path=ppt/slides/slide22.xml><?xml version="1.0" encoding="utf-8"?>
-<p:sld xmlns:a="http://schemas.openxmlformats.org/drawingml/2006/main" xmlns:r="http://schemas.openxmlformats.org/officeDocument/2006/relationships" xmlns:p="http://schemas.openxmlformats.org/presentationml/2006/main">
-  <p:cSld>
-    <p:spTree>
-      <p:nvGrpSpPr>
-        <p:cNvPr id="1" name=""/>
-        <p:cNvGrpSpPr/>
-        <p:nvPr/>
-      </p:nvGrpSpPr>
-      <p:grpSpPr>
-        <a:xfrm>
-          <a:off x="0" y="0"/>
-          <a:ext cx="0" cy="0"/>
-          <a:chOff x="0" y="0"/>
-          <a:chExt cx="0" cy="0"/>
-        </a:xfrm>
-      </p:grpSpPr>
-      <p:sp>
-        <p:nvSpPr>
-          <p:cNvPr id="2" name="Title 1">
-            <a:extLst>
-              <a:ext uri="{FF2B5EF4-FFF2-40B4-BE49-F238E27FC236}">
-                <a16:creationId xmlns:a16="http://schemas.microsoft.com/office/drawing/2014/main" id="{65E587CF-1256-41D0-A72C-2A4B89328A2F}"/>
-              </a:ext>
-            </a:extLst>
-          </p:cNvPr>
-          <p:cNvSpPr>
-            <a:spLocks noGrp="1"/>
-          </p:cNvSpPr>
-          <p:nvPr>
-            <p:ph type="title"/>
-          </p:nvPr>
-        </p:nvSpPr>
-        <p:spPr/>
-        <p:txBody>
-          <a:bodyPr/>
-          <a:lstStyle/>
-          <a:p>
-            <a:endParaRPr lang="en-US"/>
-          </a:p>
-        </p:txBody>
-      </p:sp>
-      <p:sp>
-        <p:nvSpPr>
-          <p:cNvPr id="3" name="Content Placeholder 2">
-            <a:extLst>
-              <a:ext uri="{FF2B5EF4-FFF2-40B4-BE49-F238E27FC236}">
-                <a16:creationId xmlns:a16="http://schemas.microsoft.com/office/drawing/2014/main" id="{4C1A23D9-A2CC-4C97-9F10-5449FBFF8EEF}"/>
-              </a:ext>
-            </a:extLst>
-          </p:cNvPr>
-          <p:cNvSpPr>
-            <a:spLocks noGrp="1"/>
-          </p:cNvSpPr>
-          <p:nvPr>
-            <p:ph idx="1"/>
-          </p:nvPr>
-        </p:nvSpPr>
-        <p:spPr/>
-        <p:txBody>
-          <a:bodyPr/>
-          <a:lstStyle/>
-          <a:p>
-            <a:endParaRPr lang="en-US"/>
-          </a:p>
-        </p:txBody>
-      </p:sp>
-    </p:spTree>
-    <p:extLst>
-      <p:ext uri="{BB962C8B-B14F-4D97-AF65-F5344CB8AC3E}">
-        <p14:creationId xmlns:p14="http://schemas.microsoft.com/office/powerpoint/2010/main" val="1101755514"/>
-      </p:ext>
-    </p:extLst>
-  </p:cSld>
-  <p:clrMapOvr>
-    <a:masterClrMapping/>
-  </p:clrMapOvr>
-  <mc:AlternateContent xmlns:mc="http://schemas.openxmlformats.org/markup-compatibility/2006" xmlns:p159="http://schemas.microsoft.com/office/powerpoint/2015/09/main">
-    <mc:Choice Requires="p159">
-      <p:transition xmlns:p14="http://schemas.microsoft.com/office/powerpoint/2010/main" spd="slow" p14:dur="2000">
-        <p159:morph option="byObject"/>
-      </p:transition>
-    </mc:Choice>
-    <mc:Fallback xmlns="">
-      <p:transition spd="slow">
-        <p:fade/>
-      </p:transition>
-    </mc:Fallback>
-  </mc:AlternateContent>
-</p:sld>
-</file>
-
-<file path=ppt/slides/slide23.xml><?xml version="1.0" encoding="utf-8"?>
-<p:sld xmlns:a="http://schemas.openxmlformats.org/drawingml/2006/main" xmlns:r="http://schemas.openxmlformats.org/officeDocument/2006/relationships" xmlns:p="http://schemas.openxmlformats.org/presentationml/2006/main">
-  <p:cSld>
-    <p:spTree>
-      <p:nvGrpSpPr>
-        <p:cNvPr id="1" name=""/>
-        <p:cNvGrpSpPr/>
-        <p:nvPr/>
-      </p:nvGrpSpPr>
-      <p:grpSpPr>
-        <a:xfrm>
-          <a:off x="0" y="0"/>
-          <a:ext cx="0" cy="0"/>
-          <a:chOff x="0" y="0"/>
-          <a:chExt cx="0" cy="0"/>
-        </a:xfrm>
-      </p:grpSpPr>
-      <p:sp>
-        <p:nvSpPr>
-          <p:cNvPr id="2" name="Title 1">
-            <a:extLst>
-              <a:ext uri="{FF2B5EF4-FFF2-40B4-BE49-F238E27FC236}">
-                <a16:creationId xmlns:a16="http://schemas.microsoft.com/office/drawing/2014/main" id="{65E587CF-1256-41D0-A72C-2A4B89328A2F}"/>
-              </a:ext>
-            </a:extLst>
-          </p:cNvPr>
-          <p:cNvSpPr>
-            <a:spLocks noGrp="1"/>
-          </p:cNvSpPr>
-          <p:nvPr>
-            <p:ph type="title"/>
-          </p:nvPr>
-        </p:nvSpPr>
-        <p:spPr/>
-        <p:txBody>
-          <a:bodyPr/>
-          <a:lstStyle/>
-          <a:p>
-            <a:endParaRPr lang="en-US"/>
-          </a:p>
-        </p:txBody>
-      </p:sp>
-      <p:sp>
-        <p:nvSpPr>
-          <p:cNvPr id="3" name="Content Placeholder 2">
-            <a:extLst>
-              <a:ext uri="{FF2B5EF4-FFF2-40B4-BE49-F238E27FC236}">
-                <a16:creationId xmlns:a16="http://schemas.microsoft.com/office/drawing/2014/main" id="{4C1A23D9-A2CC-4C97-9F10-5449FBFF8EEF}"/>
-              </a:ext>
-            </a:extLst>
-          </p:cNvPr>
-          <p:cNvSpPr>
-            <a:spLocks noGrp="1"/>
-          </p:cNvSpPr>
-          <p:nvPr>
-            <p:ph idx="1"/>
-          </p:nvPr>
-        </p:nvSpPr>
-        <p:spPr/>
-        <p:txBody>
-          <a:bodyPr/>
-          <a:lstStyle/>
-          <a:p>
-            <a:endParaRPr lang="en-US"/>
-          </a:p>
-        </p:txBody>
-      </p:sp>
-    </p:spTree>
-    <p:extLst>
-      <p:ext uri="{BB962C8B-B14F-4D97-AF65-F5344CB8AC3E}">
-        <p14:creationId xmlns:p14="http://schemas.microsoft.com/office/powerpoint/2010/main" val="2399672568"/>
-      </p:ext>
-    </p:extLst>
-  </p:cSld>
-  <p:clrMapOvr>
-    <a:masterClrMapping/>
-  </p:clrMapOvr>
-  <mc:AlternateContent xmlns:mc="http://schemas.openxmlformats.org/markup-compatibility/2006" xmlns:p159="http://schemas.microsoft.com/office/powerpoint/2015/09/main">
-    <mc:Choice Requires="p159">
-      <p:transition xmlns:p14="http://schemas.microsoft.com/office/powerpoint/2010/main" spd="slow" p14:dur="2000">
-        <p159:morph option="byObject"/>
-      </p:transition>
-    </mc:Choice>
-    <mc:Fallback xmlns="">
-      <p:transition spd="slow">
-        <p:fade/>
-      </p:transition>
-    </mc:Fallback>
-  </mc:AlternateContent>
-</p:sld>
-</file>
-
-<file path=ppt/slides/slide24.xml><?xml version="1.0" encoding="utf-8"?>
-<p:sld xmlns:a="http://schemas.openxmlformats.org/drawingml/2006/main" xmlns:r="http://schemas.openxmlformats.org/officeDocument/2006/relationships" xmlns:p="http://schemas.openxmlformats.org/presentationml/2006/main">
-  <p:cSld>
-    <p:bg>
-      <p:bgPr>
-        <a:solidFill>
-          <a:schemeClr val="bg1"/>
-        </a:solidFill>
-        <a:effectLst/>
-      </p:bgPr>
-    </p:bg>
-    <p:spTree>
-      <p:nvGrpSpPr>
-        <p:cNvPr id="1" name=""/>
-        <p:cNvGrpSpPr/>
-        <p:nvPr/>
-      </p:nvGrpSpPr>
-      <p:grpSpPr>
-        <a:xfrm>
-          <a:off x="0" y="0"/>
-          <a:ext cx="0" cy="0"/>
-          <a:chOff x="0" y="0"/>
-          <a:chExt cx="0" cy="0"/>
-        </a:xfrm>
-      </p:grpSpPr>
-      <p:sp useBgFill="1">
-        <p:nvSpPr>
-          <p:cNvPr id="13" name="Rectangle 12">
-            <a:extLst>
-              <a:ext uri="{FF2B5EF4-FFF2-40B4-BE49-F238E27FC236}">
-                <a16:creationId xmlns:a16="http://schemas.microsoft.com/office/drawing/2014/main" id="{4AE9D071-98CF-435C-BD2B-976514544DC5}"/>
-              </a:ext>
-              <a:ext uri="{C183D7F6-B498-43B3-948B-1728B52AA6E4}">
-                <adec:decorative xmlns:adec="http://schemas.microsoft.com/office/drawing/2017/decorative" val="1"/>
-              </a:ext>
-            </a:extLst>
-          </p:cNvPr>
-          <p:cNvSpPr>
-            <a:spLocks noGrp="1" noRot="1" noChangeAspect="1" noMove="1" noResize="1" noEditPoints="1" noAdjustHandles="1" noChangeArrowheads="1" noChangeShapeType="1" noTextEdit="1"/>
-          </p:cNvSpPr>
-          <p:nvPr>
-            <p:extLst>
-              <p:ext uri="{386F3935-93C4-4BCD-93E2-E3B085C9AB24}">
-                <p16:designElem xmlns:p16="http://schemas.microsoft.com/office/powerpoint/2015/main" val="1"/>
-              </p:ext>
-            </p:extLst>
-          </p:nvPr>
-        </p:nvSpPr>
-        <p:spPr>
-          <a:xfrm>
-            <a:off x="0" y="0"/>
-            <a:ext cx="12192000" cy="6858000"/>
-          </a:xfrm>
-          <a:prstGeom prst="rect">
-            <a:avLst/>
-          </a:prstGeom>
-          <a:ln>
-            <a:noFill/>
-          </a:ln>
-        </p:spPr>
-        <p:style>
-          <a:lnRef idx="2">
-            <a:schemeClr val="accent1">
-              <a:shade val="50000"/>
-            </a:schemeClr>
-          </a:lnRef>
-          <a:fillRef idx="1">
-            <a:schemeClr val="accent1"/>
-          </a:fillRef>
-          <a:effectRef idx="0">
-            <a:schemeClr val="accent1"/>
-          </a:effectRef>
-          <a:fontRef idx="minor">
-            <a:schemeClr val="lt1"/>
-          </a:fontRef>
-        </p:style>
-        <p:txBody>
-          <a:bodyPr rtlCol="0" anchor="ctr"/>
-          <a:lstStyle/>
-          <a:p>
-            <a:pPr algn="ctr"/>
-            <a:endParaRPr lang="en-US" dirty="0"/>
-          </a:p>
-        </p:txBody>
-      </p:sp>
-      <p:pic>
-        <p:nvPicPr>
-          <p:cNvPr id="8" name="Content Placeholder 4" descr="Digital Numbers">
-            <a:extLst>
-              <a:ext uri="{FF2B5EF4-FFF2-40B4-BE49-F238E27FC236}">
-                <a16:creationId xmlns:a16="http://schemas.microsoft.com/office/drawing/2014/main" id="{EA70616B-E344-4856-8DF9-707C26236613}"/>
-              </a:ext>
-            </a:extLst>
-          </p:cNvPr>
-          <p:cNvPicPr>
-            <a:picLocks noChangeAspect="1"/>
-          </p:cNvPicPr>
-          <p:nvPr/>
-        </p:nvPicPr>
-        <p:blipFill rotWithShape="1">
-          <a:blip r:embed="rId3" cstate="screen">
-            <a:extLst>
-              <a:ext uri="{28A0092B-C50C-407E-A947-70E740481C1C}">
-                <a14:useLocalDpi xmlns:a14="http://schemas.microsoft.com/office/drawing/2010/main"/>
-              </a:ext>
-            </a:extLst>
-          </a:blip>
-          <a:srcRect t="10681" r="9091" b="12711"/>
-          <a:stretch/>
-        </p:blipFill>
-        <p:spPr>
-          <a:xfrm>
-            <a:off x="20" y="10"/>
-            <a:ext cx="12191980" cy="6857990"/>
-          </a:xfrm>
-          <a:prstGeom prst="rect">
-            <a:avLst/>
-          </a:prstGeom>
-        </p:spPr>
-      </p:pic>
-      <p:grpSp>
-        <p:nvGrpSpPr>
-          <p:cNvPr id="15" name="Group 14">
-            <a:extLst>
-              <a:ext uri="{FF2B5EF4-FFF2-40B4-BE49-F238E27FC236}">
-                <a16:creationId xmlns:a16="http://schemas.microsoft.com/office/drawing/2014/main" id="{D619FC33-16ED-4246-9596-BEFEB55E4CF6}"/>
-              </a:ext>
-              <a:ext uri="{C183D7F6-B498-43B3-948B-1728B52AA6E4}">
-                <adec:decorative xmlns:adec="http://schemas.microsoft.com/office/drawing/2017/decorative" val="1"/>
-              </a:ext>
-            </a:extLst>
-          </p:cNvPr>
-          <p:cNvGrpSpPr>
-            <a:grpSpLocks noGrp="1" noUngrp="1" noRot="1" noChangeAspect="1" noMove="1" noResize="1"/>
-          </p:cNvGrpSpPr>
-          <p:nvPr>
-            <p:extLst>
-              <p:ext uri="{386F3935-93C4-4BCD-93E2-E3B085C9AB24}">
-                <p16:designElem xmlns:p16="http://schemas.microsoft.com/office/powerpoint/2015/main" val="1"/>
-              </p:ext>
-            </p:extLst>
-          </p:nvPr>
-        </p:nvGrpSpPr>
-        <p:grpSpPr>
-          <a:xfrm>
-            <a:off x="438067" y="457200"/>
-            <a:ext cx="7507083" cy="5935132"/>
-            <a:chOff x="438067" y="457200"/>
-            <a:chExt cx="7507083" cy="5935132"/>
-          </a:xfrm>
-        </p:grpSpPr>
-        <p:sp>
-          <p:nvSpPr>
-            <p:cNvPr id="16" name="Rectangle 15">
-              <a:extLst>
-                <a:ext uri="{FF2B5EF4-FFF2-40B4-BE49-F238E27FC236}">
-                  <a16:creationId xmlns:a16="http://schemas.microsoft.com/office/drawing/2014/main" id="{2EEA80E1-F99F-4009-837F-2F72F8A5D580}"/>
-                </a:ext>
-                <a:ext uri="{C183D7F6-B498-43B3-948B-1728B52AA6E4}">
-                  <adec:decorative xmlns:adec="http://schemas.microsoft.com/office/drawing/2017/decorative" val="1"/>
-                </a:ext>
-              </a:extLst>
-            </p:cNvPr>
-            <p:cNvSpPr/>
-            <p:nvPr>
-              <p:extLst>
-                <p:ext uri="{386F3935-93C4-4BCD-93E2-E3B085C9AB24}">
-                  <p16:designElem xmlns:p16="http://schemas.microsoft.com/office/powerpoint/2015/main" val="1"/>
-                </p:ext>
-              </p:extLst>
-            </p:nvPr>
-          </p:nvSpPr>
-          <p:spPr>
-            <a:xfrm>
-              <a:off x="438067" y="618067"/>
-              <a:ext cx="7503665" cy="5774265"/>
-            </a:xfrm>
-            <a:prstGeom prst="rect">
-              <a:avLst/>
-            </a:prstGeom>
-            <a:solidFill>
-              <a:schemeClr val="accent1">
-                <a:alpha val="97000"/>
-              </a:schemeClr>
-            </a:solidFill>
-            <a:ln w="6350" cmpd="sng">
-              <a:noFill/>
-            </a:ln>
-            <a:effectLst/>
-          </p:spPr>
-          <p:style>
-            <a:lnRef idx="1">
-              <a:schemeClr val="accent1"/>
-            </a:lnRef>
-            <a:fillRef idx="3">
-              <a:schemeClr val="accent1"/>
-            </a:fillRef>
-            <a:effectRef idx="2">
-              <a:schemeClr val="accent1"/>
-            </a:effectRef>
-            <a:fontRef idx="minor">
-              <a:schemeClr val="lt1"/>
-            </a:fontRef>
-          </p:style>
-        </p:sp>
-        <p:sp>
-          <p:nvSpPr>
-            <p:cNvPr id="17" name="Rectangle 16">
-              <a:extLst>
-                <a:ext uri="{FF2B5EF4-FFF2-40B4-BE49-F238E27FC236}">
-                  <a16:creationId xmlns:a16="http://schemas.microsoft.com/office/drawing/2014/main" id="{0230AF9A-4641-4BD8-9F95-9607CD304039}"/>
-                </a:ext>
-                <a:ext uri="{C183D7F6-B498-43B3-948B-1728B52AA6E4}">
-                  <adec:decorative xmlns:adec="http://schemas.microsoft.com/office/drawing/2017/decorative" val="1"/>
-                </a:ext>
-              </a:extLst>
-            </p:cNvPr>
-            <p:cNvSpPr/>
-            <p:nvPr>
-              <p:extLst>
-                <p:ext uri="{386F3935-93C4-4BCD-93E2-E3B085C9AB24}">
-                  <p16:designElem xmlns:p16="http://schemas.microsoft.com/office/powerpoint/2015/main" val="1"/>
-                </p:ext>
-              </p:extLst>
-            </p:nvPr>
-          </p:nvSpPr>
-          <p:spPr>
-            <a:xfrm>
-              <a:off x="438068" y="457200"/>
-              <a:ext cx="3703320" cy="94997"/>
-            </a:xfrm>
-            <a:prstGeom prst="rect">
-              <a:avLst/>
-            </a:prstGeom>
-            <a:solidFill>
-              <a:schemeClr val="accent1"/>
-            </a:solidFill>
-            <a:ln>
-              <a:noFill/>
-            </a:ln>
-            <a:effectLst/>
-          </p:spPr>
-          <p:style>
-            <a:lnRef idx="1">
-              <a:schemeClr val="accent1"/>
-            </a:lnRef>
-            <a:fillRef idx="3">
-              <a:schemeClr val="accent1"/>
-            </a:fillRef>
-            <a:effectRef idx="2">
-              <a:schemeClr val="accent1"/>
-            </a:effectRef>
-            <a:fontRef idx="minor">
-              <a:schemeClr val="lt1"/>
-            </a:fontRef>
-          </p:style>
-        </p:sp>
-        <p:sp>
-          <p:nvSpPr>
-            <p:cNvPr id="18" name="Rectangle 17">
-              <a:extLst>
-                <a:ext uri="{FF2B5EF4-FFF2-40B4-BE49-F238E27FC236}">
-                  <a16:creationId xmlns:a16="http://schemas.microsoft.com/office/drawing/2014/main" id="{8703D4EC-9389-41B6-B88B-B6FDC8CD3330}"/>
-                </a:ext>
-                <a:ext uri="{C183D7F6-B498-43B3-948B-1728B52AA6E4}">
-                  <adec:decorative xmlns:adec="http://schemas.microsoft.com/office/drawing/2017/decorative" val="1"/>
-                </a:ext>
-              </a:extLst>
-            </p:cNvPr>
-            <p:cNvSpPr/>
-            <p:nvPr>
-              <p:extLst>
-                <p:ext uri="{386F3935-93C4-4BCD-93E2-E3B085C9AB24}">
-                  <p16:designElem xmlns:p16="http://schemas.microsoft.com/office/powerpoint/2015/main" val="1"/>
-                </p:ext>
-              </p:extLst>
-            </p:nvPr>
-          </p:nvSpPr>
-          <p:spPr>
-            <a:xfrm>
-              <a:off x="4241830" y="457200"/>
-              <a:ext cx="3703320" cy="91440"/>
-            </a:xfrm>
-            <a:prstGeom prst="rect">
-              <a:avLst/>
-            </a:prstGeom>
-            <a:solidFill>
-              <a:schemeClr val="accent2"/>
-            </a:solidFill>
-            <a:ln>
-              <a:noFill/>
-            </a:ln>
-            <a:effectLst/>
-          </p:spPr>
-          <p:style>
-            <a:lnRef idx="1">
-              <a:schemeClr val="accent1"/>
-            </a:lnRef>
-            <a:fillRef idx="3">
-              <a:schemeClr val="accent1"/>
-            </a:fillRef>
-            <a:effectRef idx="2">
-              <a:schemeClr val="accent1"/>
-            </a:effectRef>
-            <a:fontRef idx="minor">
-              <a:schemeClr val="lt1"/>
-            </a:fontRef>
-          </p:style>
-        </p:sp>
-      </p:grpSp>
-      <p:sp>
-        <p:nvSpPr>
-          <p:cNvPr id="2" name="Title 1">
-            <a:extLst>
-              <a:ext uri="{FF2B5EF4-FFF2-40B4-BE49-F238E27FC236}">
-                <a16:creationId xmlns:a16="http://schemas.microsoft.com/office/drawing/2014/main" id="{7F2616EE-270D-4F4C-BA1F-2708D387B800}"/>
-              </a:ext>
-            </a:extLst>
-          </p:cNvPr>
-          <p:cNvSpPr>
-            <a:spLocks noGrp="1"/>
-          </p:cNvSpPr>
-          <p:nvPr>
-            <p:ph type="title"/>
-          </p:nvPr>
-        </p:nvSpPr>
-        <p:spPr>
-          <a:xfrm>
-            <a:off x="584200" y="1006956"/>
-            <a:ext cx="7213600" cy="1121871"/>
-          </a:xfrm>
-        </p:spPr>
-        <p:txBody>
-          <a:bodyPr anchor="ctr">
-            <a:normAutofit/>
-          </a:bodyPr>
-          <a:lstStyle/>
-          <a:p>
-            <a:pPr algn="ctr"/>
-            <a:r>
-              <a:rPr lang="en-US" dirty="0"/>
-              <a:t>Digital Communications</a:t>
-            </a:r>
-          </a:p>
-        </p:txBody>
-      </p:sp>
-      <p:graphicFrame>
-        <p:nvGraphicFramePr>
-          <p:cNvPr id="6" name="Content Placeholder 5" descr="SmartArt">
-            <a:extLst>
-              <a:ext uri="{FF2B5EF4-FFF2-40B4-BE49-F238E27FC236}">
-                <a16:creationId xmlns:a16="http://schemas.microsoft.com/office/drawing/2014/main" id="{BF629521-FFD2-45DA-9D1D-A5F09BD5A2D9}"/>
-              </a:ext>
-            </a:extLst>
-          </p:cNvPr>
-          <p:cNvGraphicFramePr>
-            <a:graphicFrameLocks noGrp="1"/>
-          </p:cNvGraphicFramePr>
-          <p:nvPr>
-            <p:ph idx="1"/>
-            <p:extLst>
-              <p:ext uri="{D42A27DB-BD31-4B8C-83A1-F6EECF244321}">
-                <p14:modId xmlns:p14="http://schemas.microsoft.com/office/powerpoint/2010/main" val="3961337641"/>
-              </p:ext>
-            </p:extLst>
-          </p:nvPr>
-        </p:nvGraphicFramePr>
-        <p:xfrm>
-          <a:off x="719571" y="2198254"/>
-          <a:ext cx="6854248" cy="3563938"/>
-        </p:xfrm>
-        <a:graphic>
-          <a:graphicData uri="http://schemas.openxmlformats.org/drawingml/2006/diagram">
-            <dgm:relIds xmlns:dgm="http://schemas.openxmlformats.org/drawingml/2006/diagram" xmlns:r="http://schemas.openxmlformats.org/officeDocument/2006/relationships" r:dm="rId4" r:lo="rId5" r:qs="rId6" r:cs="rId7"/>
-          </a:graphicData>
-        </a:graphic>
-      </p:graphicFrame>
-    </p:spTree>
-    <p:extLst>
-      <p:ext uri="{BB962C8B-B14F-4D97-AF65-F5344CB8AC3E}">
-        <p14:creationId xmlns:p14="http://schemas.microsoft.com/office/powerpoint/2010/main" val="4209322005"/>
       </p:ext>
     </p:extLst>
   </p:cSld>
@@ -20180,54 +19567,41 @@
           </a:p>
         </p:txBody>
       </p:sp>
-      <p:sp>
-        <p:nvSpPr>
-          <p:cNvPr id="3" name="Content Placeholder 2">
+      <p:graphicFrame>
+        <p:nvGraphicFramePr>
+          <p:cNvPr id="10" name="Content Placeholder 3" descr="icon SmartArt graphic">
             <a:extLst>
               <a:ext uri="{FF2B5EF4-FFF2-40B4-BE49-F238E27FC236}">
-                <a16:creationId xmlns:a16="http://schemas.microsoft.com/office/drawing/2014/main" id="{BB6ABDC9-DFFA-43A9-8D3F-7AF9A8BE8A97}"/>
+                <a16:creationId xmlns:a16="http://schemas.microsoft.com/office/drawing/2014/main" id="{34C6D995-4E02-4B01-A6BC-696484E5709C}"/>
               </a:ext>
             </a:extLst>
           </p:cNvPr>
-          <p:cNvSpPr>
-            <a:spLocks noGrp="1"/>
-          </p:cNvSpPr>
+          <p:cNvGraphicFramePr>
+            <a:graphicFrameLocks noGrp="1"/>
+          </p:cNvGraphicFramePr>
           <p:nvPr>
             <p:ph idx="1"/>
+            <p:extLst>
+              <p:ext uri="{D42A27DB-BD31-4B8C-83A1-F6EECF244321}">
+                <p14:modId xmlns:p14="http://schemas.microsoft.com/office/powerpoint/2010/main" val="2968556258"/>
+              </p:ext>
+            </p:extLst>
           </p:nvPr>
-        </p:nvSpPr>
-        <p:spPr/>
-        <p:txBody>
-          <a:bodyPr anchor="t"/>
-          <a:lstStyle/>
-          <a:p>
-            <a:pPr>
-              <a:lnSpc>
-                <a:spcPct val="200000"/>
-              </a:lnSpc>
-            </a:pPr>
-            <a:r>
-              <a:rPr lang="en-US" dirty="0"/>
-              <a:t>Flask Framework</a:t>
-            </a:r>
-          </a:p>
-          <a:p>
-            <a:pPr>
-              <a:lnSpc>
-                <a:spcPct val="200000"/>
-              </a:lnSpc>
-            </a:pPr>
-            <a:r>
-              <a:rPr lang="en-US" dirty="0"/>
-              <a:t>Graph Database (Neo4J)</a:t>
-            </a:r>
-          </a:p>
-        </p:txBody>
-      </p:sp>
+        </p:nvGraphicFramePr>
+        <p:xfrm>
+          <a:off x="581192" y="2194639"/>
+          <a:ext cx="10906125" cy="3961205"/>
+        </p:xfrm>
+        <a:graphic>
+          <a:graphicData uri="http://schemas.openxmlformats.org/drawingml/2006/diagram">
+            <dgm:relIds xmlns:dgm="http://schemas.openxmlformats.org/drawingml/2006/diagram" xmlns:r="http://schemas.openxmlformats.org/officeDocument/2006/relationships" r:dm="rId3" r:lo="rId4" r:qs="rId5" r:cs="rId6"/>
+          </a:graphicData>
+        </a:graphic>
+      </p:graphicFrame>
     </p:spTree>
     <p:extLst>
       <p:ext uri="{BB962C8B-B14F-4D97-AF65-F5344CB8AC3E}">
-        <p14:creationId xmlns:p14="http://schemas.microsoft.com/office/powerpoint/2010/main" val="24061293"/>
+        <p14:creationId xmlns:p14="http://schemas.microsoft.com/office/powerpoint/2010/main" val="1597280556"/>
       </p:ext>
     </p:extLst>
   </p:cSld>

--- a/docs/find_me.pptx
+++ b/docs/find_me.pptx
@@ -5,10 +5,10 @@
     <p:sldMasterId id="2147483672" r:id="rId4"/>
   </p:sldMasterIdLst>
   <p:notesMasterIdLst>
-    <p:notesMasterId r:id="rId28"/>
+    <p:notesMasterId r:id="rId26"/>
   </p:notesMasterIdLst>
   <p:handoutMasterIdLst>
-    <p:handoutMasterId r:id="rId29"/>
+    <p:handoutMasterId r:id="rId27"/>
   </p:handoutMasterIdLst>
   <p:sldIdLst>
     <p:sldId id="256" r:id="rId5"/>
@@ -18,22 +18,20 @@
     <p:sldId id="277" r:id="rId9"/>
     <p:sldId id="278" r:id="rId10"/>
     <p:sldId id="279" r:id="rId11"/>
-    <p:sldId id="286" r:id="rId12"/>
-    <p:sldId id="273" r:id="rId13"/>
-    <p:sldId id="282" r:id="rId14"/>
-    <p:sldId id="265" r:id="rId15"/>
-    <p:sldId id="288" r:id="rId16"/>
-    <p:sldId id="289" r:id="rId17"/>
-    <p:sldId id="280" r:id="rId18"/>
-    <p:sldId id="281" r:id="rId19"/>
-    <p:sldId id="268" r:id="rId20"/>
-    <p:sldId id="269" r:id="rId21"/>
-    <p:sldId id="270" r:id="rId22"/>
-    <p:sldId id="285" r:id="rId23"/>
-    <p:sldId id="267" r:id="rId24"/>
-    <p:sldId id="283" r:id="rId25"/>
-    <p:sldId id="284" r:id="rId26"/>
-    <p:sldId id="260" r:id="rId27"/>
+    <p:sldId id="282" r:id="rId12"/>
+    <p:sldId id="265" r:id="rId13"/>
+    <p:sldId id="288" r:id="rId14"/>
+    <p:sldId id="289" r:id="rId15"/>
+    <p:sldId id="286" r:id="rId16"/>
+    <p:sldId id="273" r:id="rId17"/>
+    <p:sldId id="268" r:id="rId18"/>
+    <p:sldId id="269" r:id="rId19"/>
+    <p:sldId id="270" r:id="rId20"/>
+    <p:sldId id="285" r:id="rId21"/>
+    <p:sldId id="267" r:id="rId22"/>
+    <p:sldId id="283" r:id="rId23"/>
+    <p:sldId id="284" r:id="rId24"/>
+    <p:sldId id="260" r:id="rId25"/>
   </p:sldIdLst>
   <p:sldSz cx="12192000" cy="6858000"/>
   <p:notesSz cx="6858000" cy="9144000"/>
@@ -1642,755 +1640,6 @@
 </file>
 
 <file path=ppt/diagrams/colors3.xml><?xml version="1.0" encoding="utf-8"?>
-<dgm:colorsDef xmlns:dgm="http://schemas.openxmlformats.org/drawingml/2006/diagram" xmlns:a="http://schemas.openxmlformats.org/drawingml/2006/main" uniqueId="urn:microsoft.com/office/officeart/2018/5/colors/Iconchunking_neutralbg_accent2_2">
-  <dgm:title val=""/>
-  <dgm:desc val=""/>
-  <dgm:catLst>
-    <dgm:cat type="accent2" pri="11200"/>
-  </dgm:catLst>
-  <dgm:styleLbl name="node0">
-    <dgm:fillClrLst meth="repeat">
-      <a:schemeClr val="accent2"/>
-    </dgm:fillClrLst>
-    <dgm:linClrLst meth="repeat">
-      <a:schemeClr val="lt1"/>
-    </dgm:linClrLst>
-    <dgm:effectClrLst/>
-    <dgm:txLinClrLst/>
-    <dgm:txFillClrLst/>
-    <dgm:txEffectClrLst/>
-  </dgm:styleLbl>
-  <dgm:styleLbl name="node1">
-    <dgm:fillClrLst meth="repeat">
-      <a:schemeClr val="accent2"/>
-    </dgm:fillClrLst>
-    <dgm:linClrLst meth="repeat">
-      <a:schemeClr val="lt1">
-        <a:alpha val="0"/>
-      </a:schemeClr>
-    </dgm:linClrLst>
-    <dgm:effectClrLst/>
-    <dgm:txLinClrLst/>
-    <dgm:txFillClrLst/>
-    <dgm:txEffectClrLst/>
-  </dgm:styleLbl>
-  <dgm:styleLbl name="alignNode1">
-    <dgm:fillClrLst meth="repeat">
-      <a:schemeClr val="accent2"/>
-    </dgm:fillClrLst>
-    <dgm:linClrLst meth="repeat">
-      <a:schemeClr val="accent2"/>
-    </dgm:linClrLst>
-    <dgm:effectClrLst/>
-    <dgm:txLinClrLst/>
-    <dgm:txFillClrLst/>
-    <dgm:txEffectClrLst/>
-  </dgm:styleLbl>
-  <dgm:styleLbl name="lnNode1">
-    <dgm:fillClrLst meth="repeat">
-      <a:schemeClr val="accent2"/>
-    </dgm:fillClrLst>
-    <dgm:linClrLst meth="repeat">
-      <a:schemeClr val="lt1"/>
-    </dgm:linClrLst>
-    <dgm:effectClrLst/>
-    <dgm:txLinClrLst/>
-    <dgm:txFillClrLst/>
-    <dgm:txEffectClrLst/>
-  </dgm:styleLbl>
-  <dgm:styleLbl name="vennNode1">
-    <dgm:fillClrLst meth="repeat">
-      <a:schemeClr val="accent2">
-        <a:alpha val="50000"/>
-      </a:schemeClr>
-    </dgm:fillClrLst>
-    <dgm:linClrLst meth="repeat">
-      <a:schemeClr val="lt1"/>
-    </dgm:linClrLst>
-    <dgm:effectClrLst/>
-    <dgm:txLinClrLst/>
-    <dgm:txFillClrLst/>
-    <dgm:txEffectClrLst/>
-  </dgm:styleLbl>
-  <dgm:styleLbl name="node2">
-    <dgm:fillClrLst meth="repeat">
-      <a:schemeClr val="accent2"/>
-    </dgm:fillClrLst>
-    <dgm:linClrLst meth="repeat">
-      <a:schemeClr val="lt1"/>
-    </dgm:linClrLst>
-    <dgm:effectClrLst/>
-    <dgm:txLinClrLst/>
-    <dgm:txFillClrLst/>
-    <dgm:txEffectClrLst/>
-  </dgm:styleLbl>
-  <dgm:styleLbl name="node3">
-    <dgm:fillClrLst meth="repeat">
-      <a:schemeClr val="accent2"/>
-    </dgm:fillClrLst>
-    <dgm:linClrLst meth="repeat">
-      <a:schemeClr val="lt1"/>
-    </dgm:linClrLst>
-    <dgm:effectClrLst/>
-    <dgm:txLinClrLst/>
-    <dgm:txFillClrLst/>
-    <dgm:txEffectClrLst/>
-  </dgm:styleLbl>
-  <dgm:styleLbl name="node4">
-    <dgm:fillClrLst meth="repeat">
-      <a:schemeClr val="accent2"/>
-    </dgm:fillClrLst>
-    <dgm:linClrLst meth="repeat">
-      <a:schemeClr val="lt1"/>
-    </dgm:linClrLst>
-    <dgm:effectClrLst/>
-    <dgm:txLinClrLst/>
-    <dgm:txFillClrLst/>
-    <dgm:txEffectClrLst/>
-  </dgm:styleLbl>
-  <dgm:styleLbl name="fgImgPlace1">
-    <dgm:fillClrLst meth="repeat">
-      <a:schemeClr val="accent2">
-        <a:tint val="50000"/>
-      </a:schemeClr>
-    </dgm:fillClrLst>
-    <dgm:linClrLst meth="repeat">
-      <a:schemeClr val="lt1"/>
-    </dgm:linClrLst>
-    <dgm:effectClrLst/>
-    <dgm:txLinClrLst/>
-    <dgm:txFillClrLst meth="repeat">
-      <a:schemeClr val="lt1"/>
-    </dgm:txFillClrLst>
-    <dgm:txEffectClrLst/>
-  </dgm:styleLbl>
-  <dgm:styleLbl name="alignImgPlace1">
-    <dgm:fillClrLst meth="repeat">
-      <a:schemeClr val="accent2">
-        <a:tint val="50000"/>
-      </a:schemeClr>
-    </dgm:fillClrLst>
-    <dgm:linClrLst meth="repeat">
-      <a:schemeClr val="lt1"/>
-    </dgm:linClrLst>
-    <dgm:effectClrLst/>
-    <dgm:txLinClrLst/>
-    <dgm:txFillClrLst meth="repeat">
-      <a:schemeClr val="lt1"/>
-    </dgm:txFillClrLst>
-    <dgm:txEffectClrLst/>
-  </dgm:styleLbl>
-  <dgm:styleLbl name="bgImgPlace1">
-    <dgm:fillClrLst meth="repeat">
-      <a:schemeClr val="accent2">
-        <a:tint val="50000"/>
-      </a:schemeClr>
-    </dgm:fillClrLst>
-    <dgm:linClrLst meth="repeat">
-      <a:schemeClr val="lt1"/>
-    </dgm:linClrLst>
-    <dgm:effectClrLst/>
-    <dgm:txLinClrLst/>
-    <dgm:txFillClrLst meth="repeat">
-      <a:schemeClr val="lt1"/>
-    </dgm:txFillClrLst>
-    <dgm:txEffectClrLst/>
-  </dgm:styleLbl>
-  <dgm:styleLbl name="sibTrans2D1">
-    <dgm:fillClrLst meth="repeat">
-      <a:schemeClr val="accent2">
-        <a:tint val="60000"/>
-      </a:schemeClr>
-    </dgm:fillClrLst>
-    <dgm:linClrLst meth="repeat">
-      <a:schemeClr val="accent2">
-        <a:tint val="60000"/>
-      </a:schemeClr>
-    </dgm:linClrLst>
-    <dgm:effectClrLst/>
-    <dgm:txLinClrLst/>
-    <dgm:txFillClrLst/>
-    <dgm:txEffectClrLst/>
-  </dgm:styleLbl>
-  <dgm:styleLbl name="fgSibTrans2D1">
-    <dgm:fillClrLst meth="repeat">
-      <a:schemeClr val="accent2">
-        <a:tint val="60000"/>
-      </a:schemeClr>
-    </dgm:fillClrLst>
-    <dgm:linClrLst meth="repeat">
-      <a:schemeClr val="accent2">
-        <a:tint val="60000"/>
-      </a:schemeClr>
-    </dgm:linClrLst>
-    <dgm:effectClrLst/>
-    <dgm:txLinClrLst/>
-    <dgm:txFillClrLst/>
-    <dgm:txEffectClrLst/>
-  </dgm:styleLbl>
-  <dgm:styleLbl name="bgSibTrans2D1">
-    <dgm:fillClrLst meth="repeat">
-      <a:schemeClr val="accent2">
-        <a:tint val="60000"/>
-      </a:schemeClr>
-    </dgm:fillClrLst>
-    <dgm:linClrLst meth="repeat">
-      <a:schemeClr val="accent2">
-        <a:tint val="60000"/>
-      </a:schemeClr>
-    </dgm:linClrLst>
-    <dgm:effectClrLst/>
-    <dgm:txLinClrLst/>
-    <dgm:txFillClrLst/>
-    <dgm:txEffectClrLst/>
-  </dgm:styleLbl>
-  <dgm:styleLbl name="sibTrans1D1">
-    <dgm:fillClrLst meth="repeat">
-      <a:schemeClr val="accent2"/>
-    </dgm:fillClrLst>
-    <dgm:linClrLst meth="repeat">
-      <a:schemeClr val="accent2"/>
-    </dgm:linClrLst>
-    <dgm:effectClrLst/>
-    <dgm:txLinClrLst/>
-    <dgm:txFillClrLst meth="repeat">
-      <a:schemeClr val="tx1"/>
-    </dgm:txFillClrLst>
-    <dgm:txEffectClrLst/>
-  </dgm:styleLbl>
-  <dgm:styleLbl name="callout">
-    <dgm:fillClrLst meth="repeat">
-      <a:schemeClr val="accent2"/>
-    </dgm:fillClrLst>
-    <dgm:linClrLst meth="repeat">
-      <a:schemeClr val="accent2">
-        <a:tint val="50000"/>
-      </a:schemeClr>
-    </dgm:linClrLst>
-    <dgm:effectClrLst/>
-    <dgm:txLinClrLst/>
-    <dgm:txFillClrLst meth="repeat">
-      <a:schemeClr val="tx1"/>
-    </dgm:txFillClrLst>
-    <dgm:txEffectClrLst/>
-  </dgm:styleLbl>
-  <dgm:styleLbl name="asst0">
-    <dgm:fillClrLst meth="repeat">
-      <a:schemeClr val="accent2"/>
-    </dgm:fillClrLst>
-    <dgm:linClrLst meth="repeat">
-      <a:schemeClr val="lt1"/>
-    </dgm:linClrLst>
-    <dgm:effectClrLst/>
-    <dgm:txLinClrLst/>
-    <dgm:txFillClrLst/>
-    <dgm:txEffectClrLst/>
-  </dgm:styleLbl>
-  <dgm:styleLbl name="asst1">
-    <dgm:fillClrLst meth="repeat">
-      <a:schemeClr val="accent2"/>
-    </dgm:fillClrLst>
-    <dgm:linClrLst meth="repeat">
-      <a:schemeClr val="lt1"/>
-    </dgm:linClrLst>
-    <dgm:effectClrLst/>
-    <dgm:txLinClrLst/>
-    <dgm:txFillClrLst/>
-    <dgm:txEffectClrLst/>
-  </dgm:styleLbl>
-  <dgm:styleLbl name="asst2">
-    <dgm:fillClrLst meth="repeat">
-      <a:schemeClr val="accent2"/>
-    </dgm:fillClrLst>
-    <dgm:linClrLst meth="repeat">
-      <a:schemeClr val="lt1"/>
-    </dgm:linClrLst>
-    <dgm:effectClrLst/>
-    <dgm:txLinClrLst/>
-    <dgm:txFillClrLst/>
-    <dgm:txEffectClrLst/>
-  </dgm:styleLbl>
-  <dgm:styleLbl name="asst3">
-    <dgm:fillClrLst meth="repeat">
-      <a:schemeClr val="accent2"/>
-    </dgm:fillClrLst>
-    <dgm:linClrLst meth="repeat">
-      <a:schemeClr val="lt1"/>
-    </dgm:linClrLst>
-    <dgm:effectClrLst/>
-    <dgm:txLinClrLst/>
-    <dgm:txFillClrLst/>
-    <dgm:txEffectClrLst/>
-  </dgm:styleLbl>
-  <dgm:styleLbl name="asst4">
-    <dgm:fillClrLst meth="repeat">
-      <a:schemeClr val="accent2"/>
-    </dgm:fillClrLst>
-    <dgm:linClrLst meth="repeat">
-      <a:schemeClr val="lt1"/>
-    </dgm:linClrLst>
-    <dgm:effectClrLst/>
-    <dgm:txLinClrLst/>
-    <dgm:txFillClrLst/>
-    <dgm:txEffectClrLst/>
-  </dgm:styleLbl>
-  <dgm:styleLbl name="parChTrans2D1">
-    <dgm:fillClrLst meth="repeat">
-      <a:schemeClr val="accent2">
-        <a:tint val="60000"/>
-      </a:schemeClr>
-    </dgm:fillClrLst>
-    <dgm:linClrLst meth="repeat">
-      <a:schemeClr val="accent2">
-        <a:tint val="60000"/>
-      </a:schemeClr>
-    </dgm:linClrLst>
-    <dgm:effectClrLst/>
-    <dgm:txLinClrLst/>
-    <dgm:txFillClrLst meth="repeat">
-      <a:schemeClr val="lt1"/>
-    </dgm:txFillClrLst>
-    <dgm:txEffectClrLst/>
-  </dgm:styleLbl>
-  <dgm:styleLbl name="parChTrans2D2">
-    <dgm:fillClrLst meth="repeat">
-      <a:schemeClr val="accent2"/>
-    </dgm:fillClrLst>
-    <dgm:linClrLst meth="repeat">
-      <a:schemeClr val="accent2"/>
-    </dgm:linClrLst>
-    <dgm:effectClrLst/>
-    <dgm:txLinClrLst/>
-    <dgm:txFillClrLst meth="repeat">
-      <a:schemeClr val="lt1"/>
-    </dgm:txFillClrLst>
-    <dgm:txEffectClrLst/>
-  </dgm:styleLbl>
-  <dgm:styleLbl name="parChTrans2D3">
-    <dgm:fillClrLst meth="repeat">
-      <a:schemeClr val="accent2"/>
-    </dgm:fillClrLst>
-    <dgm:linClrLst meth="repeat">
-      <a:schemeClr val="accent2"/>
-    </dgm:linClrLst>
-    <dgm:effectClrLst/>
-    <dgm:txLinClrLst/>
-    <dgm:txFillClrLst meth="repeat">
-      <a:schemeClr val="lt1"/>
-    </dgm:txFillClrLst>
-    <dgm:txEffectClrLst/>
-  </dgm:styleLbl>
-  <dgm:styleLbl name="parChTrans2D4">
-    <dgm:fillClrLst meth="repeat">
-      <a:schemeClr val="accent2"/>
-    </dgm:fillClrLst>
-    <dgm:linClrLst meth="repeat">
-      <a:schemeClr val="accent2"/>
-    </dgm:linClrLst>
-    <dgm:effectClrLst/>
-    <dgm:txLinClrLst/>
-    <dgm:txFillClrLst meth="repeat">
-      <a:schemeClr val="lt1"/>
-    </dgm:txFillClrLst>
-    <dgm:txEffectClrLst/>
-  </dgm:styleLbl>
-  <dgm:styleLbl name="parChTrans1D1">
-    <dgm:fillClrLst meth="repeat">
-      <a:schemeClr val="accent2"/>
-    </dgm:fillClrLst>
-    <dgm:linClrLst meth="repeat">
-      <a:schemeClr val="accent2">
-        <a:shade val="60000"/>
-      </a:schemeClr>
-    </dgm:linClrLst>
-    <dgm:effectClrLst/>
-    <dgm:txLinClrLst/>
-    <dgm:txFillClrLst meth="repeat">
-      <a:schemeClr val="tx1"/>
-    </dgm:txFillClrLst>
-    <dgm:txEffectClrLst/>
-  </dgm:styleLbl>
-  <dgm:styleLbl name="parChTrans1D2">
-    <dgm:fillClrLst meth="repeat">
-      <a:schemeClr val="accent2"/>
-    </dgm:fillClrLst>
-    <dgm:linClrLst meth="repeat">
-      <a:schemeClr val="accent2">
-        <a:shade val="60000"/>
-      </a:schemeClr>
-    </dgm:linClrLst>
-    <dgm:effectClrLst/>
-    <dgm:txLinClrLst/>
-    <dgm:txFillClrLst meth="repeat">
-      <a:schemeClr val="tx1"/>
-    </dgm:txFillClrLst>
-    <dgm:txEffectClrLst/>
-  </dgm:styleLbl>
-  <dgm:styleLbl name="parChTrans1D3">
-    <dgm:fillClrLst meth="repeat">
-      <a:schemeClr val="accent2"/>
-    </dgm:fillClrLst>
-    <dgm:linClrLst meth="repeat">
-      <a:schemeClr val="accent2">
-        <a:shade val="80000"/>
-      </a:schemeClr>
-    </dgm:linClrLst>
-    <dgm:effectClrLst/>
-    <dgm:txLinClrLst/>
-    <dgm:txFillClrLst meth="repeat">
-      <a:schemeClr val="tx1"/>
-    </dgm:txFillClrLst>
-    <dgm:txEffectClrLst/>
-  </dgm:styleLbl>
-  <dgm:styleLbl name="parChTrans1D4">
-    <dgm:fillClrLst meth="repeat">
-      <a:schemeClr val="accent2"/>
-    </dgm:fillClrLst>
-    <dgm:linClrLst meth="repeat">
-      <a:schemeClr val="accent2">
-        <a:shade val="80000"/>
-      </a:schemeClr>
-    </dgm:linClrLst>
-    <dgm:effectClrLst/>
-    <dgm:txLinClrLst/>
-    <dgm:txFillClrLst meth="repeat">
-      <a:schemeClr val="tx1"/>
-    </dgm:txFillClrLst>
-    <dgm:txEffectClrLst/>
-  </dgm:styleLbl>
-  <dgm:styleLbl name="fgAcc1">
-    <dgm:fillClrLst meth="repeat">
-      <a:schemeClr val="lt1">
-        <a:alpha val="90000"/>
-      </a:schemeClr>
-    </dgm:fillClrLst>
-    <dgm:linClrLst meth="repeat">
-      <a:schemeClr val="accent2"/>
-    </dgm:linClrLst>
-    <dgm:effectClrLst/>
-    <dgm:txLinClrLst/>
-    <dgm:txFillClrLst meth="repeat">
-      <a:schemeClr val="dk1"/>
-    </dgm:txFillClrLst>
-    <dgm:txEffectClrLst/>
-  </dgm:styleLbl>
-  <dgm:styleLbl name="conFgAcc1">
-    <dgm:fillClrLst meth="repeat">
-      <a:schemeClr val="lt1">
-        <a:alpha val="90000"/>
-      </a:schemeClr>
-    </dgm:fillClrLst>
-    <dgm:linClrLst meth="repeat">
-      <a:schemeClr val="accent2"/>
-    </dgm:linClrLst>
-    <dgm:effectClrLst/>
-    <dgm:txLinClrLst/>
-    <dgm:txFillClrLst meth="repeat">
-      <a:schemeClr val="dk1"/>
-    </dgm:txFillClrLst>
-    <dgm:txEffectClrLst/>
-  </dgm:styleLbl>
-  <dgm:styleLbl name="alignAcc1">
-    <dgm:fillClrLst meth="repeat">
-      <a:schemeClr val="lt1">
-        <a:alpha val="90000"/>
-      </a:schemeClr>
-    </dgm:fillClrLst>
-    <dgm:linClrLst meth="repeat">
-      <a:schemeClr val="accent2"/>
-    </dgm:linClrLst>
-    <dgm:effectClrLst/>
-    <dgm:txLinClrLst/>
-    <dgm:txFillClrLst meth="repeat">
-      <a:schemeClr val="dk1"/>
-    </dgm:txFillClrLst>
-    <dgm:txEffectClrLst/>
-  </dgm:styleLbl>
-  <dgm:styleLbl name="trAlignAcc1">
-    <dgm:fillClrLst meth="repeat">
-      <a:schemeClr val="lt1">
-        <a:alpha val="40000"/>
-      </a:schemeClr>
-    </dgm:fillClrLst>
-    <dgm:linClrLst meth="repeat">
-      <a:schemeClr val="accent2"/>
-    </dgm:linClrLst>
-    <dgm:effectClrLst/>
-    <dgm:txLinClrLst/>
-    <dgm:txFillClrLst meth="repeat">
-      <a:schemeClr val="dk1"/>
-    </dgm:txFillClrLst>
-    <dgm:txEffectClrLst/>
-  </dgm:styleLbl>
-  <dgm:styleLbl name="bgAcc1">
-    <dgm:fillClrLst meth="repeat">
-      <a:schemeClr val="lt1">
-        <a:alpha val="90000"/>
-      </a:schemeClr>
-    </dgm:fillClrLst>
-    <dgm:linClrLst meth="repeat">
-      <a:schemeClr val="accent2"/>
-    </dgm:linClrLst>
-    <dgm:effectClrLst/>
-    <dgm:txLinClrLst/>
-    <dgm:txFillClrLst meth="repeat">
-      <a:schemeClr val="dk1"/>
-    </dgm:txFillClrLst>
-    <dgm:txEffectClrLst/>
-  </dgm:styleLbl>
-  <dgm:styleLbl name="solidFgAcc1">
-    <dgm:fillClrLst meth="repeat">
-      <a:schemeClr val="lt1"/>
-    </dgm:fillClrLst>
-    <dgm:linClrLst meth="repeat">
-      <a:schemeClr val="accent2"/>
-    </dgm:linClrLst>
-    <dgm:effectClrLst/>
-    <dgm:txLinClrLst/>
-    <dgm:txFillClrLst meth="repeat">
-      <a:schemeClr val="dk1"/>
-    </dgm:txFillClrLst>
-    <dgm:txEffectClrLst/>
-  </dgm:styleLbl>
-  <dgm:styleLbl name="solidAlignAcc1">
-    <dgm:fillClrLst meth="repeat">
-      <a:schemeClr val="lt1"/>
-    </dgm:fillClrLst>
-    <dgm:linClrLst meth="repeat">
-      <a:schemeClr val="accent2"/>
-    </dgm:linClrLst>
-    <dgm:effectClrLst/>
-    <dgm:txLinClrLst/>
-    <dgm:txFillClrLst meth="repeat">
-      <a:schemeClr val="dk1"/>
-    </dgm:txFillClrLst>
-    <dgm:txEffectClrLst/>
-  </dgm:styleLbl>
-  <dgm:styleLbl name="solidBgAcc1">
-    <dgm:fillClrLst meth="repeat">
-      <a:schemeClr val="lt1"/>
-    </dgm:fillClrLst>
-    <dgm:linClrLst meth="repeat">
-      <a:schemeClr val="accent2"/>
-    </dgm:linClrLst>
-    <dgm:effectClrLst/>
-    <dgm:txLinClrLst/>
-    <dgm:txFillClrLst meth="repeat">
-      <a:schemeClr val="dk1"/>
-    </dgm:txFillClrLst>
-    <dgm:txEffectClrLst/>
-  </dgm:styleLbl>
-  <dgm:styleLbl name="fgAccFollowNode1">
-    <dgm:fillClrLst meth="repeat">
-      <a:schemeClr val="accent2">
-        <a:alpha val="90000"/>
-        <a:tint val="40000"/>
-      </a:schemeClr>
-    </dgm:fillClrLst>
-    <dgm:linClrLst meth="repeat">
-      <a:schemeClr val="accent2">
-        <a:alpha val="90000"/>
-        <a:tint val="40000"/>
-      </a:schemeClr>
-    </dgm:linClrLst>
-    <dgm:effectClrLst/>
-    <dgm:txLinClrLst/>
-    <dgm:txFillClrLst meth="repeat">
-      <a:schemeClr val="dk1"/>
-    </dgm:txFillClrLst>
-    <dgm:txEffectClrLst/>
-  </dgm:styleLbl>
-  <dgm:styleLbl name="alignAccFollowNode1">
-    <dgm:fillClrLst meth="repeat">
-      <a:schemeClr val="accent2">
-        <a:alpha val="90000"/>
-        <a:tint val="40000"/>
-      </a:schemeClr>
-    </dgm:fillClrLst>
-    <dgm:linClrLst meth="repeat">
-      <a:schemeClr val="accent2">
-        <a:alpha val="90000"/>
-        <a:tint val="40000"/>
-      </a:schemeClr>
-    </dgm:linClrLst>
-    <dgm:effectClrLst/>
-    <dgm:txLinClrLst/>
-    <dgm:txFillClrLst meth="repeat">
-      <a:schemeClr val="dk1"/>
-    </dgm:txFillClrLst>
-    <dgm:txEffectClrLst/>
-  </dgm:styleLbl>
-  <dgm:styleLbl name="bgAccFollowNode1">
-    <dgm:fillClrLst meth="repeat">
-      <a:schemeClr val="accent2">
-        <a:alpha val="90000"/>
-        <a:tint val="40000"/>
-      </a:schemeClr>
-    </dgm:fillClrLst>
-    <dgm:linClrLst meth="repeat">
-      <a:schemeClr val="accent2">
-        <a:alpha val="90000"/>
-        <a:tint val="40000"/>
-      </a:schemeClr>
-    </dgm:linClrLst>
-    <dgm:effectClrLst/>
-    <dgm:txLinClrLst/>
-    <dgm:txFillClrLst meth="repeat">
-      <a:schemeClr val="dk1"/>
-    </dgm:txFillClrLst>
-    <dgm:txEffectClrLst/>
-  </dgm:styleLbl>
-  <dgm:styleLbl name="fgAcc0">
-    <dgm:fillClrLst meth="repeat">
-      <a:schemeClr val="lt1">
-        <a:alpha val="90000"/>
-      </a:schemeClr>
-    </dgm:fillClrLst>
-    <dgm:linClrLst meth="repeat">
-      <a:schemeClr val="accent2"/>
-    </dgm:linClrLst>
-    <dgm:effectClrLst/>
-    <dgm:txLinClrLst/>
-    <dgm:txFillClrLst meth="repeat">
-      <a:schemeClr val="dk1"/>
-    </dgm:txFillClrLst>
-    <dgm:txEffectClrLst/>
-  </dgm:styleLbl>
-  <dgm:styleLbl name="fgAcc2">
-    <dgm:fillClrLst meth="repeat">
-      <a:schemeClr val="lt1">
-        <a:alpha val="90000"/>
-      </a:schemeClr>
-    </dgm:fillClrLst>
-    <dgm:linClrLst meth="repeat">
-      <a:schemeClr val="accent2"/>
-    </dgm:linClrLst>
-    <dgm:effectClrLst/>
-    <dgm:txLinClrLst/>
-    <dgm:txFillClrLst meth="repeat">
-      <a:schemeClr val="dk1"/>
-    </dgm:txFillClrLst>
-    <dgm:txEffectClrLst/>
-  </dgm:styleLbl>
-  <dgm:styleLbl name="fgAcc3">
-    <dgm:fillClrLst meth="repeat">
-      <a:schemeClr val="lt1">
-        <a:alpha val="90000"/>
-      </a:schemeClr>
-    </dgm:fillClrLst>
-    <dgm:linClrLst meth="repeat">
-      <a:schemeClr val="accent2"/>
-    </dgm:linClrLst>
-    <dgm:effectClrLst/>
-    <dgm:txLinClrLst/>
-    <dgm:txFillClrLst meth="repeat">
-      <a:schemeClr val="dk1"/>
-    </dgm:txFillClrLst>
-    <dgm:txEffectClrLst/>
-  </dgm:styleLbl>
-  <dgm:styleLbl name="fgAcc4">
-    <dgm:fillClrLst meth="repeat">
-      <a:schemeClr val="lt1">
-        <a:alpha val="90000"/>
-      </a:schemeClr>
-    </dgm:fillClrLst>
-    <dgm:linClrLst meth="repeat">
-      <a:schemeClr val="accent2"/>
-    </dgm:linClrLst>
-    <dgm:effectClrLst/>
-    <dgm:txLinClrLst/>
-    <dgm:txFillClrLst meth="repeat">
-      <a:schemeClr val="dk1"/>
-    </dgm:txFillClrLst>
-    <dgm:txEffectClrLst/>
-  </dgm:styleLbl>
-  <dgm:styleLbl name="bgShp">
-    <dgm:fillClrLst meth="repeat">
-      <a:schemeClr val="bg1">
-        <a:lumMod val="95000"/>
-      </a:schemeClr>
-    </dgm:fillClrLst>
-    <dgm:linClrLst meth="repeat">
-      <a:schemeClr val="accent2"/>
-    </dgm:linClrLst>
-    <dgm:effectClrLst/>
-    <dgm:txLinClrLst/>
-    <dgm:txFillClrLst meth="repeat">
-      <a:schemeClr val="dk1"/>
-    </dgm:txFillClrLst>
-    <dgm:txEffectClrLst/>
-  </dgm:styleLbl>
-  <dgm:styleLbl name="dkBgShp">
-    <dgm:fillClrLst meth="repeat">
-      <a:schemeClr val="accent2">
-        <a:shade val="80000"/>
-      </a:schemeClr>
-    </dgm:fillClrLst>
-    <dgm:linClrLst meth="repeat">
-      <a:schemeClr val="accent2"/>
-    </dgm:linClrLst>
-    <dgm:effectClrLst/>
-    <dgm:txLinClrLst/>
-    <dgm:txFillClrLst meth="repeat">
-      <a:schemeClr val="lt1"/>
-    </dgm:txFillClrLst>
-    <dgm:txEffectClrLst/>
-  </dgm:styleLbl>
-  <dgm:styleLbl name="trBgShp">
-    <dgm:fillClrLst meth="repeat">
-      <a:schemeClr val="accent2">
-        <a:tint val="50000"/>
-        <a:alpha val="40000"/>
-      </a:schemeClr>
-    </dgm:fillClrLst>
-    <dgm:linClrLst meth="repeat">
-      <a:schemeClr val="accent2"/>
-    </dgm:linClrLst>
-    <dgm:effectClrLst/>
-    <dgm:txLinClrLst/>
-    <dgm:txFillClrLst meth="repeat">
-      <a:schemeClr val="lt1"/>
-    </dgm:txFillClrLst>
-    <dgm:txEffectClrLst/>
-  </dgm:styleLbl>
-  <dgm:styleLbl name="fgShp">
-    <dgm:fillClrLst meth="repeat">
-      <a:schemeClr val="accent2">
-        <a:tint val="60000"/>
-      </a:schemeClr>
-    </dgm:fillClrLst>
-    <dgm:linClrLst meth="repeat">
-      <a:schemeClr val="lt1"/>
-    </dgm:linClrLst>
-    <dgm:effectClrLst/>
-    <dgm:txLinClrLst/>
-    <dgm:txFillClrLst meth="repeat">
-      <a:schemeClr val="dk1"/>
-    </dgm:txFillClrLst>
-    <dgm:txEffectClrLst/>
-  </dgm:styleLbl>
-  <dgm:styleLbl name="revTx">
-    <dgm:fillClrLst meth="repeat">
-      <a:schemeClr val="lt1">
-        <a:alpha val="0"/>
-      </a:schemeClr>
-    </dgm:fillClrLst>
-    <dgm:linClrLst meth="repeat">
-      <a:schemeClr val="dk1">
-        <a:alpha val="0"/>
-      </a:schemeClr>
-    </dgm:linClrLst>
-    <dgm:effectClrLst/>
-    <dgm:txLinClrLst/>
-    <dgm:txFillClrLst meth="repeat">
-      <a:schemeClr val="tx1"/>
-    </dgm:txFillClrLst>
-    <dgm:txEffectClrLst/>
-  </dgm:styleLbl>
-</dgm:colorsDef>
-</file>
-
-<file path=ppt/diagrams/colors4.xml><?xml version="1.0" encoding="utf-8"?>
 <dgm:colorsDef xmlns:dgm="http://schemas.openxmlformats.org/drawingml/2006/diagram" xmlns:a="http://schemas.openxmlformats.org/drawingml/2006/main" uniqueId="urn:microsoft.com/office/officeart/2018/5/colors/Iconchunking_neutralbg_accent2_2">
   <dgm:title val=""/>
   <dgm:desc val=""/>
@@ -3827,351 +3076,6 @@
 </file>
 
 <file path=ppt/diagrams/data3.xml><?xml version="1.0" encoding="utf-8"?>
-<dgm:dataModel xmlns:dgm="http://schemas.openxmlformats.org/drawingml/2006/diagram" xmlns:a="http://schemas.openxmlformats.org/drawingml/2006/main">
-  <dgm:ptLst>
-    <dgm:pt modelId="{7D9C16A6-8C48-4165-8DAF-8C957C12A8FA}" type="doc">
-      <dgm:prSet loTypeId="urn:microsoft.com/office/officeart/2018/2/layout/IconLabelList" loCatId="icon" qsTypeId="urn:microsoft.com/office/officeart/2005/8/quickstyle/simple1" qsCatId="simple" csTypeId="urn:microsoft.com/office/officeart/2018/5/colors/Iconchunking_neutralbg_accent2_2" csCatId="accent2" phldr="1"/>
-      <dgm:spPr/>
-      <dgm:t>
-        <a:bodyPr/>
-        <a:lstStyle/>
-        <a:p>
-          <a:endParaRPr lang="en-US"/>
-        </a:p>
-      </dgm:t>
-    </dgm:pt>
-    <dgm:pt modelId="{701D68F5-42F8-47BC-8FED-84C50F595DF0}">
-      <dgm:prSet phldrT="[Text]"/>
-      <dgm:spPr/>
-      <dgm:t>
-        <a:bodyPr/>
-        <a:lstStyle/>
-        <a:p>
-          <a:r>
-            <a:rPr lang="en-ZA" dirty="0"/>
-            <a:t>Crawling</a:t>
-          </a:r>
-          <a:endParaRPr lang="en-US" dirty="0"/>
-        </a:p>
-      </dgm:t>
-    </dgm:pt>
-    <dgm:pt modelId="{9617668C-C38C-4017-8DDF-37855B15D110}" type="parTrans" cxnId="{C4BA385D-31ED-40EF-A5D6-98DFBA64E71A}">
-      <dgm:prSet/>
-      <dgm:spPr/>
-      <dgm:t>
-        <a:bodyPr/>
-        <a:lstStyle/>
-        <a:p>
-          <a:endParaRPr lang="en-US"/>
-        </a:p>
-      </dgm:t>
-    </dgm:pt>
-    <dgm:pt modelId="{0C95B389-AC0C-4055-9AA3-38815EFC8B0A}" type="sibTrans" cxnId="{C4BA385D-31ED-40EF-A5D6-98DFBA64E71A}">
-      <dgm:prSet/>
-      <dgm:spPr/>
-      <dgm:t>
-        <a:bodyPr/>
-        <a:lstStyle/>
-        <a:p>
-          <a:endParaRPr lang="en-US"/>
-        </a:p>
-      </dgm:t>
-    </dgm:pt>
-    <dgm:pt modelId="{91A66877-AC1C-46D9-BF2C-6024B638DEA9}">
-      <dgm:prSet phldrT="[Text]"/>
-      <dgm:spPr/>
-      <dgm:t>
-        <a:bodyPr/>
-        <a:lstStyle/>
-        <a:p>
-          <a:r>
-            <a:rPr lang="en-US" dirty="0"/>
-            <a:t>Indexing</a:t>
-          </a:r>
-        </a:p>
-      </dgm:t>
-    </dgm:pt>
-    <dgm:pt modelId="{913FED05-DF41-48A7-B1F8-81937A468EF9}" type="parTrans" cxnId="{7F0DAB6F-9257-4F2D-B31A-3418F73F6952}">
-      <dgm:prSet/>
-      <dgm:spPr/>
-      <dgm:t>
-        <a:bodyPr/>
-        <a:lstStyle/>
-        <a:p>
-          <a:endParaRPr lang="en-US"/>
-        </a:p>
-      </dgm:t>
-    </dgm:pt>
-    <dgm:pt modelId="{BFCE4A28-C381-46FF-935A-B11534EF7D87}" type="sibTrans" cxnId="{7F0DAB6F-9257-4F2D-B31A-3418F73F6952}">
-      <dgm:prSet/>
-      <dgm:spPr/>
-      <dgm:t>
-        <a:bodyPr/>
-        <a:lstStyle/>
-        <a:p>
-          <a:endParaRPr lang="en-US"/>
-        </a:p>
-      </dgm:t>
-    </dgm:pt>
-    <dgm:pt modelId="{76CC3289-2662-43F0-A3C6-BA04A135F08C}">
-      <dgm:prSet phldrT="[Text]"/>
-      <dgm:spPr/>
-      <dgm:t>
-        <a:bodyPr/>
-        <a:lstStyle/>
-        <a:p>
-          <a:r>
-            <a:rPr lang="en-US" dirty="0"/>
-            <a:t>Ranking</a:t>
-          </a:r>
-        </a:p>
-      </dgm:t>
-    </dgm:pt>
-    <dgm:pt modelId="{D46DB4DA-1442-4ECE-89FE-BBB1E3489E3D}" type="parTrans" cxnId="{0400886E-8A1A-44C2-95A7-DB0EF4911494}">
-      <dgm:prSet/>
-      <dgm:spPr/>
-      <dgm:t>
-        <a:bodyPr/>
-        <a:lstStyle/>
-        <a:p>
-          <a:endParaRPr lang="en-US"/>
-        </a:p>
-      </dgm:t>
-    </dgm:pt>
-    <dgm:pt modelId="{FA28C9D6-476E-43CD-BA23-D6D990FD78D0}" type="sibTrans" cxnId="{0400886E-8A1A-44C2-95A7-DB0EF4911494}">
-      <dgm:prSet/>
-      <dgm:spPr/>
-      <dgm:t>
-        <a:bodyPr/>
-        <a:lstStyle/>
-        <a:p>
-          <a:endParaRPr lang="en-US"/>
-        </a:p>
-      </dgm:t>
-    </dgm:pt>
-    <dgm:pt modelId="{8994D886-A75F-411A-A9D7-D31991FF12BD}" type="pres">
-      <dgm:prSet presAssocID="{7D9C16A6-8C48-4165-8DAF-8C957C12A8FA}" presName="root" presStyleCnt="0">
-        <dgm:presLayoutVars>
-          <dgm:dir/>
-          <dgm:resizeHandles val="exact"/>
-        </dgm:presLayoutVars>
-      </dgm:prSet>
-      <dgm:spPr/>
-    </dgm:pt>
-    <dgm:pt modelId="{E1DBA6D5-BD14-4CD2-A0CC-80F867FEFA81}" type="pres">
-      <dgm:prSet presAssocID="{701D68F5-42F8-47BC-8FED-84C50F595DF0}" presName="compNode" presStyleCnt="0"/>
-      <dgm:spPr/>
-    </dgm:pt>
-    <dgm:pt modelId="{19A8DC21-3E65-409D-AD53-DA51BB9198A0}" type="pres">
-      <dgm:prSet presAssocID="{701D68F5-42F8-47BC-8FED-84C50F595DF0}" presName="iconRect" presStyleLbl="node1" presStyleIdx="0" presStyleCnt="3" custScaleX="157625" custScaleY="157625"/>
-      <dgm:spPr>
-        <a:blipFill>
-          <a:blip xmlns:r="http://schemas.openxmlformats.org/officeDocument/2006/relationships" r:embed="rId1">
-            <a:duotone>
-              <a:schemeClr val="accent2">
-                <a:hueOff val="0"/>
-                <a:satOff val="0"/>
-                <a:lumOff val="0"/>
-                <a:alphaOff val="0"/>
-                <a:shade val="20000"/>
-                <a:satMod val="200000"/>
-              </a:schemeClr>
-              <a:schemeClr val="accent2">
-                <a:hueOff val="0"/>
-                <a:satOff val="0"/>
-                <a:lumOff val="0"/>
-                <a:alphaOff val="0"/>
-                <a:tint val="12000"/>
-                <a:satMod val="190000"/>
-              </a:schemeClr>
-            </a:duotone>
-            <a:extLst>
-              <a:ext uri="{28A0092B-C50C-407E-A947-70E740481C1C}">
-                <a14:useLocalDpi xmlns:a14="http://schemas.microsoft.com/office/drawing/2010/main" val="0"/>
-              </a:ext>
-            </a:extLst>
-          </a:blip>
-          <a:srcRect/>
-          <a:stretch>
-            <a:fillRect/>
-          </a:stretch>
-        </a:blipFill>
-        <a:ln>
-          <a:noFill/>
-        </a:ln>
-      </dgm:spPr>
-    </dgm:pt>
-    <dgm:pt modelId="{B9F90A48-FF94-4C94-A587-0190406F6FD3}" type="pres">
-      <dgm:prSet presAssocID="{701D68F5-42F8-47BC-8FED-84C50F595DF0}" presName="spaceRect" presStyleCnt="0"/>
-      <dgm:spPr/>
-    </dgm:pt>
-    <dgm:pt modelId="{A99B5DD6-89E9-4537-B415-4205CEB9323A}" type="pres">
-      <dgm:prSet presAssocID="{701D68F5-42F8-47BC-8FED-84C50F595DF0}" presName="textRect" presStyleLbl="revTx" presStyleIdx="0" presStyleCnt="3">
-        <dgm:presLayoutVars>
-          <dgm:chMax val="1"/>
-          <dgm:chPref val="1"/>
-        </dgm:presLayoutVars>
-      </dgm:prSet>
-      <dgm:spPr/>
-    </dgm:pt>
-    <dgm:pt modelId="{8B391436-B9B0-45BD-A57F-792D6376D868}" type="pres">
-      <dgm:prSet presAssocID="{0C95B389-AC0C-4055-9AA3-38815EFC8B0A}" presName="sibTrans" presStyleCnt="0"/>
-      <dgm:spPr/>
-    </dgm:pt>
-    <dgm:pt modelId="{95872155-C45D-46D3-874C-D838089A06F8}" type="pres">
-      <dgm:prSet presAssocID="{91A66877-AC1C-46D9-BF2C-6024B638DEA9}" presName="compNode" presStyleCnt="0"/>
-      <dgm:spPr/>
-    </dgm:pt>
-    <dgm:pt modelId="{CE9DF0E8-B0DE-4E1E-9FF4-6006AD8428DB}" type="pres">
-      <dgm:prSet presAssocID="{91A66877-AC1C-46D9-BF2C-6024B638DEA9}" presName="iconRect" presStyleLbl="node1" presStyleIdx="1" presStyleCnt="3" custScaleX="157625" custScaleY="157625"/>
-      <dgm:spPr>
-        <a:blipFill>
-          <a:blip xmlns:r="http://schemas.openxmlformats.org/officeDocument/2006/relationships" r:embed="rId2">
-            <a:duotone>
-              <a:schemeClr val="accent2">
-                <a:hueOff val="0"/>
-                <a:satOff val="0"/>
-                <a:lumOff val="0"/>
-                <a:alphaOff val="0"/>
-                <a:shade val="20000"/>
-                <a:satMod val="200000"/>
-              </a:schemeClr>
-              <a:schemeClr val="accent2">
-                <a:hueOff val="0"/>
-                <a:satOff val="0"/>
-                <a:lumOff val="0"/>
-                <a:alphaOff val="0"/>
-                <a:tint val="12000"/>
-                <a:satMod val="190000"/>
-              </a:schemeClr>
-            </a:duotone>
-            <a:extLst>
-              <a:ext uri="{28A0092B-C50C-407E-A947-70E740481C1C}">
-                <a14:useLocalDpi xmlns:a14="http://schemas.microsoft.com/office/drawing/2010/main" val="0"/>
-              </a:ext>
-            </a:extLst>
-          </a:blip>
-          <a:srcRect/>
-          <a:stretch>
-            <a:fillRect/>
-          </a:stretch>
-        </a:blipFill>
-        <a:ln>
-          <a:noFill/>
-        </a:ln>
-      </dgm:spPr>
-    </dgm:pt>
-    <dgm:pt modelId="{AA0423A1-55B2-45E9-BFE7-3FBE5BDA65ED}" type="pres">
-      <dgm:prSet presAssocID="{91A66877-AC1C-46D9-BF2C-6024B638DEA9}" presName="spaceRect" presStyleCnt="0"/>
-      <dgm:spPr/>
-    </dgm:pt>
-    <dgm:pt modelId="{55120873-6F5C-4053-8EAD-6287A7F1097E}" type="pres">
-      <dgm:prSet presAssocID="{91A66877-AC1C-46D9-BF2C-6024B638DEA9}" presName="textRect" presStyleLbl="revTx" presStyleIdx="1" presStyleCnt="3">
-        <dgm:presLayoutVars>
-          <dgm:chMax val="1"/>
-          <dgm:chPref val="1"/>
-        </dgm:presLayoutVars>
-      </dgm:prSet>
-      <dgm:spPr/>
-    </dgm:pt>
-    <dgm:pt modelId="{F679C986-30E4-4F0A-A3A6-CAE528BFED76}" type="pres">
-      <dgm:prSet presAssocID="{BFCE4A28-C381-46FF-935A-B11534EF7D87}" presName="sibTrans" presStyleCnt="0"/>
-      <dgm:spPr/>
-    </dgm:pt>
-    <dgm:pt modelId="{2EC2FDE3-8908-45C7-A3FD-EB370213FE69}" type="pres">
-      <dgm:prSet presAssocID="{76CC3289-2662-43F0-A3C6-BA04A135F08C}" presName="compNode" presStyleCnt="0"/>
-      <dgm:spPr/>
-    </dgm:pt>
-    <dgm:pt modelId="{6DB1FE51-13D0-4A38-AD6E-48D4371A1AF3}" type="pres">
-      <dgm:prSet presAssocID="{76CC3289-2662-43F0-A3C6-BA04A135F08C}" presName="iconRect" presStyleLbl="node1" presStyleIdx="2" presStyleCnt="3" custScaleX="157625" custScaleY="157625"/>
-      <dgm:spPr>
-        <a:blipFill>
-          <a:blip xmlns:r="http://schemas.openxmlformats.org/officeDocument/2006/relationships" r:embed="rId3">
-            <a:duotone>
-              <a:schemeClr val="accent2">
-                <a:hueOff val="0"/>
-                <a:satOff val="0"/>
-                <a:lumOff val="0"/>
-                <a:alphaOff val="0"/>
-                <a:shade val="20000"/>
-                <a:satMod val="200000"/>
-              </a:schemeClr>
-              <a:schemeClr val="accent2">
-                <a:hueOff val="0"/>
-                <a:satOff val="0"/>
-                <a:lumOff val="0"/>
-                <a:alphaOff val="0"/>
-                <a:tint val="12000"/>
-                <a:satMod val="190000"/>
-              </a:schemeClr>
-            </a:duotone>
-            <a:extLst>
-              <a:ext uri="{28A0092B-C50C-407E-A947-70E740481C1C}">
-                <a14:useLocalDpi xmlns:a14="http://schemas.microsoft.com/office/drawing/2010/main" val="0"/>
-              </a:ext>
-            </a:extLst>
-          </a:blip>
-          <a:srcRect/>
-          <a:stretch>
-            <a:fillRect/>
-          </a:stretch>
-        </a:blipFill>
-        <a:ln>
-          <a:noFill/>
-        </a:ln>
-      </dgm:spPr>
-    </dgm:pt>
-    <dgm:pt modelId="{0928538A-05CC-4A79-BD5D-92F985D1EEE5}" type="pres">
-      <dgm:prSet presAssocID="{76CC3289-2662-43F0-A3C6-BA04A135F08C}" presName="spaceRect" presStyleCnt="0"/>
-      <dgm:spPr/>
-    </dgm:pt>
-    <dgm:pt modelId="{133097FC-B1F8-4953-B0AB-E8E73D968D1C}" type="pres">
-      <dgm:prSet presAssocID="{76CC3289-2662-43F0-A3C6-BA04A135F08C}" presName="textRect" presStyleLbl="revTx" presStyleIdx="2" presStyleCnt="3">
-        <dgm:presLayoutVars>
-          <dgm:chMax val="1"/>
-          <dgm:chPref val="1"/>
-        </dgm:presLayoutVars>
-      </dgm:prSet>
-      <dgm:spPr/>
-    </dgm:pt>
-  </dgm:ptLst>
-  <dgm:cxnLst>
-    <dgm:cxn modelId="{1B8CB22C-9648-419B-97E9-4AA6C3555723}" type="presOf" srcId="{701D68F5-42F8-47BC-8FED-84C50F595DF0}" destId="{A99B5DD6-89E9-4537-B415-4205CEB9323A}" srcOrd="0" destOrd="0" presId="urn:microsoft.com/office/officeart/2018/2/layout/IconLabelList"/>
-    <dgm:cxn modelId="{C4BA385D-31ED-40EF-A5D6-98DFBA64E71A}" srcId="{7D9C16A6-8C48-4165-8DAF-8C957C12A8FA}" destId="{701D68F5-42F8-47BC-8FED-84C50F595DF0}" srcOrd="0" destOrd="0" parTransId="{9617668C-C38C-4017-8DDF-37855B15D110}" sibTransId="{0C95B389-AC0C-4055-9AA3-38815EFC8B0A}"/>
-    <dgm:cxn modelId="{5574CC64-4BF2-43BE-BABC-6DF1E58A4C74}" type="presOf" srcId="{7D9C16A6-8C48-4165-8DAF-8C957C12A8FA}" destId="{8994D886-A75F-411A-A9D7-D31991FF12BD}" srcOrd="0" destOrd="0" presId="urn:microsoft.com/office/officeart/2018/2/layout/IconLabelList"/>
-    <dgm:cxn modelId="{0400886E-8A1A-44C2-95A7-DB0EF4911494}" srcId="{7D9C16A6-8C48-4165-8DAF-8C957C12A8FA}" destId="{76CC3289-2662-43F0-A3C6-BA04A135F08C}" srcOrd="2" destOrd="0" parTransId="{D46DB4DA-1442-4ECE-89FE-BBB1E3489E3D}" sibTransId="{FA28C9D6-476E-43CD-BA23-D6D990FD78D0}"/>
-    <dgm:cxn modelId="{7F0DAB6F-9257-4F2D-B31A-3418F73F6952}" srcId="{7D9C16A6-8C48-4165-8DAF-8C957C12A8FA}" destId="{91A66877-AC1C-46D9-BF2C-6024B638DEA9}" srcOrd="1" destOrd="0" parTransId="{913FED05-DF41-48A7-B1F8-81937A468EF9}" sibTransId="{BFCE4A28-C381-46FF-935A-B11534EF7D87}"/>
-    <dgm:cxn modelId="{EC5C6E85-C523-4B60-976B-342F12E3A6CB}" type="presOf" srcId="{91A66877-AC1C-46D9-BF2C-6024B638DEA9}" destId="{55120873-6F5C-4053-8EAD-6287A7F1097E}" srcOrd="0" destOrd="0" presId="urn:microsoft.com/office/officeart/2018/2/layout/IconLabelList"/>
-    <dgm:cxn modelId="{6E31C6AB-C9E6-448F-A8CC-566A63619D4D}" type="presOf" srcId="{76CC3289-2662-43F0-A3C6-BA04A135F08C}" destId="{133097FC-B1F8-4953-B0AB-E8E73D968D1C}" srcOrd="0" destOrd="0" presId="urn:microsoft.com/office/officeart/2018/2/layout/IconLabelList"/>
-    <dgm:cxn modelId="{2AD6E781-3ED2-484E-B438-73386D2C583D}" type="presParOf" srcId="{8994D886-A75F-411A-A9D7-D31991FF12BD}" destId="{E1DBA6D5-BD14-4CD2-A0CC-80F867FEFA81}" srcOrd="0" destOrd="0" presId="urn:microsoft.com/office/officeart/2018/2/layout/IconLabelList"/>
-    <dgm:cxn modelId="{10B2B212-528C-471D-ABD0-D66ED992B833}" type="presParOf" srcId="{E1DBA6D5-BD14-4CD2-A0CC-80F867FEFA81}" destId="{19A8DC21-3E65-409D-AD53-DA51BB9198A0}" srcOrd="0" destOrd="0" presId="urn:microsoft.com/office/officeart/2018/2/layout/IconLabelList"/>
-    <dgm:cxn modelId="{2A8FB3D0-F98B-4F5A-BACA-4315E38776FB}" type="presParOf" srcId="{E1DBA6D5-BD14-4CD2-A0CC-80F867FEFA81}" destId="{B9F90A48-FF94-4C94-A587-0190406F6FD3}" srcOrd="1" destOrd="0" presId="urn:microsoft.com/office/officeart/2018/2/layout/IconLabelList"/>
-    <dgm:cxn modelId="{95FEF629-9884-451C-89B4-41B897ABE3D6}" type="presParOf" srcId="{E1DBA6D5-BD14-4CD2-A0CC-80F867FEFA81}" destId="{A99B5DD6-89E9-4537-B415-4205CEB9323A}" srcOrd="2" destOrd="0" presId="urn:microsoft.com/office/officeart/2018/2/layout/IconLabelList"/>
-    <dgm:cxn modelId="{0FE6827F-DE80-4F8A-8E9D-7F88C0F7EF29}" type="presParOf" srcId="{8994D886-A75F-411A-A9D7-D31991FF12BD}" destId="{8B391436-B9B0-45BD-A57F-792D6376D868}" srcOrd="1" destOrd="0" presId="urn:microsoft.com/office/officeart/2018/2/layout/IconLabelList"/>
-    <dgm:cxn modelId="{4857BE3A-D518-473D-AC79-7B9BF18B9824}" type="presParOf" srcId="{8994D886-A75F-411A-A9D7-D31991FF12BD}" destId="{95872155-C45D-46D3-874C-D838089A06F8}" srcOrd="2" destOrd="0" presId="urn:microsoft.com/office/officeart/2018/2/layout/IconLabelList"/>
-    <dgm:cxn modelId="{B4B325C4-81F2-4B3E-8CBF-4532B0BFA343}" type="presParOf" srcId="{95872155-C45D-46D3-874C-D838089A06F8}" destId="{CE9DF0E8-B0DE-4E1E-9FF4-6006AD8428DB}" srcOrd="0" destOrd="0" presId="urn:microsoft.com/office/officeart/2018/2/layout/IconLabelList"/>
-    <dgm:cxn modelId="{0AE6D335-6E55-47E1-BAD8-0368620AB8F6}" type="presParOf" srcId="{95872155-C45D-46D3-874C-D838089A06F8}" destId="{AA0423A1-55B2-45E9-BFE7-3FBE5BDA65ED}" srcOrd="1" destOrd="0" presId="urn:microsoft.com/office/officeart/2018/2/layout/IconLabelList"/>
-    <dgm:cxn modelId="{AFEE8CCD-97FE-4EFA-A584-DF6AFDAD2B20}" type="presParOf" srcId="{95872155-C45D-46D3-874C-D838089A06F8}" destId="{55120873-6F5C-4053-8EAD-6287A7F1097E}" srcOrd="2" destOrd="0" presId="urn:microsoft.com/office/officeart/2018/2/layout/IconLabelList"/>
-    <dgm:cxn modelId="{26649F18-C204-4047-8300-905486AB3755}" type="presParOf" srcId="{8994D886-A75F-411A-A9D7-D31991FF12BD}" destId="{F679C986-30E4-4F0A-A3A6-CAE528BFED76}" srcOrd="3" destOrd="0" presId="urn:microsoft.com/office/officeart/2018/2/layout/IconLabelList"/>
-    <dgm:cxn modelId="{898D629F-DA37-435F-A0B2-0617605D711A}" type="presParOf" srcId="{8994D886-A75F-411A-A9D7-D31991FF12BD}" destId="{2EC2FDE3-8908-45C7-A3FD-EB370213FE69}" srcOrd="4" destOrd="0" presId="urn:microsoft.com/office/officeart/2018/2/layout/IconLabelList"/>
-    <dgm:cxn modelId="{2BDADB1C-15B1-4763-9B35-3792147F8F87}" type="presParOf" srcId="{2EC2FDE3-8908-45C7-A3FD-EB370213FE69}" destId="{6DB1FE51-13D0-4A38-AD6E-48D4371A1AF3}" srcOrd="0" destOrd="0" presId="urn:microsoft.com/office/officeart/2018/2/layout/IconLabelList"/>
-    <dgm:cxn modelId="{F692F1E6-C6EC-4391-8432-EB6C34194240}" type="presParOf" srcId="{2EC2FDE3-8908-45C7-A3FD-EB370213FE69}" destId="{0928538A-05CC-4A79-BD5D-92F985D1EEE5}" srcOrd="1" destOrd="0" presId="urn:microsoft.com/office/officeart/2018/2/layout/IconLabelList"/>
-    <dgm:cxn modelId="{0E6AF6C4-A4E5-4234-9E16-F9F2334264CD}" type="presParOf" srcId="{2EC2FDE3-8908-45C7-A3FD-EB370213FE69}" destId="{133097FC-B1F8-4953-B0AB-E8E73D968D1C}" srcOrd="2" destOrd="0" presId="urn:microsoft.com/office/officeart/2018/2/layout/IconLabelList"/>
-  </dgm:cxnLst>
-  <dgm:bg/>
-  <dgm:whole/>
-  <dgm:extLst>
-    <a:ext uri="http://schemas.microsoft.com/office/drawing/2008/diagram">
-      <dsp:dataModelExt xmlns:dsp="http://schemas.microsoft.com/office/drawing/2008/diagram" relId="rId7" minVer="http://schemas.openxmlformats.org/drawingml/2006/diagram"/>
-    </a:ext>
-    <a:ext uri="{C62137D5-CB1D-491B-B009-E17868A290BF}">
-      <dgm14:recolorImg xmlns:dgm14="http://schemas.microsoft.com/office/drawing/2010/diagram" val="1"/>
-    </a:ext>
-  </dgm:extLst>
-</dgm:dataModel>
-</file>
-
-<file path=ppt/diagrams/data4.xml><?xml version="1.0" encoding="utf-8"?>
 <dgm:dataModel xmlns:dgm="http://schemas.openxmlformats.org/drawingml/2006/diagram" xmlns:a="http://schemas.openxmlformats.org/drawingml/2006/main">
   <dgm:ptLst>
     <dgm:pt modelId="{7D9C16A6-8C48-4165-8DAF-8C957C12A8FA}" type="doc">
@@ -5677,394 +4581,6 @@
 </dsp:drawing>
 </file>
 
-<file path=ppt/diagrams/drawing4.xml><?xml version="1.0" encoding="utf-8"?>
-<dsp:drawing xmlns:dgm="http://schemas.openxmlformats.org/drawingml/2006/diagram" xmlns:dsp="http://schemas.microsoft.com/office/drawing/2008/diagram" xmlns:a="http://schemas.openxmlformats.org/drawingml/2006/main">
-  <dsp:spTree>
-    <dsp:nvGrpSpPr>
-      <dsp:cNvPr id="0" name=""/>
-      <dsp:cNvGrpSpPr/>
-    </dsp:nvGrpSpPr>
-    <dsp:grpSpPr/>
-    <dsp:sp modelId="{19A8DC21-3E65-409D-AD53-DA51BB9198A0}">
-      <dsp:nvSpPr>
-        <dsp:cNvPr id="0" name=""/>
-        <dsp:cNvSpPr/>
-      </dsp:nvSpPr>
-      <dsp:spPr>
-        <a:xfrm>
-          <a:off x="523237" y="494935"/>
-          <a:ext cx="2285995" cy="2285995"/>
-        </a:xfrm>
-        <a:prstGeom prst="rect">
-          <a:avLst/>
-        </a:prstGeom>
-        <a:blipFill>
-          <a:blip xmlns:r="http://schemas.openxmlformats.org/officeDocument/2006/relationships" r:embed="rId1">
-            <a:duotone>
-              <a:schemeClr val="accent2">
-                <a:hueOff val="0"/>
-                <a:satOff val="0"/>
-                <a:lumOff val="0"/>
-                <a:alphaOff val="0"/>
-                <a:shade val="20000"/>
-                <a:satMod val="200000"/>
-              </a:schemeClr>
-              <a:schemeClr val="accent2">
-                <a:hueOff val="0"/>
-                <a:satOff val="0"/>
-                <a:lumOff val="0"/>
-                <a:alphaOff val="0"/>
-                <a:tint val="12000"/>
-                <a:satMod val="190000"/>
-              </a:schemeClr>
-            </a:duotone>
-            <a:extLst>
-              <a:ext uri="{28A0092B-C50C-407E-A947-70E740481C1C}">
-                <a14:useLocalDpi xmlns:a14="http://schemas.microsoft.com/office/drawing/2010/main" val="0"/>
-              </a:ext>
-            </a:extLst>
-          </a:blip>
-          <a:srcRect/>
-          <a:stretch>
-            <a:fillRect/>
-          </a:stretch>
-        </a:blipFill>
-        <a:ln w="22225" cap="rnd" cmpd="sng" algn="ctr">
-          <a:noFill/>
-          <a:prstDash val="solid"/>
-        </a:ln>
-        <a:effectLst/>
-      </dsp:spPr>
-      <dsp:style>
-        <a:lnRef idx="2">
-          <a:scrgbClr r="0" g="0" b="0"/>
-        </a:lnRef>
-        <a:fillRef idx="1">
-          <a:scrgbClr r="0" g="0" b="0"/>
-        </a:fillRef>
-        <a:effectRef idx="0">
-          <a:scrgbClr r="0" g="0" b="0"/>
-        </a:effectRef>
-        <a:fontRef idx="minor">
-          <a:schemeClr val="lt1"/>
-        </a:fontRef>
-      </dsp:style>
-    </dsp:sp>
-    <dsp:sp modelId="{A99B5DD6-89E9-4537-B415-4205CEB9323A}">
-      <dsp:nvSpPr>
-        <dsp:cNvPr id="0" name=""/>
-        <dsp:cNvSpPr/>
-      </dsp:nvSpPr>
-      <dsp:spPr>
-        <a:xfrm>
-          <a:off x="54818" y="2746269"/>
-          <a:ext cx="3222832" cy="720000"/>
-        </a:xfrm>
-        <a:prstGeom prst="rect">
-          <a:avLst/>
-        </a:prstGeom>
-        <a:noFill/>
-        <a:ln>
-          <a:noFill/>
-        </a:ln>
-        <a:effectLst/>
-      </dsp:spPr>
-      <dsp:style>
-        <a:lnRef idx="0">
-          <a:scrgbClr r="0" g="0" b="0"/>
-        </a:lnRef>
-        <a:fillRef idx="0">
-          <a:scrgbClr r="0" g="0" b="0"/>
-        </a:fillRef>
-        <a:effectRef idx="0">
-          <a:scrgbClr r="0" g="0" b="0"/>
-        </a:effectRef>
-        <a:fontRef idx="minor"/>
-      </dsp:style>
-      <dsp:txBody>
-        <a:bodyPr spcFirstLastPara="0" vert="horz" wrap="square" lIns="0" tIns="0" rIns="0" bIns="0" numCol="1" spcCol="1270" anchor="t" anchorCtr="0">
-          <a:noAutofit/>
-        </a:bodyPr>
-        <a:lstStyle/>
-        <a:p>
-          <a:pPr marL="0" lvl="0" indent="0" algn="ctr" defTabSz="1600200">
-            <a:lnSpc>
-              <a:spcPct val="90000"/>
-            </a:lnSpc>
-            <a:spcBef>
-              <a:spcPct val="0"/>
-            </a:spcBef>
-            <a:spcAft>
-              <a:spcPct val="35000"/>
-            </a:spcAft>
-            <a:buNone/>
-          </a:pPr>
-          <a:r>
-            <a:rPr lang="en-ZA" sz="3600" kern="1200" dirty="0"/>
-            <a:t>Crawling</a:t>
-          </a:r>
-          <a:endParaRPr lang="en-US" sz="3600" kern="1200" dirty="0"/>
-        </a:p>
-      </dsp:txBody>
-      <dsp:txXfrm>
-        <a:off x="54818" y="2746269"/>
-        <a:ext cx="3222832" cy="720000"/>
-      </dsp:txXfrm>
-    </dsp:sp>
-    <dsp:sp modelId="{CE9DF0E8-B0DE-4E1E-9FF4-6006AD8428DB}">
-      <dsp:nvSpPr>
-        <dsp:cNvPr id="0" name=""/>
-        <dsp:cNvSpPr/>
-      </dsp:nvSpPr>
-      <dsp:spPr>
-        <a:xfrm>
-          <a:off x="4310064" y="494935"/>
-          <a:ext cx="2285995" cy="2285995"/>
-        </a:xfrm>
-        <a:prstGeom prst="rect">
-          <a:avLst/>
-        </a:prstGeom>
-        <a:blipFill>
-          <a:blip xmlns:r="http://schemas.openxmlformats.org/officeDocument/2006/relationships" r:embed="rId2">
-            <a:duotone>
-              <a:schemeClr val="accent2">
-                <a:hueOff val="0"/>
-                <a:satOff val="0"/>
-                <a:lumOff val="0"/>
-                <a:alphaOff val="0"/>
-                <a:shade val="20000"/>
-                <a:satMod val="200000"/>
-              </a:schemeClr>
-              <a:schemeClr val="accent2">
-                <a:hueOff val="0"/>
-                <a:satOff val="0"/>
-                <a:lumOff val="0"/>
-                <a:alphaOff val="0"/>
-                <a:tint val="12000"/>
-                <a:satMod val="190000"/>
-              </a:schemeClr>
-            </a:duotone>
-            <a:extLst>
-              <a:ext uri="{28A0092B-C50C-407E-A947-70E740481C1C}">
-                <a14:useLocalDpi xmlns:a14="http://schemas.microsoft.com/office/drawing/2010/main" val="0"/>
-              </a:ext>
-            </a:extLst>
-          </a:blip>
-          <a:srcRect/>
-          <a:stretch>
-            <a:fillRect/>
-          </a:stretch>
-        </a:blipFill>
-        <a:ln w="22225" cap="rnd" cmpd="sng" algn="ctr">
-          <a:noFill/>
-          <a:prstDash val="solid"/>
-        </a:ln>
-        <a:effectLst/>
-      </dsp:spPr>
-      <dsp:style>
-        <a:lnRef idx="2">
-          <a:scrgbClr r="0" g="0" b="0"/>
-        </a:lnRef>
-        <a:fillRef idx="1">
-          <a:scrgbClr r="0" g="0" b="0"/>
-        </a:fillRef>
-        <a:effectRef idx="0">
-          <a:scrgbClr r="0" g="0" b="0"/>
-        </a:effectRef>
-        <a:fontRef idx="minor">
-          <a:schemeClr val="lt1"/>
-        </a:fontRef>
-      </dsp:style>
-    </dsp:sp>
-    <dsp:sp modelId="{55120873-6F5C-4053-8EAD-6287A7F1097E}">
-      <dsp:nvSpPr>
-        <dsp:cNvPr id="0" name=""/>
-        <dsp:cNvSpPr/>
-      </dsp:nvSpPr>
-      <dsp:spPr>
-        <a:xfrm>
-          <a:off x="3841646" y="2746269"/>
-          <a:ext cx="3222832" cy="720000"/>
-        </a:xfrm>
-        <a:prstGeom prst="rect">
-          <a:avLst/>
-        </a:prstGeom>
-        <a:noFill/>
-        <a:ln>
-          <a:noFill/>
-        </a:ln>
-        <a:effectLst/>
-      </dsp:spPr>
-      <dsp:style>
-        <a:lnRef idx="0">
-          <a:scrgbClr r="0" g="0" b="0"/>
-        </a:lnRef>
-        <a:fillRef idx="0">
-          <a:scrgbClr r="0" g="0" b="0"/>
-        </a:fillRef>
-        <a:effectRef idx="0">
-          <a:scrgbClr r="0" g="0" b="0"/>
-        </a:effectRef>
-        <a:fontRef idx="minor"/>
-      </dsp:style>
-      <dsp:txBody>
-        <a:bodyPr spcFirstLastPara="0" vert="horz" wrap="square" lIns="0" tIns="0" rIns="0" bIns="0" numCol="1" spcCol="1270" anchor="t" anchorCtr="0">
-          <a:noAutofit/>
-        </a:bodyPr>
-        <a:lstStyle/>
-        <a:p>
-          <a:pPr marL="0" lvl="0" indent="0" algn="ctr" defTabSz="1600200">
-            <a:lnSpc>
-              <a:spcPct val="90000"/>
-            </a:lnSpc>
-            <a:spcBef>
-              <a:spcPct val="0"/>
-            </a:spcBef>
-            <a:spcAft>
-              <a:spcPct val="35000"/>
-            </a:spcAft>
-            <a:buNone/>
-          </a:pPr>
-          <a:r>
-            <a:rPr lang="en-US" sz="3600" kern="1200" dirty="0"/>
-            <a:t>Indexing</a:t>
-          </a:r>
-        </a:p>
-      </dsp:txBody>
-      <dsp:txXfrm>
-        <a:off x="3841646" y="2746269"/>
-        <a:ext cx="3222832" cy="720000"/>
-      </dsp:txXfrm>
-    </dsp:sp>
-    <dsp:sp modelId="{6DB1FE51-13D0-4A38-AD6E-48D4371A1AF3}">
-      <dsp:nvSpPr>
-        <dsp:cNvPr id="0" name=""/>
-        <dsp:cNvSpPr/>
-      </dsp:nvSpPr>
-      <dsp:spPr>
-        <a:xfrm>
-          <a:off x="8096892" y="494935"/>
-          <a:ext cx="2285995" cy="2285995"/>
-        </a:xfrm>
-        <a:prstGeom prst="rect">
-          <a:avLst/>
-        </a:prstGeom>
-        <a:blipFill>
-          <a:blip xmlns:r="http://schemas.openxmlformats.org/officeDocument/2006/relationships" r:embed="rId3">
-            <a:duotone>
-              <a:schemeClr val="accent2">
-                <a:hueOff val="0"/>
-                <a:satOff val="0"/>
-                <a:lumOff val="0"/>
-                <a:alphaOff val="0"/>
-                <a:shade val="20000"/>
-                <a:satMod val="200000"/>
-              </a:schemeClr>
-              <a:schemeClr val="accent2">
-                <a:hueOff val="0"/>
-                <a:satOff val="0"/>
-                <a:lumOff val="0"/>
-                <a:alphaOff val="0"/>
-                <a:tint val="12000"/>
-                <a:satMod val="190000"/>
-              </a:schemeClr>
-            </a:duotone>
-            <a:extLst>
-              <a:ext uri="{28A0092B-C50C-407E-A947-70E740481C1C}">
-                <a14:useLocalDpi xmlns:a14="http://schemas.microsoft.com/office/drawing/2010/main" val="0"/>
-              </a:ext>
-            </a:extLst>
-          </a:blip>
-          <a:srcRect/>
-          <a:stretch>
-            <a:fillRect/>
-          </a:stretch>
-        </a:blipFill>
-        <a:ln w="22225" cap="rnd" cmpd="sng" algn="ctr">
-          <a:noFill/>
-          <a:prstDash val="solid"/>
-        </a:ln>
-        <a:effectLst/>
-      </dsp:spPr>
-      <dsp:style>
-        <a:lnRef idx="2">
-          <a:scrgbClr r="0" g="0" b="0"/>
-        </a:lnRef>
-        <a:fillRef idx="1">
-          <a:scrgbClr r="0" g="0" b="0"/>
-        </a:fillRef>
-        <a:effectRef idx="0">
-          <a:scrgbClr r="0" g="0" b="0"/>
-        </a:effectRef>
-        <a:fontRef idx="minor">
-          <a:schemeClr val="lt1"/>
-        </a:fontRef>
-      </dsp:style>
-    </dsp:sp>
-    <dsp:sp modelId="{133097FC-B1F8-4953-B0AB-E8E73D968D1C}">
-      <dsp:nvSpPr>
-        <dsp:cNvPr id="0" name=""/>
-        <dsp:cNvSpPr/>
-      </dsp:nvSpPr>
-      <dsp:spPr>
-        <a:xfrm>
-          <a:off x="7628474" y="2746269"/>
-          <a:ext cx="3222832" cy="720000"/>
-        </a:xfrm>
-        <a:prstGeom prst="rect">
-          <a:avLst/>
-        </a:prstGeom>
-        <a:noFill/>
-        <a:ln>
-          <a:noFill/>
-        </a:ln>
-        <a:effectLst/>
-      </dsp:spPr>
-      <dsp:style>
-        <a:lnRef idx="0">
-          <a:scrgbClr r="0" g="0" b="0"/>
-        </a:lnRef>
-        <a:fillRef idx="0">
-          <a:scrgbClr r="0" g="0" b="0"/>
-        </a:fillRef>
-        <a:effectRef idx="0">
-          <a:scrgbClr r="0" g="0" b="0"/>
-        </a:effectRef>
-        <a:fontRef idx="minor"/>
-      </dsp:style>
-      <dsp:txBody>
-        <a:bodyPr spcFirstLastPara="0" vert="horz" wrap="square" lIns="0" tIns="0" rIns="0" bIns="0" numCol="1" spcCol="1270" anchor="t" anchorCtr="0">
-          <a:noAutofit/>
-        </a:bodyPr>
-        <a:lstStyle/>
-        <a:p>
-          <a:pPr marL="0" lvl="0" indent="0" algn="ctr" defTabSz="1600200">
-            <a:lnSpc>
-              <a:spcPct val="90000"/>
-            </a:lnSpc>
-            <a:spcBef>
-              <a:spcPct val="0"/>
-            </a:spcBef>
-            <a:spcAft>
-              <a:spcPct val="35000"/>
-            </a:spcAft>
-            <a:buNone/>
-          </a:pPr>
-          <a:r>
-            <a:rPr lang="en-US" sz="3600" kern="1200" dirty="0"/>
-            <a:t>Ranking</a:t>
-          </a:r>
-        </a:p>
-      </dsp:txBody>
-      <dsp:txXfrm>
-        <a:off x="7628474" y="2746269"/>
-        <a:ext cx="3222832" cy="720000"/>
-      </dsp:txXfrm>
-    </dsp:sp>
-  </dsp:spTree>
-</dsp:drawing>
-</file>
-
 <file path=ppt/diagrams/layout1.xml><?xml version="1.0" encoding="utf-8"?>
 <dgm:layoutDef xmlns:dgm="http://schemas.openxmlformats.org/drawingml/2006/diagram" xmlns:a="http://schemas.openxmlformats.org/drawingml/2006/main" uniqueId="urn:microsoft.com/office/officeart/2018/2/layout/IconLabelList">
   <dgm:title val="Icon Label List"/>
@@ -6635,196 +5151,6 @@
 </dgm:layoutDef>
 </file>
 
-<file path=ppt/diagrams/layout4.xml><?xml version="1.0" encoding="utf-8"?>
-<dgm:layoutDef xmlns:dgm="http://schemas.openxmlformats.org/drawingml/2006/diagram" xmlns:a="http://schemas.openxmlformats.org/drawingml/2006/main" uniqueId="urn:microsoft.com/office/officeart/2018/2/layout/IconLabelList">
-  <dgm:title val="Icon Label List"/>
-  <dgm:desc val="Use to show non-sequential or grouped chunks of information accompanied by a related visuals. Works best with icons or small pictures with short text captions."/>
-  <dgm:catLst>
-    <dgm:cat type="icon" pri="500"/>
-  </dgm:catLst>
-  <dgm:sampData useDef="1">
-    <dgm:dataModel>
-      <dgm:ptLst/>
-      <dgm:bg/>
-      <dgm:whole/>
-    </dgm:dataModel>
-  </dgm:sampData>
-  <dgm:styleData useDef="1">
-    <dgm:dataModel>
-      <dgm:ptLst/>
-      <dgm:bg/>
-      <dgm:whole/>
-    </dgm:dataModel>
-  </dgm:styleData>
-  <dgm:clrData useDef="1">
-    <dgm:dataModel>
-      <dgm:ptLst/>
-      <dgm:bg/>
-      <dgm:whole/>
-    </dgm:dataModel>
-  </dgm:clrData>
-  <dgm:layoutNode name="root">
-    <dgm:varLst>
-      <dgm:dir/>
-      <dgm:resizeHandles val="exact"/>
-    </dgm:varLst>
-    <dgm:choose name="Name0">
-      <dgm:if name="Name1" axis="self" func="var" arg="dir" op="equ" val="norm">
-        <dgm:alg type="snake">
-          <dgm:param type="grDir" val="tL"/>
-          <dgm:param type="flowDir" val="row"/>
-          <dgm:param type="contDir" val="sameDir"/>
-          <dgm:param type="off" val="ctr"/>
-          <dgm:param type="vertAlign" val="mid"/>
-          <dgm:param type="horzAlign" val="ctr"/>
-        </dgm:alg>
-      </dgm:if>
-      <dgm:else name="Name2">
-        <dgm:alg type="snake">
-          <dgm:param type="grDir" val="tR"/>
-          <dgm:param type="flowDir" val="row"/>
-          <dgm:param type="contDir" val="sameDir"/>
-          <dgm:param type="off" val="ctr"/>
-          <dgm:param type="vertAlign" val="mid"/>
-          <dgm:param type="horzAlign" val="ctr"/>
-        </dgm:alg>
-      </dgm:else>
-    </dgm:choose>
-    <dgm:shape xmlns:r="http://schemas.openxmlformats.org/officeDocument/2006/relationships" r:blip="">
-      <dgm:adjLst/>
-    </dgm:shape>
-    <dgm:presOf/>
-    <dgm:choose name="Name3">
-      <dgm:if name="Name4" axis="ch" ptType="node" func="cnt" op="lte" val="2">
-        <dgm:constrLst>
-          <dgm:constr type="h" for="ch" forName="compNode" refType="h" fact="0.4"/>
-          <dgm:constr type="w" for="ch" forName="compNode" val="120"/>
-          <dgm:constr type="w" for="ch" forName="sibTrans" refType="w" refFor="ch" refForName="compNode" fact="0.175"/>
-          <dgm:constr type="sp" refType="w" refFor="ch" refForName="compNode" op="equ" fact="0.25"/>
-          <dgm:constr type="primFontSz" for="des" ptType="node" op="equ" val="50"/>
-          <dgm:constr type="h" for="des" forName="compNode" op="equ"/>
-          <dgm:constr type="h" for="des" forName="textRect" op="equ"/>
-        </dgm:constrLst>
-      </dgm:if>
-      <dgm:if name="Name5" axis="ch" ptType="node" func="cnt" op="lte" val="4">
-        <dgm:constrLst>
-          <dgm:constr type="h" for="ch" forName="compNode" refType="h" fact="0.4"/>
-          <dgm:constr type="w" for="ch" forName="compNode" refType="w"/>
-          <dgm:constr type="w" for="ch" forName="sibTrans" refType="w" refFor="ch" refForName="compNode" fact="0.175"/>
-          <dgm:constr type="sp" refType="w" refFor="ch" refForName="compNode" op="equ" fact="0.25"/>
-          <dgm:constr type="primFontSz" for="des" ptType="node" op="equ" val="36"/>
-          <dgm:constr type="h" for="des" forName="compNode" op="equ"/>
-          <dgm:constr type="h" for="des" forName="textRect" op="equ"/>
-        </dgm:constrLst>
-      </dgm:if>
-      <dgm:else name="Name6">
-        <dgm:constrLst>
-          <dgm:constr type="h" for="ch" forName="compNode" refType="h" fact="0.4"/>
-          <dgm:constr type="w" for="ch" forName="compNode" refType="w"/>
-          <dgm:constr type="w" for="ch" forName="sibTrans" refType="w" refFor="ch" refForName="compNode" fact="0.175"/>
-          <dgm:constr type="sp" refType="w" refFor="ch" refForName="compNode" op="equ" fact="0.25"/>
-          <dgm:constr type="primFontSz" for="des" ptType="node" op="equ" val="24"/>
-          <dgm:constr type="h" for="des" forName="compNode" op="equ"/>
-          <dgm:constr type="h" for="des" forName="textRect" op="equ"/>
-        </dgm:constrLst>
-      </dgm:else>
-    </dgm:choose>
-    <dgm:ruleLst>
-      <dgm:rule type="w" for="ch" forName="compNode" val="50" fact="NaN" max="NaN"/>
-    </dgm:ruleLst>
-    <dgm:forEach name="Name7" axis="ch" ptType="node">
-      <dgm:layoutNode name="compNode">
-        <dgm:alg type="composite"/>
-        <dgm:shape xmlns:r="http://schemas.openxmlformats.org/officeDocument/2006/relationships" r:blip="">
-          <dgm:adjLst/>
-        </dgm:shape>
-        <dgm:presOf axis="self"/>
-        <dgm:constrLst>
-          <dgm:constr type="w" for="ch" forName="iconRect" refType="w" fact="0.45"/>
-          <dgm:constr type="h" for="ch" forName="iconRect" refType="w" refFor="ch" refForName="iconRect"/>
-          <dgm:constr type="ctrX" for="ch" forName="iconRect" refType="w" fact="0.5"/>
-          <dgm:constr type="t" for="ch" forName="iconRect"/>
-          <dgm:constr type="h" for="ch" forName="spaceRect" refType="h" fact="0.15"/>
-          <dgm:constr type="w" for="ch" forName="spaceRect" refType="w"/>
-          <dgm:constr type="l" for="ch" forName="spaceRect"/>
-          <dgm:constr type="t" for="ch" forName="spaceRect" refType="b" refFor="ch" refForName="iconRect"/>
-          <dgm:constr type="h" for="ch" forName="textRect" val="20"/>
-          <dgm:constr type="w" for="ch" forName="textRect" refType="w"/>
-          <dgm:constr type="l" for="ch" forName="textRect"/>
-          <dgm:constr type="t" for="ch" forName="textRect" refType="b" refFor="ch" refForName="spaceRect"/>
-        </dgm:constrLst>
-        <dgm:ruleLst>
-          <dgm:rule type="h" val="INF" fact="NaN" max="NaN"/>
-        </dgm:ruleLst>
-        <dgm:layoutNode name="iconRect" styleLbl="node1">
-          <dgm:alg type="sp"/>
-          <dgm:shape xmlns:r="http://schemas.openxmlformats.org/officeDocument/2006/relationships" type="rect" r:blip="" blipPhldr="1">
-            <dgm:adjLst/>
-          </dgm:shape>
-          <dgm:presOf/>
-          <dgm:constrLst/>
-          <dgm:ruleLst/>
-        </dgm:layoutNode>
-        <dgm:layoutNode name="spaceRect">
-          <dgm:alg type="sp"/>
-          <dgm:shape xmlns:r="http://schemas.openxmlformats.org/officeDocument/2006/relationships" r:blip="">
-            <dgm:adjLst/>
-          </dgm:shape>
-          <dgm:presOf/>
-          <dgm:constrLst/>
-          <dgm:ruleLst/>
-        </dgm:layoutNode>
-        <dgm:layoutNode name="textRect" styleLbl="revTx">
-          <dgm:varLst>
-            <dgm:chMax val="1"/>
-            <dgm:chPref val="1"/>
-          </dgm:varLst>
-          <dgm:alg type="tx">
-            <dgm:param type="txAnchorVert" val="t"/>
-          </dgm:alg>
-          <dgm:shape xmlns:r="http://schemas.openxmlformats.org/officeDocument/2006/relationships" type="rect" r:blip="">
-            <dgm:adjLst/>
-          </dgm:shape>
-          <dgm:presOf axis="self" ptType="node"/>
-          <dgm:constrLst>
-            <dgm:constr type="lMarg"/>
-            <dgm:constr type="rMarg"/>
-            <dgm:constr type="tMarg"/>
-            <dgm:constr type="bMarg"/>
-          </dgm:constrLst>
-          <dgm:ruleLst>
-            <dgm:rule type="primFontSz" val="11" fact="NaN" max="NaN"/>
-            <dgm:rule type="h" val="INF" fact="NaN" max="NaN"/>
-          </dgm:ruleLst>
-        </dgm:layoutNode>
-      </dgm:layoutNode>
-      <dgm:forEach name="Name8" axis="followSib" ptType="sibTrans" cnt="1">
-        <dgm:layoutNode name="sibTrans">
-          <dgm:alg type="sp"/>
-          <dgm:shape xmlns:r="http://schemas.openxmlformats.org/officeDocument/2006/relationships" r:blip="">
-            <dgm:adjLst/>
-          </dgm:shape>
-          <dgm:presOf axis="self"/>
-          <dgm:constrLst/>
-          <dgm:ruleLst/>
-        </dgm:layoutNode>
-      </dgm:forEach>
-    </dgm:forEach>
-  </dgm:layoutNode>
-  <dgm:extLst>
-    <a:ext uri="{68A01E43-0DF5-4B5B-8FA6-DAF915123BFB}">
-      <dgm1612:lstStyle xmlns:dgm1612="http://schemas.microsoft.com/office/drawing/2016/12/diagram">
-        <a:lvl1pPr>
-          <a:lnSpc>
-            <a:spcPct val="100000"/>
-          </a:lnSpc>
-        </a:lvl1pPr>
-      </dgm1612:lstStyle>
-    </a:ext>
-  </dgm:extLst>
-</dgm:layoutDef>
-</file>
-
 <file path=ppt/diagrams/quickStyle1.xml><?xml version="1.0" encoding="utf-8"?>
 <dgm:styleDef xmlns:dgm="http://schemas.openxmlformats.org/drawingml/2006/diagram" xmlns:a="http://schemas.openxmlformats.org/drawingml/2006/main" uniqueId="urn:microsoft.com/office/officeart/2005/8/quickstyle/simple1">
   <dgm:title val=""/>
@@ -8894,1040 +7220,6 @@
 </file>
 
 <file path=ppt/diagrams/quickStyle3.xml><?xml version="1.0" encoding="utf-8"?>
-<dgm:styleDef xmlns:dgm="http://schemas.openxmlformats.org/drawingml/2006/diagram" xmlns:a="http://schemas.openxmlformats.org/drawingml/2006/main" uniqueId="urn:microsoft.com/office/officeart/2005/8/quickstyle/simple1">
-  <dgm:title val=""/>
-  <dgm:desc val=""/>
-  <dgm:catLst>
-    <dgm:cat type="simple" pri="10100"/>
-  </dgm:catLst>
-  <dgm:scene3d>
-    <a:camera prst="orthographicFront"/>
-    <a:lightRig rig="threePt" dir="t"/>
-  </dgm:scene3d>
-  <dgm:styleLbl name="node0">
-    <dgm:scene3d>
-      <a:camera prst="orthographicFront"/>
-      <a:lightRig rig="threePt" dir="t"/>
-    </dgm:scene3d>
-    <dgm:sp3d/>
-    <dgm:txPr/>
-    <dgm:style>
-      <a:lnRef idx="2">
-        <a:scrgbClr r="0" g="0" b="0"/>
-      </a:lnRef>
-      <a:fillRef idx="1">
-        <a:scrgbClr r="0" g="0" b="0"/>
-      </a:fillRef>
-      <a:effectRef idx="0">
-        <a:scrgbClr r="0" g="0" b="0"/>
-      </a:effectRef>
-      <a:fontRef idx="minor">
-        <a:schemeClr val="lt1"/>
-      </a:fontRef>
-    </dgm:style>
-  </dgm:styleLbl>
-  <dgm:styleLbl name="lnNode1">
-    <dgm:scene3d>
-      <a:camera prst="orthographicFront"/>
-      <a:lightRig rig="threePt" dir="t"/>
-    </dgm:scene3d>
-    <dgm:sp3d/>
-    <dgm:txPr/>
-    <dgm:style>
-      <a:lnRef idx="2">
-        <a:scrgbClr r="0" g="0" b="0"/>
-      </a:lnRef>
-      <a:fillRef idx="1">
-        <a:scrgbClr r="0" g="0" b="0"/>
-      </a:fillRef>
-      <a:effectRef idx="0">
-        <a:scrgbClr r="0" g="0" b="0"/>
-      </a:effectRef>
-      <a:fontRef idx="minor">
-        <a:schemeClr val="lt1"/>
-      </a:fontRef>
-    </dgm:style>
-  </dgm:styleLbl>
-  <dgm:styleLbl name="vennNode1">
-    <dgm:scene3d>
-      <a:camera prst="orthographicFront"/>
-      <a:lightRig rig="threePt" dir="t"/>
-    </dgm:scene3d>
-    <dgm:sp3d/>
-    <dgm:txPr/>
-    <dgm:style>
-      <a:lnRef idx="2">
-        <a:scrgbClr r="0" g="0" b="0"/>
-      </a:lnRef>
-      <a:fillRef idx="1">
-        <a:scrgbClr r="0" g="0" b="0"/>
-      </a:fillRef>
-      <a:effectRef idx="0">
-        <a:scrgbClr r="0" g="0" b="0"/>
-      </a:effectRef>
-      <a:fontRef idx="minor">
-        <a:schemeClr val="tx1"/>
-      </a:fontRef>
-    </dgm:style>
-  </dgm:styleLbl>
-  <dgm:styleLbl name="alignNode1">
-    <dgm:scene3d>
-      <a:camera prst="orthographicFront"/>
-      <a:lightRig rig="threePt" dir="t"/>
-    </dgm:scene3d>
-    <dgm:sp3d/>
-    <dgm:txPr/>
-    <dgm:style>
-      <a:lnRef idx="2">
-        <a:scrgbClr r="0" g="0" b="0"/>
-      </a:lnRef>
-      <a:fillRef idx="1">
-        <a:scrgbClr r="0" g="0" b="0"/>
-      </a:fillRef>
-      <a:effectRef idx="0">
-        <a:scrgbClr r="0" g="0" b="0"/>
-      </a:effectRef>
-      <a:fontRef idx="minor">
-        <a:schemeClr val="lt1"/>
-      </a:fontRef>
-    </dgm:style>
-  </dgm:styleLbl>
-  <dgm:styleLbl name="node1">
-    <dgm:scene3d>
-      <a:camera prst="orthographicFront"/>
-      <a:lightRig rig="threePt" dir="t"/>
-    </dgm:scene3d>
-    <dgm:sp3d/>
-    <dgm:txPr/>
-    <dgm:style>
-      <a:lnRef idx="2">
-        <a:scrgbClr r="0" g="0" b="0"/>
-      </a:lnRef>
-      <a:fillRef idx="1">
-        <a:scrgbClr r="0" g="0" b="0"/>
-      </a:fillRef>
-      <a:effectRef idx="0">
-        <a:scrgbClr r="0" g="0" b="0"/>
-      </a:effectRef>
-      <a:fontRef idx="minor">
-        <a:schemeClr val="lt1"/>
-      </a:fontRef>
-    </dgm:style>
-  </dgm:styleLbl>
-  <dgm:styleLbl name="node2">
-    <dgm:scene3d>
-      <a:camera prst="orthographicFront"/>
-      <a:lightRig rig="threePt" dir="t"/>
-    </dgm:scene3d>
-    <dgm:sp3d/>
-    <dgm:txPr/>
-    <dgm:style>
-      <a:lnRef idx="2">
-        <a:scrgbClr r="0" g="0" b="0"/>
-      </a:lnRef>
-      <a:fillRef idx="1">
-        <a:scrgbClr r="0" g="0" b="0"/>
-      </a:fillRef>
-      <a:effectRef idx="0">
-        <a:scrgbClr r="0" g="0" b="0"/>
-      </a:effectRef>
-      <a:fontRef idx="minor">
-        <a:schemeClr val="lt1"/>
-      </a:fontRef>
-    </dgm:style>
-  </dgm:styleLbl>
-  <dgm:styleLbl name="node3">
-    <dgm:scene3d>
-      <a:camera prst="orthographicFront"/>
-      <a:lightRig rig="threePt" dir="t"/>
-    </dgm:scene3d>
-    <dgm:sp3d/>
-    <dgm:txPr/>
-    <dgm:style>
-      <a:lnRef idx="2">
-        <a:scrgbClr r="0" g="0" b="0"/>
-      </a:lnRef>
-      <a:fillRef idx="1">
-        <a:scrgbClr r="0" g="0" b="0"/>
-      </a:fillRef>
-      <a:effectRef idx="0">
-        <a:scrgbClr r="0" g="0" b="0"/>
-      </a:effectRef>
-      <a:fontRef idx="minor">
-        <a:schemeClr val="lt1"/>
-      </a:fontRef>
-    </dgm:style>
-  </dgm:styleLbl>
-  <dgm:styleLbl name="node4">
-    <dgm:scene3d>
-      <a:camera prst="orthographicFront"/>
-      <a:lightRig rig="threePt" dir="t"/>
-    </dgm:scene3d>
-    <dgm:sp3d/>
-    <dgm:txPr/>
-    <dgm:style>
-      <a:lnRef idx="2">
-        <a:scrgbClr r="0" g="0" b="0"/>
-      </a:lnRef>
-      <a:fillRef idx="1">
-        <a:scrgbClr r="0" g="0" b="0"/>
-      </a:fillRef>
-      <a:effectRef idx="0">
-        <a:scrgbClr r="0" g="0" b="0"/>
-      </a:effectRef>
-      <a:fontRef idx="minor">
-        <a:schemeClr val="lt1"/>
-      </a:fontRef>
-    </dgm:style>
-  </dgm:styleLbl>
-  <dgm:styleLbl name="fgImgPlace1">
-    <dgm:scene3d>
-      <a:camera prst="orthographicFront"/>
-      <a:lightRig rig="threePt" dir="t"/>
-    </dgm:scene3d>
-    <dgm:sp3d/>
-    <dgm:txPr/>
-    <dgm:style>
-      <a:lnRef idx="2">
-        <a:scrgbClr r="0" g="0" b="0"/>
-      </a:lnRef>
-      <a:fillRef idx="1">
-        <a:scrgbClr r="0" g="0" b="0"/>
-      </a:fillRef>
-      <a:effectRef idx="0">
-        <a:scrgbClr r="0" g="0" b="0"/>
-      </a:effectRef>
-      <a:fontRef idx="minor"/>
-    </dgm:style>
-  </dgm:styleLbl>
-  <dgm:styleLbl name="alignImgPlace1">
-    <dgm:scene3d>
-      <a:camera prst="orthographicFront"/>
-      <a:lightRig rig="threePt" dir="t"/>
-    </dgm:scene3d>
-    <dgm:sp3d/>
-    <dgm:txPr/>
-    <dgm:style>
-      <a:lnRef idx="2">
-        <a:scrgbClr r="0" g="0" b="0"/>
-      </a:lnRef>
-      <a:fillRef idx="1">
-        <a:scrgbClr r="0" g="0" b="0"/>
-      </a:fillRef>
-      <a:effectRef idx="0">
-        <a:scrgbClr r="0" g="0" b="0"/>
-      </a:effectRef>
-      <a:fontRef idx="minor"/>
-    </dgm:style>
-  </dgm:styleLbl>
-  <dgm:styleLbl name="bgImgPlace1">
-    <dgm:scene3d>
-      <a:camera prst="orthographicFront"/>
-      <a:lightRig rig="threePt" dir="t"/>
-    </dgm:scene3d>
-    <dgm:sp3d/>
-    <dgm:txPr/>
-    <dgm:style>
-      <a:lnRef idx="2">
-        <a:scrgbClr r="0" g="0" b="0"/>
-      </a:lnRef>
-      <a:fillRef idx="1">
-        <a:scrgbClr r="0" g="0" b="0"/>
-      </a:fillRef>
-      <a:effectRef idx="0">
-        <a:scrgbClr r="0" g="0" b="0"/>
-      </a:effectRef>
-      <a:fontRef idx="minor"/>
-    </dgm:style>
-  </dgm:styleLbl>
-  <dgm:styleLbl name="sibTrans2D1">
-    <dgm:scene3d>
-      <a:camera prst="orthographicFront"/>
-      <a:lightRig rig="threePt" dir="t"/>
-    </dgm:scene3d>
-    <dgm:sp3d/>
-    <dgm:txPr/>
-    <dgm:style>
-      <a:lnRef idx="0">
-        <a:scrgbClr r="0" g="0" b="0"/>
-      </a:lnRef>
-      <a:fillRef idx="1">
-        <a:scrgbClr r="0" g="0" b="0"/>
-      </a:fillRef>
-      <a:effectRef idx="0">
-        <a:scrgbClr r="0" g="0" b="0"/>
-      </a:effectRef>
-      <a:fontRef idx="minor">
-        <a:schemeClr val="lt1"/>
-      </a:fontRef>
-    </dgm:style>
-  </dgm:styleLbl>
-  <dgm:styleLbl name="fgSibTrans2D1">
-    <dgm:scene3d>
-      <a:camera prst="orthographicFront"/>
-      <a:lightRig rig="threePt" dir="t"/>
-    </dgm:scene3d>
-    <dgm:sp3d/>
-    <dgm:txPr/>
-    <dgm:style>
-      <a:lnRef idx="0">
-        <a:scrgbClr r="0" g="0" b="0"/>
-      </a:lnRef>
-      <a:fillRef idx="1">
-        <a:scrgbClr r="0" g="0" b="0"/>
-      </a:fillRef>
-      <a:effectRef idx="0">
-        <a:scrgbClr r="0" g="0" b="0"/>
-      </a:effectRef>
-      <a:fontRef idx="minor">
-        <a:schemeClr val="lt1"/>
-      </a:fontRef>
-    </dgm:style>
-  </dgm:styleLbl>
-  <dgm:styleLbl name="bgSibTrans2D1">
-    <dgm:scene3d>
-      <a:camera prst="orthographicFront"/>
-      <a:lightRig rig="threePt" dir="t"/>
-    </dgm:scene3d>
-    <dgm:sp3d/>
-    <dgm:txPr/>
-    <dgm:style>
-      <a:lnRef idx="0">
-        <a:scrgbClr r="0" g="0" b="0"/>
-      </a:lnRef>
-      <a:fillRef idx="1">
-        <a:scrgbClr r="0" g="0" b="0"/>
-      </a:fillRef>
-      <a:effectRef idx="0">
-        <a:scrgbClr r="0" g="0" b="0"/>
-      </a:effectRef>
-      <a:fontRef idx="minor">
-        <a:schemeClr val="lt1"/>
-      </a:fontRef>
-    </dgm:style>
-  </dgm:styleLbl>
-  <dgm:styleLbl name="sibTrans1D1">
-    <dgm:scene3d>
-      <a:camera prst="orthographicFront"/>
-      <a:lightRig rig="threePt" dir="t"/>
-    </dgm:scene3d>
-    <dgm:sp3d/>
-    <dgm:txPr/>
-    <dgm:style>
-      <a:lnRef idx="1">
-        <a:scrgbClr r="0" g="0" b="0"/>
-      </a:lnRef>
-      <a:fillRef idx="0">
-        <a:scrgbClr r="0" g="0" b="0"/>
-      </a:fillRef>
-      <a:effectRef idx="0">
-        <a:scrgbClr r="0" g="0" b="0"/>
-      </a:effectRef>
-      <a:fontRef idx="minor"/>
-    </dgm:style>
-  </dgm:styleLbl>
-  <dgm:styleLbl name="callout">
-    <dgm:scene3d>
-      <a:camera prst="orthographicFront"/>
-      <a:lightRig rig="threePt" dir="t"/>
-    </dgm:scene3d>
-    <dgm:sp3d/>
-    <dgm:txPr/>
-    <dgm:style>
-      <a:lnRef idx="2">
-        <a:scrgbClr r="0" g="0" b="0"/>
-      </a:lnRef>
-      <a:fillRef idx="1">
-        <a:scrgbClr r="0" g="0" b="0"/>
-      </a:fillRef>
-      <a:effectRef idx="0">
-        <a:scrgbClr r="0" g="0" b="0"/>
-      </a:effectRef>
-      <a:fontRef idx="minor"/>
-    </dgm:style>
-  </dgm:styleLbl>
-  <dgm:styleLbl name="asst0">
-    <dgm:scene3d>
-      <a:camera prst="orthographicFront"/>
-      <a:lightRig rig="threePt" dir="t"/>
-    </dgm:scene3d>
-    <dgm:sp3d/>
-    <dgm:txPr/>
-    <dgm:style>
-      <a:lnRef idx="2">
-        <a:scrgbClr r="0" g="0" b="0"/>
-      </a:lnRef>
-      <a:fillRef idx="1">
-        <a:scrgbClr r="0" g="0" b="0"/>
-      </a:fillRef>
-      <a:effectRef idx="0">
-        <a:scrgbClr r="0" g="0" b="0"/>
-      </a:effectRef>
-      <a:fontRef idx="minor">
-        <a:schemeClr val="lt1"/>
-      </a:fontRef>
-    </dgm:style>
-  </dgm:styleLbl>
-  <dgm:styleLbl name="asst1">
-    <dgm:scene3d>
-      <a:camera prst="orthographicFront"/>
-      <a:lightRig rig="threePt" dir="t"/>
-    </dgm:scene3d>
-    <dgm:sp3d/>
-    <dgm:txPr/>
-    <dgm:style>
-      <a:lnRef idx="2">
-        <a:scrgbClr r="0" g="0" b="0"/>
-      </a:lnRef>
-      <a:fillRef idx="1">
-        <a:scrgbClr r="0" g="0" b="0"/>
-      </a:fillRef>
-      <a:effectRef idx="0">
-        <a:scrgbClr r="0" g="0" b="0"/>
-      </a:effectRef>
-      <a:fontRef idx="minor">
-        <a:schemeClr val="lt1"/>
-      </a:fontRef>
-    </dgm:style>
-  </dgm:styleLbl>
-  <dgm:styleLbl name="asst2">
-    <dgm:scene3d>
-      <a:camera prst="orthographicFront"/>
-      <a:lightRig rig="threePt" dir="t"/>
-    </dgm:scene3d>
-    <dgm:sp3d/>
-    <dgm:txPr/>
-    <dgm:style>
-      <a:lnRef idx="2">
-        <a:scrgbClr r="0" g="0" b="0"/>
-      </a:lnRef>
-      <a:fillRef idx="1">
-        <a:scrgbClr r="0" g="0" b="0"/>
-      </a:fillRef>
-      <a:effectRef idx="0">
-        <a:scrgbClr r="0" g="0" b="0"/>
-      </a:effectRef>
-      <a:fontRef idx="minor">
-        <a:schemeClr val="lt1"/>
-      </a:fontRef>
-    </dgm:style>
-  </dgm:styleLbl>
-  <dgm:styleLbl name="asst3">
-    <dgm:scene3d>
-      <a:camera prst="orthographicFront"/>
-      <a:lightRig rig="threePt" dir="t"/>
-    </dgm:scene3d>
-    <dgm:sp3d/>
-    <dgm:txPr/>
-    <dgm:style>
-      <a:lnRef idx="2">
-        <a:scrgbClr r="0" g="0" b="0"/>
-      </a:lnRef>
-      <a:fillRef idx="1">
-        <a:scrgbClr r="0" g="0" b="0"/>
-      </a:fillRef>
-      <a:effectRef idx="0">
-        <a:scrgbClr r="0" g="0" b="0"/>
-      </a:effectRef>
-      <a:fontRef idx="minor">
-        <a:schemeClr val="lt1"/>
-      </a:fontRef>
-    </dgm:style>
-  </dgm:styleLbl>
-  <dgm:styleLbl name="asst4">
-    <dgm:scene3d>
-      <a:camera prst="orthographicFront"/>
-      <a:lightRig rig="threePt" dir="t"/>
-    </dgm:scene3d>
-    <dgm:sp3d/>
-    <dgm:txPr/>
-    <dgm:style>
-      <a:lnRef idx="2">
-        <a:scrgbClr r="0" g="0" b="0"/>
-      </a:lnRef>
-      <a:fillRef idx="1">
-        <a:scrgbClr r="0" g="0" b="0"/>
-      </a:fillRef>
-      <a:effectRef idx="0">
-        <a:scrgbClr r="0" g="0" b="0"/>
-      </a:effectRef>
-      <a:fontRef idx="minor">
-        <a:schemeClr val="lt1"/>
-      </a:fontRef>
-    </dgm:style>
-  </dgm:styleLbl>
-  <dgm:styleLbl name="parChTrans2D1">
-    <dgm:scene3d>
-      <a:camera prst="orthographicFront"/>
-      <a:lightRig rig="threePt" dir="t"/>
-    </dgm:scene3d>
-    <dgm:sp3d/>
-    <dgm:txPr/>
-    <dgm:style>
-      <a:lnRef idx="2">
-        <a:scrgbClr r="0" g="0" b="0"/>
-      </a:lnRef>
-      <a:fillRef idx="1">
-        <a:scrgbClr r="0" g="0" b="0"/>
-      </a:fillRef>
-      <a:effectRef idx="0">
-        <a:scrgbClr r="0" g="0" b="0"/>
-      </a:effectRef>
-      <a:fontRef idx="minor">
-        <a:schemeClr val="lt1"/>
-      </a:fontRef>
-    </dgm:style>
-  </dgm:styleLbl>
-  <dgm:styleLbl name="parChTrans2D2">
-    <dgm:scene3d>
-      <a:camera prst="orthographicFront"/>
-      <a:lightRig rig="threePt" dir="t"/>
-    </dgm:scene3d>
-    <dgm:sp3d/>
-    <dgm:txPr/>
-    <dgm:style>
-      <a:lnRef idx="2">
-        <a:scrgbClr r="0" g="0" b="0"/>
-      </a:lnRef>
-      <a:fillRef idx="1">
-        <a:scrgbClr r="0" g="0" b="0"/>
-      </a:fillRef>
-      <a:effectRef idx="0">
-        <a:scrgbClr r="0" g="0" b="0"/>
-      </a:effectRef>
-      <a:fontRef idx="minor">
-        <a:schemeClr val="lt1"/>
-      </a:fontRef>
-    </dgm:style>
-  </dgm:styleLbl>
-  <dgm:styleLbl name="parChTrans2D3">
-    <dgm:scene3d>
-      <a:camera prst="orthographicFront"/>
-      <a:lightRig rig="threePt" dir="t"/>
-    </dgm:scene3d>
-    <dgm:sp3d/>
-    <dgm:txPr/>
-    <dgm:style>
-      <a:lnRef idx="2">
-        <a:scrgbClr r="0" g="0" b="0"/>
-      </a:lnRef>
-      <a:fillRef idx="1">
-        <a:scrgbClr r="0" g="0" b="0"/>
-      </a:fillRef>
-      <a:effectRef idx="0">
-        <a:scrgbClr r="0" g="0" b="0"/>
-      </a:effectRef>
-      <a:fontRef idx="minor">
-        <a:schemeClr val="lt1"/>
-      </a:fontRef>
-    </dgm:style>
-  </dgm:styleLbl>
-  <dgm:styleLbl name="parChTrans2D4">
-    <dgm:scene3d>
-      <a:camera prst="orthographicFront"/>
-      <a:lightRig rig="threePt" dir="t"/>
-    </dgm:scene3d>
-    <dgm:sp3d/>
-    <dgm:txPr/>
-    <dgm:style>
-      <a:lnRef idx="2">
-        <a:scrgbClr r="0" g="0" b="0"/>
-      </a:lnRef>
-      <a:fillRef idx="1">
-        <a:scrgbClr r="0" g="0" b="0"/>
-      </a:fillRef>
-      <a:effectRef idx="0">
-        <a:scrgbClr r="0" g="0" b="0"/>
-      </a:effectRef>
-      <a:fontRef idx="minor">
-        <a:schemeClr val="lt1"/>
-      </a:fontRef>
-    </dgm:style>
-  </dgm:styleLbl>
-  <dgm:styleLbl name="parChTrans1D1">
-    <dgm:scene3d>
-      <a:camera prst="orthographicFront"/>
-      <a:lightRig rig="threePt" dir="t"/>
-    </dgm:scene3d>
-    <dgm:sp3d/>
-    <dgm:txPr/>
-    <dgm:style>
-      <a:lnRef idx="2">
-        <a:scrgbClr r="0" g="0" b="0"/>
-      </a:lnRef>
-      <a:fillRef idx="0">
-        <a:scrgbClr r="0" g="0" b="0"/>
-      </a:fillRef>
-      <a:effectRef idx="0">
-        <a:scrgbClr r="0" g="0" b="0"/>
-      </a:effectRef>
-      <a:fontRef idx="minor"/>
-    </dgm:style>
-  </dgm:styleLbl>
-  <dgm:styleLbl name="parChTrans1D2">
-    <dgm:scene3d>
-      <a:camera prst="orthographicFront"/>
-      <a:lightRig rig="threePt" dir="t"/>
-    </dgm:scene3d>
-    <dgm:sp3d/>
-    <dgm:txPr/>
-    <dgm:style>
-      <a:lnRef idx="2">
-        <a:scrgbClr r="0" g="0" b="0"/>
-      </a:lnRef>
-      <a:fillRef idx="0">
-        <a:scrgbClr r="0" g="0" b="0"/>
-      </a:fillRef>
-      <a:effectRef idx="0">
-        <a:scrgbClr r="0" g="0" b="0"/>
-      </a:effectRef>
-      <a:fontRef idx="minor"/>
-    </dgm:style>
-  </dgm:styleLbl>
-  <dgm:styleLbl name="parChTrans1D3">
-    <dgm:scene3d>
-      <a:camera prst="orthographicFront"/>
-      <a:lightRig rig="threePt" dir="t"/>
-    </dgm:scene3d>
-    <dgm:sp3d/>
-    <dgm:txPr/>
-    <dgm:style>
-      <a:lnRef idx="2">
-        <a:scrgbClr r="0" g="0" b="0"/>
-      </a:lnRef>
-      <a:fillRef idx="0">
-        <a:scrgbClr r="0" g="0" b="0"/>
-      </a:fillRef>
-      <a:effectRef idx="0">
-        <a:scrgbClr r="0" g="0" b="0"/>
-      </a:effectRef>
-      <a:fontRef idx="minor"/>
-    </dgm:style>
-  </dgm:styleLbl>
-  <dgm:styleLbl name="parChTrans1D4">
-    <dgm:scene3d>
-      <a:camera prst="orthographicFront"/>
-      <a:lightRig rig="threePt" dir="t"/>
-    </dgm:scene3d>
-    <dgm:sp3d/>
-    <dgm:txPr/>
-    <dgm:style>
-      <a:lnRef idx="2">
-        <a:scrgbClr r="0" g="0" b="0"/>
-      </a:lnRef>
-      <a:fillRef idx="0">
-        <a:scrgbClr r="0" g="0" b="0"/>
-      </a:fillRef>
-      <a:effectRef idx="0">
-        <a:scrgbClr r="0" g="0" b="0"/>
-      </a:effectRef>
-      <a:fontRef idx="minor"/>
-    </dgm:style>
-  </dgm:styleLbl>
-  <dgm:styleLbl name="fgAcc1">
-    <dgm:scene3d>
-      <a:camera prst="orthographicFront"/>
-      <a:lightRig rig="threePt" dir="t"/>
-    </dgm:scene3d>
-    <dgm:sp3d/>
-    <dgm:txPr/>
-    <dgm:style>
-      <a:lnRef idx="2">
-        <a:scrgbClr r="0" g="0" b="0"/>
-      </a:lnRef>
-      <a:fillRef idx="1">
-        <a:scrgbClr r="0" g="0" b="0"/>
-      </a:fillRef>
-      <a:effectRef idx="0">
-        <a:scrgbClr r="0" g="0" b="0"/>
-      </a:effectRef>
-      <a:fontRef idx="minor"/>
-    </dgm:style>
-  </dgm:styleLbl>
-  <dgm:styleLbl name="conFgAcc1">
-    <dgm:scene3d>
-      <a:camera prst="orthographicFront"/>
-      <a:lightRig rig="threePt" dir="t"/>
-    </dgm:scene3d>
-    <dgm:sp3d/>
-    <dgm:txPr/>
-    <dgm:style>
-      <a:lnRef idx="2">
-        <a:scrgbClr r="0" g="0" b="0"/>
-      </a:lnRef>
-      <a:fillRef idx="1">
-        <a:scrgbClr r="0" g="0" b="0"/>
-      </a:fillRef>
-      <a:effectRef idx="0">
-        <a:scrgbClr r="0" g="0" b="0"/>
-      </a:effectRef>
-      <a:fontRef idx="minor"/>
-    </dgm:style>
-  </dgm:styleLbl>
-  <dgm:styleLbl name="alignAcc1">
-    <dgm:scene3d>
-      <a:camera prst="orthographicFront"/>
-      <a:lightRig rig="threePt" dir="t"/>
-    </dgm:scene3d>
-    <dgm:sp3d/>
-    <dgm:txPr/>
-    <dgm:style>
-      <a:lnRef idx="2">
-        <a:scrgbClr r="0" g="0" b="0"/>
-      </a:lnRef>
-      <a:fillRef idx="1">
-        <a:scrgbClr r="0" g="0" b="0"/>
-      </a:fillRef>
-      <a:effectRef idx="0">
-        <a:scrgbClr r="0" g="0" b="0"/>
-      </a:effectRef>
-      <a:fontRef idx="minor"/>
-    </dgm:style>
-  </dgm:styleLbl>
-  <dgm:styleLbl name="trAlignAcc1">
-    <dgm:scene3d>
-      <a:camera prst="orthographicFront"/>
-      <a:lightRig rig="threePt" dir="t"/>
-    </dgm:scene3d>
-    <dgm:sp3d/>
-    <dgm:txPr/>
-    <dgm:style>
-      <a:lnRef idx="1">
-        <a:scrgbClr r="0" g="0" b="0"/>
-      </a:lnRef>
-      <a:fillRef idx="1">
-        <a:scrgbClr r="0" g="0" b="0"/>
-      </a:fillRef>
-      <a:effectRef idx="0">
-        <a:scrgbClr r="0" g="0" b="0"/>
-      </a:effectRef>
-      <a:fontRef idx="minor"/>
-    </dgm:style>
-  </dgm:styleLbl>
-  <dgm:styleLbl name="bgAcc1">
-    <dgm:scene3d>
-      <a:camera prst="orthographicFront"/>
-      <a:lightRig rig="threePt" dir="t"/>
-    </dgm:scene3d>
-    <dgm:sp3d/>
-    <dgm:txPr/>
-    <dgm:style>
-      <a:lnRef idx="2">
-        <a:scrgbClr r="0" g="0" b="0"/>
-      </a:lnRef>
-      <a:fillRef idx="1">
-        <a:scrgbClr r="0" g="0" b="0"/>
-      </a:fillRef>
-      <a:effectRef idx="0">
-        <a:scrgbClr r="0" g="0" b="0"/>
-      </a:effectRef>
-      <a:fontRef idx="minor"/>
-    </dgm:style>
-  </dgm:styleLbl>
-  <dgm:styleLbl name="solidFgAcc1">
-    <dgm:scene3d>
-      <a:camera prst="orthographicFront"/>
-      <a:lightRig rig="threePt" dir="t"/>
-    </dgm:scene3d>
-    <dgm:sp3d/>
-    <dgm:txPr/>
-    <dgm:style>
-      <a:lnRef idx="2">
-        <a:scrgbClr r="0" g="0" b="0"/>
-      </a:lnRef>
-      <a:fillRef idx="1">
-        <a:scrgbClr r="0" g="0" b="0"/>
-      </a:fillRef>
-      <a:effectRef idx="0">
-        <a:scrgbClr r="0" g="0" b="0"/>
-      </a:effectRef>
-      <a:fontRef idx="minor"/>
-    </dgm:style>
-  </dgm:styleLbl>
-  <dgm:styleLbl name="solidAlignAcc1">
-    <dgm:scene3d>
-      <a:camera prst="orthographicFront"/>
-      <a:lightRig rig="threePt" dir="t"/>
-    </dgm:scene3d>
-    <dgm:sp3d/>
-    <dgm:txPr/>
-    <dgm:style>
-      <a:lnRef idx="2">
-        <a:scrgbClr r="0" g="0" b="0"/>
-      </a:lnRef>
-      <a:fillRef idx="1">
-        <a:scrgbClr r="0" g="0" b="0"/>
-      </a:fillRef>
-      <a:effectRef idx="0">
-        <a:scrgbClr r="0" g="0" b="0"/>
-      </a:effectRef>
-      <a:fontRef idx="minor"/>
-    </dgm:style>
-  </dgm:styleLbl>
-  <dgm:styleLbl name="solidBgAcc1">
-    <dgm:scene3d>
-      <a:camera prst="orthographicFront"/>
-      <a:lightRig rig="threePt" dir="t"/>
-    </dgm:scene3d>
-    <dgm:sp3d/>
-    <dgm:txPr/>
-    <dgm:style>
-      <a:lnRef idx="2">
-        <a:scrgbClr r="0" g="0" b="0"/>
-      </a:lnRef>
-      <a:fillRef idx="1">
-        <a:scrgbClr r="0" g="0" b="0"/>
-      </a:fillRef>
-      <a:effectRef idx="0">
-        <a:scrgbClr r="0" g="0" b="0"/>
-      </a:effectRef>
-      <a:fontRef idx="minor"/>
-    </dgm:style>
-  </dgm:styleLbl>
-  <dgm:styleLbl name="fgAccFollowNode1">
-    <dgm:scene3d>
-      <a:camera prst="orthographicFront"/>
-      <a:lightRig rig="threePt" dir="t"/>
-    </dgm:scene3d>
-    <dgm:sp3d/>
-    <dgm:txPr/>
-    <dgm:style>
-      <a:lnRef idx="2">
-        <a:scrgbClr r="0" g="0" b="0"/>
-      </a:lnRef>
-      <a:fillRef idx="1">
-        <a:scrgbClr r="0" g="0" b="0"/>
-      </a:fillRef>
-      <a:effectRef idx="0">
-        <a:scrgbClr r="0" g="0" b="0"/>
-      </a:effectRef>
-      <a:fontRef idx="minor"/>
-    </dgm:style>
-  </dgm:styleLbl>
-  <dgm:styleLbl name="alignAccFollowNode1">
-    <dgm:scene3d>
-      <a:camera prst="orthographicFront"/>
-      <a:lightRig rig="threePt" dir="t"/>
-    </dgm:scene3d>
-    <dgm:sp3d/>
-    <dgm:txPr/>
-    <dgm:style>
-      <a:lnRef idx="2">
-        <a:scrgbClr r="0" g="0" b="0"/>
-      </a:lnRef>
-      <a:fillRef idx="1">
-        <a:scrgbClr r="0" g="0" b="0"/>
-      </a:fillRef>
-      <a:effectRef idx="0">
-        <a:scrgbClr r="0" g="0" b="0"/>
-      </a:effectRef>
-      <a:fontRef idx="minor"/>
-    </dgm:style>
-  </dgm:styleLbl>
-  <dgm:styleLbl name="bgAccFollowNode1">
-    <dgm:scene3d>
-      <a:camera prst="orthographicFront"/>
-      <a:lightRig rig="threePt" dir="t"/>
-    </dgm:scene3d>
-    <dgm:sp3d/>
-    <dgm:txPr/>
-    <dgm:style>
-      <a:lnRef idx="2">
-        <a:scrgbClr r="0" g="0" b="0"/>
-      </a:lnRef>
-      <a:fillRef idx="1">
-        <a:scrgbClr r="0" g="0" b="0"/>
-      </a:fillRef>
-      <a:effectRef idx="0">
-        <a:scrgbClr r="0" g="0" b="0"/>
-      </a:effectRef>
-      <a:fontRef idx="minor"/>
-    </dgm:style>
-  </dgm:styleLbl>
-  <dgm:styleLbl name="fgAcc0">
-    <dgm:scene3d>
-      <a:camera prst="orthographicFront"/>
-      <a:lightRig rig="threePt" dir="t"/>
-    </dgm:scene3d>
-    <dgm:sp3d/>
-    <dgm:txPr/>
-    <dgm:style>
-      <a:lnRef idx="2">
-        <a:scrgbClr r="0" g="0" b="0"/>
-      </a:lnRef>
-      <a:fillRef idx="1">
-        <a:scrgbClr r="0" g="0" b="0"/>
-      </a:fillRef>
-      <a:effectRef idx="0">
-        <a:scrgbClr r="0" g="0" b="0"/>
-      </a:effectRef>
-      <a:fontRef idx="minor"/>
-    </dgm:style>
-  </dgm:styleLbl>
-  <dgm:styleLbl name="fgAcc2">
-    <dgm:scene3d>
-      <a:camera prst="orthographicFront"/>
-      <a:lightRig rig="threePt" dir="t"/>
-    </dgm:scene3d>
-    <dgm:sp3d/>
-    <dgm:txPr/>
-    <dgm:style>
-      <a:lnRef idx="2">
-        <a:scrgbClr r="0" g="0" b="0"/>
-      </a:lnRef>
-      <a:fillRef idx="1">
-        <a:scrgbClr r="0" g="0" b="0"/>
-      </a:fillRef>
-      <a:effectRef idx="0">
-        <a:scrgbClr r="0" g="0" b="0"/>
-      </a:effectRef>
-      <a:fontRef idx="minor"/>
-    </dgm:style>
-  </dgm:styleLbl>
-  <dgm:styleLbl name="fgAcc3">
-    <dgm:scene3d>
-      <a:camera prst="orthographicFront"/>
-      <a:lightRig rig="threePt" dir="t"/>
-    </dgm:scene3d>
-    <dgm:sp3d/>
-    <dgm:txPr/>
-    <dgm:style>
-      <a:lnRef idx="2">
-        <a:scrgbClr r="0" g="0" b="0"/>
-      </a:lnRef>
-      <a:fillRef idx="1">
-        <a:scrgbClr r="0" g="0" b="0"/>
-      </a:fillRef>
-      <a:effectRef idx="0">
-        <a:scrgbClr r="0" g="0" b="0"/>
-      </a:effectRef>
-      <a:fontRef idx="minor"/>
-    </dgm:style>
-  </dgm:styleLbl>
-  <dgm:styleLbl name="fgAcc4">
-    <dgm:scene3d>
-      <a:camera prst="orthographicFront"/>
-      <a:lightRig rig="threePt" dir="t"/>
-    </dgm:scene3d>
-    <dgm:sp3d/>
-    <dgm:txPr/>
-    <dgm:style>
-      <a:lnRef idx="2">
-        <a:scrgbClr r="0" g="0" b="0"/>
-      </a:lnRef>
-      <a:fillRef idx="1">
-        <a:scrgbClr r="0" g="0" b="0"/>
-      </a:fillRef>
-      <a:effectRef idx="0">
-        <a:scrgbClr r="0" g="0" b="0"/>
-      </a:effectRef>
-      <a:fontRef idx="minor"/>
-    </dgm:style>
-  </dgm:styleLbl>
-  <dgm:styleLbl name="bgShp">
-    <dgm:scene3d>
-      <a:camera prst="orthographicFront"/>
-      <a:lightRig rig="threePt" dir="t"/>
-    </dgm:scene3d>
-    <dgm:sp3d/>
-    <dgm:txPr/>
-    <dgm:style>
-      <a:lnRef idx="0">
-        <a:scrgbClr r="0" g="0" b="0"/>
-      </a:lnRef>
-      <a:fillRef idx="1">
-        <a:scrgbClr r="0" g="0" b="0"/>
-      </a:fillRef>
-      <a:effectRef idx="0">
-        <a:scrgbClr r="0" g="0" b="0"/>
-      </a:effectRef>
-      <a:fontRef idx="minor"/>
-    </dgm:style>
-  </dgm:styleLbl>
-  <dgm:styleLbl name="dkBgShp">
-    <dgm:scene3d>
-      <a:camera prst="orthographicFront"/>
-      <a:lightRig rig="threePt" dir="t"/>
-    </dgm:scene3d>
-    <dgm:sp3d/>
-    <dgm:txPr/>
-    <dgm:style>
-      <a:lnRef idx="0">
-        <a:scrgbClr r="0" g="0" b="0"/>
-      </a:lnRef>
-      <a:fillRef idx="1">
-        <a:scrgbClr r="0" g="0" b="0"/>
-      </a:fillRef>
-      <a:effectRef idx="0">
-        <a:scrgbClr r="0" g="0" b="0"/>
-      </a:effectRef>
-      <a:fontRef idx="minor"/>
-    </dgm:style>
-  </dgm:styleLbl>
-  <dgm:styleLbl name="trBgShp">
-    <dgm:scene3d>
-      <a:camera prst="orthographicFront"/>
-      <a:lightRig rig="threePt" dir="t"/>
-    </dgm:scene3d>
-    <dgm:sp3d/>
-    <dgm:txPr/>
-    <dgm:style>
-      <a:lnRef idx="0">
-        <a:scrgbClr r="0" g="0" b="0"/>
-      </a:lnRef>
-      <a:fillRef idx="1">
-        <a:scrgbClr r="0" g="0" b="0"/>
-      </a:fillRef>
-      <a:effectRef idx="0">
-        <a:scrgbClr r="0" g="0" b="0"/>
-      </a:effectRef>
-      <a:fontRef idx="minor"/>
-    </dgm:style>
-  </dgm:styleLbl>
-  <dgm:styleLbl name="fgShp">
-    <dgm:scene3d>
-      <a:camera prst="orthographicFront"/>
-      <a:lightRig rig="threePt" dir="t"/>
-    </dgm:scene3d>
-    <dgm:sp3d/>
-    <dgm:txPr/>
-    <dgm:style>
-      <a:lnRef idx="2">
-        <a:scrgbClr r="0" g="0" b="0"/>
-      </a:lnRef>
-      <a:fillRef idx="1">
-        <a:scrgbClr r="0" g="0" b="0"/>
-      </a:fillRef>
-      <a:effectRef idx="0">
-        <a:scrgbClr r="0" g="0" b="0"/>
-      </a:effectRef>
-      <a:fontRef idx="minor"/>
-    </dgm:style>
-  </dgm:styleLbl>
-  <dgm:styleLbl name="revTx">
-    <dgm:scene3d>
-      <a:camera prst="orthographicFront"/>
-      <a:lightRig rig="threePt" dir="t"/>
-    </dgm:scene3d>
-    <dgm:sp3d/>
-    <dgm:txPr/>
-    <dgm:style>
-      <a:lnRef idx="0">
-        <a:scrgbClr r="0" g="0" b="0"/>
-      </a:lnRef>
-      <a:fillRef idx="0">
-        <a:scrgbClr r="0" g="0" b="0"/>
-      </a:fillRef>
-      <a:effectRef idx="0">
-        <a:scrgbClr r="0" g="0" b="0"/>
-      </a:effectRef>
-      <a:fontRef idx="minor"/>
-    </dgm:style>
-  </dgm:styleLbl>
-</dgm:styleDef>
-</file>
-
-<file path=ppt/diagrams/quickStyle4.xml><?xml version="1.0" encoding="utf-8"?>
 <dgm:styleDef xmlns:dgm="http://schemas.openxmlformats.org/drawingml/2006/diagram" xmlns:a="http://schemas.openxmlformats.org/drawingml/2006/main" uniqueId="urn:microsoft.com/office/officeart/2005/8/quickstyle/simple1">
   <dgm:title val=""/>
   <dgm:desc val=""/>
@@ -11055,7 +8347,7 @@
           <a:p>
             <a:fld id="{AF869721-F543-4A6C-BF9D-65D7CC540427}" type="datetimeFigureOut">
               <a:rPr lang="en-US" smtClean="0"/>
-              <a:t>7/7/2021</a:t>
+              <a:t>7/8/2021</a:t>
             </a:fld>
             <a:endParaRPr lang="en-US" dirty="0"/>
           </a:p>
@@ -11232,7 +8524,7 @@
           <a:p>
             <a:fld id="{C732326A-4C88-4AFB-AA5B-5919D81DFF5B}" type="datetimeFigureOut">
               <a:rPr lang="en-US" smtClean="0"/>
-              <a:t>7/7/2021</a:t>
+              <a:t>7/8/2021</a:t>
             </a:fld>
             <a:endParaRPr lang="en-US" dirty="0"/>
           </a:p>
@@ -11660,7 +8952,7 @@
           <a:p>
             <a:fld id="{C6B3AB32-59DF-41F1-9618-EDFBF5049629}" type="slidenum">
               <a:rPr lang="en-US" smtClean="0"/>
-              <a:t>17</a:t>
+              <a:t>16</a:t>
             </a:fld>
             <a:endParaRPr lang="en-US" dirty="0"/>
           </a:p>
@@ -11669,7 +8961,7 @@
     </p:spTree>
     <p:extLst>
       <p:ext uri="{BB962C8B-B14F-4D97-AF65-F5344CB8AC3E}">
-        <p14:creationId xmlns:p14="http://schemas.microsoft.com/office/powerpoint/2010/main" val="2846963512"/>
+        <p14:creationId xmlns:p14="http://schemas.microsoft.com/office/powerpoint/2010/main" val="3858770450"/>
       </p:ext>
     </p:extLst>
   </p:cSld>
@@ -11756,7 +9048,7 @@
           <a:p>
             <a:fld id="{C6B3AB32-59DF-41F1-9618-EDFBF5049629}" type="slidenum">
               <a:rPr lang="en-US" smtClean="0"/>
-              <a:t>18</a:t>
+              <a:t>17</a:t>
             </a:fld>
             <a:endParaRPr lang="en-US" dirty="0"/>
           </a:p>
@@ -11765,7 +9057,7 @@
     </p:spTree>
     <p:extLst>
       <p:ext uri="{BB962C8B-B14F-4D97-AF65-F5344CB8AC3E}">
-        <p14:creationId xmlns:p14="http://schemas.microsoft.com/office/powerpoint/2010/main" val="3858770450"/>
+        <p14:creationId xmlns:p14="http://schemas.microsoft.com/office/powerpoint/2010/main" val="1137574955"/>
       </p:ext>
     </p:extLst>
   </p:cSld>
@@ -11819,18 +9111,6 @@
           <a:bodyPr/>
           <a:lstStyle/>
           <a:p>
-            <a:r>
-              <a:rPr lang="en-US" dirty="0" err="1">
-                <a:hlinkClick r:id="rId3"/>
-              </a:rPr>
-              <a:t>find_me_model.drawio</a:t>
-            </a:r>
-            <a:r>
-              <a:rPr lang="en-US" dirty="0">
-                <a:hlinkClick r:id="rId3"/>
-              </a:rPr>
-              <a:t> - diagrams.net</a:t>
-            </a:r>
             <a:endParaRPr lang="en-US" dirty="0"/>
           </a:p>
         </p:txBody>
@@ -11852,91 +9132,7 @@
           <a:p>
             <a:fld id="{C6B3AB32-59DF-41F1-9618-EDFBF5049629}" type="slidenum">
               <a:rPr lang="en-US" smtClean="0"/>
-              <a:t>19</a:t>
-            </a:fld>
-            <a:endParaRPr lang="en-US" dirty="0"/>
-          </a:p>
-        </p:txBody>
-      </p:sp>
-    </p:spTree>
-    <p:extLst>
-      <p:ext uri="{BB962C8B-B14F-4D97-AF65-F5344CB8AC3E}">
-        <p14:creationId xmlns:p14="http://schemas.microsoft.com/office/powerpoint/2010/main" val="1137574955"/>
-      </p:ext>
-    </p:extLst>
-  </p:cSld>
-  <p:clrMapOvr>
-    <a:masterClrMapping/>
-  </p:clrMapOvr>
-</p:notes>
-</file>
-
-<file path=ppt/notesSlides/notesSlide13.xml><?xml version="1.0" encoding="utf-8"?>
-<p:notes xmlns:a="http://schemas.openxmlformats.org/drawingml/2006/main" xmlns:r="http://schemas.openxmlformats.org/officeDocument/2006/relationships" xmlns:p="http://schemas.openxmlformats.org/presentationml/2006/main">
-  <p:cSld>
-    <p:spTree>
-      <p:nvGrpSpPr>
-        <p:cNvPr id="1" name=""/>
-        <p:cNvGrpSpPr/>
-        <p:nvPr/>
-      </p:nvGrpSpPr>
-      <p:grpSpPr>
-        <a:xfrm>
-          <a:off x="0" y="0"/>
-          <a:ext cx="0" cy="0"/>
-          <a:chOff x="0" y="0"/>
-          <a:chExt cx="0" cy="0"/>
-        </a:xfrm>
-      </p:grpSpPr>
-      <p:sp>
-        <p:nvSpPr>
-          <p:cNvPr id="2" name="Slide Image Placeholder 1"/>
-          <p:cNvSpPr>
-            <a:spLocks noGrp="1" noRot="1" noChangeAspect="1"/>
-          </p:cNvSpPr>
-          <p:nvPr>
-            <p:ph type="sldImg"/>
-          </p:nvPr>
-        </p:nvSpPr>
-        <p:spPr/>
-      </p:sp>
-      <p:sp>
-        <p:nvSpPr>
-          <p:cNvPr id="3" name="Notes Placeholder 2"/>
-          <p:cNvSpPr>
-            <a:spLocks noGrp="1"/>
-          </p:cNvSpPr>
-          <p:nvPr>
-            <p:ph type="body" idx="1"/>
-          </p:nvPr>
-        </p:nvSpPr>
-        <p:spPr/>
-        <p:txBody>
-          <a:bodyPr/>
-          <a:lstStyle/>
-          <a:p>
-            <a:endParaRPr lang="en-US" dirty="0"/>
-          </a:p>
-        </p:txBody>
-      </p:sp>
-      <p:sp>
-        <p:nvSpPr>
-          <p:cNvPr id="4" name="Slide Number Placeholder 3"/>
-          <p:cNvSpPr>
-            <a:spLocks noGrp="1"/>
-          </p:cNvSpPr>
-          <p:nvPr>
-            <p:ph type="sldNum" sz="quarter" idx="5"/>
-          </p:nvPr>
-        </p:nvSpPr>
-        <p:spPr/>
-        <p:txBody>
-          <a:bodyPr/>
-          <a:lstStyle/>
-          <a:p>
-            <a:fld id="{C6B3AB32-59DF-41F1-9618-EDFBF5049629}" type="slidenum">
-              <a:rPr lang="en-US" smtClean="0"/>
-              <a:t>23</a:t>
+              <a:t>21</a:t>
             </a:fld>
             <a:endParaRPr lang="en-US" dirty="0"/>
           </a:p>
@@ -12083,6 +9279,18 @@
           <a:bodyPr/>
           <a:lstStyle/>
           <a:p>
+            <a:r>
+              <a:rPr lang="en-US" dirty="0" err="1">
+                <a:hlinkClick r:id="rId3"/>
+              </a:rPr>
+              <a:t>find_me_model.drawio</a:t>
+            </a:r>
+            <a:r>
+              <a:rPr lang="en-US" dirty="0">
+                <a:hlinkClick r:id="rId3"/>
+              </a:rPr>
+              <a:t> - diagrams.net</a:t>
+            </a:r>
             <a:endParaRPr lang="en-US" dirty="0"/>
           </a:p>
         </p:txBody>
@@ -12104,7 +9312,7 @@
           <a:p>
             <a:fld id="{C6B3AB32-59DF-41F1-9618-EDFBF5049629}" type="slidenum">
               <a:rPr lang="en-US" smtClean="0"/>
-              <a:t>8</a:t>
+              <a:t>9</a:t>
             </a:fld>
             <a:endParaRPr lang="en-US" dirty="0"/>
           </a:p>
@@ -12113,7 +9321,7 @@
     </p:spTree>
     <p:extLst>
       <p:ext uri="{BB962C8B-B14F-4D97-AF65-F5344CB8AC3E}">
-        <p14:creationId xmlns:p14="http://schemas.microsoft.com/office/powerpoint/2010/main" val="1485267003"/>
+        <p14:creationId xmlns:p14="http://schemas.microsoft.com/office/powerpoint/2010/main" val="142340777"/>
       </p:ext>
     </p:extLst>
   </p:cSld>
@@ -12167,6 +9375,18 @@
           <a:bodyPr/>
           <a:lstStyle/>
           <a:p>
+            <a:r>
+              <a:rPr lang="en-US" dirty="0" err="1">
+                <a:hlinkClick r:id="rId3"/>
+              </a:rPr>
+              <a:t>find_me_model.drawio</a:t>
+            </a:r>
+            <a:r>
+              <a:rPr lang="en-US" dirty="0">
+                <a:hlinkClick r:id="rId3"/>
+              </a:rPr>
+              <a:t> - diagrams.net</a:t>
+            </a:r>
             <a:endParaRPr lang="en-US" dirty="0"/>
           </a:p>
         </p:txBody>
@@ -12188,7 +9408,7 @@
           <a:p>
             <a:fld id="{C6B3AB32-59DF-41F1-9618-EDFBF5049629}" type="slidenum">
               <a:rPr lang="en-US" smtClean="0"/>
-              <a:t>9</a:t>
+              <a:t>10</a:t>
             </a:fld>
             <a:endParaRPr lang="en-US" dirty="0"/>
           </a:p>
@@ -12197,7 +9417,7 @@
     </p:spTree>
     <p:extLst>
       <p:ext uri="{BB962C8B-B14F-4D97-AF65-F5344CB8AC3E}">
-        <p14:creationId xmlns:p14="http://schemas.microsoft.com/office/powerpoint/2010/main" val="2753073606"/>
+        <p14:creationId xmlns:p14="http://schemas.microsoft.com/office/powerpoint/2010/main" val="4087500746"/>
       </p:ext>
     </p:extLst>
   </p:cSld>
@@ -12293,7 +9513,7 @@
     </p:spTree>
     <p:extLst>
       <p:ext uri="{BB962C8B-B14F-4D97-AF65-F5344CB8AC3E}">
-        <p14:creationId xmlns:p14="http://schemas.microsoft.com/office/powerpoint/2010/main" val="142340777"/>
+        <p14:creationId xmlns:p14="http://schemas.microsoft.com/office/powerpoint/2010/main" val="2459016940"/>
       </p:ext>
     </p:extLst>
   </p:cSld>
@@ -12347,18 +9567,6 @@
           <a:bodyPr/>
           <a:lstStyle/>
           <a:p>
-            <a:r>
-              <a:rPr lang="en-US" dirty="0" err="1">
-                <a:hlinkClick r:id="rId3"/>
-              </a:rPr>
-              <a:t>find_me_model.drawio</a:t>
-            </a:r>
-            <a:r>
-              <a:rPr lang="en-US" dirty="0">
-                <a:hlinkClick r:id="rId3"/>
-              </a:rPr>
-              <a:t> - diagrams.net</a:t>
-            </a:r>
             <a:endParaRPr lang="en-US" dirty="0"/>
           </a:p>
         </p:txBody>
@@ -12389,7 +9597,7 @@
     </p:spTree>
     <p:extLst>
       <p:ext uri="{BB962C8B-B14F-4D97-AF65-F5344CB8AC3E}">
-        <p14:creationId xmlns:p14="http://schemas.microsoft.com/office/powerpoint/2010/main" val="4087500746"/>
+        <p14:creationId xmlns:p14="http://schemas.microsoft.com/office/powerpoint/2010/main" val="1485267003"/>
       </p:ext>
     </p:extLst>
   </p:cSld>
@@ -12443,18 +9651,6 @@
           <a:bodyPr/>
           <a:lstStyle/>
           <a:p>
-            <a:r>
-              <a:rPr lang="en-US" dirty="0" err="1">
-                <a:hlinkClick r:id="rId3"/>
-              </a:rPr>
-              <a:t>find_me_model.drawio</a:t>
-            </a:r>
-            <a:r>
-              <a:rPr lang="en-US" dirty="0">
-                <a:hlinkClick r:id="rId3"/>
-              </a:rPr>
-              <a:t> - diagrams.net</a:t>
-            </a:r>
             <a:endParaRPr lang="en-US" dirty="0"/>
           </a:p>
         </p:txBody>
@@ -12485,7 +9681,7 @@
     </p:spTree>
     <p:extLst>
       <p:ext uri="{BB962C8B-B14F-4D97-AF65-F5344CB8AC3E}">
-        <p14:creationId xmlns:p14="http://schemas.microsoft.com/office/powerpoint/2010/main" val="2459016940"/>
+        <p14:creationId xmlns:p14="http://schemas.microsoft.com/office/powerpoint/2010/main" val="2753073606"/>
       </p:ext>
     </p:extLst>
   </p:cSld>
@@ -12539,6 +9735,18 @@
           <a:bodyPr/>
           <a:lstStyle/>
           <a:p>
+            <a:r>
+              <a:rPr lang="en-US" dirty="0" err="1">
+                <a:hlinkClick r:id="rId3"/>
+              </a:rPr>
+              <a:t>find_me_model.drawio</a:t>
+            </a:r>
+            <a:r>
+              <a:rPr lang="en-US" dirty="0">
+                <a:hlinkClick r:id="rId3"/>
+              </a:rPr>
+              <a:t> - diagrams.net</a:t>
+            </a:r>
             <a:endParaRPr lang="en-US" dirty="0"/>
           </a:p>
         </p:txBody>
@@ -12560,7 +9768,7 @@
           <a:p>
             <a:fld id="{C6B3AB32-59DF-41F1-9618-EDFBF5049629}" type="slidenum">
               <a:rPr lang="en-US" smtClean="0"/>
-              <a:t>15</a:t>
+              <a:t>14</a:t>
             </a:fld>
             <a:endParaRPr lang="en-US" dirty="0"/>
           </a:p>
@@ -12569,7 +9777,7 @@
     </p:spTree>
     <p:extLst>
       <p:ext uri="{BB962C8B-B14F-4D97-AF65-F5344CB8AC3E}">
-        <p14:creationId xmlns:p14="http://schemas.microsoft.com/office/powerpoint/2010/main" val="2827444924"/>
+        <p14:creationId xmlns:p14="http://schemas.microsoft.com/office/powerpoint/2010/main" val="3686022237"/>
       </p:ext>
     </p:extLst>
   </p:cSld>
@@ -12656,7 +9864,7 @@
           <a:p>
             <a:fld id="{C6B3AB32-59DF-41F1-9618-EDFBF5049629}" type="slidenum">
               <a:rPr lang="en-US" smtClean="0"/>
-              <a:t>16</a:t>
+              <a:t>15</a:t>
             </a:fld>
             <a:endParaRPr lang="en-US" dirty="0"/>
           </a:p>
@@ -12665,7 +9873,7 @@
     </p:spTree>
     <p:extLst>
       <p:ext uri="{BB962C8B-B14F-4D97-AF65-F5344CB8AC3E}">
-        <p14:creationId xmlns:p14="http://schemas.microsoft.com/office/powerpoint/2010/main" val="3686022237"/>
+        <p14:creationId xmlns:p14="http://schemas.microsoft.com/office/powerpoint/2010/main" val="2846963512"/>
       </p:ext>
     </p:extLst>
   </p:cSld>
@@ -12921,7 +10129,7 @@
             <a:fld id="{B61BEF0D-F0BB-DE4B-95CE-6DB70DBA9567}" type="datetimeFigureOut">
               <a:rPr lang="en-US" smtClean="0"/>
               <a:pPr/>
-              <a:t>7/7/2021</a:t>
+              <a:t>7/8/2021</a:t>
             </a:fld>
             <a:endParaRPr lang="en-US" dirty="0"/>
           </a:p>
@@ -13185,7 +10393,7 @@
             <a:fld id="{B61BEF0D-F0BB-DE4B-95CE-6DB70DBA9567}" type="datetimeFigureOut">
               <a:rPr lang="en-US" smtClean="0"/>
               <a:pPr/>
-              <a:t>7/7/2021</a:t>
+              <a:t>7/8/2021</a:t>
             </a:fld>
             <a:endParaRPr lang="en-US" dirty="0"/>
           </a:p>
@@ -13422,7 +10630,7 @@
             <a:fld id="{B61BEF0D-F0BB-DE4B-95CE-6DB70DBA9567}" type="datetimeFigureOut">
               <a:rPr lang="en-US" smtClean="0"/>
               <a:pPr/>
-              <a:t>7/7/2021</a:t>
+              <a:t>7/8/2021</a:t>
             </a:fld>
             <a:endParaRPr lang="en-US" dirty="0"/>
           </a:p>
@@ -13664,7 +10872,7 @@
             <a:fld id="{B61BEF0D-F0BB-DE4B-95CE-6DB70DBA9567}" type="datetimeFigureOut">
               <a:rPr lang="en-US" smtClean="0"/>
               <a:pPr/>
-              <a:t>7/7/2021</a:t>
+              <a:t>7/8/2021</a:t>
             </a:fld>
             <a:endParaRPr lang="en-US" dirty="0"/>
           </a:p>
@@ -13973,7 +11181,7 @@
             <a:fld id="{B61BEF0D-F0BB-DE4B-95CE-6DB70DBA9567}" type="datetimeFigureOut">
               <a:rPr lang="en-US" smtClean="0"/>
               <a:pPr/>
-              <a:t>7/7/2021</a:t>
+              <a:t>7/8/2021</a:t>
             </a:fld>
             <a:endParaRPr lang="en-US" dirty="0"/>
           </a:p>
@@ -14277,7 +11485,7 @@
             <a:fld id="{B61BEF0D-F0BB-DE4B-95CE-6DB70DBA9567}" type="datetimeFigureOut">
               <a:rPr lang="en-US" smtClean="0"/>
               <a:pPr/>
-              <a:t>7/7/2021</a:t>
+              <a:t>7/8/2021</a:t>
             </a:fld>
             <a:endParaRPr lang="en-US" dirty="0"/>
           </a:p>
@@ -14701,7 +11909,7 @@
             <a:fld id="{B61BEF0D-F0BB-DE4B-95CE-6DB70DBA9567}" type="datetimeFigureOut">
               <a:rPr lang="en-US" smtClean="0"/>
               <a:pPr/>
-              <a:t>7/7/2021</a:t>
+              <a:t>7/8/2021</a:t>
             </a:fld>
             <a:endParaRPr lang="en-US" dirty="0"/>
           </a:p>
@@ -14798,7 +12006,7 @@
             <a:fld id="{B61BEF0D-F0BB-DE4B-95CE-6DB70DBA9567}" type="datetimeFigureOut">
               <a:rPr lang="en-US" smtClean="0"/>
               <a:pPr/>
-              <a:t>7/7/2021</a:t>
+              <a:t>7/8/2021</a:t>
             </a:fld>
             <a:endParaRPr lang="en-US" dirty="0"/>
           </a:p>
@@ -14962,7 +12170,7 @@
             <a:fld id="{B61BEF0D-F0BB-DE4B-95CE-6DB70DBA9567}" type="datetimeFigureOut">
               <a:rPr lang="en-US" smtClean="0"/>
               <a:pPr/>
-              <a:t>7/7/2021</a:t>
+              <a:t>7/8/2021</a:t>
             </a:fld>
             <a:endParaRPr lang="en-US" dirty="0"/>
           </a:p>
@@ -15342,7 +12550,7 @@
             <a:fld id="{B61BEF0D-F0BB-DE4B-95CE-6DB70DBA9567}" type="datetimeFigureOut">
               <a:rPr lang="en-US" smtClean="0"/>
               <a:pPr/>
-              <a:t>7/7/2021</a:t>
+              <a:t>7/8/2021</a:t>
             </a:fld>
             <a:endParaRPr lang="en-US" dirty="0"/>
           </a:p>
@@ -15633,7 +12841,7 @@
             <a:fld id="{B61BEF0D-F0BB-DE4B-95CE-6DB70DBA9567}" type="datetimeFigureOut">
               <a:rPr lang="en-US" smtClean="0"/>
               <a:pPr/>
-              <a:t>7/7/2021</a:t>
+              <a:t>7/8/2021</a:t>
             </a:fld>
             <a:endParaRPr lang="en-US" dirty="0"/>
           </a:p>
@@ -15846,7 +13054,7 @@
             <a:fld id="{B61BEF0D-F0BB-DE4B-95CE-6DB70DBA9567}" type="datetimeFigureOut">
               <a:rPr lang="en-US" smtClean="0"/>
               <a:pPr/>
-              <a:t>7/7/2021</a:t>
+              <a:t>7/8/2021</a:t>
             </a:fld>
             <a:endParaRPr lang="en-US" dirty="0"/>
           </a:p>
@@ -16968,211 +14176,6 @@
       </p:grpSpPr>
       <p:sp>
         <p:nvSpPr>
-          <p:cNvPr id="22" name="Title 21">
-            <a:extLst>
-              <a:ext uri="{FF2B5EF4-FFF2-40B4-BE49-F238E27FC236}">
-                <a16:creationId xmlns:a16="http://schemas.microsoft.com/office/drawing/2014/main" id="{23F2AC7E-9D11-4C66-87C4-5565EE97C620}"/>
-              </a:ext>
-            </a:extLst>
-          </p:cNvPr>
-          <p:cNvSpPr>
-            <a:spLocks noGrp="1"/>
-          </p:cNvSpPr>
-          <p:nvPr>
-            <p:ph type="title"/>
-          </p:nvPr>
-        </p:nvSpPr>
-        <p:spPr/>
-        <p:txBody>
-          <a:bodyPr/>
-          <a:lstStyle/>
-          <a:p>
-            <a:r>
-              <a:rPr lang="en-US" dirty="0"/>
-              <a:t>Modeling</a:t>
-            </a:r>
-          </a:p>
-        </p:txBody>
-      </p:sp>
-      <p:sp>
-        <p:nvSpPr>
-          <p:cNvPr id="23" name="Text Placeholder 22">
-            <a:extLst>
-              <a:ext uri="{FF2B5EF4-FFF2-40B4-BE49-F238E27FC236}">
-                <a16:creationId xmlns:a16="http://schemas.microsoft.com/office/drawing/2014/main" id="{8F41B6A6-77D3-461D-B320-4EABC470C69A}"/>
-              </a:ext>
-            </a:extLst>
-          </p:cNvPr>
-          <p:cNvSpPr>
-            <a:spLocks noGrp="1"/>
-          </p:cNvSpPr>
-          <p:nvPr>
-            <p:ph type="body" idx="1"/>
-          </p:nvPr>
-        </p:nvSpPr>
-        <p:spPr/>
-        <p:txBody>
-          <a:bodyPr/>
-          <a:lstStyle/>
-          <a:p>
-            <a:endParaRPr lang="en-US" dirty="0"/>
-          </a:p>
-        </p:txBody>
-      </p:sp>
-    </p:spTree>
-    <p:extLst>
-      <p:ext uri="{BB962C8B-B14F-4D97-AF65-F5344CB8AC3E}">
-        <p14:creationId xmlns:p14="http://schemas.microsoft.com/office/powerpoint/2010/main" val="1476872715"/>
-      </p:ext>
-    </p:extLst>
-  </p:cSld>
-  <p:clrMapOvr>
-    <a:masterClrMapping/>
-  </p:clrMapOvr>
-  <mc:AlternateContent xmlns:mc="http://schemas.openxmlformats.org/markup-compatibility/2006" xmlns:p159="http://schemas.microsoft.com/office/powerpoint/2015/09/main">
-    <mc:Choice Requires="p159">
-      <p:transition xmlns:p14="http://schemas.microsoft.com/office/powerpoint/2010/main" spd="slow" p14:dur="2000">
-        <p159:morph option="byObject"/>
-      </p:transition>
-    </mc:Choice>
-    <mc:Fallback xmlns="">
-      <p:transition spd="slow">
-        <p:fade/>
-      </p:transition>
-    </mc:Fallback>
-  </mc:AlternateContent>
-</p:sld>
-</file>
-
-<file path=ppt/slides/slide11.xml><?xml version="1.0" encoding="utf-8"?>
-<p:sld xmlns:a="http://schemas.openxmlformats.org/drawingml/2006/main" xmlns:r="http://schemas.openxmlformats.org/officeDocument/2006/relationships" xmlns:p="http://schemas.openxmlformats.org/presentationml/2006/main">
-  <p:cSld>
-    <p:spTree>
-      <p:nvGrpSpPr>
-        <p:cNvPr id="1" name=""/>
-        <p:cNvGrpSpPr/>
-        <p:nvPr/>
-      </p:nvGrpSpPr>
-      <p:grpSpPr>
-        <a:xfrm>
-          <a:off x="0" y="0"/>
-          <a:ext cx="0" cy="0"/>
-          <a:chOff x="0" y="0"/>
-          <a:chExt cx="0" cy="0"/>
-        </a:xfrm>
-      </p:grpSpPr>
-      <p:sp>
-        <p:nvSpPr>
-          <p:cNvPr id="4" name="Title 3">
-            <a:extLst>
-              <a:ext uri="{FF2B5EF4-FFF2-40B4-BE49-F238E27FC236}">
-                <a16:creationId xmlns:a16="http://schemas.microsoft.com/office/drawing/2014/main" id="{DB056804-DCC2-473D-8229-101CED2564CC}"/>
-              </a:ext>
-            </a:extLst>
-          </p:cNvPr>
-          <p:cNvSpPr>
-            <a:spLocks noGrp="1"/>
-          </p:cNvSpPr>
-          <p:nvPr>
-            <p:ph type="title"/>
-          </p:nvPr>
-        </p:nvSpPr>
-        <p:spPr/>
-        <p:txBody>
-          <a:bodyPr/>
-          <a:lstStyle/>
-          <a:p>
-            <a:r>
-              <a:rPr lang="en-US" dirty="0"/>
-              <a:t>Modeling - Model</a:t>
-            </a:r>
-          </a:p>
-        </p:txBody>
-      </p:sp>
-      <p:pic>
-        <p:nvPicPr>
-          <p:cNvPr id="5" name="Picture 4">
-            <a:extLst>
-              <a:ext uri="{FF2B5EF4-FFF2-40B4-BE49-F238E27FC236}">
-                <a16:creationId xmlns:a16="http://schemas.microsoft.com/office/drawing/2014/main" id="{D8AE21A3-9688-4113-BBAC-C3FB1B07B57F}"/>
-              </a:ext>
-            </a:extLst>
-          </p:cNvPr>
-          <p:cNvPicPr>
-            <a:picLocks noChangeAspect="1"/>
-          </p:cNvPicPr>
-          <p:nvPr/>
-        </p:nvPicPr>
-        <p:blipFill>
-          <a:blip r:embed="rId3"/>
-          <a:stretch>
-            <a:fillRect/>
-          </a:stretch>
-        </p:blipFill>
-        <p:spPr>
-          <a:xfrm>
-            <a:off x="581192" y="2474459"/>
-            <a:ext cx="10718985" cy="3047451"/>
-          </a:xfrm>
-          <a:prstGeom prst="rect">
-            <a:avLst/>
-          </a:prstGeom>
-          <a:ln>
-            <a:noFill/>
-          </a:ln>
-          <a:effectLst>
-            <a:outerShdw blurRad="292100" dist="139700" dir="2700000" algn="tl" rotWithShape="0">
-              <a:srgbClr val="333333">
-                <a:alpha val="65000"/>
-              </a:srgbClr>
-            </a:outerShdw>
-          </a:effectLst>
-        </p:spPr>
-      </p:pic>
-    </p:spTree>
-    <p:extLst>
-      <p:ext uri="{BB962C8B-B14F-4D97-AF65-F5344CB8AC3E}">
-        <p14:creationId xmlns:p14="http://schemas.microsoft.com/office/powerpoint/2010/main" val="2908314280"/>
-      </p:ext>
-    </p:extLst>
-  </p:cSld>
-  <p:clrMapOvr>
-    <a:masterClrMapping/>
-  </p:clrMapOvr>
-  <mc:AlternateContent xmlns:mc="http://schemas.openxmlformats.org/markup-compatibility/2006" xmlns:p159="http://schemas.microsoft.com/office/powerpoint/2015/09/main">
-    <mc:Choice Requires="p159">
-      <p:transition xmlns:p14="http://schemas.microsoft.com/office/powerpoint/2010/main" spd="slow" p14:dur="2000">
-        <p159:morph option="byObject"/>
-      </p:transition>
-    </mc:Choice>
-    <mc:Fallback xmlns="">
-      <p:transition spd="slow">
-        <p:fade/>
-      </p:transition>
-    </mc:Fallback>
-  </mc:AlternateContent>
-</p:sld>
-</file>
-
-<file path=ppt/slides/slide12.xml><?xml version="1.0" encoding="utf-8"?>
-<p:sld xmlns:a="http://schemas.openxmlformats.org/drawingml/2006/main" xmlns:r="http://schemas.openxmlformats.org/officeDocument/2006/relationships" xmlns:p="http://schemas.openxmlformats.org/presentationml/2006/main">
-  <p:cSld>
-    <p:spTree>
-      <p:nvGrpSpPr>
-        <p:cNvPr id="1" name=""/>
-        <p:cNvGrpSpPr/>
-        <p:nvPr/>
-      </p:nvGrpSpPr>
-      <p:grpSpPr>
-        <a:xfrm>
-          <a:off x="0" y="0"/>
-          <a:ext cx="0" cy="0"/>
-          <a:chOff x="0" y="0"/>
-          <a:chExt cx="0" cy="0"/>
-        </a:xfrm>
-      </p:grpSpPr>
-      <p:sp>
-        <p:nvSpPr>
           <p:cNvPr id="4" name="Title 3">
             <a:extLst>
               <a:ext uri="{FF2B5EF4-FFF2-40B4-BE49-F238E27FC236}">
@@ -17272,7 +14275,7 @@
 </p:sld>
 </file>
 
-<file path=ppt/slides/slide13.xml><?xml version="1.0" encoding="utf-8"?>
+<file path=ppt/slides/slide11.xml><?xml version="1.0" encoding="utf-8"?>
 <p:sld xmlns:a="http://schemas.openxmlformats.org/drawingml/2006/main" xmlns:r="http://schemas.openxmlformats.org/officeDocument/2006/relationships" xmlns:p="http://schemas.openxmlformats.org/presentationml/2006/main">
   <p:cSld>
     <p:spTree>
@@ -17382,7 +14385,7 @@
 </p:sld>
 </file>
 
-<file path=ppt/slides/slide14.xml><?xml version="1.0" encoding="utf-8"?>
+<file path=ppt/slides/slide12.xml><?xml version="1.0" encoding="utf-8"?>
 <p:sld xmlns:a="http://schemas.openxmlformats.org/drawingml/2006/main" xmlns:r="http://schemas.openxmlformats.org/officeDocument/2006/relationships" xmlns:p="http://schemas.openxmlformats.org/presentationml/2006/main">
   <p:cSld>
     <p:spTree>
@@ -17427,54 +14430,41 @@
           </a:p>
         </p:txBody>
       </p:sp>
-      <p:sp>
-        <p:nvSpPr>
-          <p:cNvPr id="3" name="Content Placeholder 2">
+      <p:graphicFrame>
+        <p:nvGraphicFramePr>
+          <p:cNvPr id="10" name="Content Placeholder 3" descr="icon SmartArt graphic">
             <a:extLst>
               <a:ext uri="{FF2B5EF4-FFF2-40B4-BE49-F238E27FC236}">
-                <a16:creationId xmlns:a16="http://schemas.microsoft.com/office/drawing/2014/main" id="{BB6ABDC9-DFFA-43A9-8D3F-7AF9A8BE8A97}"/>
+                <a16:creationId xmlns:a16="http://schemas.microsoft.com/office/drawing/2014/main" id="{34C6D995-4E02-4B01-A6BC-696484E5709C}"/>
               </a:ext>
             </a:extLst>
           </p:cNvPr>
-          <p:cNvSpPr>
-            <a:spLocks noGrp="1"/>
-          </p:cNvSpPr>
+          <p:cNvGraphicFramePr>
+            <a:graphicFrameLocks noGrp="1"/>
+          </p:cNvGraphicFramePr>
           <p:nvPr>
             <p:ph idx="1"/>
+            <p:extLst>
+              <p:ext uri="{D42A27DB-BD31-4B8C-83A1-F6EECF244321}">
+                <p14:modId xmlns:p14="http://schemas.microsoft.com/office/powerpoint/2010/main" val="2968556258"/>
+              </p:ext>
+            </p:extLst>
           </p:nvPr>
-        </p:nvSpPr>
-        <p:spPr/>
-        <p:txBody>
-          <a:bodyPr anchor="t"/>
-          <a:lstStyle/>
-          <a:p>
-            <a:pPr>
-              <a:lnSpc>
-                <a:spcPct val="200000"/>
-              </a:lnSpc>
-            </a:pPr>
-            <a:r>
-              <a:rPr lang="en-US" dirty="0"/>
-              <a:t>Flask Framework</a:t>
-            </a:r>
-          </a:p>
-          <a:p>
-            <a:pPr>
-              <a:lnSpc>
-                <a:spcPct val="200000"/>
-              </a:lnSpc>
-            </a:pPr>
-            <a:r>
-              <a:rPr lang="en-US" dirty="0"/>
-              <a:t>Graph Database (Neo4J)</a:t>
-            </a:r>
-          </a:p>
-        </p:txBody>
-      </p:sp>
+        </p:nvGraphicFramePr>
+        <p:xfrm>
+          <a:off x="581192" y="2194639"/>
+          <a:ext cx="10906125" cy="3961205"/>
+        </p:xfrm>
+        <a:graphic>
+          <a:graphicData uri="http://schemas.openxmlformats.org/drawingml/2006/diagram">
+            <dgm:relIds xmlns:dgm="http://schemas.openxmlformats.org/drawingml/2006/diagram" xmlns:r="http://schemas.openxmlformats.org/officeDocument/2006/relationships" r:dm="rId3" r:lo="rId4" r:qs="rId5" r:cs="rId6"/>
+          </a:graphicData>
+        </a:graphic>
+      </p:graphicFrame>
     </p:spTree>
     <p:extLst>
       <p:ext uri="{BB962C8B-B14F-4D97-AF65-F5344CB8AC3E}">
-        <p14:creationId xmlns:p14="http://schemas.microsoft.com/office/powerpoint/2010/main" val="700336461"/>
+        <p14:creationId xmlns:p14="http://schemas.microsoft.com/office/powerpoint/2010/main" val="1597280556"/>
       </p:ext>
     </p:extLst>
   </p:cSld>
@@ -17496,7 +14486,7 @@
 </p:sld>
 </file>
 
-<file path=ppt/slides/slide15.xml><?xml version="1.0" encoding="utf-8"?>
+<file path=ppt/slides/slide13.xml><?xml version="1.0" encoding="utf-8"?>
 <p:sld xmlns:a="http://schemas.openxmlformats.org/drawingml/2006/main" xmlns:r="http://schemas.openxmlformats.org/officeDocument/2006/relationships" xmlns:p="http://schemas.openxmlformats.org/presentationml/2006/main">
   <p:cSld>
     <p:spTree>
@@ -17536,7 +14526,7 @@
           <a:p>
             <a:r>
               <a:rPr lang="en-US" dirty="0"/>
-              <a:t>Modeling - components</a:t>
+              <a:t>MODELING - components</a:t>
             </a:r>
           </a:p>
         </p:txBody>
@@ -17570,7 +14560,7 @@
     </p:spTree>
     <p:extLst>
       <p:ext uri="{BB962C8B-B14F-4D97-AF65-F5344CB8AC3E}">
-        <p14:creationId xmlns:p14="http://schemas.microsoft.com/office/powerpoint/2010/main" val="537949078"/>
+        <p14:creationId xmlns:p14="http://schemas.microsoft.com/office/powerpoint/2010/main" val="2298119931"/>
       </p:ext>
     </p:extLst>
   </p:cSld>
@@ -17592,7 +14582,7 @@
 </p:sld>
 </file>
 
-<file path=ppt/slides/slide16.xml><?xml version="1.0" encoding="utf-8"?>
+<file path=ppt/slides/slide14.xml><?xml version="1.0" encoding="utf-8"?>
 <p:sld xmlns:a="http://schemas.openxmlformats.org/drawingml/2006/main" xmlns:r="http://schemas.openxmlformats.org/officeDocument/2006/relationships" xmlns:p="http://schemas.openxmlformats.org/presentationml/2006/main">
   <p:cSld>
     <p:spTree>
@@ -17702,7 +14692,7 @@
 </p:sld>
 </file>
 
-<file path=ppt/slides/slide17.xml><?xml version="1.0" encoding="utf-8"?>
+<file path=ppt/slides/slide15.xml><?xml version="1.0" encoding="utf-8"?>
 <p:sld xmlns:a="http://schemas.openxmlformats.org/drawingml/2006/main" xmlns:r="http://schemas.openxmlformats.org/officeDocument/2006/relationships" xmlns:p="http://schemas.openxmlformats.org/presentationml/2006/main">
   <p:cSld>
     <p:spTree>
@@ -17812,7 +14802,7 @@
 </p:sld>
 </file>
 
-<file path=ppt/slides/slide18.xml><?xml version="1.0" encoding="utf-8"?>
+<file path=ppt/slides/slide16.xml><?xml version="1.0" encoding="utf-8"?>
 <p:sld xmlns:a="http://schemas.openxmlformats.org/drawingml/2006/main" xmlns:r="http://schemas.openxmlformats.org/officeDocument/2006/relationships" xmlns:p="http://schemas.openxmlformats.org/presentationml/2006/main">
   <p:cSld>
     <p:spTree>
@@ -17927,7 +14917,7 @@
 </p:sld>
 </file>
 
-<file path=ppt/slides/slide19.xml><?xml version="1.0" encoding="utf-8"?>
+<file path=ppt/slides/slide17.xml><?xml version="1.0" encoding="utf-8"?>
 <p:sld xmlns:a="http://schemas.openxmlformats.org/drawingml/2006/main" xmlns:r="http://schemas.openxmlformats.org/officeDocument/2006/relationships" xmlns:p="http://schemas.openxmlformats.org/presentationml/2006/main">
   <p:cSld>
     <p:spTree>
@@ -17967,7 +14957,7 @@
           <a:p>
             <a:r>
               <a:rPr lang="en-US" dirty="0"/>
-              <a:t>Modeling - QUERYING</a:t>
+              <a:t>Modeling - RANKING</a:t>
             </a:r>
           </a:p>
         </p:txBody>
@@ -18037,6 +15027,185 @@
 </p:sld>
 </file>
 
+<file path=ppt/slides/slide18.xml><?xml version="1.0" encoding="utf-8"?>
+<p:sld xmlns:a="http://schemas.openxmlformats.org/drawingml/2006/main" xmlns:r="http://schemas.openxmlformats.org/officeDocument/2006/relationships" xmlns:p="http://schemas.openxmlformats.org/presentationml/2006/main">
+  <p:cSld>
+    <p:bg>
+      <p:bgPr>
+        <a:blipFill dpi="0" rotWithShape="1">
+          <a:blip r:embed="rId2">
+            <a:lum/>
+          </a:blip>
+          <a:srcRect/>
+          <a:stretch>
+            <a:fillRect l="-3000" r="-3000"/>
+          </a:stretch>
+        </a:blipFill>
+        <a:effectLst/>
+      </p:bgPr>
+    </p:bg>
+    <p:spTree>
+      <p:nvGrpSpPr>
+        <p:cNvPr id="1" name=""/>
+        <p:cNvGrpSpPr/>
+        <p:nvPr/>
+      </p:nvGrpSpPr>
+      <p:grpSpPr>
+        <a:xfrm>
+          <a:off x="0" y="0"/>
+          <a:ext cx="0" cy="0"/>
+          <a:chOff x="0" y="0"/>
+          <a:chExt cx="0" cy="0"/>
+        </a:xfrm>
+      </p:grpSpPr>
+      <p:sp>
+        <p:nvSpPr>
+          <p:cNvPr id="22" name="Title 21">
+            <a:extLst>
+              <a:ext uri="{FF2B5EF4-FFF2-40B4-BE49-F238E27FC236}">
+                <a16:creationId xmlns:a16="http://schemas.microsoft.com/office/drawing/2014/main" id="{23F2AC7E-9D11-4C66-87C4-5565EE97C620}"/>
+              </a:ext>
+            </a:extLst>
+          </p:cNvPr>
+          <p:cNvSpPr>
+            <a:spLocks noGrp="1"/>
+          </p:cNvSpPr>
+          <p:nvPr>
+            <p:ph type="title"/>
+          </p:nvPr>
+        </p:nvSpPr>
+        <p:spPr/>
+        <p:txBody>
+          <a:bodyPr/>
+          <a:lstStyle/>
+          <a:p>
+            <a:r>
+              <a:rPr lang="en-US" dirty="0"/>
+              <a:t>Demo</a:t>
+            </a:r>
+          </a:p>
+        </p:txBody>
+      </p:sp>
+    </p:spTree>
+    <p:extLst>
+      <p:ext uri="{BB962C8B-B14F-4D97-AF65-F5344CB8AC3E}">
+        <p14:creationId xmlns:p14="http://schemas.microsoft.com/office/powerpoint/2010/main" val="847009083"/>
+      </p:ext>
+    </p:extLst>
+  </p:cSld>
+  <p:clrMapOvr>
+    <a:masterClrMapping/>
+  </p:clrMapOvr>
+  <mc:AlternateContent xmlns:mc="http://schemas.openxmlformats.org/markup-compatibility/2006" xmlns:p159="http://schemas.microsoft.com/office/powerpoint/2015/09/main">
+    <mc:Choice Requires="p159">
+      <p:transition xmlns:p14="http://schemas.microsoft.com/office/powerpoint/2010/main" spd="slow" p14:dur="2000">
+        <p159:morph option="byObject"/>
+      </p:transition>
+    </mc:Choice>
+    <mc:Fallback xmlns="">
+      <p:transition spd="slow">
+        <p:fade/>
+      </p:transition>
+    </mc:Fallback>
+  </mc:AlternateContent>
+</p:sld>
+</file>
+
+<file path=ppt/slides/slide19.xml><?xml version="1.0" encoding="utf-8"?>
+<p:sld xmlns:a="http://schemas.openxmlformats.org/drawingml/2006/main" xmlns:r="http://schemas.openxmlformats.org/officeDocument/2006/relationships" xmlns:p="http://schemas.openxmlformats.org/presentationml/2006/main">
+  <p:cSld>
+    <p:spTree>
+      <p:nvGrpSpPr>
+        <p:cNvPr id="1" name=""/>
+        <p:cNvGrpSpPr/>
+        <p:nvPr/>
+      </p:nvGrpSpPr>
+      <p:grpSpPr>
+        <a:xfrm>
+          <a:off x="0" y="0"/>
+          <a:ext cx="0" cy="0"/>
+          <a:chOff x="0" y="0"/>
+          <a:chExt cx="0" cy="0"/>
+        </a:xfrm>
+      </p:grpSpPr>
+      <p:sp>
+        <p:nvSpPr>
+          <p:cNvPr id="22" name="Title 21">
+            <a:extLst>
+              <a:ext uri="{FF2B5EF4-FFF2-40B4-BE49-F238E27FC236}">
+                <a16:creationId xmlns:a16="http://schemas.microsoft.com/office/drawing/2014/main" id="{23F2AC7E-9D11-4C66-87C4-5565EE97C620}"/>
+              </a:ext>
+            </a:extLst>
+          </p:cNvPr>
+          <p:cNvSpPr>
+            <a:spLocks noGrp="1"/>
+          </p:cNvSpPr>
+          <p:nvPr>
+            <p:ph type="title"/>
+          </p:nvPr>
+        </p:nvSpPr>
+        <p:spPr/>
+        <p:txBody>
+          <a:bodyPr/>
+          <a:lstStyle/>
+          <a:p>
+            <a:r>
+              <a:rPr lang="en-US" dirty="0"/>
+              <a:t>Conclusion</a:t>
+            </a:r>
+          </a:p>
+        </p:txBody>
+      </p:sp>
+      <p:sp>
+        <p:nvSpPr>
+          <p:cNvPr id="23" name="Text Placeholder 22">
+            <a:extLst>
+              <a:ext uri="{FF2B5EF4-FFF2-40B4-BE49-F238E27FC236}">
+                <a16:creationId xmlns:a16="http://schemas.microsoft.com/office/drawing/2014/main" id="{8F41B6A6-77D3-461D-B320-4EABC470C69A}"/>
+              </a:ext>
+            </a:extLst>
+          </p:cNvPr>
+          <p:cNvSpPr>
+            <a:spLocks noGrp="1"/>
+          </p:cNvSpPr>
+          <p:nvPr>
+            <p:ph type="body" idx="1"/>
+          </p:nvPr>
+        </p:nvSpPr>
+        <p:spPr/>
+        <p:txBody>
+          <a:bodyPr/>
+          <a:lstStyle/>
+          <a:p>
+            <a:endParaRPr lang="en-US" dirty="0"/>
+          </a:p>
+        </p:txBody>
+      </p:sp>
+    </p:spTree>
+    <p:extLst>
+      <p:ext uri="{BB962C8B-B14F-4D97-AF65-F5344CB8AC3E}">
+        <p14:creationId xmlns:p14="http://schemas.microsoft.com/office/powerpoint/2010/main" val="1770976863"/>
+      </p:ext>
+    </p:extLst>
+  </p:cSld>
+  <p:clrMapOvr>
+    <a:masterClrMapping/>
+  </p:clrMapOvr>
+  <mc:AlternateContent xmlns:mc="http://schemas.openxmlformats.org/markup-compatibility/2006" xmlns:p159="http://schemas.microsoft.com/office/powerpoint/2015/09/main">
+    <mc:Choice Requires="p159">
+      <p:transition xmlns:p14="http://schemas.microsoft.com/office/powerpoint/2010/main" spd="slow" p14:dur="2000">
+        <p159:morph option="byObject"/>
+      </p:transition>
+    </mc:Choice>
+    <mc:Fallback xmlns="">
+      <p:transition spd="slow">
+        <p:fade/>
+      </p:transition>
+    </mc:Fallback>
+  </mc:AlternateContent>
+</p:sld>
+</file>
+
 <file path=ppt/slides/slide2.xml><?xml version="1.0" encoding="utf-8"?>
 <p:sld xmlns:a="http://schemas.openxmlformats.org/drawingml/2006/main" xmlns:r="http://schemas.openxmlformats.org/officeDocument/2006/relationships" xmlns:p="http://schemas.openxmlformats.org/presentationml/2006/main">
   <p:cSld>
@@ -18141,185 +15310,6 @@
 <file path=ppt/slides/slide20.xml><?xml version="1.0" encoding="utf-8"?>
 <p:sld xmlns:a="http://schemas.openxmlformats.org/drawingml/2006/main" xmlns:r="http://schemas.openxmlformats.org/officeDocument/2006/relationships" xmlns:p="http://schemas.openxmlformats.org/presentationml/2006/main">
   <p:cSld>
-    <p:bg>
-      <p:bgPr>
-        <a:blipFill dpi="0" rotWithShape="1">
-          <a:blip r:embed="rId2">
-            <a:lum/>
-          </a:blip>
-          <a:srcRect/>
-          <a:stretch>
-            <a:fillRect l="-3000" r="-3000"/>
-          </a:stretch>
-        </a:blipFill>
-        <a:effectLst/>
-      </p:bgPr>
-    </p:bg>
-    <p:spTree>
-      <p:nvGrpSpPr>
-        <p:cNvPr id="1" name=""/>
-        <p:cNvGrpSpPr/>
-        <p:nvPr/>
-      </p:nvGrpSpPr>
-      <p:grpSpPr>
-        <a:xfrm>
-          <a:off x="0" y="0"/>
-          <a:ext cx="0" cy="0"/>
-          <a:chOff x="0" y="0"/>
-          <a:chExt cx="0" cy="0"/>
-        </a:xfrm>
-      </p:grpSpPr>
-      <p:sp>
-        <p:nvSpPr>
-          <p:cNvPr id="22" name="Title 21">
-            <a:extLst>
-              <a:ext uri="{FF2B5EF4-FFF2-40B4-BE49-F238E27FC236}">
-                <a16:creationId xmlns:a16="http://schemas.microsoft.com/office/drawing/2014/main" id="{23F2AC7E-9D11-4C66-87C4-5565EE97C620}"/>
-              </a:ext>
-            </a:extLst>
-          </p:cNvPr>
-          <p:cNvSpPr>
-            <a:spLocks noGrp="1"/>
-          </p:cNvSpPr>
-          <p:nvPr>
-            <p:ph type="title"/>
-          </p:nvPr>
-        </p:nvSpPr>
-        <p:spPr/>
-        <p:txBody>
-          <a:bodyPr/>
-          <a:lstStyle/>
-          <a:p>
-            <a:r>
-              <a:rPr lang="en-US" dirty="0"/>
-              <a:t>Demo</a:t>
-            </a:r>
-          </a:p>
-        </p:txBody>
-      </p:sp>
-    </p:spTree>
-    <p:extLst>
-      <p:ext uri="{BB962C8B-B14F-4D97-AF65-F5344CB8AC3E}">
-        <p14:creationId xmlns:p14="http://schemas.microsoft.com/office/powerpoint/2010/main" val="847009083"/>
-      </p:ext>
-    </p:extLst>
-  </p:cSld>
-  <p:clrMapOvr>
-    <a:masterClrMapping/>
-  </p:clrMapOvr>
-  <mc:AlternateContent xmlns:mc="http://schemas.openxmlformats.org/markup-compatibility/2006" xmlns:p159="http://schemas.microsoft.com/office/powerpoint/2015/09/main">
-    <mc:Choice Requires="p159">
-      <p:transition xmlns:p14="http://schemas.microsoft.com/office/powerpoint/2010/main" spd="slow" p14:dur="2000">
-        <p159:morph option="byObject"/>
-      </p:transition>
-    </mc:Choice>
-    <mc:Fallback xmlns="">
-      <p:transition spd="slow">
-        <p:fade/>
-      </p:transition>
-    </mc:Fallback>
-  </mc:AlternateContent>
-</p:sld>
-</file>
-
-<file path=ppt/slides/slide21.xml><?xml version="1.0" encoding="utf-8"?>
-<p:sld xmlns:a="http://schemas.openxmlformats.org/drawingml/2006/main" xmlns:r="http://schemas.openxmlformats.org/officeDocument/2006/relationships" xmlns:p="http://schemas.openxmlformats.org/presentationml/2006/main">
-  <p:cSld>
-    <p:spTree>
-      <p:nvGrpSpPr>
-        <p:cNvPr id="1" name=""/>
-        <p:cNvGrpSpPr/>
-        <p:nvPr/>
-      </p:nvGrpSpPr>
-      <p:grpSpPr>
-        <a:xfrm>
-          <a:off x="0" y="0"/>
-          <a:ext cx="0" cy="0"/>
-          <a:chOff x="0" y="0"/>
-          <a:chExt cx="0" cy="0"/>
-        </a:xfrm>
-      </p:grpSpPr>
-      <p:sp>
-        <p:nvSpPr>
-          <p:cNvPr id="22" name="Title 21">
-            <a:extLst>
-              <a:ext uri="{FF2B5EF4-FFF2-40B4-BE49-F238E27FC236}">
-                <a16:creationId xmlns:a16="http://schemas.microsoft.com/office/drawing/2014/main" id="{23F2AC7E-9D11-4C66-87C4-5565EE97C620}"/>
-              </a:ext>
-            </a:extLst>
-          </p:cNvPr>
-          <p:cNvSpPr>
-            <a:spLocks noGrp="1"/>
-          </p:cNvSpPr>
-          <p:nvPr>
-            <p:ph type="title"/>
-          </p:nvPr>
-        </p:nvSpPr>
-        <p:spPr/>
-        <p:txBody>
-          <a:bodyPr/>
-          <a:lstStyle/>
-          <a:p>
-            <a:r>
-              <a:rPr lang="en-US" dirty="0"/>
-              <a:t>Conclusion</a:t>
-            </a:r>
-          </a:p>
-        </p:txBody>
-      </p:sp>
-      <p:sp>
-        <p:nvSpPr>
-          <p:cNvPr id="23" name="Text Placeholder 22">
-            <a:extLst>
-              <a:ext uri="{FF2B5EF4-FFF2-40B4-BE49-F238E27FC236}">
-                <a16:creationId xmlns:a16="http://schemas.microsoft.com/office/drawing/2014/main" id="{8F41B6A6-77D3-461D-B320-4EABC470C69A}"/>
-              </a:ext>
-            </a:extLst>
-          </p:cNvPr>
-          <p:cNvSpPr>
-            <a:spLocks noGrp="1"/>
-          </p:cNvSpPr>
-          <p:nvPr>
-            <p:ph type="body" idx="1"/>
-          </p:nvPr>
-        </p:nvSpPr>
-        <p:spPr/>
-        <p:txBody>
-          <a:bodyPr/>
-          <a:lstStyle/>
-          <a:p>
-            <a:endParaRPr lang="en-US" dirty="0"/>
-          </a:p>
-        </p:txBody>
-      </p:sp>
-    </p:spTree>
-    <p:extLst>
-      <p:ext uri="{BB962C8B-B14F-4D97-AF65-F5344CB8AC3E}">
-        <p14:creationId xmlns:p14="http://schemas.microsoft.com/office/powerpoint/2010/main" val="1770976863"/>
-      </p:ext>
-    </p:extLst>
-  </p:cSld>
-  <p:clrMapOvr>
-    <a:masterClrMapping/>
-  </p:clrMapOvr>
-  <mc:AlternateContent xmlns:mc="http://schemas.openxmlformats.org/markup-compatibility/2006" xmlns:p159="http://schemas.microsoft.com/office/powerpoint/2015/09/main">
-    <mc:Choice Requires="p159">
-      <p:transition xmlns:p14="http://schemas.microsoft.com/office/powerpoint/2010/main" spd="slow" p14:dur="2000">
-        <p159:morph option="byObject"/>
-      </p:transition>
-    </mc:Choice>
-    <mc:Fallback xmlns="">
-      <p:transition spd="slow">
-        <p:fade/>
-      </p:transition>
-    </mc:Fallback>
-  </mc:AlternateContent>
-</p:sld>
-</file>
-
-<file path=ppt/slides/slide22.xml><?xml version="1.0" encoding="utf-8"?>
-<p:sld xmlns:a="http://schemas.openxmlformats.org/drawingml/2006/main" xmlns:r="http://schemas.openxmlformats.org/officeDocument/2006/relationships" xmlns:p="http://schemas.openxmlformats.org/presentationml/2006/main">
-  <p:cSld>
     <p:spTree>
       <p:nvGrpSpPr>
         <p:cNvPr id="1" name=""/>
@@ -18442,7 +15432,7 @@
 </p:sld>
 </file>
 
-<file path=ppt/slides/slide23.xml><?xml version="1.0" encoding="utf-8"?>
+<file path=ppt/slides/slide21.xml><?xml version="1.0" encoding="utf-8"?>
 <p:sld xmlns:a="http://schemas.openxmlformats.org/drawingml/2006/main" xmlns:r="http://schemas.openxmlformats.org/officeDocument/2006/relationships" xmlns:p="http://schemas.openxmlformats.org/presentationml/2006/main">
   <p:cSld>
     <p:bg>
@@ -19541,10 +16531,10 @@
       </p:grpSpPr>
       <p:sp>
         <p:nvSpPr>
-          <p:cNvPr id="4" name="Title 3">
+          <p:cNvPr id="22" name="Title 21">
             <a:extLst>
               <a:ext uri="{FF2B5EF4-FFF2-40B4-BE49-F238E27FC236}">
-                <a16:creationId xmlns:a16="http://schemas.microsoft.com/office/drawing/2014/main" id="{DB056804-DCC2-473D-8229-101CED2564CC}"/>
+                <a16:creationId xmlns:a16="http://schemas.microsoft.com/office/drawing/2014/main" id="{23F2AC7E-9D11-4C66-87C4-5565EE97C620}"/>
               </a:ext>
             </a:extLst>
           </p:cNvPr>
@@ -19562,46 +16552,40 @@
           <a:p>
             <a:r>
               <a:rPr lang="en-US" dirty="0"/>
-              <a:t>SYSTEM Architecture - Tools</a:t>
+              <a:t>Modeling</a:t>
             </a:r>
           </a:p>
         </p:txBody>
       </p:sp>
-      <p:graphicFrame>
-        <p:nvGraphicFramePr>
-          <p:cNvPr id="10" name="Content Placeholder 3" descr="icon SmartArt graphic">
+      <p:sp>
+        <p:nvSpPr>
+          <p:cNvPr id="23" name="Text Placeholder 22">
             <a:extLst>
               <a:ext uri="{FF2B5EF4-FFF2-40B4-BE49-F238E27FC236}">
-                <a16:creationId xmlns:a16="http://schemas.microsoft.com/office/drawing/2014/main" id="{34C6D995-4E02-4B01-A6BC-696484E5709C}"/>
+                <a16:creationId xmlns:a16="http://schemas.microsoft.com/office/drawing/2014/main" id="{8F41B6A6-77D3-461D-B320-4EABC470C69A}"/>
               </a:ext>
             </a:extLst>
           </p:cNvPr>
-          <p:cNvGraphicFramePr>
-            <a:graphicFrameLocks noGrp="1"/>
-          </p:cNvGraphicFramePr>
+          <p:cNvSpPr>
+            <a:spLocks noGrp="1"/>
+          </p:cNvSpPr>
           <p:nvPr>
-            <p:ph idx="1"/>
-            <p:extLst>
-              <p:ext uri="{D42A27DB-BD31-4B8C-83A1-F6EECF244321}">
-                <p14:modId xmlns:p14="http://schemas.microsoft.com/office/powerpoint/2010/main" val="2968556258"/>
-              </p:ext>
-            </p:extLst>
+            <p:ph type="body" idx="1"/>
           </p:nvPr>
-        </p:nvGraphicFramePr>
-        <p:xfrm>
-          <a:off x="581192" y="2194639"/>
-          <a:ext cx="10906125" cy="3961205"/>
-        </p:xfrm>
-        <a:graphic>
-          <a:graphicData uri="http://schemas.openxmlformats.org/drawingml/2006/diagram">
-            <dgm:relIds xmlns:dgm="http://schemas.openxmlformats.org/drawingml/2006/diagram" xmlns:r="http://schemas.openxmlformats.org/officeDocument/2006/relationships" r:dm="rId3" r:lo="rId4" r:qs="rId5" r:cs="rId6"/>
-          </a:graphicData>
-        </a:graphic>
-      </p:graphicFrame>
+        </p:nvSpPr>
+        <p:spPr/>
+        <p:txBody>
+          <a:bodyPr/>
+          <a:lstStyle/>
+          <a:p>
+            <a:endParaRPr lang="en-US" dirty="0"/>
+          </a:p>
+        </p:txBody>
+      </p:sp>
     </p:spTree>
     <p:extLst>
       <p:ext uri="{BB962C8B-B14F-4D97-AF65-F5344CB8AC3E}">
-        <p14:creationId xmlns:p14="http://schemas.microsoft.com/office/powerpoint/2010/main" val="1597280556"/>
+        <p14:creationId xmlns:p14="http://schemas.microsoft.com/office/powerpoint/2010/main" val="1476872715"/>
       </p:ext>
     </p:extLst>
   </p:cSld>
@@ -19663,41 +16647,55 @@
           <a:p>
             <a:r>
               <a:rPr lang="en-US" dirty="0"/>
-              <a:t>SYSTEM Architecture - components</a:t>
+              <a:t>Modeling - Model</a:t>
             </a:r>
           </a:p>
         </p:txBody>
       </p:sp>
-      <p:graphicFrame>
-        <p:nvGraphicFramePr>
-          <p:cNvPr id="10" name="Content Placeholder 3" descr="icon SmartArt graphic">
+      <p:pic>
+        <p:nvPicPr>
+          <p:cNvPr id="5" name="Picture 4">
             <a:extLst>
               <a:ext uri="{FF2B5EF4-FFF2-40B4-BE49-F238E27FC236}">
-                <a16:creationId xmlns:a16="http://schemas.microsoft.com/office/drawing/2014/main" id="{34C6D995-4E02-4B01-A6BC-696484E5709C}"/>
+                <a16:creationId xmlns:a16="http://schemas.microsoft.com/office/drawing/2014/main" id="{D8AE21A3-9688-4113-BBAC-C3FB1B07B57F}"/>
               </a:ext>
             </a:extLst>
           </p:cNvPr>
-          <p:cNvGraphicFramePr>
-            <a:graphicFrameLocks noGrp="1"/>
-          </p:cNvGraphicFramePr>
-          <p:nvPr>
-            <p:ph idx="1"/>
-          </p:nvPr>
-        </p:nvGraphicFramePr>
-        <p:xfrm>
-          <a:off x="581192" y="2194639"/>
-          <a:ext cx="10906125" cy="3961205"/>
-        </p:xfrm>
-        <a:graphic>
-          <a:graphicData uri="http://schemas.openxmlformats.org/drawingml/2006/diagram">
-            <dgm:relIds xmlns:dgm="http://schemas.openxmlformats.org/drawingml/2006/diagram" xmlns:r="http://schemas.openxmlformats.org/officeDocument/2006/relationships" r:dm="rId3" r:lo="rId4" r:qs="rId5" r:cs="rId6"/>
-          </a:graphicData>
-        </a:graphic>
-      </p:graphicFrame>
+          <p:cNvPicPr>
+            <a:picLocks noChangeAspect="1"/>
+          </p:cNvPicPr>
+          <p:nvPr/>
+        </p:nvPicPr>
+        <p:blipFill>
+          <a:blip r:embed="rId3"/>
+          <a:stretch>
+            <a:fillRect/>
+          </a:stretch>
+        </p:blipFill>
+        <p:spPr>
+          <a:xfrm>
+            <a:off x="581192" y="2474459"/>
+            <a:ext cx="10718985" cy="3047451"/>
+          </a:xfrm>
+          <a:prstGeom prst="rect">
+            <a:avLst/>
+          </a:prstGeom>
+          <a:ln>
+            <a:noFill/>
+          </a:ln>
+          <a:effectLst>
+            <a:outerShdw blurRad="292100" dist="139700" dir="2700000" algn="tl" rotWithShape="0">
+              <a:srgbClr val="333333">
+                <a:alpha val="65000"/>
+              </a:srgbClr>
+            </a:outerShdw>
+          </a:effectLst>
+        </p:spPr>
+      </p:pic>
     </p:spTree>
     <p:extLst>
       <p:ext uri="{BB962C8B-B14F-4D97-AF65-F5344CB8AC3E}">
-        <p14:creationId xmlns:p14="http://schemas.microsoft.com/office/powerpoint/2010/main" val="2298119931"/>
+        <p14:creationId xmlns:p14="http://schemas.microsoft.com/office/powerpoint/2010/main" val="2908314280"/>
       </p:ext>
     </p:extLst>
   </p:cSld>
@@ -20579,15 +17577,6 @@
 </file>
 
 <file path=customXml/item1.xml><?xml version="1.0" encoding="utf-8"?>
-<p:properties xmlns:p="http://schemas.microsoft.com/office/2006/metadata/properties" xmlns:xsi="http://www.w3.org/2001/XMLSchema-instance" xmlns:pc="http://schemas.microsoft.com/office/infopath/2007/PartnerControls">
-  <documentManagement>
-    <Status xmlns="71af3243-3dd4-4a8d-8c0d-dd76da1f02a5">Not started</Status>
-    <MediaServiceKeyPoints xmlns="71af3243-3dd4-4a8d-8c0d-dd76da1f02a5" xsi:nil="true"/>
-  </documentManagement>
-</p:properties>
-</file>
-
-<file path=customXml/item2.xml><?xml version="1.0" encoding="utf-8"?>
 <ct:contentTypeSchema xmlns:ct="http://schemas.microsoft.com/office/2006/metadata/contentType" xmlns:ma="http://schemas.microsoft.com/office/2006/metadata/properties/metaAttributes" ct:_="" ma:_="" ma:contentTypeName="Document" ma:contentTypeID="0x01010079F111ED35F8CC479449609E8A0923A6" ma:contentTypeVersion="12" ma:contentTypeDescription="Create a new document." ma:contentTypeScope="" ma:versionID="93813dd7ca6ad654711aa0ab317e03a3">
   <xsd:schema xmlns:xsd="http://www.w3.org/2001/XMLSchema" xmlns:xs="http://www.w3.org/2001/XMLSchema" xmlns:p="http://schemas.microsoft.com/office/2006/metadata/properties" xmlns:ns2="71af3243-3dd4-4a8d-8c0d-dd76da1f02a5" xmlns:ns3="16c05727-aa75-4e4a-9b5f-8a80a1165891" targetNamespace="http://schemas.microsoft.com/office/2006/metadata/properties" ma:root="true" ma:fieldsID="f11dc0ce689dd3925e84e4e35398c6e7" ns2:_="" ns3:_="">
     <xsd:import namespace="71af3243-3dd4-4a8d-8c0d-dd76da1f02a5"/>
@@ -20808,6 +17797,15 @@
 </ct:contentTypeSchema>
 </file>
 
+<file path=customXml/item2.xml><?xml version="1.0" encoding="utf-8"?>
+<p:properties xmlns:p="http://schemas.microsoft.com/office/2006/metadata/properties" xmlns:xsi="http://www.w3.org/2001/XMLSchema-instance" xmlns:pc="http://schemas.microsoft.com/office/infopath/2007/PartnerControls">
+  <documentManagement>
+    <Status xmlns="71af3243-3dd4-4a8d-8c0d-dd76da1f02a5">Not started</Status>
+    <MediaServiceKeyPoints xmlns="71af3243-3dd4-4a8d-8c0d-dd76da1f02a5" xsi:nil="true"/>
+  </documentManagement>
+</p:properties>
+</file>
+
 <file path=customXml/item3.xml><?xml version="1.0" encoding="utf-8"?>
 <?mso-contentType ?>
 <FormTemplates xmlns="http://schemas.microsoft.com/sharepoint/v3/contenttype/forms">
@@ -20818,16 +17816,6 @@
 </file>
 
 <file path=customXml/itemProps1.xml><?xml version="1.0" encoding="utf-8"?>
-<ds:datastoreItem xmlns:ds="http://schemas.openxmlformats.org/officeDocument/2006/customXml" ds:itemID="{55B48092-4A2C-4E16-B971-9ACADFFF69E4}">
-  <ds:schemaRefs>
-    <ds:schemaRef ds:uri="http://schemas.microsoft.com/office/2006/metadata/properties"/>
-    <ds:schemaRef ds:uri="http://schemas.microsoft.com/office/infopath/2007/PartnerControls"/>
-    <ds:schemaRef ds:uri="71af3243-3dd4-4a8d-8c0d-dd76da1f02a5"/>
-  </ds:schemaRefs>
-</ds:datastoreItem>
-</file>
-
-<file path=customXml/itemProps2.xml><?xml version="1.0" encoding="utf-8"?>
 <ds:datastoreItem xmlns:ds="http://schemas.openxmlformats.org/officeDocument/2006/customXml" ds:itemID="{E503B719-B9A6-4DC9-AA9D-06F16B758BCB}">
   <ds:schemaRefs>
     <ds:schemaRef ds:uri="http://schemas.microsoft.com/office/2006/metadata/contentType"/>
@@ -20846,6 +17834,16 @@
 </ds:datastoreItem>
 </file>
 
+<file path=customXml/itemProps2.xml><?xml version="1.0" encoding="utf-8"?>
+<ds:datastoreItem xmlns:ds="http://schemas.openxmlformats.org/officeDocument/2006/customXml" ds:itemID="{55B48092-4A2C-4E16-B971-9ACADFFF69E4}">
+  <ds:schemaRefs>
+    <ds:schemaRef ds:uri="http://schemas.microsoft.com/office/2006/metadata/properties"/>
+    <ds:schemaRef ds:uri="http://schemas.microsoft.com/office/infopath/2007/PartnerControls"/>
+    <ds:schemaRef ds:uri="71af3243-3dd4-4a8d-8c0d-dd76da1f02a5"/>
+  </ds:schemaRefs>
+</ds:datastoreItem>
+</file>
+
 <file path=customXml/itemProps3.xml><?xml version="1.0" encoding="utf-8"?>
 <ds:datastoreItem xmlns:ds="http://schemas.openxmlformats.org/officeDocument/2006/customXml" ds:itemID="{3E586370-B0FB-4108-8B4F-329716A22E3A}">
   <ds:schemaRefs>

--- a/docs/find_me.pptx
+++ b/docs/find_me.pptx
@@ -8347,7 +8347,7 @@
           <a:p>
             <a:fld id="{AF869721-F543-4A6C-BF9D-65D7CC540427}" type="datetimeFigureOut">
               <a:rPr lang="en-US" smtClean="0"/>
-              <a:t>7/8/2021</a:t>
+              <a:t>7/14/2021</a:t>
             </a:fld>
             <a:endParaRPr lang="en-US" dirty="0"/>
           </a:p>
@@ -8524,7 +8524,7 @@
           <a:p>
             <a:fld id="{C732326A-4C88-4AFB-AA5B-5919D81DFF5B}" type="datetimeFigureOut">
               <a:rPr lang="en-US" smtClean="0"/>
-              <a:t>7/8/2021</a:t>
+              <a:t>7/14/2021</a:t>
             </a:fld>
             <a:endParaRPr lang="en-US" dirty="0"/>
           </a:p>
@@ -9280,18 +9280,9 @@
           <a:lstStyle/>
           <a:p>
             <a:r>
-              <a:rPr lang="en-US" dirty="0" err="1">
-                <a:hlinkClick r:id="rId3"/>
-              </a:rPr>
-              <a:t>find_me_model.drawio</a:t>
+              <a:rPr lang="en-US" dirty="0"/>
+              <a:t>https://app.diagrams.net/#G17DjBDN78j0e-FsorBzU61J3DlUEmU9Wt</a:t>
             </a:r>
-            <a:r>
-              <a:rPr lang="en-US" dirty="0">
-                <a:hlinkClick r:id="rId3"/>
-              </a:rPr>
-              <a:t> - diagrams.net</a:t>
-            </a:r>
-            <a:endParaRPr lang="en-US" dirty="0"/>
           </a:p>
         </p:txBody>
       </p:sp>
@@ -10129,7 +10120,7 @@
             <a:fld id="{B61BEF0D-F0BB-DE4B-95CE-6DB70DBA9567}" type="datetimeFigureOut">
               <a:rPr lang="en-US" smtClean="0"/>
               <a:pPr/>
-              <a:t>7/8/2021</a:t>
+              <a:t>7/14/2021</a:t>
             </a:fld>
             <a:endParaRPr lang="en-US" dirty="0"/>
           </a:p>
@@ -10393,7 +10384,7 @@
             <a:fld id="{B61BEF0D-F0BB-DE4B-95CE-6DB70DBA9567}" type="datetimeFigureOut">
               <a:rPr lang="en-US" smtClean="0"/>
               <a:pPr/>
-              <a:t>7/8/2021</a:t>
+              <a:t>7/14/2021</a:t>
             </a:fld>
             <a:endParaRPr lang="en-US" dirty="0"/>
           </a:p>
@@ -10630,7 +10621,7 @@
             <a:fld id="{B61BEF0D-F0BB-DE4B-95CE-6DB70DBA9567}" type="datetimeFigureOut">
               <a:rPr lang="en-US" smtClean="0"/>
               <a:pPr/>
-              <a:t>7/8/2021</a:t>
+              <a:t>7/14/2021</a:t>
             </a:fld>
             <a:endParaRPr lang="en-US" dirty="0"/>
           </a:p>
@@ -10872,7 +10863,7 @@
             <a:fld id="{B61BEF0D-F0BB-DE4B-95CE-6DB70DBA9567}" type="datetimeFigureOut">
               <a:rPr lang="en-US" smtClean="0"/>
               <a:pPr/>
-              <a:t>7/8/2021</a:t>
+              <a:t>7/14/2021</a:t>
             </a:fld>
             <a:endParaRPr lang="en-US" dirty="0"/>
           </a:p>
@@ -11181,7 +11172,7 @@
             <a:fld id="{B61BEF0D-F0BB-DE4B-95CE-6DB70DBA9567}" type="datetimeFigureOut">
               <a:rPr lang="en-US" smtClean="0"/>
               <a:pPr/>
-              <a:t>7/8/2021</a:t>
+              <a:t>7/14/2021</a:t>
             </a:fld>
             <a:endParaRPr lang="en-US" dirty="0"/>
           </a:p>
@@ -11485,7 +11476,7 @@
             <a:fld id="{B61BEF0D-F0BB-DE4B-95CE-6DB70DBA9567}" type="datetimeFigureOut">
               <a:rPr lang="en-US" smtClean="0"/>
               <a:pPr/>
-              <a:t>7/8/2021</a:t>
+              <a:t>7/14/2021</a:t>
             </a:fld>
             <a:endParaRPr lang="en-US" dirty="0"/>
           </a:p>
@@ -11909,7 +11900,7 @@
             <a:fld id="{B61BEF0D-F0BB-DE4B-95CE-6DB70DBA9567}" type="datetimeFigureOut">
               <a:rPr lang="en-US" smtClean="0"/>
               <a:pPr/>
-              <a:t>7/8/2021</a:t>
+              <a:t>7/14/2021</a:t>
             </a:fld>
             <a:endParaRPr lang="en-US" dirty="0"/>
           </a:p>
@@ -12006,7 +11997,7 @@
             <a:fld id="{B61BEF0D-F0BB-DE4B-95CE-6DB70DBA9567}" type="datetimeFigureOut">
               <a:rPr lang="en-US" smtClean="0"/>
               <a:pPr/>
-              <a:t>7/8/2021</a:t>
+              <a:t>7/14/2021</a:t>
             </a:fld>
             <a:endParaRPr lang="en-US" dirty="0"/>
           </a:p>
@@ -12170,7 +12161,7 @@
             <a:fld id="{B61BEF0D-F0BB-DE4B-95CE-6DB70DBA9567}" type="datetimeFigureOut">
               <a:rPr lang="en-US" smtClean="0"/>
               <a:pPr/>
-              <a:t>7/8/2021</a:t>
+              <a:t>7/14/2021</a:t>
             </a:fld>
             <a:endParaRPr lang="en-US" dirty="0"/>
           </a:p>
@@ -12550,7 +12541,7 @@
             <a:fld id="{B61BEF0D-F0BB-DE4B-95CE-6DB70DBA9567}" type="datetimeFigureOut">
               <a:rPr lang="en-US" smtClean="0"/>
               <a:pPr/>
-              <a:t>7/8/2021</a:t>
+              <a:t>7/14/2021</a:t>
             </a:fld>
             <a:endParaRPr lang="en-US" dirty="0"/>
           </a:p>
@@ -12841,7 +12832,7 @@
             <a:fld id="{B61BEF0D-F0BB-DE4B-95CE-6DB70DBA9567}" type="datetimeFigureOut">
               <a:rPr lang="en-US" smtClean="0"/>
               <a:pPr/>
-              <a:t>7/8/2021</a:t>
+              <a:t>7/14/2021</a:t>
             </a:fld>
             <a:endParaRPr lang="en-US" dirty="0"/>
           </a:p>
@@ -13054,7 +13045,7 @@
             <a:fld id="{B61BEF0D-F0BB-DE4B-95CE-6DB70DBA9567}" type="datetimeFigureOut">
               <a:rPr lang="en-US" smtClean="0"/>
               <a:pPr/>
-              <a:t>7/8/2021</a:t>
+              <a:t>7/14/2021</a:t>
             </a:fld>
             <a:endParaRPr lang="en-US" dirty="0"/>
           </a:p>
@@ -17577,6 +17568,15 @@
 </file>
 
 <file path=customXml/item1.xml><?xml version="1.0" encoding="utf-8"?>
+<p:properties xmlns:p="http://schemas.microsoft.com/office/2006/metadata/properties" xmlns:xsi="http://www.w3.org/2001/XMLSchema-instance" xmlns:pc="http://schemas.microsoft.com/office/infopath/2007/PartnerControls">
+  <documentManagement>
+    <Status xmlns="71af3243-3dd4-4a8d-8c0d-dd76da1f02a5">Not started</Status>
+    <MediaServiceKeyPoints xmlns="71af3243-3dd4-4a8d-8c0d-dd76da1f02a5" xsi:nil="true"/>
+  </documentManagement>
+</p:properties>
+</file>
+
+<file path=customXml/item2.xml><?xml version="1.0" encoding="utf-8"?>
 <ct:contentTypeSchema xmlns:ct="http://schemas.microsoft.com/office/2006/metadata/contentType" xmlns:ma="http://schemas.microsoft.com/office/2006/metadata/properties/metaAttributes" ct:_="" ma:_="" ma:contentTypeName="Document" ma:contentTypeID="0x01010079F111ED35F8CC479449609E8A0923A6" ma:contentTypeVersion="12" ma:contentTypeDescription="Create a new document." ma:contentTypeScope="" ma:versionID="93813dd7ca6ad654711aa0ab317e03a3">
   <xsd:schema xmlns:xsd="http://www.w3.org/2001/XMLSchema" xmlns:xs="http://www.w3.org/2001/XMLSchema" xmlns:p="http://schemas.microsoft.com/office/2006/metadata/properties" xmlns:ns2="71af3243-3dd4-4a8d-8c0d-dd76da1f02a5" xmlns:ns3="16c05727-aa75-4e4a-9b5f-8a80a1165891" targetNamespace="http://schemas.microsoft.com/office/2006/metadata/properties" ma:root="true" ma:fieldsID="f11dc0ce689dd3925e84e4e35398c6e7" ns2:_="" ns3:_="">
     <xsd:import namespace="71af3243-3dd4-4a8d-8c0d-dd76da1f02a5"/>
@@ -17797,15 +17797,6 @@
 </ct:contentTypeSchema>
 </file>
 
-<file path=customXml/item2.xml><?xml version="1.0" encoding="utf-8"?>
-<p:properties xmlns:p="http://schemas.microsoft.com/office/2006/metadata/properties" xmlns:xsi="http://www.w3.org/2001/XMLSchema-instance" xmlns:pc="http://schemas.microsoft.com/office/infopath/2007/PartnerControls">
-  <documentManagement>
-    <Status xmlns="71af3243-3dd4-4a8d-8c0d-dd76da1f02a5">Not started</Status>
-    <MediaServiceKeyPoints xmlns="71af3243-3dd4-4a8d-8c0d-dd76da1f02a5" xsi:nil="true"/>
-  </documentManagement>
-</p:properties>
-</file>
-
 <file path=customXml/item3.xml><?xml version="1.0" encoding="utf-8"?>
 <?mso-contentType ?>
 <FormTemplates xmlns="http://schemas.microsoft.com/sharepoint/v3/contenttype/forms">
@@ -17816,6 +17807,16 @@
 </file>
 
 <file path=customXml/itemProps1.xml><?xml version="1.0" encoding="utf-8"?>
+<ds:datastoreItem xmlns:ds="http://schemas.openxmlformats.org/officeDocument/2006/customXml" ds:itemID="{55B48092-4A2C-4E16-B971-9ACADFFF69E4}">
+  <ds:schemaRefs>
+    <ds:schemaRef ds:uri="http://schemas.microsoft.com/office/2006/metadata/properties"/>
+    <ds:schemaRef ds:uri="http://schemas.microsoft.com/office/infopath/2007/PartnerControls"/>
+    <ds:schemaRef ds:uri="71af3243-3dd4-4a8d-8c0d-dd76da1f02a5"/>
+  </ds:schemaRefs>
+</ds:datastoreItem>
+</file>
+
+<file path=customXml/itemProps2.xml><?xml version="1.0" encoding="utf-8"?>
 <ds:datastoreItem xmlns:ds="http://schemas.openxmlformats.org/officeDocument/2006/customXml" ds:itemID="{E503B719-B9A6-4DC9-AA9D-06F16B758BCB}">
   <ds:schemaRefs>
     <ds:schemaRef ds:uri="http://schemas.microsoft.com/office/2006/metadata/contentType"/>
@@ -17834,16 +17835,6 @@
 </ds:datastoreItem>
 </file>
 
-<file path=customXml/itemProps2.xml><?xml version="1.0" encoding="utf-8"?>
-<ds:datastoreItem xmlns:ds="http://schemas.openxmlformats.org/officeDocument/2006/customXml" ds:itemID="{55B48092-4A2C-4E16-B971-9ACADFFF69E4}">
-  <ds:schemaRefs>
-    <ds:schemaRef ds:uri="http://schemas.microsoft.com/office/2006/metadata/properties"/>
-    <ds:schemaRef ds:uri="http://schemas.microsoft.com/office/infopath/2007/PartnerControls"/>
-    <ds:schemaRef ds:uri="71af3243-3dd4-4a8d-8c0d-dd76da1f02a5"/>
-  </ds:schemaRefs>
-</ds:datastoreItem>
-</file>
-
 <file path=customXml/itemProps3.xml><?xml version="1.0" encoding="utf-8"?>
 <ds:datastoreItem xmlns:ds="http://schemas.openxmlformats.org/officeDocument/2006/customXml" ds:itemID="{3E586370-B0FB-4108-8B4F-329716A22E3A}">
   <ds:schemaRefs>
